--- a/pictures/introduction.pptx
+++ b/pictures/introduction.pptx
@@ -5,15 +5,19 @@
     <p:sldMasterId id="2147483648" r:id="rId1"/>
   </p:sldMasterIdLst>
   <p:notesMasterIdLst>
-    <p:notesMasterId r:id="rId8"/>
+    <p:notesMasterId r:id="rId12"/>
   </p:notesMasterIdLst>
   <p:sldIdLst>
     <p:sldId id="261" r:id="rId2"/>
-    <p:sldId id="262" r:id="rId3"/>
-    <p:sldId id="257" r:id="rId4"/>
-    <p:sldId id="258" r:id="rId5"/>
-    <p:sldId id="259" r:id="rId6"/>
-    <p:sldId id="260" r:id="rId7"/>
+    <p:sldId id="267" r:id="rId3"/>
+    <p:sldId id="268" r:id="rId4"/>
+    <p:sldId id="275" r:id="rId5"/>
+    <p:sldId id="269" r:id="rId6"/>
+    <p:sldId id="271" r:id="rId7"/>
+    <p:sldId id="272" r:id="rId8"/>
+    <p:sldId id="274" r:id="rId9"/>
+    <p:sldId id="260" r:id="rId10"/>
+    <p:sldId id="259" r:id="rId11"/>
   </p:sldIdLst>
   <p:sldSz cx="12192000" cy="6858000"/>
   <p:notesSz cx="6858000" cy="9144000"/>
@@ -113,6 +117,32 @@
     </a:lvl9pPr>
   </p:defaultTextStyle>
   <p:extLst>
+    <p:ext uri="{521415D9-36F7-43E2-AB2F-B90AF26B5E84}">
+      <p14:sectionLst xmlns:p14="http://schemas.microsoft.com/office/powerpoint/2010/main">
+        <p14:section name="player1" id="{C928C6DD-A8B0-4EDF-9A2A-EB8EEBB6A25F}">
+          <p14:sldIdLst>
+            <p14:sldId id="261"/>
+            <p14:sldId id="267"/>
+            <p14:sldId id="268"/>
+            <p14:sldId id="275"/>
+          </p14:sldIdLst>
+        </p14:section>
+        <p14:section name="player2" id="{FBD96FB9-F4A0-49F8-B142-11D22A4026E0}">
+          <p14:sldIdLst>
+            <p14:sldId id="269"/>
+            <p14:sldId id="271"/>
+            <p14:sldId id="272"/>
+          </p14:sldIdLst>
+        </p14:section>
+        <p14:section name="insert pictures" id="{0987D39C-2E96-485A-8C68-510B317FB800}">
+          <p14:sldIdLst>
+            <p14:sldId id="274"/>
+            <p14:sldId id="260"/>
+            <p14:sldId id="259"/>
+          </p14:sldIdLst>
+        </p14:section>
+      </p14:sectionLst>
+    </p:ext>
     <p:ext uri="{EFAFB233-063F-42B5-8137-9DF3F51BA10A}">
       <p15:sldGuideLst xmlns:p15="http://schemas.microsoft.com/office/powerpoint/2012/main"/>
     </p:ext>
@@ -202,7 +232,7 @@
           <a:p>
             <a:fld id="{C0546B5F-B17E-4A11-A9CD-A10C644EC78D}" type="datetimeFigureOut">
               <a:rPr lang="zh-CN" altLang="en-US" smtClean="0"/>
-              <a:t>2020/10/15</a:t>
+              <a:t>2021/5/29</a:t>
             </a:fld>
             <a:endParaRPr lang="zh-CN" altLang="en-US"/>
           </a:p>
@@ -513,6 +543,339 @@
           <a:bodyPr/>
           <a:lstStyle/>
           <a:p>
+            <a:pPr marL="0" marR="0" lvl="0" indent="0" algn="l" defTabSz="914400" rtl="0" eaLnBrk="1" fontAlgn="auto" latinLnBrk="0" hangingPunct="1">
+              <a:lnSpc>
+                <a:spcPct val="100000"/>
+              </a:lnSpc>
+              <a:spcBef>
+                <a:spcPts val="0"/>
+              </a:spcBef>
+              <a:spcAft>
+                <a:spcPts val="0"/>
+              </a:spcAft>
+              <a:buClrTx/>
+              <a:buSzTx/>
+              <a:buFontTx/>
+              <a:buNone/>
+              <a:tabLst/>
+              <a:defRPr/>
+            </a:pPr>
+            <a:r>
+              <a:rPr lang="zh-CN" altLang="en-US" dirty="0"/>
+              <a:t>角色说明</a:t>
+            </a:r>
+          </a:p>
+        </p:txBody>
+      </p:sp>
+      <p:sp>
+        <p:nvSpPr>
+          <p:cNvPr id="4" name="灯片编号占位符 3"/>
+          <p:cNvSpPr>
+            <a:spLocks noGrp="1"/>
+          </p:cNvSpPr>
+          <p:nvPr>
+            <p:ph type="sldNum" sz="quarter" idx="5"/>
+          </p:nvPr>
+        </p:nvSpPr>
+        <p:spPr/>
+        <p:txBody>
+          <a:bodyPr/>
+          <a:lstStyle/>
+          <a:p>
+            <a:fld id="{19214DBA-04C0-4AE0-9391-D985D3AC6701}" type="slidenum">
+              <a:rPr lang="zh-CN" altLang="en-US" smtClean="0"/>
+              <a:t>1</a:t>
+            </a:fld>
+            <a:endParaRPr lang="zh-CN" altLang="en-US"/>
+          </a:p>
+        </p:txBody>
+      </p:sp>
+    </p:spTree>
+    <p:extLst>
+      <p:ext uri="{BB962C8B-B14F-4D97-AF65-F5344CB8AC3E}">
+        <p14:creationId xmlns:p14="http://schemas.microsoft.com/office/powerpoint/2010/main" val="3085038183"/>
+      </p:ext>
+    </p:extLst>
+  </p:cSld>
+  <p:clrMapOvr>
+    <a:masterClrMapping/>
+  </p:clrMapOvr>
+</p:notes>
+</file>
+
+<file path=ppt/notesSlides/notesSlide2.xml><?xml version="1.0" encoding="utf-8"?>
+<p:notes xmlns:a="http://schemas.openxmlformats.org/drawingml/2006/main" xmlns:r="http://schemas.openxmlformats.org/officeDocument/2006/relationships" xmlns:p="http://schemas.openxmlformats.org/presentationml/2006/main">
+  <p:cSld>
+    <p:spTree>
+      <p:nvGrpSpPr>
+        <p:cNvPr id="1" name=""/>
+        <p:cNvGrpSpPr/>
+        <p:nvPr/>
+      </p:nvGrpSpPr>
+      <p:grpSpPr>
+        <a:xfrm>
+          <a:off x="0" y="0"/>
+          <a:ext cx="0" cy="0"/>
+          <a:chOff x="0" y="0"/>
+          <a:chExt cx="0" cy="0"/>
+        </a:xfrm>
+      </p:grpSpPr>
+      <p:sp>
+        <p:nvSpPr>
+          <p:cNvPr id="2" name="幻灯片图像占位符 1"/>
+          <p:cNvSpPr>
+            <a:spLocks noGrp="1" noRot="1" noChangeAspect="1"/>
+          </p:cNvSpPr>
+          <p:nvPr>
+            <p:ph type="sldImg"/>
+          </p:nvPr>
+        </p:nvSpPr>
+        <p:spPr/>
+      </p:sp>
+      <p:sp>
+        <p:nvSpPr>
+          <p:cNvPr id="3" name="备注占位符 2"/>
+          <p:cNvSpPr>
+            <a:spLocks noGrp="1"/>
+          </p:cNvSpPr>
+          <p:nvPr>
+            <p:ph type="body" idx="1"/>
+          </p:nvPr>
+        </p:nvSpPr>
+        <p:spPr/>
+        <p:txBody>
+          <a:bodyPr/>
+          <a:lstStyle/>
+          <a:p>
+            <a:pPr marL="0" marR="0" lvl="0" indent="0" algn="l" defTabSz="914400" rtl="0" eaLnBrk="1" fontAlgn="auto" latinLnBrk="0" hangingPunct="1">
+              <a:lnSpc>
+                <a:spcPct val="100000"/>
+              </a:lnSpc>
+              <a:spcBef>
+                <a:spcPts val="0"/>
+              </a:spcBef>
+              <a:spcAft>
+                <a:spcPts val="0"/>
+              </a:spcAft>
+              <a:buClrTx/>
+              <a:buSzTx/>
+              <a:buFontTx/>
+              <a:buNone/>
+              <a:tabLst/>
+              <a:defRPr/>
+            </a:pPr>
+            <a:r>
+              <a:rPr lang="zh-CN" altLang="en-US" dirty="0"/>
+              <a:t>规则定义</a:t>
+            </a:r>
+          </a:p>
+        </p:txBody>
+      </p:sp>
+      <p:sp>
+        <p:nvSpPr>
+          <p:cNvPr id="4" name="灯片编号占位符 3"/>
+          <p:cNvSpPr>
+            <a:spLocks noGrp="1"/>
+          </p:cNvSpPr>
+          <p:nvPr>
+            <p:ph type="sldNum" sz="quarter" idx="5"/>
+          </p:nvPr>
+        </p:nvSpPr>
+        <p:spPr/>
+        <p:txBody>
+          <a:bodyPr/>
+          <a:lstStyle/>
+          <a:p>
+            <a:fld id="{19214DBA-04C0-4AE0-9391-D985D3AC6701}" type="slidenum">
+              <a:rPr lang="zh-CN" altLang="en-US" smtClean="0"/>
+              <a:t>2</a:t>
+            </a:fld>
+            <a:endParaRPr lang="zh-CN" altLang="en-US"/>
+          </a:p>
+        </p:txBody>
+      </p:sp>
+    </p:spTree>
+    <p:extLst>
+      <p:ext uri="{BB962C8B-B14F-4D97-AF65-F5344CB8AC3E}">
+        <p14:creationId xmlns:p14="http://schemas.microsoft.com/office/powerpoint/2010/main" val="527959055"/>
+      </p:ext>
+    </p:extLst>
+  </p:cSld>
+  <p:clrMapOvr>
+    <a:masterClrMapping/>
+  </p:clrMapOvr>
+</p:notes>
+</file>
+
+<file path=ppt/notesSlides/notesSlide3.xml><?xml version="1.0" encoding="utf-8"?>
+<p:notes xmlns:a="http://schemas.openxmlformats.org/drawingml/2006/main" xmlns:r="http://schemas.openxmlformats.org/officeDocument/2006/relationships" xmlns:p="http://schemas.openxmlformats.org/presentationml/2006/main">
+  <p:cSld>
+    <p:spTree>
+      <p:nvGrpSpPr>
+        <p:cNvPr id="1" name=""/>
+        <p:cNvGrpSpPr/>
+        <p:nvPr/>
+      </p:nvGrpSpPr>
+      <p:grpSpPr>
+        <a:xfrm>
+          <a:off x="0" y="0"/>
+          <a:ext cx="0" cy="0"/>
+          <a:chOff x="0" y="0"/>
+          <a:chExt cx="0" cy="0"/>
+        </a:xfrm>
+      </p:grpSpPr>
+      <p:sp>
+        <p:nvSpPr>
+          <p:cNvPr id="2" name="幻灯片图像占位符 1"/>
+          <p:cNvSpPr>
+            <a:spLocks noGrp="1" noRot="1" noChangeAspect="1"/>
+          </p:cNvSpPr>
+          <p:nvPr>
+            <p:ph type="sldImg"/>
+          </p:nvPr>
+        </p:nvSpPr>
+        <p:spPr/>
+      </p:sp>
+      <p:sp>
+        <p:nvSpPr>
+          <p:cNvPr id="3" name="备注占位符 2"/>
+          <p:cNvSpPr>
+            <a:spLocks noGrp="1"/>
+          </p:cNvSpPr>
+          <p:nvPr>
+            <p:ph type="body" idx="1"/>
+          </p:nvPr>
+        </p:nvSpPr>
+        <p:spPr/>
+        <p:txBody>
+          <a:bodyPr/>
+          <a:lstStyle/>
+          <a:p>
+            <a:pPr marL="0" marR="0" lvl="0" indent="0" algn="l" defTabSz="914400" rtl="0" eaLnBrk="1" fontAlgn="auto" latinLnBrk="0" hangingPunct="1">
+              <a:lnSpc>
+                <a:spcPct val="100000"/>
+              </a:lnSpc>
+              <a:spcBef>
+                <a:spcPts val="0"/>
+              </a:spcBef>
+              <a:spcAft>
+                <a:spcPts val="0"/>
+              </a:spcAft>
+              <a:buClrTx/>
+              <a:buSzTx/>
+              <a:buFontTx/>
+              <a:buNone/>
+              <a:tabLst/>
+              <a:defRPr/>
+            </a:pPr>
+            <a:r>
+              <a:rPr lang="zh-CN" altLang="en-US" dirty="0"/>
+              <a:t>分数计算</a:t>
+            </a:r>
+          </a:p>
+        </p:txBody>
+      </p:sp>
+      <p:sp>
+        <p:nvSpPr>
+          <p:cNvPr id="4" name="灯片编号占位符 3"/>
+          <p:cNvSpPr>
+            <a:spLocks noGrp="1"/>
+          </p:cNvSpPr>
+          <p:nvPr>
+            <p:ph type="sldNum" sz="quarter" idx="5"/>
+          </p:nvPr>
+        </p:nvSpPr>
+        <p:spPr/>
+        <p:txBody>
+          <a:bodyPr/>
+          <a:lstStyle/>
+          <a:p>
+            <a:fld id="{19214DBA-04C0-4AE0-9391-D985D3AC6701}" type="slidenum">
+              <a:rPr lang="zh-CN" altLang="en-US" smtClean="0"/>
+              <a:t>3</a:t>
+            </a:fld>
+            <a:endParaRPr lang="zh-CN" altLang="en-US"/>
+          </a:p>
+        </p:txBody>
+      </p:sp>
+    </p:spTree>
+    <p:extLst>
+      <p:ext uri="{BB962C8B-B14F-4D97-AF65-F5344CB8AC3E}">
+        <p14:creationId xmlns:p14="http://schemas.microsoft.com/office/powerpoint/2010/main" val="158989708"/>
+      </p:ext>
+    </p:extLst>
+  </p:cSld>
+  <p:clrMapOvr>
+    <a:masterClrMapping/>
+  </p:clrMapOvr>
+</p:notes>
+</file>
+
+<file path=ppt/notesSlides/notesSlide4.xml><?xml version="1.0" encoding="utf-8"?>
+<p:notes xmlns:a="http://schemas.openxmlformats.org/drawingml/2006/main" xmlns:r="http://schemas.openxmlformats.org/officeDocument/2006/relationships" xmlns:p="http://schemas.openxmlformats.org/presentationml/2006/main">
+  <p:cSld>
+    <p:spTree>
+      <p:nvGrpSpPr>
+        <p:cNvPr id="1" name=""/>
+        <p:cNvGrpSpPr/>
+        <p:nvPr/>
+      </p:nvGrpSpPr>
+      <p:grpSpPr>
+        <a:xfrm>
+          <a:off x="0" y="0"/>
+          <a:ext cx="0" cy="0"/>
+          <a:chOff x="0" y="0"/>
+          <a:chExt cx="0" cy="0"/>
+        </a:xfrm>
+      </p:grpSpPr>
+      <p:sp>
+        <p:nvSpPr>
+          <p:cNvPr id="2" name="幻灯片图像占位符 1"/>
+          <p:cNvSpPr>
+            <a:spLocks noGrp="1" noRot="1" noChangeAspect="1"/>
+          </p:cNvSpPr>
+          <p:nvPr>
+            <p:ph type="sldImg"/>
+          </p:nvPr>
+        </p:nvSpPr>
+        <p:spPr/>
+      </p:sp>
+      <p:sp>
+        <p:nvSpPr>
+          <p:cNvPr id="3" name="备注占位符 2"/>
+          <p:cNvSpPr>
+            <a:spLocks noGrp="1"/>
+          </p:cNvSpPr>
+          <p:nvPr>
+            <p:ph type="body" idx="1"/>
+          </p:nvPr>
+        </p:nvSpPr>
+        <p:spPr/>
+        <p:txBody>
+          <a:bodyPr/>
+          <a:lstStyle/>
+          <a:p>
+            <a:pPr marL="0" marR="0" lvl="0" indent="0" algn="l" defTabSz="914400" rtl="0" eaLnBrk="1" fontAlgn="auto" latinLnBrk="0" hangingPunct="1">
+              <a:lnSpc>
+                <a:spcPct val="100000"/>
+              </a:lnSpc>
+              <a:spcBef>
+                <a:spcPts val="0"/>
+              </a:spcBef>
+              <a:spcAft>
+                <a:spcPts val="0"/>
+              </a:spcAft>
+              <a:buClrTx/>
+              <a:buSzTx/>
+              <a:buFontTx/>
+              <a:buNone/>
+              <a:tabLst/>
+              <a:defRPr/>
+            </a:pPr>
+            <a:r>
+              <a:rPr lang="zh-CN" altLang="en-US" dirty="0"/>
+              <a:t>另一玩家角色说明（</a:t>
+            </a:r>
             <a:r>
               <a:rPr lang="en-US" altLang="zh-CN" dirty="0"/>
               <a:t>0</a:t>
@@ -527,8 +890,28 @@
             </a:r>
             <a:r>
               <a:rPr lang="zh-CN" altLang="en-US" dirty="0"/>
-              <a:t>红</a:t>
+              <a:t>红）</a:t>
             </a:r>
+          </a:p>
+          <a:p>
+            <a:pPr marL="0" marR="0" lvl="0" indent="0" algn="l" defTabSz="914400" rtl="0" eaLnBrk="1" fontAlgn="auto" latinLnBrk="0" hangingPunct="1">
+              <a:lnSpc>
+                <a:spcPct val="100000"/>
+              </a:lnSpc>
+              <a:spcBef>
+                <a:spcPts val="0"/>
+              </a:spcBef>
+              <a:spcAft>
+                <a:spcPts val="0"/>
+              </a:spcAft>
+              <a:buClrTx/>
+              <a:buSzTx/>
+              <a:buFontTx/>
+              <a:buNone/>
+              <a:tabLst/>
+              <a:defRPr/>
+            </a:pPr>
+            <a:endParaRPr lang="zh-CN" altLang="en-US" dirty="0"/>
           </a:p>
         </p:txBody>
       </p:sp>
@@ -539,7 +922,7 @@
             <a:spLocks noGrp="1"/>
           </p:cNvSpPr>
           <p:nvPr>
-            <p:ph type="sldNum" sz="quarter" idx="10"/>
+            <p:ph type="sldNum" sz="quarter" idx="5"/>
           </p:nvPr>
         </p:nvSpPr>
         <p:spPr/>
@@ -549,7 +932,7 @@
           <a:p>
             <a:fld id="{19214DBA-04C0-4AE0-9391-D985D3AC6701}" type="slidenum">
               <a:rPr lang="zh-CN" altLang="en-US" smtClean="0"/>
-              <a:t>2</a:t>
+              <a:t>5</a:t>
             </a:fld>
             <a:endParaRPr lang="zh-CN" altLang="en-US"/>
           </a:p>
@@ -558,7 +941,215 @@
     </p:spTree>
     <p:extLst>
       <p:ext uri="{BB962C8B-B14F-4D97-AF65-F5344CB8AC3E}">
-        <p14:creationId xmlns:p14="http://schemas.microsoft.com/office/powerpoint/2010/main" val="705809225"/>
+        <p14:creationId xmlns:p14="http://schemas.microsoft.com/office/powerpoint/2010/main" val="1978041715"/>
+      </p:ext>
+    </p:extLst>
+  </p:cSld>
+  <p:clrMapOvr>
+    <a:masterClrMapping/>
+  </p:clrMapOvr>
+</p:notes>
+</file>
+
+<file path=ppt/notesSlides/notesSlide5.xml><?xml version="1.0" encoding="utf-8"?>
+<p:notes xmlns:a="http://schemas.openxmlformats.org/drawingml/2006/main" xmlns:r="http://schemas.openxmlformats.org/officeDocument/2006/relationships" xmlns:p="http://schemas.openxmlformats.org/presentationml/2006/main">
+  <p:cSld>
+    <p:spTree>
+      <p:nvGrpSpPr>
+        <p:cNvPr id="1" name=""/>
+        <p:cNvGrpSpPr/>
+        <p:nvPr/>
+      </p:nvGrpSpPr>
+      <p:grpSpPr>
+        <a:xfrm>
+          <a:off x="0" y="0"/>
+          <a:ext cx="0" cy="0"/>
+          <a:chOff x="0" y="0"/>
+          <a:chExt cx="0" cy="0"/>
+        </a:xfrm>
+      </p:grpSpPr>
+      <p:sp>
+        <p:nvSpPr>
+          <p:cNvPr id="2" name="幻灯片图像占位符 1"/>
+          <p:cNvSpPr>
+            <a:spLocks noGrp="1" noRot="1" noChangeAspect="1"/>
+          </p:cNvSpPr>
+          <p:nvPr>
+            <p:ph type="sldImg"/>
+          </p:nvPr>
+        </p:nvSpPr>
+        <p:spPr/>
+      </p:sp>
+      <p:sp>
+        <p:nvSpPr>
+          <p:cNvPr id="3" name="备注占位符 2"/>
+          <p:cNvSpPr>
+            <a:spLocks noGrp="1"/>
+          </p:cNvSpPr>
+          <p:nvPr>
+            <p:ph type="body" idx="1"/>
+          </p:nvPr>
+        </p:nvSpPr>
+        <p:spPr/>
+        <p:txBody>
+          <a:bodyPr/>
+          <a:lstStyle/>
+          <a:p>
+            <a:pPr marL="0" marR="0" lvl="0" indent="0" algn="l" defTabSz="914400" rtl="0" eaLnBrk="1" fontAlgn="auto" latinLnBrk="0" hangingPunct="1">
+              <a:lnSpc>
+                <a:spcPct val="100000"/>
+              </a:lnSpc>
+              <a:spcBef>
+                <a:spcPts val="0"/>
+              </a:spcBef>
+              <a:spcAft>
+                <a:spcPts val="0"/>
+              </a:spcAft>
+              <a:buClrTx/>
+              <a:buSzTx/>
+              <a:buFontTx/>
+              <a:buNone/>
+              <a:tabLst/>
+              <a:defRPr/>
+            </a:pPr>
+            <a:r>
+              <a:rPr lang="zh-CN" altLang="en-US" dirty="0"/>
+              <a:t>规则定义</a:t>
+            </a:r>
+          </a:p>
+        </p:txBody>
+      </p:sp>
+      <p:sp>
+        <p:nvSpPr>
+          <p:cNvPr id="4" name="灯片编号占位符 3"/>
+          <p:cNvSpPr>
+            <a:spLocks noGrp="1"/>
+          </p:cNvSpPr>
+          <p:nvPr>
+            <p:ph type="sldNum" sz="quarter" idx="5"/>
+          </p:nvPr>
+        </p:nvSpPr>
+        <p:spPr/>
+        <p:txBody>
+          <a:bodyPr/>
+          <a:lstStyle/>
+          <a:p>
+            <a:fld id="{19214DBA-04C0-4AE0-9391-D985D3AC6701}" type="slidenum">
+              <a:rPr lang="zh-CN" altLang="en-US" smtClean="0"/>
+              <a:t>6</a:t>
+            </a:fld>
+            <a:endParaRPr lang="zh-CN" altLang="en-US"/>
+          </a:p>
+        </p:txBody>
+      </p:sp>
+    </p:spTree>
+    <p:extLst>
+      <p:ext uri="{BB962C8B-B14F-4D97-AF65-F5344CB8AC3E}">
+        <p14:creationId xmlns:p14="http://schemas.microsoft.com/office/powerpoint/2010/main" val="2270375542"/>
+      </p:ext>
+    </p:extLst>
+  </p:cSld>
+  <p:clrMapOvr>
+    <a:masterClrMapping/>
+  </p:clrMapOvr>
+</p:notes>
+</file>
+
+<file path=ppt/notesSlides/notesSlide6.xml><?xml version="1.0" encoding="utf-8"?>
+<p:notes xmlns:a="http://schemas.openxmlformats.org/drawingml/2006/main" xmlns:r="http://schemas.openxmlformats.org/officeDocument/2006/relationships" xmlns:p="http://schemas.openxmlformats.org/presentationml/2006/main">
+  <p:cSld>
+    <p:spTree>
+      <p:nvGrpSpPr>
+        <p:cNvPr id="1" name=""/>
+        <p:cNvGrpSpPr/>
+        <p:nvPr/>
+      </p:nvGrpSpPr>
+      <p:grpSpPr>
+        <a:xfrm>
+          <a:off x="0" y="0"/>
+          <a:ext cx="0" cy="0"/>
+          <a:chOff x="0" y="0"/>
+          <a:chExt cx="0" cy="0"/>
+        </a:xfrm>
+      </p:grpSpPr>
+      <p:sp>
+        <p:nvSpPr>
+          <p:cNvPr id="2" name="幻灯片图像占位符 1"/>
+          <p:cNvSpPr>
+            <a:spLocks noGrp="1" noRot="1" noChangeAspect="1"/>
+          </p:cNvSpPr>
+          <p:nvPr>
+            <p:ph type="sldImg"/>
+          </p:nvPr>
+        </p:nvSpPr>
+        <p:spPr/>
+      </p:sp>
+      <p:sp>
+        <p:nvSpPr>
+          <p:cNvPr id="3" name="备注占位符 2"/>
+          <p:cNvSpPr>
+            <a:spLocks noGrp="1"/>
+          </p:cNvSpPr>
+          <p:nvPr>
+            <p:ph type="body" idx="1"/>
+          </p:nvPr>
+        </p:nvSpPr>
+        <p:spPr/>
+        <p:txBody>
+          <a:bodyPr/>
+          <a:lstStyle/>
+          <a:p>
+            <a:pPr marL="0" marR="0" lvl="0" indent="0" algn="l" defTabSz="914400" rtl="0" eaLnBrk="1" fontAlgn="auto" latinLnBrk="0" hangingPunct="1">
+              <a:lnSpc>
+                <a:spcPct val="100000"/>
+              </a:lnSpc>
+              <a:spcBef>
+                <a:spcPts val="0"/>
+              </a:spcBef>
+              <a:spcAft>
+                <a:spcPts val="0"/>
+              </a:spcAft>
+              <a:buClrTx/>
+              <a:buSzTx/>
+              <a:buFontTx/>
+              <a:buNone/>
+              <a:tabLst/>
+              <a:defRPr/>
+            </a:pPr>
+            <a:r>
+              <a:rPr lang="zh-CN" altLang="en-US" dirty="0"/>
+              <a:t>分数计算</a:t>
+            </a:r>
+          </a:p>
+        </p:txBody>
+      </p:sp>
+      <p:sp>
+        <p:nvSpPr>
+          <p:cNvPr id="4" name="灯片编号占位符 3"/>
+          <p:cNvSpPr>
+            <a:spLocks noGrp="1"/>
+          </p:cNvSpPr>
+          <p:nvPr>
+            <p:ph type="sldNum" sz="quarter" idx="5"/>
+          </p:nvPr>
+        </p:nvSpPr>
+        <p:spPr/>
+        <p:txBody>
+          <a:bodyPr/>
+          <a:lstStyle/>
+          <a:p>
+            <a:fld id="{19214DBA-04C0-4AE0-9391-D985D3AC6701}" type="slidenum">
+              <a:rPr lang="zh-CN" altLang="en-US" smtClean="0"/>
+              <a:t>7</a:t>
+            </a:fld>
+            <a:endParaRPr lang="zh-CN" altLang="en-US"/>
+          </a:p>
+        </p:txBody>
+      </p:sp>
+    </p:spTree>
+    <p:extLst>
+      <p:ext uri="{BB962C8B-B14F-4D97-AF65-F5344CB8AC3E}">
+        <p14:creationId xmlns:p14="http://schemas.microsoft.com/office/powerpoint/2010/main" val="682576371"/>
       </p:ext>
     </p:extLst>
   </p:cSld>
@@ -715,7 +1306,7 @@
           <a:p>
             <a:fld id="{22C6D5CB-9E91-4D8B-8A6F-E7E64CE5E759}" type="datetimeFigureOut">
               <a:rPr lang="zh-CN" altLang="en-US" smtClean="0"/>
-              <a:t>2020/10/15</a:t>
+              <a:t>2021/5/29</a:t>
             </a:fld>
             <a:endParaRPr lang="zh-CN" altLang="en-US"/>
           </a:p>
@@ -913,7 +1504,7 @@
           <a:p>
             <a:fld id="{22C6D5CB-9E91-4D8B-8A6F-E7E64CE5E759}" type="datetimeFigureOut">
               <a:rPr lang="zh-CN" altLang="en-US" smtClean="0"/>
-              <a:t>2020/10/15</a:t>
+              <a:t>2021/5/29</a:t>
             </a:fld>
             <a:endParaRPr lang="zh-CN" altLang="en-US"/>
           </a:p>
@@ -1121,7 +1712,7 @@
           <a:p>
             <a:fld id="{22C6D5CB-9E91-4D8B-8A6F-E7E64CE5E759}" type="datetimeFigureOut">
               <a:rPr lang="zh-CN" altLang="en-US" smtClean="0"/>
-              <a:t>2020/10/15</a:t>
+              <a:t>2021/5/29</a:t>
             </a:fld>
             <a:endParaRPr lang="zh-CN" altLang="en-US"/>
           </a:p>
@@ -1319,7 +1910,7 @@
           <a:p>
             <a:fld id="{22C6D5CB-9E91-4D8B-8A6F-E7E64CE5E759}" type="datetimeFigureOut">
               <a:rPr lang="zh-CN" altLang="en-US" smtClean="0"/>
-              <a:t>2020/10/15</a:t>
+              <a:t>2021/5/29</a:t>
             </a:fld>
             <a:endParaRPr lang="zh-CN" altLang="en-US"/>
           </a:p>
@@ -1594,7 +2185,7 @@
           <a:p>
             <a:fld id="{22C6D5CB-9E91-4D8B-8A6F-E7E64CE5E759}" type="datetimeFigureOut">
               <a:rPr lang="zh-CN" altLang="en-US" smtClean="0"/>
-              <a:t>2020/10/15</a:t>
+              <a:t>2021/5/29</a:t>
             </a:fld>
             <a:endParaRPr lang="zh-CN" altLang="en-US"/>
           </a:p>
@@ -1859,7 +2450,7 @@
           <a:p>
             <a:fld id="{22C6D5CB-9E91-4D8B-8A6F-E7E64CE5E759}" type="datetimeFigureOut">
               <a:rPr lang="zh-CN" altLang="en-US" smtClean="0"/>
-              <a:t>2020/10/15</a:t>
+              <a:t>2021/5/29</a:t>
             </a:fld>
             <a:endParaRPr lang="zh-CN" altLang="en-US"/>
           </a:p>
@@ -2271,7 +2862,7 @@
           <a:p>
             <a:fld id="{22C6D5CB-9E91-4D8B-8A6F-E7E64CE5E759}" type="datetimeFigureOut">
               <a:rPr lang="zh-CN" altLang="en-US" smtClean="0"/>
-              <a:t>2020/10/15</a:t>
+              <a:t>2021/5/29</a:t>
             </a:fld>
             <a:endParaRPr lang="zh-CN" altLang="en-US"/>
           </a:p>
@@ -2412,7 +3003,7 @@
           <a:p>
             <a:fld id="{22C6D5CB-9E91-4D8B-8A6F-E7E64CE5E759}" type="datetimeFigureOut">
               <a:rPr lang="zh-CN" altLang="en-US" smtClean="0"/>
-              <a:t>2020/10/15</a:t>
+              <a:t>2021/5/29</a:t>
             </a:fld>
             <a:endParaRPr lang="zh-CN" altLang="en-US"/>
           </a:p>
@@ -2525,7 +3116,7 @@
           <a:p>
             <a:fld id="{22C6D5CB-9E91-4D8B-8A6F-E7E64CE5E759}" type="datetimeFigureOut">
               <a:rPr lang="zh-CN" altLang="en-US" smtClean="0"/>
-              <a:t>2020/10/15</a:t>
+              <a:t>2021/5/29</a:t>
             </a:fld>
             <a:endParaRPr lang="zh-CN" altLang="en-US"/>
           </a:p>
@@ -2836,7 +3427,7 @@
           <a:p>
             <a:fld id="{22C6D5CB-9E91-4D8B-8A6F-E7E64CE5E759}" type="datetimeFigureOut">
               <a:rPr lang="zh-CN" altLang="en-US" smtClean="0"/>
-              <a:t>2020/10/15</a:t>
+              <a:t>2021/5/29</a:t>
             </a:fld>
             <a:endParaRPr lang="zh-CN" altLang="en-US"/>
           </a:p>
@@ -3124,7 +3715,7 @@
           <a:p>
             <a:fld id="{22C6D5CB-9E91-4D8B-8A6F-E7E64CE5E759}" type="datetimeFigureOut">
               <a:rPr lang="zh-CN" altLang="en-US" smtClean="0"/>
-              <a:t>2020/10/15</a:t>
+              <a:t>2021/5/29</a:t>
             </a:fld>
             <a:endParaRPr lang="zh-CN" altLang="en-US"/>
           </a:p>
@@ -3365,7 +3956,7 @@
           <a:p>
             <a:fld id="{22C6D5CB-9E91-4D8B-8A6F-E7E64CE5E759}" type="datetimeFigureOut">
               <a:rPr lang="zh-CN" altLang="en-US" smtClean="0"/>
-              <a:t>2020/10/15</a:t>
+              <a:t>2021/5/29</a:t>
             </a:fld>
             <a:endParaRPr lang="zh-CN" altLang="en-US"/>
           </a:p>
@@ -3796,6 +4387,5778 @@
         </p:nvGrpSpPr>
         <p:grpSpPr>
           <a:xfrm>
+            <a:off x="862389" y="418594"/>
+            <a:ext cx="9129850" cy="6404339"/>
+            <a:chOff x="862927" y="679407"/>
+            <a:chExt cx="8934541" cy="6131859"/>
+          </a:xfrm>
+        </p:grpSpPr>
+        <p:sp>
+          <p:nvSpPr>
+            <p:cNvPr id="4" name="矩形 3"/>
+            <p:cNvSpPr/>
+            <p:nvPr/>
+          </p:nvSpPr>
+          <p:spPr>
+            <a:xfrm>
+              <a:off x="862927" y="679407"/>
+              <a:ext cx="8767482" cy="6131859"/>
+            </a:xfrm>
+            <a:prstGeom prst="rect">
+              <a:avLst/>
+            </a:prstGeom>
+            <a:solidFill>
+              <a:schemeClr val="bg2">
+                <a:lumMod val="25000"/>
+              </a:schemeClr>
+            </a:solidFill>
+            <a:ln>
+              <a:noFill/>
+            </a:ln>
+          </p:spPr>
+          <p:style>
+            <a:lnRef idx="3">
+              <a:schemeClr val="lt1"/>
+            </a:lnRef>
+            <a:fillRef idx="1">
+              <a:schemeClr val="accent3"/>
+            </a:fillRef>
+            <a:effectRef idx="1">
+              <a:schemeClr val="accent3"/>
+            </a:effectRef>
+            <a:fontRef idx="minor">
+              <a:schemeClr val="lt1"/>
+            </a:fontRef>
+          </p:style>
+          <p:txBody>
+            <a:bodyPr rtlCol="0" anchor="ctr"/>
+            <a:lstStyle/>
+            <a:p>
+              <a:pPr>
+                <a:lnSpc>
+                  <a:spcPct val="150000"/>
+                </a:lnSpc>
+                <a:spcBef>
+                  <a:spcPts val="200"/>
+                </a:spcBef>
+                <a:spcAft>
+                  <a:spcPts val="200"/>
+                </a:spcAft>
+              </a:pPr>
+              <a:endParaRPr lang="zh-CN" altLang="en-US" sz="2000" dirty="0">
+                <a:latin typeface="黑体" panose="02010609060101010101" pitchFamily="49" charset="-122"/>
+                <a:ea typeface="黑体" panose="02010609060101010101" pitchFamily="49" charset="-122"/>
+              </a:endParaRPr>
+            </a:p>
+          </p:txBody>
+        </p:sp>
+        <p:sp>
+          <p:nvSpPr>
+            <p:cNvPr id="3" name="文本框 2"/>
+            <p:cNvSpPr txBox="1"/>
+            <p:nvPr/>
+          </p:nvSpPr>
+          <p:spPr>
+            <a:xfrm>
+              <a:off x="1029986" y="976758"/>
+              <a:ext cx="8767482" cy="1268790"/>
+            </a:xfrm>
+            <a:prstGeom prst="rect">
+              <a:avLst/>
+            </a:prstGeom>
+            <a:noFill/>
+          </p:spPr>
+          <p:txBody>
+            <a:bodyPr wrap="square" rtlCol="0">
+              <a:spAutoFit/>
+            </a:bodyPr>
+            <a:lstStyle/>
+            <a:p>
+              <a:pPr>
+                <a:lnSpc>
+                  <a:spcPct val="150000"/>
+                </a:lnSpc>
+                <a:spcBef>
+                  <a:spcPts val="200"/>
+                </a:spcBef>
+                <a:spcAft>
+                  <a:spcPts val="200"/>
+                </a:spcAft>
+              </a:pPr>
+              <a:r>
+                <a:rPr lang="zh-CN" altLang="en-US" dirty="0">
+                  <a:solidFill>
+                    <a:schemeClr val="bg1">
+                      <a:lumMod val="95000"/>
+                    </a:schemeClr>
+                  </a:solidFill>
+                  <a:latin typeface="黑体" panose="02010609060101010101" pitchFamily="49" charset="-122"/>
+                  <a:ea typeface="黑体" panose="02010609060101010101" pitchFamily="49" charset="-122"/>
+                </a:rPr>
+                <a:t>您好，欢迎参与“狼追羊”游戏！</a:t>
+              </a:r>
+              <a:endParaRPr lang="en-US" altLang="zh-CN" dirty="0">
+                <a:solidFill>
+                  <a:schemeClr val="bg1">
+                    <a:lumMod val="95000"/>
+                  </a:schemeClr>
+                </a:solidFill>
+                <a:latin typeface="黑体" panose="02010609060101010101" pitchFamily="49" charset="-122"/>
+                <a:ea typeface="黑体" panose="02010609060101010101" pitchFamily="49" charset="-122"/>
+              </a:endParaRPr>
+            </a:p>
+            <a:p>
+              <a:pPr>
+                <a:lnSpc>
+                  <a:spcPct val="150000"/>
+                </a:lnSpc>
+                <a:spcBef>
+                  <a:spcPts val="200"/>
+                </a:spcBef>
+                <a:spcAft>
+                  <a:spcPts val="200"/>
+                </a:spcAft>
+              </a:pPr>
+              <a:r>
+                <a:rPr lang="zh-CN" altLang="en-US" dirty="0">
+                  <a:solidFill>
+                    <a:schemeClr val="bg1">
+                      <a:lumMod val="95000"/>
+                    </a:schemeClr>
+                  </a:solidFill>
+                  <a:latin typeface="黑体" panose="02010609060101010101" pitchFamily="49" charset="-122"/>
+                  <a:ea typeface="黑体" panose="02010609060101010101" pitchFamily="49" charset="-122"/>
+                </a:rPr>
+                <a:t>在本游戏中，您与另一玩家将同时扮演“狼”（</a:t>
+              </a:r>
+              <a:r>
+                <a:rPr lang="zh-CN" altLang="en-US" dirty="0">
+                  <a:solidFill>
+                    <a:srgbClr val="FF0000"/>
+                  </a:solidFill>
+                  <a:latin typeface="黑体" panose="02010609060101010101" pitchFamily="49" charset="-122"/>
+                  <a:ea typeface="黑体" panose="02010609060101010101" pitchFamily="49" charset="-122"/>
+                </a:rPr>
+                <a:t>您：红色小球</a:t>
+              </a:r>
+              <a:r>
+                <a:rPr lang="zh-CN" altLang="en-US" dirty="0">
+                  <a:solidFill>
+                    <a:schemeClr val="bg1">
+                      <a:lumMod val="95000"/>
+                    </a:schemeClr>
+                  </a:solidFill>
+                  <a:latin typeface="黑体" panose="02010609060101010101" pitchFamily="49" charset="-122"/>
+                  <a:ea typeface="黑体" panose="02010609060101010101" pitchFamily="49" charset="-122"/>
+                </a:rPr>
+                <a:t>，</a:t>
+              </a:r>
+              <a:r>
+                <a:rPr lang="zh-CN" altLang="en-US" dirty="0">
+                  <a:solidFill>
+                    <a:srgbClr val="FFC000"/>
+                  </a:solidFill>
+                  <a:latin typeface="黑体" panose="02010609060101010101" pitchFamily="49" charset="-122"/>
+                  <a:ea typeface="黑体" panose="02010609060101010101" pitchFamily="49" charset="-122"/>
+                </a:rPr>
+                <a:t>另一玩家：橙色小球</a:t>
+              </a:r>
+              <a:r>
+                <a:rPr lang="zh-CN" altLang="en-US" dirty="0">
+                  <a:solidFill>
+                    <a:schemeClr val="bg1">
+                      <a:lumMod val="95000"/>
+                    </a:schemeClr>
+                  </a:solidFill>
+                  <a:latin typeface="黑体" panose="02010609060101010101" pitchFamily="49" charset="-122"/>
+                  <a:ea typeface="黑体" panose="02010609060101010101" pitchFamily="49" charset="-122"/>
+                </a:rPr>
+                <a:t>），你们的任务是</a:t>
+              </a:r>
+              <a:r>
+                <a:rPr lang="zh-CN" altLang="en-US" dirty="0">
+                  <a:solidFill>
+                    <a:srgbClr val="92D050"/>
+                  </a:solidFill>
+                  <a:latin typeface="黑体" panose="02010609060101010101" pitchFamily="49" charset="-122"/>
+                  <a:ea typeface="黑体" panose="02010609060101010101" pitchFamily="49" charset="-122"/>
+                </a:rPr>
+                <a:t>尽快</a:t>
+              </a:r>
+              <a:r>
+                <a:rPr lang="zh-CN" altLang="en-US" dirty="0">
+                  <a:solidFill>
+                    <a:schemeClr val="bg1">
+                      <a:lumMod val="95000"/>
+                    </a:schemeClr>
+                  </a:solidFill>
+                  <a:effectLst>
+                    <a:outerShdw blurRad="38100" dist="38100" dir="2700000" algn="tl">
+                      <a:srgbClr val="000000">
+                        <a:alpha val="43137"/>
+                      </a:srgbClr>
+                    </a:outerShdw>
+                  </a:effectLst>
+                  <a:latin typeface="黑体" panose="02010609060101010101" pitchFamily="49" charset="-122"/>
+                  <a:ea typeface="黑体" panose="02010609060101010101" pitchFamily="49" charset="-122"/>
+                </a:rPr>
+                <a:t>地在规定时间内</a:t>
+              </a:r>
+              <a:r>
+                <a:rPr lang="zh-CN" altLang="en-US" dirty="0">
+                  <a:solidFill>
+                    <a:schemeClr val="bg1">
+                      <a:lumMod val="95000"/>
+                    </a:schemeClr>
+                  </a:solidFill>
+                  <a:latin typeface="黑体" panose="02010609060101010101" pitchFamily="49" charset="-122"/>
+                  <a:ea typeface="黑体" panose="02010609060101010101" pitchFamily="49" charset="-122"/>
+                </a:rPr>
+                <a:t>抓住屏幕中跑动的“羊”（</a:t>
+              </a:r>
+              <a:r>
+                <a:rPr lang="zh-CN" altLang="en-US" dirty="0">
+                  <a:solidFill>
+                    <a:srgbClr val="0070C0"/>
+                  </a:solidFill>
+                  <a:latin typeface="黑体" panose="02010609060101010101" pitchFamily="49" charset="-122"/>
+                  <a:ea typeface="黑体" panose="02010609060101010101" pitchFamily="49" charset="-122"/>
+                </a:rPr>
+                <a:t>蓝色小球</a:t>
+              </a:r>
+              <a:r>
+                <a:rPr lang="zh-CN" altLang="en-US" dirty="0">
+                  <a:solidFill>
+                    <a:schemeClr val="bg1">
+                      <a:lumMod val="95000"/>
+                    </a:schemeClr>
+                  </a:solidFill>
+                  <a:latin typeface="黑体" panose="02010609060101010101" pitchFamily="49" charset="-122"/>
+                  <a:ea typeface="黑体" panose="02010609060101010101" pitchFamily="49" charset="-122"/>
+                </a:rPr>
+                <a:t>）。</a:t>
+              </a:r>
+              <a:endParaRPr lang="en-US" altLang="zh-CN" dirty="0">
+                <a:solidFill>
+                  <a:schemeClr val="bg1">
+                    <a:lumMod val="95000"/>
+                  </a:schemeClr>
+                </a:solidFill>
+                <a:latin typeface="黑体" panose="02010609060101010101" pitchFamily="49" charset="-122"/>
+                <a:ea typeface="黑体" panose="02010609060101010101" pitchFamily="49" charset="-122"/>
+              </a:endParaRPr>
+            </a:p>
+          </p:txBody>
+        </p:sp>
+      </p:grpSp>
+      <p:grpSp>
+        <p:nvGrpSpPr>
+          <p:cNvPr id="29" name="组合 28">
+            <a:extLst>
+              <a:ext uri="{FF2B5EF4-FFF2-40B4-BE49-F238E27FC236}">
+                <a16:creationId xmlns:a16="http://schemas.microsoft.com/office/drawing/2014/main" id="{6A1A71DB-CCFF-46C0-876C-31A54E1E0EB5}"/>
+              </a:ext>
+            </a:extLst>
+          </p:cNvPr>
+          <p:cNvGrpSpPr/>
+          <p:nvPr/>
+        </p:nvGrpSpPr>
+        <p:grpSpPr>
+          <a:xfrm>
+            <a:off x="2769245" y="2223295"/>
+            <a:ext cx="5145424" cy="4216111"/>
+            <a:chOff x="3124152" y="2088684"/>
+            <a:chExt cx="3763478" cy="3185962"/>
+          </a:xfrm>
+        </p:grpSpPr>
+        <p:sp>
+          <p:nvSpPr>
+            <p:cNvPr id="5" name="矩形 4">
+              <a:extLst>
+                <a:ext uri="{FF2B5EF4-FFF2-40B4-BE49-F238E27FC236}">
+                  <a16:creationId xmlns:a16="http://schemas.microsoft.com/office/drawing/2014/main" id="{0B043D4D-433E-4948-8A1D-948858D8CF9C}"/>
+                </a:ext>
+              </a:extLst>
+            </p:cNvPr>
+            <p:cNvSpPr/>
+            <p:nvPr/>
+          </p:nvSpPr>
+          <p:spPr>
+            <a:xfrm>
+              <a:off x="3124152" y="2088684"/>
+              <a:ext cx="3763478" cy="3185962"/>
+            </a:xfrm>
+            <a:prstGeom prst="rect">
+              <a:avLst/>
+            </a:prstGeom>
+          </p:spPr>
+          <p:style>
+            <a:lnRef idx="2">
+              <a:schemeClr val="accent3">
+                <a:shade val="50000"/>
+              </a:schemeClr>
+            </a:lnRef>
+            <a:fillRef idx="1">
+              <a:schemeClr val="accent3"/>
+            </a:fillRef>
+            <a:effectRef idx="0">
+              <a:schemeClr val="accent3"/>
+            </a:effectRef>
+            <a:fontRef idx="minor">
+              <a:schemeClr val="lt1"/>
+            </a:fontRef>
+          </p:style>
+          <p:txBody>
+            <a:bodyPr rtlCol="0" anchor="ctr"/>
+            <a:lstStyle/>
+            <a:p>
+              <a:pPr algn="ctr"/>
+              <a:endParaRPr lang="zh-CN" altLang="en-US" dirty="0"/>
+            </a:p>
+          </p:txBody>
+        </p:sp>
+        <p:sp>
+          <p:nvSpPr>
+            <p:cNvPr id="6" name="椭圆 5">
+              <a:extLst>
+                <a:ext uri="{FF2B5EF4-FFF2-40B4-BE49-F238E27FC236}">
+                  <a16:creationId xmlns:a16="http://schemas.microsoft.com/office/drawing/2014/main" id="{66086F7F-60B8-4A83-97AB-FA74605F968A}"/>
+                </a:ext>
+              </a:extLst>
+            </p:cNvPr>
+            <p:cNvSpPr/>
+            <p:nvPr/>
+          </p:nvSpPr>
+          <p:spPr>
+            <a:xfrm>
+              <a:off x="3898231" y="2569945"/>
+              <a:ext cx="173256" cy="173256"/>
+            </a:xfrm>
+            <a:prstGeom prst="ellipse">
+              <a:avLst/>
+            </a:prstGeom>
+          </p:spPr>
+          <p:style>
+            <a:lnRef idx="2">
+              <a:schemeClr val="accent1">
+                <a:shade val="50000"/>
+              </a:schemeClr>
+            </a:lnRef>
+            <a:fillRef idx="1">
+              <a:schemeClr val="accent1"/>
+            </a:fillRef>
+            <a:effectRef idx="0">
+              <a:schemeClr val="accent1"/>
+            </a:effectRef>
+            <a:fontRef idx="minor">
+              <a:schemeClr val="lt1"/>
+            </a:fontRef>
+          </p:style>
+          <p:txBody>
+            <a:bodyPr rtlCol="0" anchor="ctr"/>
+            <a:lstStyle/>
+            <a:p>
+              <a:pPr algn="ctr"/>
+              <a:endParaRPr lang="zh-CN" altLang="en-US"/>
+            </a:p>
+          </p:txBody>
+        </p:sp>
+        <p:sp>
+          <p:nvSpPr>
+            <p:cNvPr id="7" name="椭圆 6">
+              <a:extLst>
+                <a:ext uri="{FF2B5EF4-FFF2-40B4-BE49-F238E27FC236}">
+                  <a16:creationId xmlns:a16="http://schemas.microsoft.com/office/drawing/2014/main" id="{DC100545-0C66-42DA-A5CD-3C36ED6E7C8D}"/>
+                </a:ext>
+              </a:extLst>
+            </p:cNvPr>
+            <p:cNvSpPr/>
+            <p:nvPr/>
+          </p:nvSpPr>
+          <p:spPr>
+            <a:xfrm>
+              <a:off x="6081562" y="3049604"/>
+              <a:ext cx="173256" cy="173256"/>
+            </a:xfrm>
+            <a:prstGeom prst="ellipse">
+              <a:avLst/>
+            </a:prstGeom>
+          </p:spPr>
+          <p:style>
+            <a:lnRef idx="2">
+              <a:schemeClr val="accent1">
+                <a:shade val="50000"/>
+              </a:schemeClr>
+            </a:lnRef>
+            <a:fillRef idx="1">
+              <a:schemeClr val="accent1"/>
+            </a:fillRef>
+            <a:effectRef idx="0">
+              <a:schemeClr val="accent1"/>
+            </a:effectRef>
+            <a:fontRef idx="minor">
+              <a:schemeClr val="lt1"/>
+            </a:fontRef>
+          </p:style>
+          <p:txBody>
+            <a:bodyPr rtlCol="0" anchor="ctr"/>
+            <a:lstStyle/>
+            <a:p>
+              <a:pPr algn="ctr"/>
+              <a:endParaRPr lang="zh-CN" altLang="en-US"/>
+            </a:p>
+          </p:txBody>
+        </p:sp>
+        <p:sp>
+          <p:nvSpPr>
+            <p:cNvPr id="8" name="椭圆 7">
+              <a:extLst>
+                <a:ext uri="{FF2B5EF4-FFF2-40B4-BE49-F238E27FC236}">
+                  <a16:creationId xmlns:a16="http://schemas.microsoft.com/office/drawing/2014/main" id="{81D5187F-EC26-42A7-BCB8-5CDECA8697D8}"/>
+                </a:ext>
+              </a:extLst>
+            </p:cNvPr>
+            <p:cNvSpPr/>
+            <p:nvPr/>
+          </p:nvSpPr>
+          <p:spPr>
+            <a:xfrm>
+              <a:off x="4198125" y="3438626"/>
+              <a:ext cx="173256" cy="173256"/>
+            </a:xfrm>
+            <a:prstGeom prst="ellipse">
+              <a:avLst/>
+            </a:prstGeom>
+          </p:spPr>
+          <p:style>
+            <a:lnRef idx="2">
+              <a:schemeClr val="accent1">
+                <a:shade val="50000"/>
+              </a:schemeClr>
+            </a:lnRef>
+            <a:fillRef idx="1">
+              <a:schemeClr val="accent1"/>
+            </a:fillRef>
+            <a:effectRef idx="0">
+              <a:schemeClr val="accent1"/>
+            </a:effectRef>
+            <a:fontRef idx="minor">
+              <a:schemeClr val="lt1"/>
+            </a:fontRef>
+          </p:style>
+          <p:txBody>
+            <a:bodyPr rtlCol="0" anchor="ctr"/>
+            <a:lstStyle/>
+            <a:p>
+              <a:pPr algn="ctr"/>
+              <a:endParaRPr lang="zh-CN" altLang="en-US"/>
+            </a:p>
+          </p:txBody>
+        </p:sp>
+        <p:sp>
+          <p:nvSpPr>
+            <p:cNvPr id="9" name="椭圆 8">
+              <a:extLst>
+                <a:ext uri="{FF2B5EF4-FFF2-40B4-BE49-F238E27FC236}">
+                  <a16:creationId xmlns:a16="http://schemas.microsoft.com/office/drawing/2014/main" id="{8AB024DF-FD6F-4DEC-A1A6-A76E5D25F6AB}"/>
+                </a:ext>
+              </a:extLst>
+            </p:cNvPr>
+            <p:cNvSpPr/>
+            <p:nvPr/>
+          </p:nvSpPr>
+          <p:spPr>
+            <a:xfrm>
+              <a:off x="5005891" y="4676273"/>
+              <a:ext cx="173256" cy="173256"/>
+            </a:xfrm>
+            <a:prstGeom prst="ellipse">
+              <a:avLst/>
+            </a:prstGeom>
+          </p:spPr>
+          <p:style>
+            <a:lnRef idx="2">
+              <a:schemeClr val="accent1">
+                <a:shade val="50000"/>
+              </a:schemeClr>
+            </a:lnRef>
+            <a:fillRef idx="1">
+              <a:schemeClr val="accent1"/>
+            </a:fillRef>
+            <a:effectRef idx="0">
+              <a:schemeClr val="accent1"/>
+            </a:effectRef>
+            <a:fontRef idx="minor">
+              <a:schemeClr val="lt1"/>
+            </a:fontRef>
+          </p:style>
+          <p:txBody>
+            <a:bodyPr rtlCol="0" anchor="ctr"/>
+            <a:lstStyle/>
+            <a:p>
+              <a:pPr algn="ctr"/>
+              <a:endParaRPr lang="zh-CN" altLang="en-US"/>
+            </a:p>
+          </p:txBody>
+        </p:sp>
+        <p:sp>
+          <p:nvSpPr>
+            <p:cNvPr id="10" name="椭圆 9">
+              <a:extLst>
+                <a:ext uri="{FF2B5EF4-FFF2-40B4-BE49-F238E27FC236}">
+                  <a16:creationId xmlns:a16="http://schemas.microsoft.com/office/drawing/2014/main" id="{85281FF0-F85C-498D-AA10-9F8265AB568F}"/>
+                </a:ext>
+              </a:extLst>
+            </p:cNvPr>
+            <p:cNvSpPr/>
+            <p:nvPr/>
+          </p:nvSpPr>
+          <p:spPr>
+            <a:xfrm>
+              <a:off x="5134040" y="3525254"/>
+              <a:ext cx="173256" cy="173256"/>
+            </a:xfrm>
+            <a:prstGeom prst="ellipse">
+              <a:avLst/>
+            </a:prstGeom>
+            <a:solidFill>
+              <a:srgbClr val="FF0000"/>
+            </a:solidFill>
+            <a:ln>
+              <a:solidFill>
+                <a:srgbClr val="C00000"/>
+              </a:solidFill>
+            </a:ln>
+          </p:spPr>
+          <p:style>
+            <a:lnRef idx="2">
+              <a:schemeClr val="accent1">
+                <a:shade val="50000"/>
+              </a:schemeClr>
+            </a:lnRef>
+            <a:fillRef idx="1">
+              <a:schemeClr val="accent1"/>
+            </a:fillRef>
+            <a:effectRef idx="0">
+              <a:schemeClr val="accent1"/>
+            </a:effectRef>
+            <a:fontRef idx="minor">
+              <a:schemeClr val="lt1"/>
+            </a:fontRef>
+          </p:style>
+          <p:txBody>
+            <a:bodyPr rtlCol="0" anchor="ctr"/>
+            <a:lstStyle/>
+            <a:p>
+              <a:pPr algn="ctr"/>
+              <a:endParaRPr lang="zh-CN" altLang="en-US"/>
+            </a:p>
+          </p:txBody>
+        </p:sp>
+        <p:sp>
+          <p:nvSpPr>
+            <p:cNvPr id="11" name="椭圆 10">
+              <a:extLst>
+                <a:ext uri="{FF2B5EF4-FFF2-40B4-BE49-F238E27FC236}">
+                  <a16:creationId xmlns:a16="http://schemas.microsoft.com/office/drawing/2014/main" id="{80A792D0-7DC2-4A65-AE32-FF35A391FB25}"/>
+                </a:ext>
+              </a:extLst>
+            </p:cNvPr>
+            <p:cNvSpPr/>
+            <p:nvPr/>
+          </p:nvSpPr>
+          <p:spPr>
+            <a:xfrm>
+              <a:off x="5975684" y="3792354"/>
+              <a:ext cx="173256" cy="173256"/>
+            </a:xfrm>
+            <a:prstGeom prst="ellipse">
+              <a:avLst/>
+            </a:prstGeom>
+          </p:spPr>
+          <p:style>
+            <a:lnRef idx="2">
+              <a:schemeClr val="accent4">
+                <a:shade val="50000"/>
+              </a:schemeClr>
+            </a:lnRef>
+            <a:fillRef idx="1">
+              <a:schemeClr val="accent4"/>
+            </a:fillRef>
+            <a:effectRef idx="0">
+              <a:schemeClr val="accent4"/>
+            </a:effectRef>
+            <a:fontRef idx="minor">
+              <a:schemeClr val="lt1"/>
+            </a:fontRef>
+          </p:style>
+          <p:txBody>
+            <a:bodyPr rtlCol="0" anchor="ctr"/>
+            <a:lstStyle/>
+            <a:p>
+              <a:pPr algn="ctr"/>
+              <a:endParaRPr lang="zh-CN" altLang="en-US"/>
+            </a:p>
+          </p:txBody>
+        </p:sp>
+        <p:sp>
+          <p:nvSpPr>
+            <p:cNvPr id="12" name="文本框 11">
+              <a:extLst>
+                <a:ext uri="{FF2B5EF4-FFF2-40B4-BE49-F238E27FC236}">
+                  <a16:creationId xmlns:a16="http://schemas.microsoft.com/office/drawing/2014/main" id="{7BF282D8-C6F0-4D63-B181-334948F0A13B}"/>
+                </a:ext>
+              </a:extLst>
+            </p:cNvPr>
+            <p:cNvSpPr txBox="1"/>
+            <p:nvPr/>
+          </p:nvSpPr>
+          <p:spPr>
+            <a:xfrm>
+              <a:off x="4488443" y="2147534"/>
+              <a:ext cx="1381407" cy="302349"/>
+            </a:xfrm>
+            <a:prstGeom prst="rect">
+              <a:avLst/>
+            </a:prstGeom>
+            <a:noFill/>
+          </p:spPr>
+          <p:txBody>
+            <a:bodyPr wrap="none" rtlCol="0">
+              <a:spAutoFit/>
+            </a:bodyPr>
+            <a:lstStyle/>
+            <a:p>
+              <a:r>
+                <a:rPr lang="en-US" altLang="zh-CN" sz="2000" b="1" dirty="0" err="1">
+                  <a:solidFill>
+                    <a:srgbClr val="FF0000"/>
+                  </a:solidFill>
+                </a:rPr>
+                <a:t>TotalScore</a:t>
+              </a:r>
+              <a:r>
+                <a:rPr lang="zh-CN" altLang="en-US" sz="2000" b="1" dirty="0">
+                  <a:solidFill>
+                    <a:srgbClr val="FF0000"/>
+                  </a:solidFill>
+                </a:rPr>
+                <a:t>：</a:t>
+              </a:r>
+              <a:r>
+                <a:rPr lang="en-US" altLang="zh-CN" sz="2000" b="1" dirty="0">
+                  <a:solidFill>
+                    <a:srgbClr val="FF0000"/>
+                  </a:solidFill>
+                </a:rPr>
+                <a:t> 0</a:t>
+              </a:r>
+              <a:endParaRPr lang="zh-CN" altLang="en-US" sz="2000" b="1" dirty="0">
+                <a:solidFill>
+                  <a:srgbClr val="FF0000"/>
+                </a:solidFill>
+              </a:endParaRPr>
+            </a:p>
+          </p:txBody>
+        </p:sp>
+        <p:cxnSp>
+          <p:nvCxnSpPr>
+            <p:cNvPr id="14" name="连接符: 曲线 13">
+              <a:extLst>
+                <a:ext uri="{FF2B5EF4-FFF2-40B4-BE49-F238E27FC236}">
+                  <a16:creationId xmlns:a16="http://schemas.microsoft.com/office/drawing/2014/main" id="{2D0772AF-397B-41F2-AEF9-99E3A640EAFA}"/>
+                </a:ext>
+              </a:extLst>
+            </p:cNvPr>
+            <p:cNvCxnSpPr>
+              <a:cxnSpLocks/>
+              <a:stCxn id="10" idx="0"/>
+            </p:cNvCxnSpPr>
+            <p:nvPr/>
+          </p:nvCxnSpPr>
+          <p:spPr>
+            <a:xfrm rot="5400000" flipH="1" flipV="1">
+              <a:off x="5446979" y="2909921"/>
+              <a:ext cx="389022" cy="841644"/>
+            </a:xfrm>
+            <a:prstGeom prst="curvedConnector2">
+              <a:avLst/>
+            </a:prstGeom>
+            <a:ln>
+              <a:tailEnd type="triangle"/>
+            </a:ln>
+          </p:spPr>
+          <p:style>
+            <a:lnRef idx="1">
+              <a:schemeClr val="dk1"/>
+            </a:lnRef>
+            <a:fillRef idx="0">
+              <a:schemeClr val="dk1"/>
+            </a:fillRef>
+            <a:effectRef idx="0">
+              <a:schemeClr val="dk1"/>
+            </a:effectRef>
+            <a:fontRef idx="minor">
+              <a:schemeClr val="tx1"/>
+            </a:fontRef>
+          </p:style>
+        </p:cxnSp>
+        <p:cxnSp>
+          <p:nvCxnSpPr>
+            <p:cNvPr id="27" name="连接符: 曲线 26">
+              <a:extLst>
+                <a:ext uri="{FF2B5EF4-FFF2-40B4-BE49-F238E27FC236}">
+                  <a16:creationId xmlns:a16="http://schemas.microsoft.com/office/drawing/2014/main" id="{3438D6D3-B864-4C39-B68B-A80B1B91FFBB}"/>
+                </a:ext>
+              </a:extLst>
+            </p:cNvPr>
+            <p:cNvCxnSpPr>
+              <a:cxnSpLocks/>
+              <a:stCxn id="11" idx="6"/>
+            </p:cNvCxnSpPr>
+            <p:nvPr/>
+          </p:nvCxnSpPr>
+          <p:spPr>
+            <a:xfrm flipV="1">
+              <a:off x="6148940" y="3288632"/>
+              <a:ext cx="65772" cy="590350"/>
+            </a:xfrm>
+            <a:prstGeom prst="curvedConnector2">
+              <a:avLst/>
+            </a:prstGeom>
+            <a:ln>
+              <a:tailEnd type="triangle"/>
+            </a:ln>
+          </p:spPr>
+          <p:style>
+            <a:lnRef idx="1">
+              <a:schemeClr val="dk1"/>
+            </a:lnRef>
+            <a:fillRef idx="0">
+              <a:schemeClr val="dk1"/>
+            </a:fillRef>
+            <a:effectRef idx="0">
+              <a:schemeClr val="dk1"/>
+            </a:effectRef>
+            <a:fontRef idx="minor">
+              <a:schemeClr val="tx1"/>
+            </a:fontRef>
+          </p:style>
+        </p:cxnSp>
+      </p:grpSp>
+      <p:cxnSp>
+        <p:nvCxnSpPr>
+          <p:cNvPr id="17" name="连接符: 曲线 16">
+            <a:extLst>
+              <a:ext uri="{FF2B5EF4-FFF2-40B4-BE49-F238E27FC236}">
+                <a16:creationId xmlns:a16="http://schemas.microsoft.com/office/drawing/2014/main" id="{1BA0408C-C56D-4BA3-8343-CCB94E0EE64C}"/>
+              </a:ext>
+            </a:extLst>
+          </p:cNvPr>
+          <p:cNvCxnSpPr>
+            <a:cxnSpLocks/>
+            <a:stCxn id="7" idx="7"/>
+          </p:cNvCxnSpPr>
+          <p:nvPr/>
+        </p:nvCxnSpPr>
+        <p:spPr>
+          <a:xfrm rot="5400000" flipH="1" flipV="1">
+            <a:off x="7148332" y="3229548"/>
+            <a:ext cx="165415" cy="432482"/>
+          </a:xfrm>
+          <a:prstGeom prst="curvedConnector2">
+            <a:avLst/>
+          </a:prstGeom>
+          <a:ln>
+            <a:tailEnd type="triangle"/>
+          </a:ln>
+        </p:spPr>
+        <p:style>
+          <a:lnRef idx="1">
+            <a:schemeClr val="accent1"/>
+          </a:lnRef>
+          <a:fillRef idx="0">
+            <a:schemeClr val="accent1"/>
+          </a:fillRef>
+          <a:effectRef idx="0">
+            <a:schemeClr val="accent1"/>
+          </a:effectRef>
+          <a:fontRef idx="minor">
+            <a:schemeClr val="tx1"/>
+          </a:fontRef>
+        </p:style>
+      </p:cxnSp>
+      <p:cxnSp>
+        <p:nvCxnSpPr>
+          <p:cNvPr id="21" name="连接符: 曲线 20">
+            <a:extLst>
+              <a:ext uri="{FF2B5EF4-FFF2-40B4-BE49-F238E27FC236}">
+                <a16:creationId xmlns:a16="http://schemas.microsoft.com/office/drawing/2014/main" id="{61449E04-70B9-4021-8B8D-F2C8170F9C67}"/>
+              </a:ext>
+            </a:extLst>
+          </p:cNvPr>
+          <p:cNvCxnSpPr>
+            <a:cxnSpLocks/>
+            <a:stCxn id="6" idx="1"/>
+          </p:cNvCxnSpPr>
+          <p:nvPr/>
+        </p:nvCxnSpPr>
+        <p:spPr>
+          <a:xfrm rot="16200000" flipV="1">
+            <a:off x="3566810" y="2598299"/>
+            <a:ext cx="183036" cy="407854"/>
+          </a:xfrm>
+          <a:prstGeom prst="curvedConnector2">
+            <a:avLst/>
+          </a:prstGeom>
+          <a:ln>
+            <a:tailEnd type="triangle"/>
+          </a:ln>
+        </p:spPr>
+        <p:style>
+          <a:lnRef idx="1">
+            <a:schemeClr val="accent1"/>
+          </a:lnRef>
+          <a:fillRef idx="0">
+            <a:schemeClr val="accent1"/>
+          </a:fillRef>
+          <a:effectRef idx="0">
+            <a:schemeClr val="accent1"/>
+          </a:effectRef>
+          <a:fontRef idx="minor">
+            <a:schemeClr val="tx1"/>
+          </a:fontRef>
+        </p:style>
+      </p:cxnSp>
+      <p:cxnSp>
+        <p:nvCxnSpPr>
+          <p:cNvPr id="24" name="连接符: 曲线 23">
+            <a:extLst>
+              <a:ext uri="{FF2B5EF4-FFF2-40B4-BE49-F238E27FC236}">
+                <a16:creationId xmlns:a16="http://schemas.microsoft.com/office/drawing/2014/main" id="{1C1B8944-B13B-42DA-8FA6-4D9EA0E47CA1}"/>
+              </a:ext>
+            </a:extLst>
+          </p:cNvPr>
+          <p:cNvCxnSpPr>
+            <a:cxnSpLocks/>
+            <a:stCxn id="8" idx="0"/>
+          </p:cNvCxnSpPr>
+          <p:nvPr/>
+        </p:nvCxnSpPr>
+        <p:spPr>
+          <a:xfrm rot="16200000" flipV="1">
+            <a:off x="4008245" y="3661954"/>
+            <a:ext cx="285531" cy="410016"/>
+          </a:xfrm>
+          <a:prstGeom prst="curvedConnector2">
+            <a:avLst/>
+          </a:prstGeom>
+          <a:ln>
+            <a:tailEnd type="triangle"/>
+          </a:ln>
+        </p:spPr>
+        <p:style>
+          <a:lnRef idx="1">
+            <a:schemeClr val="accent1"/>
+          </a:lnRef>
+          <a:fillRef idx="0">
+            <a:schemeClr val="accent1"/>
+          </a:fillRef>
+          <a:effectRef idx="0">
+            <a:schemeClr val="accent1"/>
+          </a:effectRef>
+          <a:fontRef idx="minor">
+            <a:schemeClr val="tx1"/>
+          </a:fontRef>
+        </p:style>
+      </p:cxnSp>
+      <p:cxnSp>
+        <p:nvCxnSpPr>
+          <p:cNvPr id="28" name="连接符: 曲线 27">
+            <a:extLst>
+              <a:ext uri="{FF2B5EF4-FFF2-40B4-BE49-F238E27FC236}">
+                <a16:creationId xmlns:a16="http://schemas.microsoft.com/office/drawing/2014/main" id="{211A2E74-9904-4451-AF5C-1A6D7177562E}"/>
+              </a:ext>
+            </a:extLst>
+          </p:cNvPr>
+          <p:cNvCxnSpPr>
+            <a:cxnSpLocks/>
+            <a:stCxn id="9" idx="1"/>
+          </p:cNvCxnSpPr>
+          <p:nvPr/>
+        </p:nvCxnSpPr>
+        <p:spPr>
+          <a:xfrm rot="16200000" flipV="1">
+            <a:off x="5064918" y="5369402"/>
+            <a:ext cx="184572" cy="438887"/>
+          </a:xfrm>
+          <a:prstGeom prst="curvedConnector2">
+            <a:avLst/>
+          </a:prstGeom>
+          <a:ln>
+            <a:tailEnd type="triangle"/>
+          </a:ln>
+        </p:spPr>
+        <p:style>
+          <a:lnRef idx="1">
+            <a:schemeClr val="accent1"/>
+          </a:lnRef>
+          <a:fillRef idx="0">
+            <a:schemeClr val="accent1"/>
+          </a:fillRef>
+          <a:effectRef idx="0">
+            <a:schemeClr val="accent1"/>
+          </a:effectRef>
+          <a:fontRef idx="minor">
+            <a:schemeClr val="tx1"/>
+          </a:fontRef>
+        </p:style>
+      </p:cxnSp>
+    </p:spTree>
+    <p:extLst>
+      <p:ext uri="{BB962C8B-B14F-4D97-AF65-F5344CB8AC3E}">
+        <p14:creationId xmlns:p14="http://schemas.microsoft.com/office/powerpoint/2010/main" val="1341510870"/>
+      </p:ext>
+    </p:extLst>
+  </p:cSld>
+  <p:clrMapOvr>
+    <a:masterClrMapping/>
+  </p:clrMapOvr>
+</p:sld>
+</file>
+
+<file path=ppt/slides/slide10.xml><?xml version="1.0" encoding="utf-8"?>
+<p:sld xmlns:a="http://schemas.openxmlformats.org/drawingml/2006/main" xmlns:r="http://schemas.openxmlformats.org/officeDocument/2006/relationships" xmlns:p="http://schemas.openxmlformats.org/presentationml/2006/main">
+  <p:cSld>
+    <p:spTree>
+      <p:nvGrpSpPr>
+        <p:cNvPr id="1" name=""/>
+        <p:cNvGrpSpPr/>
+        <p:nvPr/>
+      </p:nvGrpSpPr>
+      <p:grpSpPr>
+        <a:xfrm>
+          <a:off x="0" y="0"/>
+          <a:ext cx="0" cy="0"/>
+          <a:chOff x="0" y="0"/>
+          <a:chExt cx="0" cy="0"/>
+        </a:xfrm>
+      </p:grpSpPr>
+      <p:sp>
+        <p:nvSpPr>
+          <p:cNvPr id="4" name="矩形 3"/>
+          <p:cNvSpPr/>
+          <p:nvPr/>
+        </p:nvSpPr>
+        <p:spPr>
+          <a:xfrm>
+            <a:off x="887506" y="416859"/>
+            <a:ext cx="8767482" cy="6131859"/>
+          </a:xfrm>
+          <a:prstGeom prst="rect">
+            <a:avLst/>
+          </a:prstGeom>
+          <a:solidFill>
+            <a:schemeClr val="bg2">
+              <a:lumMod val="25000"/>
+            </a:schemeClr>
+          </a:solidFill>
+          <a:ln>
+            <a:noFill/>
+          </a:ln>
+        </p:spPr>
+        <p:style>
+          <a:lnRef idx="3">
+            <a:schemeClr val="lt1"/>
+          </a:lnRef>
+          <a:fillRef idx="1">
+            <a:schemeClr val="accent3"/>
+          </a:fillRef>
+          <a:effectRef idx="1">
+            <a:schemeClr val="accent3"/>
+          </a:effectRef>
+          <a:fontRef idx="minor">
+            <a:schemeClr val="lt1"/>
+          </a:fontRef>
+        </p:style>
+        <p:txBody>
+          <a:bodyPr rtlCol="0" anchor="ctr"/>
+          <a:lstStyle/>
+          <a:p>
+            <a:pPr lvl="6">
+              <a:lnSpc>
+                <a:spcPct val="150000"/>
+              </a:lnSpc>
+            </a:pPr>
+            <a:r>
+              <a:rPr lang="zh-CN" altLang="en-US" sz="5400" b="1" dirty="0">
+                <a:latin typeface="黑体" panose="02010609060101010101" pitchFamily="49" charset="-122"/>
+                <a:ea typeface="黑体" panose="02010609060101010101" pitchFamily="49" charset="-122"/>
+              </a:rPr>
+              <a:t>实验结束，</a:t>
+            </a:r>
+            <a:endParaRPr lang="en-US" altLang="zh-CN" sz="5400" b="1" dirty="0">
+              <a:latin typeface="黑体" panose="02010609060101010101" pitchFamily="49" charset="-122"/>
+              <a:ea typeface="黑体" panose="02010609060101010101" pitchFamily="49" charset="-122"/>
+            </a:endParaRPr>
+          </a:p>
+          <a:p>
+            <a:pPr lvl="6">
+              <a:lnSpc>
+                <a:spcPct val="150000"/>
+              </a:lnSpc>
+            </a:pPr>
+            <a:r>
+              <a:rPr lang="zh-CN" altLang="en-US" sz="5400" b="1" dirty="0">
+                <a:latin typeface="黑体" panose="02010609060101010101" pitchFamily="49" charset="-122"/>
+                <a:ea typeface="黑体" panose="02010609060101010101" pitchFamily="49" charset="-122"/>
+              </a:rPr>
+              <a:t>请联系主试。</a:t>
+            </a:r>
+          </a:p>
+        </p:txBody>
+      </p:sp>
+    </p:spTree>
+    <p:extLst>
+      <p:ext uri="{BB962C8B-B14F-4D97-AF65-F5344CB8AC3E}">
+        <p14:creationId xmlns:p14="http://schemas.microsoft.com/office/powerpoint/2010/main" val="856994835"/>
+      </p:ext>
+    </p:extLst>
+  </p:cSld>
+  <p:clrMapOvr>
+    <a:masterClrMapping/>
+  </p:clrMapOvr>
+</p:sld>
+</file>
+
+<file path=ppt/slides/slide2.xml><?xml version="1.0" encoding="utf-8"?>
+<p:sld xmlns:a="http://schemas.openxmlformats.org/drawingml/2006/main" xmlns:r="http://schemas.openxmlformats.org/officeDocument/2006/relationships" xmlns:p="http://schemas.openxmlformats.org/presentationml/2006/main">
+  <p:cSld>
+    <p:spTree>
+      <p:nvGrpSpPr>
+        <p:cNvPr id="1" name=""/>
+        <p:cNvGrpSpPr/>
+        <p:nvPr/>
+      </p:nvGrpSpPr>
+      <p:grpSpPr>
+        <a:xfrm>
+          <a:off x="0" y="0"/>
+          <a:ext cx="0" cy="0"/>
+          <a:chOff x="0" y="0"/>
+          <a:chExt cx="0" cy="0"/>
+        </a:xfrm>
+      </p:grpSpPr>
+      <p:grpSp>
+        <p:nvGrpSpPr>
+          <p:cNvPr id="2" name="组合 1">
+            <a:extLst>
+              <a:ext uri="{FF2B5EF4-FFF2-40B4-BE49-F238E27FC236}">
+                <a16:creationId xmlns:a16="http://schemas.microsoft.com/office/drawing/2014/main" id="{5C1ADCE9-75A5-4986-8406-661703EA1194}"/>
+              </a:ext>
+            </a:extLst>
+          </p:cNvPr>
+          <p:cNvGrpSpPr/>
+          <p:nvPr/>
+        </p:nvGrpSpPr>
+        <p:grpSpPr>
+          <a:xfrm>
+            <a:off x="790238" y="306834"/>
+            <a:ext cx="8959139" cy="6404339"/>
+            <a:chOff x="792319" y="572402"/>
+            <a:chExt cx="8767482" cy="6131859"/>
+          </a:xfrm>
+        </p:grpSpPr>
+        <p:sp>
+          <p:nvSpPr>
+            <p:cNvPr id="4" name="矩形 3"/>
+            <p:cNvSpPr/>
+            <p:nvPr/>
+          </p:nvSpPr>
+          <p:spPr>
+            <a:xfrm>
+              <a:off x="792319" y="572402"/>
+              <a:ext cx="8767482" cy="6131859"/>
+            </a:xfrm>
+            <a:prstGeom prst="rect">
+              <a:avLst/>
+            </a:prstGeom>
+            <a:solidFill>
+              <a:schemeClr val="bg2">
+                <a:lumMod val="25000"/>
+              </a:schemeClr>
+            </a:solidFill>
+            <a:ln>
+              <a:noFill/>
+            </a:ln>
+          </p:spPr>
+          <p:style>
+            <a:lnRef idx="3">
+              <a:schemeClr val="lt1"/>
+            </a:lnRef>
+            <a:fillRef idx="1">
+              <a:schemeClr val="accent3"/>
+            </a:fillRef>
+            <a:effectRef idx="1">
+              <a:schemeClr val="accent3"/>
+            </a:effectRef>
+            <a:fontRef idx="minor">
+              <a:schemeClr val="lt1"/>
+            </a:fontRef>
+          </p:style>
+          <p:txBody>
+            <a:bodyPr rtlCol="0" anchor="ctr"/>
+            <a:lstStyle/>
+            <a:p>
+              <a:pPr>
+                <a:lnSpc>
+                  <a:spcPct val="150000"/>
+                </a:lnSpc>
+                <a:spcBef>
+                  <a:spcPts val="200"/>
+                </a:spcBef>
+                <a:spcAft>
+                  <a:spcPts val="200"/>
+                </a:spcAft>
+              </a:pPr>
+              <a:endParaRPr lang="zh-CN" altLang="en-US" sz="2000" dirty="0">
+                <a:latin typeface="黑体" panose="02010609060101010101" pitchFamily="49" charset="-122"/>
+                <a:ea typeface="黑体" panose="02010609060101010101" pitchFamily="49" charset="-122"/>
+              </a:endParaRPr>
+            </a:p>
+          </p:txBody>
+        </p:sp>
+        <p:sp>
+          <p:nvSpPr>
+            <p:cNvPr id="3" name="文本框 2"/>
+            <p:cNvSpPr txBox="1"/>
+            <p:nvPr/>
+          </p:nvSpPr>
+          <p:spPr>
+            <a:xfrm>
+              <a:off x="1337391" y="4532747"/>
+              <a:ext cx="7677337" cy="1666610"/>
+            </a:xfrm>
+            <a:prstGeom prst="rect">
+              <a:avLst/>
+            </a:prstGeom>
+            <a:noFill/>
+          </p:spPr>
+          <p:txBody>
+            <a:bodyPr wrap="square" rtlCol="0">
+              <a:spAutoFit/>
+            </a:bodyPr>
+            <a:lstStyle/>
+            <a:p>
+              <a:pPr marL="285750" indent="-285750">
+                <a:lnSpc>
+                  <a:spcPct val="150000"/>
+                </a:lnSpc>
+                <a:spcBef>
+                  <a:spcPts val="200"/>
+                </a:spcBef>
+                <a:spcAft>
+                  <a:spcPts val="200"/>
+                </a:spcAft>
+                <a:buFont typeface="Arial" panose="020B0604020202020204" pitchFamily="34" charset="0"/>
+                <a:buChar char="•"/>
+              </a:pPr>
+              <a:r>
+                <a:rPr lang="zh-CN" altLang="en-US" dirty="0">
+                  <a:solidFill>
+                    <a:schemeClr val="bg1">
+                      <a:lumMod val="95000"/>
+                    </a:schemeClr>
+                  </a:solidFill>
+                  <a:latin typeface="黑体" panose="02010609060101010101" pitchFamily="49" charset="-122"/>
+                  <a:ea typeface="黑体" panose="02010609060101010101" pitchFamily="49" charset="-122"/>
+                </a:rPr>
+                <a:t>每轮游戏中，屏幕上会出现若干只羊，当您</a:t>
+              </a:r>
+              <a:r>
+                <a:rPr lang="zh-CN" altLang="en-US" dirty="0">
+                  <a:solidFill>
+                    <a:srgbClr val="92D050"/>
+                  </a:solidFill>
+                  <a:latin typeface="黑体" panose="02010609060101010101" pitchFamily="49" charset="-122"/>
+                  <a:ea typeface="黑体" panose="02010609060101010101" pitchFamily="49" charset="-122"/>
+                </a:rPr>
+                <a:t>或</a:t>
+              </a:r>
+              <a:r>
+                <a:rPr lang="zh-CN" altLang="en-US" dirty="0">
+                  <a:solidFill>
+                    <a:schemeClr val="bg1">
+                      <a:lumMod val="95000"/>
+                    </a:schemeClr>
+                  </a:solidFill>
+                  <a:latin typeface="黑体" panose="02010609060101010101" pitchFamily="49" charset="-122"/>
+                  <a:ea typeface="黑体" panose="02010609060101010101" pitchFamily="49" charset="-122"/>
+                </a:rPr>
+                <a:t>另一玩家扮演的狼</a:t>
+              </a:r>
+              <a:r>
+                <a:rPr lang="zh-CN" altLang="en-US" dirty="0">
+                  <a:solidFill>
+                    <a:srgbClr val="92D050"/>
+                  </a:solidFill>
+                  <a:latin typeface="黑体" panose="02010609060101010101" pitchFamily="49" charset="-122"/>
+                  <a:ea typeface="黑体" panose="02010609060101010101" pitchFamily="49" charset="-122"/>
+                </a:rPr>
+                <a:t>碰到任意一只羊</a:t>
+              </a:r>
+              <a:r>
+                <a:rPr lang="zh-CN" altLang="en-US" dirty="0">
+                  <a:solidFill>
+                    <a:schemeClr val="bg1">
+                      <a:lumMod val="95000"/>
+                    </a:schemeClr>
+                  </a:solidFill>
+                  <a:latin typeface="黑体" panose="02010609060101010101" pitchFamily="49" charset="-122"/>
+                  <a:ea typeface="黑体" panose="02010609060101010101" pitchFamily="49" charset="-122"/>
+                </a:rPr>
+                <a:t>时，即视为成功抓到羊，而后</a:t>
+              </a:r>
+              <a:r>
+                <a:rPr lang="zh-CN" altLang="en-US" dirty="0">
+                  <a:solidFill>
+                    <a:srgbClr val="92D050"/>
+                  </a:solidFill>
+                  <a:latin typeface="黑体" panose="02010609060101010101" pitchFamily="49" charset="-122"/>
+                  <a:ea typeface="黑体" panose="02010609060101010101" pitchFamily="49" charset="-122"/>
+                </a:rPr>
+                <a:t>立即进入下一轮游戏</a:t>
+              </a:r>
+              <a:r>
+                <a:rPr lang="zh-CN" altLang="en-US" dirty="0">
+                  <a:solidFill>
+                    <a:schemeClr val="bg1">
+                      <a:lumMod val="95000"/>
+                    </a:schemeClr>
+                  </a:solidFill>
+                  <a:latin typeface="黑体" panose="02010609060101010101" pitchFamily="49" charset="-122"/>
+                  <a:ea typeface="黑体" panose="02010609060101010101" pitchFamily="49" charset="-122"/>
+                </a:rPr>
+                <a:t>。</a:t>
+              </a:r>
+              <a:endParaRPr lang="en-US" altLang="zh-CN" dirty="0">
+                <a:solidFill>
+                  <a:schemeClr val="bg1">
+                    <a:lumMod val="95000"/>
+                  </a:schemeClr>
+                </a:solidFill>
+                <a:latin typeface="黑体" panose="02010609060101010101" pitchFamily="49" charset="-122"/>
+                <a:ea typeface="黑体" panose="02010609060101010101" pitchFamily="49" charset="-122"/>
+              </a:endParaRPr>
+            </a:p>
+            <a:p>
+              <a:pPr marL="285750" indent="-285750">
+                <a:lnSpc>
+                  <a:spcPct val="150000"/>
+                </a:lnSpc>
+                <a:spcBef>
+                  <a:spcPts val="200"/>
+                </a:spcBef>
+                <a:spcAft>
+                  <a:spcPts val="200"/>
+                </a:spcAft>
+                <a:buFont typeface="Arial" panose="020B0604020202020204" pitchFamily="34" charset="0"/>
+                <a:buChar char="•"/>
+              </a:pPr>
+              <a:r>
+                <a:rPr lang="zh-CN" altLang="en-US" dirty="0">
+                  <a:solidFill>
+                    <a:schemeClr val="bg1">
+                      <a:lumMod val="95000"/>
+                    </a:schemeClr>
+                  </a:solidFill>
+                  <a:latin typeface="黑体" panose="02010609060101010101" pitchFamily="49" charset="-122"/>
+                  <a:ea typeface="黑体" panose="02010609060101010101" pitchFamily="49" charset="-122"/>
+                </a:rPr>
+                <a:t>每轮游戏时间为</a:t>
+              </a:r>
+              <a:r>
+                <a:rPr lang="en-US" altLang="zh-CN" dirty="0">
+                  <a:solidFill>
+                    <a:srgbClr val="92D050"/>
+                  </a:solidFill>
+                  <a:latin typeface="黑体" panose="02010609060101010101" pitchFamily="49" charset="-122"/>
+                  <a:ea typeface="黑体" panose="02010609060101010101" pitchFamily="49" charset="-122"/>
+                </a:rPr>
+                <a:t>15s</a:t>
+              </a:r>
+              <a:r>
+                <a:rPr lang="zh-CN" altLang="en-US" dirty="0">
+                  <a:solidFill>
+                    <a:schemeClr val="bg1">
+                      <a:lumMod val="95000"/>
+                    </a:schemeClr>
+                  </a:solidFill>
+                  <a:latin typeface="黑体" panose="02010609060101010101" pitchFamily="49" charset="-122"/>
+                  <a:ea typeface="黑体" panose="02010609060101010101" pitchFamily="49" charset="-122"/>
+                </a:rPr>
+                <a:t>，若</a:t>
+              </a:r>
+              <a:r>
+                <a:rPr lang="en-US" altLang="zh-CN" dirty="0">
+                  <a:solidFill>
+                    <a:schemeClr val="bg1">
+                      <a:lumMod val="95000"/>
+                    </a:schemeClr>
+                  </a:solidFill>
+                  <a:latin typeface="黑体" panose="02010609060101010101" pitchFamily="49" charset="-122"/>
+                  <a:ea typeface="黑体" panose="02010609060101010101" pitchFamily="49" charset="-122"/>
+                </a:rPr>
+                <a:t>15s</a:t>
+              </a:r>
+              <a:r>
+                <a:rPr lang="zh-CN" altLang="en-US" dirty="0">
+                  <a:solidFill>
+                    <a:schemeClr val="bg1">
+                      <a:lumMod val="95000"/>
+                    </a:schemeClr>
+                  </a:solidFill>
+                  <a:latin typeface="黑体" panose="02010609060101010101" pitchFamily="49" charset="-122"/>
+                  <a:ea typeface="黑体" panose="02010609060101010101" pitchFamily="49" charset="-122"/>
+                </a:rPr>
+                <a:t>内两名玩家都未抓到羊，则该轮游戏结束，</a:t>
+              </a:r>
+              <a:r>
+                <a:rPr lang="zh-CN" altLang="en-US" dirty="0">
+                  <a:solidFill>
+                    <a:srgbClr val="92D050"/>
+                  </a:solidFill>
+                  <a:latin typeface="黑体" panose="02010609060101010101" pitchFamily="49" charset="-122"/>
+                  <a:ea typeface="黑体" panose="02010609060101010101" pitchFamily="49" charset="-122"/>
+                </a:rPr>
+                <a:t>直接进入下一轮游戏</a:t>
+              </a:r>
+              <a:r>
+                <a:rPr lang="zh-CN" altLang="en-US" dirty="0">
+                  <a:solidFill>
+                    <a:schemeClr val="bg1">
+                      <a:lumMod val="95000"/>
+                    </a:schemeClr>
+                  </a:solidFill>
+                  <a:latin typeface="黑体" panose="02010609060101010101" pitchFamily="49" charset="-122"/>
+                  <a:ea typeface="黑体" panose="02010609060101010101" pitchFamily="49" charset="-122"/>
+                </a:rPr>
+                <a:t>。</a:t>
+              </a:r>
+            </a:p>
+          </p:txBody>
+        </p:sp>
+      </p:grpSp>
+      <p:grpSp>
+        <p:nvGrpSpPr>
+          <p:cNvPr id="16" name="组合 15">
+            <a:extLst>
+              <a:ext uri="{FF2B5EF4-FFF2-40B4-BE49-F238E27FC236}">
+                <a16:creationId xmlns:a16="http://schemas.microsoft.com/office/drawing/2014/main" id="{0D93CE07-8BE0-496A-AE64-A16CAF07BB9F}"/>
+              </a:ext>
+            </a:extLst>
+          </p:cNvPr>
+          <p:cNvGrpSpPr/>
+          <p:nvPr/>
+        </p:nvGrpSpPr>
+        <p:grpSpPr>
+          <a:xfrm>
+            <a:off x="2905537" y="621637"/>
+            <a:ext cx="4521423" cy="3552452"/>
+            <a:chOff x="3124152" y="2088684"/>
+            <a:chExt cx="3763478" cy="3185962"/>
+          </a:xfrm>
+        </p:grpSpPr>
+        <p:sp>
+          <p:nvSpPr>
+            <p:cNvPr id="17" name="矩形 16">
+              <a:extLst>
+                <a:ext uri="{FF2B5EF4-FFF2-40B4-BE49-F238E27FC236}">
+                  <a16:creationId xmlns:a16="http://schemas.microsoft.com/office/drawing/2014/main" id="{3918106A-F021-4162-9866-458F25241185}"/>
+                </a:ext>
+              </a:extLst>
+            </p:cNvPr>
+            <p:cNvSpPr/>
+            <p:nvPr/>
+          </p:nvSpPr>
+          <p:spPr>
+            <a:xfrm>
+              <a:off x="3124152" y="2088684"/>
+              <a:ext cx="3763478" cy="3185962"/>
+            </a:xfrm>
+            <a:prstGeom prst="rect">
+              <a:avLst/>
+            </a:prstGeom>
+          </p:spPr>
+          <p:style>
+            <a:lnRef idx="2">
+              <a:schemeClr val="accent3">
+                <a:shade val="50000"/>
+              </a:schemeClr>
+            </a:lnRef>
+            <a:fillRef idx="1">
+              <a:schemeClr val="accent3"/>
+            </a:fillRef>
+            <a:effectRef idx="0">
+              <a:schemeClr val="accent3"/>
+            </a:effectRef>
+            <a:fontRef idx="minor">
+              <a:schemeClr val="lt1"/>
+            </a:fontRef>
+          </p:style>
+          <p:txBody>
+            <a:bodyPr rtlCol="0" anchor="ctr"/>
+            <a:lstStyle/>
+            <a:p>
+              <a:pPr algn="ctr"/>
+              <a:endParaRPr lang="zh-CN" altLang="en-US" dirty="0"/>
+            </a:p>
+          </p:txBody>
+        </p:sp>
+        <p:sp>
+          <p:nvSpPr>
+            <p:cNvPr id="18" name="椭圆 17">
+              <a:extLst>
+                <a:ext uri="{FF2B5EF4-FFF2-40B4-BE49-F238E27FC236}">
+                  <a16:creationId xmlns:a16="http://schemas.microsoft.com/office/drawing/2014/main" id="{A6AF5218-E7F2-4491-9186-DFE953635ACC}"/>
+                </a:ext>
+              </a:extLst>
+            </p:cNvPr>
+            <p:cNvSpPr/>
+            <p:nvPr/>
+          </p:nvSpPr>
+          <p:spPr>
+            <a:xfrm>
+              <a:off x="3898231" y="2569945"/>
+              <a:ext cx="173256" cy="173256"/>
+            </a:xfrm>
+            <a:prstGeom prst="ellipse">
+              <a:avLst/>
+            </a:prstGeom>
+          </p:spPr>
+          <p:style>
+            <a:lnRef idx="2">
+              <a:schemeClr val="accent1">
+                <a:shade val="50000"/>
+              </a:schemeClr>
+            </a:lnRef>
+            <a:fillRef idx="1">
+              <a:schemeClr val="accent1"/>
+            </a:fillRef>
+            <a:effectRef idx="0">
+              <a:schemeClr val="accent1"/>
+            </a:effectRef>
+            <a:fontRef idx="minor">
+              <a:schemeClr val="lt1"/>
+            </a:fontRef>
+          </p:style>
+          <p:txBody>
+            <a:bodyPr rtlCol="0" anchor="ctr"/>
+            <a:lstStyle/>
+            <a:p>
+              <a:pPr algn="ctr"/>
+              <a:endParaRPr lang="zh-CN" altLang="en-US"/>
+            </a:p>
+          </p:txBody>
+        </p:sp>
+        <p:sp>
+          <p:nvSpPr>
+            <p:cNvPr id="19" name="椭圆 18">
+              <a:extLst>
+                <a:ext uri="{FF2B5EF4-FFF2-40B4-BE49-F238E27FC236}">
+                  <a16:creationId xmlns:a16="http://schemas.microsoft.com/office/drawing/2014/main" id="{D35B4EB2-77E8-4B2E-81E5-792586F1C3AD}"/>
+                </a:ext>
+              </a:extLst>
+            </p:cNvPr>
+            <p:cNvSpPr/>
+            <p:nvPr/>
+          </p:nvSpPr>
+          <p:spPr>
+            <a:xfrm>
+              <a:off x="6081562" y="3049604"/>
+              <a:ext cx="173256" cy="173256"/>
+            </a:xfrm>
+            <a:prstGeom prst="ellipse">
+              <a:avLst/>
+            </a:prstGeom>
+          </p:spPr>
+          <p:style>
+            <a:lnRef idx="2">
+              <a:schemeClr val="accent1">
+                <a:shade val="50000"/>
+              </a:schemeClr>
+            </a:lnRef>
+            <a:fillRef idx="1">
+              <a:schemeClr val="accent1"/>
+            </a:fillRef>
+            <a:effectRef idx="0">
+              <a:schemeClr val="accent1"/>
+            </a:effectRef>
+            <a:fontRef idx="minor">
+              <a:schemeClr val="lt1"/>
+            </a:fontRef>
+          </p:style>
+          <p:txBody>
+            <a:bodyPr rtlCol="0" anchor="ctr"/>
+            <a:lstStyle/>
+            <a:p>
+              <a:pPr algn="ctr"/>
+              <a:endParaRPr lang="zh-CN" altLang="en-US"/>
+            </a:p>
+          </p:txBody>
+        </p:sp>
+        <p:sp>
+          <p:nvSpPr>
+            <p:cNvPr id="20" name="椭圆 19">
+              <a:extLst>
+                <a:ext uri="{FF2B5EF4-FFF2-40B4-BE49-F238E27FC236}">
+                  <a16:creationId xmlns:a16="http://schemas.microsoft.com/office/drawing/2014/main" id="{68F8FA4E-0810-4AD1-89CD-E4DBA0E5DBA6}"/>
+                </a:ext>
+              </a:extLst>
+            </p:cNvPr>
+            <p:cNvSpPr/>
+            <p:nvPr/>
+          </p:nvSpPr>
+          <p:spPr>
+            <a:xfrm>
+              <a:off x="4198125" y="3438626"/>
+              <a:ext cx="173256" cy="173256"/>
+            </a:xfrm>
+            <a:prstGeom prst="ellipse">
+              <a:avLst/>
+            </a:prstGeom>
+          </p:spPr>
+          <p:style>
+            <a:lnRef idx="2">
+              <a:schemeClr val="accent1">
+                <a:shade val="50000"/>
+              </a:schemeClr>
+            </a:lnRef>
+            <a:fillRef idx="1">
+              <a:schemeClr val="accent1"/>
+            </a:fillRef>
+            <a:effectRef idx="0">
+              <a:schemeClr val="accent1"/>
+            </a:effectRef>
+            <a:fontRef idx="minor">
+              <a:schemeClr val="lt1"/>
+            </a:fontRef>
+          </p:style>
+          <p:txBody>
+            <a:bodyPr rtlCol="0" anchor="ctr"/>
+            <a:lstStyle/>
+            <a:p>
+              <a:pPr algn="ctr"/>
+              <a:endParaRPr lang="zh-CN" altLang="en-US"/>
+            </a:p>
+          </p:txBody>
+        </p:sp>
+        <p:sp>
+          <p:nvSpPr>
+            <p:cNvPr id="21" name="椭圆 20">
+              <a:extLst>
+                <a:ext uri="{FF2B5EF4-FFF2-40B4-BE49-F238E27FC236}">
+                  <a16:creationId xmlns:a16="http://schemas.microsoft.com/office/drawing/2014/main" id="{A167EC93-AE7C-4705-91E0-661D273C0B4A}"/>
+                </a:ext>
+              </a:extLst>
+            </p:cNvPr>
+            <p:cNvSpPr/>
+            <p:nvPr/>
+          </p:nvSpPr>
+          <p:spPr>
+            <a:xfrm>
+              <a:off x="5005891" y="4676273"/>
+              <a:ext cx="173256" cy="173256"/>
+            </a:xfrm>
+            <a:prstGeom prst="ellipse">
+              <a:avLst/>
+            </a:prstGeom>
+          </p:spPr>
+          <p:style>
+            <a:lnRef idx="2">
+              <a:schemeClr val="accent1">
+                <a:shade val="50000"/>
+              </a:schemeClr>
+            </a:lnRef>
+            <a:fillRef idx="1">
+              <a:schemeClr val="accent1"/>
+            </a:fillRef>
+            <a:effectRef idx="0">
+              <a:schemeClr val="accent1"/>
+            </a:effectRef>
+            <a:fontRef idx="minor">
+              <a:schemeClr val="lt1"/>
+            </a:fontRef>
+          </p:style>
+          <p:txBody>
+            <a:bodyPr rtlCol="0" anchor="ctr"/>
+            <a:lstStyle/>
+            <a:p>
+              <a:pPr algn="ctr"/>
+              <a:endParaRPr lang="zh-CN" altLang="en-US"/>
+            </a:p>
+          </p:txBody>
+        </p:sp>
+        <p:sp>
+          <p:nvSpPr>
+            <p:cNvPr id="22" name="椭圆 21">
+              <a:extLst>
+                <a:ext uri="{FF2B5EF4-FFF2-40B4-BE49-F238E27FC236}">
+                  <a16:creationId xmlns:a16="http://schemas.microsoft.com/office/drawing/2014/main" id="{6AF65ACA-D2C6-4C54-9C7E-FD7C08517AFA}"/>
+                </a:ext>
+              </a:extLst>
+            </p:cNvPr>
+            <p:cNvSpPr/>
+            <p:nvPr/>
+          </p:nvSpPr>
+          <p:spPr>
+            <a:xfrm>
+              <a:off x="5505111" y="3351998"/>
+              <a:ext cx="173256" cy="173256"/>
+            </a:xfrm>
+            <a:prstGeom prst="ellipse">
+              <a:avLst/>
+            </a:prstGeom>
+            <a:solidFill>
+              <a:srgbClr val="FF0000"/>
+            </a:solidFill>
+            <a:ln>
+              <a:solidFill>
+                <a:srgbClr val="C00000"/>
+              </a:solidFill>
+            </a:ln>
+          </p:spPr>
+          <p:style>
+            <a:lnRef idx="2">
+              <a:schemeClr val="accent1">
+                <a:shade val="50000"/>
+              </a:schemeClr>
+            </a:lnRef>
+            <a:fillRef idx="1">
+              <a:schemeClr val="accent1"/>
+            </a:fillRef>
+            <a:effectRef idx="0">
+              <a:schemeClr val="accent1"/>
+            </a:effectRef>
+            <a:fontRef idx="minor">
+              <a:schemeClr val="lt1"/>
+            </a:fontRef>
+          </p:style>
+          <p:txBody>
+            <a:bodyPr rtlCol="0" anchor="ctr"/>
+            <a:lstStyle/>
+            <a:p>
+              <a:pPr algn="ctr"/>
+              <a:endParaRPr lang="zh-CN" altLang="en-US"/>
+            </a:p>
+          </p:txBody>
+        </p:sp>
+        <p:sp>
+          <p:nvSpPr>
+            <p:cNvPr id="23" name="椭圆 22">
+              <a:extLst>
+                <a:ext uri="{FF2B5EF4-FFF2-40B4-BE49-F238E27FC236}">
+                  <a16:creationId xmlns:a16="http://schemas.microsoft.com/office/drawing/2014/main" id="{652117D1-C415-4B00-9CEB-072643FD86C7}"/>
+                </a:ext>
+              </a:extLst>
+            </p:cNvPr>
+            <p:cNvSpPr/>
+            <p:nvPr/>
+          </p:nvSpPr>
+          <p:spPr>
+            <a:xfrm>
+              <a:off x="6162212" y="3235234"/>
+              <a:ext cx="173256" cy="173256"/>
+            </a:xfrm>
+            <a:prstGeom prst="ellipse">
+              <a:avLst/>
+            </a:prstGeom>
+          </p:spPr>
+          <p:style>
+            <a:lnRef idx="2">
+              <a:schemeClr val="accent4">
+                <a:shade val="50000"/>
+              </a:schemeClr>
+            </a:lnRef>
+            <a:fillRef idx="1">
+              <a:schemeClr val="accent4"/>
+            </a:fillRef>
+            <a:effectRef idx="0">
+              <a:schemeClr val="accent4"/>
+            </a:effectRef>
+            <a:fontRef idx="minor">
+              <a:schemeClr val="lt1"/>
+            </a:fontRef>
+          </p:style>
+          <p:txBody>
+            <a:bodyPr rtlCol="0" anchor="ctr"/>
+            <a:lstStyle/>
+            <a:p>
+              <a:pPr algn="ctr"/>
+              <a:endParaRPr lang="zh-CN" altLang="en-US"/>
+            </a:p>
+          </p:txBody>
+        </p:sp>
+        <p:sp>
+          <p:nvSpPr>
+            <p:cNvPr id="24" name="文本框 23">
+              <a:extLst>
+                <a:ext uri="{FF2B5EF4-FFF2-40B4-BE49-F238E27FC236}">
+                  <a16:creationId xmlns:a16="http://schemas.microsoft.com/office/drawing/2014/main" id="{C607BDB6-CBF7-404B-864E-7543E4102D3B}"/>
+                </a:ext>
+              </a:extLst>
+            </p:cNvPr>
+            <p:cNvSpPr txBox="1"/>
+            <p:nvPr/>
+          </p:nvSpPr>
+          <p:spPr>
+            <a:xfrm>
+              <a:off x="4461332" y="2118795"/>
+              <a:ext cx="1429286" cy="331230"/>
+            </a:xfrm>
+            <a:prstGeom prst="rect">
+              <a:avLst/>
+            </a:prstGeom>
+            <a:noFill/>
+          </p:spPr>
+          <p:txBody>
+            <a:bodyPr wrap="none" rtlCol="0">
+              <a:spAutoFit/>
+            </a:bodyPr>
+            <a:lstStyle/>
+            <a:p>
+              <a:r>
+                <a:rPr lang="en-US" altLang="zh-CN" b="1" dirty="0" err="1">
+                  <a:solidFill>
+                    <a:srgbClr val="FF0000"/>
+                  </a:solidFill>
+                </a:rPr>
+                <a:t>TotalScore</a:t>
+              </a:r>
+              <a:r>
+                <a:rPr lang="zh-CN" altLang="en-US" b="1" dirty="0">
+                  <a:solidFill>
+                    <a:srgbClr val="FF0000"/>
+                  </a:solidFill>
+                </a:rPr>
+                <a:t>：</a:t>
+              </a:r>
+              <a:r>
+                <a:rPr lang="en-US" altLang="zh-CN" b="1" dirty="0">
+                  <a:solidFill>
+                    <a:srgbClr val="FF0000"/>
+                  </a:solidFill>
+                </a:rPr>
+                <a:t> 1</a:t>
+              </a:r>
+              <a:endParaRPr lang="zh-CN" altLang="en-US" b="1" dirty="0">
+                <a:solidFill>
+                  <a:srgbClr val="FF0000"/>
+                </a:solidFill>
+              </a:endParaRPr>
+            </a:p>
+          </p:txBody>
+        </p:sp>
+        <p:cxnSp>
+          <p:nvCxnSpPr>
+            <p:cNvPr id="25" name="连接符: 曲线 24">
+              <a:extLst>
+                <a:ext uri="{FF2B5EF4-FFF2-40B4-BE49-F238E27FC236}">
+                  <a16:creationId xmlns:a16="http://schemas.microsoft.com/office/drawing/2014/main" id="{606B6538-9888-4845-8F7D-97107AF174DD}"/>
+                </a:ext>
+              </a:extLst>
+            </p:cNvPr>
+            <p:cNvCxnSpPr>
+              <a:cxnSpLocks/>
+              <a:stCxn id="22" idx="0"/>
+              <a:endCxn id="19" idx="3"/>
+            </p:cNvCxnSpPr>
+            <p:nvPr/>
+          </p:nvCxnSpPr>
+          <p:spPr>
+            <a:xfrm rot="5400000" flipH="1" flipV="1">
+              <a:off x="5772082" y="3017145"/>
+              <a:ext cx="154510" cy="515196"/>
+            </a:xfrm>
+            <a:prstGeom prst="curvedConnector3">
+              <a:avLst>
+                <a:gd name="adj1" fmla="val 50000"/>
+              </a:avLst>
+            </a:prstGeom>
+            <a:ln>
+              <a:tailEnd type="triangle"/>
+            </a:ln>
+          </p:spPr>
+          <p:style>
+            <a:lnRef idx="1">
+              <a:schemeClr val="dk1"/>
+            </a:lnRef>
+            <a:fillRef idx="0">
+              <a:schemeClr val="dk1"/>
+            </a:fillRef>
+            <a:effectRef idx="0">
+              <a:schemeClr val="dk1"/>
+            </a:effectRef>
+            <a:fontRef idx="minor">
+              <a:schemeClr val="tx1"/>
+            </a:fontRef>
+          </p:style>
+        </p:cxnSp>
+      </p:grpSp>
+    </p:spTree>
+    <p:extLst>
+      <p:ext uri="{BB962C8B-B14F-4D97-AF65-F5344CB8AC3E}">
+        <p14:creationId xmlns:p14="http://schemas.microsoft.com/office/powerpoint/2010/main" val="1358743994"/>
+      </p:ext>
+    </p:extLst>
+  </p:cSld>
+  <p:clrMapOvr>
+    <a:masterClrMapping/>
+  </p:clrMapOvr>
+</p:sld>
+</file>
+
+<file path=ppt/slides/slide3.xml><?xml version="1.0" encoding="utf-8"?>
+<p:sld xmlns:a="http://schemas.openxmlformats.org/drawingml/2006/main" xmlns:r="http://schemas.openxmlformats.org/officeDocument/2006/relationships" xmlns:p="http://schemas.openxmlformats.org/presentationml/2006/main">
+  <p:cSld>
+    <p:spTree>
+      <p:nvGrpSpPr>
+        <p:cNvPr id="1" name=""/>
+        <p:cNvGrpSpPr/>
+        <p:nvPr/>
+      </p:nvGrpSpPr>
+      <p:grpSpPr>
+        <a:xfrm>
+          <a:off x="0" y="0"/>
+          <a:ext cx="0" cy="0"/>
+          <a:chOff x="0" y="0"/>
+          <a:chExt cx="0" cy="0"/>
+        </a:xfrm>
+      </p:grpSpPr>
+      <p:grpSp>
+        <p:nvGrpSpPr>
+          <p:cNvPr id="2" name="组合 1">
+            <a:extLst>
+              <a:ext uri="{FF2B5EF4-FFF2-40B4-BE49-F238E27FC236}">
+                <a16:creationId xmlns:a16="http://schemas.microsoft.com/office/drawing/2014/main" id="{5C1ADCE9-75A5-4986-8406-661703EA1194}"/>
+              </a:ext>
+            </a:extLst>
+          </p:cNvPr>
+          <p:cNvGrpSpPr/>
+          <p:nvPr/>
+        </p:nvGrpSpPr>
+        <p:grpSpPr>
+          <a:xfrm>
+            <a:off x="790238" y="306834"/>
+            <a:ext cx="8959139" cy="6404339"/>
+            <a:chOff x="792319" y="572402"/>
+            <a:chExt cx="8767482" cy="6131859"/>
+          </a:xfrm>
+        </p:grpSpPr>
+        <p:sp>
+          <p:nvSpPr>
+            <p:cNvPr id="4" name="矩形 3"/>
+            <p:cNvSpPr/>
+            <p:nvPr/>
+          </p:nvSpPr>
+          <p:spPr>
+            <a:xfrm>
+              <a:off x="792319" y="572402"/>
+              <a:ext cx="8767482" cy="6131859"/>
+            </a:xfrm>
+            <a:prstGeom prst="rect">
+              <a:avLst/>
+            </a:prstGeom>
+            <a:solidFill>
+              <a:schemeClr val="bg2">
+                <a:lumMod val="25000"/>
+              </a:schemeClr>
+            </a:solidFill>
+            <a:ln>
+              <a:noFill/>
+            </a:ln>
+          </p:spPr>
+          <p:style>
+            <a:lnRef idx="3">
+              <a:schemeClr val="lt1"/>
+            </a:lnRef>
+            <a:fillRef idx="1">
+              <a:schemeClr val="accent3"/>
+            </a:fillRef>
+            <a:effectRef idx="1">
+              <a:schemeClr val="accent3"/>
+            </a:effectRef>
+            <a:fontRef idx="minor">
+              <a:schemeClr val="lt1"/>
+            </a:fontRef>
+          </p:style>
+          <p:txBody>
+            <a:bodyPr rtlCol="0" anchor="ctr"/>
+            <a:lstStyle/>
+            <a:p>
+              <a:pPr>
+                <a:lnSpc>
+                  <a:spcPct val="150000"/>
+                </a:lnSpc>
+                <a:spcBef>
+                  <a:spcPts val="200"/>
+                </a:spcBef>
+                <a:spcAft>
+                  <a:spcPts val="200"/>
+                </a:spcAft>
+              </a:pPr>
+              <a:endParaRPr lang="zh-CN" altLang="en-US" sz="2000" dirty="0">
+                <a:latin typeface="黑体" panose="02010609060101010101" pitchFamily="49" charset="-122"/>
+                <a:ea typeface="黑体" panose="02010609060101010101" pitchFamily="49" charset="-122"/>
+              </a:endParaRPr>
+            </a:p>
+          </p:txBody>
+        </p:sp>
+        <p:sp>
+          <p:nvSpPr>
+            <p:cNvPr id="3" name="文本框 2"/>
+            <p:cNvSpPr txBox="1"/>
+            <p:nvPr/>
+          </p:nvSpPr>
+          <p:spPr>
+            <a:xfrm>
+              <a:off x="1223744" y="4138048"/>
+              <a:ext cx="7811593" cy="2304597"/>
+            </a:xfrm>
+            <a:prstGeom prst="rect">
+              <a:avLst/>
+            </a:prstGeom>
+            <a:noFill/>
+          </p:spPr>
+          <p:txBody>
+            <a:bodyPr wrap="square" rtlCol="0">
+              <a:spAutoFit/>
+            </a:bodyPr>
+            <a:lstStyle/>
+            <a:p>
+              <a:pPr marL="285750" indent="-285750">
+                <a:lnSpc>
+                  <a:spcPct val="130000"/>
+                </a:lnSpc>
+                <a:spcBef>
+                  <a:spcPts val="200"/>
+                </a:spcBef>
+                <a:spcAft>
+                  <a:spcPts val="200"/>
+                </a:spcAft>
+                <a:buFont typeface="Arial" panose="020B0604020202020204" pitchFamily="34" charset="0"/>
+                <a:buChar char="•"/>
+              </a:pPr>
+              <a:r>
+                <a:rPr lang="zh-CN" altLang="en-US" dirty="0">
+                  <a:solidFill>
+                    <a:schemeClr val="bg1">
+                      <a:lumMod val="95000"/>
+                    </a:schemeClr>
+                  </a:solidFill>
+                  <a:latin typeface="黑体" panose="02010609060101010101" pitchFamily="49" charset="-122"/>
+                  <a:ea typeface="黑体" panose="02010609060101010101" pitchFamily="49" charset="-122"/>
+                </a:rPr>
+                <a:t>屏幕顶端将显示你们当前的</a:t>
+              </a:r>
+              <a:r>
+                <a:rPr lang="zh-CN" altLang="en-US" dirty="0">
+                  <a:solidFill>
+                    <a:srgbClr val="92D050"/>
+                  </a:solidFill>
+                  <a:latin typeface="黑体" panose="02010609060101010101" pitchFamily="49" charset="-122"/>
+                  <a:ea typeface="黑体" panose="02010609060101010101" pitchFamily="49" charset="-122"/>
+                </a:rPr>
+                <a:t>总得分</a:t>
+              </a:r>
+              <a:r>
+                <a:rPr lang="zh-CN" altLang="en-US" dirty="0">
+                  <a:solidFill>
+                    <a:schemeClr val="bg1">
+                      <a:lumMod val="95000"/>
+                    </a:schemeClr>
+                  </a:solidFill>
+                  <a:latin typeface="黑体" panose="02010609060101010101" pitchFamily="49" charset="-122"/>
+                  <a:ea typeface="黑体" panose="02010609060101010101" pitchFamily="49" charset="-122"/>
+                </a:rPr>
+                <a:t>，分数计算规则为：</a:t>
+              </a:r>
+              <a:endParaRPr lang="en-US" altLang="zh-CN" dirty="0">
+                <a:solidFill>
+                  <a:schemeClr val="bg1">
+                    <a:lumMod val="95000"/>
+                  </a:schemeClr>
+                </a:solidFill>
+                <a:latin typeface="黑体" panose="02010609060101010101" pitchFamily="49" charset="-122"/>
+                <a:ea typeface="黑体" panose="02010609060101010101" pitchFamily="49" charset="-122"/>
+              </a:endParaRPr>
+            </a:p>
+            <a:p>
+              <a:pPr marL="742950" lvl="1" indent="-285750">
+                <a:lnSpc>
+                  <a:spcPct val="130000"/>
+                </a:lnSpc>
+                <a:spcBef>
+                  <a:spcPts val="200"/>
+                </a:spcBef>
+                <a:spcAft>
+                  <a:spcPts val="200"/>
+                </a:spcAft>
+                <a:buFont typeface="Wingdings" panose="05000000000000000000" pitchFamily="2" charset="2"/>
+                <a:buChar char="Ø"/>
+              </a:pPr>
+              <a:r>
+                <a:rPr lang="zh-CN" altLang="en-US" dirty="0">
+                  <a:solidFill>
+                    <a:schemeClr val="bg1">
+                      <a:lumMod val="95000"/>
+                    </a:schemeClr>
+                  </a:solidFill>
+                  <a:latin typeface="黑体" panose="02010609060101010101" pitchFamily="49" charset="-122"/>
+                  <a:ea typeface="黑体" panose="02010609060101010101" pitchFamily="49" charset="-122"/>
+                </a:rPr>
+                <a:t>若</a:t>
+              </a:r>
+              <a:r>
+                <a:rPr lang="en-US" altLang="zh-CN" dirty="0">
+                  <a:solidFill>
+                    <a:schemeClr val="bg1">
+                      <a:lumMod val="95000"/>
+                    </a:schemeClr>
+                  </a:solidFill>
+                  <a:latin typeface="黑体" panose="02010609060101010101" pitchFamily="49" charset="-122"/>
+                  <a:ea typeface="黑体" panose="02010609060101010101" pitchFamily="49" charset="-122"/>
+                </a:rPr>
+                <a:t>15s</a:t>
+              </a:r>
+              <a:r>
+                <a:rPr lang="zh-CN" altLang="en-US" dirty="0">
+                  <a:solidFill>
+                    <a:schemeClr val="bg1">
+                      <a:lumMod val="95000"/>
+                    </a:schemeClr>
+                  </a:solidFill>
+                  <a:latin typeface="黑体" panose="02010609060101010101" pitchFamily="49" charset="-122"/>
+                  <a:ea typeface="黑体" panose="02010609060101010101" pitchFamily="49" charset="-122"/>
+                </a:rPr>
+                <a:t>内抓到羊，总分增加</a:t>
+              </a:r>
+              <a:r>
+                <a:rPr lang="en-US" altLang="zh-CN" dirty="0">
+                  <a:solidFill>
+                    <a:schemeClr val="bg1">
+                      <a:lumMod val="95000"/>
+                    </a:schemeClr>
+                  </a:solidFill>
+                  <a:latin typeface="黑体" panose="02010609060101010101" pitchFamily="49" charset="-122"/>
+                  <a:ea typeface="黑体" panose="02010609060101010101" pitchFamily="49" charset="-122"/>
+                </a:rPr>
+                <a:t>1</a:t>
+              </a:r>
+              <a:r>
+                <a:rPr lang="zh-CN" altLang="en-US" dirty="0">
+                  <a:solidFill>
+                    <a:schemeClr val="bg1">
+                      <a:lumMod val="95000"/>
+                    </a:schemeClr>
+                  </a:solidFill>
+                  <a:latin typeface="黑体" panose="02010609060101010101" pitchFamily="49" charset="-122"/>
+                  <a:ea typeface="黑体" panose="02010609060101010101" pitchFamily="49" charset="-122"/>
+                </a:rPr>
+                <a:t>分</a:t>
+              </a:r>
+              <a:endParaRPr lang="en-US" altLang="zh-CN" dirty="0">
+                <a:solidFill>
+                  <a:schemeClr val="bg1">
+                    <a:lumMod val="95000"/>
+                  </a:schemeClr>
+                </a:solidFill>
+                <a:latin typeface="黑体" panose="02010609060101010101" pitchFamily="49" charset="-122"/>
+                <a:ea typeface="黑体" panose="02010609060101010101" pitchFamily="49" charset="-122"/>
+              </a:endParaRPr>
+            </a:p>
+            <a:p>
+              <a:pPr marL="742950" lvl="1" indent="-285750">
+                <a:lnSpc>
+                  <a:spcPct val="130000"/>
+                </a:lnSpc>
+                <a:spcBef>
+                  <a:spcPts val="200"/>
+                </a:spcBef>
+                <a:spcAft>
+                  <a:spcPts val="200"/>
+                </a:spcAft>
+                <a:buFont typeface="Wingdings" panose="05000000000000000000" pitchFamily="2" charset="2"/>
+                <a:buChar char="Ø"/>
+              </a:pPr>
+              <a:r>
+                <a:rPr lang="zh-CN" altLang="en-US" dirty="0">
+                  <a:solidFill>
+                    <a:schemeClr val="bg1">
+                      <a:lumMod val="95000"/>
+                    </a:schemeClr>
+                  </a:solidFill>
+                  <a:latin typeface="黑体" panose="02010609060101010101" pitchFamily="49" charset="-122"/>
+                  <a:ea typeface="黑体" panose="02010609060101010101" pitchFamily="49" charset="-122"/>
+                </a:rPr>
+                <a:t>若</a:t>
+              </a:r>
+              <a:r>
+                <a:rPr lang="en-US" altLang="zh-CN" dirty="0">
+                  <a:solidFill>
+                    <a:schemeClr val="bg1">
+                      <a:lumMod val="95000"/>
+                    </a:schemeClr>
+                  </a:solidFill>
+                  <a:latin typeface="黑体" panose="02010609060101010101" pitchFamily="49" charset="-122"/>
+                  <a:ea typeface="黑体" panose="02010609060101010101" pitchFamily="49" charset="-122"/>
+                </a:rPr>
+                <a:t>15s</a:t>
+              </a:r>
+              <a:r>
+                <a:rPr lang="zh-CN" altLang="en-US" dirty="0">
+                  <a:solidFill>
+                    <a:schemeClr val="bg1">
+                      <a:lumMod val="95000"/>
+                    </a:schemeClr>
+                  </a:solidFill>
+                  <a:latin typeface="黑体" panose="02010609060101010101" pitchFamily="49" charset="-122"/>
+                  <a:ea typeface="黑体" panose="02010609060101010101" pitchFamily="49" charset="-122"/>
+                </a:rPr>
+                <a:t>内两名玩家都没有抓到羊，不得分</a:t>
+              </a:r>
+              <a:endParaRPr lang="en-US" altLang="zh-CN" dirty="0">
+                <a:solidFill>
+                  <a:schemeClr val="bg1">
+                    <a:lumMod val="95000"/>
+                  </a:schemeClr>
+                </a:solidFill>
+                <a:latin typeface="黑体" panose="02010609060101010101" pitchFamily="49" charset="-122"/>
+                <a:ea typeface="黑体" panose="02010609060101010101" pitchFamily="49" charset="-122"/>
+              </a:endParaRPr>
+            </a:p>
+            <a:p>
+              <a:pPr marL="742950" lvl="1" indent="-285750">
+                <a:lnSpc>
+                  <a:spcPct val="130000"/>
+                </a:lnSpc>
+                <a:spcBef>
+                  <a:spcPts val="200"/>
+                </a:spcBef>
+                <a:spcAft>
+                  <a:spcPts val="200"/>
+                </a:spcAft>
+                <a:buFont typeface="Wingdings" panose="05000000000000000000" pitchFamily="2" charset="2"/>
+                <a:buChar char="Ø"/>
+              </a:pPr>
+              <a:r>
+                <a:rPr lang="zh-CN" altLang="en-US" dirty="0">
+                  <a:solidFill>
+                    <a:schemeClr val="bg1">
+                      <a:lumMod val="95000"/>
+                    </a:schemeClr>
+                  </a:solidFill>
+                  <a:latin typeface="黑体" panose="02010609060101010101" pitchFamily="49" charset="-122"/>
+                  <a:ea typeface="黑体" panose="02010609060101010101" pitchFamily="49" charset="-122"/>
+                </a:rPr>
+                <a:t>游戏包含时间惩罚机制，每轮游戏追逐</a:t>
+              </a:r>
+              <a:r>
+                <a:rPr lang="zh-CN" altLang="en-US" dirty="0">
+                  <a:solidFill>
+                    <a:srgbClr val="92D050"/>
+                  </a:solidFill>
+                  <a:latin typeface="黑体" panose="02010609060101010101" pitchFamily="49" charset="-122"/>
+                  <a:ea typeface="黑体" panose="02010609060101010101" pitchFamily="49" charset="-122"/>
+                </a:rPr>
+                <a:t>时间越长</a:t>
+              </a:r>
+              <a:r>
+                <a:rPr lang="zh-CN" altLang="en-US" dirty="0">
+                  <a:solidFill>
+                    <a:schemeClr val="bg1">
+                      <a:lumMod val="95000"/>
+                    </a:schemeClr>
+                  </a:solidFill>
+                  <a:latin typeface="黑体" panose="02010609060101010101" pitchFamily="49" charset="-122"/>
+                  <a:ea typeface="黑体" panose="02010609060101010101" pitchFamily="49" charset="-122"/>
+                </a:rPr>
+                <a:t>，该轮游戏</a:t>
+              </a:r>
+              <a:r>
+                <a:rPr lang="zh-CN" altLang="en-US" dirty="0">
+                  <a:solidFill>
+                    <a:srgbClr val="92D050"/>
+                  </a:solidFill>
+                  <a:latin typeface="黑体" panose="02010609060101010101" pitchFamily="49" charset="-122"/>
+                  <a:ea typeface="黑体" panose="02010609060101010101" pitchFamily="49" charset="-122"/>
+                </a:rPr>
+                <a:t>惩罚越多</a:t>
+              </a:r>
+              <a:r>
+                <a:rPr lang="zh-CN" altLang="en-US" dirty="0">
+                  <a:solidFill>
+                    <a:schemeClr val="bg1">
+                      <a:lumMod val="95000"/>
+                    </a:schemeClr>
+                  </a:solidFill>
+                  <a:latin typeface="黑体" panose="02010609060101010101" pitchFamily="49" charset="-122"/>
+                  <a:ea typeface="黑体" panose="02010609060101010101" pitchFamily="49" charset="-122"/>
+                </a:rPr>
+                <a:t>（每消耗</a:t>
+              </a:r>
+              <a:r>
+                <a:rPr lang="en-US" altLang="zh-CN" dirty="0">
+                  <a:solidFill>
+                    <a:schemeClr val="bg1">
+                      <a:lumMod val="95000"/>
+                    </a:schemeClr>
+                  </a:solidFill>
+                  <a:latin typeface="黑体" panose="02010609060101010101" pitchFamily="49" charset="-122"/>
+                  <a:ea typeface="黑体" panose="02010609060101010101" pitchFamily="49" charset="-122"/>
+                </a:rPr>
+                <a:t>1s</a:t>
+              </a:r>
+              <a:r>
+                <a:rPr lang="zh-CN" altLang="en-US" dirty="0">
+                  <a:solidFill>
+                    <a:schemeClr val="bg1">
+                      <a:lumMod val="95000"/>
+                    </a:schemeClr>
+                  </a:solidFill>
+                  <a:latin typeface="黑体" panose="02010609060101010101" pitchFamily="49" charset="-122"/>
+                  <a:ea typeface="黑体" panose="02010609060101010101" pitchFamily="49" charset="-122"/>
+                </a:rPr>
+                <a:t>，总分减少</a:t>
+              </a:r>
+              <a:r>
+                <a:rPr lang="en-US" altLang="zh-CN" dirty="0">
+                  <a:solidFill>
+                    <a:schemeClr val="bg1">
+                      <a:lumMod val="95000"/>
+                    </a:schemeClr>
+                  </a:solidFill>
+                  <a:latin typeface="黑体" panose="02010609060101010101" pitchFamily="49" charset="-122"/>
+                  <a:ea typeface="黑体" panose="02010609060101010101" pitchFamily="49" charset="-122"/>
+                </a:rPr>
+                <a:t>0.02</a:t>
+              </a:r>
+              <a:r>
+                <a:rPr lang="zh-CN" altLang="en-US" dirty="0">
+                  <a:solidFill>
+                    <a:schemeClr val="bg1">
+                      <a:lumMod val="95000"/>
+                    </a:schemeClr>
+                  </a:solidFill>
+                  <a:latin typeface="黑体" panose="02010609060101010101" pitchFamily="49" charset="-122"/>
+                  <a:ea typeface="黑体" panose="02010609060101010101" pitchFamily="49" charset="-122"/>
+                </a:rPr>
+                <a:t>分；即未追到羊总分减少</a:t>
+              </a:r>
+              <a:r>
+                <a:rPr lang="en-US" altLang="zh-CN" dirty="0">
+                  <a:solidFill>
+                    <a:schemeClr val="bg1">
+                      <a:lumMod val="95000"/>
+                    </a:schemeClr>
+                  </a:solidFill>
+                  <a:latin typeface="黑体" panose="02010609060101010101" pitchFamily="49" charset="-122"/>
+                  <a:ea typeface="黑体" panose="02010609060101010101" pitchFamily="49" charset="-122"/>
+                </a:rPr>
+                <a:t>0.3</a:t>
+              </a:r>
+              <a:r>
+                <a:rPr lang="zh-CN" altLang="en-US" dirty="0">
+                  <a:solidFill>
+                    <a:schemeClr val="bg1">
+                      <a:lumMod val="95000"/>
+                    </a:schemeClr>
+                  </a:solidFill>
+                  <a:latin typeface="黑体" panose="02010609060101010101" pitchFamily="49" charset="-122"/>
+                  <a:ea typeface="黑体" panose="02010609060101010101" pitchFamily="49" charset="-122"/>
+                </a:rPr>
+                <a:t>分）</a:t>
+              </a:r>
+              <a:endParaRPr lang="en-US" altLang="zh-CN" dirty="0">
+                <a:solidFill>
+                  <a:schemeClr val="bg1">
+                    <a:lumMod val="95000"/>
+                  </a:schemeClr>
+                </a:solidFill>
+                <a:latin typeface="黑体" panose="02010609060101010101" pitchFamily="49" charset="-122"/>
+                <a:ea typeface="黑体" panose="02010609060101010101" pitchFamily="49" charset="-122"/>
+              </a:endParaRPr>
+            </a:p>
+            <a:p>
+              <a:pPr marL="285750" indent="-285750">
+                <a:lnSpc>
+                  <a:spcPct val="130000"/>
+                </a:lnSpc>
+                <a:spcBef>
+                  <a:spcPts val="200"/>
+                </a:spcBef>
+                <a:spcAft>
+                  <a:spcPts val="200"/>
+                </a:spcAft>
+                <a:buFont typeface="Arial" panose="020B0604020202020204" pitchFamily="34" charset="0"/>
+                <a:buChar char="•"/>
+              </a:pPr>
+              <a:r>
+                <a:rPr lang="zh-CN" altLang="en-US" dirty="0">
+                  <a:solidFill>
+                    <a:srgbClr val="92D050"/>
+                  </a:solidFill>
+                  <a:latin typeface="黑体" panose="02010609060101010101" pitchFamily="49" charset="-122"/>
+                  <a:ea typeface="黑体" panose="02010609060101010101" pitchFamily="49" charset="-122"/>
+                </a:rPr>
+                <a:t>游戏结束后总分越高，最终实验报酬越高。</a:t>
+              </a:r>
+              <a:endParaRPr lang="zh-CN" altLang="en-US" dirty="0">
+                <a:solidFill>
+                  <a:schemeClr val="bg1">
+                    <a:lumMod val="95000"/>
+                  </a:schemeClr>
+                </a:solidFill>
+                <a:latin typeface="黑体" panose="02010609060101010101" pitchFamily="49" charset="-122"/>
+                <a:ea typeface="黑体" panose="02010609060101010101" pitchFamily="49" charset="-122"/>
+              </a:endParaRPr>
+            </a:p>
+          </p:txBody>
+        </p:sp>
+      </p:grpSp>
+      <p:grpSp>
+        <p:nvGrpSpPr>
+          <p:cNvPr id="28" name="组合 27">
+            <a:extLst>
+              <a:ext uri="{FF2B5EF4-FFF2-40B4-BE49-F238E27FC236}">
+                <a16:creationId xmlns:a16="http://schemas.microsoft.com/office/drawing/2014/main" id="{DBBBB726-E9F2-4CC7-85AB-2981E06753A2}"/>
+              </a:ext>
+            </a:extLst>
+          </p:cNvPr>
+          <p:cNvGrpSpPr/>
+          <p:nvPr/>
+        </p:nvGrpSpPr>
+        <p:grpSpPr>
+          <a:xfrm>
+            <a:off x="3209427" y="623268"/>
+            <a:ext cx="4120759" cy="3297435"/>
+            <a:chOff x="3124152" y="2088684"/>
+            <a:chExt cx="3763478" cy="3185962"/>
+          </a:xfrm>
+        </p:grpSpPr>
+        <p:sp>
+          <p:nvSpPr>
+            <p:cNvPr id="30" name="矩形 29">
+              <a:extLst>
+                <a:ext uri="{FF2B5EF4-FFF2-40B4-BE49-F238E27FC236}">
+                  <a16:creationId xmlns:a16="http://schemas.microsoft.com/office/drawing/2014/main" id="{30AF6E58-776F-4533-82B8-0D0841C9DD6B}"/>
+                </a:ext>
+              </a:extLst>
+            </p:cNvPr>
+            <p:cNvSpPr/>
+            <p:nvPr/>
+          </p:nvSpPr>
+          <p:spPr>
+            <a:xfrm>
+              <a:off x="3124152" y="2088684"/>
+              <a:ext cx="3763478" cy="3185962"/>
+            </a:xfrm>
+            <a:prstGeom prst="rect">
+              <a:avLst/>
+            </a:prstGeom>
+          </p:spPr>
+          <p:style>
+            <a:lnRef idx="2">
+              <a:schemeClr val="accent3">
+                <a:shade val="50000"/>
+              </a:schemeClr>
+            </a:lnRef>
+            <a:fillRef idx="1">
+              <a:schemeClr val="accent3"/>
+            </a:fillRef>
+            <a:effectRef idx="0">
+              <a:schemeClr val="accent3"/>
+            </a:effectRef>
+            <a:fontRef idx="minor">
+              <a:schemeClr val="lt1"/>
+            </a:fontRef>
+          </p:style>
+          <p:txBody>
+            <a:bodyPr rtlCol="0" anchor="ctr"/>
+            <a:lstStyle/>
+            <a:p>
+              <a:pPr algn="ctr"/>
+              <a:endParaRPr lang="zh-CN" altLang="en-US" dirty="0"/>
+            </a:p>
+          </p:txBody>
+        </p:sp>
+        <p:sp>
+          <p:nvSpPr>
+            <p:cNvPr id="31" name="椭圆 30">
+              <a:extLst>
+                <a:ext uri="{FF2B5EF4-FFF2-40B4-BE49-F238E27FC236}">
+                  <a16:creationId xmlns:a16="http://schemas.microsoft.com/office/drawing/2014/main" id="{6D698182-4DB7-43AA-BD69-4DE602677882}"/>
+                </a:ext>
+              </a:extLst>
+            </p:cNvPr>
+            <p:cNvSpPr/>
+            <p:nvPr/>
+          </p:nvSpPr>
+          <p:spPr>
+            <a:xfrm>
+              <a:off x="3898231" y="2569945"/>
+              <a:ext cx="173256" cy="173256"/>
+            </a:xfrm>
+            <a:prstGeom prst="ellipse">
+              <a:avLst/>
+            </a:prstGeom>
+          </p:spPr>
+          <p:style>
+            <a:lnRef idx="2">
+              <a:schemeClr val="accent1">
+                <a:shade val="50000"/>
+              </a:schemeClr>
+            </a:lnRef>
+            <a:fillRef idx="1">
+              <a:schemeClr val="accent1"/>
+            </a:fillRef>
+            <a:effectRef idx="0">
+              <a:schemeClr val="accent1"/>
+            </a:effectRef>
+            <a:fontRef idx="minor">
+              <a:schemeClr val="lt1"/>
+            </a:fontRef>
+          </p:style>
+          <p:txBody>
+            <a:bodyPr rtlCol="0" anchor="ctr"/>
+            <a:lstStyle/>
+            <a:p>
+              <a:pPr algn="ctr"/>
+              <a:endParaRPr lang="zh-CN" altLang="en-US"/>
+            </a:p>
+          </p:txBody>
+        </p:sp>
+        <p:sp>
+          <p:nvSpPr>
+            <p:cNvPr id="32" name="椭圆 31">
+              <a:extLst>
+                <a:ext uri="{FF2B5EF4-FFF2-40B4-BE49-F238E27FC236}">
+                  <a16:creationId xmlns:a16="http://schemas.microsoft.com/office/drawing/2014/main" id="{3C8F76C9-44E2-415B-BA41-1A078A31ACA2}"/>
+                </a:ext>
+              </a:extLst>
+            </p:cNvPr>
+            <p:cNvSpPr/>
+            <p:nvPr/>
+          </p:nvSpPr>
+          <p:spPr>
+            <a:xfrm>
+              <a:off x="6081562" y="3049604"/>
+              <a:ext cx="173256" cy="173256"/>
+            </a:xfrm>
+            <a:prstGeom prst="ellipse">
+              <a:avLst/>
+            </a:prstGeom>
+          </p:spPr>
+          <p:style>
+            <a:lnRef idx="2">
+              <a:schemeClr val="accent1">
+                <a:shade val="50000"/>
+              </a:schemeClr>
+            </a:lnRef>
+            <a:fillRef idx="1">
+              <a:schemeClr val="accent1"/>
+            </a:fillRef>
+            <a:effectRef idx="0">
+              <a:schemeClr val="accent1"/>
+            </a:effectRef>
+            <a:fontRef idx="minor">
+              <a:schemeClr val="lt1"/>
+            </a:fontRef>
+          </p:style>
+          <p:txBody>
+            <a:bodyPr rtlCol="0" anchor="ctr"/>
+            <a:lstStyle/>
+            <a:p>
+              <a:pPr algn="ctr"/>
+              <a:endParaRPr lang="zh-CN" altLang="en-US"/>
+            </a:p>
+          </p:txBody>
+        </p:sp>
+        <p:sp>
+          <p:nvSpPr>
+            <p:cNvPr id="33" name="椭圆 32">
+              <a:extLst>
+                <a:ext uri="{FF2B5EF4-FFF2-40B4-BE49-F238E27FC236}">
+                  <a16:creationId xmlns:a16="http://schemas.microsoft.com/office/drawing/2014/main" id="{5A1D9375-9192-42A8-B9C8-3E75FA7C6BD6}"/>
+                </a:ext>
+              </a:extLst>
+            </p:cNvPr>
+            <p:cNvSpPr/>
+            <p:nvPr/>
+          </p:nvSpPr>
+          <p:spPr>
+            <a:xfrm>
+              <a:off x="4198125" y="3438626"/>
+              <a:ext cx="173256" cy="173256"/>
+            </a:xfrm>
+            <a:prstGeom prst="ellipse">
+              <a:avLst/>
+            </a:prstGeom>
+          </p:spPr>
+          <p:style>
+            <a:lnRef idx="2">
+              <a:schemeClr val="accent1">
+                <a:shade val="50000"/>
+              </a:schemeClr>
+            </a:lnRef>
+            <a:fillRef idx="1">
+              <a:schemeClr val="accent1"/>
+            </a:fillRef>
+            <a:effectRef idx="0">
+              <a:schemeClr val="accent1"/>
+            </a:effectRef>
+            <a:fontRef idx="minor">
+              <a:schemeClr val="lt1"/>
+            </a:fontRef>
+          </p:style>
+          <p:txBody>
+            <a:bodyPr rtlCol="0" anchor="ctr"/>
+            <a:lstStyle/>
+            <a:p>
+              <a:pPr algn="ctr"/>
+              <a:endParaRPr lang="zh-CN" altLang="en-US"/>
+            </a:p>
+          </p:txBody>
+        </p:sp>
+        <p:sp>
+          <p:nvSpPr>
+            <p:cNvPr id="34" name="椭圆 33">
+              <a:extLst>
+                <a:ext uri="{FF2B5EF4-FFF2-40B4-BE49-F238E27FC236}">
+                  <a16:creationId xmlns:a16="http://schemas.microsoft.com/office/drawing/2014/main" id="{4E0DEF07-B894-4F3B-97DD-D1A166937BCF}"/>
+                </a:ext>
+              </a:extLst>
+            </p:cNvPr>
+            <p:cNvSpPr/>
+            <p:nvPr/>
+          </p:nvSpPr>
+          <p:spPr>
+            <a:xfrm>
+              <a:off x="5005891" y="4676273"/>
+              <a:ext cx="173256" cy="173256"/>
+            </a:xfrm>
+            <a:prstGeom prst="ellipse">
+              <a:avLst/>
+            </a:prstGeom>
+          </p:spPr>
+          <p:style>
+            <a:lnRef idx="2">
+              <a:schemeClr val="accent1">
+                <a:shade val="50000"/>
+              </a:schemeClr>
+            </a:lnRef>
+            <a:fillRef idx="1">
+              <a:schemeClr val="accent1"/>
+            </a:fillRef>
+            <a:effectRef idx="0">
+              <a:schemeClr val="accent1"/>
+            </a:effectRef>
+            <a:fontRef idx="minor">
+              <a:schemeClr val="lt1"/>
+            </a:fontRef>
+          </p:style>
+          <p:txBody>
+            <a:bodyPr rtlCol="0" anchor="ctr"/>
+            <a:lstStyle/>
+            <a:p>
+              <a:pPr algn="ctr"/>
+              <a:endParaRPr lang="zh-CN" altLang="en-US"/>
+            </a:p>
+          </p:txBody>
+        </p:sp>
+        <p:sp>
+          <p:nvSpPr>
+            <p:cNvPr id="35" name="椭圆 34">
+              <a:extLst>
+                <a:ext uri="{FF2B5EF4-FFF2-40B4-BE49-F238E27FC236}">
+                  <a16:creationId xmlns:a16="http://schemas.microsoft.com/office/drawing/2014/main" id="{9970886E-42A4-4CBF-8328-809AA0535E2E}"/>
+                </a:ext>
+              </a:extLst>
+            </p:cNvPr>
+            <p:cNvSpPr/>
+            <p:nvPr/>
+          </p:nvSpPr>
+          <p:spPr>
+            <a:xfrm>
+              <a:off x="5134040" y="3525254"/>
+              <a:ext cx="173256" cy="173256"/>
+            </a:xfrm>
+            <a:prstGeom prst="ellipse">
+              <a:avLst/>
+            </a:prstGeom>
+            <a:solidFill>
+              <a:srgbClr val="FF0000"/>
+            </a:solidFill>
+            <a:ln>
+              <a:solidFill>
+                <a:srgbClr val="C00000"/>
+              </a:solidFill>
+            </a:ln>
+          </p:spPr>
+          <p:style>
+            <a:lnRef idx="2">
+              <a:schemeClr val="accent1">
+                <a:shade val="50000"/>
+              </a:schemeClr>
+            </a:lnRef>
+            <a:fillRef idx="1">
+              <a:schemeClr val="accent1"/>
+            </a:fillRef>
+            <a:effectRef idx="0">
+              <a:schemeClr val="accent1"/>
+            </a:effectRef>
+            <a:fontRef idx="minor">
+              <a:schemeClr val="lt1"/>
+            </a:fontRef>
+          </p:style>
+          <p:txBody>
+            <a:bodyPr rtlCol="0" anchor="ctr"/>
+            <a:lstStyle/>
+            <a:p>
+              <a:pPr algn="ctr"/>
+              <a:endParaRPr lang="zh-CN" altLang="en-US"/>
+            </a:p>
+          </p:txBody>
+        </p:sp>
+        <p:sp>
+          <p:nvSpPr>
+            <p:cNvPr id="36" name="椭圆 35">
+              <a:extLst>
+                <a:ext uri="{FF2B5EF4-FFF2-40B4-BE49-F238E27FC236}">
+                  <a16:creationId xmlns:a16="http://schemas.microsoft.com/office/drawing/2014/main" id="{BD2C6CBD-A3F6-4064-BF49-0C6D59FA828E}"/>
+                </a:ext>
+              </a:extLst>
+            </p:cNvPr>
+            <p:cNvSpPr/>
+            <p:nvPr/>
+          </p:nvSpPr>
+          <p:spPr>
+            <a:xfrm>
+              <a:off x="5975684" y="3792354"/>
+              <a:ext cx="173256" cy="173256"/>
+            </a:xfrm>
+            <a:prstGeom prst="ellipse">
+              <a:avLst/>
+            </a:prstGeom>
+          </p:spPr>
+          <p:style>
+            <a:lnRef idx="2">
+              <a:schemeClr val="accent4">
+                <a:shade val="50000"/>
+              </a:schemeClr>
+            </a:lnRef>
+            <a:fillRef idx="1">
+              <a:schemeClr val="accent4"/>
+            </a:fillRef>
+            <a:effectRef idx="0">
+              <a:schemeClr val="accent4"/>
+            </a:effectRef>
+            <a:fontRef idx="minor">
+              <a:schemeClr val="lt1"/>
+            </a:fontRef>
+          </p:style>
+          <p:txBody>
+            <a:bodyPr rtlCol="0" anchor="ctr"/>
+            <a:lstStyle/>
+            <a:p>
+              <a:pPr algn="ctr"/>
+              <a:endParaRPr lang="zh-CN" altLang="en-US"/>
+            </a:p>
+          </p:txBody>
+        </p:sp>
+        <p:sp>
+          <p:nvSpPr>
+            <p:cNvPr id="37" name="文本框 36">
+              <a:extLst>
+                <a:ext uri="{FF2B5EF4-FFF2-40B4-BE49-F238E27FC236}">
+                  <a16:creationId xmlns:a16="http://schemas.microsoft.com/office/drawing/2014/main" id="{81E14B03-F2DE-433D-9262-3756A52F4F35}"/>
+                </a:ext>
+              </a:extLst>
+            </p:cNvPr>
+            <p:cNvSpPr txBox="1"/>
+            <p:nvPr/>
+          </p:nvSpPr>
+          <p:spPr>
+            <a:xfrm>
+              <a:off x="4271151" y="2136610"/>
+              <a:ext cx="2396245" cy="432534"/>
+            </a:xfrm>
+            <a:prstGeom prst="rect">
+              <a:avLst/>
+            </a:prstGeom>
+            <a:noFill/>
+          </p:spPr>
+          <p:txBody>
+            <a:bodyPr wrap="none" rtlCol="0">
+              <a:spAutoFit/>
+            </a:bodyPr>
+            <a:lstStyle/>
+            <a:p>
+              <a:r>
+                <a:rPr lang="en-US" altLang="zh-CN" b="1" dirty="0" err="1">
+                  <a:solidFill>
+                    <a:srgbClr val="FF0000"/>
+                  </a:solidFill>
+                </a:rPr>
+                <a:t>TotalScore</a:t>
+              </a:r>
+              <a:r>
+                <a:rPr lang="zh-CN" altLang="en-US" b="1" dirty="0">
+                  <a:solidFill>
+                    <a:srgbClr val="FF0000"/>
+                  </a:solidFill>
+                </a:rPr>
+                <a:t>：</a:t>
+              </a:r>
+              <a:r>
+                <a:rPr lang="en-US" altLang="zh-CN" b="1" dirty="0">
+                  <a:solidFill>
+                    <a:srgbClr val="FF0000"/>
+                  </a:solidFill>
+                </a:rPr>
+                <a:t> 13.08</a:t>
+              </a:r>
+              <a:endParaRPr lang="zh-CN" altLang="en-US" b="1" dirty="0">
+                <a:solidFill>
+                  <a:srgbClr val="FF0000"/>
+                </a:solidFill>
+              </a:endParaRPr>
+            </a:p>
+          </p:txBody>
+        </p:sp>
+        <p:cxnSp>
+          <p:nvCxnSpPr>
+            <p:cNvPr id="38" name="连接符: 曲线 37">
+              <a:extLst>
+                <a:ext uri="{FF2B5EF4-FFF2-40B4-BE49-F238E27FC236}">
+                  <a16:creationId xmlns:a16="http://schemas.microsoft.com/office/drawing/2014/main" id="{4C0DC55E-F39C-46FB-9714-4AEA7776C531}"/>
+                </a:ext>
+              </a:extLst>
+            </p:cNvPr>
+            <p:cNvCxnSpPr>
+              <a:cxnSpLocks/>
+              <a:stCxn id="35" idx="0"/>
+            </p:cNvCxnSpPr>
+            <p:nvPr/>
+          </p:nvCxnSpPr>
+          <p:spPr>
+            <a:xfrm rot="5400000" flipH="1" flipV="1">
+              <a:off x="5446979" y="2909921"/>
+              <a:ext cx="389022" cy="841644"/>
+            </a:xfrm>
+            <a:prstGeom prst="curvedConnector2">
+              <a:avLst/>
+            </a:prstGeom>
+            <a:ln>
+              <a:tailEnd type="triangle"/>
+            </a:ln>
+          </p:spPr>
+          <p:style>
+            <a:lnRef idx="1">
+              <a:schemeClr val="dk1"/>
+            </a:lnRef>
+            <a:fillRef idx="0">
+              <a:schemeClr val="dk1"/>
+            </a:fillRef>
+            <a:effectRef idx="0">
+              <a:schemeClr val="dk1"/>
+            </a:effectRef>
+            <a:fontRef idx="minor">
+              <a:schemeClr val="tx1"/>
+            </a:fontRef>
+          </p:style>
+        </p:cxnSp>
+        <p:cxnSp>
+          <p:nvCxnSpPr>
+            <p:cNvPr id="39" name="连接符: 曲线 38">
+              <a:extLst>
+                <a:ext uri="{FF2B5EF4-FFF2-40B4-BE49-F238E27FC236}">
+                  <a16:creationId xmlns:a16="http://schemas.microsoft.com/office/drawing/2014/main" id="{3268B044-4198-4CA6-B9F8-AFA74200B720}"/>
+                </a:ext>
+              </a:extLst>
+            </p:cNvPr>
+            <p:cNvCxnSpPr>
+              <a:cxnSpLocks/>
+              <a:stCxn id="36" idx="6"/>
+            </p:cNvCxnSpPr>
+            <p:nvPr/>
+          </p:nvCxnSpPr>
+          <p:spPr>
+            <a:xfrm flipV="1">
+              <a:off x="6148940" y="3288632"/>
+              <a:ext cx="65772" cy="590350"/>
+            </a:xfrm>
+            <a:prstGeom prst="curvedConnector2">
+              <a:avLst/>
+            </a:prstGeom>
+            <a:ln>
+              <a:tailEnd type="triangle"/>
+            </a:ln>
+          </p:spPr>
+          <p:style>
+            <a:lnRef idx="1">
+              <a:schemeClr val="dk1"/>
+            </a:lnRef>
+            <a:fillRef idx="0">
+              <a:schemeClr val="dk1"/>
+            </a:fillRef>
+            <a:effectRef idx="0">
+              <a:schemeClr val="dk1"/>
+            </a:effectRef>
+            <a:fontRef idx="minor">
+              <a:schemeClr val="tx1"/>
+            </a:fontRef>
+          </p:style>
+        </p:cxnSp>
+      </p:grpSp>
+    </p:spTree>
+    <p:extLst>
+      <p:ext uri="{BB962C8B-B14F-4D97-AF65-F5344CB8AC3E}">
+        <p14:creationId xmlns:p14="http://schemas.microsoft.com/office/powerpoint/2010/main" val="952694587"/>
+      </p:ext>
+    </p:extLst>
+  </p:cSld>
+  <p:clrMapOvr>
+    <a:masterClrMapping/>
+  </p:clrMapOvr>
+</p:sld>
+</file>
+
+<file path=ppt/slides/slide4.xml><?xml version="1.0" encoding="utf-8"?>
+<p:sld xmlns:a="http://schemas.openxmlformats.org/drawingml/2006/main" xmlns:r="http://schemas.openxmlformats.org/officeDocument/2006/relationships" xmlns:p="http://schemas.openxmlformats.org/presentationml/2006/main">
+  <p:cSld>
+    <p:spTree>
+      <p:nvGrpSpPr>
+        <p:cNvPr id="1" name=""/>
+        <p:cNvGrpSpPr/>
+        <p:nvPr/>
+      </p:nvGrpSpPr>
+      <p:grpSpPr>
+        <a:xfrm>
+          <a:off x="0" y="0"/>
+          <a:ext cx="0" cy="0"/>
+          <a:chOff x="0" y="0"/>
+          <a:chExt cx="0" cy="0"/>
+        </a:xfrm>
+      </p:grpSpPr>
+      <p:sp>
+        <p:nvSpPr>
+          <p:cNvPr id="4" name="矩形 3"/>
+          <p:cNvSpPr/>
+          <p:nvPr/>
+        </p:nvSpPr>
+        <p:spPr>
+          <a:xfrm>
+            <a:off x="898264" y="363070"/>
+            <a:ext cx="8767482" cy="6131859"/>
+          </a:xfrm>
+          <a:prstGeom prst="rect">
+            <a:avLst/>
+          </a:prstGeom>
+          <a:solidFill>
+            <a:schemeClr val="bg2">
+              <a:lumMod val="25000"/>
+            </a:schemeClr>
+          </a:solidFill>
+          <a:ln>
+            <a:noFill/>
+          </a:ln>
+        </p:spPr>
+        <p:style>
+          <a:lnRef idx="3">
+            <a:schemeClr val="lt1"/>
+          </a:lnRef>
+          <a:fillRef idx="1">
+            <a:schemeClr val="accent3"/>
+          </a:fillRef>
+          <a:effectRef idx="1">
+            <a:schemeClr val="accent3"/>
+          </a:effectRef>
+          <a:fontRef idx="minor">
+            <a:schemeClr val="lt1"/>
+          </a:fontRef>
+        </p:style>
+        <p:txBody>
+          <a:bodyPr rtlCol="0" anchor="ctr"/>
+          <a:lstStyle/>
+          <a:p>
+            <a:pPr lvl="4">
+              <a:lnSpc>
+                <a:spcPct val="150000"/>
+              </a:lnSpc>
+            </a:pPr>
+            <a:r>
+              <a:rPr lang="zh-CN" altLang="en-US" sz="2400" dirty="0">
+                <a:latin typeface="黑体" panose="02010609060101010101" pitchFamily="49" charset="-122"/>
+                <a:ea typeface="黑体" panose="02010609060101010101" pitchFamily="49" charset="-122"/>
+              </a:rPr>
+              <a:t>我们将先进行几轮练习，</a:t>
+            </a:r>
+            <a:endParaRPr lang="en-US" altLang="zh-CN" sz="2400" dirty="0">
+              <a:latin typeface="黑体" panose="02010609060101010101" pitchFamily="49" charset="-122"/>
+              <a:ea typeface="黑体" panose="02010609060101010101" pitchFamily="49" charset="-122"/>
+            </a:endParaRPr>
+          </a:p>
+          <a:p>
+            <a:pPr lvl="4">
+              <a:lnSpc>
+                <a:spcPct val="150000"/>
+              </a:lnSpc>
+            </a:pPr>
+            <a:r>
+              <a:rPr lang="zh-CN" altLang="en-US" sz="2400" dirty="0">
+                <a:latin typeface="黑体" panose="02010609060101010101" pitchFamily="49" charset="-122"/>
+                <a:ea typeface="黑体" panose="02010609060101010101" pitchFamily="49" charset="-122"/>
+              </a:rPr>
+              <a:t>便于进一步理解规则以及熟悉操作。</a:t>
+            </a:r>
+            <a:endParaRPr lang="en-US" altLang="zh-CN" sz="2400" dirty="0">
+              <a:latin typeface="黑体" panose="02010609060101010101" pitchFamily="49" charset="-122"/>
+              <a:ea typeface="黑体" panose="02010609060101010101" pitchFamily="49" charset="-122"/>
+            </a:endParaRPr>
+          </a:p>
+          <a:p>
+            <a:pPr lvl="4">
+              <a:lnSpc>
+                <a:spcPct val="150000"/>
+              </a:lnSpc>
+            </a:pPr>
+            <a:r>
+              <a:rPr lang="zh-CN" altLang="en-US" sz="2400" dirty="0">
+                <a:latin typeface="黑体" panose="02010609060101010101" pitchFamily="49" charset="-122"/>
+                <a:ea typeface="黑体" panose="02010609060101010101" pitchFamily="49" charset="-122"/>
+              </a:rPr>
+              <a:t>待双方玩家都明确游戏规则后，再进入正式游戏。</a:t>
+            </a:r>
+          </a:p>
+        </p:txBody>
+      </p:sp>
+    </p:spTree>
+    <p:extLst>
+      <p:ext uri="{BB962C8B-B14F-4D97-AF65-F5344CB8AC3E}">
+        <p14:creationId xmlns:p14="http://schemas.microsoft.com/office/powerpoint/2010/main" val="2796366643"/>
+      </p:ext>
+    </p:extLst>
+  </p:cSld>
+  <p:clrMapOvr>
+    <a:masterClrMapping/>
+  </p:clrMapOvr>
+</p:sld>
+</file>
+
+<file path=ppt/slides/slide5.xml><?xml version="1.0" encoding="utf-8"?>
+<p:sld xmlns:a="http://schemas.openxmlformats.org/drawingml/2006/main" xmlns:r="http://schemas.openxmlformats.org/officeDocument/2006/relationships" xmlns:p="http://schemas.openxmlformats.org/presentationml/2006/main">
+  <p:cSld>
+    <p:spTree>
+      <p:nvGrpSpPr>
+        <p:cNvPr id="1" name=""/>
+        <p:cNvGrpSpPr/>
+        <p:nvPr/>
+      </p:nvGrpSpPr>
+      <p:grpSpPr>
+        <a:xfrm>
+          <a:off x="0" y="0"/>
+          <a:ext cx="0" cy="0"/>
+          <a:chOff x="0" y="0"/>
+          <a:chExt cx="0" cy="0"/>
+        </a:xfrm>
+      </p:grpSpPr>
+      <p:grpSp>
+        <p:nvGrpSpPr>
+          <p:cNvPr id="2" name="组合 1">
+            <a:extLst>
+              <a:ext uri="{FF2B5EF4-FFF2-40B4-BE49-F238E27FC236}">
+                <a16:creationId xmlns:a16="http://schemas.microsoft.com/office/drawing/2014/main" id="{5C1ADCE9-75A5-4986-8406-661703EA1194}"/>
+              </a:ext>
+            </a:extLst>
+          </p:cNvPr>
+          <p:cNvGrpSpPr/>
+          <p:nvPr/>
+        </p:nvGrpSpPr>
+        <p:grpSpPr>
+          <a:xfrm>
+            <a:off x="953829" y="407387"/>
+            <a:ext cx="9038410" cy="6404339"/>
+            <a:chOff x="952411" y="668677"/>
+            <a:chExt cx="8845057" cy="6131859"/>
+          </a:xfrm>
+        </p:grpSpPr>
+        <p:sp>
+          <p:nvSpPr>
+            <p:cNvPr id="4" name="矩形 3"/>
+            <p:cNvSpPr/>
+            <p:nvPr/>
+          </p:nvSpPr>
+          <p:spPr>
+            <a:xfrm>
+              <a:off x="952411" y="668677"/>
+              <a:ext cx="8767482" cy="6131859"/>
+            </a:xfrm>
+            <a:prstGeom prst="rect">
+              <a:avLst/>
+            </a:prstGeom>
+            <a:solidFill>
+              <a:schemeClr val="bg2">
+                <a:lumMod val="25000"/>
+              </a:schemeClr>
+            </a:solidFill>
+            <a:ln>
+              <a:noFill/>
+            </a:ln>
+          </p:spPr>
+          <p:style>
+            <a:lnRef idx="3">
+              <a:schemeClr val="lt1"/>
+            </a:lnRef>
+            <a:fillRef idx="1">
+              <a:schemeClr val="accent3"/>
+            </a:fillRef>
+            <a:effectRef idx="1">
+              <a:schemeClr val="accent3"/>
+            </a:effectRef>
+            <a:fontRef idx="minor">
+              <a:schemeClr val="lt1"/>
+            </a:fontRef>
+          </p:style>
+          <p:txBody>
+            <a:bodyPr rtlCol="0" anchor="ctr"/>
+            <a:lstStyle/>
+            <a:p>
+              <a:pPr>
+                <a:lnSpc>
+                  <a:spcPct val="150000"/>
+                </a:lnSpc>
+                <a:spcBef>
+                  <a:spcPts val="200"/>
+                </a:spcBef>
+                <a:spcAft>
+                  <a:spcPts val="200"/>
+                </a:spcAft>
+              </a:pPr>
+              <a:endParaRPr lang="zh-CN" altLang="en-US" sz="2000" dirty="0">
+                <a:latin typeface="黑体" panose="02010609060101010101" pitchFamily="49" charset="-122"/>
+                <a:ea typeface="黑体" panose="02010609060101010101" pitchFamily="49" charset="-122"/>
+              </a:endParaRPr>
+            </a:p>
+          </p:txBody>
+        </p:sp>
+        <p:sp>
+          <p:nvSpPr>
+            <p:cNvPr id="3" name="文本框 2"/>
+            <p:cNvSpPr txBox="1"/>
+            <p:nvPr/>
+          </p:nvSpPr>
+          <p:spPr>
+            <a:xfrm>
+              <a:off x="1029986" y="976758"/>
+              <a:ext cx="8767482" cy="1268790"/>
+            </a:xfrm>
+            <a:prstGeom prst="rect">
+              <a:avLst/>
+            </a:prstGeom>
+            <a:noFill/>
+          </p:spPr>
+          <p:txBody>
+            <a:bodyPr wrap="square" rtlCol="0">
+              <a:spAutoFit/>
+            </a:bodyPr>
+            <a:lstStyle/>
+            <a:p>
+              <a:pPr>
+                <a:lnSpc>
+                  <a:spcPct val="150000"/>
+                </a:lnSpc>
+                <a:spcBef>
+                  <a:spcPts val="200"/>
+                </a:spcBef>
+                <a:spcAft>
+                  <a:spcPts val="200"/>
+                </a:spcAft>
+              </a:pPr>
+              <a:r>
+                <a:rPr lang="zh-CN" altLang="en-US" dirty="0">
+                  <a:solidFill>
+                    <a:schemeClr val="bg1">
+                      <a:lumMod val="95000"/>
+                    </a:schemeClr>
+                  </a:solidFill>
+                  <a:latin typeface="黑体" panose="02010609060101010101" pitchFamily="49" charset="-122"/>
+                  <a:ea typeface="黑体" panose="02010609060101010101" pitchFamily="49" charset="-122"/>
+                </a:rPr>
+                <a:t>您好，欢迎参与“狼追羊”游戏！</a:t>
+              </a:r>
+              <a:endParaRPr lang="en-US" altLang="zh-CN" dirty="0">
+                <a:solidFill>
+                  <a:schemeClr val="bg1">
+                    <a:lumMod val="95000"/>
+                  </a:schemeClr>
+                </a:solidFill>
+                <a:latin typeface="黑体" panose="02010609060101010101" pitchFamily="49" charset="-122"/>
+                <a:ea typeface="黑体" panose="02010609060101010101" pitchFamily="49" charset="-122"/>
+              </a:endParaRPr>
+            </a:p>
+            <a:p>
+              <a:pPr>
+                <a:lnSpc>
+                  <a:spcPct val="150000"/>
+                </a:lnSpc>
+                <a:spcBef>
+                  <a:spcPts val="200"/>
+                </a:spcBef>
+                <a:spcAft>
+                  <a:spcPts val="200"/>
+                </a:spcAft>
+              </a:pPr>
+              <a:r>
+                <a:rPr lang="zh-CN" altLang="en-US" dirty="0">
+                  <a:solidFill>
+                    <a:schemeClr val="bg1">
+                      <a:lumMod val="95000"/>
+                    </a:schemeClr>
+                  </a:solidFill>
+                  <a:latin typeface="黑体" panose="02010609060101010101" pitchFamily="49" charset="-122"/>
+                  <a:ea typeface="黑体" panose="02010609060101010101" pitchFamily="49" charset="-122"/>
+                </a:rPr>
+                <a:t>在本游戏中，您与另一玩家将同时扮演“狼”（</a:t>
+              </a:r>
+              <a:r>
+                <a:rPr lang="zh-CN" altLang="en-US" dirty="0">
+                  <a:solidFill>
+                    <a:srgbClr val="FFC000"/>
+                  </a:solidFill>
+                  <a:latin typeface="黑体" panose="02010609060101010101" pitchFamily="49" charset="-122"/>
+                  <a:ea typeface="黑体" panose="02010609060101010101" pitchFamily="49" charset="-122"/>
+                </a:rPr>
+                <a:t>您：橙色小球</a:t>
+              </a:r>
+              <a:r>
+                <a:rPr lang="zh-CN" altLang="en-US" dirty="0">
+                  <a:solidFill>
+                    <a:schemeClr val="bg1">
+                      <a:lumMod val="95000"/>
+                    </a:schemeClr>
+                  </a:solidFill>
+                  <a:latin typeface="黑体" panose="02010609060101010101" pitchFamily="49" charset="-122"/>
+                  <a:ea typeface="黑体" panose="02010609060101010101" pitchFamily="49" charset="-122"/>
+                </a:rPr>
+                <a:t>，</a:t>
+              </a:r>
+              <a:r>
+                <a:rPr lang="zh-CN" altLang="en-US" dirty="0">
+                  <a:solidFill>
+                    <a:srgbClr val="FF0000"/>
+                  </a:solidFill>
+                  <a:latin typeface="黑体" panose="02010609060101010101" pitchFamily="49" charset="-122"/>
+                  <a:ea typeface="黑体" panose="02010609060101010101" pitchFamily="49" charset="-122"/>
+                </a:rPr>
+                <a:t>另一玩家：红色小球</a:t>
+              </a:r>
+              <a:r>
+                <a:rPr lang="zh-CN" altLang="en-US" dirty="0">
+                  <a:solidFill>
+                    <a:schemeClr val="bg1">
+                      <a:lumMod val="95000"/>
+                    </a:schemeClr>
+                  </a:solidFill>
+                  <a:latin typeface="黑体" panose="02010609060101010101" pitchFamily="49" charset="-122"/>
+                  <a:ea typeface="黑体" panose="02010609060101010101" pitchFamily="49" charset="-122"/>
+                </a:rPr>
+                <a:t>）你们的任务是</a:t>
+              </a:r>
+              <a:r>
+                <a:rPr lang="zh-CN" altLang="en-US" dirty="0">
+                  <a:solidFill>
+                    <a:srgbClr val="92D050"/>
+                  </a:solidFill>
+                  <a:latin typeface="黑体" panose="02010609060101010101" pitchFamily="49" charset="-122"/>
+                  <a:ea typeface="黑体" panose="02010609060101010101" pitchFamily="49" charset="-122"/>
+                </a:rPr>
+                <a:t>尽快</a:t>
+              </a:r>
+              <a:r>
+                <a:rPr lang="zh-CN" altLang="en-US" dirty="0">
+                  <a:solidFill>
+                    <a:schemeClr val="bg1">
+                      <a:lumMod val="95000"/>
+                    </a:schemeClr>
+                  </a:solidFill>
+                  <a:effectLst>
+                    <a:outerShdw blurRad="38100" dist="38100" dir="2700000" algn="tl">
+                      <a:srgbClr val="000000">
+                        <a:alpha val="43137"/>
+                      </a:srgbClr>
+                    </a:outerShdw>
+                  </a:effectLst>
+                  <a:latin typeface="黑体" panose="02010609060101010101" pitchFamily="49" charset="-122"/>
+                  <a:ea typeface="黑体" panose="02010609060101010101" pitchFamily="49" charset="-122"/>
+                </a:rPr>
+                <a:t>地在规定时间内</a:t>
+              </a:r>
+              <a:r>
+                <a:rPr lang="zh-CN" altLang="en-US" dirty="0">
+                  <a:solidFill>
+                    <a:schemeClr val="bg1">
+                      <a:lumMod val="95000"/>
+                    </a:schemeClr>
+                  </a:solidFill>
+                  <a:latin typeface="黑体" panose="02010609060101010101" pitchFamily="49" charset="-122"/>
+                  <a:ea typeface="黑体" panose="02010609060101010101" pitchFamily="49" charset="-122"/>
+                </a:rPr>
+                <a:t>抓住屏幕中跑动的“羊”（</a:t>
+              </a:r>
+              <a:r>
+                <a:rPr lang="zh-CN" altLang="en-US" dirty="0">
+                  <a:solidFill>
+                    <a:srgbClr val="0070C0"/>
+                  </a:solidFill>
+                  <a:latin typeface="黑体" panose="02010609060101010101" pitchFamily="49" charset="-122"/>
+                  <a:ea typeface="黑体" panose="02010609060101010101" pitchFamily="49" charset="-122"/>
+                </a:rPr>
+                <a:t>蓝色小球</a:t>
+              </a:r>
+              <a:r>
+                <a:rPr lang="zh-CN" altLang="en-US" dirty="0">
+                  <a:solidFill>
+                    <a:schemeClr val="bg1">
+                      <a:lumMod val="95000"/>
+                    </a:schemeClr>
+                  </a:solidFill>
+                  <a:latin typeface="黑体" panose="02010609060101010101" pitchFamily="49" charset="-122"/>
+                  <a:ea typeface="黑体" panose="02010609060101010101" pitchFamily="49" charset="-122"/>
+                </a:rPr>
+                <a:t>）。</a:t>
+              </a:r>
+              <a:endParaRPr lang="en-US" altLang="zh-CN" dirty="0">
+                <a:solidFill>
+                  <a:schemeClr val="bg1">
+                    <a:lumMod val="95000"/>
+                  </a:schemeClr>
+                </a:solidFill>
+                <a:latin typeface="黑体" panose="02010609060101010101" pitchFamily="49" charset="-122"/>
+                <a:ea typeface="黑体" panose="02010609060101010101" pitchFamily="49" charset="-122"/>
+              </a:endParaRPr>
+            </a:p>
+          </p:txBody>
+        </p:sp>
+      </p:grpSp>
+      <p:grpSp>
+        <p:nvGrpSpPr>
+          <p:cNvPr id="16" name="组合 15">
+            <a:extLst>
+              <a:ext uri="{FF2B5EF4-FFF2-40B4-BE49-F238E27FC236}">
+                <a16:creationId xmlns:a16="http://schemas.microsoft.com/office/drawing/2014/main" id="{198F7098-17AC-445B-90D3-72D4141AD0AA}"/>
+              </a:ext>
+            </a:extLst>
+          </p:cNvPr>
+          <p:cNvGrpSpPr/>
+          <p:nvPr/>
+        </p:nvGrpSpPr>
+        <p:grpSpPr>
+          <a:xfrm>
+            <a:off x="2769245" y="2223295"/>
+            <a:ext cx="5145424" cy="4216111"/>
+            <a:chOff x="3124152" y="2088684"/>
+            <a:chExt cx="3763478" cy="3185962"/>
+          </a:xfrm>
+        </p:grpSpPr>
+        <p:sp>
+          <p:nvSpPr>
+            <p:cNvPr id="17" name="矩形 16">
+              <a:extLst>
+                <a:ext uri="{FF2B5EF4-FFF2-40B4-BE49-F238E27FC236}">
+                  <a16:creationId xmlns:a16="http://schemas.microsoft.com/office/drawing/2014/main" id="{207D2F05-FD73-4800-A086-10E5B534F12E}"/>
+                </a:ext>
+              </a:extLst>
+            </p:cNvPr>
+            <p:cNvSpPr/>
+            <p:nvPr/>
+          </p:nvSpPr>
+          <p:spPr>
+            <a:xfrm>
+              <a:off x="3124152" y="2088684"/>
+              <a:ext cx="3763478" cy="3185962"/>
+            </a:xfrm>
+            <a:prstGeom prst="rect">
+              <a:avLst/>
+            </a:prstGeom>
+          </p:spPr>
+          <p:style>
+            <a:lnRef idx="2">
+              <a:schemeClr val="accent3">
+                <a:shade val="50000"/>
+              </a:schemeClr>
+            </a:lnRef>
+            <a:fillRef idx="1">
+              <a:schemeClr val="accent3"/>
+            </a:fillRef>
+            <a:effectRef idx="0">
+              <a:schemeClr val="accent3"/>
+            </a:effectRef>
+            <a:fontRef idx="minor">
+              <a:schemeClr val="lt1"/>
+            </a:fontRef>
+          </p:style>
+          <p:txBody>
+            <a:bodyPr rtlCol="0" anchor="ctr"/>
+            <a:lstStyle/>
+            <a:p>
+              <a:pPr algn="ctr"/>
+              <a:endParaRPr lang="zh-CN" altLang="en-US" dirty="0"/>
+            </a:p>
+          </p:txBody>
+        </p:sp>
+        <p:sp>
+          <p:nvSpPr>
+            <p:cNvPr id="18" name="椭圆 17">
+              <a:extLst>
+                <a:ext uri="{FF2B5EF4-FFF2-40B4-BE49-F238E27FC236}">
+                  <a16:creationId xmlns:a16="http://schemas.microsoft.com/office/drawing/2014/main" id="{FF1215C7-9272-4DE5-9CE2-92B2FCC004DA}"/>
+                </a:ext>
+              </a:extLst>
+            </p:cNvPr>
+            <p:cNvSpPr/>
+            <p:nvPr/>
+          </p:nvSpPr>
+          <p:spPr>
+            <a:xfrm>
+              <a:off x="3898231" y="2569945"/>
+              <a:ext cx="173256" cy="173256"/>
+            </a:xfrm>
+            <a:prstGeom prst="ellipse">
+              <a:avLst/>
+            </a:prstGeom>
+          </p:spPr>
+          <p:style>
+            <a:lnRef idx="2">
+              <a:schemeClr val="accent1">
+                <a:shade val="50000"/>
+              </a:schemeClr>
+            </a:lnRef>
+            <a:fillRef idx="1">
+              <a:schemeClr val="accent1"/>
+            </a:fillRef>
+            <a:effectRef idx="0">
+              <a:schemeClr val="accent1"/>
+            </a:effectRef>
+            <a:fontRef idx="minor">
+              <a:schemeClr val="lt1"/>
+            </a:fontRef>
+          </p:style>
+          <p:txBody>
+            <a:bodyPr rtlCol="0" anchor="ctr"/>
+            <a:lstStyle/>
+            <a:p>
+              <a:pPr algn="ctr"/>
+              <a:endParaRPr lang="zh-CN" altLang="en-US"/>
+            </a:p>
+          </p:txBody>
+        </p:sp>
+        <p:sp>
+          <p:nvSpPr>
+            <p:cNvPr id="19" name="椭圆 18">
+              <a:extLst>
+                <a:ext uri="{FF2B5EF4-FFF2-40B4-BE49-F238E27FC236}">
+                  <a16:creationId xmlns:a16="http://schemas.microsoft.com/office/drawing/2014/main" id="{AD3935E4-25D4-4993-97DF-3F3A8114FFC0}"/>
+                </a:ext>
+              </a:extLst>
+            </p:cNvPr>
+            <p:cNvSpPr/>
+            <p:nvPr/>
+          </p:nvSpPr>
+          <p:spPr>
+            <a:xfrm>
+              <a:off x="6081562" y="3049604"/>
+              <a:ext cx="173256" cy="173256"/>
+            </a:xfrm>
+            <a:prstGeom prst="ellipse">
+              <a:avLst/>
+            </a:prstGeom>
+          </p:spPr>
+          <p:style>
+            <a:lnRef idx="2">
+              <a:schemeClr val="accent1">
+                <a:shade val="50000"/>
+              </a:schemeClr>
+            </a:lnRef>
+            <a:fillRef idx="1">
+              <a:schemeClr val="accent1"/>
+            </a:fillRef>
+            <a:effectRef idx="0">
+              <a:schemeClr val="accent1"/>
+            </a:effectRef>
+            <a:fontRef idx="minor">
+              <a:schemeClr val="lt1"/>
+            </a:fontRef>
+          </p:style>
+          <p:txBody>
+            <a:bodyPr rtlCol="0" anchor="ctr"/>
+            <a:lstStyle/>
+            <a:p>
+              <a:pPr algn="ctr"/>
+              <a:endParaRPr lang="zh-CN" altLang="en-US"/>
+            </a:p>
+          </p:txBody>
+        </p:sp>
+        <p:sp>
+          <p:nvSpPr>
+            <p:cNvPr id="20" name="椭圆 19">
+              <a:extLst>
+                <a:ext uri="{FF2B5EF4-FFF2-40B4-BE49-F238E27FC236}">
+                  <a16:creationId xmlns:a16="http://schemas.microsoft.com/office/drawing/2014/main" id="{13F7D633-36A9-41A4-B4DB-076A844A5767}"/>
+                </a:ext>
+              </a:extLst>
+            </p:cNvPr>
+            <p:cNvSpPr/>
+            <p:nvPr/>
+          </p:nvSpPr>
+          <p:spPr>
+            <a:xfrm>
+              <a:off x="4198125" y="3438626"/>
+              <a:ext cx="173256" cy="173256"/>
+            </a:xfrm>
+            <a:prstGeom prst="ellipse">
+              <a:avLst/>
+            </a:prstGeom>
+          </p:spPr>
+          <p:style>
+            <a:lnRef idx="2">
+              <a:schemeClr val="accent1">
+                <a:shade val="50000"/>
+              </a:schemeClr>
+            </a:lnRef>
+            <a:fillRef idx="1">
+              <a:schemeClr val="accent1"/>
+            </a:fillRef>
+            <a:effectRef idx="0">
+              <a:schemeClr val="accent1"/>
+            </a:effectRef>
+            <a:fontRef idx="minor">
+              <a:schemeClr val="lt1"/>
+            </a:fontRef>
+          </p:style>
+          <p:txBody>
+            <a:bodyPr rtlCol="0" anchor="ctr"/>
+            <a:lstStyle/>
+            <a:p>
+              <a:pPr algn="ctr"/>
+              <a:endParaRPr lang="zh-CN" altLang="en-US"/>
+            </a:p>
+          </p:txBody>
+        </p:sp>
+        <p:sp>
+          <p:nvSpPr>
+            <p:cNvPr id="21" name="椭圆 20">
+              <a:extLst>
+                <a:ext uri="{FF2B5EF4-FFF2-40B4-BE49-F238E27FC236}">
+                  <a16:creationId xmlns:a16="http://schemas.microsoft.com/office/drawing/2014/main" id="{6DFBF675-7833-40B5-981A-B9DB4C743CFA}"/>
+                </a:ext>
+              </a:extLst>
+            </p:cNvPr>
+            <p:cNvSpPr/>
+            <p:nvPr/>
+          </p:nvSpPr>
+          <p:spPr>
+            <a:xfrm>
+              <a:off x="5005891" y="4676273"/>
+              <a:ext cx="173256" cy="173256"/>
+            </a:xfrm>
+            <a:prstGeom prst="ellipse">
+              <a:avLst/>
+            </a:prstGeom>
+          </p:spPr>
+          <p:style>
+            <a:lnRef idx="2">
+              <a:schemeClr val="accent1">
+                <a:shade val="50000"/>
+              </a:schemeClr>
+            </a:lnRef>
+            <a:fillRef idx="1">
+              <a:schemeClr val="accent1"/>
+            </a:fillRef>
+            <a:effectRef idx="0">
+              <a:schemeClr val="accent1"/>
+            </a:effectRef>
+            <a:fontRef idx="minor">
+              <a:schemeClr val="lt1"/>
+            </a:fontRef>
+          </p:style>
+          <p:txBody>
+            <a:bodyPr rtlCol="0" anchor="ctr"/>
+            <a:lstStyle/>
+            <a:p>
+              <a:pPr algn="ctr"/>
+              <a:endParaRPr lang="zh-CN" altLang="en-US"/>
+            </a:p>
+          </p:txBody>
+        </p:sp>
+        <p:sp>
+          <p:nvSpPr>
+            <p:cNvPr id="22" name="椭圆 21">
+              <a:extLst>
+                <a:ext uri="{FF2B5EF4-FFF2-40B4-BE49-F238E27FC236}">
+                  <a16:creationId xmlns:a16="http://schemas.microsoft.com/office/drawing/2014/main" id="{EEBB7FA5-1AC0-4650-89F8-17D08FE1DCC1}"/>
+                </a:ext>
+              </a:extLst>
+            </p:cNvPr>
+            <p:cNvSpPr/>
+            <p:nvPr/>
+          </p:nvSpPr>
+          <p:spPr>
+            <a:xfrm>
+              <a:off x="5134040" y="3525254"/>
+              <a:ext cx="173256" cy="173256"/>
+            </a:xfrm>
+            <a:prstGeom prst="ellipse">
+              <a:avLst/>
+            </a:prstGeom>
+            <a:solidFill>
+              <a:srgbClr val="FF0000"/>
+            </a:solidFill>
+            <a:ln>
+              <a:solidFill>
+                <a:srgbClr val="C00000"/>
+              </a:solidFill>
+            </a:ln>
+          </p:spPr>
+          <p:style>
+            <a:lnRef idx="2">
+              <a:schemeClr val="accent1">
+                <a:shade val="50000"/>
+              </a:schemeClr>
+            </a:lnRef>
+            <a:fillRef idx="1">
+              <a:schemeClr val="accent1"/>
+            </a:fillRef>
+            <a:effectRef idx="0">
+              <a:schemeClr val="accent1"/>
+            </a:effectRef>
+            <a:fontRef idx="minor">
+              <a:schemeClr val="lt1"/>
+            </a:fontRef>
+          </p:style>
+          <p:txBody>
+            <a:bodyPr rtlCol="0" anchor="ctr"/>
+            <a:lstStyle/>
+            <a:p>
+              <a:pPr algn="ctr"/>
+              <a:endParaRPr lang="zh-CN" altLang="en-US"/>
+            </a:p>
+          </p:txBody>
+        </p:sp>
+        <p:sp>
+          <p:nvSpPr>
+            <p:cNvPr id="23" name="椭圆 22">
+              <a:extLst>
+                <a:ext uri="{FF2B5EF4-FFF2-40B4-BE49-F238E27FC236}">
+                  <a16:creationId xmlns:a16="http://schemas.microsoft.com/office/drawing/2014/main" id="{D9C46C95-8D2C-4E48-9A60-D153576B2811}"/>
+                </a:ext>
+              </a:extLst>
+            </p:cNvPr>
+            <p:cNvSpPr/>
+            <p:nvPr/>
+          </p:nvSpPr>
+          <p:spPr>
+            <a:xfrm>
+              <a:off x="5975684" y="3792354"/>
+              <a:ext cx="173256" cy="173256"/>
+            </a:xfrm>
+            <a:prstGeom prst="ellipse">
+              <a:avLst/>
+            </a:prstGeom>
+          </p:spPr>
+          <p:style>
+            <a:lnRef idx="2">
+              <a:schemeClr val="accent4">
+                <a:shade val="50000"/>
+              </a:schemeClr>
+            </a:lnRef>
+            <a:fillRef idx="1">
+              <a:schemeClr val="accent4"/>
+            </a:fillRef>
+            <a:effectRef idx="0">
+              <a:schemeClr val="accent4"/>
+            </a:effectRef>
+            <a:fontRef idx="minor">
+              <a:schemeClr val="lt1"/>
+            </a:fontRef>
+          </p:style>
+          <p:txBody>
+            <a:bodyPr rtlCol="0" anchor="ctr"/>
+            <a:lstStyle/>
+            <a:p>
+              <a:pPr algn="ctr"/>
+              <a:endParaRPr lang="zh-CN" altLang="en-US"/>
+            </a:p>
+          </p:txBody>
+        </p:sp>
+        <p:cxnSp>
+          <p:nvCxnSpPr>
+            <p:cNvPr id="25" name="连接符: 曲线 24">
+              <a:extLst>
+                <a:ext uri="{FF2B5EF4-FFF2-40B4-BE49-F238E27FC236}">
+                  <a16:creationId xmlns:a16="http://schemas.microsoft.com/office/drawing/2014/main" id="{E74464FE-1BE7-4080-A711-B91F78CCA02D}"/>
+                </a:ext>
+              </a:extLst>
+            </p:cNvPr>
+            <p:cNvCxnSpPr>
+              <a:cxnSpLocks/>
+              <a:stCxn id="22" idx="0"/>
+            </p:cNvCxnSpPr>
+            <p:nvPr/>
+          </p:nvCxnSpPr>
+          <p:spPr>
+            <a:xfrm rot="5400000" flipH="1" flipV="1">
+              <a:off x="5446979" y="2909921"/>
+              <a:ext cx="389022" cy="841644"/>
+            </a:xfrm>
+            <a:prstGeom prst="curvedConnector2">
+              <a:avLst/>
+            </a:prstGeom>
+            <a:ln>
+              <a:tailEnd type="triangle"/>
+            </a:ln>
+          </p:spPr>
+          <p:style>
+            <a:lnRef idx="1">
+              <a:schemeClr val="dk1"/>
+            </a:lnRef>
+            <a:fillRef idx="0">
+              <a:schemeClr val="dk1"/>
+            </a:fillRef>
+            <a:effectRef idx="0">
+              <a:schemeClr val="dk1"/>
+            </a:effectRef>
+            <a:fontRef idx="minor">
+              <a:schemeClr val="tx1"/>
+            </a:fontRef>
+          </p:style>
+        </p:cxnSp>
+        <p:cxnSp>
+          <p:nvCxnSpPr>
+            <p:cNvPr id="26" name="连接符: 曲线 25">
+              <a:extLst>
+                <a:ext uri="{FF2B5EF4-FFF2-40B4-BE49-F238E27FC236}">
+                  <a16:creationId xmlns:a16="http://schemas.microsoft.com/office/drawing/2014/main" id="{59F45ED2-BF4E-4A6E-86EB-9C3FA8D83F05}"/>
+                </a:ext>
+              </a:extLst>
+            </p:cNvPr>
+            <p:cNvCxnSpPr>
+              <a:cxnSpLocks/>
+              <a:stCxn id="23" idx="6"/>
+            </p:cNvCxnSpPr>
+            <p:nvPr/>
+          </p:nvCxnSpPr>
+          <p:spPr>
+            <a:xfrm flipV="1">
+              <a:off x="6148940" y="3288632"/>
+              <a:ext cx="65772" cy="590350"/>
+            </a:xfrm>
+            <a:prstGeom prst="curvedConnector2">
+              <a:avLst/>
+            </a:prstGeom>
+            <a:ln>
+              <a:tailEnd type="triangle"/>
+            </a:ln>
+          </p:spPr>
+          <p:style>
+            <a:lnRef idx="1">
+              <a:schemeClr val="dk1"/>
+            </a:lnRef>
+            <a:fillRef idx="0">
+              <a:schemeClr val="dk1"/>
+            </a:fillRef>
+            <a:effectRef idx="0">
+              <a:schemeClr val="dk1"/>
+            </a:effectRef>
+            <a:fontRef idx="minor">
+              <a:schemeClr val="tx1"/>
+            </a:fontRef>
+          </p:style>
+        </p:cxnSp>
+      </p:grpSp>
+      <p:cxnSp>
+        <p:nvCxnSpPr>
+          <p:cNvPr id="28" name="连接符: 曲线 27">
+            <a:extLst>
+              <a:ext uri="{FF2B5EF4-FFF2-40B4-BE49-F238E27FC236}">
+                <a16:creationId xmlns:a16="http://schemas.microsoft.com/office/drawing/2014/main" id="{C4F00E05-1090-4D4D-B474-06B42CE35937}"/>
+              </a:ext>
+            </a:extLst>
+          </p:cNvPr>
+          <p:cNvCxnSpPr>
+            <a:cxnSpLocks/>
+            <a:stCxn id="19" idx="7"/>
+          </p:cNvCxnSpPr>
+          <p:nvPr/>
+        </p:nvCxnSpPr>
+        <p:spPr>
+          <a:xfrm rot="5400000" flipH="1" flipV="1">
+            <a:off x="7148332" y="3229548"/>
+            <a:ext cx="165415" cy="432482"/>
+          </a:xfrm>
+          <a:prstGeom prst="curvedConnector2">
+            <a:avLst/>
+          </a:prstGeom>
+          <a:ln>
+            <a:tailEnd type="triangle"/>
+          </a:ln>
+        </p:spPr>
+        <p:style>
+          <a:lnRef idx="1">
+            <a:schemeClr val="accent1"/>
+          </a:lnRef>
+          <a:fillRef idx="0">
+            <a:schemeClr val="accent1"/>
+          </a:fillRef>
+          <a:effectRef idx="0">
+            <a:schemeClr val="accent1"/>
+          </a:effectRef>
+          <a:fontRef idx="minor">
+            <a:schemeClr val="tx1"/>
+          </a:fontRef>
+        </p:style>
+      </p:cxnSp>
+      <p:cxnSp>
+        <p:nvCxnSpPr>
+          <p:cNvPr id="30" name="连接符: 曲线 29">
+            <a:extLst>
+              <a:ext uri="{FF2B5EF4-FFF2-40B4-BE49-F238E27FC236}">
+                <a16:creationId xmlns:a16="http://schemas.microsoft.com/office/drawing/2014/main" id="{C3C11034-F5DD-4F18-85BA-E46FD8D84C2B}"/>
+              </a:ext>
+            </a:extLst>
+          </p:cNvPr>
+          <p:cNvCxnSpPr>
+            <a:cxnSpLocks/>
+            <a:stCxn id="18" idx="1"/>
+          </p:cNvCxnSpPr>
+          <p:nvPr/>
+        </p:nvCxnSpPr>
+        <p:spPr>
+          <a:xfrm rot="16200000" flipV="1">
+            <a:off x="3566810" y="2598299"/>
+            <a:ext cx="183036" cy="407854"/>
+          </a:xfrm>
+          <a:prstGeom prst="curvedConnector2">
+            <a:avLst/>
+          </a:prstGeom>
+          <a:ln>
+            <a:tailEnd type="triangle"/>
+          </a:ln>
+        </p:spPr>
+        <p:style>
+          <a:lnRef idx="1">
+            <a:schemeClr val="accent1"/>
+          </a:lnRef>
+          <a:fillRef idx="0">
+            <a:schemeClr val="accent1"/>
+          </a:fillRef>
+          <a:effectRef idx="0">
+            <a:schemeClr val="accent1"/>
+          </a:effectRef>
+          <a:fontRef idx="minor">
+            <a:schemeClr val="tx1"/>
+          </a:fontRef>
+        </p:style>
+      </p:cxnSp>
+      <p:cxnSp>
+        <p:nvCxnSpPr>
+          <p:cNvPr id="31" name="连接符: 曲线 30">
+            <a:extLst>
+              <a:ext uri="{FF2B5EF4-FFF2-40B4-BE49-F238E27FC236}">
+                <a16:creationId xmlns:a16="http://schemas.microsoft.com/office/drawing/2014/main" id="{C6549D16-461C-4131-BF42-EF4941943452}"/>
+              </a:ext>
+            </a:extLst>
+          </p:cNvPr>
+          <p:cNvCxnSpPr>
+            <a:cxnSpLocks/>
+            <a:stCxn id="20" idx="0"/>
+          </p:cNvCxnSpPr>
+          <p:nvPr/>
+        </p:nvCxnSpPr>
+        <p:spPr>
+          <a:xfrm rot="16200000" flipV="1">
+            <a:off x="4008245" y="3661954"/>
+            <a:ext cx="285531" cy="410016"/>
+          </a:xfrm>
+          <a:prstGeom prst="curvedConnector2">
+            <a:avLst/>
+          </a:prstGeom>
+          <a:ln>
+            <a:tailEnd type="triangle"/>
+          </a:ln>
+        </p:spPr>
+        <p:style>
+          <a:lnRef idx="1">
+            <a:schemeClr val="accent1"/>
+          </a:lnRef>
+          <a:fillRef idx="0">
+            <a:schemeClr val="accent1"/>
+          </a:fillRef>
+          <a:effectRef idx="0">
+            <a:schemeClr val="accent1"/>
+          </a:effectRef>
+          <a:fontRef idx="minor">
+            <a:schemeClr val="tx1"/>
+          </a:fontRef>
+        </p:style>
+      </p:cxnSp>
+      <p:cxnSp>
+        <p:nvCxnSpPr>
+          <p:cNvPr id="32" name="连接符: 曲线 31">
+            <a:extLst>
+              <a:ext uri="{FF2B5EF4-FFF2-40B4-BE49-F238E27FC236}">
+                <a16:creationId xmlns:a16="http://schemas.microsoft.com/office/drawing/2014/main" id="{DB354791-ECEC-4E08-8D36-25E9D632523B}"/>
+              </a:ext>
+            </a:extLst>
+          </p:cNvPr>
+          <p:cNvCxnSpPr>
+            <a:cxnSpLocks/>
+            <a:stCxn id="21" idx="1"/>
+          </p:cNvCxnSpPr>
+          <p:nvPr/>
+        </p:nvCxnSpPr>
+        <p:spPr>
+          <a:xfrm rot="16200000" flipV="1">
+            <a:off x="5064918" y="5369402"/>
+            <a:ext cx="184572" cy="438887"/>
+          </a:xfrm>
+          <a:prstGeom prst="curvedConnector2">
+            <a:avLst/>
+          </a:prstGeom>
+          <a:ln>
+            <a:tailEnd type="triangle"/>
+          </a:ln>
+        </p:spPr>
+        <p:style>
+          <a:lnRef idx="1">
+            <a:schemeClr val="accent1"/>
+          </a:lnRef>
+          <a:fillRef idx="0">
+            <a:schemeClr val="accent1"/>
+          </a:fillRef>
+          <a:effectRef idx="0">
+            <a:schemeClr val="accent1"/>
+          </a:effectRef>
+          <a:fontRef idx="minor">
+            <a:schemeClr val="tx1"/>
+          </a:fontRef>
+        </p:style>
+      </p:cxnSp>
+      <p:sp>
+        <p:nvSpPr>
+          <p:cNvPr id="33" name="文本框 32">
+            <a:extLst>
+              <a:ext uri="{FF2B5EF4-FFF2-40B4-BE49-F238E27FC236}">
+                <a16:creationId xmlns:a16="http://schemas.microsoft.com/office/drawing/2014/main" id="{0766C046-8D8A-47A0-8D91-50B71413D223}"/>
+              </a:ext>
+            </a:extLst>
+          </p:cNvPr>
+          <p:cNvSpPr txBox="1"/>
+          <p:nvPr/>
+        </p:nvSpPr>
+        <p:spPr>
+          <a:xfrm>
+            <a:off x="4634503" y="2301174"/>
+            <a:ext cx="1888659" cy="400111"/>
+          </a:xfrm>
+          <a:prstGeom prst="rect">
+            <a:avLst/>
+          </a:prstGeom>
+          <a:noFill/>
+        </p:spPr>
+        <p:txBody>
+          <a:bodyPr wrap="none" rtlCol="0">
+            <a:spAutoFit/>
+          </a:bodyPr>
+          <a:lstStyle/>
+          <a:p>
+            <a:r>
+              <a:rPr lang="en-US" altLang="zh-CN" sz="2000" b="1" dirty="0" err="1">
+                <a:solidFill>
+                  <a:srgbClr val="FF0000"/>
+                </a:solidFill>
+              </a:rPr>
+              <a:t>TotalScore</a:t>
+            </a:r>
+            <a:r>
+              <a:rPr lang="zh-CN" altLang="en-US" sz="2000" b="1" dirty="0">
+                <a:solidFill>
+                  <a:srgbClr val="FF0000"/>
+                </a:solidFill>
+              </a:rPr>
+              <a:t>：</a:t>
+            </a:r>
+            <a:r>
+              <a:rPr lang="en-US" altLang="zh-CN" sz="2000" b="1" dirty="0">
+                <a:solidFill>
+                  <a:srgbClr val="FF0000"/>
+                </a:solidFill>
+              </a:rPr>
+              <a:t> 0</a:t>
+            </a:r>
+            <a:endParaRPr lang="zh-CN" altLang="en-US" sz="2000" b="1" dirty="0">
+              <a:solidFill>
+                <a:srgbClr val="FF0000"/>
+              </a:solidFill>
+            </a:endParaRPr>
+          </a:p>
+        </p:txBody>
+      </p:sp>
+    </p:spTree>
+    <p:extLst>
+      <p:ext uri="{BB962C8B-B14F-4D97-AF65-F5344CB8AC3E}">
+        <p14:creationId xmlns:p14="http://schemas.microsoft.com/office/powerpoint/2010/main" val="1441875719"/>
+      </p:ext>
+    </p:extLst>
+  </p:cSld>
+  <p:clrMapOvr>
+    <a:masterClrMapping/>
+  </p:clrMapOvr>
+</p:sld>
+</file>
+
+<file path=ppt/slides/slide6.xml><?xml version="1.0" encoding="utf-8"?>
+<p:sld xmlns:a="http://schemas.openxmlformats.org/drawingml/2006/main" xmlns:r="http://schemas.openxmlformats.org/officeDocument/2006/relationships" xmlns:p="http://schemas.openxmlformats.org/presentationml/2006/main">
+  <p:cSld>
+    <p:spTree>
+      <p:nvGrpSpPr>
+        <p:cNvPr id="1" name=""/>
+        <p:cNvGrpSpPr/>
+        <p:nvPr/>
+      </p:nvGrpSpPr>
+      <p:grpSpPr>
+        <a:xfrm>
+          <a:off x="0" y="0"/>
+          <a:ext cx="0" cy="0"/>
+          <a:chOff x="0" y="0"/>
+          <a:chExt cx="0" cy="0"/>
+        </a:xfrm>
+      </p:grpSpPr>
+      <p:grpSp>
+        <p:nvGrpSpPr>
+          <p:cNvPr id="2" name="组合 1">
+            <a:extLst>
+              <a:ext uri="{FF2B5EF4-FFF2-40B4-BE49-F238E27FC236}">
+                <a16:creationId xmlns:a16="http://schemas.microsoft.com/office/drawing/2014/main" id="{5C1ADCE9-75A5-4986-8406-661703EA1194}"/>
+              </a:ext>
+            </a:extLst>
+          </p:cNvPr>
+          <p:cNvGrpSpPr/>
+          <p:nvPr/>
+        </p:nvGrpSpPr>
+        <p:grpSpPr>
+          <a:xfrm>
+            <a:off x="790238" y="306834"/>
+            <a:ext cx="8959139" cy="6404339"/>
+            <a:chOff x="792319" y="572402"/>
+            <a:chExt cx="8767482" cy="6131859"/>
+          </a:xfrm>
+        </p:grpSpPr>
+        <p:sp>
+          <p:nvSpPr>
+            <p:cNvPr id="4" name="矩形 3"/>
+            <p:cNvSpPr/>
+            <p:nvPr/>
+          </p:nvSpPr>
+          <p:spPr>
+            <a:xfrm>
+              <a:off x="792319" y="572402"/>
+              <a:ext cx="8767482" cy="6131859"/>
+            </a:xfrm>
+            <a:prstGeom prst="rect">
+              <a:avLst/>
+            </a:prstGeom>
+            <a:solidFill>
+              <a:schemeClr val="bg2">
+                <a:lumMod val="25000"/>
+              </a:schemeClr>
+            </a:solidFill>
+            <a:ln>
+              <a:noFill/>
+            </a:ln>
+          </p:spPr>
+          <p:style>
+            <a:lnRef idx="3">
+              <a:schemeClr val="lt1"/>
+            </a:lnRef>
+            <a:fillRef idx="1">
+              <a:schemeClr val="accent3"/>
+            </a:fillRef>
+            <a:effectRef idx="1">
+              <a:schemeClr val="accent3"/>
+            </a:effectRef>
+            <a:fontRef idx="minor">
+              <a:schemeClr val="lt1"/>
+            </a:fontRef>
+          </p:style>
+          <p:txBody>
+            <a:bodyPr rtlCol="0" anchor="ctr"/>
+            <a:lstStyle/>
+            <a:p>
+              <a:pPr>
+                <a:lnSpc>
+                  <a:spcPct val="150000"/>
+                </a:lnSpc>
+                <a:spcBef>
+                  <a:spcPts val="200"/>
+                </a:spcBef>
+                <a:spcAft>
+                  <a:spcPts val="200"/>
+                </a:spcAft>
+              </a:pPr>
+              <a:endParaRPr lang="zh-CN" altLang="en-US" sz="2000" dirty="0">
+                <a:latin typeface="黑体" panose="02010609060101010101" pitchFamily="49" charset="-122"/>
+                <a:ea typeface="黑体" panose="02010609060101010101" pitchFamily="49" charset="-122"/>
+              </a:endParaRPr>
+            </a:p>
+          </p:txBody>
+        </p:sp>
+        <p:sp>
+          <p:nvSpPr>
+            <p:cNvPr id="3" name="文本框 2"/>
+            <p:cNvSpPr txBox="1"/>
+            <p:nvPr/>
+          </p:nvSpPr>
+          <p:spPr>
+            <a:xfrm>
+              <a:off x="1337391" y="4532747"/>
+              <a:ext cx="7677337" cy="1666610"/>
+            </a:xfrm>
+            <a:prstGeom prst="rect">
+              <a:avLst/>
+            </a:prstGeom>
+            <a:noFill/>
+          </p:spPr>
+          <p:txBody>
+            <a:bodyPr wrap="square" rtlCol="0">
+              <a:spAutoFit/>
+            </a:bodyPr>
+            <a:lstStyle/>
+            <a:p>
+              <a:pPr marL="285750" indent="-285750">
+                <a:lnSpc>
+                  <a:spcPct val="150000"/>
+                </a:lnSpc>
+                <a:spcBef>
+                  <a:spcPts val="200"/>
+                </a:spcBef>
+                <a:spcAft>
+                  <a:spcPts val="200"/>
+                </a:spcAft>
+                <a:buFont typeface="Arial" panose="020B0604020202020204" pitchFamily="34" charset="0"/>
+                <a:buChar char="•"/>
+              </a:pPr>
+              <a:r>
+                <a:rPr lang="zh-CN" altLang="en-US" dirty="0">
+                  <a:solidFill>
+                    <a:schemeClr val="bg1">
+                      <a:lumMod val="95000"/>
+                    </a:schemeClr>
+                  </a:solidFill>
+                  <a:latin typeface="黑体" panose="02010609060101010101" pitchFamily="49" charset="-122"/>
+                  <a:ea typeface="黑体" panose="02010609060101010101" pitchFamily="49" charset="-122"/>
+                </a:rPr>
+                <a:t>每轮游戏中，屏幕上会出现若干只羊，当您</a:t>
+              </a:r>
+              <a:r>
+                <a:rPr lang="zh-CN" altLang="en-US" dirty="0">
+                  <a:solidFill>
+                    <a:srgbClr val="92D050"/>
+                  </a:solidFill>
+                  <a:latin typeface="黑体" panose="02010609060101010101" pitchFamily="49" charset="-122"/>
+                  <a:ea typeface="黑体" panose="02010609060101010101" pitchFamily="49" charset="-122"/>
+                </a:rPr>
+                <a:t>或</a:t>
+              </a:r>
+              <a:r>
+                <a:rPr lang="zh-CN" altLang="en-US" dirty="0">
+                  <a:solidFill>
+                    <a:schemeClr val="bg1">
+                      <a:lumMod val="95000"/>
+                    </a:schemeClr>
+                  </a:solidFill>
+                  <a:latin typeface="黑体" panose="02010609060101010101" pitchFamily="49" charset="-122"/>
+                  <a:ea typeface="黑体" panose="02010609060101010101" pitchFamily="49" charset="-122"/>
+                </a:rPr>
+                <a:t>另一玩家扮演的狼</a:t>
+              </a:r>
+              <a:r>
+                <a:rPr lang="zh-CN" altLang="en-US" dirty="0">
+                  <a:solidFill>
+                    <a:srgbClr val="92D050"/>
+                  </a:solidFill>
+                  <a:latin typeface="黑体" panose="02010609060101010101" pitchFamily="49" charset="-122"/>
+                  <a:ea typeface="黑体" panose="02010609060101010101" pitchFamily="49" charset="-122"/>
+                </a:rPr>
+                <a:t>碰到任意一只羊</a:t>
+              </a:r>
+              <a:r>
+                <a:rPr lang="zh-CN" altLang="en-US" dirty="0">
+                  <a:solidFill>
+                    <a:schemeClr val="bg1">
+                      <a:lumMod val="95000"/>
+                    </a:schemeClr>
+                  </a:solidFill>
+                  <a:latin typeface="黑体" panose="02010609060101010101" pitchFamily="49" charset="-122"/>
+                  <a:ea typeface="黑体" panose="02010609060101010101" pitchFamily="49" charset="-122"/>
+                </a:rPr>
+                <a:t>时，即视为成功抓到羊，而后</a:t>
+              </a:r>
+              <a:r>
+                <a:rPr lang="zh-CN" altLang="en-US" dirty="0">
+                  <a:solidFill>
+                    <a:srgbClr val="92D050"/>
+                  </a:solidFill>
+                  <a:latin typeface="黑体" panose="02010609060101010101" pitchFamily="49" charset="-122"/>
+                  <a:ea typeface="黑体" panose="02010609060101010101" pitchFamily="49" charset="-122"/>
+                </a:rPr>
+                <a:t>立即进入下一轮游戏</a:t>
+              </a:r>
+              <a:r>
+                <a:rPr lang="zh-CN" altLang="en-US" dirty="0">
+                  <a:solidFill>
+                    <a:schemeClr val="bg1">
+                      <a:lumMod val="95000"/>
+                    </a:schemeClr>
+                  </a:solidFill>
+                  <a:latin typeface="黑体" panose="02010609060101010101" pitchFamily="49" charset="-122"/>
+                  <a:ea typeface="黑体" panose="02010609060101010101" pitchFamily="49" charset="-122"/>
+                </a:rPr>
+                <a:t>。</a:t>
+              </a:r>
+              <a:endParaRPr lang="en-US" altLang="zh-CN" dirty="0">
+                <a:solidFill>
+                  <a:schemeClr val="bg1">
+                    <a:lumMod val="95000"/>
+                  </a:schemeClr>
+                </a:solidFill>
+                <a:latin typeface="黑体" panose="02010609060101010101" pitchFamily="49" charset="-122"/>
+                <a:ea typeface="黑体" panose="02010609060101010101" pitchFamily="49" charset="-122"/>
+              </a:endParaRPr>
+            </a:p>
+            <a:p>
+              <a:pPr marL="285750" indent="-285750">
+                <a:lnSpc>
+                  <a:spcPct val="150000"/>
+                </a:lnSpc>
+                <a:spcBef>
+                  <a:spcPts val="200"/>
+                </a:spcBef>
+                <a:spcAft>
+                  <a:spcPts val="200"/>
+                </a:spcAft>
+                <a:buFont typeface="Arial" panose="020B0604020202020204" pitchFamily="34" charset="0"/>
+                <a:buChar char="•"/>
+              </a:pPr>
+              <a:r>
+                <a:rPr lang="zh-CN" altLang="en-US" dirty="0">
+                  <a:solidFill>
+                    <a:schemeClr val="bg1">
+                      <a:lumMod val="95000"/>
+                    </a:schemeClr>
+                  </a:solidFill>
+                  <a:latin typeface="黑体" panose="02010609060101010101" pitchFamily="49" charset="-122"/>
+                  <a:ea typeface="黑体" panose="02010609060101010101" pitchFamily="49" charset="-122"/>
+                </a:rPr>
+                <a:t>每轮游戏时间为</a:t>
+              </a:r>
+              <a:r>
+                <a:rPr lang="en-US" altLang="zh-CN" dirty="0">
+                  <a:solidFill>
+                    <a:srgbClr val="92D050"/>
+                  </a:solidFill>
+                  <a:latin typeface="黑体" panose="02010609060101010101" pitchFamily="49" charset="-122"/>
+                  <a:ea typeface="黑体" panose="02010609060101010101" pitchFamily="49" charset="-122"/>
+                </a:rPr>
+                <a:t>15s</a:t>
+              </a:r>
+              <a:r>
+                <a:rPr lang="zh-CN" altLang="en-US" dirty="0">
+                  <a:solidFill>
+                    <a:schemeClr val="bg1">
+                      <a:lumMod val="95000"/>
+                    </a:schemeClr>
+                  </a:solidFill>
+                  <a:latin typeface="黑体" panose="02010609060101010101" pitchFamily="49" charset="-122"/>
+                  <a:ea typeface="黑体" panose="02010609060101010101" pitchFamily="49" charset="-122"/>
+                </a:rPr>
+                <a:t>，若</a:t>
+              </a:r>
+              <a:r>
+                <a:rPr lang="en-US" altLang="zh-CN" dirty="0">
+                  <a:solidFill>
+                    <a:schemeClr val="bg1">
+                      <a:lumMod val="95000"/>
+                    </a:schemeClr>
+                  </a:solidFill>
+                  <a:latin typeface="黑体" panose="02010609060101010101" pitchFamily="49" charset="-122"/>
+                  <a:ea typeface="黑体" panose="02010609060101010101" pitchFamily="49" charset="-122"/>
+                </a:rPr>
+                <a:t>15s</a:t>
+              </a:r>
+              <a:r>
+                <a:rPr lang="zh-CN" altLang="en-US" dirty="0">
+                  <a:solidFill>
+                    <a:schemeClr val="bg1">
+                      <a:lumMod val="95000"/>
+                    </a:schemeClr>
+                  </a:solidFill>
+                  <a:latin typeface="黑体" panose="02010609060101010101" pitchFamily="49" charset="-122"/>
+                  <a:ea typeface="黑体" panose="02010609060101010101" pitchFamily="49" charset="-122"/>
+                </a:rPr>
+                <a:t>内两名玩家都未抓到羊，则该轮游戏结束，</a:t>
+              </a:r>
+              <a:r>
+                <a:rPr lang="zh-CN" altLang="en-US" dirty="0">
+                  <a:solidFill>
+                    <a:srgbClr val="92D050"/>
+                  </a:solidFill>
+                  <a:latin typeface="黑体" panose="02010609060101010101" pitchFamily="49" charset="-122"/>
+                  <a:ea typeface="黑体" panose="02010609060101010101" pitchFamily="49" charset="-122"/>
+                </a:rPr>
+                <a:t>直接进入下一轮游戏</a:t>
+              </a:r>
+              <a:r>
+                <a:rPr lang="zh-CN" altLang="en-US" dirty="0">
+                  <a:solidFill>
+                    <a:schemeClr val="bg1">
+                      <a:lumMod val="95000"/>
+                    </a:schemeClr>
+                  </a:solidFill>
+                  <a:latin typeface="黑体" panose="02010609060101010101" pitchFamily="49" charset="-122"/>
+                  <a:ea typeface="黑体" panose="02010609060101010101" pitchFamily="49" charset="-122"/>
+                </a:rPr>
+                <a:t>。</a:t>
+              </a:r>
+            </a:p>
+          </p:txBody>
+        </p:sp>
+      </p:grpSp>
+      <p:grpSp>
+        <p:nvGrpSpPr>
+          <p:cNvPr id="16" name="组合 15">
+            <a:extLst>
+              <a:ext uri="{FF2B5EF4-FFF2-40B4-BE49-F238E27FC236}">
+                <a16:creationId xmlns:a16="http://schemas.microsoft.com/office/drawing/2014/main" id="{0D93CE07-8BE0-496A-AE64-A16CAF07BB9F}"/>
+              </a:ext>
+            </a:extLst>
+          </p:cNvPr>
+          <p:cNvGrpSpPr/>
+          <p:nvPr/>
+        </p:nvGrpSpPr>
+        <p:grpSpPr>
+          <a:xfrm>
+            <a:off x="2905537" y="621637"/>
+            <a:ext cx="4521423" cy="3552452"/>
+            <a:chOff x="3124152" y="2088684"/>
+            <a:chExt cx="3763478" cy="3185962"/>
+          </a:xfrm>
+        </p:grpSpPr>
+        <p:sp>
+          <p:nvSpPr>
+            <p:cNvPr id="17" name="矩形 16">
+              <a:extLst>
+                <a:ext uri="{FF2B5EF4-FFF2-40B4-BE49-F238E27FC236}">
+                  <a16:creationId xmlns:a16="http://schemas.microsoft.com/office/drawing/2014/main" id="{3918106A-F021-4162-9866-458F25241185}"/>
+                </a:ext>
+              </a:extLst>
+            </p:cNvPr>
+            <p:cNvSpPr/>
+            <p:nvPr/>
+          </p:nvSpPr>
+          <p:spPr>
+            <a:xfrm>
+              <a:off x="3124152" y="2088684"/>
+              <a:ext cx="3763478" cy="3185962"/>
+            </a:xfrm>
+            <a:prstGeom prst="rect">
+              <a:avLst/>
+            </a:prstGeom>
+          </p:spPr>
+          <p:style>
+            <a:lnRef idx="2">
+              <a:schemeClr val="accent3">
+                <a:shade val="50000"/>
+              </a:schemeClr>
+            </a:lnRef>
+            <a:fillRef idx="1">
+              <a:schemeClr val="accent3"/>
+            </a:fillRef>
+            <a:effectRef idx="0">
+              <a:schemeClr val="accent3"/>
+            </a:effectRef>
+            <a:fontRef idx="minor">
+              <a:schemeClr val="lt1"/>
+            </a:fontRef>
+          </p:style>
+          <p:txBody>
+            <a:bodyPr rtlCol="0" anchor="ctr"/>
+            <a:lstStyle/>
+            <a:p>
+              <a:pPr algn="ctr"/>
+              <a:endParaRPr lang="zh-CN" altLang="en-US" dirty="0"/>
+            </a:p>
+          </p:txBody>
+        </p:sp>
+        <p:sp>
+          <p:nvSpPr>
+            <p:cNvPr id="18" name="椭圆 17">
+              <a:extLst>
+                <a:ext uri="{FF2B5EF4-FFF2-40B4-BE49-F238E27FC236}">
+                  <a16:creationId xmlns:a16="http://schemas.microsoft.com/office/drawing/2014/main" id="{A6AF5218-E7F2-4491-9186-DFE953635ACC}"/>
+                </a:ext>
+              </a:extLst>
+            </p:cNvPr>
+            <p:cNvSpPr/>
+            <p:nvPr/>
+          </p:nvSpPr>
+          <p:spPr>
+            <a:xfrm>
+              <a:off x="3898231" y="2569945"/>
+              <a:ext cx="173256" cy="173256"/>
+            </a:xfrm>
+            <a:prstGeom prst="ellipse">
+              <a:avLst/>
+            </a:prstGeom>
+          </p:spPr>
+          <p:style>
+            <a:lnRef idx="2">
+              <a:schemeClr val="accent1">
+                <a:shade val="50000"/>
+              </a:schemeClr>
+            </a:lnRef>
+            <a:fillRef idx="1">
+              <a:schemeClr val="accent1"/>
+            </a:fillRef>
+            <a:effectRef idx="0">
+              <a:schemeClr val="accent1"/>
+            </a:effectRef>
+            <a:fontRef idx="minor">
+              <a:schemeClr val="lt1"/>
+            </a:fontRef>
+          </p:style>
+          <p:txBody>
+            <a:bodyPr rtlCol="0" anchor="ctr"/>
+            <a:lstStyle/>
+            <a:p>
+              <a:pPr algn="ctr"/>
+              <a:endParaRPr lang="zh-CN" altLang="en-US"/>
+            </a:p>
+          </p:txBody>
+        </p:sp>
+        <p:sp>
+          <p:nvSpPr>
+            <p:cNvPr id="19" name="椭圆 18">
+              <a:extLst>
+                <a:ext uri="{FF2B5EF4-FFF2-40B4-BE49-F238E27FC236}">
+                  <a16:creationId xmlns:a16="http://schemas.microsoft.com/office/drawing/2014/main" id="{D35B4EB2-77E8-4B2E-81E5-792586F1C3AD}"/>
+                </a:ext>
+              </a:extLst>
+            </p:cNvPr>
+            <p:cNvSpPr/>
+            <p:nvPr/>
+          </p:nvSpPr>
+          <p:spPr>
+            <a:xfrm>
+              <a:off x="6081562" y="3049604"/>
+              <a:ext cx="173256" cy="173256"/>
+            </a:xfrm>
+            <a:prstGeom prst="ellipse">
+              <a:avLst/>
+            </a:prstGeom>
+          </p:spPr>
+          <p:style>
+            <a:lnRef idx="2">
+              <a:schemeClr val="accent1">
+                <a:shade val="50000"/>
+              </a:schemeClr>
+            </a:lnRef>
+            <a:fillRef idx="1">
+              <a:schemeClr val="accent1"/>
+            </a:fillRef>
+            <a:effectRef idx="0">
+              <a:schemeClr val="accent1"/>
+            </a:effectRef>
+            <a:fontRef idx="minor">
+              <a:schemeClr val="lt1"/>
+            </a:fontRef>
+          </p:style>
+          <p:txBody>
+            <a:bodyPr rtlCol="0" anchor="ctr"/>
+            <a:lstStyle/>
+            <a:p>
+              <a:pPr algn="ctr"/>
+              <a:endParaRPr lang="zh-CN" altLang="en-US"/>
+            </a:p>
+          </p:txBody>
+        </p:sp>
+        <p:sp>
+          <p:nvSpPr>
+            <p:cNvPr id="20" name="椭圆 19">
+              <a:extLst>
+                <a:ext uri="{FF2B5EF4-FFF2-40B4-BE49-F238E27FC236}">
+                  <a16:creationId xmlns:a16="http://schemas.microsoft.com/office/drawing/2014/main" id="{68F8FA4E-0810-4AD1-89CD-E4DBA0E5DBA6}"/>
+                </a:ext>
+              </a:extLst>
+            </p:cNvPr>
+            <p:cNvSpPr/>
+            <p:nvPr/>
+          </p:nvSpPr>
+          <p:spPr>
+            <a:xfrm>
+              <a:off x="4198125" y="3438626"/>
+              <a:ext cx="173256" cy="173256"/>
+            </a:xfrm>
+            <a:prstGeom prst="ellipse">
+              <a:avLst/>
+            </a:prstGeom>
+          </p:spPr>
+          <p:style>
+            <a:lnRef idx="2">
+              <a:schemeClr val="accent1">
+                <a:shade val="50000"/>
+              </a:schemeClr>
+            </a:lnRef>
+            <a:fillRef idx="1">
+              <a:schemeClr val="accent1"/>
+            </a:fillRef>
+            <a:effectRef idx="0">
+              <a:schemeClr val="accent1"/>
+            </a:effectRef>
+            <a:fontRef idx="minor">
+              <a:schemeClr val="lt1"/>
+            </a:fontRef>
+          </p:style>
+          <p:txBody>
+            <a:bodyPr rtlCol="0" anchor="ctr"/>
+            <a:lstStyle/>
+            <a:p>
+              <a:pPr algn="ctr"/>
+              <a:endParaRPr lang="zh-CN" altLang="en-US"/>
+            </a:p>
+          </p:txBody>
+        </p:sp>
+        <p:sp>
+          <p:nvSpPr>
+            <p:cNvPr id="21" name="椭圆 20">
+              <a:extLst>
+                <a:ext uri="{FF2B5EF4-FFF2-40B4-BE49-F238E27FC236}">
+                  <a16:creationId xmlns:a16="http://schemas.microsoft.com/office/drawing/2014/main" id="{A167EC93-AE7C-4705-91E0-661D273C0B4A}"/>
+                </a:ext>
+              </a:extLst>
+            </p:cNvPr>
+            <p:cNvSpPr/>
+            <p:nvPr/>
+          </p:nvSpPr>
+          <p:spPr>
+            <a:xfrm>
+              <a:off x="5005891" y="4676273"/>
+              <a:ext cx="173256" cy="173256"/>
+            </a:xfrm>
+            <a:prstGeom prst="ellipse">
+              <a:avLst/>
+            </a:prstGeom>
+          </p:spPr>
+          <p:style>
+            <a:lnRef idx="2">
+              <a:schemeClr val="accent1">
+                <a:shade val="50000"/>
+              </a:schemeClr>
+            </a:lnRef>
+            <a:fillRef idx="1">
+              <a:schemeClr val="accent1"/>
+            </a:fillRef>
+            <a:effectRef idx="0">
+              <a:schemeClr val="accent1"/>
+            </a:effectRef>
+            <a:fontRef idx="minor">
+              <a:schemeClr val="lt1"/>
+            </a:fontRef>
+          </p:style>
+          <p:txBody>
+            <a:bodyPr rtlCol="0" anchor="ctr"/>
+            <a:lstStyle/>
+            <a:p>
+              <a:pPr algn="ctr"/>
+              <a:endParaRPr lang="zh-CN" altLang="en-US"/>
+            </a:p>
+          </p:txBody>
+        </p:sp>
+        <p:sp>
+          <p:nvSpPr>
+            <p:cNvPr id="22" name="椭圆 21">
+              <a:extLst>
+                <a:ext uri="{FF2B5EF4-FFF2-40B4-BE49-F238E27FC236}">
+                  <a16:creationId xmlns:a16="http://schemas.microsoft.com/office/drawing/2014/main" id="{6AF65ACA-D2C6-4C54-9C7E-FD7C08517AFA}"/>
+                </a:ext>
+              </a:extLst>
+            </p:cNvPr>
+            <p:cNvSpPr/>
+            <p:nvPr/>
+          </p:nvSpPr>
+          <p:spPr>
+            <a:xfrm>
+              <a:off x="5505111" y="3351998"/>
+              <a:ext cx="173256" cy="173256"/>
+            </a:xfrm>
+            <a:prstGeom prst="ellipse">
+              <a:avLst/>
+            </a:prstGeom>
+            <a:solidFill>
+              <a:srgbClr val="FF0000"/>
+            </a:solidFill>
+            <a:ln>
+              <a:solidFill>
+                <a:srgbClr val="C00000"/>
+              </a:solidFill>
+            </a:ln>
+          </p:spPr>
+          <p:style>
+            <a:lnRef idx="2">
+              <a:schemeClr val="accent1">
+                <a:shade val="50000"/>
+              </a:schemeClr>
+            </a:lnRef>
+            <a:fillRef idx="1">
+              <a:schemeClr val="accent1"/>
+            </a:fillRef>
+            <a:effectRef idx="0">
+              <a:schemeClr val="accent1"/>
+            </a:effectRef>
+            <a:fontRef idx="minor">
+              <a:schemeClr val="lt1"/>
+            </a:fontRef>
+          </p:style>
+          <p:txBody>
+            <a:bodyPr rtlCol="0" anchor="ctr"/>
+            <a:lstStyle/>
+            <a:p>
+              <a:pPr algn="ctr"/>
+              <a:endParaRPr lang="zh-CN" altLang="en-US"/>
+            </a:p>
+          </p:txBody>
+        </p:sp>
+        <p:sp>
+          <p:nvSpPr>
+            <p:cNvPr id="23" name="椭圆 22">
+              <a:extLst>
+                <a:ext uri="{FF2B5EF4-FFF2-40B4-BE49-F238E27FC236}">
+                  <a16:creationId xmlns:a16="http://schemas.microsoft.com/office/drawing/2014/main" id="{652117D1-C415-4B00-9CEB-072643FD86C7}"/>
+                </a:ext>
+              </a:extLst>
+            </p:cNvPr>
+            <p:cNvSpPr/>
+            <p:nvPr/>
+          </p:nvSpPr>
+          <p:spPr>
+            <a:xfrm>
+              <a:off x="6162212" y="3235234"/>
+              <a:ext cx="173256" cy="173256"/>
+            </a:xfrm>
+            <a:prstGeom prst="ellipse">
+              <a:avLst/>
+            </a:prstGeom>
+          </p:spPr>
+          <p:style>
+            <a:lnRef idx="2">
+              <a:schemeClr val="accent4">
+                <a:shade val="50000"/>
+              </a:schemeClr>
+            </a:lnRef>
+            <a:fillRef idx="1">
+              <a:schemeClr val="accent4"/>
+            </a:fillRef>
+            <a:effectRef idx="0">
+              <a:schemeClr val="accent4"/>
+            </a:effectRef>
+            <a:fontRef idx="minor">
+              <a:schemeClr val="lt1"/>
+            </a:fontRef>
+          </p:style>
+          <p:txBody>
+            <a:bodyPr rtlCol="0" anchor="ctr"/>
+            <a:lstStyle/>
+            <a:p>
+              <a:pPr algn="ctr"/>
+              <a:endParaRPr lang="zh-CN" altLang="en-US"/>
+            </a:p>
+          </p:txBody>
+        </p:sp>
+        <p:sp>
+          <p:nvSpPr>
+            <p:cNvPr id="24" name="文本框 23">
+              <a:extLst>
+                <a:ext uri="{FF2B5EF4-FFF2-40B4-BE49-F238E27FC236}">
+                  <a16:creationId xmlns:a16="http://schemas.microsoft.com/office/drawing/2014/main" id="{C607BDB6-CBF7-404B-864E-7543E4102D3B}"/>
+                </a:ext>
+              </a:extLst>
+            </p:cNvPr>
+            <p:cNvSpPr txBox="1"/>
+            <p:nvPr/>
+          </p:nvSpPr>
+          <p:spPr>
+            <a:xfrm>
+              <a:off x="4461332" y="2118795"/>
+              <a:ext cx="1429286" cy="331230"/>
+            </a:xfrm>
+            <a:prstGeom prst="rect">
+              <a:avLst/>
+            </a:prstGeom>
+            <a:noFill/>
+          </p:spPr>
+          <p:txBody>
+            <a:bodyPr wrap="none" rtlCol="0">
+              <a:spAutoFit/>
+            </a:bodyPr>
+            <a:lstStyle/>
+            <a:p>
+              <a:r>
+                <a:rPr lang="en-US" altLang="zh-CN" b="1" dirty="0" err="1">
+                  <a:solidFill>
+                    <a:srgbClr val="FF0000"/>
+                  </a:solidFill>
+                </a:rPr>
+                <a:t>TotalScore</a:t>
+              </a:r>
+              <a:r>
+                <a:rPr lang="zh-CN" altLang="en-US" b="1" dirty="0">
+                  <a:solidFill>
+                    <a:srgbClr val="FF0000"/>
+                  </a:solidFill>
+                </a:rPr>
+                <a:t>：</a:t>
+              </a:r>
+              <a:r>
+                <a:rPr lang="en-US" altLang="zh-CN" b="1" dirty="0">
+                  <a:solidFill>
+                    <a:srgbClr val="FF0000"/>
+                  </a:solidFill>
+                </a:rPr>
+                <a:t> 1</a:t>
+              </a:r>
+              <a:endParaRPr lang="zh-CN" altLang="en-US" b="1" dirty="0">
+                <a:solidFill>
+                  <a:srgbClr val="FF0000"/>
+                </a:solidFill>
+              </a:endParaRPr>
+            </a:p>
+          </p:txBody>
+        </p:sp>
+        <p:cxnSp>
+          <p:nvCxnSpPr>
+            <p:cNvPr id="25" name="连接符: 曲线 24">
+              <a:extLst>
+                <a:ext uri="{FF2B5EF4-FFF2-40B4-BE49-F238E27FC236}">
+                  <a16:creationId xmlns:a16="http://schemas.microsoft.com/office/drawing/2014/main" id="{606B6538-9888-4845-8F7D-97107AF174DD}"/>
+                </a:ext>
+              </a:extLst>
+            </p:cNvPr>
+            <p:cNvCxnSpPr>
+              <a:cxnSpLocks/>
+              <a:stCxn id="22" idx="0"/>
+              <a:endCxn id="19" idx="3"/>
+            </p:cNvCxnSpPr>
+            <p:nvPr/>
+          </p:nvCxnSpPr>
+          <p:spPr>
+            <a:xfrm rot="5400000" flipH="1" flipV="1">
+              <a:off x="5772082" y="3017145"/>
+              <a:ext cx="154510" cy="515196"/>
+            </a:xfrm>
+            <a:prstGeom prst="curvedConnector3">
+              <a:avLst>
+                <a:gd name="adj1" fmla="val 50000"/>
+              </a:avLst>
+            </a:prstGeom>
+            <a:ln>
+              <a:tailEnd type="triangle"/>
+            </a:ln>
+          </p:spPr>
+          <p:style>
+            <a:lnRef idx="1">
+              <a:schemeClr val="dk1"/>
+            </a:lnRef>
+            <a:fillRef idx="0">
+              <a:schemeClr val="dk1"/>
+            </a:fillRef>
+            <a:effectRef idx="0">
+              <a:schemeClr val="dk1"/>
+            </a:effectRef>
+            <a:fontRef idx="minor">
+              <a:schemeClr val="tx1"/>
+            </a:fontRef>
+          </p:style>
+        </p:cxnSp>
+      </p:grpSp>
+    </p:spTree>
+    <p:extLst>
+      <p:ext uri="{BB962C8B-B14F-4D97-AF65-F5344CB8AC3E}">
+        <p14:creationId xmlns:p14="http://schemas.microsoft.com/office/powerpoint/2010/main" val="291028028"/>
+      </p:ext>
+    </p:extLst>
+  </p:cSld>
+  <p:clrMapOvr>
+    <a:masterClrMapping/>
+  </p:clrMapOvr>
+</p:sld>
+</file>
+
+<file path=ppt/slides/slide7.xml><?xml version="1.0" encoding="utf-8"?>
+<p:sld xmlns:a="http://schemas.openxmlformats.org/drawingml/2006/main" xmlns:r="http://schemas.openxmlformats.org/officeDocument/2006/relationships" xmlns:p="http://schemas.openxmlformats.org/presentationml/2006/main">
+  <p:cSld>
+    <p:spTree>
+      <p:nvGrpSpPr>
+        <p:cNvPr id="1" name=""/>
+        <p:cNvGrpSpPr/>
+        <p:nvPr/>
+      </p:nvGrpSpPr>
+      <p:grpSpPr>
+        <a:xfrm>
+          <a:off x="0" y="0"/>
+          <a:ext cx="0" cy="0"/>
+          <a:chOff x="0" y="0"/>
+          <a:chExt cx="0" cy="0"/>
+        </a:xfrm>
+      </p:grpSpPr>
+      <p:grpSp>
+        <p:nvGrpSpPr>
+          <p:cNvPr id="2" name="组合 1">
+            <a:extLst>
+              <a:ext uri="{FF2B5EF4-FFF2-40B4-BE49-F238E27FC236}">
+                <a16:creationId xmlns:a16="http://schemas.microsoft.com/office/drawing/2014/main" id="{5C1ADCE9-75A5-4986-8406-661703EA1194}"/>
+              </a:ext>
+            </a:extLst>
+          </p:cNvPr>
+          <p:cNvGrpSpPr/>
+          <p:nvPr/>
+        </p:nvGrpSpPr>
+        <p:grpSpPr>
+          <a:xfrm>
+            <a:off x="790238" y="306834"/>
+            <a:ext cx="8959139" cy="6404339"/>
+            <a:chOff x="792319" y="572402"/>
+            <a:chExt cx="8767482" cy="6131859"/>
+          </a:xfrm>
+        </p:grpSpPr>
+        <p:sp>
+          <p:nvSpPr>
+            <p:cNvPr id="4" name="矩形 3"/>
+            <p:cNvSpPr/>
+            <p:nvPr/>
+          </p:nvSpPr>
+          <p:spPr>
+            <a:xfrm>
+              <a:off x="792319" y="572402"/>
+              <a:ext cx="8767482" cy="6131859"/>
+            </a:xfrm>
+            <a:prstGeom prst="rect">
+              <a:avLst/>
+            </a:prstGeom>
+            <a:solidFill>
+              <a:schemeClr val="bg2">
+                <a:lumMod val="25000"/>
+              </a:schemeClr>
+            </a:solidFill>
+            <a:ln>
+              <a:noFill/>
+            </a:ln>
+          </p:spPr>
+          <p:style>
+            <a:lnRef idx="3">
+              <a:schemeClr val="lt1"/>
+            </a:lnRef>
+            <a:fillRef idx="1">
+              <a:schemeClr val="accent3"/>
+            </a:fillRef>
+            <a:effectRef idx="1">
+              <a:schemeClr val="accent3"/>
+            </a:effectRef>
+            <a:fontRef idx="minor">
+              <a:schemeClr val="lt1"/>
+            </a:fontRef>
+          </p:style>
+          <p:txBody>
+            <a:bodyPr rtlCol="0" anchor="ctr"/>
+            <a:lstStyle/>
+            <a:p>
+              <a:pPr>
+                <a:lnSpc>
+                  <a:spcPct val="150000"/>
+                </a:lnSpc>
+                <a:spcBef>
+                  <a:spcPts val="200"/>
+                </a:spcBef>
+                <a:spcAft>
+                  <a:spcPts val="200"/>
+                </a:spcAft>
+              </a:pPr>
+              <a:endParaRPr lang="zh-CN" altLang="en-US" sz="2000" dirty="0">
+                <a:latin typeface="黑体" panose="02010609060101010101" pitchFamily="49" charset="-122"/>
+                <a:ea typeface="黑体" panose="02010609060101010101" pitchFamily="49" charset="-122"/>
+              </a:endParaRPr>
+            </a:p>
+          </p:txBody>
+        </p:sp>
+        <p:sp>
+          <p:nvSpPr>
+            <p:cNvPr id="3" name="文本框 2"/>
+            <p:cNvSpPr txBox="1"/>
+            <p:nvPr/>
+          </p:nvSpPr>
+          <p:spPr>
+            <a:xfrm>
+              <a:off x="1223744" y="4138048"/>
+              <a:ext cx="7811593" cy="2304597"/>
+            </a:xfrm>
+            <a:prstGeom prst="rect">
+              <a:avLst/>
+            </a:prstGeom>
+            <a:noFill/>
+          </p:spPr>
+          <p:txBody>
+            <a:bodyPr wrap="square" rtlCol="0">
+              <a:spAutoFit/>
+            </a:bodyPr>
+            <a:lstStyle/>
+            <a:p>
+              <a:pPr marL="285750" indent="-285750">
+                <a:lnSpc>
+                  <a:spcPct val="130000"/>
+                </a:lnSpc>
+                <a:spcBef>
+                  <a:spcPts val="200"/>
+                </a:spcBef>
+                <a:spcAft>
+                  <a:spcPts val="200"/>
+                </a:spcAft>
+                <a:buFont typeface="Arial" panose="020B0604020202020204" pitchFamily="34" charset="0"/>
+                <a:buChar char="•"/>
+              </a:pPr>
+              <a:r>
+                <a:rPr lang="zh-CN" altLang="en-US" dirty="0">
+                  <a:solidFill>
+                    <a:schemeClr val="bg1">
+                      <a:lumMod val="95000"/>
+                    </a:schemeClr>
+                  </a:solidFill>
+                  <a:latin typeface="黑体" panose="02010609060101010101" pitchFamily="49" charset="-122"/>
+                  <a:ea typeface="黑体" panose="02010609060101010101" pitchFamily="49" charset="-122"/>
+                </a:rPr>
+                <a:t>屏幕顶端将显示你们当前的</a:t>
+              </a:r>
+              <a:r>
+                <a:rPr lang="zh-CN" altLang="en-US" dirty="0">
+                  <a:solidFill>
+                    <a:srgbClr val="92D050"/>
+                  </a:solidFill>
+                  <a:latin typeface="黑体" panose="02010609060101010101" pitchFamily="49" charset="-122"/>
+                  <a:ea typeface="黑体" panose="02010609060101010101" pitchFamily="49" charset="-122"/>
+                </a:rPr>
+                <a:t>总得分</a:t>
+              </a:r>
+              <a:r>
+                <a:rPr lang="zh-CN" altLang="en-US" dirty="0">
+                  <a:solidFill>
+                    <a:schemeClr val="bg1">
+                      <a:lumMod val="95000"/>
+                    </a:schemeClr>
+                  </a:solidFill>
+                  <a:latin typeface="黑体" panose="02010609060101010101" pitchFamily="49" charset="-122"/>
+                  <a:ea typeface="黑体" panose="02010609060101010101" pitchFamily="49" charset="-122"/>
+                </a:rPr>
+                <a:t>，分数计算规则为：</a:t>
+              </a:r>
+              <a:endParaRPr lang="en-US" altLang="zh-CN" dirty="0">
+                <a:solidFill>
+                  <a:schemeClr val="bg1">
+                    <a:lumMod val="95000"/>
+                  </a:schemeClr>
+                </a:solidFill>
+                <a:latin typeface="黑体" panose="02010609060101010101" pitchFamily="49" charset="-122"/>
+                <a:ea typeface="黑体" panose="02010609060101010101" pitchFamily="49" charset="-122"/>
+              </a:endParaRPr>
+            </a:p>
+            <a:p>
+              <a:pPr marL="742950" lvl="1" indent="-285750">
+                <a:lnSpc>
+                  <a:spcPct val="130000"/>
+                </a:lnSpc>
+                <a:spcBef>
+                  <a:spcPts val="200"/>
+                </a:spcBef>
+                <a:spcAft>
+                  <a:spcPts val="200"/>
+                </a:spcAft>
+                <a:buFont typeface="Wingdings" panose="05000000000000000000" pitchFamily="2" charset="2"/>
+                <a:buChar char="Ø"/>
+              </a:pPr>
+              <a:r>
+                <a:rPr lang="zh-CN" altLang="en-US" dirty="0">
+                  <a:solidFill>
+                    <a:schemeClr val="bg1">
+                      <a:lumMod val="95000"/>
+                    </a:schemeClr>
+                  </a:solidFill>
+                  <a:latin typeface="黑体" panose="02010609060101010101" pitchFamily="49" charset="-122"/>
+                  <a:ea typeface="黑体" panose="02010609060101010101" pitchFamily="49" charset="-122"/>
+                </a:rPr>
+                <a:t>若</a:t>
+              </a:r>
+              <a:r>
+                <a:rPr lang="en-US" altLang="zh-CN" dirty="0">
+                  <a:solidFill>
+                    <a:schemeClr val="bg1">
+                      <a:lumMod val="95000"/>
+                    </a:schemeClr>
+                  </a:solidFill>
+                  <a:latin typeface="黑体" panose="02010609060101010101" pitchFamily="49" charset="-122"/>
+                  <a:ea typeface="黑体" panose="02010609060101010101" pitchFamily="49" charset="-122"/>
+                </a:rPr>
+                <a:t>15s</a:t>
+              </a:r>
+              <a:r>
+                <a:rPr lang="zh-CN" altLang="en-US" dirty="0">
+                  <a:solidFill>
+                    <a:schemeClr val="bg1">
+                      <a:lumMod val="95000"/>
+                    </a:schemeClr>
+                  </a:solidFill>
+                  <a:latin typeface="黑体" panose="02010609060101010101" pitchFamily="49" charset="-122"/>
+                  <a:ea typeface="黑体" panose="02010609060101010101" pitchFamily="49" charset="-122"/>
+                </a:rPr>
+                <a:t>内抓到羊，总分增加</a:t>
+              </a:r>
+              <a:r>
+                <a:rPr lang="en-US" altLang="zh-CN" dirty="0">
+                  <a:solidFill>
+                    <a:schemeClr val="bg1">
+                      <a:lumMod val="95000"/>
+                    </a:schemeClr>
+                  </a:solidFill>
+                  <a:latin typeface="黑体" panose="02010609060101010101" pitchFamily="49" charset="-122"/>
+                  <a:ea typeface="黑体" panose="02010609060101010101" pitchFamily="49" charset="-122"/>
+                </a:rPr>
+                <a:t>1</a:t>
+              </a:r>
+              <a:r>
+                <a:rPr lang="zh-CN" altLang="en-US" dirty="0">
+                  <a:solidFill>
+                    <a:schemeClr val="bg1">
+                      <a:lumMod val="95000"/>
+                    </a:schemeClr>
+                  </a:solidFill>
+                  <a:latin typeface="黑体" panose="02010609060101010101" pitchFamily="49" charset="-122"/>
+                  <a:ea typeface="黑体" panose="02010609060101010101" pitchFamily="49" charset="-122"/>
+                </a:rPr>
+                <a:t>分</a:t>
+              </a:r>
+              <a:endParaRPr lang="en-US" altLang="zh-CN" dirty="0">
+                <a:solidFill>
+                  <a:schemeClr val="bg1">
+                    <a:lumMod val="95000"/>
+                  </a:schemeClr>
+                </a:solidFill>
+                <a:latin typeface="黑体" panose="02010609060101010101" pitchFamily="49" charset="-122"/>
+                <a:ea typeface="黑体" panose="02010609060101010101" pitchFamily="49" charset="-122"/>
+              </a:endParaRPr>
+            </a:p>
+            <a:p>
+              <a:pPr marL="742950" lvl="1" indent="-285750">
+                <a:lnSpc>
+                  <a:spcPct val="130000"/>
+                </a:lnSpc>
+                <a:spcBef>
+                  <a:spcPts val="200"/>
+                </a:spcBef>
+                <a:spcAft>
+                  <a:spcPts val="200"/>
+                </a:spcAft>
+                <a:buFont typeface="Wingdings" panose="05000000000000000000" pitchFamily="2" charset="2"/>
+                <a:buChar char="Ø"/>
+              </a:pPr>
+              <a:r>
+                <a:rPr lang="zh-CN" altLang="en-US" dirty="0">
+                  <a:solidFill>
+                    <a:schemeClr val="bg1">
+                      <a:lumMod val="95000"/>
+                    </a:schemeClr>
+                  </a:solidFill>
+                  <a:latin typeface="黑体" panose="02010609060101010101" pitchFamily="49" charset="-122"/>
+                  <a:ea typeface="黑体" panose="02010609060101010101" pitchFamily="49" charset="-122"/>
+                </a:rPr>
+                <a:t>若</a:t>
+              </a:r>
+              <a:r>
+                <a:rPr lang="en-US" altLang="zh-CN" dirty="0">
+                  <a:solidFill>
+                    <a:schemeClr val="bg1">
+                      <a:lumMod val="95000"/>
+                    </a:schemeClr>
+                  </a:solidFill>
+                  <a:latin typeface="黑体" panose="02010609060101010101" pitchFamily="49" charset="-122"/>
+                  <a:ea typeface="黑体" panose="02010609060101010101" pitchFamily="49" charset="-122"/>
+                </a:rPr>
+                <a:t>15s</a:t>
+              </a:r>
+              <a:r>
+                <a:rPr lang="zh-CN" altLang="en-US" dirty="0">
+                  <a:solidFill>
+                    <a:schemeClr val="bg1">
+                      <a:lumMod val="95000"/>
+                    </a:schemeClr>
+                  </a:solidFill>
+                  <a:latin typeface="黑体" panose="02010609060101010101" pitchFamily="49" charset="-122"/>
+                  <a:ea typeface="黑体" panose="02010609060101010101" pitchFamily="49" charset="-122"/>
+                </a:rPr>
+                <a:t>内两名玩家都没有抓到羊，不得分</a:t>
+              </a:r>
+              <a:endParaRPr lang="en-US" altLang="zh-CN" dirty="0">
+                <a:solidFill>
+                  <a:schemeClr val="bg1">
+                    <a:lumMod val="95000"/>
+                  </a:schemeClr>
+                </a:solidFill>
+                <a:latin typeface="黑体" panose="02010609060101010101" pitchFamily="49" charset="-122"/>
+                <a:ea typeface="黑体" panose="02010609060101010101" pitchFamily="49" charset="-122"/>
+              </a:endParaRPr>
+            </a:p>
+            <a:p>
+              <a:pPr marL="742950" lvl="1" indent="-285750">
+                <a:lnSpc>
+                  <a:spcPct val="130000"/>
+                </a:lnSpc>
+                <a:spcBef>
+                  <a:spcPts val="200"/>
+                </a:spcBef>
+                <a:spcAft>
+                  <a:spcPts val="200"/>
+                </a:spcAft>
+                <a:buFont typeface="Wingdings" panose="05000000000000000000" pitchFamily="2" charset="2"/>
+                <a:buChar char="Ø"/>
+              </a:pPr>
+              <a:r>
+                <a:rPr lang="zh-CN" altLang="en-US" dirty="0">
+                  <a:solidFill>
+                    <a:schemeClr val="bg1">
+                      <a:lumMod val="95000"/>
+                    </a:schemeClr>
+                  </a:solidFill>
+                  <a:latin typeface="黑体" panose="02010609060101010101" pitchFamily="49" charset="-122"/>
+                  <a:ea typeface="黑体" panose="02010609060101010101" pitchFamily="49" charset="-122"/>
+                </a:rPr>
+                <a:t>游戏包含时间惩罚机制，每轮游戏追逐</a:t>
+              </a:r>
+              <a:r>
+                <a:rPr lang="zh-CN" altLang="en-US" dirty="0">
+                  <a:solidFill>
+                    <a:srgbClr val="92D050"/>
+                  </a:solidFill>
+                  <a:latin typeface="黑体" panose="02010609060101010101" pitchFamily="49" charset="-122"/>
+                  <a:ea typeface="黑体" panose="02010609060101010101" pitchFamily="49" charset="-122"/>
+                </a:rPr>
+                <a:t>时间越长</a:t>
+              </a:r>
+              <a:r>
+                <a:rPr lang="zh-CN" altLang="en-US" dirty="0">
+                  <a:solidFill>
+                    <a:schemeClr val="bg1">
+                      <a:lumMod val="95000"/>
+                    </a:schemeClr>
+                  </a:solidFill>
+                  <a:latin typeface="黑体" panose="02010609060101010101" pitchFamily="49" charset="-122"/>
+                  <a:ea typeface="黑体" panose="02010609060101010101" pitchFamily="49" charset="-122"/>
+                </a:rPr>
+                <a:t>，该轮游戏</a:t>
+              </a:r>
+              <a:r>
+                <a:rPr lang="zh-CN" altLang="en-US" dirty="0">
+                  <a:solidFill>
+                    <a:srgbClr val="92D050"/>
+                  </a:solidFill>
+                  <a:latin typeface="黑体" panose="02010609060101010101" pitchFamily="49" charset="-122"/>
+                  <a:ea typeface="黑体" panose="02010609060101010101" pitchFamily="49" charset="-122"/>
+                </a:rPr>
+                <a:t>惩罚越多</a:t>
+              </a:r>
+              <a:r>
+                <a:rPr lang="zh-CN" altLang="en-US" dirty="0">
+                  <a:solidFill>
+                    <a:schemeClr val="bg1">
+                      <a:lumMod val="95000"/>
+                    </a:schemeClr>
+                  </a:solidFill>
+                  <a:latin typeface="黑体" panose="02010609060101010101" pitchFamily="49" charset="-122"/>
+                  <a:ea typeface="黑体" panose="02010609060101010101" pitchFamily="49" charset="-122"/>
+                </a:rPr>
+                <a:t>（每消耗</a:t>
+              </a:r>
+              <a:r>
+                <a:rPr lang="en-US" altLang="zh-CN" dirty="0">
+                  <a:solidFill>
+                    <a:schemeClr val="bg1">
+                      <a:lumMod val="95000"/>
+                    </a:schemeClr>
+                  </a:solidFill>
+                  <a:latin typeface="黑体" panose="02010609060101010101" pitchFamily="49" charset="-122"/>
+                  <a:ea typeface="黑体" panose="02010609060101010101" pitchFamily="49" charset="-122"/>
+                </a:rPr>
+                <a:t>1s</a:t>
+              </a:r>
+              <a:r>
+                <a:rPr lang="zh-CN" altLang="en-US" dirty="0">
+                  <a:solidFill>
+                    <a:schemeClr val="bg1">
+                      <a:lumMod val="95000"/>
+                    </a:schemeClr>
+                  </a:solidFill>
+                  <a:latin typeface="黑体" panose="02010609060101010101" pitchFamily="49" charset="-122"/>
+                  <a:ea typeface="黑体" panose="02010609060101010101" pitchFamily="49" charset="-122"/>
+                </a:rPr>
+                <a:t>，总分减少</a:t>
+              </a:r>
+              <a:r>
+                <a:rPr lang="en-US" altLang="zh-CN" dirty="0">
+                  <a:solidFill>
+                    <a:schemeClr val="bg1">
+                      <a:lumMod val="95000"/>
+                    </a:schemeClr>
+                  </a:solidFill>
+                  <a:latin typeface="黑体" panose="02010609060101010101" pitchFamily="49" charset="-122"/>
+                  <a:ea typeface="黑体" panose="02010609060101010101" pitchFamily="49" charset="-122"/>
+                </a:rPr>
+                <a:t>0.02</a:t>
+              </a:r>
+              <a:r>
+                <a:rPr lang="zh-CN" altLang="en-US" dirty="0">
+                  <a:solidFill>
+                    <a:schemeClr val="bg1">
+                      <a:lumMod val="95000"/>
+                    </a:schemeClr>
+                  </a:solidFill>
+                  <a:latin typeface="黑体" panose="02010609060101010101" pitchFamily="49" charset="-122"/>
+                  <a:ea typeface="黑体" panose="02010609060101010101" pitchFamily="49" charset="-122"/>
+                </a:rPr>
+                <a:t>分；即未追到羊总分减少</a:t>
+              </a:r>
+              <a:r>
+                <a:rPr lang="en-US" altLang="zh-CN" dirty="0">
+                  <a:solidFill>
+                    <a:schemeClr val="bg1">
+                      <a:lumMod val="95000"/>
+                    </a:schemeClr>
+                  </a:solidFill>
+                  <a:latin typeface="黑体" panose="02010609060101010101" pitchFamily="49" charset="-122"/>
+                  <a:ea typeface="黑体" panose="02010609060101010101" pitchFamily="49" charset="-122"/>
+                </a:rPr>
+                <a:t>0.3</a:t>
+              </a:r>
+              <a:r>
+                <a:rPr lang="zh-CN" altLang="en-US" dirty="0">
+                  <a:solidFill>
+                    <a:schemeClr val="bg1">
+                      <a:lumMod val="95000"/>
+                    </a:schemeClr>
+                  </a:solidFill>
+                  <a:latin typeface="黑体" panose="02010609060101010101" pitchFamily="49" charset="-122"/>
+                  <a:ea typeface="黑体" panose="02010609060101010101" pitchFamily="49" charset="-122"/>
+                </a:rPr>
+                <a:t>分）</a:t>
+              </a:r>
+              <a:endParaRPr lang="en-US" altLang="zh-CN" dirty="0">
+                <a:solidFill>
+                  <a:schemeClr val="bg1">
+                    <a:lumMod val="95000"/>
+                  </a:schemeClr>
+                </a:solidFill>
+                <a:latin typeface="黑体" panose="02010609060101010101" pitchFamily="49" charset="-122"/>
+                <a:ea typeface="黑体" panose="02010609060101010101" pitchFamily="49" charset="-122"/>
+              </a:endParaRPr>
+            </a:p>
+            <a:p>
+              <a:pPr marL="285750" indent="-285750">
+                <a:lnSpc>
+                  <a:spcPct val="130000"/>
+                </a:lnSpc>
+                <a:spcBef>
+                  <a:spcPts val="200"/>
+                </a:spcBef>
+                <a:spcAft>
+                  <a:spcPts val="200"/>
+                </a:spcAft>
+                <a:buFont typeface="Arial" panose="020B0604020202020204" pitchFamily="34" charset="0"/>
+                <a:buChar char="•"/>
+              </a:pPr>
+              <a:r>
+                <a:rPr lang="zh-CN" altLang="en-US" dirty="0">
+                  <a:solidFill>
+                    <a:srgbClr val="92D050"/>
+                  </a:solidFill>
+                  <a:latin typeface="黑体" panose="02010609060101010101" pitchFamily="49" charset="-122"/>
+                  <a:ea typeface="黑体" panose="02010609060101010101" pitchFamily="49" charset="-122"/>
+                </a:rPr>
+                <a:t>游戏结束后总分越高，最终实验报酬越高。</a:t>
+              </a:r>
+              <a:endParaRPr lang="zh-CN" altLang="en-US" dirty="0">
+                <a:solidFill>
+                  <a:schemeClr val="bg1">
+                    <a:lumMod val="95000"/>
+                  </a:schemeClr>
+                </a:solidFill>
+                <a:latin typeface="黑体" panose="02010609060101010101" pitchFamily="49" charset="-122"/>
+                <a:ea typeface="黑体" panose="02010609060101010101" pitchFamily="49" charset="-122"/>
+              </a:endParaRPr>
+            </a:p>
+          </p:txBody>
+        </p:sp>
+      </p:grpSp>
+      <p:grpSp>
+        <p:nvGrpSpPr>
+          <p:cNvPr id="28" name="组合 27">
+            <a:extLst>
+              <a:ext uri="{FF2B5EF4-FFF2-40B4-BE49-F238E27FC236}">
+                <a16:creationId xmlns:a16="http://schemas.microsoft.com/office/drawing/2014/main" id="{DBBBB726-E9F2-4CC7-85AB-2981E06753A2}"/>
+              </a:ext>
+            </a:extLst>
+          </p:cNvPr>
+          <p:cNvGrpSpPr/>
+          <p:nvPr/>
+        </p:nvGrpSpPr>
+        <p:grpSpPr>
+          <a:xfrm>
+            <a:off x="3209427" y="623268"/>
+            <a:ext cx="4120759" cy="3297435"/>
+            <a:chOff x="3124152" y="2088684"/>
+            <a:chExt cx="3763478" cy="3185962"/>
+          </a:xfrm>
+        </p:grpSpPr>
+        <p:sp>
+          <p:nvSpPr>
+            <p:cNvPr id="30" name="矩形 29">
+              <a:extLst>
+                <a:ext uri="{FF2B5EF4-FFF2-40B4-BE49-F238E27FC236}">
+                  <a16:creationId xmlns:a16="http://schemas.microsoft.com/office/drawing/2014/main" id="{30AF6E58-776F-4533-82B8-0D0841C9DD6B}"/>
+                </a:ext>
+              </a:extLst>
+            </p:cNvPr>
+            <p:cNvSpPr/>
+            <p:nvPr/>
+          </p:nvSpPr>
+          <p:spPr>
+            <a:xfrm>
+              <a:off x="3124152" y="2088684"/>
+              <a:ext cx="3763478" cy="3185962"/>
+            </a:xfrm>
+            <a:prstGeom prst="rect">
+              <a:avLst/>
+            </a:prstGeom>
+          </p:spPr>
+          <p:style>
+            <a:lnRef idx="2">
+              <a:schemeClr val="accent3">
+                <a:shade val="50000"/>
+              </a:schemeClr>
+            </a:lnRef>
+            <a:fillRef idx="1">
+              <a:schemeClr val="accent3"/>
+            </a:fillRef>
+            <a:effectRef idx="0">
+              <a:schemeClr val="accent3"/>
+            </a:effectRef>
+            <a:fontRef idx="minor">
+              <a:schemeClr val="lt1"/>
+            </a:fontRef>
+          </p:style>
+          <p:txBody>
+            <a:bodyPr rtlCol="0" anchor="ctr"/>
+            <a:lstStyle/>
+            <a:p>
+              <a:pPr algn="ctr"/>
+              <a:endParaRPr lang="zh-CN" altLang="en-US" dirty="0"/>
+            </a:p>
+          </p:txBody>
+        </p:sp>
+        <p:sp>
+          <p:nvSpPr>
+            <p:cNvPr id="31" name="椭圆 30">
+              <a:extLst>
+                <a:ext uri="{FF2B5EF4-FFF2-40B4-BE49-F238E27FC236}">
+                  <a16:creationId xmlns:a16="http://schemas.microsoft.com/office/drawing/2014/main" id="{6D698182-4DB7-43AA-BD69-4DE602677882}"/>
+                </a:ext>
+              </a:extLst>
+            </p:cNvPr>
+            <p:cNvSpPr/>
+            <p:nvPr/>
+          </p:nvSpPr>
+          <p:spPr>
+            <a:xfrm>
+              <a:off x="3898231" y="2569945"/>
+              <a:ext cx="173256" cy="173256"/>
+            </a:xfrm>
+            <a:prstGeom prst="ellipse">
+              <a:avLst/>
+            </a:prstGeom>
+          </p:spPr>
+          <p:style>
+            <a:lnRef idx="2">
+              <a:schemeClr val="accent1">
+                <a:shade val="50000"/>
+              </a:schemeClr>
+            </a:lnRef>
+            <a:fillRef idx="1">
+              <a:schemeClr val="accent1"/>
+            </a:fillRef>
+            <a:effectRef idx="0">
+              <a:schemeClr val="accent1"/>
+            </a:effectRef>
+            <a:fontRef idx="minor">
+              <a:schemeClr val="lt1"/>
+            </a:fontRef>
+          </p:style>
+          <p:txBody>
+            <a:bodyPr rtlCol="0" anchor="ctr"/>
+            <a:lstStyle/>
+            <a:p>
+              <a:pPr algn="ctr"/>
+              <a:endParaRPr lang="zh-CN" altLang="en-US"/>
+            </a:p>
+          </p:txBody>
+        </p:sp>
+        <p:sp>
+          <p:nvSpPr>
+            <p:cNvPr id="32" name="椭圆 31">
+              <a:extLst>
+                <a:ext uri="{FF2B5EF4-FFF2-40B4-BE49-F238E27FC236}">
+                  <a16:creationId xmlns:a16="http://schemas.microsoft.com/office/drawing/2014/main" id="{3C8F76C9-44E2-415B-BA41-1A078A31ACA2}"/>
+                </a:ext>
+              </a:extLst>
+            </p:cNvPr>
+            <p:cNvSpPr/>
+            <p:nvPr/>
+          </p:nvSpPr>
+          <p:spPr>
+            <a:xfrm>
+              <a:off x="6081562" y="3049604"/>
+              <a:ext cx="173256" cy="173256"/>
+            </a:xfrm>
+            <a:prstGeom prst="ellipse">
+              <a:avLst/>
+            </a:prstGeom>
+          </p:spPr>
+          <p:style>
+            <a:lnRef idx="2">
+              <a:schemeClr val="accent1">
+                <a:shade val="50000"/>
+              </a:schemeClr>
+            </a:lnRef>
+            <a:fillRef idx="1">
+              <a:schemeClr val="accent1"/>
+            </a:fillRef>
+            <a:effectRef idx="0">
+              <a:schemeClr val="accent1"/>
+            </a:effectRef>
+            <a:fontRef idx="minor">
+              <a:schemeClr val="lt1"/>
+            </a:fontRef>
+          </p:style>
+          <p:txBody>
+            <a:bodyPr rtlCol="0" anchor="ctr"/>
+            <a:lstStyle/>
+            <a:p>
+              <a:pPr algn="ctr"/>
+              <a:endParaRPr lang="zh-CN" altLang="en-US"/>
+            </a:p>
+          </p:txBody>
+        </p:sp>
+        <p:sp>
+          <p:nvSpPr>
+            <p:cNvPr id="33" name="椭圆 32">
+              <a:extLst>
+                <a:ext uri="{FF2B5EF4-FFF2-40B4-BE49-F238E27FC236}">
+                  <a16:creationId xmlns:a16="http://schemas.microsoft.com/office/drawing/2014/main" id="{5A1D9375-9192-42A8-B9C8-3E75FA7C6BD6}"/>
+                </a:ext>
+              </a:extLst>
+            </p:cNvPr>
+            <p:cNvSpPr/>
+            <p:nvPr/>
+          </p:nvSpPr>
+          <p:spPr>
+            <a:xfrm>
+              <a:off x="4198125" y="3438626"/>
+              <a:ext cx="173256" cy="173256"/>
+            </a:xfrm>
+            <a:prstGeom prst="ellipse">
+              <a:avLst/>
+            </a:prstGeom>
+          </p:spPr>
+          <p:style>
+            <a:lnRef idx="2">
+              <a:schemeClr val="accent1">
+                <a:shade val="50000"/>
+              </a:schemeClr>
+            </a:lnRef>
+            <a:fillRef idx="1">
+              <a:schemeClr val="accent1"/>
+            </a:fillRef>
+            <a:effectRef idx="0">
+              <a:schemeClr val="accent1"/>
+            </a:effectRef>
+            <a:fontRef idx="minor">
+              <a:schemeClr val="lt1"/>
+            </a:fontRef>
+          </p:style>
+          <p:txBody>
+            <a:bodyPr rtlCol="0" anchor="ctr"/>
+            <a:lstStyle/>
+            <a:p>
+              <a:pPr algn="ctr"/>
+              <a:endParaRPr lang="zh-CN" altLang="en-US"/>
+            </a:p>
+          </p:txBody>
+        </p:sp>
+        <p:sp>
+          <p:nvSpPr>
+            <p:cNvPr id="34" name="椭圆 33">
+              <a:extLst>
+                <a:ext uri="{FF2B5EF4-FFF2-40B4-BE49-F238E27FC236}">
+                  <a16:creationId xmlns:a16="http://schemas.microsoft.com/office/drawing/2014/main" id="{4E0DEF07-B894-4F3B-97DD-D1A166937BCF}"/>
+                </a:ext>
+              </a:extLst>
+            </p:cNvPr>
+            <p:cNvSpPr/>
+            <p:nvPr/>
+          </p:nvSpPr>
+          <p:spPr>
+            <a:xfrm>
+              <a:off x="5005891" y="4676273"/>
+              <a:ext cx="173256" cy="173256"/>
+            </a:xfrm>
+            <a:prstGeom prst="ellipse">
+              <a:avLst/>
+            </a:prstGeom>
+          </p:spPr>
+          <p:style>
+            <a:lnRef idx="2">
+              <a:schemeClr val="accent1">
+                <a:shade val="50000"/>
+              </a:schemeClr>
+            </a:lnRef>
+            <a:fillRef idx="1">
+              <a:schemeClr val="accent1"/>
+            </a:fillRef>
+            <a:effectRef idx="0">
+              <a:schemeClr val="accent1"/>
+            </a:effectRef>
+            <a:fontRef idx="minor">
+              <a:schemeClr val="lt1"/>
+            </a:fontRef>
+          </p:style>
+          <p:txBody>
+            <a:bodyPr rtlCol="0" anchor="ctr"/>
+            <a:lstStyle/>
+            <a:p>
+              <a:pPr algn="ctr"/>
+              <a:endParaRPr lang="zh-CN" altLang="en-US"/>
+            </a:p>
+          </p:txBody>
+        </p:sp>
+        <p:sp>
+          <p:nvSpPr>
+            <p:cNvPr id="35" name="椭圆 34">
+              <a:extLst>
+                <a:ext uri="{FF2B5EF4-FFF2-40B4-BE49-F238E27FC236}">
+                  <a16:creationId xmlns:a16="http://schemas.microsoft.com/office/drawing/2014/main" id="{9970886E-42A4-4CBF-8328-809AA0535E2E}"/>
+                </a:ext>
+              </a:extLst>
+            </p:cNvPr>
+            <p:cNvSpPr/>
+            <p:nvPr/>
+          </p:nvSpPr>
+          <p:spPr>
+            <a:xfrm>
+              <a:off x="5134040" y="3525254"/>
+              <a:ext cx="173256" cy="173256"/>
+            </a:xfrm>
+            <a:prstGeom prst="ellipse">
+              <a:avLst/>
+            </a:prstGeom>
+            <a:solidFill>
+              <a:srgbClr val="FF0000"/>
+            </a:solidFill>
+            <a:ln>
+              <a:solidFill>
+                <a:srgbClr val="C00000"/>
+              </a:solidFill>
+            </a:ln>
+          </p:spPr>
+          <p:style>
+            <a:lnRef idx="2">
+              <a:schemeClr val="accent1">
+                <a:shade val="50000"/>
+              </a:schemeClr>
+            </a:lnRef>
+            <a:fillRef idx="1">
+              <a:schemeClr val="accent1"/>
+            </a:fillRef>
+            <a:effectRef idx="0">
+              <a:schemeClr val="accent1"/>
+            </a:effectRef>
+            <a:fontRef idx="minor">
+              <a:schemeClr val="lt1"/>
+            </a:fontRef>
+          </p:style>
+          <p:txBody>
+            <a:bodyPr rtlCol="0" anchor="ctr"/>
+            <a:lstStyle/>
+            <a:p>
+              <a:pPr algn="ctr"/>
+              <a:endParaRPr lang="zh-CN" altLang="en-US"/>
+            </a:p>
+          </p:txBody>
+        </p:sp>
+        <p:sp>
+          <p:nvSpPr>
+            <p:cNvPr id="36" name="椭圆 35">
+              <a:extLst>
+                <a:ext uri="{FF2B5EF4-FFF2-40B4-BE49-F238E27FC236}">
+                  <a16:creationId xmlns:a16="http://schemas.microsoft.com/office/drawing/2014/main" id="{BD2C6CBD-A3F6-4064-BF49-0C6D59FA828E}"/>
+                </a:ext>
+              </a:extLst>
+            </p:cNvPr>
+            <p:cNvSpPr/>
+            <p:nvPr/>
+          </p:nvSpPr>
+          <p:spPr>
+            <a:xfrm>
+              <a:off x="5975684" y="3792354"/>
+              <a:ext cx="173256" cy="173256"/>
+            </a:xfrm>
+            <a:prstGeom prst="ellipse">
+              <a:avLst/>
+            </a:prstGeom>
+          </p:spPr>
+          <p:style>
+            <a:lnRef idx="2">
+              <a:schemeClr val="accent4">
+                <a:shade val="50000"/>
+              </a:schemeClr>
+            </a:lnRef>
+            <a:fillRef idx="1">
+              <a:schemeClr val="accent4"/>
+            </a:fillRef>
+            <a:effectRef idx="0">
+              <a:schemeClr val="accent4"/>
+            </a:effectRef>
+            <a:fontRef idx="minor">
+              <a:schemeClr val="lt1"/>
+            </a:fontRef>
+          </p:style>
+          <p:txBody>
+            <a:bodyPr rtlCol="0" anchor="ctr"/>
+            <a:lstStyle/>
+            <a:p>
+              <a:pPr algn="ctr"/>
+              <a:endParaRPr lang="zh-CN" altLang="en-US"/>
+            </a:p>
+          </p:txBody>
+        </p:sp>
+        <p:sp>
+          <p:nvSpPr>
+            <p:cNvPr id="37" name="文本框 36">
+              <a:extLst>
+                <a:ext uri="{FF2B5EF4-FFF2-40B4-BE49-F238E27FC236}">
+                  <a16:creationId xmlns:a16="http://schemas.microsoft.com/office/drawing/2014/main" id="{81E14B03-F2DE-433D-9262-3756A52F4F35}"/>
+                </a:ext>
+              </a:extLst>
+            </p:cNvPr>
+            <p:cNvSpPr txBox="1"/>
+            <p:nvPr/>
+          </p:nvSpPr>
+          <p:spPr>
+            <a:xfrm>
+              <a:off x="4271151" y="2136610"/>
+              <a:ext cx="2396245" cy="432534"/>
+            </a:xfrm>
+            <a:prstGeom prst="rect">
+              <a:avLst/>
+            </a:prstGeom>
+            <a:noFill/>
+          </p:spPr>
+          <p:txBody>
+            <a:bodyPr wrap="none" rtlCol="0">
+              <a:spAutoFit/>
+            </a:bodyPr>
+            <a:lstStyle/>
+            <a:p>
+              <a:r>
+                <a:rPr lang="en-US" altLang="zh-CN" b="1" dirty="0" err="1">
+                  <a:solidFill>
+                    <a:srgbClr val="FF0000"/>
+                  </a:solidFill>
+                </a:rPr>
+                <a:t>TotalScore</a:t>
+              </a:r>
+              <a:r>
+                <a:rPr lang="zh-CN" altLang="en-US" b="1" dirty="0">
+                  <a:solidFill>
+                    <a:srgbClr val="FF0000"/>
+                  </a:solidFill>
+                </a:rPr>
+                <a:t>：</a:t>
+              </a:r>
+              <a:r>
+                <a:rPr lang="en-US" altLang="zh-CN" b="1" dirty="0">
+                  <a:solidFill>
+                    <a:srgbClr val="FF0000"/>
+                  </a:solidFill>
+                </a:rPr>
+                <a:t> 13.08</a:t>
+              </a:r>
+              <a:endParaRPr lang="zh-CN" altLang="en-US" b="1" dirty="0">
+                <a:solidFill>
+                  <a:srgbClr val="FF0000"/>
+                </a:solidFill>
+              </a:endParaRPr>
+            </a:p>
+          </p:txBody>
+        </p:sp>
+        <p:cxnSp>
+          <p:nvCxnSpPr>
+            <p:cNvPr id="38" name="连接符: 曲线 37">
+              <a:extLst>
+                <a:ext uri="{FF2B5EF4-FFF2-40B4-BE49-F238E27FC236}">
+                  <a16:creationId xmlns:a16="http://schemas.microsoft.com/office/drawing/2014/main" id="{4C0DC55E-F39C-46FB-9714-4AEA7776C531}"/>
+                </a:ext>
+              </a:extLst>
+            </p:cNvPr>
+            <p:cNvCxnSpPr>
+              <a:cxnSpLocks/>
+              <a:stCxn id="35" idx="0"/>
+            </p:cNvCxnSpPr>
+            <p:nvPr/>
+          </p:nvCxnSpPr>
+          <p:spPr>
+            <a:xfrm rot="5400000" flipH="1" flipV="1">
+              <a:off x="5446979" y="2909921"/>
+              <a:ext cx="389022" cy="841644"/>
+            </a:xfrm>
+            <a:prstGeom prst="curvedConnector2">
+              <a:avLst/>
+            </a:prstGeom>
+            <a:ln>
+              <a:tailEnd type="triangle"/>
+            </a:ln>
+          </p:spPr>
+          <p:style>
+            <a:lnRef idx="1">
+              <a:schemeClr val="dk1"/>
+            </a:lnRef>
+            <a:fillRef idx="0">
+              <a:schemeClr val="dk1"/>
+            </a:fillRef>
+            <a:effectRef idx="0">
+              <a:schemeClr val="dk1"/>
+            </a:effectRef>
+            <a:fontRef idx="minor">
+              <a:schemeClr val="tx1"/>
+            </a:fontRef>
+          </p:style>
+        </p:cxnSp>
+        <p:cxnSp>
+          <p:nvCxnSpPr>
+            <p:cNvPr id="39" name="连接符: 曲线 38">
+              <a:extLst>
+                <a:ext uri="{FF2B5EF4-FFF2-40B4-BE49-F238E27FC236}">
+                  <a16:creationId xmlns:a16="http://schemas.microsoft.com/office/drawing/2014/main" id="{3268B044-4198-4CA6-B9F8-AFA74200B720}"/>
+                </a:ext>
+              </a:extLst>
+            </p:cNvPr>
+            <p:cNvCxnSpPr>
+              <a:cxnSpLocks/>
+              <a:stCxn id="36" idx="6"/>
+            </p:cNvCxnSpPr>
+            <p:nvPr/>
+          </p:nvCxnSpPr>
+          <p:spPr>
+            <a:xfrm flipV="1">
+              <a:off x="6148940" y="3288632"/>
+              <a:ext cx="65772" cy="590350"/>
+            </a:xfrm>
+            <a:prstGeom prst="curvedConnector2">
+              <a:avLst/>
+            </a:prstGeom>
+            <a:ln>
+              <a:tailEnd type="triangle"/>
+            </a:ln>
+          </p:spPr>
+          <p:style>
+            <a:lnRef idx="1">
+              <a:schemeClr val="dk1"/>
+            </a:lnRef>
+            <a:fillRef idx="0">
+              <a:schemeClr val="dk1"/>
+            </a:fillRef>
+            <a:effectRef idx="0">
+              <a:schemeClr val="dk1"/>
+            </a:effectRef>
+            <a:fontRef idx="minor">
+              <a:schemeClr val="tx1"/>
+            </a:fontRef>
+          </p:style>
+        </p:cxnSp>
+      </p:grpSp>
+    </p:spTree>
+    <p:extLst>
+      <p:ext uri="{BB962C8B-B14F-4D97-AF65-F5344CB8AC3E}">
+        <p14:creationId xmlns:p14="http://schemas.microsoft.com/office/powerpoint/2010/main" val="2830850117"/>
+      </p:ext>
+    </p:extLst>
+  </p:cSld>
+  <p:clrMapOvr>
+    <a:masterClrMapping/>
+  </p:clrMapOvr>
+</p:sld>
+</file>
+
+<file path=ppt/slides/slide8.xml><?xml version="1.0" encoding="utf-8"?>
+<p:sld xmlns:a="http://schemas.openxmlformats.org/drawingml/2006/main" xmlns:r="http://schemas.openxmlformats.org/officeDocument/2006/relationships" xmlns:p="http://schemas.openxmlformats.org/presentationml/2006/main">
+  <p:cSld>
+    <p:spTree>
+      <p:nvGrpSpPr>
+        <p:cNvPr id="1" name=""/>
+        <p:cNvGrpSpPr/>
+        <p:nvPr/>
+      </p:nvGrpSpPr>
+      <p:grpSpPr>
+        <a:xfrm>
+          <a:off x="0" y="0"/>
+          <a:ext cx="0" cy="0"/>
+          <a:chOff x="0" y="0"/>
+          <a:chExt cx="0" cy="0"/>
+        </a:xfrm>
+      </p:grpSpPr>
+      <p:grpSp>
+        <p:nvGrpSpPr>
+          <p:cNvPr id="2" name="组合 1">
+            <a:extLst>
+              <a:ext uri="{FF2B5EF4-FFF2-40B4-BE49-F238E27FC236}">
+                <a16:creationId xmlns:a16="http://schemas.microsoft.com/office/drawing/2014/main" id="{5C1ADCE9-75A5-4986-8406-661703EA1194}"/>
+              </a:ext>
+            </a:extLst>
+          </p:cNvPr>
+          <p:cNvGrpSpPr/>
+          <p:nvPr/>
+        </p:nvGrpSpPr>
+        <p:grpSpPr>
+          <a:xfrm>
             <a:off x="887506" y="416859"/>
             <a:ext cx="8767482" cy="6131859"/>
             <a:chOff x="887506" y="416859"/>
@@ -3870,7 +10233,7 @@
           <p:spPr>
             <a:xfrm>
               <a:off x="1257300" y="726389"/>
-              <a:ext cx="7879976" cy="5488682"/>
+              <a:ext cx="7879976" cy="5176417"/>
             </a:xfrm>
             <a:prstGeom prst="rect">
               <a:avLst/>
@@ -3883,7 +10246,7 @@
             </a:bodyPr>
             <a:lstStyle/>
             <a:p>
-              <a:pPr>
+              <a:pPr algn="ctr">
                 <a:lnSpc>
                   <a:spcPct val="150000"/>
                 </a:lnSpc>
@@ -3938,73 +10301,7 @@
                   <a:latin typeface="黑体" panose="02010609060101010101" pitchFamily="49" charset="-122"/>
                   <a:ea typeface="黑体" panose="02010609060101010101" pitchFamily="49" charset="-122"/>
                 </a:rPr>
-                <a:t>在本游戏中，您与另一玩家将扮演狼（</a:t>
-              </a:r>
-              <a:r>
-                <a:rPr lang="zh-CN" altLang="en-US" dirty="0">
-                  <a:solidFill>
-                    <a:srgbClr val="FF0000"/>
-                  </a:solidFill>
-                  <a:latin typeface="黑体" panose="02010609060101010101" pitchFamily="49" charset="-122"/>
-                  <a:ea typeface="黑体" panose="02010609060101010101" pitchFamily="49" charset="-122"/>
-                </a:rPr>
-                <a:t>您：红色小球</a:t>
-              </a:r>
-              <a:r>
-                <a:rPr lang="zh-CN" altLang="en-US" dirty="0">
-                  <a:solidFill>
-                    <a:schemeClr val="bg1">
-                      <a:lumMod val="95000"/>
-                    </a:schemeClr>
-                  </a:solidFill>
-                  <a:latin typeface="黑体" panose="02010609060101010101" pitchFamily="49" charset="-122"/>
-                  <a:ea typeface="黑体" panose="02010609060101010101" pitchFamily="49" charset="-122"/>
-                </a:rPr>
-                <a:t>，</a:t>
-              </a:r>
-              <a:r>
-                <a:rPr lang="zh-CN" altLang="en-US" dirty="0">
-                  <a:solidFill>
-                    <a:srgbClr val="FFC000"/>
-                  </a:solidFill>
-                  <a:latin typeface="黑体" panose="02010609060101010101" pitchFamily="49" charset="-122"/>
-                  <a:ea typeface="黑体" panose="02010609060101010101" pitchFamily="49" charset="-122"/>
-                </a:rPr>
-                <a:t>另一玩家：橙色小球</a:t>
-              </a:r>
-              <a:r>
-                <a:rPr lang="zh-CN" altLang="en-US" dirty="0">
-                  <a:solidFill>
-                    <a:schemeClr val="bg1">
-                      <a:lumMod val="95000"/>
-                    </a:schemeClr>
-                  </a:solidFill>
-                  <a:latin typeface="黑体" panose="02010609060101010101" pitchFamily="49" charset="-122"/>
-                  <a:ea typeface="黑体" panose="02010609060101010101" pitchFamily="49" charset="-122"/>
-                </a:rPr>
-                <a:t>），你们的任务是尽量多抓住羊（</a:t>
-              </a:r>
-              <a:r>
-                <a:rPr lang="zh-CN" altLang="en-US" dirty="0">
-                  <a:solidFill>
-                    <a:srgbClr val="0070C0"/>
-                  </a:solidFill>
-                  <a:latin typeface="黑体" panose="02010609060101010101" pitchFamily="49" charset="-122"/>
-                  <a:ea typeface="黑体" panose="02010609060101010101" pitchFamily="49" charset="-122"/>
-                </a:rPr>
-                <a:t>蓝色小球</a:t>
-              </a:r>
-              <a:r>
-                <a:rPr lang="zh-CN" altLang="en-US" dirty="0">
-                  <a:solidFill>
-                    <a:schemeClr val="bg1">
-                      <a:lumMod val="95000"/>
-                    </a:schemeClr>
-                  </a:solidFill>
-                  <a:latin typeface="黑体" panose="02010609060101010101" pitchFamily="49" charset="-122"/>
-                  <a:ea typeface="黑体" panose="02010609060101010101" pitchFamily="49" charset="-122"/>
-                </a:rPr>
-                <a:t>），屏幕上方显示了你们的目前得分。您可以通过操纵游戏手柄左上角的遥杆来控制狼的移动</a:t>
+                <a:t>游戏即将开始，您可以通过操纵游戏手柄左上角的遥杆来控制狼的移动</a:t>
               </a:r>
               <a:endParaRPr lang="en-US" altLang="zh-CN" dirty="0">
                 <a:solidFill>
@@ -4095,7 +10392,7 @@
                 </a:spcAft>
               </a:pPr>
               <a:r>
-                <a:rPr lang="en-US" altLang="zh-CN" dirty="0">
+                <a:rPr lang="zh-CN" altLang="en-US" dirty="0">
                   <a:solidFill>
                     <a:schemeClr val="bg1">
                       <a:lumMod val="95000"/>
@@ -4104,19 +10401,7 @@
                   <a:latin typeface="黑体" panose="02010609060101010101" pitchFamily="49" charset="-122"/>
                   <a:ea typeface="黑体" panose="02010609060101010101" pitchFamily="49" charset="-122"/>
                 </a:rPr>
-                <a:t>1</a:t>
-              </a:r>
-              <a:r>
-                <a:rPr lang="zh-CN" altLang="en-US" dirty="0">
-                  <a:solidFill>
-                    <a:schemeClr val="bg1">
-                      <a:lumMod val="95000"/>
-                    </a:schemeClr>
-                  </a:solidFill>
-                  <a:latin typeface="黑体" panose="02010609060101010101" pitchFamily="49" charset="-122"/>
-                  <a:ea typeface="黑体" panose="02010609060101010101" pitchFamily="49" charset="-122"/>
-                </a:rPr>
-                <a:t>）每抓到一只羊，游戏界面刷新，两位玩家的位置也会刷新</a:t>
+                <a:t>再次提醒：</a:t>
               </a:r>
               <a:endParaRPr lang="en-US" altLang="zh-CN" dirty="0">
                 <a:solidFill>
@@ -4150,7 +10435,7 @@
                   <a:latin typeface="黑体" panose="02010609060101010101" pitchFamily="49" charset="-122"/>
                   <a:ea typeface="黑体" panose="02010609060101010101" pitchFamily="49" charset="-122"/>
                 </a:rPr>
-                <a:t>2</a:t>
+                <a:t>1</a:t>
               </a:r>
               <a:r>
                 <a:rPr lang="zh-CN" altLang="en-US" dirty="0">
@@ -4162,17 +10447,37 @@
                   <a:latin typeface="黑体" panose="02010609060101010101" pitchFamily="49" charset="-122"/>
                   <a:ea typeface="黑体" panose="02010609060101010101" pitchFamily="49" charset="-122"/>
                 </a:rPr>
-                <a:t>）抓到一只羊计一分。由于</a:t>
+                <a:t>）游戏任务是尽快地在</a:t>
               </a:r>
               <a:r>
                 <a:rPr lang="zh-CN" altLang="en-US" dirty="0">
                   <a:solidFill>
-                    <a:srgbClr val="92D050"/>
-                  </a:solidFill>
-                  <a:latin typeface="黑体" panose="02010609060101010101" pitchFamily="49" charset="-122"/>
-                  <a:ea typeface="黑体" panose="02010609060101010101" pitchFamily="49" charset="-122"/>
-                </a:rPr>
-                <a:t>游戏时间是有限的</a:t>
+                    <a:srgbClr val="FF0000"/>
+                  </a:solidFill>
+                  <a:latin typeface="黑体" panose="02010609060101010101" pitchFamily="49" charset="-122"/>
+                  <a:ea typeface="黑体" panose="02010609060101010101" pitchFamily="49" charset="-122"/>
+                </a:rPr>
+                <a:t>规定时间内（</a:t>
+              </a:r>
+              <a:r>
+                <a:rPr lang="en-US" altLang="zh-CN" dirty="0">
+                  <a:solidFill>
+                    <a:srgbClr val="FF0000"/>
+                  </a:solidFill>
+                  <a:latin typeface="黑体" panose="02010609060101010101" pitchFamily="49" charset="-122"/>
+                  <a:ea typeface="黑体" panose="02010609060101010101" pitchFamily="49" charset="-122"/>
+                </a:rPr>
+                <a:t>15s</a:t>
+              </a:r>
+              <a:r>
+                <a:rPr lang="zh-CN" altLang="en-US" dirty="0">
+                  <a:solidFill>
+                    <a:srgbClr val="FF0000"/>
+                  </a:solidFill>
+                  <a:latin typeface="黑体" panose="02010609060101010101" pitchFamily="49" charset="-122"/>
+                  <a:ea typeface="黑体" panose="02010609060101010101" pitchFamily="49" charset="-122"/>
+                </a:rPr>
+                <a:t>）</a:t>
               </a:r>
               <a:r>
                 <a:rPr lang="zh-CN" altLang="en-US" dirty="0">
@@ -4184,23 +10489,20 @@
                   <a:latin typeface="黑体" panose="02010609060101010101" pitchFamily="49" charset="-122"/>
                   <a:ea typeface="黑体" panose="02010609060101010101" pitchFamily="49" charset="-122"/>
                 </a:rPr>
-                <a:t>，只有多抓羊，你们才能拿到更高的分数</a:t>
-              </a:r>
-            </a:p>
-            <a:p>
-              <a:pPr>
-                <a:lnSpc>
-                  <a:spcPct val="150000"/>
-                </a:lnSpc>
-                <a:spcBef>
-                  <a:spcPts val="200"/>
-                </a:spcBef>
-                <a:spcAft>
-                  <a:spcPts val="200"/>
-                </a:spcAft>
-              </a:pPr>
-              <a:r>
-                <a:rPr lang="en-US" altLang="zh-CN" dirty="0">
+                <a:t>抓住屏幕中跑动的羊（</a:t>
+              </a:r>
+              <a:r>
+                <a:rPr lang="zh-CN" altLang="en-US" dirty="0">
+                  <a:solidFill>
+                    <a:srgbClr val="0070C0"/>
+                  </a:solidFill>
+                  <a:latin typeface="黑体" panose="02010609060101010101" pitchFamily="49" charset="-122"/>
+                  <a:ea typeface="黑体" panose="02010609060101010101" pitchFamily="49" charset="-122"/>
+                </a:rPr>
+                <a:t>蓝色小球</a:t>
+              </a:r>
+              <a:r>
+                <a:rPr lang="zh-CN" altLang="en-US" dirty="0">
                   <a:solidFill>
                     <a:schemeClr val="bg1">
                       <a:lumMod val="95000"/>
@@ -4209,29 +10511,7 @@
                   <a:latin typeface="黑体" panose="02010609060101010101" pitchFamily="49" charset="-122"/>
                   <a:ea typeface="黑体" panose="02010609060101010101" pitchFamily="49" charset="-122"/>
                 </a:rPr>
-                <a:t>3</a:t>
-              </a:r>
-              <a:r>
-                <a:rPr lang="zh-CN" altLang="en-US" dirty="0">
-                  <a:solidFill>
-                    <a:schemeClr val="bg1">
-                      <a:lumMod val="95000"/>
-                    </a:schemeClr>
-                  </a:solidFill>
-                  <a:latin typeface="黑体" panose="02010609060101010101" pitchFamily="49" charset="-122"/>
-                  <a:ea typeface="黑体" panose="02010609060101010101" pitchFamily="49" charset="-122"/>
-                </a:rPr>
                 <a:t>）</a:t>
-              </a:r>
-              <a:r>
-                <a:rPr lang="zh-CN" altLang="en-US" dirty="0">
-                  <a:solidFill>
-                    <a:srgbClr val="92D050"/>
-                  </a:solidFill>
-                  <a:latin typeface="黑体" panose="02010609060101010101" pitchFamily="49" charset="-122"/>
-                  <a:ea typeface="黑体" panose="02010609060101010101" pitchFamily="49" charset="-122"/>
-                </a:rPr>
-                <a:t>实验报酬和分数相关</a:t>
               </a:r>
               <a:endParaRPr lang="en-US" altLang="zh-CN" dirty="0">
                 <a:solidFill>
@@ -4256,7 +10536,7 @@
                 </a:spcAft>
               </a:pPr>
               <a:r>
-                <a:rPr lang="zh-CN" altLang="en-US" dirty="0">
+                <a:rPr lang="en-US" altLang="zh-CN" dirty="0">
                   <a:solidFill>
                     <a:schemeClr val="bg1">
                       <a:lumMod val="95000"/>
@@ -4265,17 +10545,7 @@
                   <a:latin typeface="黑体" panose="02010609060101010101" pitchFamily="49" charset="-122"/>
                   <a:ea typeface="黑体" panose="02010609060101010101" pitchFamily="49" charset="-122"/>
                 </a:rPr>
-                <a:t>明确自己的任务后，请按</a:t>
-              </a:r>
-              <a:r>
-                <a:rPr lang="zh-CN" altLang="en-US" dirty="0">
-                  <a:solidFill>
-                    <a:srgbClr val="92D050"/>
-                  </a:solidFill>
-                  <a:latin typeface="黑体" panose="02010609060101010101" pitchFamily="49" charset="-122"/>
-                  <a:ea typeface="黑体" panose="02010609060101010101" pitchFamily="49" charset="-122"/>
-                </a:rPr>
-                <a:t>空格键</a:t>
+                <a:t>2</a:t>
               </a:r>
               <a:r>
                 <a:rPr lang="zh-CN" altLang="en-US" dirty="0">
@@ -4287,7 +10557,141 @@
                   <a:latin typeface="黑体" panose="02010609060101010101" pitchFamily="49" charset="-122"/>
                   <a:ea typeface="黑体" panose="02010609060101010101" pitchFamily="49" charset="-122"/>
                 </a:rPr>
-                <a:t>开始实验吧</a:t>
+                <a:t>）</a:t>
+              </a:r>
+              <a:r>
+                <a:rPr lang="zh-CN" altLang="en-US" dirty="0">
+                  <a:solidFill>
+                    <a:srgbClr val="FF0000"/>
+                  </a:solidFill>
+                  <a:latin typeface="黑体" panose="02010609060101010101" pitchFamily="49" charset="-122"/>
+                  <a:ea typeface="黑体" panose="02010609060101010101" pitchFamily="49" charset="-122"/>
+                </a:rPr>
+                <a:t>每抓到一只羊</a:t>
+              </a:r>
+              <a:r>
+                <a:rPr lang="zh-CN" altLang="en-US" dirty="0">
+                  <a:solidFill>
+                    <a:schemeClr val="bg1">
+                      <a:lumMod val="95000"/>
+                    </a:schemeClr>
+                  </a:solidFill>
+                  <a:latin typeface="黑体" panose="02010609060101010101" pitchFamily="49" charset="-122"/>
+                  <a:ea typeface="黑体" panose="02010609060101010101" pitchFamily="49" charset="-122"/>
+                </a:rPr>
+                <a:t>或</a:t>
+              </a:r>
+              <a:r>
+                <a:rPr lang="en-US" altLang="zh-CN" dirty="0">
+                  <a:solidFill>
+                    <a:srgbClr val="FF0000"/>
+                  </a:solidFill>
+                  <a:latin typeface="黑体" panose="02010609060101010101" pitchFamily="49" charset="-122"/>
+                  <a:ea typeface="黑体" panose="02010609060101010101" pitchFamily="49" charset="-122"/>
+                </a:rPr>
+                <a:t>15s</a:t>
+              </a:r>
+              <a:r>
+                <a:rPr lang="zh-CN" altLang="en-US" dirty="0">
+                  <a:solidFill>
+                    <a:srgbClr val="FF0000"/>
+                  </a:solidFill>
+                  <a:latin typeface="黑体" panose="02010609060101010101" pitchFamily="49" charset="-122"/>
+                  <a:ea typeface="黑体" panose="02010609060101010101" pitchFamily="49" charset="-122"/>
+                </a:rPr>
+                <a:t>内两名玩家均未抓到羊</a:t>
+              </a:r>
+              <a:r>
+                <a:rPr lang="zh-CN" altLang="en-US" dirty="0">
+                  <a:solidFill>
+                    <a:schemeClr val="bg1">
+                      <a:lumMod val="95000"/>
+                    </a:schemeClr>
+                  </a:solidFill>
+                  <a:latin typeface="黑体" panose="02010609060101010101" pitchFamily="49" charset="-122"/>
+                  <a:ea typeface="黑体" panose="02010609060101010101" pitchFamily="49" charset="-122"/>
+                </a:rPr>
+                <a:t>，则立即进入下一轮游戏。此时游戏界面刷新，两名玩家的位置也会刷新</a:t>
+              </a:r>
+              <a:endParaRPr lang="en-US" altLang="zh-CN" dirty="0">
+                <a:solidFill>
+                  <a:schemeClr val="bg1">
+                    <a:lumMod val="95000"/>
+                  </a:schemeClr>
+                </a:solidFill>
+                <a:latin typeface="黑体" panose="02010609060101010101" pitchFamily="49" charset="-122"/>
+                <a:ea typeface="黑体" panose="02010609060101010101" pitchFamily="49" charset="-122"/>
+              </a:endParaRPr>
+            </a:p>
+            <a:p>
+              <a:pPr>
+                <a:lnSpc>
+                  <a:spcPct val="150000"/>
+                </a:lnSpc>
+                <a:spcBef>
+                  <a:spcPts val="200"/>
+                </a:spcBef>
+                <a:spcAft>
+                  <a:spcPts val="200"/>
+                </a:spcAft>
+              </a:pPr>
+              <a:r>
+                <a:rPr lang="en-US" altLang="zh-CN" dirty="0">
+                  <a:solidFill>
+                    <a:schemeClr val="bg1">
+                      <a:lumMod val="95000"/>
+                    </a:schemeClr>
+                  </a:solidFill>
+                  <a:latin typeface="黑体" panose="02010609060101010101" pitchFamily="49" charset="-122"/>
+                  <a:ea typeface="黑体" panose="02010609060101010101" pitchFamily="49" charset="-122"/>
+                </a:rPr>
+                <a:t>3</a:t>
+              </a:r>
+              <a:r>
+                <a:rPr lang="zh-CN" altLang="en-US" dirty="0">
+                  <a:solidFill>
+                    <a:schemeClr val="bg1">
+                      <a:lumMod val="95000"/>
+                    </a:schemeClr>
+                  </a:solidFill>
+                  <a:latin typeface="黑体" panose="02010609060101010101" pitchFamily="49" charset="-122"/>
+                  <a:ea typeface="黑体" panose="02010609060101010101" pitchFamily="49" charset="-122"/>
+                </a:rPr>
+                <a:t>）实验报酬和最终总分数相关</a:t>
+              </a:r>
+              <a:endParaRPr lang="en-US" altLang="zh-CN" dirty="0">
+                <a:solidFill>
+                  <a:schemeClr val="bg1">
+                    <a:lumMod val="95000"/>
+                  </a:schemeClr>
+                </a:solidFill>
+                <a:latin typeface="黑体" panose="02010609060101010101" pitchFamily="49" charset="-122"/>
+                <a:ea typeface="黑体" panose="02010609060101010101" pitchFamily="49" charset="-122"/>
+              </a:endParaRPr>
+            </a:p>
+            <a:p>
+              <a:pPr algn="ctr">
+                <a:lnSpc>
+                  <a:spcPct val="150000"/>
+                </a:lnSpc>
+                <a:spcBef>
+                  <a:spcPts val="200"/>
+                </a:spcBef>
+                <a:spcAft>
+                  <a:spcPts val="200"/>
+                </a:spcAft>
+              </a:pPr>
+              <a:r>
+                <a:rPr lang="zh-CN" altLang="en-US" dirty="0">
+                  <a:solidFill>
+                    <a:schemeClr val="bg1">
+                      <a:lumMod val="95000"/>
+                    </a:schemeClr>
+                  </a:solidFill>
+                  <a:latin typeface="黑体" panose="02010609060101010101" pitchFamily="49" charset="-122"/>
+                  <a:ea typeface="黑体" panose="02010609060101010101" pitchFamily="49" charset="-122"/>
+                </a:rPr>
+                <a:t>明确自己的任务后，请示意主试开始实验吧。</a:t>
               </a:r>
             </a:p>
           </p:txBody>
@@ -4314,8 +10718,8 @@
           </p:blipFill>
           <p:spPr>
             <a:xfrm>
-              <a:off x="4666129" y="2475318"/>
-              <a:ext cx="1721223" cy="1393579"/>
+              <a:off x="4039355" y="1705297"/>
+              <a:ext cx="2251866" cy="1823211"/>
             </a:xfrm>
             <a:prstGeom prst="rect">
               <a:avLst/>
@@ -4330,8 +10734,8 @@
           </p:nvSpPr>
           <p:spPr>
             <a:xfrm>
-              <a:off x="4847664" y="2714908"/>
-              <a:ext cx="524436" cy="457200"/>
+              <a:off x="4274678" y="1998675"/>
+              <a:ext cx="647394" cy="598152"/>
             </a:xfrm>
             <a:prstGeom prst="ellipse">
               <a:avLst/>
@@ -4372,7 +10776,7 @@
     </p:spTree>
     <p:extLst>
       <p:ext uri="{BB962C8B-B14F-4D97-AF65-F5344CB8AC3E}">
-        <p14:creationId xmlns:p14="http://schemas.microsoft.com/office/powerpoint/2010/main" val="1341510870"/>
+        <p14:creationId xmlns:p14="http://schemas.microsoft.com/office/powerpoint/2010/main" val="2346977452"/>
       </p:ext>
     </p:extLst>
   </p:cSld>
@@ -4382,618 +10786,7 @@
 </p:sld>
 </file>
 
-<file path=ppt/slides/slide2.xml><?xml version="1.0" encoding="utf-8"?>
-<p:sld xmlns:a="http://schemas.openxmlformats.org/drawingml/2006/main" xmlns:r="http://schemas.openxmlformats.org/officeDocument/2006/relationships" xmlns:p="http://schemas.openxmlformats.org/presentationml/2006/main">
-  <p:cSld>
-    <p:spTree>
-      <p:nvGrpSpPr>
-        <p:cNvPr id="1" name=""/>
-        <p:cNvGrpSpPr/>
-        <p:nvPr/>
-      </p:nvGrpSpPr>
-      <p:grpSpPr>
-        <a:xfrm>
-          <a:off x="0" y="0"/>
-          <a:ext cx="0" cy="0"/>
-          <a:chOff x="0" y="0"/>
-          <a:chExt cx="0" cy="0"/>
-        </a:xfrm>
-      </p:grpSpPr>
-      <p:grpSp>
-        <p:nvGrpSpPr>
-          <p:cNvPr id="2" name="组合 1"/>
-          <p:cNvGrpSpPr/>
-          <p:nvPr/>
-        </p:nvGrpSpPr>
-        <p:grpSpPr>
-          <a:xfrm>
-            <a:off x="887506" y="416859"/>
-            <a:ext cx="8767482" cy="6131859"/>
-            <a:chOff x="887506" y="416859"/>
-            <a:chExt cx="8767482" cy="6131859"/>
-          </a:xfrm>
-        </p:grpSpPr>
-        <p:sp>
-          <p:nvSpPr>
-            <p:cNvPr id="4" name="矩形 3"/>
-            <p:cNvSpPr/>
-            <p:nvPr/>
-          </p:nvSpPr>
-          <p:spPr>
-            <a:xfrm>
-              <a:off x="887506" y="416859"/>
-              <a:ext cx="8767482" cy="6131859"/>
-            </a:xfrm>
-            <a:prstGeom prst="rect">
-              <a:avLst/>
-            </a:prstGeom>
-            <a:solidFill>
-              <a:schemeClr val="bg2">
-                <a:lumMod val="25000"/>
-              </a:schemeClr>
-            </a:solidFill>
-            <a:ln>
-              <a:noFill/>
-            </a:ln>
-          </p:spPr>
-          <p:style>
-            <a:lnRef idx="3">
-              <a:schemeClr val="lt1"/>
-            </a:lnRef>
-            <a:fillRef idx="1">
-              <a:schemeClr val="accent3"/>
-            </a:fillRef>
-            <a:effectRef idx="1">
-              <a:schemeClr val="accent3"/>
-            </a:effectRef>
-            <a:fontRef idx="minor">
-              <a:schemeClr val="lt1"/>
-            </a:fontRef>
-          </p:style>
-          <p:txBody>
-            <a:bodyPr rtlCol="0" anchor="ctr"/>
-            <a:lstStyle/>
-            <a:p>
-              <a:pPr>
-                <a:lnSpc>
-                  <a:spcPct val="150000"/>
-                </a:lnSpc>
-                <a:spcBef>
-                  <a:spcPts val="200"/>
-                </a:spcBef>
-                <a:spcAft>
-                  <a:spcPts val="200"/>
-                </a:spcAft>
-              </a:pPr>
-              <a:endParaRPr lang="zh-CN" altLang="en-US" sz="2000" dirty="0">
-                <a:latin typeface="黑体" panose="02010609060101010101" pitchFamily="49" charset="-122"/>
-                <a:ea typeface="黑体" panose="02010609060101010101" pitchFamily="49" charset="-122"/>
-              </a:endParaRPr>
-            </a:p>
-          </p:txBody>
-        </p:sp>
-        <p:sp>
-          <p:nvSpPr>
-            <p:cNvPr id="3" name="文本框 2"/>
-            <p:cNvSpPr txBox="1"/>
-            <p:nvPr/>
-          </p:nvSpPr>
-          <p:spPr>
-            <a:xfrm>
-              <a:off x="1257300" y="726389"/>
-              <a:ext cx="7879976" cy="5488682"/>
-            </a:xfrm>
-            <a:prstGeom prst="rect">
-              <a:avLst/>
-            </a:prstGeom>
-            <a:noFill/>
-          </p:spPr>
-          <p:txBody>
-            <a:bodyPr wrap="square" rtlCol="0">
-              <a:spAutoFit/>
-            </a:bodyPr>
-            <a:lstStyle/>
-            <a:p>
-              <a:pPr>
-                <a:lnSpc>
-                  <a:spcPct val="150000"/>
-                </a:lnSpc>
-                <a:spcBef>
-                  <a:spcPts val="200"/>
-                </a:spcBef>
-                <a:spcAft>
-                  <a:spcPts val="200"/>
-                </a:spcAft>
-              </a:pPr>
-              <a:r>
-                <a:rPr lang="zh-CN" altLang="en-US" dirty="0">
-                  <a:solidFill>
-                    <a:schemeClr val="bg1">
-                      <a:lumMod val="95000"/>
-                    </a:schemeClr>
-                  </a:solidFill>
-                  <a:latin typeface="黑体" panose="02010609060101010101" pitchFamily="49" charset="-122"/>
-                  <a:ea typeface="黑体" panose="02010609060101010101" pitchFamily="49" charset="-122"/>
-                </a:rPr>
-                <a:t>您好，欢迎参与“狼追羊”游戏！</a:t>
-              </a:r>
-              <a:endParaRPr lang="en-US" altLang="zh-CN" dirty="0">
-                <a:solidFill>
-                  <a:schemeClr val="bg1">
-                    <a:lumMod val="95000"/>
-                  </a:schemeClr>
-                </a:solidFill>
-                <a:latin typeface="黑体" panose="02010609060101010101" pitchFamily="49" charset="-122"/>
-                <a:ea typeface="黑体" panose="02010609060101010101" pitchFamily="49" charset="-122"/>
-              </a:endParaRPr>
-            </a:p>
-            <a:p>
-              <a:pPr>
-                <a:lnSpc>
-                  <a:spcPct val="150000"/>
-                </a:lnSpc>
-                <a:spcBef>
-                  <a:spcPts val="200"/>
-                </a:spcBef>
-                <a:spcAft>
-                  <a:spcPts val="200"/>
-                </a:spcAft>
-              </a:pPr>
-              <a:r>
-                <a:rPr lang="zh-CN" altLang="en-US" dirty="0">
-                  <a:solidFill>
-                    <a:schemeClr val="bg1">
-                      <a:lumMod val="95000"/>
-                    </a:schemeClr>
-                  </a:solidFill>
-                  <a:latin typeface="黑体" panose="02010609060101010101" pitchFamily="49" charset="-122"/>
-                  <a:ea typeface="黑体" panose="02010609060101010101" pitchFamily="49" charset="-122"/>
-                </a:rPr>
-                <a:t>在本游戏中，您与另一玩家将扮演狼（</a:t>
-              </a:r>
-              <a:r>
-                <a:rPr lang="zh-CN" altLang="en-US" dirty="0">
-                  <a:solidFill>
-                    <a:srgbClr val="FFC000"/>
-                  </a:solidFill>
-                  <a:latin typeface="黑体" panose="02010609060101010101" pitchFamily="49" charset="-122"/>
-                  <a:ea typeface="黑体" panose="02010609060101010101" pitchFamily="49" charset="-122"/>
-                </a:rPr>
-                <a:t>您：橙色小球</a:t>
-              </a:r>
-              <a:r>
-                <a:rPr lang="zh-CN" altLang="en-US" dirty="0">
-                  <a:solidFill>
-                    <a:schemeClr val="bg1">
-                      <a:lumMod val="95000"/>
-                    </a:schemeClr>
-                  </a:solidFill>
-                  <a:latin typeface="黑体" panose="02010609060101010101" pitchFamily="49" charset="-122"/>
-                  <a:ea typeface="黑体" panose="02010609060101010101" pitchFamily="49" charset="-122"/>
-                </a:rPr>
-                <a:t>，</a:t>
-              </a:r>
-              <a:r>
-                <a:rPr lang="zh-CN" altLang="en-US" dirty="0">
-                  <a:solidFill>
-                    <a:srgbClr val="FF0000"/>
-                  </a:solidFill>
-                  <a:latin typeface="黑体" panose="02010609060101010101" pitchFamily="49" charset="-122"/>
-                  <a:ea typeface="黑体" panose="02010609060101010101" pitchFamily="49" charset="-122"/>
-                </a:rPr>
-                <a:t>另一玩家：红色小球</a:t>
-              </a:r>
-              <a:r>
-                <a:rPr lang="zh-CN" altLang="en-US" dirty="0">
-                  <a:solidFill>
-                    <a:schemeClr val="bg1">
-                      <a:lumMod val="95000"/>
-                    </a:schemeClr>
-                  </a:solidFill>
-                  <a:latin typeface="黑体" panose="02010609060101010101" pitchFamily="49" charset="-122"/>
-                  <a:ea typeface="黑体" panose="02010609060101010101" pitchFamily="49" charset="-122"/>
-                </a:rPr>
-                <a:t>），你们的任务是尽量多抓住羊（</a:t>
-              </a:r>
-              <a:r>
-                <a:rPr lang="zh-CN" altLang="en-US" dirty="0">
-                  <a:solidFill>
-                    <a:srgbClr val="0070C0"/>
-                  </a:solidFill>
-                  <a:latin typeface="黑体" panose="02010609060101010101" pitchFamily="49" charset="-122"/>
-                  <a:ea typeface="黑体" panose="02010609060101010101" pitchFamily="49" charset="-122"/>
-                </a:rPr>
-                <a:t>蓝色小球</a:t>
-              </a:r>
-              <a:r>
-                <a:rPr lang="zh-CN" altLang="en-US" dirty="0">
-                  <a:solidFill>
-                    <a:schemeClr val="bg1">
-                      <a:lumMod val="95000"/>
-                    </a:schemeClr>
-                  </a:solidFill>
-                  <a:latin typeface="黑体" panose="02010609060101010101" pitchFamily="49" charset="-122"/>
-                  <a:ea typeface="黑体" panose="02010609060101010101" pitchFamily="49" charset="-122"/>
-                </a:rPr>
-                <a:t>），屏幕上方显示了你们的目前得分。您可以通过操纵游戏手柄左上角的遥杆来控制狼的移动</a:t>
-              </a:r>
-              <a:endParaRPr lang="en-US" altLang="zh-CN" dirty="0">
-                <a:solidFill>
-                  <a:schemeClr val="bg1">
-                    <a:lumMod val="95000"/>
-                  </a:schemeClr>
-                </a:solidFill>
-                <a:latin typeface="黑体" panose="02010609060101010101" pitchFamily="49" charset="-122"/>
-                <a:ea typeface="黑体" panose="02010609060101010101" pitchFamily="49" charset="-122"/>
-              </a:endParaRPr>
-            </a:p>
-            <a:p>
-              <a:pPr>
-                <a:lnSpc>
-                  <a:spcPct val="150000"/>
-                </a:lnSpc>
-                <a:spcBef>
-                  <a:spcPts val="200"/>
-                </a:spcBef>
-                <a:spcAft>
-                  <a:spcPts val="200"/>
-                </a:spcAft>
-              </a:pPr>
-              <a:endParaRPr lang="en-US" altLang="zh-CN" dirty="0">
-                <a:solidFill>
-                  <a:schemeClr val="bg1">
-                    <a:lumMod val="95000"/>
-                  </a:schemeClr>
-                </a:solidFill>
-                <a:latin typeface="黑体" panose="02010609060101010101" pitchFamily="49" charset="-122"/>
-                <a:ea typeface="黑体" panose="02010609060101010101" pitchFamily="49" charset="-122"/>
-              </a:endParaRPr>
-            </a:p>
-            <a:p>
-              <a:pPr>
-                <a:lnSpc>
-                  <a:spcPct val="150000"/>
-                </a:lnSpc>
-                <a:spcBef>
-                  <a:spcPts val="200"/>
-                </a:spcBef>
-                <a:spcAft>
-                  <a:spcPts val="200"/>
-                </a:spcAft>
-              </a:pPr>
-              <a:endParaRPr lang="en-US" altLang="zh-CN" dirty="0">
-                <a:solidFill>
-                  <a:schemeClr val="bg1">
-                    <a:lumMod val="95000"/>
-                  </a:schemeClr>
-                </a:solidFill>
-                <a:latin typeface="黑体" panose="02010609060101010101" pitchFamily="49" charset="-122"/>
-                <a:ea typeface="黑体" panose="02010609060101010101" pitchFamily="49" charset="-122"/>
-              </a:endParaRPr>
-            </a:p>
-            <a:p>
-              <a:pPr>
-                <a:lnSpc>
-                  <a:spcPct val="150000"/>
-                </a:lnSpc>
-                <a:spcBef>
-                  <a:spcPts val="200"/>
-                </a:spcBef>
-                <a:spcAft>
-                  <a:spcPts val="200"/>
-                </a:spcAft>
-              </a:pPr>
-              <a:endParaRPr lang="en-US" altLang="zh-CN" dirty="0">
-                <a:solidFill>
-                  <a:schemeClr val="bg1">
-                    <a:lumMod val="95000"/>
-                  </a:schemeClr>
-                </a:solidFill>
-                <a:latin typeface="黑体" panose="02010609060101010101" pitchFamily="49" charset="-122"/>
-                <a:ea typeface="黑体" panose="02010609060101010101" pitchFamily="49" charset="-122"/>
-              </a:endParaRPr>
-            </a:p>
-            <a:p>
-              <a:pPr>
-                <a:lnSpc>
-                  <a:spcPct val="150000"/>
-                </a:lnSpc>
-                <a:spcBef>
-                  <a:spcPts val="200"/>
-                </a:spcBef>
-                <a:spcAft>
-                  <a:spcPts val="200"/>
-                </a:spcAft>
-              </a:pPr>
-              <a:r>
-                <a:rPr lang="en-US" altLang="zh-CN" dirty="0">
-                  <a:solidFill>
-                    <a:schemeClr val="bg1">
-                      <a:lumMod val="95000"/>
-                    </a:schemeClr>
-                  </a:solidFill>
-                  <a:latin typeface="黑体" panose="02010609060101010101" pitchFamily="49" charset="-122"/>
-                  <a:ea typeface="黑体" panose="02010609060101010101" pitchFamily="49" charset="-122"/>
-                </a:rPr>
-                <a:t>1</a:t>
-              </a:r>
-              <a:r>
-                <a:rPr lang="zh-CN" altLang="en-US" dirty="0">
-                  <a:solidFill>
-                    <a:schemeClr val="bg1">
-                      <a:lumMod val="95000"/>
-                    </a:schemeClr>
-                  </a:solidFill>
-                  <a:latin typeface="黑体" panose="02010609060101010101" pitchFamily="49" charset="-122"/>
-                  <a:ea typeface="黑体" panose="02010609060101010101" pitchFamily="49" charset="-122"/>
-                </a:rPr>
-                <a:t>）每抓到一只羊，游戏界面刷新，两位玩家的位置也会刷新</a:t>
-              </a:r>
-              <a:endParaRPr lang="en-US" altLang="zh-CN" dirty="0">
-                <a:solidFill>
-                  <a:schemeClr val="bg1">
-                    <a:lumMod val="95000"/>
-                  </a:schemeClr>
-                </a:solidFill>
-                <a:latin typeface="黑体" panose="02010609060101010101" pitchFamily="49" charset="-122"/>
-                <a:ea typeface="黑体" panose="02010609060101010101" pitchFamily="49" charset="-122"/>
-              </a:endParaRPr>
-            </a:p>
-            <a:p>
-              <a:pPr>
-                <a:lnSpc>
-                  <a:spcPct val="150000"/>
-                </a:lnSpc>
-                <a:spcBef>
-                  <a:spcPts val="200"/>
-                </a:spcBef>
-                <a:spcAft>
-                  <a:spcPts val="200"/>
-                </a:spcAft>
-              </a:pPr>
-              <a:r>
-                <a:rPr lang="en-US" altLang="zh-CN" dirty="0">
-                  <a:solidFill>
-                    <a:schemeClr val="bg1">
-                      <a:lumMod val="95000"/>
-                    </a:schemeClr>
-                  </a:solidFill>
-                  <a:latin typeface="黑体" panose="02010609060101010101" pitchFamily="49" charset="-122"/>
-                  <a:ea typeface="黑体" panose="02010609060101010101" pitchFamily="49" charset="-122"/>
-                </a:rPr>
-                <a:t>2</a:t>
-              </a:r>
-              <a:r>
-                <a:rPr lang="zh-CN" altLang="en-US" dirty="0">
-                  <a:solidFill>
-                    <a:schemeClr val="bg1">
-                      <a:lumMod val="95000"/>
-                    </a:schemeClr>
-                  </a:solidFill>
-                  <a:latin typeface="黑体" panose="02010609060101010101" pitchFamily="49" charset="-122"/>
-                  <a:ea typeface="黑体" panose="02010609060101010101" pitchFamily="49" charset="-122"/>
-                </a:rPr>
-                <a:t>）抓到一只羊计一分。由于</a:t>
-              </a:r>
-              <a:r>
-                <a:rPr lang="zh-CN" altLang="en-US" dirty="0">
-                  <a:solidFill>
-                    <a:srgbClr val="92D050"/>
-                  </a:solidFill>
-                  <a:latin typeface="黑体" panose="02010609060101010101" pitchFamily="49" charset="-122"/>
-                  <a:ea typeface="黑体" panose="02010609060101010101" pitchFamily="49" charset="-122"/>
-                </a:rPr>
-                <a:t>游戏时间是有限的</a:t>
-              </a:r>
-              <a:r>
-                <a:rPr lang="zh-CN" altLang="en-US" dirty="0">
-                  <a:solidFill>
-                    <a:schemeClr val="bg1">
-                      <a:lumMod val="95000"/>
-                    </a:schemeClr>
-                  </a:solidFill>
-                  <a:latin typeface="黑体" panose="02010609060101010101" pitchFamily="49" charset="-122"/>
-                  <a:ea typeface="黑体" panose="02010609060101010101" pitchFamily="49" charset="-122"/>
-                </a:rPr>
-                <a:t>，只有多抓羊，你们才能拿到更高的分数</a:t>
-              </a:r>
-            </a:p>
-            <a:p>
-              <a:pPr>
-                <a:lnSpc>
-                  <a:spcPct val="150000"/>
-                </a:lnSpc>
-                <a:spcBef>
-                  <a:spcPts val="200"/>
-                </a:spcBef>
-                <a:spcAft>
-                  <a:spcPts val="200"/>
-                </a:spcAft>
-              </a:pPr>
-              <a:r>
-                <a:rPr lang="en-US" altLang="zh-CN" dirty="0">
-                  <a:solidFill>
-                    <a:schemeClr val="bg1">
-                      <a:lumMod val="95000"/>
-                    </a:schemeClr>
-                  </a:solidFill>
-                  <a:latin typeface="黑体" panose="02010609060101010101" pitchFamily="49" charset="-122"/>
-                  <a:ea typeface="黑体" panose="02010609060101010101" pitchFamily="49" charset="-122"/>
-                </a:rPr>
-                <a:t>3</a:t>
-              </a:r>
-              <a:r>
-                <a:rPr lang="zh-CN" altLang="en-US" dirty="0">
-                  <a:solidFill>
-                    <a:schemeClr val="bg1">
-                      <a:lumMod val="95000"/>
-                    </a:schemeClr>
-                  </a:solidFill>
-                  <a:latin typeface="黑体" panose="02010609060101010101" pitchFamily="49" charset="-122"/>
-                  <a:ea typeface="黑体" panose="02010609060101010101" pitchFamily="49" charset="-122"/>
-                </a:rPr>
-                <a:t>）</a:t>
-              </a:r>
-              <a:r>
-                <a:rPr lang="zh-CN" altLang="en-US" dirty="0">
-                  <a:solidFill>
-                    <a:srgbClr val="92D050"/>
-                  </a:solidFill>
-                  <a:latin typeface="黑体" panose="02010609060101010101" pitchFamily="49" charset="-122"/>
-                  <a:ea typeface="黑体" panose="02010609060101010101" pitchFamily="49" charset="-122"/>
-                </a:rPr>
-                <a:t>实验报酬和分数相关</a:t>
-              </a:r>
-              <a:endParaRPr lang="en-US" altLang="zh-CN" dirty="0">
-                <a:solidFill>
-                  <a:schemeClr val="bg1">
-                    <a:lumMod val="95000"/>
-                  </a:schemeClr>
-                </a:solidFill>
-                <a:latin typeface="黑体" panose="02010609060101010101" pitchFamily="49" charset="-122"/>
-                <a:ea typeface="黑体" panose="02010609060101010101" pitchFamily="49" charset="-122"/>
-              </a:endParaRPr>
-            </a:p>
-            <a:p>
-              <a:pPr>
-                <a:lnSpc>
-                  <a:spcPct val="150000"/>
-                </a:lnSpc>
-                <a:spcBef>
-                  <a:spcPts val="200"/>
-                </a:spcBef>
-                <a:spcAft>
-                  <a:spcPts val="200"/>
-                </a:spcAft>
-              </a:pPr>
-              <a:r>
-                <a:rPr lang="zh-CN" altLang="en-US" dirty="0">
-                  <a:solidFill>
-                    <a:schemeClr val="bg1">
-                      <a:lumMod val="95000"/>
-                    </a:schemeClr>
-                  </a:solidFill>
-                  <a:latin typeface="黑体" panose="02010609060101010101" pitchFamily="49" charset="-122"/>
-                  <a:ea typeface="黑体" panose="02010609060101010101" pitchFamily="49" charset="-122"/>
-                </a:rPr>
-                <a:t>明确自己的任务后，请按</a:t>
-              </a:r>
-              <a:r>
-                <a:rPr lang="zh-CN" altLang="en-US" dirty="0">
-                  <a:solidFill>
-                    <a:srgbClr val="92D050"/>
-                  </a:solidFill>
-                  <a:latin typeface="黑体" panose="02010609060101010101" pitchFamily="49" charset="-122"/>
-                  <a:ea typeface="黑体" panose="02010609060101010101" pitchFamily="49" charset="-122"/>
-                </a:rPr>
-                <a:t>空格键</a:t>
-              </a:r>
-              <a:r>
-                <a:rPr lang="zh-CN" altLang="en-US" dirty="0">
-                  <a:solidFill>
-                    <a:schemeClr val="bg1">
-                      <a:lumMod val="95000"/>
-                    </a:schemeClr>
-                  </a:solidFill>
-                  <a:latin typeface="黑体" panose="02010609060101010101" pitchFamily="49" charset="-122"/>
-                  <a:ea typeface="黑体" panose="02010609060101010101" pitchFamily="49" charset="-122"/>
-                </a:rPr>
-                <a:t>开始实验吧</a:t>
-              </a:r>
-            </a:p>
-          </p:txBody>
-        </p:sp>
-        <p:pic>
-          <p:nvPicPr>
-            <p:cNvPr id="6" name="图片 5"/>
-            <p:cNvPicPr>
-              <a:picLocks noChangeAspect="1"/>
-            </p:cNvPicPr>
-            <p:nvPr/>
-          </p:nvPicPr>
-          <p:blipFill>
-            <a:blip r:embed="rId3" cstate="print">
-              <a:extLst>
-                <a:ext uri="{28A0092B-C50C-407E-A947-70E740481C1C}">
-                  <a14:useLocalDpi xmlns:a14="http://schemas.microsoft.com/office/drawing/2010/main" val="0"/>
-                </a:ext>
-              </a:extLst>
-            </a:blip>
-            <a:stretch>
-              <a:fillRect/>
-            </a:stretch>
-          </p:blipFill>
-          <p:spPr>
-            <a:xfrm>
-              <a:off x="4666129" y="2475318"/>
-              <a:ext cx="1721223" cy="1393579"/>
-            </a:xfrm>
-            <a:prstGeom prst="rect">
-              <a:avLst/>
-            </a:prstGeom>
-          </p:spPr>
-        </p:pic>
-        <p:sp>
-          <p:nvSpPr>
-            <p:cNvPr id="8" name="椭圆 7"/>
-            <p:cNvSpPr/>
-            <p:nvPr/>
-          </p:nvSpPr>
-          <p:spPr>
-            <a:xfrm>
-              <a:off x="4847664" y="2714908"/>
-              <a:ext cx="524436" cy="457200"/>
-            </a:xfrm>
-            <a:prstGeom prst="ellipse">
-              <a:avLst/>
-            </a:prstGeom>
-            <a:noFill/>
-            <a:ln w="57150">
-              <a:solidFill>
-                <a:srgbClr val="FF0000"/>
-              </a:solidFill>
-            </a:ln>
-          </p:spPr>
-          <p:style>
-            <a:lnRef idx="2">
-              <a:schemeClr val="accent1">
-                <a:shade val="50000"/>
-              </a:schemeClr>
-            </a:lnRef>
-            <a:fillRef idx="1">
-              <a:schemeClr val="accent1"/>
-            </a:fillRef>
-            <a:effectRef idx="0">
-              <a:schemeClr val="accent1"/>
-            </a:effectRef>
-            <a:fontRef idx="minor">
-              <a:schemeClr val="lt1"/>
-            </a:fontRef>
-          </p:style>
-          <p:txBody>
-            <a:bodyPr rtlCol="0" anchor="ctr"/>
-            <a:lstStyle/>
-            <a:p>
-              <a:pPr algn="ctr"/>
-              <a:endParaRPr lang="zh-CN" altLang="en-US"/>
-            </a:p>
-          </p:txBody>
-        </p:sp>
-      </p:grpSp>
-    </p:spTree>
-    <p:extLst>
-      <p:ext uri="{BB962C8B-B14F-4D97-AF65-F5344CB8AC3E}">
-        <p14:creationId xmlns:p14="http://schemas.microsoft.com/office/powerpoint/2010/main" val="630915555"/>
-      </p:ext>
-    </p:extLst>
-  </p:cSld>
-  <p:clrMapOvr>
-    <a:masterClrMapping/>
-  </p:clrMapOvr>
-</p:sld>
-</file>
-
-<file path=ppt/slides/slide3.xml><?xml version="1.0" encoding="utf-8"?>
+<file path=ppt/slides/slide9.xml><?xml version="1.0" encoding="utf-8"?>
 <p:sld xmlns:a="http://schemas.openxmlformats.org/drawingml/2006/main" xmlns:r="http://schemas.openxmlformats.org/officeDocument/2006/relationships" xmlns:p="http://schemas.openxmlformats.org/presentationml/2006/main">
   <p:cSld>
     <p:spTree>
@@ -5051,311 +10844,6 @@
           <a:bodyPr rtlCol="0" anchor="ctr"/>
           <a:lstStyle/>
           <a:p>
-            <a:pPr lvl="6">
-              <a:lnSpc>
-                <a:spcPct val="150000"/>
-              </a:lnSpc>
-            </a:pPr>
-            <a:r>
-              <a:rPr lang="zh-CN" altLang="en-US" sz="5400" b="1" dirty="0">
-                <a:latin typeface="黑体" panose="02010609060101010101" pitchFamily="49" charset="-122"/>
-                <a:ea typeface="黑体" panose="02010609060101010101" pitchFamily="49" charset="-122"/>
-              </a:rPr>
-              <a:t>联机中，</a:t>
-            </a:r>
-            <a:endParaRPr lang="en-US" altLang="zh-CN" sz="5400" b="1" dirty="0">
-              <a:latin typeface="黑体" panose="02010609060101010101" pitchFamily="49" charset="-122"/>
-              <a:ea typeface="黑体" panose="02010609060101010101" pitchFamily="49" charset="-122"/>
-            </a:endParaRPr>
-          </a:p>
-          <a:p>
-            <a:pPr lvl="6">
-              <a:lnSpc>
-                <a:spcPct val="150000"/>
-              </a:lnSpc>
-            </a:pPr>
-            <a:r>
-              <a:rPr lang="zh-CN" altLang="en-US" sz="5400" b="1" dirty="0">
-                <a:latin typeface="黑体" panose="02010609060101010101" pitchFamily="49" charset="-122"/>
-                <a:ea typeface="黑体" panose="02010609060101010101" pitchFamily="49" charset="-122"/>
-              </a:rPr>
-              <a:t>请稍等</a:t>
-            </a:r>
-            <a:r>
-              <a:rPr lang="en-US" altLang="zh-CN" sz="5400" b="1" dirty="0">
-                <a:latin typeface="黑体" panose="02010609060101010101" pitchFamily="49" charset="-122"/>
-                <a:ea typeface="黑体" panose="02010609060101010101" pitchFamily="49" charset="-122"/>
-              </a:rPr>
-              <a:t>……</a:t>
-            </a:r>
-            <a:endParaRPr lang="zh-CN" altLang="en-US" sz="5400" b="1" dirty="0">
-              <a:latin typeface="黑体" panose="02010609060101010101" pitchFamily="49" charset="-122"/>
-              <a:ea typeface="黑体" panose="02010609060101010101" pitchFamily="49" charset="-122"/>
-            </a:endParaRPr>
-          </a:p>
-        </p:txBody>
-      </p:sp>
-    </p:spTree>
-    <p:extLst>
-      <p:ext uri="{BB962C8B-B14F-4D97-AF65-F5344CB8AC3E}">
-        <p14:creationId xmlns:p14="http://schemas.microsoft.com/office/powerpoint/2010/main" val="3118970769"/>
-      </p:ext>
-    </p:extLst>
-  </p:cSld>
-  <p:clrMapOvr>
-    <a:masterClrMapping/>
-  </p:clrMapOvr>
-</p:sld>
-</file>
-
-<file path=ppt/slides/slide4.xml><?xml version="1.0" encoding="utf-8"?>
-<p:sld xmlns:a="http://schemas.openxmlformats.org/drawingml/2006/main" xmlns:r="http://schemas.openxmlformats.org/officeDocument/2006/relationships" xmlns:p="http://schemas.openxmlformats.org/presentationml/2006/main">
-  <p:cSld>
-    <p:spTree>
-      <p:nvGrpSpPr>
-        <p:cNvPr id="1" name=""/>
-        <p:cNvGrpSpPr/>
-        <p:nvPr/>
-      </p:nvGrpSpPr>
-      <p:grpSpPr>
-        <a:xfrm>
-          <a:off x="0" y="0"/>
-          <a:ext cx="0" cy="0"/>
-          <a:chOff x="0" y="0"/>
-          <a:chExt cx="0" cy="0"/>
-        </a:xfrm>
-      </p:grpSpPr>
-      <p:sp>
-        <p:nvSpPr>
-          <p:cNvPr id="4" name="矩形 3"/>
-          <p:cNvSpPr/>
-          <p:nvPr/>
-        </p:nvSpPr>
-        <p:spPr>
-          <a:xfrm>
-            <a:off x="887506" y="416859"/>
-            <a:ext cx="8767482" cy="6131859"/>
-          </a:xfrm>
-          <a:prstGeom prst="rect">
-            <a:avLst/>
-          </a:prstGeom>
-          <a:solidFill>
-            <a:schemeClr val="bg2">
-              <a:lumMod val="25000"/>
-            </a:schemeClr>
-          </a:solidFill>
-          <a:ln>
-            <a:noFill/>
-          </a:ln>
-        </p:spPr>
-        <p:style>
-          <a:lnRef idx="3">
-            <a:schemeClr val="lt1"/>
-          </a:lnRef>
-          <a:fillRef idx="1">
-            <a:schemeClr val="accent3"/>
-          </a:fillRef>
-          <a:effectRef idx="1">
-            <a:schemeClr val="accent3"/>
-          </a:effectRef>
-          <a:fontRef idx="minor">
-            <a:schemeClr val="lt1"/>
-          </a:fontRef>
-        </p:style>
-        <p:txBody>
-          <a:bodyPr rtlCol="0" anchor="ctr"/>
-          <a:lstStyle/>
-          <a:p>
-            <a:pPr lvl="5">
-              <a:lnSpc>
-                <a:spcPct val="150000"/>
-              </a:lnSpc>
-            </a:pPr>
-            <a:r>
-              <a:rPr lang="zh-CN" altLang="en-US" sz="5400" b="1" dirty="0">
-                <a:latin typeface="黑体" panose="02010609060101010101" pitchFamily="49" charset="-122"/>
-                <a:ea typeface="黑体" panose="02010609060101010101" pitchFamily="49" charset="-122"/>
-              </a:rPr>
-              <a:t>即将进入游戏</a:t>
-            </a:r>
-          </a:p>
-        </p:txBody>
-      </p:sp>
-    </p:spTree>
-    <p:extLst>
-      <p:ext uri="{BB962C8B-B14F-4D97-AF65-F5344CB8AC3E}">
-        <p14:creationId xmlns:p14="http://schemas.microsoft.com/office/powerpoint/2010/main" val="4180733590"/>
-      </p:ext>
-    </p:extLst>
-  </p:cSld>
-  <p:clrMapOvr>
-    <a:masterClrMapping/>
-  </p:clrMapOvr>
-</p:sld>
-</file>
-
-<file path=ppt/slides/slide5.xml><?xml version="1.0" encoding="utf-8"?>
-<p:sld xmlns:a="http://schemas.openxmlformats.org/drawingml/2006/main" xmlns:r="http://schemas.openxmlformats.org/officeDocument/2006/relationships" xmlns:p="http://schemas.openxmlformats.org/presentationml/2006/main">
-  <p:cSld>
-    <p:spTree>
-      <p:nvGrpSpPr>
-        <p:cNvPr id="1" name=""/>
-        <p:cNvGrpSpPr/>
-        <p:nvPr/>
-      </p:nvGrpSpPr>
-      <p:grpSpPr>
-        <a:xfrm>
-          <a:off x="0" y="0"/>
-          <a:ext cx="0" cy="0"/>
-          <a:chOff x="0" y="0"/>
-          <a:chExt cx="0" cy="0"/>
-        </a:xfrm>
-      </p:grpSpPr>
-      <p:sp>
-        <p:nvSpPr>
-          <p:cNvPr id="4" name="矩形 3"/>
-          <p:cNvSpPr/>
-          <p:nvPr/>
-        </p:nvSpPr>
-        <p:spPr>
-          <a:xfrm>
-            <a:off x="887506" y="416859"/>
-            <a:ext cx="8767482" cy="6131859"/>
-          </a:xfrm>
-          <a:prstGeom prst="rect">
-            <a:avLst/>
-          </a:prstGeom>
-          <a:solidFill>
-            <a:schemeClr val="bg2">
-              <a:lumMod val="25000"/>
-            </a:schemeClr>
-          </a:solidFill>
-          <a:ln>
-            <a:noFill/>
-          </a:ln>
-        </p:spPr>
-        <p:style>
-          <a:lnRef idx="3">
-            <a:schemeClr val="lt1"/>
-          </a:lnRef>
-          <a:fillRef idx="1">
-            <a:schemeClr val="accent3"/>
-          </a:fillRef>
-          <a:effectRef idx="1">
-            <a:schemeClr val="accent3"/>
-          </a:effectRef>
-          <a:fontRef idx="minor">
-            <a:schemeClr val="lt1"/>
-          </a:fontRef>
-        </p:style>
-        <p:txBody>
-          <a:bodyPr rtlCol="0" anchor="ctr"/>
-          <a:lstStyle/>
-          <a:p>
-            <a:pPr lvl="6">
-              <a:lnSpc>
-                <a:spcPct val="150000"/>
-              </a:lnSpc>
-            </a:pPr>
-            <a:r>
-              <a:rPr lang="zh-CN" altLang="en-US" sz="5400" b="1" dirty="0">
-                <a:latin typeface="黑体" panose="02010609060101010101" pitchFamily="49" charset="-122"/>
-                <a:ea typeface="黑体" panose="02010609060101010101" pitchFamily="49" charset="-122"/>
-              </a:rPr>
-              <a:t>实验结束，</a:t>
-            </a:r>
-            <a:endParaRPr lang="en-US" altLang="zh-CN" sz="5400" b="1" dirty="0">
-              <a:latin typeface="黑体" panose="02010609060101010101" pitchFamily="49" charset="-122"/>
-              <a:ea typeface="黑体" panose="02010609060101010101" pitchFamily="49" charset="-122"/>
-            </a:endParaRPr>
-          </a:p>
-          <a:p>
-            <a:pPr lvl="6">
-              <a:lnSpc>
-                <a:spcPct val="150000"/>
-              </a:lnSpc>
-            </a:pPr>
-            <a:r>
-              <a:rPr lang="zh-CN" altLang="en-US" sz="5400" b="1" dirty="0">
-                <a:latin typeface="黑体" panose="02010609060101010101" pitchFamily="49" charset="-122"/>
-                <a:ea typeface="黑体" panose="02010609060101010101" pitchFamily="49" charset="-122"/>
-              </a:rPr>
-              <a:t>请联系主试</a:t>
-            </a:r>
-          </a:p>
-        </p:txBody>
-      </p:sp>
-    </p:spTree>
-    <p:extLst>
-      <p:ext uri="{BB962C8B-B14F-4D97-AF65-F5344CB8AC3E}">
-        <p14:creationId xmlns:p14="http://schemas.microsoft.com/office/powerpoint/2010/main" val="856994835"/>
-      </p:ext>
-    </p:extLst>
-  </p:cSld>
-  <p:clrMapOvr>
-    <a:masterClrMapping/>
-  </p:clrMapOvr>
-</p:sld>
-</file>
-
-<file path=ppt/slides/slide6.xml><?xml version="1.0" encoding="utf-8"?>
-<p:sld xmlns:a="http://schemas.openxmlformats.org/drawingml/2006/main" xmlns:r="http://schemas.openxmlformats.org/officeDocument/2006/relationships" xmlns:p="http://schemas.openxmlformats.org/presentationml/2006/main">
-  <p:cSld>
-    <p:spTree>
-      <p:nvGrpSpPr>
-        <p:cNvPr id="1" name=""/>
-        <p:cNvGrpSpPr/>
-        <p:nvPr/>
-      </p:nvGrpSpPr>
-      <p:grpSpPr>
-        <a:xfrm>
-          <a:off x="0" y="0"/>
-          <a:ext cx="0" cy="0"/>
-          <a:chOff x="0" y="0"/>
-          <a:chExt cx="0" cy="0"/>
-        </a:xfrm>
-      </p:grpSpPr>
-      <p:sp>
-        <p:nvSpPr>
-          <p:cNvPr id="4" name="矩形 3"/>
-          <p:cNvSpPr/>
-          <p:nvPr/>
-        </p:nvSpPr>
-        <p:spPr>
-          <a:xfrm>
-            <a:off x="887506" y="416859"/>
-            <a:ext cx="8767482" cy="6131859"/>
-          </a:xfrm>
-          <a:prstGeom prst="rect">
-            <a:avLst/>
-          </a:prstGeom>
-          <a:solidFill>
-            <a:schemeClr val="bg2">
-              <a:lumMod val="25000"/>
-            </a:schemeClr>
-          </a:solidFill>
-          <a:ln>
-            <a:noFill/>
-          </a:ln>
-        </p:spPr>
-        <p:style>
-          <a:lnRef idx="3">
-            <a:schemeClr val="lt1"/>
-          </a:lnRef>
-          <a:fillRef idx="1">
-            <a:schemeClr val="accent3"/>
-          </a:fillRef>
-          <a:effectRef idx="1">
-            <a:schemeClr val="accent3"/>
-          </a:effectRef>
-          <a:fontRef idx="minor">
-            <a:schemeClr val="lt1"/>
-          </a:fontRef>
-        </p:style>
-        <p:txBody>
-          <a:bodyPr rtlCol="0" anchor="ctr"/>
-          <a:lstStyle/>
-          <a:p>
             <a:pPr lvl="4">
               <a:lnSpc>
                 <a:spcPct val="150000"/>
@@ -5380,11 +10868,18 @@
               </a:lnSpc>
             </a:pPr>
             <a:r>
+              <a:rPr lang="en-US" altLang="zh-CN" sz="5400" b="1" dirty="0">
+                <a:latin typeface="黑体" panose="02010609060101010101" pitchFamily="49" charset="-122"/>
+                <a:ea typeface="黑体" panose="02010609060101010101" pitchFamily="49" charset="-122"/>
+              </a:rPr>
+              <a:t>30s</a:t>
+            </a:r>
+            <a:r>
               <a:rPr lang="zh-CN" altLang="en-US" sz="5400" b="1" dirty="0">
                 <a:latin typeface="黑体" panose="02010609060101010101" pitchFamily="49" charset="-122"/>
                 <a:ea typeface="黑体" panose="02010609060101010101" pitchFamily="49" charset="-122"/>
               </a:rPr>
-              <a:t>按空格键继续实验</a:t>
+              <a:t>后游戏继续。</a:t>
             </a:r>
           </a:p>
         </p:txBody>

--- a/pictures/introduction.pptx
+++ b/pictures/introduction.pptx
@@ -5,19 +5,16 @@
     <p:sldMasterId id="2147483648" r:id="rId1"/>
   </p:sldMasterIdLst>
   <p:notesMasterIdLst>
-    <p:notesMasterId r:id="rId12"/>
+    <p:notesMasterId r:id="rId9"/>
   </p:notesMasterIdLst>
   <p:sldIdLst>
     <p:sldId id="261" r:id="rId2"/>
     <p:sldId id="267" r:id="rId3"/>
     <p:sldId id="268" r:id="rId4"/>
     <p:sldId id="275" r:id="rId5"/>
-    <p:sldId id="269" r:id="rId6"/>
-    <p:sldId id="271" r:id="rId7"/>
-    <p:sldId id="272" r:id="rId8"/>
-    <p:sldId id="274" r:id="rId9"/>
-    <p:sldId id="260" r:id="rId10"/>
-    <p:sldId id="259" r:id="rId11"/>
+    <p:sldId id="274" r:id="rId6"/>
+    <p:sldId id="260" r:id="rId7"/>
+    <p:sldId id="259" r:id="rId8"/>
   </p:sldIdLst>
   <p:sldSz cx="12192000" cy="6858000"/>
   <p:notesSz cx="6858000" cy="9144000"/>
@@ -127,13 +124,6 @@
             <p14:sldId id="275"/>
           </p14:sldIdLst>
         </p14:section>
-        <p14:section name="player2" id="{FBD96FB9-F4A0-49F8-B142-11D22A4026E0}">
-          <p14:sldIdLst>
-            <p14:sldId id="269"/>
-            <p14:sldId id="271"/>
-            <p14:sldId id="272"/>
-          </p14:sldIdLst>
-        </p14:section>
         <p14:section name="insert pictures" id="{0987D39C-2E96-485A-8C68-510B317FB800}">
           <p14:sldIdLst>
             <p14:sldId id="274"/>
@@ -148,6 +138,18 @@
     </p:ext>
   </p:extLst>
 </p:presentation>
+</file>
+
+<file path=ppt/commentAuthors.xml><?xml version="1.0" encoding="utf-8"?>
+<p:cmAuthorLst xmlns:a="http://schemas.openxmlformats.org/drawingml/2006/main" xmlns:r="http://schemas.openxmlformats.org/officeDocument/2006/relationships" xmlns:p="http://schemas.openxmlformats.org/presentationml/2006/main">
+  <p:cmAuthor id="1" name="chenya" initials="c" lastIdx="1" clrIdx="0">
+    <p:extLst>
+      <p:ext uri="{19B8F6BF-5375-455C-9EA6-DF929625EA0E}">
+        <p15:presenceInfo xmlns:p15="http://schemas.microsoft.com/office/powerpoint/2012/main" userId="chenya" providerId="None"/>
+      </p:ext>
+    </p:extLst>
+  </p:cmAuthor>
+</p:cmAuthorLst>
 </file>
 
 <file path=ppt/notesMasters/notesMaster1.xml><?xml version="1.0" encoding="utf-8"?>
@@ -232,7 +234,7 @@
           <a:p>
             <a:fld id="{C0546B5F-B17E-4A11-A9CD-A10C644EC78D}" type="datetimeFigureOut">
               <a:rPr lang="zh-CN" altLang="en-US" smtClean="0"/>
-              <a:t>2021/5/29</a:t>
+              <a:t>2021/5/31</a:t>
             </a:fld>
             <a:endParaRPr lang="zh-CN" altLang="en-US"/>
           </a:p>
@@ -811,354 +813,6 @@
 </p:notes>
 </file>
 
-<file path=ppt/notesSlides/notesSlide4.xml><?xml version="1.0" encoding="utf-8"?>
-<p:notes xmlns:a="http://schemas.openxmlformats.org/drawingml/2006/main" xmlns:r="http://schemas.openxmlformats.org/officeDocument/2006/relationships" xmlns:p="http://schemas.openxmlformats.org/presentationml/2006/main">
-  <p:cSld>
-    <p:spTree>
-      <p:nvGrpSpPr>
-        <p:cNvPr id="1" name=""/>
-        <p:cNvGrpSpPr/>
-        <p:nvPr/>
-      </p:nvGrpSpPr>
-      <p:grpSpPr>
-        <a:xfrm>
-          <a:off x="0" y="0"/>
-          <a:ext cx="0" cy="0"/>
-          <a:chOff x="0" y="0"/>
-          <a:chExt cx="0" cy="0"/>
-        </a:xfrm>
-      </p:grpSpPr>
-      <p:sp>
-        <p:nvSpPr>
-          <p:cNvPr id="2" name="幻灯片图像占位符 1"/>
-          <p:cNvSpPr>
-            <a:spLocks noGrp="1" noRot="1" noChangeAspect="1"/>
-          </p:cNvSpPr>
-          <p:nvPr>
-            <p:ph type="sldImg"/>
-          </p:nvPr>
-        </p:nvSpPr>
-        <p:spPr/>
-      </p:sp>
-      <p:sp>
-        <p:nvSpPr>
-          <p:cNvPr id="3" name="备注占位符 2"/>
-          <p:cNvSpPr>
-            <a:spLocks noGrp="1"/>
-          </p:cNvSpPr>
-          <p:nvPr>
-            <p:ph type="body" idx="1"/>
-          </p:nvPr>
-        </p:nvSpPr>
-        <p:spPr/>
-        <p:txBody>
-          <a:bodyPr/>
-          <a:lstStyle/>
-          <a:p>
-            <a:pPr marL="0" marR="0" lvl="0" indent="0" algn="l" defTabSz="914400" rtl="0" eaLnBrk="1" fontAlgn="auto" latinLnBrk="0" hangingPunct="1">
-              <a:lnSpc>
-                <a:spcPct val="100000"/>
-              </a:lnSpc>
-              <a:spcBef>
-                <a:spcPts val="0"/>
-              </a:spcBef>
-              <a:spcAft>
-                <a:spcPts val="0"/>
-              </a:spcAft>
-              <a:buClrTx/>
-              <a:buSzTx/>
-              <a:buFontTx/>
-              <a:buNone/>
-              <a:tabLst/>
-              <a:defRPr/>
-            </a:pPr>
-            <a:r>
-              <a:rPr lang="zh-CN" altLang="en-US" dirty="0"/>
-              <a:t>另一玩家角色说明（</a:t>
-            </a:r>
-            <a:r>
-              <a:rPr lang="en-US" altLang="zh-CN" dirty="0"/>
-              <a:t>0</a:t>
-            </a:r>
-            <a:r>
-              <a:rPr lang="zh-CN" altLang="en-US" dirty="0"/>
-              <a:t>黄</a:t>
-            </a:r>
-            <a:r>
-              <a:rPr lang="en-US" altLang="zh-CN" dirty="0"/>
-              <a:t>1</a:t>
-            </a:r>
-            <a:r>
-              <a:rPr lang="zh-CN" altLang="en-US" dirty="0"/>
-              <a:t>红）</a:t>
-            </a:r>
-          </a:p>
-          <a:p>
-            <a:pPr marL="0" marR="0" lvl="0" indent="0" algn="l" defTabSz="914400" rtl="0" eaLnBrk="1" fontAlgn="auto" latinLnBrk="0" hangingPunct="1">
-              <a:lnSpc>
-                <a:spcPct val="100000"/>
-              </a:lnSpc>
-              <a:spcBef>
-                <a:spcPts val="0"/>
-              </a:spcBef>
-              <a:spcAft>
-                <a:spcPts val="0"/>
-              </a:spcAft>
-              <a:buClrTx/>
-              <a:buSzTx/>
-              <a:buFontTx/>
-              <a:buNone/>
-              <a:tabLst/>
-              <a:defRPr/>
-            </a:pPr>
-            <a:endParaRPr lang="zh-CN" altLang="en-US" dirty="0"/>
-          </a:p>
-        </p:txBody>
-      </p:sp>
-      <p:sp>
-        <p:nvSpPr>
-          <p:cNvPr id="4" name="灯片编号占位符 3"/>
-          <p:cNvSpPr>
-            <a:spLocks noGrp="1"/>
-          </p:cNvSpPr>
-          <p:nvPr>
-            <p:ph type="sldNum" sz="quarter" idx="5"/>
-          </p:nvPr>
-        </p:nvSpPr>
-        <p:spPr/>
-        <p:txBody>
-          <a:bodyPr/>
-          <a:lstStyle/>
-          <a:p>
-            <a:fld id="{19214DBA-04C0-4AE0-9391-D985D3AC6701}" type="slidenum">
-              <a:rPr lang="zh-CN" altLang="en-US" smtClean="0"/>
-              <a:t>5</a:t>
-            </a:fld>
-            <a:endParaRPr lang="zh-CN" altLang="en-US"/>
-          </a:p>
-        </p:txBody>
-      </p:sp>
-    </p:spTree>
-    <p:extLst>
-      <p:ext uri="{BB962C8B-B14F-4D97-AF65-F5344CB8AC3E}">
-        <p14:creationId xmlns:p14="http://schemas.microsoft.com/office/powerpoint/2010/main" val="1978041715"/>
-      </p:ext>
-    </p:extLst>
-  </p:cSld>
-  <p:clrMapOvr>
-    <a:masterClrMapping/>
-  </p:clrMapOvr>
-</p:notes>
-</file>
-
-<file path=ppt/notesSlides/notesSlide5.xml><?xml version="1.0" encoding="utf-8"?>
-<p:notes xmlns:a="http://schemas.openxmlformats.org/drawingml/2006/main" xmlns:r="http://schemas.openxmlformats.org/officeDocument/2006/relationships" xmlns:p="http://schemas.openxmlformats.org/presentationml/2006/main">
-  <p:cSld>
-    <p:spTree>
-      <p:nvGrpSpPr>
-        <p:cNvPr id="1" name=""/>
-        <p:cNvGrpSpPr/>
-        <p:nvPr/>
-      </p:nvGrpSpPr>
-      <p:grpSpPr>
-        <a:xfrm>
-          <a:off x="0" y="0"/>
-          <a:ext cx="0" cy="0"/>
-          <a:chOff x="0" y="0"/>
-          <a:chExt cx="0" cy="0"/>
-        </a:xfrm>
-      </p:grpSpPr>
-      <p:sp>
-        <p:nvSpPr>
-          <p:cNvPr id="2" name="幻灯片图像占位符 1"/>
-          <p:cNvSpPr>
-            <a:spLocks noGrp="1" noRot="1" noChangeAspect="1"/>
-          </p:cNvSpPr>
-          <p:nvPr>
-            <p:ph type="sldImg"/>
-          </p:nvPr>
-        </p:nvSpPr>
-        <p:spPr/>
-      </p:sp>
-      <p:sp>
-        <p:nvSpPr>
-          <p:cNvPr id="3" name="备注占位符 2"/>
-          <p:cNvSpPr>
-            <a:spLocks noGrp="1"/>
-          </p:cNvSpPr>
-          <p:nvPr>
-            <p:ph type="body" idx="1"/>
-          </p:nvPr>
-        </p:nvSpPr>
-        <p:spPr/>
-        <p:txBody>
-          <a:bodyPr/>
-          <a:lstStyle/>
-          <a:p>
-            <a:pPr marL="0" marR="0" lvl="0" indent="0" algn="l" defTabSz="914400" rtl="0" eaLnBrk="1" fontAlgn="auto" latinLnBrk="0" hangingPunct="1">
-              <a:lnSpc>
-                <a:spcPct val="100000"/>
-              </a:lnSpc>
-              <a:spcBef>
-                <a:spcPts val="0"/>
-              </a:spcBef>
-              <a:spcAft>
-                <a:spcPts val="0"/>
-              </a:spcAft>
-              <a:buClrTx/>
-              <a:buSzTx/>
-              <a:buFontTx/>
-              <a:buNone/>
-              <a:tabLst/>
-              <a:defRPr/>
-            </a:pPr>
-            <a:r>
-              <a:rPr lang="zh-CN" altLang="en-US" dirty="0"/>
-              <a:t>规则定义</a:t>
-            </a:r>
-          </a:p>
-        </p:txBody>
-      </p:sp>
-      <p:sp>
-        <p:nvSpPr>
-          <p:cNvPr id="4" name="灯片编号占位符 3"/>
-          <p:cNvSpPr>
-            <a:spLocks noGrp="1"/>
-          </p:cNvSpPr>
-          <p:nvPr>
-            <p:ph type="sldNum" sz="quarter" idx="5"/>
-          </p:nvPr>
-        </p:nvSpPr>
-        <p:spPr/>
-        <p:txBody>
-          <a:bodyPr/>
-          <a:lstStyle/>
-          <a:p>
-            <a:fld id="{19214DBA-04C0-4AE0-9391-D985D3AC6701}" type="slidenum">
-              <a:rPr lang="zh-CN" altLang="en-US" smtClean="0"/>
-              <a:t>6</a:t>
-            </a:fld>
-            <a:endParaRPr lang="zh-CN" altLang="en-US"/>
-          </a:p>
-        </p:txBody>
-      </p:sp>
-    </p:spTree>
-    <p:extLst>
-      <p:ext uri="{BB962C8B-B14F-4D97-AF65-F5344CB8AC3E}">
-        <p14:creationId xmlns:p14="http://schemas.microsoft.com/office/powerpoint/2010/main" val="2270375542"/>
-      </p:ext>
-    </p:extLst>
-  </p:cSld>
-  <p:clrMapOvr>
-    <a:masterClrMapping/>
-  </p:clrMapOvr>
-</p:notes>
-</file>
-
-<file path=ppt/notesSlides/notesSlide6.xml><?xml version="1.0" encoding="utf-8"?>
-<p:notes xmlns:a="http://schemas.openxmlformats.org/drawingml/2006/main" xmlns:r="http://schemas.openxmlformats.org/officeDocument/2006/relationships" xmlns:p="http://schemas.openxmlformats.org/presentationml/2006/main">
-  <p:cSld>
-    <p:spTree>
-      <p:nvGrpSpPr>
-        <p:cNvPr id="1" name=""/>
-        <p:cNvGrpSpPr/>
-        <p:nvPr/>
-      </p:nvGrpSpPr>
-      <p:grpSpPr>
-        <a:xfrm>
-          <a:off x="0" y="0"/>
-          <a:ext cx="0" cy="0"/>
-          <a:chOff x="0" y="0"/>
-          <a:chExt cx="0" cy="0"/>
-        </a:xfrm>
-      </p:grpSpPr>
-      <p:sp>
-        <p:nvSpPr>
-          <p:cNvPr id="2" name="幻灯片图像占位符 1"/>
-          <p:cNvSpPr>
-            <a:spLocks noGrp="1" noRot="1" noChangeAspect="1"/>
-          </p:cNvSpPr>
-          <p:nvPr>
-            <p:ph type="sldImg"/>
-          </p:nvPr>
-        </p:nvSpPr>
-        <p:spPr/>
-      </p:sp>
-      <p:sp>
-        <p:nvSpPr>
-          <p:cNvPr id="3" name="备注占位符 2"/>
-          <p:cNvSpPr>
-            <a:spLocks noGrp="1"/>
-          </p:cNvSpPr>
-          <p:nvPr>
-            <p:ph type="body" idx="1"/>
-          </p:nvPr>
-        </p:nvSpPr>
-        <p:spPr/>
-        <p:txBody>
-          <a:bodyPr/>
-          <a:lstStyle/>
-          <a:p>
-            <a:pPr marL="0" marR="0" lvl="0" indent="0" algn="l" defTabSz="914400" rtl="0" eaLnBrk="1" fontAlgn="auto" latinLnBrk="0" hangingPunct="1">
-              <a:lnSpc>
-                <a:spcPct val="100000"/>
-              </a:lnSpc>
-              <a:spcBef>
-                <a:spcPts val="0"/>
-              </a:spcBef>
-              <a:spcAft>
-                <a:spcPts val="0"/>
-              </a:spcAft>
-              <a:buClrTx/>
-              <a:buSzTx/>
-              <a:buFontTx/>
-              <a:buNone/>
-              <a:tabLst/>
-              <a:defRPr/>
-            </a:pPr>
-            <a:r>
-              <a:rPr lang="zh-CN" altLang="en-US" dirty="0"/>
-              <a:t>分数计算</a:t>
-            </a:r>
-          </a:p>
-        </p:txBody>
-      </p:sp>
-      <p:sp>
-        <p:nvSpPr>
-          <p:cNvPr id="4" name="灯片编号占位符 3"/>
-          <p:cNvSpPr>
-            <a:spLocks noGrp="1"/>
-          </p:cNvSpPr>
-          <p:nvPr>
-            <p:ph type="sldNum" sz="quarter" idx="5"/>
-          </p:nvPr>
-        </p:nvSpPr>
-        <p:spPr/>
-        <p:txBody>
-          <a:bodyPr/>
-          <a:lstStyle/>
-          <a:p>
-            <a:fld id="{19214DBA-04C0-4AE0-9391-D985D3AC6701}" type="slidenum">
-              <a:rPr lang="zh-CN" altLang="en-US" smtClean="0"/>
-              <a:t>7</a:t>
-            </a:fld>
-            <a:endParaRPr lang="zh-CN" altLang="en-US"/>
-          </a:p>
-        </p:txBody>
-      </p:sp>
-    </p:spTree>
-    <p:extLst>
-      <p:ext uri="{BB962C8B-B14F-4D97-AF65-F5344CB8AC3E}">
-        <p14:creationId xmlns:p14="http://schemas.microsoft.com/office/powerpoint/2010/main" val="682576371"/>
-      </p:ext>
-    </p:extLst>
-  </p:cSld>
-  <p:clrMapOvr>
-    <a:masterClrMapping/>
-  </p:clrMapOvr>
-</p:notes>
-</file>
-
 <file path=ppt/slideLayouts/slideLayout1.xml><?xml version="1.0" encoding="utf-8"?>
 <p:sldLayout xmlns:a="http://schemas.openxmlformats.org/drawingml/2006/main" xmlns:r="http://schemas.openxmlformats.org/officeDocument/2006/relationships" xmlns:p="http://schemas.openxmlformats.org/presentationml/2006/main" type="title" preserve="1">
   <p:cSld name="标题幻灯片">
@@ -1306,7 +960,7 @@
           <a:p>
             <a:fld id="{22C6D5CB-9E91-4D8B-8A6F-E7E64CE5E759}" type="datetimeFigureOut">
               <a:rPr lang="zh-CN" altLang="en-US" smtClean="0"/>
-              <a:t>2021/5/29</a:t>
+              <a:t>2021/5/31</a:t>
             </a:fld>
             <a:endParaRPr lang="zh-CN" altLang="en-US"/>
           </a:p>
@@ -1504,7 +1158,7 @@
           <a:p>
             <a:fld id="{22C6D5CB-9E91-4D8B-8A6F-E7E64CE5E759}" type="datetimeFigureOut">
               <a:rPr lang="zh-CN" altLang="en-US" smtClean="0"/>
-              <a:t>2021/5/29</a:t>
+              <a:t>2021/5/31</a:t>
             </a:fld>
             <a:endParaRPr lang="zh-CN" altLang="en-US"/>
           </a:p>
@@ -1712,7 +1366,7 @@
           <a:p>
             <a:fld id="{22C6D5CB-9E91-4D8B-8A6F-E7E64CE5E759}" type="datetimeFigureOut">
               <a:rPr lang="zh-CN" altLang="en-US" smtClean="0"/>
-              <a:t>2021/5/29</a:t>
+              <a:t>2021/5/31</a:t>
             </a:fld>
             <a:endParaRPr lang="zh-CN" altLang="en-US"/>
           </a:p>
@@ -1910,7 +1564,7 @@
           <a:p>
             <a:fld id="{22C6D5CB-9E91-4D8B-8A6F-E7E64CE5E759}" type="datetimeFigureOut">
               <a:rPr lang="zh-CN" altLang="en-US" smtClean="0"/>
-              <a:t>2021/5/29</a:t>
+              <a:t>2021/5/31</a:t>
             </a:fld>
             <a:endParaRPr lang="zh-CN" altLang="en-US"/>
           </a:p>
@@ -2185,7 +1839,7 @@
           <a:p>
             <a:fld id="{22C6D5CB-9E91-4D8B-8A6F-E7E64CE5E759}" type="datetimeFigureOut">
               <a:rPr lang="zh-CN" altLang="en-US" smtClean="0"/>
-              <a:t>2021/5/29</a:t>
+              <a:t>2021/5/31</a:t>
             </a:fld>
             <a:endParaRPr lang="zh-CN" altLang="en-US"/>
           </a:p>
@@ -2450,7 +2104,7 @@
           <a:p>
             <a:fld id="{22C6D5CB-9E91-4D8B-8A6F-E7E64CE5E759}" type="datetimeFigureOut">
               <a:rPr lang="zh-CN" altLang="en-US" smtClean="0"/>
-              <a:t>2021/5/29</a:t>
+              <a:t>2021/5/31</a:t>
             </a:fld>
             <a:endParaRPr lang="zh-CN" altLang="en-US"/>
           </a:p>
@@ -2862,7 +2516,7 @@
           <a:p>
             <a:fld id="{22C6D5CB-9E91-4D8B-8A6F-E7E64CE5E759}" type="datetimeFigureOut">
               <a:rPr lang="zh-CN" altLang="en-US" smtClean="0"/>
-              <a:t>2021/5/29</a:t>
+              <a:t>2021/5/31</a:t>
             </a:fld>
             <a:endParaRPr lang="zh-CN" altLang="en-US"/>
           </a:p>
@@ -3003,7 +2657,7 @@
           <a:p>
             <a:fld id="{22C6D5CB-9E91-4D8B-8A6F-E7E64CE5E759}" type="datetimeFigureOut">
               <a:rPr lang="zh-CN" altLang="en-US" smtClean="0"/>
-              <a:t>2021/5/29</a:t>
+              <a:t>2021/5/31</a:t>
             </a:fld>
             <a:endParaRPr lang="zh-CN" altLang="en-US"/>
           </a:p>
@@ -3116,7 +2770,7 @@
           <a:p>
             <a:fld id="{22C6D5CB-9E91-4D8B-8A6F-E7E64CE5E759}" type="datetimeFigureOut">
               <a:rPr lang="zh-CN" altLang="en-US" smtClean="0"/>
-              <a:t>2021/5/29</a:t>
+              <a:t>2021/5/31</a:t>
             </a:fld>
             <a:endParaRPr lang="zh-CN" altLang="en-US"/>
           </a:p>
@@ -3427,7 +3081,7 @@
           <a:p>
             <a:fld id="{22C6D5CB-9E91-4D8B-8A6F-E7E64CE5E759}" type="datetimeFigureOut">
               <a:rPr lang="zh-CN" altLang="en-US" smtClean="0"/>
-              <a:t>2021/5/29</a:t>
+              <a:t>2021/5/31</a:t>
             </a:fld>
             <a:endParaRPr lang="zh-CN" altLang="en-US"/>
           </a:p>
@@ -3715,7 +3369,7 @@
           <a:p>
             <a:fld id="{22C6D5CB-9E91-4D8B-8A6F-E7E64CE5E759}" type="datetimeFigureOut">
               <a:rPr lang="zh-CN" altLang="en-US" smtClean="0"/>
-              <a:t>2021/5/29</a:t>
+              <a:t>2021/5/31</a:t>
             </a:fld>
             <a:endParaRPr lang="zh-CN" altLang="en-US"/>
           </a:p>
@@ -3956,7 +3610,7 @@
           <a:p>
             <a:fld id="{22C6D5CB-9E91-4D8B-8A6F-E7E64CE5E759}" type="datetimeFigureOut">
               <a:rPr lang="zh-CN" altLang="en-US" smtClean="0"/>
-              <a:t>2021/5/29</a:t>
+              <a:t>2021/5/31</a:t>
             </a:fld>
             <a:endParaRPr lang="zh-CN" altLang="en-US"/>
           </a:p>
@@ -4359,6 +4013,17 @@
 <file path=ppt/slides/slide1.xml><?xml version="1.0" encoding="utf-8"?>
 <p:sld xmlns:a="http://schemas.openxmlformats.org/drawingml/2006/main" xmlns:r="http://schemas.openxmlformats.org/officeDocument/2006/relationships" xmlns:p="http://schemas.openxmlformats.org/presentationml/2006/main">
   <p:cSld>
+    <p:bg>
+      <p:bgPr>
+        <a:solidFill>
+          <a:schemeClr val="tx1">
+            <a:lumMod val="75000"/>
+            <a:lumOff val="25000"/>
+          </a:schemeClr>
+        </a:solidFill>
+        <a:effectLst/>
+      </p:bgPr>
+    </p:bg>
     <p:spTree>
       <p:nvGrpSpPr>
         <p:cNvPr id="1" name=""/>
@@ -4373,12 +4038,230 @@
           <a:chExt cx="0" cy="0"/>
         </a:xfrm>
       </p:grpSpPr>
+      <p:sp>
+        <p:nvSpPr>
+          <p:cNvPr id="3" name="文本框 2"/>
+          <p:cNvSpPr txBox="1"/>
+          <p:nvPr/>
+        </p:nvSpPr>
+        <p:spPr>
+          <a:xfrm>
+            <a:off x="1126380" y="291072"/>
+            <a:ext cx="9608904" cy="1456489"/>
+          </a:xfrm>
+          <a:prstGeom prst="rect">
+            <a:avLst/>
+          </a:prstGeom>
+          <a:noFill/>
+        </p:spPr>
+        <p:txBody>
+          <a:bodyPr wrap="square" rtlCol="0">
+            <a:spAutoFit/>
+          </a:bodyPr>
+          <a:lstStyle/>
+          <a:p>
+            <a:pPr>
+              <a:lnSpc>
+                <a:spcPct val="150000"/>
+              </a:lnSpc>
+              <a:spcBef>
+                <a:spcPts val="200"/>
+              </a:spcBef>
+              <a:spcAft>
+                <a:spcPts val="200"/>
+              </a:spcAft>
+            </a:pPr>
+            <a:r>
+              <a:rPr lang="zh-CN" altLang="en-US" sz="2000" dirty="0">
+                <a:solidFill>
+                  <a:schemeClr val="bg1">
+                    <a:lumMod val="95000"/>
+                  </a:schemeClr>
+                </a:solidFill>
+                <a:latin typeface="黑体" panose="02010609060101010101" pitchFamily="49" charset="-122"/>
+                <a:ea typeface="黑体" panose="02010609060101010101" pitchFamily="49" charset="-122"/>
+              </a:rPr>
+              <a:t>您好，欢迎参与“狼追羊”游戏！</a:t>
+            </a:r>
+            <a:endParaRPr lang="en-US" altLang="zh-CN" sz="2000" dirty="0">
+              <a:solidFill>
+                <a:schemeClr val="bg1">
+                  <a:lumMod val="95000"/>
+                </a:schemeClr>
+              </a:solidFill>
+              <a:latin typeface="黑体" panose="02010609060101010101" pitchFamily="49" charset="-122"/>
+              <a:ea typeface="黑体" panose="02010609060101010101" pitchFamily="49" charset="-122"/>
+            </a:endParaRPr>
+          </a:p>
+          <a:p>
+            <a:pPr>
+              <a:lnSpc>
+                <a:spcPct val="150000"/>
+              </a:lnSpc>
+              <a:spcBef>
+                <a:spcPts val="200"/>
+              </a:spcBef>
+              <a:spcAft>
+                <a:spcPts val="200"/>
+              </a:spcAft>
+            </a:pPr>
+            <a:r>
+              <a:rPr lang="zh-CN" altLang="en-US" sz="2000" dirty="0">
+                <a:solidFill>
+                  <a:schemeClr val="bg1">
+                    <a:lumMod val="95000"/>
+                  </a:schemeClr>
+                </a:solidFill>
+                <a:latin typeface="黑体" panose="02010609060101010101" pitchFamily="49" charset="-122"/>
+                <a:ea typeface="黑体" panose="02010609060101010101" pitchFamily="49" charset="-122"/>
+              </a:rPr>
+              <a:t>在本游戏中，您与另一玩家将同时扮演“狼”（</a:t>
+            </a:r>
+            <a:r>
+              <a:rPr lang="en-US" altLang="zh-CN" sz="2000" dirty="0">
+                <a:solidFill>
+                  <a:srgbClr val="FF0000"/>
+                </a:solidFill>
+                <a:latin typeface="黑体" panose="02010609060101010101" pitchFamily="49" charset="-122"/>
+                <a:ea typeface="黑体" panose="02010609060101010101" pitchFamily="49" charset="-122"/>
+              </a:rPr>
+              <a:t>1</a:t>
+            </a:r>
+            <a:r>
+              <a:rPr lang="zh-CN" altLang="en-US" sz="2000" dirty="0">
+                <a:solidFill>
+                  <a:srgbClr val="FF0000"/>
+                </a:solidFill>
+                <a:latin typeface="黑体" panose="02010609060101010101" pitchFamily="49" charset="-122"/>
+                <a:ea typeface="黑体" panose="02010609060101010101" pitchFamily="49" charset="-122"/>
+              </a:rPr>
+              <a:t>号玩家：红色小球</a:t>
+            </a:r>
+            <a:r>
+              <a:rPr lang="zh-CN" altLang="en-US" sz="2000" dirty="0">
+                <a:solidFill>
+                  <a:schemeClr val="bg1">
+                    <a:lumMod val="95000"/>
+                  </a:schemeClr>
+                </a:solidFill>
+                <a:latin typeface="黑体" panose="02010609060101010101" pitchFamily="49" charset="-122"/>
+                <a:ea typeface="黑体" panose="02010609060101010101" pitchFamily="49" charset="-122"/>
+              </a:rPr>
+              <a:t>，</a:t>
+            </a:r>
+            <a:r>
+              <a:rPr lang="en-US" altLang="zh-CN" sz="2000" dirty="0">
+                <a:solidFill>
+                  <a:srgbClr val="0000FF"/>
+                </a:solidFill>
+                <a:latin typeface="黑体" panose="02010609060101010101" pitchFamily="49" charset="-122"/>
+                <a:ea typeface="黑体" panose="02010609060101010101" pitchFamily="49" charset="-122"/>
+              </a:rPr>
+              <a:t>2</a:t>
+            </a:r>
+            <a:r>
+              <a:rPr lang="zh-CN" altLang="en-US" sz="2000" dirty="0">
+                <a:solidFill>
+                  <a:srgbClr val="0000FF"/>
+                </a:solidFill>
+                <a:latin typeface="黑体" panose="02010609060101010101" pitchFamily="49" charset="-122"/>
+                <a:ea typeface="黑体" panose="02010609060101010101" pitchFamily="49" charset="-122"/>
+              </a:rPr>
+              <a:t>号玩家：蓝色小球</a:t>
+            </a:r>
+            <a:r>
+              <a:rPr lang="zh-CN" altLang="en-US" sz="2000" dirty="0">
+                <a:solidFill>
+                  <a:schemeClr val="bg1">
+                    <a:lumMod val="95000"/>
+                  </a:schemeClr>
+                </a:solidFill>
+                <a:latin typeface="黑体" panose="02010609060101010101" pitchFamily="49" charset="-122"/>
+                <a:ea typeface="黑体" panose="02010609060101010101" pitchFamily="49" charset="-122"/>
+              </a:rPr>
+              <a:t>），你们的任务是</a:t>
+            </a:r>
+            <a:r>
+              <a:rPr lang="zh-CN" altLang="en-US" sz="2000" dirty="0">
+                <a:solidFill>
+                  <a:srgbClr val="92D050"/>
+                </a:solidFill>
+                <a:latin typeface="黑体" panose="02010609060101010101" pitchFamily="49" charset="-122"/>
+                <a:ea typeface="黑体" panose="02010609060101010101" pitchFamily="49" charset="-122"/>
+              </a:rPr>
+              <a:t>尽快</a:t>
+            </a:r>
+            <a:r>
+              <a:rPr lang="zh-CN" altLang="en-US" sz="2000" dirty="0">
+                <a:solidFill>
+                  <a:schemeClr val="bg1">
+                    <a:lumMod val="95000"/>
+                  </a:schemeClr>
+                </a:solidFill>
+                <a:effectLst>
+                  <a:outerShdw blurRad="38100" dist="38100" dir="2700000" algn="tl">
+                    <a:srgbClr val="000000">
+                      <a:alpha val="43137"/>
+                    </a:srgbClr>
+                  </a:outerShdw>
+                </a:effectLst>
+                <a:latin typeface="黑体" panose="02010609060101010101" pitchFamily="49" charset="-122"/>
+                <a:ea typeface="黑体" panose="02010609060101010101" pitchFamily="49" charset="-122"/>
+              </a:rPr>
+              <a:t>地在规定时间内</a:t>
+            </a:r>
+            <a:r>
+              <a:rPr lang="zh-CN" altLang="en-US" sz="2000" dirty="0">
+                <a:solidFill>
+                  <a:schemeClr val="bg1">
+                    <a:lumMod val="95000"/>
+                  </a:schemeClr>
+                </a:solidFill>
+                <a:latin typeface="黑体" panose="02010609060101010101" pitchFamily="49" charset="-122"/>
+                <a:ea typeface="黑体" panose="02010609060101010101" pitchFamily="49" charset="-122"/>
+              </a:rPr>
+              <a:t>抓住屏幕中跑动的“羊”（</a:t>
+            </a:r>
+            <a:r>
+              <a:rPr lang="zh-CN" altLang="en-US" sz="2000" dirty="0">
+                <a:solidFill>
+                  <a:srgbClr val="FFA500"/>
+                </a:solidFill>
+                <a:latin typeface="黑体" panose="02010609060101010101" pitchFamily="49" charset="-122"/>
+                <a:ea typeface="黑体" panose="02010609060101010101" pitchFamily="49" charset="-122"/>
+              </a:rPr>
+              <a:t>黄色小球</a:t>
+            </a:r>
+            <a:r>
+              <a:rPr lang="zh-CN" altLang="en-US" sz="2000" dirty="0">
+                <a:solidFill>
+                  <a:schemeClr val="bg1">
+                    <a:lumMod val="95000"/>
+                  </a:schemeClr>
+                </a:solidFill>
+                <a:latin typeface="黑体" panose="02010609060101010101" pitchFamily="49" charset="-122"/>
+                <a:ea typeface="黑体" panose="02010609060101010101" pitchFamily="49" charset="-122"/>
+              </a:rPr>
+              <a:t>）。</a:t>
+            </a:r>
+            <a:endParaRPr lang="en-US" altLang="zh-CN" sz="2000" dirty="0">
+              <a:solidFill>
+                <a:schemeClr val="bg1">
+                  <a:lumMod val="95000"/>
+                </a:schemeClr>
+              </a:solidFill>
+              <a:latin typeface="黑体" panose="02010609060101010101" pitchFamily="49" charset="-122"/>
+              <a:ea typeface="黑体" panose="02010609060101010101" pitchFamily="49" charset="-122"/>
+            </a:endParaRPr>
+          </a:p>
+        </p:txBody>
+      </p:sp>
       <p:grpSp>
         <p:nvGrpSpPr>
-          <p:cNvPr id="2" name="组合 1">
+          <p:cNvPr id="38" name="组合 37">
             <a:extLst>
               <a:ext uri="{FF2B5EF4-FFF2-40B4-BE49-F238E27FC236}">
-                <a16:creationId xmlns:a16="http://schemas.microsoft.com/office/drawing/2014/main" id="{5C1ADCE9-75A5-4986-8406-661703EA1194}"/>
+                <a16:creationId xmlns:a16="http://schemas.microsoft.com/office/drawing/2014/main" id="{16DA0D35-F9ED-43F4-A24F-4625BF4DBD34}"/>
               </a:ext>
             </a:extLst>
           </p:cNvPr>
@@ -4387,296 +4270,18 @@
         </p:nvGrpSpPr>
         <p:grpSpPr>
           <a:xfrm>
-            <a:off x="862389" y="418594"/>
-            <a:ext cx="9129850" cy="6404339"/>
-            <a:chOff x="862927" y="679407"/>
-            <a:chExt cx="8934541" cy="6131859"/>
+            <a:off x="3711544" y="1794768"/>
+            <a:ext cx="4768912" cy="4772160"/>
+            <a:chOff x="3750055" y="1650006"/>
+            <a:chExt cx="5040000" cy="5043433"/>
           </a:xfrm>
         </p:grpSpPr>
         <p:sp>
           <p:nvSpPr>
-            <p:cNvPr id="4" name="矩形 3"/>
-            <p:cNvSpPr/>
-            <p:nvPr/>
-          </p:nvSpPr>
-          <p:spPr>
-            <a:xfrm>
-              <a:off x="862927" y="679407"/>
-              <a:ext cx="8767482" cy="6131859"/>
-            </a:xfrm>
-            <a:prstGeom prst="rect">
-              <a:avLst/>
-            </a:prstGeom>
-            <a:solidFill>
-              <a:schemeClr val="bg2">
-                <a:lumMod val="25000"/>
-              </a:schemeClr>
-            </a:solidFill>
-            <a:ln>
-              <a:noFill/>
-            </a:ln>
-          </p:spPr>
-          <p:style>
-            <a:lnRef idx="3">
-              <a:schemeClr val="lt1"/>
-            </a:lnRef>
-            <a:fillRef idx="1">
-              <a:schemeClr val="accent3"/>
-            </a:fillRef>
-            <a:effectRef idx="1">
-              <a:schemeClr val="accent3"/>
-            </a:effectRef>
-            <a:fontRef idx="minor">
-              <a:schemeClr val="lt1"/>
-            </a:fontRef>
-          </p:style>
-          <p:txBody>
-            <a:bodyPr rtlCol="0" anchor="ctr"/>
-            <a:lstStyle/>
-            <a:p>
-              <a:pPr>
-                <a:lnSpc>
-                  <a:spcPct val="150000"/>
-                </a:lnSpc>
-                <a:spcBef>
-                  <a:spcPts val="200"/>
-                </a:spcBef>
-                <a:spcAft>
-                  <a:spcPts val="200"/>
-                </a:spcAft>
-              </a:pPr>
-              <a:endParaRPr lang="zh-CN" altLang="en-US" sz="2000" dirty="0">
-                <a:latin typeface="黑体" panose="02010609060101010101" pitchFamily="49" charset="-122"/>
-                <a:ea typeface="黑体" panose="02010609060101010101" pitchFamily="49" charset="-122"/>
-              </a:endParaRPr>
-            </a:p>
-          </p:txBody>
-        </p:sp>
-        <p:sp>
-          <p:nvSpPr>
-            <p:cNvPr id="3" name="文本框 2"/>
-            <p:cNvSpPr txBox="1"/>
-            <p:nvPr/>
-          </p:nvSpPr>
-          <p:spPr>
-            <a:xfrm>
-              <a:off x="1029986" y="976758"/>
-              <a:ext cx="8767482" cy="1268790"/>
-            </a:xfrm>
-            <a:prstGeom prst="rect">
-              <a:avLst/>
-            </a:prstGeom>
-            <a:noFill/>
-          </p:spPr>
-          <p:txBody>
-            <a:bodyPr wrap="square" rtlCol="0">
-              <a:spAutoFit/>
-            </a:bodyPr>
-            <a:lstStyle/>
-            <a:p>
-              <a:pPr>
-                <a:lnSpc>
-                  <a:spcPct val="150000"/>
-                </a:lnSpc>
-                <a:spcBef>
-                  <a:spcPts val="200"/>
-                </a:spcBef>
-                <a:spcAft>
-                  <a:spcPts val="200"/>
-                </a:spcAft>
-              </a:pPr>
-              <a:r>
-                <a:rPr lang="zh-CN" altLang="en-US" dirty="0">
-                  <a:solidFill>
-                    <a:schemeClr val="bg1">
-                      <a:lumMod val="95000"/>
-                    </a:schemeClr>
-                  </a:solidFill>
-                  <a:latin typeface="黑体" panose="02010609060101010101" pitchFamily="49" charset="-122"/>
-                  <a:ea typeface="黑体" panose="02010609060101010101" pitchFamily="49" charset="-122"/>
-                </a:rPr>
-                <a:t>您好，欢迎参与“狼追羊”游戏！</a:t>
-              </a:r>
-              <a:endParaRPr lang="en-US" altLang="zh-CN" dirty="0">
-                <a:solidFill>
-                  <a:schemeClr val="bg1">
-                    <a:lumMod val="95000"/>
-                  </a:schemeClr>
-                </a:solidFill>
-                <a:latin typeface="黑体" panose="02010609060101010101" pitchFamily="49" charset="-122"/>
-                <a:ea typeface="黑体" panose="02010609060101010101" pitchFamily="49" charset="-122"/>
-              </a:endParaRPr>
-            </a:p>
-            <a:p>
-              <a:pPr>
-                <a:lnSpc>
-                  <a:spcPct val="150000"/>
-                </a:lnSpc>
-                <a:spcBef>
-                  <a:spcPts val="200"/>
-                </a:spcBef>
-                <a:spcAft>
-                  <a:spcPts val="200"/>
-                </a:spcAft>
-              </a:pPr>
-              <a:r>
-                <a:rPr lang="zh-CN" altLang="en-US" dirty="0">
-                  <a:solidFill>
-                    <a:schemeClr val="bg1">
-                      <a:lumMod val="95000"/>
-                    </a:schemeClr>
-                  </a:solidFill>
-                  <a:latin typeface="黑体" panose="02010609060101010101" pitchFamily="49" charset="-122"/>
-                  <a:ea typeface="黑体" panose="02010609060101010101" pitchFamily="49" charset="-122"/>
-                </a:rPr>
-                <a:t>在本游戏中，您与另一玩家将同时扮演“狼”（</a:t>
-              </a:r>
-              <a:r>
-                <a:rPr lang="zh-CN" altLang="en-US" dirty="0">
-                  <a:solidFill>
-                    <a:srgbClr val="FF0000"/>
-                  </a:solidFill>
-                  <a:latin typeface="黑体" panose="02010609060101010101" pitchFamily="49" charset="-122"/>
-                  <a:ea typeface="黑体" panose="02010609060101010101" pitchFamily="49" charset="-122"/>
-                </a:rPr>
-                <a:t>您：红色小球</a:t>
-              </a:r>
-              <a:r>
-                <a:rPr lang="zh-CN" altLang="en-US" dirty="0">
-                  <a:solidFill>
-                    <a:schemeClr val="bg1">
-                      <a:lumMod val="95000"/>
-                    </a:schemeClr>
-                  </a:solidFill>
-                  <a:latin typeface="黑体" panose="02010609060101010101" pitchFamily="49" charset="-122"/>
-                  <a:ea typeface="黑体" panose="02010609060101010101" pitchFamily="49" charset="-122"/>
-                </a:rPr>
-                <a:t>，</a:t>
-              </a:r>
-              <a:r>
-                <a:rPr lang="zh-CN" altLang="en-US" dirty="0">
-                  <a:solidFill>
-                    <a:srgbClr val="FFC000"/>
-                  </a:solidFill>
-                  <a:latin typeface="黑体" panose="02010609060101010101" pitchFamily="49" charset="-122"/>
-                  <a:ea typeface="黑体" panose="02010609060101010101" pitchFamily="49" charset="-122"/>
-                </a:rPr>
-                <a:t>另一玩家：橙色小球</a:t>
-              </a:r>
-              <a:r>
-                <a:rPr lang="zh-CN" altLang="en-US" dirty="0">
-                  <a:solidFill>
-                    <a:schemeClr val="bg1">
-                      <a:lumMod val="95000"/>
-                    </a:schemeClr>
-                  </a:solidFill>
-                  <a:latin typeface="黑体" panose="02010609060101010101" pitchFamily="49" charset="-122"/>
-                  <a:ea typeface="黑体" panose="02010609060101010101" pitchFamily="49" charset="-122"/>
-                </a:rPr>
-                <a:t>），你们的任务是</a:t>
-              </a:r>
-              <a:r>
-                <a:rPr lang="zh-CN" altLang="en-US" dirty="0">
-                  <a:solidFill>
-                    <a:srgbClr val="92D050"/>
-                  </a:solidFill>
-                  <a:latin typeface="黑体" panose="02010609060101010101" pitchFamily="49" charset="-122"/>
-                  <a:ea typeface="黑体" panose="02010609060101010101" pitchFamily="49" charset="-122"/>
-                </a:rPr>
-                <a:t>尽快</a:t>
-              </a:r>
-              <a:r>
-                <a:rPr lang="zh-CN" altLang="en-US" dirty="0">
-                  <a:solidFill>
-                    <a:schemeClr val="bg1">
-                      <a:lumMod val="95000"/>
-                    </a:schemeClr>
-                  </a:solidFill>
-                  <a:effectLst>
-                    <a:outerShdw blurRad="38100" dist="38100" dir="2700000" algn="tl">
-                      <a:srgbClr val="000000">
-                        <a:alpha val="43137"/>
-                      </a:srgbClr>
-                    </a:outerShdw>
-                  </a:effectLst>
-                  <a:latin typeface="黑体" panose="02010609060101010101" pitchFamily="49" charset="-122"/>
-                  <a:ea typeface="黑体" panose="02010609060101010101" pitchFamily="49" charset="-122"/>
-                </a:rPr>
-                <a:t>地在规定时间内</a:t>
-              </a:r>
-              <a:r>
-                <a:rPr lang="zh-CN" altLang="en-US" dirty="0">
-                  <a:solidFill>
-                    <a:schemeClr val="bg1">
-                      <a:lumMod val="95000"/>
-                    </a:schemeClr>
-                  </a:solidFill>
-                  <a:latin typeface="黑体" panose="02010609060101010101" pitchFamily="49" charset="-122"/>
-                  <a:ea typeface="黑体" panose="02010609060101010101" pitchFamily="49" charset="-122"/>
-                </a:rPr>
-                <a:t>抓住屏幕中跑动的“羊”（</a:t>
-              </a:r>
-              <a:r>
-                <a:rPr lang="zh-CN" altLang="en-US" dirty="0">
-                  <a:solidFill>
-                    <a:srgbClr val="0070C0"/>
-                  </a:solidFill>
-                  <a:latin typeface="黑体" panose="02010609060101010101" pitchFamily="49" charset="-122"/>
-                  <a:ea typeface="黑体" panose="02010609060101010101" pitchFamily="49" charset="-122"/>
-                </a:rPr>
-                <a:t>蓝色小球</a:t>
-              </a:r>
-              <a:r>
-                <a:rPr lang="zh-CN" altLang="en-US" dirty="0">
-                  <a:solidFill>
-                    <a:schemeClr val="bg1">
-                      <a:lumMod val="95000"/>
-                    </a:schemeClr>
-                  </a:solidFill>
-                  <a:latin typeface="黑体" panose="02010609060101010101" pitchFamily="49" charset="-122"/>
-                  <a:ea typeface="黑体" panose="02010609060101010101" pitchFamily="49" charset="-122"/>
-                </a:rPr>
-                <a:t>）。</a:t>
-              </a:r>
-              <a:endParaRPr lang="en-US" altLang="zh-CN" dirty="0">
-                <a:solidFill>
-                  <a:schemeClr val="bg1">
-                    <a:lumMod val="95000"/>
-                  </a:schemeClr>
-                </a:solidFill>
-                <a:latin typeface="黑体" panose="02010609060101010101" pitchFamily="49" charset="-122"/>
-                <a:ea typeface="黑体" panose="02010609060101010101" pitchFamily="49" charset="-122"/>
-              </a:endParaRPr>
-            </a:p>
-          </p:txBody>
-        </p:sp>
-      </p:grpSp>
-      <p:grpSp>
-        <p:nvGrpSpPr>
-          <p:cNvPr id="29" name="组合 28">
-            <a:extLst>
-              <a:ext uri="{FF2B5EF4-FFF2-40B4-BE49-F238E27FC236}">
-                <a16:creationId xmlns:a16="http://schemas.microsoft.com/office/drawing/2014/main" id="{6A1A71DB-CCFF-46C0-876C-31A54E1E0EB5}"/>
-              </a:ext>
-            </a:extLst>
-          </p:cNvPr>
-          <p:cNvGrpSpPr/>
-          <p:nvPr/>
-        </p:nvGrpSpPr>
-        <p:grpSpPr>
-          <a:xfrm>
-            <a:off x="2769245" y="2223295"/>
-            <a:ext cx="5145424" cy="4216111"/>
-            <a:chOff x="3124152" y="2088684"/>
-            <a:chExt cx="3763478" cy="3185962"/>
-          </a:xfrm>
-        </p:grpSpPr>
-        <p:sp>
-          <p:nvSpPr>
-            <p:cNvPr id="5" name="矩形 4">
+            <p:cNvPr id="36" name="矩形 35">
               <a:extLst>
                 <a:ext uri="{FF2B5EF4-FFF2-40B4-BE49-F238E27FC236}">
-                  <a16:creationId xmlns:a16="http://schemas.microsoft.com/office/drawing/2014/main" id="{0B043D4D-433E-4948-8A1D-948858D8CF9C}"/>
+                  <a16:creationId xmlns:a16="http://schemas.microsoft.com/office/drawing/2014/main" id="{53C8A41C-5F42-48BD-97FB-9908A02038F8}"/>
                 </a:ext>
               </a:extLst>
             </p:cNvPr>
@@ -4685,12 +4290,18 @@
           </p:nvSpPr>
           <p:spPr>
             <a:xfrm>
-              <a:off x="3124152" y="2088684"/>
-              <a:ext cx="3763478" cy="3185962"/>
+              <a:off x="3750055" y="1653439"/>
+              <a:ext cx="5040000" cy="5040000"/>
             </a:xfrm>
             <a:prstGeom prst="rect">
               <a:avLst/>
             </a:prstGeom>
+            <a:solidFill>
+              <a:schemeClr val="tx1"/>
+            </a:solidFill>
+            <a:ln>
+              <a:noFill/>
+            </a:ln>
           </p:spPr>
           <p:style>
             <a:lnRef idx="2">
@@ -4717,369 +4328,509 @@
             </a:p>
           </p:txBody>
         </p:sp>
-        <p:sp>
-          <p:nvSpPr>
-            <p:cNvPr id="6" name="椭圆 5">
+        <p:grpSp>
+          <p:nvGrpSpPr>
+            <p:cNvPr id="29" name="组合 28">
               <a:extLst>
                 <a:ext uri="{FF2B5EF4-FFF2-40B4-BE49-F238E27FC236}">
-                  <a16:creationId xmlns:a16="http://schemas.microsoft.com/office/drawing/2014/main" id="{66086F7F-60B8-4A83-97AB-FA74605F968A}"/>
+                  <a16:creationId xmlns:a16="http://schemas.microsoft.com/office/drawing/2014/main" id="{6A1A71DB-CCFF-46C0-876C-31A54E1E0EB5}"/>
                 </a:ext>
               </a:extLst>
             </p:cNvPr>
-            <p:cNvSpPr/>
+            <p:cNvGrpSpPr/>
             <p:nvPr/>
-          </p:nvSpPr>
-          <p:spPr>
+          </p:nvGrpSpPr>
+          <p:grpSpPr>
             <a:xfrm>
-              <a:off x="3898231" y="2569945"/>
-              <a:ext cx="173256" cy="173256"/>
+              <a:off x="4153490" y="2056874"/>
+              <a:ext cx="4233130" cy="4233131"/>
+              <a:chOff x="3533447" y="1779270"/>
+              <a:chExt cx="3291401" cy="3318711"/>
             </a:xfrm>
-            <a:prstGeom prst="ellipse">
-              <a:avLst/>
-            </a:prstGeom>
-          </p:spPr>
-          <p:style>
-            <a:lnRef idx="2">
-              <a:schemeClr val="accent1">
-                <a:shade val="50000"/>
-              </a:schemeClr>
-            </a:lnRef>
-            <a:fillRef idx="1">
-              <a:schemeClr val="accent1"/>
-            </a:fillRef>
-            <a:effectRef idx="0">
-              <a:schemeClr val="accent1"/>
-            </a:effectRef>
-            <a:fontRef idx="minor">
-              <a:schemeClr val="lt1"/>
-            </a:fontRef>
-          </p:style>
-          <p:txBody>
-            <a:bodyPr rtlCol="0" anchor="ctr"/>
-            <a:lstStyle/>
-            <a:p>
-              <a:pPr algn="ctr"/>
-              <a:endParaRPr lang="zh-CN" altLang="en-US"/>
-            </a:p>
-          </p:txBody>
-        </p:sp>
-        <p:sp>
-          <p:nvSpPr>
-            <p:cNvPr id="7" name="椭圆 6">
+          </p:grpSpPr>
+          <p:sp>
+            <p:nvSpPr>
+              <p:cNvPr id="5" name="矩形 4">
+                <a:extLst>
+                  <a:ext uri="{FF2B5EF4-FFF2-40B4-BE49-F238E27FC236}">
+                    <a16:creationId xmlns:a16="http://schemas.microsoft.com/office/drawing/2014/main" id="{0B043D4D-433E-4948-8A1D-948858D8CF9C}"/>
+                  </a:ext>
+                </a:extLst>
+              </p:cNvPr>
+              <p:cNvSpPr/>
+              <p:nvPr/>
+            </p:nvSpPr>
+            <p:spPr>
+              <a:xfrm>
+                <a:off x="3533447" y="1779270"/>
+                <a:ext cx="3291401" cy="3318711"/>
+              </a:xfrm>
+              <a:prstGeom prst="rect">
+                <a:avLst/>
+              </a:prstGeom>
+              <a:ln>
+                <a:noFill/>
+              </a:ln>
+            </p:spPr>
+            <p:style>
+              <a:lnRef idx="2">
+                <a:schemeClr val="accent3">
+                  <a:shade val="50000"/>
+                </a:schemeClr>
+              </a:lnRef>
+              <a:fillRef idx="1">
+                <a:schemeClr val="accent3"/>
+              </a:fillRef>
+              <a:effectRef idx="0">
+                <a:schemeClr val="accent3"/>
+              </a:effectRef>
+              <a:fontRef idx="minor">
+                <a:schemeClr val="lt1"/>
+              </a:fontRef>
+            </p:style>
+            <p:txBody>
+              <a:bodyPr rtlCol="0" anchor="ctr"/>
+              <a:lstStyle/>
+              <a:p>
+                <a:pPr algn="ctr"/>
+                <a:endParaRPr lang="zh-CN" altLang="en-US" dirty="0"/>
+              </a:p>
+            </p:txBody>
+          </p:sp>
+          <p:sp>
+            <p:nvSpPr>
+              <p:cNvPr id="6" name="椭圆 5">
+                <a:extLst>
+                  <a:ext uri="{FF2B5EF4-FFF2-40B4-BE49-F238E27FC236}">
+                    <a16:creationId xmlns:a16="http://schemas.microsoft.com/office/drawing/2014/main" id="{66086F7F-60B8-4A83-97AB-FA74605F968A}"/>
+                  </a:ext>
+                </a:extLst>
+              </p:cNvPr>
+              <p:cNvSpPr/>
+              <p:nvPr/>
+            </p:nvSpPr>
+            <p:spPr>
+              <a:xfrm>
+                <a:off x="3898231" y="2569945"/>
+                <a:ext cx="173256" cy="173256"/>
+              </a:xfrm>
+              <a:prstGeom prst="ellipse">
+                <a:avLst/>
+              </a:prstGeom>
+              <a:solidFill>
+                <a:srgbClr val="FFA500"/>
+              </a:solidFill>
+              <a:ln>
+                <a:solidFill>
+                  <a:srgbClr val="FFA500"/>
+                </a:solidFill>
+              </a:ln>
+            </p:spPr>
+            <p:style>
+              <a:lnRef idx="2">
+                <a:schemeClr val="accent2">
+                  <a:shade val="50000"/>
+                </a:schemeClr>
+              </a:lnRef>
+              <a:fillRef idx="1">
+                <a:schemeClr val="accent2"/>
+              </a:fillRef>
+              <a:effectRef idx="0">
+                <a:schemeClr val="accent2"/>
+              </a:effectRef>
+              <a:fontRef idx="minor">
+                <a:schemeClr val="lt1"/>
+              </a:fontRef>
+            </p:style>
+            <p:txBody>
+              <a:bodyPr rtlCol="0" anchor="ctr"/>
+              <a:lstStyle/>
+              <a:p>
+                <a:pPr algn="ctr"/>
+                <a:endParaRPr lang="zh-CN" altLang="en-US"/>
+              </a:p>
+            </p:txBody>
+          </p:sp>
+          <p:sp>
+            <p:nvSpPr>
+              <p:cNvPr id="7" name="椭圆 6">
+                <a:extLst>
+                  <a:ext uri="{FF2B5EF4-FFF2-40B4-BE49-F238E27FC236}">
+                    <a16:creationId xmlns:a16="http://schemas.microsoft.com/office/drawing/2014/main" id="{DC100545-0C66-42DA-A5CD-3C36ED6E7C8D}"/>
+                  </a:ext>
+                </a:extLst>
+              </p:cNvPr>
+              <p:cNvSpPr/>
+              <p:nvPr/>
+            </p:nvSpPr>
+            <p:spPr>
+              <a:xfrm>
+                <a:off x="6081562" y="3049604"/>
+                <a:ext cx="173256" cy="173256"/>
+              </a:xfrm>
+              <a:prstGeom prst="ellipse">
+                <a:avLst/>
+              </a:prstGeom>
+              <a:solidFill>
+                <a:srgbClr val="FFA500"/>
+              </a:solidFill>
+              <a:ln>
+                <a:solidFill>
+                  <a:srgbClr val="FFA500"/>
+                </a:solidFill>
+              </a:ln>
+            </p:spPr>
+            <p:style>
+              <a:lnRef idx="2">
+                <a:schemeClr val="accent2">
+                  <a:shade val="50000"/>
+                </a:schemeClr>
+              </a:lnRef>
+              <a:fillRef idx="1">
+                <a:schemeClr val="accent2"/>
+              </a:fillRef>
+              <a:effectRef idx="0">
+                <a:schemeClr val="accent2"/>
+              </a:effectRef>
+              <a:fontRef idx="minor">
+                <a:schemeClr val="lt1"/>
+              </a:fontRef>
+            </p:style>
+            <p:txBody>
+              <a:bodyPr rtlCol="0" anchor="ctr"/>
+              <a:lstStyle/>
+              <a:p>
+                <a:pPr algn="ctr"/>
+                <a:endParaRPr lang="zh-CN" altLang="en-US"/>
+              </a:p>
+            </p:txBody>
+          </p:sp>
+          <p:sp>
+            <p:nvSpPr>
+              <p:cNvPr id="8" name="椭圆 7">
+                <a:extLst>
+                  <a:ext uri="{FF2B5EF4-FFF2-40B4-BE49-F238E27FC236}">
+                    <a16:creationId xmlns:a16="http://schemas.microsoft.com/office/drawing/2014/main" id="{81D5187F-EC26-42A7-BCB8-5CDECA8697D8}"/>
+                  </a:ext>
+                </a:extLst>
+              </p:cNvPr>
+              <p:cNvSpPr/>
+              <p:nvPr/>
+            </p:nvSpPr>
+            <p:spPr>
+              <a:xfrm>
+                <a:off x="4198125" y="3438626"/>
+                <a:ext cx="173256" cy="173256"/>
+              </a:xfrm>
+              <a:prstGeom prst="ellipse">
+                <a:avLst/>
+              </a:prstGeom>
+              <a:solidFill>
+                <a:srgbClr val="FFA500"/>
+              </a:solidFill>
+              <a:ln>
+                <a:solidFill>
+                  <a:srgbClr val="FFA500"/>
+                </a:solidFill>
+              </a:ln>
+            </p:spPr>
+            <p:style>
+              <a:lnRef idx="2">
+                <a:schemeClr val="accent2">
+                  <a:shade val="50000"/>
+                </a:schemeClr>
+              </a:lnRef>
+              <a:fillRef idx="1">
+                <a:schemeClr val="accent2"/>
+              </a:fillRef>
+              <a:effectRef idx="0">
+                <a:schemeClr val="accent2"/>
+              </a:effectRef>
+              <a:fontRef idx="minor">
+                <a:schemeClr val="lt1"/>
+              </a:fontRef>
+            </p:style>
+            <p:txBody>
+              <a:bodyPr rtlCol="0" anchor="ctr"/>
+              <a:lstStyle/>
+              <a:p>
+                <a:pPr algn="ctr"/>
+                <a:endParaRPr lang="zh-CN" altLang="en-US"/>
+              </a:p>
+            </p:txBody>
+          </p:sp>
+          <p:sp>
+            <p:nvSpPr>
+              <p:cNvPr id="9" name="椭圆 8">
+                <a:extLst>
+                  <a:ext uri="{FF2B5EF4-FFF2-40B4-BE49-F238E27FC236}">
+                    <a16:creationId xmlns:a16="http://schemas.microsoft.com/office/drawing/2014/main" id="{8AB024DF-FD6F-4DEC-A1A6-A76E5D25F6AB}"/>
+                  </a:ext>
+                </a:extLst>
+              </p:cNvPr>
+              <p:cNvSpPr/>
+              <p:nvPr/>
+            </p:nvSpPr>
+            <p:spPr>
+              <a:xfrm>
+                <a:off x="5005891" y="4676273"/>
+                <a:ext cx="173256" cy="173256"/>
+              </a:xfrm>
+              <a:prstGeom prst="ellipse">
+                <a:avLst/>
+              </a:prstGeom>
+              <a:solidFill>
+                <a:srgbClr val="FFA500"/>
+              </a:solidFill>
+              <a:ln>
+                <a:solidFill>
+                  <a:srgbClr val="FFA500"/>
+                </a:solidFill>
+              </a:ln>
+            </p:spPr>
+            <p:style>
+              <a:lnRef idx="2">
+                <a:schemeClr val="accent2">
+                  <a:shade val="50000"/>
+                </a:schemeClr>
+              </a:lnRef>
+              <a:fillRef idx="1">
+                <a:schemeClr val="accent2"/>
+              </a:fillRef>
+              <a:effectRef idx="0">
+                <a:schemeClr val="accent2"/>
+              </a:effectRef>
+              <a:fontRef idx="minor">
+                <a:schemeClr val="lt1"/>
+              </a:fontRef>
+            </p:style>
+            <p:txBody>
+              <a:bodyPr rtlCol="0" anchor="ctr"/>
+              <a:lstStyle/>
+              <a:p>
+                <a:pPr algn="ctr"/>
+                <a:endParaRPr lang="zh-CN" altLang="en-US"/>
+              </a:p>
+            </p:txBody>
+          </p:sp>
+          <p:sp>
+            <p:nvSpPr>
+              <p:cNvPr id="10" name="椭圆 9">
+                <a:extLst>
+                  <a:ext uri="{FF2B5EF4-FFF2-40B4-BE49-F238E27FC236}">
+                    <a16:creationId xmlns:a16="http://schemas.microsoft.com/office/drawing/2014/main" id="{85281FF0-F85C-498D-AA10-9F8265AB568F}"/>
+                  </a:ext>
+                </a:extLst>
+              </p:cNvPr>
+              <p:cNvSpPr/>
+              <p:nvPr/>
+            </p:nvSpPr>
+            <p:spPr>
+              <a:xfrm>
+                <a:off x="5134040" y="3525254"/>
+                <a:ext cx="173256" cy="173256"/>
+              </a:xfrm>
+              <a:prstGeom prst="ellipse">
+                <a:avLst/>
+              </a:prstGeom>
+              <a:solidFill>
+                <a:srgbClr val="FF0000"/>
+              </a:solidFill>
+              <a:ln>
+                <a:solidFill>
+                  <a:srgbClr val="FF0000"/>
+                </a:solidFill>
+              </a:ln>
+            </p:spPr>
+            <p:style>
+              <a:lnRef idx="2">
+                <a:schemeClr val="accent1">
+                  <a:shade val="50000"/>
+                </a:schemeClr>
+              </a:lnRef>
+              <a:fillRef idx="1">
+                <a:schemeClr val="accent1"/>
+              </a:fillRef>
+              <a:effectRef idx="0">
+                <a:schemeClr val="accent1"/>
+              </a:effectRef>
+              <a:fontRef idx="minor">
+                <a:schemeClr val="lt1"/>
+              </a:fontRef>
+            </p:style>
+            <p:txBody>
+              <a:bodyPr rtlCol="0" anchor="ctr"/>
+              <a:lstStyle/>
+              <a:p>
+                <a:pPr algn="ctr"/>
+                <a:endParaRPr lang="zh-CN" altLang="en-US"/>
+              </a:p>
+            </p:txBody>
+          </p:sp>
+          <p:sp>
+            <p:nvSpPr>
+              <p:cNvPr id="11" name="椭圆 10">
+                <a:extLst>
+                  <a:ext uri="{FF2B5EF4-FFF2-40B4-BE49-F238E27FC236}">
+                    <a16:creationId xmlns:a16="http://schemas.microsoft.com/office/drawing/2014/main" id="{80A792D0-7DC2-4A65-AE32-FF35A391FB25}"/>
+                  </a:ext>
+                </a:extLst>
+              </p:cNvPr>
+              <p:cNvSpPr/>
+              <p:nvPr/>
+            </p:nvSpPr>
+            <p:spPr>
+              <a:xfrm>
+                <a:off x="5975684" y="3792354"/>
+                <a:ext cx="173256" cy="173256"/>
+              </a:xfrm>
+              <a:prstGeom prst="ellipse">
+                <a:avLst/>
+              </a:prstGeom>
+              <a:solidFill>
+                <a:srgbClr val="0000FF"/>
+              </a:solidFill>
+              <a:ln>
+                <a:solidFill>
+                  <a:srgbClr val="0000FF"/>
+                </a:solidFill>
+              </a:ln>
+            </p:spPr>
+            <p:style>
+              <a:lnRef idx="2">
+                <a:schemeClr val="accent4">
+                  <a:shade val="50000"/>
+                </a:schemeClr>
+              </a:lnRef>
+              <a:fillRef idx="1">
+                <a:schemeClr val="accent4"/>
+              </a:fillRef>
+              <a:effectRef idx="0">
+                <a:schemeClr val="accent4"/>
+              </a:effectRef>
+              <a:fontRef idx="minor">
+                <a:schemeClr val="lt1"/>
+              </a:fontRef>
+            </p:style>
+            <p:txBody>
+              <a:bodyPr rtlCol="0" anchor="ctr"/>
+              <a:lstStyle/>
+              <a:p>
+                <a:pPr algn="ctr"/>
+                <a:endParaRPr lang="zh-CN" altLang="en-US"/>
+              </a:p>
+            </p:txBody>
+          </p:sp>
+          <p:cxnSp>
+            <p:nvCxnSpPr>
+              <p:cNvPr id="14" name="连接符: 曲线 13">
+                <a:extLst>
+                  <a:ext uri="{FF2B5EF4-FFF2-40B4-BE49-F238E27FC236}">
+                    <a16:creationId xmlns:a16="http://schemas.microsoft.com/office/drawing/2014/main" id="{2D0772AF-397B-41F2-AEF9-99E3A640EAFA}"/>
+                  </a:ext>
+                </a:extLst>
+              </p:cNvPr>
+              <p:cNvCxnSpPr>
+                <a:cxnSpLocks/>
+                <a:stCxn id="10" idx="0"/>
+              </p:cNvCxnSpPr>
+              <p:nvPr/>
+            </p:nvCxnSpPr>
+            <p:spPr>
+              <a:xfrm rot="5400000" flipH="1" flipV="1">
+                <a:off x="5446979" y="2909921"/>
+                <a:ext cx="389022" cy="841644"/>
+              </a:xfrm>
+              <a:prstGeom prst="curvedConnector2">
+                <a:avLst/>
+              </a:prstGeom>
+              <a:ln>
+                <a:solidFill>
+                  <a:srgbClr val="FF0000"/>
+                </a:solidFill>
+                <a:tailEnd type="triangle"/>
+              </a:ln>
+            </p:spPr>
+            <p:style>
+              <a:lnRef idx="1">
+                <a:schemeClr val="dk1"/>
+              </a:lnRef>
+              <a:fillRef idx="0">
+                <a:schemeClr val="dk1"/>
+              </a:fillRef>
+              <a:effectRef idx="0">
+                <a:schemeClr val="dk1"/>
+              </a:effectRef>
+              <a:fontRef idx="minor">
+                <a:schemeClr val="tx1"/>
+              </a:fontRef>
+            </p:style>
+          </p:cxnSp>
+          <p:cxnSp>
+            <p:nvCxnSpPr>
+              <p:cNvPr id="27" name="连接符: 曲线 26">
+                <a:extLst>
+                  <a:ext uri="{FF2B5EF4-FFF2-40B4-BE49-F238E27FC236}">
+                    <a16:creationId xmlns:a16="http://schemas.microsoft.com/office/drawing/2014/main" id="{3438D6D3-B864-4C39-B68B-A80B1B91FFBB}"/>
+                  </a:ext>
+                </a:extLst>
+              </p:cNvPr>
+              <p:cNvCxnSpPr>
+                <a:cxnSpLocks/>
+                <a:stCxn id="11" idx="6"/>
+              </p:cNvCxnSpPr>
+              <p:nvPr/>
+            </p:nvCxnSpPr>
+            <p:spPr>
+              <a:xfrm flipV="1">
+                <a:off x="6148940" y="3288632"/>
+                <a:ext cx="65772" cy="590350"/>
+              </a:xfrm>
+              <a:prstGeom prst="curvedConnector2">
+                <a:avLst/>
+              </a:prstGeom>
+              <a:ln>
+                <a:solidFill>
+                  <a:srgbClr val="0000FF"/>
+                </a:solidFill>
+                <a:tailEnd type="triangle"/>
+              </a:ln>
+            </p:spPr>
+            <p:style>
+              <a:lnRef idx="1">
+                <a:schemeClr val="dk1"/>
+              </a:lnRef>
+              <a:fillRef idx="0">
+                <a:schemeClr val="dk1"/>
+              </a:fillRef>
+              <a:effectRef idx="0">
+                <a:schemeClr val="dk1"/>
+              </a:effectRef>
+              <a:fontRef idx="minor">
+                <a:schemeClr val="tx1"/>
+              </a:fontRef>
+            </p:style>
+          </p:cxnSp>
+        </p:grpSp>
+        <p:cxnSp>
+          <p:nvCxnSpPr>
+            <p:cNvPr id="17" name="连接符: 曲线 16">
               <a:extLst>
                 <a:ext uri="{FF2B5EF4-FFF2-40B4-BE49-F238E27FC236}">
-                  <a16:creationId xmlns:a16="http://schemas.microsoft.com/office/drawing/2014/main" id="{DC100545-0C66-42DA-A5CD-3C36ED6E7C8D}"/>
-                </a:ext>
-              </a:extLst>
-            </p:cNvPr>
-            <p:cNvSpPr/>
-            <p:nvPr/>
-          </p:nvSpPr>
-          <p:spPr>
-            <a:xfrm>
-              <a:off x="6081562" y="3049604"/>
-              <a:ext cx="173256" cy="173256"/>
-            </a:xfrm>
-            <a:prstGeom prst="ellipse">
-              <a:avLst/>
-            </a:prstGeom>
-          </p:spPr>
-          <p:style>
-            <a:lnRef idx="2">
-              <a:schemeClr val="accent1">
-                <a:shade val="50000"/>
-              </a:schemeClr>
-            </a:lnRef>
-            <a:fillRef idx="1">
-              <a:schemeClr val="accent1"/>
-            </a:fillRef>
-            <a:effectRef idx="0">
-              <a:schemeClr val="accent1"/>
-            </a:effectRef>
-            <a:fontRef idx="minor">
-              <a:schemeClr val="lt1"/>
-            </a:fontRef>
-          </p:style>
-          <p:txBody>
-            <a:bodyPr rtlCol="0" anchor="ctr"/>
-            <a:lstStyle/>
-            <a:p>
-              <a:pPr algn="ctr"/>
-              <a:endParaRPr lang="zh-CN" altLang="en-US"/>
-            </a:p>
-          </p:txBody>
-        </p:sp>
-        <p:sp>
-          <p:nvSpPr>
-            <p:cNvPr id="8" name="椭圆 7">
-              <a:extLst>
-                <a:ext uri="{FF2B5EF4-FFF2-40B4-BE49-F238E27FC236}">
-                  <a16:creationId xmlns:a16="http://schemas.microsoft.com/office/drawing/2014/main" id="{81D5187F-EC26-42A7-BCB8-5CDECA8697D8}"/>
-                </a:ext>
-              </a:extLst>
-            </p:cNvPr>
-            <p:cNvSpPr/>
-            <p:nvPr/>
-          </p:nvSpPr>
-          <p:spPr>
-            <a:xfrm>
-              <a:off x="4198125" y="3438626"/>
-              <a:ext cx="173256" cy="173256"/>
-            </a:xfrm>
-            <a:prstGeom prst="ellipse">
-              <a:avLst/>
-            </a:prstGeom>
-          </p:spPr>
-          <p:style>
-            <a:lnRef idx="2">
-              <a:schemeClr val="accent1">
-                <a:shade val="50000"/>
-              </a:schemeClr>
-            </a:lnRef>
-            <a:fillRef idx="1">
-              <a:schemeClr val="accent1"/>
-            </a:fillRef>
-            <a:effectRef idx="0">
-              <a:schemeClr val="accent1"/>
-            </a:effectRef>
-            <a:fontRef idx="minor">
-              <a:schemeClr val="lt1"/>
-            </a:fontRef>
-          </p:style>
-          <p:txBody>
-            <a:bodyPr rtlCol="0" anchor="ctr"/>
-            <a:lstStyle/>
-            <a:p>
-              <a:pPr algn="ctr"/>
-              <a:endParaRPr lang="zh-CN" altLang="en-US"/>
-            </a:p>
-          </p:txBody>
-        </p:sp>
-        <p:sp>
-          <p:nvSpPr>
-            <p:cNvPr id="9" name="椭圆 8">
-              <a:extLst>
-                <a:ext uri="{FF2B5EF4-FFF2-40B4-BE49-F238E27FC236}">
-                  <a16:creationId xmlns:a16="http://schemas.microsoft.com/office/drawing/2014/main" id="{8AB024DF-FD6F-4DEC-A1A6-A76E5D25F6AB}"/>
-                </a:ext>
-              </a:extLst>
-            </p:cNvPr>
-            <p:cNvSpPr/>
-            <p:nvPr/>
-          </p:nvSpPr>
-          <p:spPr>
-            <a:xfrm>
-              <a:off x="5005891" y="4676273"/>
-              <a:ext cx="173256" cy="173256"/>
-            </a:xfrm>
-            <a:prstGeom prst="ellipse">
-              <a:avLst/>
-            </a:prstGeom>
-          </p:spPr>
-          <p:style>
-            <a:lnRef idx="2">
-              <a:schemeClr val="accent1">
-                <a:shade val="50000"/>
-              </a:schemeClr>
-            </a:lnRef>
-            <a:fillRef idx="1">
-              <a:schemeClr val="accent1"/>
-            </a:fillRef>
-            <a:effectRef idx="0">
-              <a:schemeClr val="accent1"/>
-            </a:effectRef>
-            <a:fontRef idx="minor">
-              <a:schemeClr val="lt1"/>
-            </a:fontRef>
-          </p:style>
-          <p:txBody>
-            <a:bodyPr rtlCol="0" anchor="ctr"/>
-            <a:lstStyle/>
-            <a:p>
-              <a:pPr algn="ctr"/>
-              <a:endParaRPr lang="zh-CN" altLang="en-US"/>
-            </a:p>
-          </p:txBody>
-        </p:sp>
-        <p:sp>
-          <p:nvSpPr>
-            <p:cNvPr id="10" name="椭圆 9">
-              <a:extLst>
-                <a:ext uri="{FF2B5EF4-FFF2-40B4-BE49-F238E27FC236}">
-                  <a16:creationId xmlns:a16="http://schemas.microsoft.com/office/drawing/2014/main" id="{85281FF0-F85C-498D-AA10-9F8265AB568F}"/>
-                </a:ext>
-              </a:extLst>
-            </p:cNvPr>
-            <p:cNvSpPr/>
-            <p:nvPr/>
-          </p:nvSpPr>
-          <p:spPr>
-            <a:xfrm>
-              <a:off x="5134040" y="3525254"/>
-              <a:ext cx="173256" cy="173256"/>
-            </a:xfrm>
-            <a:prstGeom prst="ellipse">
-              <a:avLst/>
-            </a:prstGeom>
-            <a:solidFill>
-              <a:srgbClr val="FF0000"/>
-            </a:solidFill>
-            <a:ln>
-              <a:solidFill>
-                <a:srgbClr val="C00000"/>
-              </a:solidFill>
-            </a:ln>
-          </p:spPr>
-          <p:style>
-            <a:lnRef idx="2">
-              <a:schemeClr val="accent1">
-                <a:shade val="50000"/>
-              </a:schemeClr>
-            </a:lnRef>
-            <a:fillRef idx="1">
-              <a:schemeClr val="accent1"/>
-            </a:fillRef>
-            <a:effectRef idx="0">
-              <a:schemeClr val="accent1"/>
-            </a:effectRef>
-            <a:fontRef idx="minor">
-              <a:schemeClr val="lt1"/>
-            </a:fontRef>
-          </p:style>
-          <p:txBody>
-            <a:bodyPr rtlCol="0" anchor="ctr"/>
-            <a:lstStyle/>
-            <a:p>
-              <a:pPr algn="ctr"/>
-              <a:endParaRPr lang="zh-CN" altLang="en-US"/>
-            </a:p>
-          </p:txBody>
-        </p:sp>
-        <p:sp>
-          <p:nvSpPr>
-            <p:cNvPr id="11" name="椭圆 10">
-              <a:extLst>
-                <a:ext uri="{FF2B5EF4-FFF2-40B4-BE49-F238E27FC236}">
-                  <a16:creationId xmlns:a16="http://schemas.microsoft.com/office/drawing/2014/main" id="{80A792D0-7DC2-4A65-AE32-FF35A391FB25}"/>
-                </a:ext>
-              </a:extLst>
-            </p:cNvPr>
-            <p:cNvSpPr/>
-            <p:nvPr/>
-          </p:nvSpPr>
-          <p:spPr>
-            <a:xfrm>
-              <a:off x="5975684" y="3792354"/>
-              <a:ext cx="173256" cy="173256"/>
-            </a:xfrm>
-            <a:prstGeom prst="ellipse">
-              <a:avLst/>
-            </a:prstGeom>
-          </p:spPr>
-          <p:style>
-            <a:lnRef idx="2">
-              <a:schemeClr val="accent4">
-                <a:shade val="50000"/>
-              </a:schemeClr>
-            </a:lnRef>
-            <a:fillRef idx="1">
-              <a:schemeClr val="accent4"/>
-            </a:fillRef>
-            <a:effectRef idx="0">
-              <a:schemeClr val="accent4"/>
-            </a:effectRef>
-            <a:fontRef idx="minor">
-              <a:schemeClr val="lt1"/>
-            </a:fontRef>
-          </p:style>
-          <p:txBody>
-            <a:bodyPr rtlCol="0" anchor="ctr"/>
-            <a:lstStyle/>
-            <a:p>
-              <a:pPr algn="ctr"/>
-              <a:endParaRPr lang="zh-CN" altLang="en-US"/>
-            </a:p>
-          </p:txBody>
-        </p:sp>
-        <p:sp>
-          <p:nvSpPr>
-            <p:cNvPr id="12" name="文本框 11">
-              <a:extLst>
-                <a:ext uri="{FF2B5EF4-FFF2-40B4-BE49-F238E27FC236}">
-                  <a16:creationId xmlns:a16="http://schemas.microsoft.com/office/drawing/2014/main" id="{7BF282D8-C6F0-4D63-B181-334948F0A13B}"/>
-                </a:ext>
-              </a:extLst>
-            </p:cNvPr>
-            <p:cNvSpPr txBox="1"/>
-            <p:nvPr/>
-          </p:nvSpPr>
-          <p:spPr>
-            <a:xfrm>
-              <a:off x="4488443" y="2147534"/>
-              <a:ext cx="1381407" cy="302349"/>
-            </a:xfrm>
-            <a:prstGeom prst="rect">
-              <a:avLst/>
-            </a:prstGeom>
-            <a:noFill/>
-          </p:spPr>
-          <p:txBody>
-            <a:bodyPr wrap="none" rtlCol="0">
-              <a:spAutoFit/>
-            </a:bodyPr>
-            <a:lstStyle/>
-            <a:p>
-              <a:r>
-                <a:rPr lang="en-US" altLang="zh-CN" sz="2000" b="1" dirty="0" err="1">
-                  <a:solidFill>
-                    <a:srgbClr val="FF0000"/>
-                  </a:solidFill>
-                </a:rPr>
-                <a:t>TotalScore</a:t>
-              </a:r>
-              <a:r>
-                <a:rPr lang="zh-CN" altLang="en-US" sz="2000" b="1" dirty="0">
-                  <a:solidFill>
-                    <a:srgbClr val="FF0000"/>
-                  </a:solidFill>
-                </a:rPr>
-                <a:t>：</a:t>
-              </a:r>
-              <a:r>
-                <a:rPr lang="en-US" altLang="zh-CN" sz="2000" b="1" dirty="0">
-                  <a:solidFill>
-                    <a:srgbClr val="FF0000"/>
-                  </a:solidFill>
-                </a:rPr>
-                <a:t> 0</a:t>
-              </a:r>
-              <a:endParaRPr lang="zh-CN" altLang="en-US" sz="2000" b="1" dirty="0">
-                <a:solidFill>
-                  <a:srgbClr val="FF0000"/>
-                </a:solidFill>
-              </a:endParaRPr>
-            </a:p>
-          </p:txBody>
-        </p:sp>
-        <p:cxnSp>
-          <p:nvCxnSpPr>
-            <p:cNvPr id="14" name="连接符: 曲线 13">
-              <a:extLst>
-                <a:ext uri="{FF2B5EF4-FFF2-40B4-BE49-F238E27FC236}">
-                  <a16:creationId xmlns:a16="http://schemas.microsoft.com/office/drawing/2014/main" id="{2D0772AF-397B-41F2-AEF9-99E3A640EAFA}"/>
+                  <a16:creationId xmlns:a16="http://schemas.microsoft.com/office/drawing/2014/main" id="{1BA0408C-C56D-4BA3-8343-CCB94E0EE64C}"/>
                 </a:ext>
               </a:extLst>
             </p:cNvPr>
             <p:cNvCxnSpPr>
               <a:cxnSpLocks/>
-              <a:stCxn id="10" idx="0"/>
+              <a:stCxn id="7" idx="7"/>
             </p:cNvCxnSpPr>
             <p:nvPr/>
           </p:nvCxnSpPr>
           <p:spPr>
             <a:xfrm rot="5400000" flipH="1" flipV="1">
-              <a:off x="5446979" y="2909921"/>
-              <a:ext cx="389022" cy="841644"/>
+              <a:off x="7770754" y="3189024"/>
+              <a:ext cx="370679" cy="670460"/>
             </a:xfrm>
             <a:prstGeom prst="curvedConnector2">
               <a:avLst/>
@@ -5090,13 +4841,13 @@
           </p:spPr>
           <p:style>
             <a:lnRef idx="1">
-              <a:schemeClr val="dk1"/>
+              <a:schemeClr val="accent2"/>
             </a:lnRef>
             <a:fillRef idx="0">
-              <a:schemeClr val="dk1"/>
+              <a:schemeClr val="accent2"/>
             </a:fillRef>
             <a:effectRef idx="0">
-              <a:schemeClr val="dk1"/>
+              <a:schemeClr val="accent2"/>
             </a:effectRef>
             <a:fontRef idx="minor">
               <a:schemeClr val="tx1"/>
@@ -5105,23 +4856,23 @@
         </p:cxnSp>
         <p:cxnSp>
           <p:nvCxnSpPr>
-            <p:cNvPr id="27" name="连接符: 曲线 26">
+            <p:cNvPr id="21" name="连接符: 曲线 20">
               <a:extLst>
                 <a:ext uri="{FF2B5EF4-FFF2-40B4-BE49-F238E27FC236}">
-                  <a16:creationId xmlns:a16="http://schemas.microsoft.com/office/drawing/2014/main" id="{3438D6D3-B864-4C39-B68B-A80B1B91FFBB}"/>
+                  <a16:creationId xmlns:a16="http://schemas.microsoft.com/office/drawing/2014/main" id="{61449E04-70B9-4021-8B8D-F2C8170F9C67}"/>
                 </a:ext>
               </a:extLst>
             </p:cNvPr>
             <p:cNvCxnSpPr>
               <a:cxnSpLocks/>
-              <a:stCxn id="11" idx="6"/>
+              <a:stCxn id="6" idx="1"/>
             </p:cNvCxnSpPr>
             <p:nvPr/>
           </p:nvCxnSpPr>
           <p:spPr>
-            <a:xfrm flipV="1">
-              <a:off x="6148940" y="3288632"/>
-              <a:ext cx="65772" cy="590350"/>
+            <a:xfrm rot="16200000" flipV="1">
+              <a:off x="4285859" y="2728352"/>
+              <a:ext cx="335521" cy="403317"/>
             </a:xfrm>
             <a:prstGeom prst="curvedConnector2">
               <a:avLst/>
@@ -5132,188 +4883,192 @@
           </p:spPr>
           <p:style>
             <a:lnRef idx="1">
-              <a:schemeClr val="dk1"/>
+              <a:schemeClr val="accent2"/>
             </a:lnRef>
             <a:fillRef idx="0">
-              <a:schemeClr val="dk1"/>
+              <a:schemeClr val="accent2"/>
             </a:fillRef>
             <a:effectRef idx="0">
-              <a:schemeClr val="dk1"/>
+              <a:schemeClr val="accent2"/>
             </a:effectRef>
             <a:fontRef idx="minor">
               <a:schemeClr val="tx1"/>
             </a:fontRef>
           </p:style>
         </p:cxnSp>
+        <p:cxnSp>
+          <p:nvCxnSpPr>
+            <p:cNvPr id="24" name="连接符: 曲线 23">
+              <a:extLst>
+                <a:ext uri="{FF2B5EF4-FFF2-40B4-BE49-F238E27FC236}">
+                  <a16:creationId xmlns:a16="http://schemas.microsoft.com/office/drawing/2014/main" id="{1C1B8944-B13B-42DA-8FA6-4D9EA0E47CA1}"/>
+                </a:ext>
+              </a:extLst>
+            </p:cNvPr>
+            <p:cNvCxnSpPr>
+              <a:cxnSpLocks/>
+              <a:stCxn id="8" idx="0"/>
+            </p:cNvCxnSpPr>
+            <p:nvPr/>
+          </p:nvCxnSpPr>
+          <p:spPr>
+            <a:xfrm rot="16200000" flipV="1">
+              <a:off x="4733032" y="3786714"/>
+              <a:ext cx="385714" cy="387738"/>
+            </a:xfrm>
+            <a:prstGeom prst="curvedConnector2">
+              <a:avLst/>
+            </a:prstGeom>
+            <a:ln>
+              <a:tailEnd type="triangle"/>
+            </a:ln>
+          </p:spPr>
+          <p:style>
+            <a:lnRef idx="1">
+              <a:schemeClr val="accent2"/>
+            </a:lnRef>
+            <a:fillRef idx="0">
+              <a:schemeClr val="accent2"/>
+            </a:fillRef>
+            <a:effectRef idx="0">
+              <a:schemeClr val="accent2"/>
+            </a:effectRef>
+            <a:fontRef idx="minor">
+              <a:schemeClr val="tx1"/>
+            </a:fontRef>
+          </p:style>
+        </p:cxnSp>
+        <p:cxnSp>
+          <p:nvCxnSpPr>
+            <p:cNvPr id="28" name="连接符: 曲线 27">
+              <a:extLst>
+                <a:ext uri="{FF2B5EF4-FFF2-40B4-BE49-F238E27FC236}">
+                  <a16:creationId xmlns:a16="http://schemas.microsoft.com/office/drawing/2014/main" id="{211A2E74-9904-4451-AF5C-1A6D7177562E}"/>
+                </a:ext>
+              </a:extLst>
+            </p:cNvPr>
+            <p:cNvCxnSpPr>
+              <a:cxnSpLocks/>
+              <a:stCxn id="9" idx="1"/>
+            </p:cNvCxnSpPr>
+            <p:nvPr/>
+          </p:nvCxnSpPr>
+          <p:spPr>
+            <a:xfrm rot="16200000" flipV="1">
+              <a:off x="5740777" y="5445383"/>
+              <a:ext cx="305686" cy="372479"/>
+            </a:xfrm>
+            <a:prstGeom prst="curvedConnector2">
+              <a:avLst/>
+            </a:prstGeom>
+            <a:ln>
+              <a:tailEnd type="triangle"/>
+            </a:ln>
+          </p:spPr>
+          <p:style>
+            <a:lnRef idx="1">
+              <a:schemeClr val="accent2"/>
+            </a:lnRef>
+            <a:fillRef idx="0">
+              <a:schemeClr val="accent2"/>
+            </a:fillRef>
+            <a:effectRef idx="0">
+              <a:schemeClr val="accent2"/>
+            </a:effectRef>
+            <a:fontRef idx="minor">
+              <a:schemeClr val="tx1"/>
+            </a:fontRef>
+          </p:style>
+        </p:cxnSp>
+        <p:sp>
+          <p:nvSpPr>
+            <p:cNvPr id="16" name="文本框 15">
+              <a:extLst>
+                <a:ext uri="{FF2B5EF4-FFF2-40B4-BE49-F238E27FC236}">
+                  <a16:creationId xmlns:a16="http://schemas.microsoft.com/office/drawing/2014/main" id="{724925E5-3D70-446F-A302-0C3CCD84CC96}"/>
+                </a:ext>
+              </a:extLst>
+            </p:cNvPr>
+            <p:cNvSpPr txBox="1"/>
+            <p:nvPr/>
+          </p:nvSpPr>
+          <p:spPr>
+            <a:xfrm>
+              <a:off x="4074570" y="1650006"/>
+              <a:ext cx="1318978" cy="400110"/>
+            </a:xfrm>
+            <a:prstGeom prst="rect">
+              <a:avLst/>
+            </a:prstGeom>
+            <a:noFill/>
+          </p:spPr>
+          <p:txBody>
+            <a:bodyPr wrap="square" rtlCol="0">
+              <a:spAutoFit/>
+            </a:bodyPr>
+            <a:lstStyle/>
+            <a:p>
+              <a:r>
+                <a:rPr lang="en-US" altLang="zh-CN" b="1" dirty="0">
+                  <a:solidFill>
+                    <a:schemeClr val="bg1"/>
+                  </a:solidFill>
+                </a:rPr>
+                <a:t>Time: 15s</a:t>
+              </a:r>
+              <a:endParaRPr lang="zh-CN" altLang="en-US" b="1" dirty="0">
+                <a:solidFill>
+                  <a:schemeClr val="bg1"/>
+                </a:solidFill>
+              </a:endParaRPr>
+            </a:p>
+          </p:txBody>
+        </p:sp>
+        <p:sp>
+          <p:nvSpPr>
+            <p:cNvPr id="37" name="文本框 36">
+              <a:extLst>
+                <a:ext uri="{FF2B5EF4-FFF2-40B4-BE49-F238E27FC236}">
+                  <a16:creationId xmlns:a16="http://schemas.microsoft.com/office/drawing/2014/main" id="{F3F5A9F8-B6B0-4EAA-A614-89F82548397C}"/>
+                </a:ext>
+              </a:extLst>
+            </p:cNvPr>
+            <p:cNvSpPr txBox="1"/>
+            <p:nvPr/>
+          </p:nvSpPr>
+          <p:spPr>
+            <a:xfrm>
+              <a:off x="6682274" y="1655198"/>
+              <a:ext cx="1825122" cy="400110"/>
+            </a:xfrm>
+            <a:prstGeom prst="rect">
+              <a:avLst/>
+            </a:prstGeom>
+            <a:noFill/>
+          </p:spPr>
+          <p:txBody>
+            <a:bodyPr wrap="square" rtlCol="0">
+              <a:spAutoFit/>
+            </a:bodyPr>
+            <a:lstStyle/>
+            <a:p>
+              <a:r>
+                <a:rPr lang="en-US" altLang="zh-CN" b="1" dirty="0">
+                  <a:solidFill>
+                    <a:srgbClr val="00FF00"/>
+                  </a:solidFill>
+                </a:rPr>
+                <a:t>Total Score: 0</a:t>
+              </a:r>
+              <a:endParaRPr lang="zh-CN" altLang="en-US" b="1" dirty="0">
+                <a:solidFill>
+                  <a:srgbClr val="00FF00"/>
+                </a:solidFill>
+              </a:endParaRPr>
+            </a:p>
+          </p:txBody>
+        </p:sp>
       </p:grpSp>
-      <p:cxnSp>
-        <p:nvCxnSpPr>
-          <p:cNvPr id="17" name="连接符: 曲线 16">
-            <a:extLst>
-              <a:ext uri="{FF2B5EF4-FFF2-40B4-BE49-F238E27FC236}">
-                <a16:creationId xmlns:a16="http://schemas.microsoft.com/office/drawing/2014/main" id="{1BA0408C-C56D-4BA3-8343-CCB94E0EE64C}"/>
-              </a:ext>
-            </a:extLst>
-          </p:cNvPr>
-          <p:cNvCxnSpPr>
-            <a:cxnSpLocks/>
-            <a:stCxn id="7" idx="7"/>
-          </p:cNvCxnSpPr>
-          <p:nvPr/>
-        </p:nvCxnSpPr>
-        <p:spPr>
-          <a:xfrm rot="5400000" flipH="1" flipV="1">
-            <a:off x="7148332" y="3229548"/>
-            <a:ext cx="165415" cy="432482"/>
-          </a:xfrm>
-          <a:prstGeom prst="curvedConnector2">
-            <a:avLst/>
-          </a:prstGeom>
-          <a:ln>
-            <a:tailEnd type="triangle"/>
-          </a:ln>
-        </p:spPr>
-        <p:style>
-          <a:lnRef idx="1">
-            <a:schemeClr val="accent1"/>
-          </a:lnRef>
-          <a:fillRef idx="0">
-            <a:schemeClr val="accent1"/>
-          </a:fillRef>
-          <a:effectRef idx="0">
-            <a:schemeClr val="accent1"/>
-          </a:effectRef>
-          <a:fontRef idx="minor">
-            <a:schemeClr val="tx1"/>
-          </a:fontRef>
-        </p:style>
-      </p:cxnSp>
-      <p:cxnSp>
-        <p:nvCxnSpPr>
-          <p:cNvPr id="21" name="连接符: 曲线 20">
-            <a:extLst>
-              <a:ext uri="{FF2B5EF4-FFF2-40B4-BE49-F238E27FC236}">
-                <a16:creationId xmlns:a16="http://schemas.microsoft.com/office/drawing/2014/main" id="{61449E04-70B9-4021-8B8D-F2C8170F9C67}"/>
-              </a:ext>
-            </a:extLst>
-          </p:cNvPr>
-          <p:cNvCxnSpPr>
-            <a:cxnSpLocks/>
-            <a:stCxn id="6" idx="1"/>
-          </p:cNvCxnSpPr>
-          <p:nvPr/>
-        </p:nvCxnSpPr>
-        <p:spPr>
-          <a:xfrm rot="16200000" flipV="1">
-            <a:off x="3566810" y="2598299"/>
-            <a:ext cx="183036" cy="407854"/>
-          </a:xfrm>
-          <a:prstGeom prst="curvedConnector2">
-            <a:avLst/>
-          </a:prstGeom>
-          <a:ln>
-            <a:tailEnd type="triangle"/>
-          </a:ln>
-        </p:spPr>
-        <p:style>
-          <a:lnRef idx="1">
-            <a:schemeClr val="accent1"/>
-          </a:lnRef>
-          <a:fillRef idx="0">
-            <a:schemeClr val="accent1"/>
-          </a:fillRef>
-          <a:effectRef idx="0">
-            <a:schemeClr val="accent1"/>
-          </a:effectRef>
-          <a:fontRef idx="minor">
-            <a:schemeClr val="tx1"/>
-          </a:fontRef>
-        </p:style>
-      </p:cxnSp>
-      <p:cxnSp>
-        <p:nvCxnSpPr>
-          <p:cNvPr id="24" name="连接符: 曲线 23">
-            <a:extLst>
-              <a:ext uri="{FF2B5EF4-FFF2-40B4-BE49-F238E27FC236}">
-                <a16:creationId xmlns:a16="http://schemas.microsoft.com/office/drawing/2014/main" id="{1C1B8944-B13B-42DA-8FA6-4D9EA0E47CA1}"/>
-              </a:ext>
-            </a:extLst>
-          </p:cNvPr>
-          <p:cNvCxnSpPr>
-            <a:cxnSpLocks/>
-            <a:stCxn id="8" idx="0"/>
-          </p:cNvCxnSpPr>
-          <p:nvPr/>
-        </p:nvCxnSpPr>
-        <p:spPr>
-          <a:xfrm rot="16200000" flipV="1">
-            <a:off x="4008245" y="3661954"/>
-            <a:ext cx="285531" cy="410016"/>
-          </a:xfrm>
-          <a:prstGeom prst="curvedConnector2">
-            <a:avLst/>
-          </a:prstGeom>
-          <a:ln>
-            <a:tailEnd type="triangle"/>
-          </a:ln>
-        </p:spPr>
-        <p:style>
-          <a:lnRef idx="1">
-            <a:schemeClr val="accent1"/>
-          </a:lnRef>
-          <a:fillRef idx="0">
-            <a:schemeClr val="accent1"/>
-          </a:fillRef>
-          <a:effectRef idx="0">
-            <a:schemeClr val="accent1"/>
-          </a:effectRef>
-          <a:fontRef idx="minor">
-            <a:schemeClr val="tx1"/>
-          </a:fontRef>
-        </p:style>
-      </p:cxnSp>
-      <p:cxnSp>
-        <p:nvCxnSpPr>
-          <p:cNvPr id="28" name="连接符: 曲线 27">
-            <a:extLst>
-              <a:ext uri="{FF2B5EF4-FFF2-40B4-BE49-F238E27FC236}">
-                <a16:creationId xmlns:a16="http://schemas.microsoft.com/office/drawing/2014/main" id="{211A2E74-9904-4451-AF5C-1A6D7177562E}"/>
-              </a:ext>
-            </a:extLst>
-          </p:cNvPr>
-          <p:cNvCxnSpPr>
-            <a:cxnSpLocks/>
-            <a:stCxn id="9" idx="1"/>
-          </p:cNvCxnSpPr>
-          <p:nvPr/>
-        </p:nvCxnSpPr>
-        <p:spPr>
-          <a:xfrm rot="16200000" flipV="1">
-            <a:off x="5064918" y="5369402"/>
-            <a:ext cx="184572" cy="438887"/>
-          </a:xfrm>
-          <a:prstGeom prst="curvedConnector2">
-            <a:avLst/>
-          </a:prstGeom>
-          <a:ln>
-            <a:tailEnd type="triangle"/>
-          </a:ln>
-        </p:spPr>
-        <p:style>
-          <a:lnRef idx="1">
-            <a:schemeClr val="accent1"/>
-          </a:lnRef>
-          <a:fillRef idx="0">
-            <a:schemeClr val="accent1"/>
-          </a:fillRef>
-          <a:effectRef idx="0">
-            <a:schemeClr val="accent1"/>
-          </a:effectRef>
-          <a:fontRef idx="minor">
-            <a:schemeClr val="tx1"/>
-          </a:fontRef>
-        </p:style>
-      </p:cxnSp>
     </p:spTree>
     <p:extLst>
       <p:ext uri="{BB962C8B-B14F-4D97-AF65-F5344CB8AC3E}">
@@ -5327,9 +5082,20 @@
 </p:sld>
 </file>
 
-<file path=ppt/slides/slide10.xml><?xml version="1.0" encoding="utf-8"?>
+<file path=ppt/slides/slide2.xml><?xml version="1.0" encoding="utf-8"?>
 <p:sld xmlns:a="http://schemas.openxmlformats.org/drawingml/2006/main" xmlns:r="http://schemas.openxmlformats.org/officeDocument/2006/relationships" xmlns:p="http://schemas.openxmlformats.org/presentationml/2006/main">
   <p:cSld>
+    <p:bg>
+      <p:bgPr>
+        <a:solidFill>
+          <a:schemeClr val="tx1">
+            <a:lumMod val="75000"/>
+            <a:lumOff val="25000"/>
+          </a:schemeClr>
+        </a:solidFill>
+        <a:effectLst/>
+      </p:bgPr>
+    </p:bg>
     <p:spTree>
       <p:nvGrpSpPr>
         <p:cNvPr id="1" name=""/>
@@ -5346,114 +5112,252 @@
       </p:grpSpPr>
       <p:sp>
         <p:nvSpPr>
-          <p:cNvPr id="4" name="矩形 3"/>
-          <p:cNvSpPr/>
+          <p:cNvPr id="3" name="文本框 2"/>
+          <p:cNvSpPr txBox="1"/>
           <p:nvPr/>
         </p:nvSpPr>
         <p:spPr>
           <a:xfrm>
-            <a:off x="887506" y="416859"/>
-            <a:ext cx="8767482" cy="6131859"/>
+            <a:off x="5353548" y="2008258"/>
+            <a:ext cx="6797491" cy="2841483"/>
           </a:xfrm>
           <a:prstGeom prst="rect">
             <a:avLst/>
           </a:prstGeom>
-          <a:solidFill>
-            <a:schemeClr val="bg2">
-              <a:lumMod val="25000"/>
-            </a:schemeClr>
-          </a:solidFill>
-          <a:ln>
-            <a:noFill/>
-          </a:ln>
+          <a:noFill/>
         </p:spPr>
-        <p:style>
-          <a:lnRef idx="3">
-            <a:schemeClr val="lt1"/>
-          </a:lnRef>
-          <a:fillRef idx="1">
-            <a:schemeClr val="accent3"/>
-          </a:fillRef>
-          <a:effectRef idx="1">
-            <a:schemeClr val="accent3"/>
-          </a:effectRef>
-          <a:fontRef idx="minor">
-            <a:schemeClr val="lt1"/>
-          </a:fontRef>
-        </p:style>
         <p:txBody>
-          <a:bodyPr rtlCol="0" anchor="ctr"/>
+          <a:bodyPr wrap="square" rtlCol="0">
+            <a:spAutoFit/>
+          </a:bodyPr>
           <a:lstStyle/>
           <a:p>
-            <a:pPr lvl="6">
+            <a:pPr marL="285750" indent="-285750">
               <a:lnSpc>
                 <a:spcPct val="150000"/>
               </a:lnSpc>
+              <a:spcBef>
+                <a:spcPts val="200"/>
+              </a:spcBef>
+              <a:spcAft>
+                <a:spcPts val="200"/>
+              </a:spcAft>
+              <a:buFont typeface="Arial" panose="020B0604020202020204" pitchFamily="34" charset="0"/>
+              <a:buChar char="•"/>
             </a:pPr>
             <a:r>
-              <a:rPr lang="zh-CN" altLang="en-US" sz="5400" b="1" dirty="0">
+              <a:rPr lang="zh-CN" altLang="en-US" sz="2000" dirty="0">
+                <a:solidFill>
+                  <a:schemeClr val="bg1">
+                    <a:lumMod val="95000"/>
+                  </a:schemeClr>
+                </a:solidFill>
                 <a:latin typeface="黑体" panose="02010609060101010101" pitchFamily="49" charset="-122"/>
                 <a:ea typeface="黑体" panose="02010609060101010101" pitchFamily="49" charset="-122"/>
               </a:rPr>
-              <a:t>实验结束，</a:t>
-            </a:r>
-            <a:endParaRPr lang="en-US" altLang="zh-CN" sz="5400" b="1" dirty="0">
+              <a:t>每轮游戏中，屏幕上会出现</a:t>
+            </a:r>
+            <a:r>
+              <a:rPr lang="zh-CN" altLang="en-US" sz="2000" dirty="0">
+                <a:solidFill>
+                  <a:srgbClr val="92D050"/>
+                </a:solidFill>
+                <a:latin typeface="黑体" panose="02010609060101010101" pitchFamily="49" charset="-122"/>
+                <a:ea typeface="黑体" panose="02010609060101010101" pitchFamily="49" charset="-122"/>
+              </a:rPr>
+              <a:t>若干只羊</a:t>
+            </a:r>
+            <a:r>
+              <a:rPr lang="zh-CN" altLang="en-US" sz="2000" dirty="0">
+                <a:solidFill>
+                  <a:schemeClr val="bg1">
+                    <a:lumMod val="95000"/>
+                  </a:schemeClr>
+                </a:solidFill>
+                <a:latin typeface="黑体" panose="02010609060101010101" pitchFamily="49" charset="-122"/>
+                <a:ea typeface="黑体" panose="02010609060101010101" pitchFamily="49" charset="-122"/>
+              </a:rPr>
+              <a:t>，当您</a:t>
+            </a:r>
+            <a:r>
+              <a:rPr lang="zh-CN" altLang="en-US" sz="2000" dirty="0">
+                <a:solidFill>
+                  <a:srgbClr val="92D050"/>
+                </a:solidFill>
+                <a:latin typeface="黑体" panose="02010609060101010101" pitchFamily="49" charset="-122"/>
+                <a:ea typeface="黑体" panose="02010609060101010101" pitchFamily="49" charset="-122"/>
+              </a:rPr>
+              <a:t>或</a:t>
+            </a:r>
+            <a:r>
+              <a:rPr lang="zh-CN" altLang="en-US" sz="2000" dirty="0">
+                <a:solidFill>
+                  <a:schemeClr val="bg1">
+                    <a:lumMod val="95000"/>
+                  </a:schemeClr>
+                </a:solidFill>
+                <a:latin typeface="黑体" panose="02010609060101010101" pitchFamily="49" charset="-122"/>
+                <a:ea typeface="黑体" panose="02010609060101010101" pitchFamily="49" charset="-122"/>
+              </a:rPr>
+              <a:t>另一玩家扮演的狼</a:t>
+            </a:r>
+            <a:r>
+              <a:rPr lang="zh-CN" altLang="en-US" sz="2000" dirty="0">
+                <a:solidFill>
+                  <a:srgbClr val="92D050"/>
+                </a:solidFill>
+                <a:latin typeface="黑体" panose="02010609060101010101" pitchFamily="49" charset="-122"/>
+                <a:ea typeface="黑体" panose="02010609060101010101" pitchFamily="49" charset="-122"/>
+              </a:rPr>
+              <a:t>碰到任意一只羊</a:t>
+            </a:r>
+            <a:r>
+              <a:rPr lang="zh-CN" altLang="en-US" sz="2000" dirty="0">
+                <a:solidFill>
+                  <a:schemeClr val="bg1">
+                    <a:lumMod val="95000"/>
+                  </a:schemeClr>
+                </a:solidFill>
+                <a:latin typeface="黑体" panose="02010609060101010101" pitchFamily="49" charset="-122"/>
+                <a:ea typeface="黑体" panose="02010609060101010101" pitchFamily="49" charset="-122"/>
+              </a:rPr>
+              <a:t>时，即视为成功抓到羊，而后</a:t>
+            </a:r>
+            <a:r>
+              <a:rPr lang="zh-CN" altLang="en-US" sz="2000" dirty="0">
+                <a:solidFill>
+                  <a:srgbClr val="92D050"/>
+                </a:solidFill>
+                <a:latin typeface="黑体" panose="02010609060101010101" pitchFamily="49" charset="-122"/>
+                <a:ea typeface="黑体" panose="02010609060101010101" pitchFamily="49" charset="-122"/>
+              </a:rPr>
+              <a:t>立即进入下一轮游戏</a:t>
+            </a:r>
+            <a:r>
+              <a:rPr lang="zh-CN" altLang="en-US" sz="2000" dirty="0">
+                <a:solidFill>
+                  <a:schemeClr val="bg1">
+                    <a:lumMod val="95000"/>
+                  </a:schemeClr>
+                </a:solidFill>
+                <a:latin typeface="黑体" panose="02010609060101010101" pitchFamily="49" charset="-122"/>
+                <a:ea typeface="黑体" panose="02010609060101010101" pitchFamily="49" charset="-122"/>
+              </a:rPr>
+              <a:t>。</a:t>
+            </a:r>
+            <a:endParaRPr lang="en-US" altLang="zh-CN" sz="2000" dirty="0">
+              <a:solidFill>
+                <a:schemeClr val="bg1">
+                  <a:lumMod val="95000"/>
+                </a:schemeClr>
+              </a:solidFill>
               <a:latin typeface="黑体" panose="02010609060101010101" pitchFamily="49" charset="-122"/>
               <a:ea typeface="黑体" panose="02010609060101010101" pitchFamily="49" charset="-122"/>
             </a:endParaRPr>
           </a:p>
           <a:p>
-            <a:pPr lvl="6">
+            <a:pPr marL="285750" indent="-285750">
               <a:lnSpc>
                 <a:spcPct val="150000"/>
               </a:lnSpc>
+              <a:spcBef>
+                <a:spcPts val="200"/>
+              </a:spcBef>
+              <a:spcAft>
+                <a:spcPts val="200"/>
+              </a:spcAft>
+              <a:buFont typeface="Arial" panose="020B0604020202020204" pitchFamily="34" charset="0"/>
+              <a:buChar char="•"/>
             </a:pPr>
             <a:r>
-              <a:rPr lang="zh-CN" altLang="en-US" sz="5400" b="1" dirty="0">
+              <a:rPr lang="zh-CN" altLang="en-US" sz="2000" dirty="0">
+                <a:solidFill>
+                  <a:schemeClr val="bg1">
+                    <a:lumMod val="95000"/>
+                  </a:schemeClr>
+                </a:solidFill>
                 <a:latin typeface="黑体" panose="02010609060101010101" pitchFamily="49" charset="-122"/>
                 <a:ea typeface="黑体" panose="02010609060101010101" pitchFamily="49" charset="-122"/>
               </a:rPr>
-              <a:t>请联系主试。</a:t>
+              <a:t>每轮游戏时间为</a:t>
+            </a:r>
+            <a:r>
+              <a:rPr lang="en-US" altLang="zh-CN" sz="2000" dirty="0">
+                <a:solidFill>
+                  <a:srgbClr val="92D050"/>
+                </a:solidFill>
+                <a:latin typeface="黑体" panose="02010609060101010101" pitchFamily="49" charset="-122"/>
+                <a:ea typeface="黑体" panose="02010609060101010101" pitchFamily="49" charset="-122"/>
+              </a:rPr>
+              <a:t>15s</a:t>
+            </a:r>
+            <a:r>
+              <a:rPr lang="zh-CN" altLang="en-US" sz="2000" dirty="0">
+                <a:solidFill>
+                  <a:schemeClr val="bg1">
+                    <a:lumMod val="95000"/>
+                  </a:schemeClr>
+                </a:solidFill>
+                <a:latin typeface="黑体" panose="02010609060101010101" pitchFamily="49" charset="-122"/>
+                <a:ea typeface="黑体" panose="02010609060101010101" pitchFamily="49" charset="-122"/>
+              </a:rPr>
+              <a:t>，屏幕上方会显示该轮游戏剩余时间。若</a:t>
+            </a:r>
+            <a:r>
+              <a:rPr lang="en-US" altLang="zh-CN" sz="2000" dirty="0">
+                <a:solidFill>
+                  <a:schemeClr val="bg1">
+                    <a:lumMod val="95000"/>
+                  </a:schemeClr>
+                </a:solidFill>
+                <a:latin typeface="黑体" panose="02010609060101010101" pitchFamily="49" charset="-122"/>
+                <a:ea typeface="黑体" panose="02010609060101010101" pitchFamily="49" charset="-122"/>
+              </a:rPr>
+              <a:t>15s</a:t>
+            </a:r>
+            <a:r>
+              <a:rPr lang="zh-CN" altLang="en-US" sz="2000" dirty="0">
+                <a:solidFill>
+                  <a:schemeClr val="bg1">
+                    <a:lumMod val="95000"/>
+                  </a:schemeClr>
+                </a:solidFill>
+                <a:latin typeface="黑体" panose="02010609060101010101" pitchFamily="49" charset="-122"/>
+                <a:ea typeface="黑体" panose="02010609060101010101" pitchFamily="49" charset="-122"/>
+              </a:rPr>
+              <a:t>内两名玩家都未抓到羊，则该轮游戏结束，</a:t>
+            </a:r>
+            <a:r>
+              <a:rPr lang="zh-CN" altLang="en-US" sz="2000" dirty="0">
+                <a:solidFill>
+                  <a:srgbClr val="92D050"/>
+                </a:solidFill>
+                <a:latin typeface="黑体" panose="02010609060101010101" pitchFamily="49" charset="-122"/>
+                <a:ea typeface="黑体" panose="02010609060101010101" pitchFamily="49" charset="-122"/>
+              </a:rPr>
+              <a:t>直接进入下一轮游戏</a:t>
+            </a:r>
+            <a:r>
+              <a:rPr lang="zh-CN" altLang="en-US" sz="2000" dirty="0">
+                <a:solidFill>
+                  <a:schemeClr val="bg1">
+                    <a:lumMod val="95000"/>
+                  </a:schemeClr>
+                </a:solidFill>
+                <a:latin typeface="黑体" panose="02010609060101010101" pitchFamily="49" charset="-122"/>
+                <a:ea typeface="黑体" panose="02010609060101010101" pitchFamily="49" charset="-122"/>
+              </a:rPr>
+              <a:t>。</a:t>
             </a:r>
           </a:p>
         </p:txBody>
       </p:sp>
-    </p:spTree>
-    <p:extLst>
-      <p:ext uri="{BB962C8B-B14F-4D97-AF65-F5344CB8AC3E}">
-        <p14:creationId xmlns:p14="http://schemas.microsoft.com/office/powerpoint/2010/main" val="856994835"/>
-      </p:ext>
-    </p:extLst>
-  </p:cSld>
-  <p:clrMapOvr>
-    <a:masterClrMapping/>
-  </p:clrMapOvr>
-</p:sld>
-</file>
-
-<file path=ppt/slides/slide2.xml><?xml version="1.0" encoding="utf-8"?>
-<p:sld xmlns:a="http://schemas.openxmlformats.org/drawingml/2006/main" xmlns:r="http://schemas.openxmlformats.org/officeDocument/2006/relationships" xmlns:p="http://schemas.openxmlformats.org/presentationml/2006/main">
-  <p:cSld>
-    <p:spTree>
-      <p:nvGrpSpPr>
-        <p:cNvPr id="1" name=""/>
-        <p:cNvGrpSpPr/>
-        <p:nvPr/>
-      </p:nvGrpSpPr>
-      <p:grpSpPr>
-        <a:xfrm>
-          <a:off x="0" y="0"/>
-          <a:ext cx="0" cy="0"/>
-          <a:chOff x="0" y="0"/>
-          <a:chExt cx="0" cy="0"/>
-        </a:xfrm>
-      </p:grpSpPr>
       <p:grpSp>
         <p:nvGrpSpPr>
-          <p:cNvPr id="2" name="组合 1">
+          <p:cNvPr id="52" name="组合 51">
             <a:extLst>
               <a:ext uri="{FF2B5EF4-FFF2-40B4-BE49-F238E27FC236}">
-                <a16:creationId xmlns:a16="http://schemas.microsoft.com/office/drawing/2014/main" id="{5C1ADCE9-75A5-4986-8406-661703EA1194}"/>
+                <a16:creationId xmlns:a16="http://schemas.microsoft.com/office/drawing/2014/main" id="{217A059A-3423-4FAC-B3AF-CA9047F40EF2}"/>
               </a:ext>
             </a:extLst>
           </p:cNvPr>
@@ -5462,318 +5366,18 @@
         </p:nvGrpSpPr>
         <p:grpSpPr>
           <a:xfrm>
-            <a:off x="790238" y="306834"/>
-            <a:ext cx="8959139" cy="6404339"/>
-            <a:chOff x="792319" y="572402"/>
-            <a:chExt cx="8767482" cy="6131859"/>
+            <a:off x="379884" y="1070906"/>
+            <a:ext cx="4712977" cy="4716187"/>
+            <a:chOff x="3576000" y="203170"/>
+            <a:chExt cx="5040000" cy="5043433"/>
           </a:xfrm>
         </p:grpSpPr>
         <p:sp>
           <p:nvSpPr>
-            <p:cNvPr id="4" name="矩形 3"/>
-            <p:cNvSpPr/>
-            <p:nvPr/>
-          </p:nvSpPr>
-          <p:spPr>
-            <a:xfrm>
-              <a:off x="792319" y="572402"/>
-              <a:ext cx="8767482" cy="6131859"/>
-            </a:xfrm>
-            <a:prstGeom prst="rect">
-              <a:avLst/>
-            </a:prstGeom>
-            <a:solidFill>
-              <a:schemeClr val="bg2">
-                <a:lumMod val="25000"/>
-              </a:schemeClr>
-            </a:solidFill>
-            <a:ln>
-              <a:noFill/>
-            </a:ln>
-          </p:spPr>
-          <p:style>
-            <a:lnRef idx="3">
-              <a:schemeClr val="lt1"/>
-            </a:lnRef>
-            <a:fillRef idx="1">
-              <a:schemeClr val="accent3"/>
-            </a:fillRef>
-            <a:effectRef idx="1">
-              <a:schemeClr val="accent3"/>
-            </a:effectRef>
-            <a:fontRef idx="minor">
-              <a:schemeClr val="lt1"/>
-            </a:fontRef>
-          </p:style>
-          <p:txBody>
-            <a:bodyPr rtlCol="0" anchor="ctr"/>
-            <a:lstStyle/>
-            <a:p>
-              <a:pPr>
-                <a:lnSpc>
-                  <a:spcPct val="150000"/>
-                </a:lnSpc>
-                <a:spcBef>
-                  <a:spcPts val="200"/>
-                </a:spcBef>
-                <a:spcAft>
-                  <a:spcPts val="200"/>
-                </a:spcAft>
-              </a:pPr>
-              <a:endParaRPr lang="zh-CN" altLang="en-US" sz="2000" dirty="0">
-                <a:latin typeface="黑体" panose="02010609060101010101" pitchFamily="49" charset="-122"/>
-                <a:ea typeface="黑体" panose="02010609060101010101" pitchFamily="49" charset="-122"/>
-              </a:endParaRPr>
-            </a:p>
-          </p:txBody>
-        </p:sp>
-        <p:sp>
-          <p:nvSpPr>
-            <p:cNvPr id="3" name="文本框 2"/>
-            <p:cNvSpPr txBox="1"/>
-            <p:nvPr/>
-          </p:nvSpPr>
-          <p:spPr>
-            <a:xfrm>
-              <a:off x="1337391" y="4532747"/>
-              <a:ext cx="7677337" cy="1666610"/>
-            </a:xfrm>
-            <a:prstGeom prst="rect">
-              <a:avLst/>
-            </a:prstGeom>
-            <a:noFill/>
-          </p:spPr>
-          <p:txBody>
-            <a:bodyPr wrap="square" rtlCol="0">
-              <a:spAutoFit/>
-            </a:bodyPr>
-            <a:lstStyle/>
-            <a:p>
-              <a:pPr marL="285750" indent="-285750">
-                <a:lnSpc>
-                  <a:spcPct val="150000"/>
-                </a:lnSpc>
-                <a:spcBef>
-                  <a:spcPts val="200"/>
-                </a:spcBef>
-                <a:spcAft>
-                  <a:spcPts val="200"/>
-                </a:spcAft>
-                <a:buFont typeface="Arial" panose="020B0604020202020204" pitchFamily="34" charset="0"/>
-                <a:buChar char="•"/>
-              </a:pPr>
-              <a:r>
-                <a:rPr lang="zh-CN" altLang="en-US" dirty="0">
-                  <a:solidFill>
-                    <a:schemeClr val="bg1">
-                      <a:lumMod val="95000"/>
-                    </a:schemeClr>
-                  </a:solidFill>
-                  <a:latin typeface="黑体" panose="02010609060101010101" pitchFamily="49" charset="-122"/>
-                  <a:ea typeface="黑体" panose="02010609060101010101" pitchFamily="49" charset="-122"/>
-                </a:rPr>
-                <a:t>每轮游戏中，屏幕上会出现若干只羊，当您</a:t>
-              </a:r>
-              <a:r>
-                <a:rPr lang="zh-CN" altLang="en-US" dirty="0">
-                  <a:solidFill>
-                    <a:srgbClr val="92D050"/>
-                  </a:solidFill>
-                  <a:latin typeface="黑体" panose="02010609060101010101" pitchFamily="49" charset="-122"/>
-                  <a:ea typeface="黑体" panose="02010609060101010101" pitchFamily="49" charset="-122"/>
-                </a:rPr>
-                <a:t>或</a:t>
-              </a:r>
-              <a:r>
-                <a:rPr lang="zh-CN" altLang="en-US" dirty="0">
-                  <a:solidFill>
-                    <a:schemeClr val="bg1">
-                      <a:lumMod val="95000"/>
-                    </a:schemeClr>
-                  </a:solidFill>
-                  <a:latin typeface="黑体" panose="02010609060101010101" pitchFamily="49" charset="-122"/>
-                  <a:ea typeface="黑体" panose="02010609060101010101" pitchFamily="49" charset="-122"/>
-                </a:rPr>
-                <a:t>另一玩家扮演的狼</a:t>
-              </a:r>
-              <a:r>
-                <a:rPr lang="zh-CN" altLang="en-US" dirty="0">
-                  <a:solidFill>
-                    <a:srgbClr val="92D050"/>
-                  </a:solidFill>
-                  <a:latin typeface="黑体" panose="02010609060101010101" pitchFamily="49" charset="-122"/>
-                  <a:ea typeface="黑体" panose="02010609060101010101" pitchFamily="49" charset="-122"/>
-                </a:rPr>
-                <a:t>碰到任意一只羊</a:t>
-              </a:r>
-              <a:r>
-                <a:rPr lang="zh-CN" altLang="en-US" dirty="0">
-                  <a:solidFill>
-                    <a:schemeClr val="bg1">
-                      <a:lumMod val="95000"/>
-                    </a:schemeClr>
-                  </a:solidFill>
-                  <a:latin typeface="黑体" panose="02010609060101010101" pitchFamily="49" charset="-122"/>
-                  <a:ea typeface="黑体" panose="02010609060101010101" pitchFamily="49" charset="-122"/>
-                </a:rPr>
-                <a:t>时，即视为成功抓到羊，而后</a:t>
-              </a:r>
-              <a:r>
-                <a:rPr lang="zh-CN" altLang="en-US" dirty="0">
-                  <a:solidFill>
-                    <a:srgbClr val="92D050"/>
-                  </a:solidFill>
-                  <a:latin typeface="黑体" panose="02010609060101010101" pitchFamily="49" charset="-122"/>
-                  <a:ea typeface="黑体" panose="02010609060101010101" pitchFamily="49" charset="-122"/>
-                </a:rPr>
-                <a:t>立即进入下一轮游戏</a:t>
-              </a:r>
-              <a:r>
-                <a:rPr lang="zh-CN" altLang="en-US" dirty="0">
-                  <a:solidFill>
-                    <a:schemeClr val="bg1">
-                      <a:lumMod val="95000"/>
-                    </a:schemeClr>
-                  </a:solidFill>
-                  <a:latin typeface="黑体" panose="02010609060101010101" pitchFamily="49" charset="-122"/>
-                  <a:ea typeface="黑体" panose="02010609060101010101" pitchFamily="49" charset="-122"/>
-                </a:rPr>
-                <a:t>。</a:t>
-              </a:r>
-              <a:endParaRPr lang="en-US" altLang="zh-CN" dirty="0">
-                <a:solidFill>
-                  <a:schemeClr val="bg1">
-                    <a:lumMod val="95000"/>
-                  </a:schemeClr>
-                </a:solidFill>
-                <a:latin typeface="黑体" panose="02010609060101010101" pitchFamily="49" charset="-122"/>
-                <a:ea typeface="黑体" panose="02010609060101010101" pitchFamily="49" charset="-122"/>
-              </a:endParaRPr>
-            </a:p>
-            <a:p>
-              <a:pPr marL="285750" indent="-285750">
-                <a:lnSpc>
-                  <a:spcPct val="150000"/>
-                </a:lnSpc>
-                <a:spcBef>
-                  <a:spcPts val="200"/>
-                </a:spcBef>
-                <a:spcAft>
-                  <a:spcPts val="200"/>
-                </a:spcAft>
-                <a:buFont typeface="Arial" panose="020B0604020202020204" pitchFamily="34" charset="0"/>
-                <a:buChar char="•"/>
-              </a:pPr>
-              <a:r>
-                <a:rPr lang="zh-CN" altLang="en-US" dirty="0">
-                  <a:solidFill>
-                    <a:schemeClr val="bg1">
-                      <a:lumMod val="95000"/>
-                    </a:schemeClr>
-                  </a:solidFill>
-                  <a:latin typeface="黑体" panose="02010609060101010101" pitchFamily="49" charset="-122"/>
-                  <a:ea typeface="黑体" panose="02010609060101010101" pitchFamily="49" charset="-122"/>
-                </a:rPr>
-                <a:t>每轮游戏时间为</a:t>
-              </a:r>
-              <a:r>
-                <a:rPr lang="en-US" altLang="zh-CN" dirty="0">
-                  <a:solidFill>
-                    <a:srgbClr val="92D050"/>
-                  </a:solidFill>
-                  <a:latin typeface="黑体" panose="02010609060101010101" pitchFamily="49" charset="-122"/>
-                  <a:ea typeface="黑体" panose="02010609060101010101" pitchFamily="49" charset="-122"/>
-                </a:rPr>
-                <a:t>15s</a:t>
-              </a:r>
-              <a:r>
-                <a:rPr lang="zh-CN" altLang="en-US" dirty="0">
-                  <a:solidFill>
-                    <a:schemeClr val="bg1">
-                      <a:lumMod val="95000"/>
-                    </a:schemeClr>
-                  </a:solidFill>
-                  <a:latin typeface="黑体" panose="02010609060101010101" pitchFamily="49" charset="-122"/>
-                  <a:ea typeface="黑体" panose="02010609060101010101" pitchFamily="49" charset="-122"/>
-                </a:rPr>
-                <a:t>，若</a:t>
-              </a:r>
-              <a:r>
-                <a:rPr lang="en-US" altLang="zh-CN" dirty="0">
-                  <a:solidFill>
-                    <a:schemeClr val="bg1">
-                      <a:lumMod val="95000"/>
-                    </a:schemeClr>
-                  </a:solidFill>
-                  <a:latin typeface="黑体" panose="02010609060101010101" pitchFamily="49" charset="-122"/>
-                  <a:ea typeface="黑体" panose="02010609060101010101" pitchFamily="49" charset="-122"/>
-                </a:rPr>
-                <a:t>15s</a:t>
-              </a:r>
-              <a:r>
-                <a:rPr lang="zh-CN" altLang="en-US" dirty="0">
-                  <a:solidFill>
-                    <a:schemeClr val="bg1">
-                      <a:lumMod val="95000"/>
-                    </a:schemeClr>
-                  </a:solidFill>
-                  <a:latin typeface="黑体" panose="02010609060101010101" pitchFamily="49" charset="-122"/>
-                  <a:ea typeface="黑体" panose="02010609060101010101" pitchFamily="49" charset="-122"/>
-                </a:rPr>
-                <a:t>内两名玩家都未抓到羊，则该轮游戏结束，</a:t>
-              </a:r>
-              <a:r>
-                <a:rPr lang="zh-CN" altLang="en-US" dirty="0">
-                  <a:solidFill>
-                    <a:srgbClr val="92D050"/>
-                  </a:solidFill>
-                  <a:latin typeface="黑体" panose="02010609060101010101" pitchFamily="49" charset="-122"/>
-                  <a:ea typeface="黑体" panose="02010609060101010101" pitchFamily="49" charset="-122"/>
-                </a:rPr>
-                <a:t>直接进入下一轮游戏</a:t>
-              </a:r>
-              <a:r>
-                <a:rPr lang="zh-CN" altLang="en-US" dirty="0">
-                  <a:solidFill>
-                    <a:schemeClr val="bg1">
-                      <a:lumMod val="95000"/>
-                    </a:schemeClr>
-                  </a:solidFill>
-                  <a:latin typeface="黑体" panose="02010609060101010101" pitchFamily="49" charset="-122"/>
-                  <a:ea typeface="黑体" panose="02010609060101010101" pitchFamily="49" charset="-122"/>
-                </a:rPr>
-                <a:t>。</a:t>
-              </a:r>
-            </a:p>
-          </p:txBody>
-        </p:sp>
-      </p:grpSp>
-      <p:grpSp>
-        <p:nvGrpSpPr>
-          <p:cNvPr id="16" name="组合 15">
-            <a:extLst>
-              <a:ext uri="{FF2B5EF4-FFF2-40B4-BE49-F238E27FC236}">
-                <a16:creationId xmlns:a16="http://schemas.microsoft.com/office/drawing/2014/main" id="{0D93CE07-8BE0-496A-AE64-A16CAF07BB9F}"/>
-              </a:ext>
-            </a:extLst>
-          </p:cNvPr>
-          <p:cNvGrpSpPr/>
-          <p:nvPr/>
-        </p:nvGrpSpPr>
-        <p:grpSpPr>
-          <a:xfrm>
-            <a:off x="2905537" y="621637"/>
-            <a:ext cx="4521423" cy="3552452"/>
-            <a:chOff x="3124152" y="2088684"/>
-            <a:chExt cx="3763478" cy="3185962"/>
-          </a:xfrm>
-        </p:grpSpPr>
-        <p:sp>
-          <p:nvSpPr>
-            <p:cNvPr id="17" name="矩形 16">
+            <p:cNvPr id="53" name="矩形 52">
               <a:extLst>
                 <a:ext uri="{FF2B5EF4-FFF2-40B4-BE49-F238E27FC236}">
-                  <a16:creationId xmlns:a16="http://schemas.microsoft.com/office/drawing/2014/main" id="{3918106A-F021-4162-9866-458F25241185}"/>
+                  <a16:creationId xmlns:a16="http://schemas.microsoft.com/office/drawing/2014/main" id="{AC06D308-6271-466C-92E5-F6199629F923}"/>
                 </a:ext>
               </a:extLst>
             </p:cNvPr>
@@ -5782,12 +5386,18 @@
           </p:nvSpPr>
           <p:spPr>
             <a:xfrm>
-              <a:off x="3124152" y="2088684"/>
-              <a:ext cx="3763478" cy="3185962"/>
+              <a:off x="3576000" y="206603"/>
+              <a:ext cx="5040000" cy="5040000"/>
             </a:xfrm>
             <a:prstGeom prst="rect">
               <a:avLst/>
             </a:prstGeom>
+            <a:solidFill>
+              <a:schemeClr val="tx1"/>
+            </a:solidFill>
+            <a:ln>
+              <a:noFill/>
+            </a:ln>
           </p:spPr>
           <p:style>
             <a:lnRef idx="2">
@@ -5814,296 +5424,619 @@
             </a:p>
           </p:txBody>
         </p:sp>
-        <p:sp>
-          <p:nvSpPr>
-            <p:cNvPr id="18" name="椭圆 17">
+        <p:grpSp>
+          <p:nvGrpSpPr>
+            <p:cNvPr id="54" name="组合 53">
               <a:extLst>
                 <a:ext uri="{FF2B5EF4-FFF2-40B4-BE49-F238E27FC236}">
-                  <a16:creationId xmlns:a16="http://schemas.microsoft.com/office/drawing/2014/main" id="{A6AF5218-E7F2-4491-9186-DFE953635ACC}"/>
+                  <a16:creationId xmlns:a16="http://schemas.microsoft.com/office/drawing/2014/main" id="{939802B7-C297-4A78-8871-C1120CA9E84F}"/>
                 </a:ext>
               </a:extLst>
             </p:cNvPr>
-            <p:cNvSpPr/>
+            <p:cNvGrpSpPr/>
             <p:nvPr/>
-          </p:nvSpPr>
-          <p:spPr>
+          </p:nvGrpSpPr>
+          <p:grpSpPr>
             <a:xfrm>
-              <a:off x="3898231" y="2569945"/>
-              <a:ext cx="173256" cy="173256"/>
+              <a:off x="3979435" y="610038"/>
+              <a:ext cx="4233130" cy="4233131"/>
+              <a:chOff x="3533447" y="1779270"/>
+              <a:chExt cx="3291401" cy="3318711"/>
             </a:xfrm>
-            <a:prstGeom prst="ellipse">
-              <a:avLst/>
-            </a:prstGeom>
-          </p:spPr>
-          <p:style>
-            <a:lnRef idx="2">
-              <a:schemeClr val="accent1">
-                <a:shade val="50000"/>
-              </a:schemeClr>
-            </a:lnRef>
-            <a:fillRef idx="1">
-              <a:schemeClr val="accent1"/>
-            </a:fillRef>
-            <a:effectRef idx="0">
-              <a:schemeClr val="accent1"/>
-            </a:effectRef>
-            <a:fontRef idx="minor">
-              <a:schemeClr val="lt1"/>
-            </a:fontRef>
-          </p:style>
-          <p:txBody>
-            <a:bodyPr rtlCol="0" anchor="ctr"/>
-            <a:lstStyle/>
-            <a:p>
-              <a:pPr algn="ctr"/>
-              <a:endParaRPr lang="zh-CN" altLang="en-US"/>
-            </a:p>
-          </p:txBody>
-        </p:sp>
-        <p:sp>
-          <p:nvSpPr>
-            <p:cNvPr id="19" name="椭圆 18">
+          </p:grpSpPr>
+          <p:sp>
+            <p:nvSpPr>
+              <p:cNvPr id="61" name="矩形 60">
+                <a:extLst>
+                  <a:ext uri="{FF2B5EF4-FFF2-40B4-BE49-F238E27FC236}">
+                    <a16:creationId xmlns:a16="http://schemas.microsoft.com/office/drawing/2014/main" id="{9C1DEBEE-EA46-4C40-818E-7BA990E69438}"/>
+                  </a:ext>
+                </a:extLst>
+              </p:cNvPr>
+              <p:cNvSpPr/>
+              <p:nvPr/>
+            </p:nvSpPr>
+            <p:spPr>
+              <a:xfrm>
+                <a:off x="3533447" y="1779270"/>
+                <a:ext cx="3291401" cy="3318711"/>
+              </a:xfrm>
+              <a:prstGeom prst="rect">
+                <a:avLst/>
+              </a:prstGeom>
+              <a:ln>
+                <a:noFill/>
+              </a:ln>
+            </p:spPr>
+            <p:style>
+              <a:lnRef idx="2">
+                <a:schemeClr val="accent3">
+                  <a:shade val="50000"/>
+                </a:schemeClr>
+              </a:lnRef>
+              <a:fillRef idx="1">
+                <a:schemeClr val="accent3"/>
+              </a:fillRef>
+              <a:effectRef idx="0">
+                <a:schemeClr val="accent3"/>
+              </a:effectRef>
+              <a:fontRef idx="minor">
+                <a:schemeClr val="lt1"/>
+              </a:fontRef>
+            </p:style>
+            <p:txBody>
+              <a:bodyPr rtlCol="0" anchor="ctr"/>
+              <a:lstStyle/>
+              <a:p>
+                <a:pPr algn="ctr"/>
+                <a:endParaRPr lang="zh-CN" altLang="en-US" dirty="0"/>
+              </a:p>
+            </p:txBody>
+          </p:sp>
+          <p:sp>
+            <p:nvSpPr>
+              <p:cNvPr id="62" name="椭圆 61">
+                <a:extLst>
+                  <a:ext uri="{FF2B5EF4-FFF2-40B4-BE49-F238E27FC236}">
+                    <a16:creationId xmlns:a16="http://schemas.microsoft.com/office/drawing/2014/main" id="{87BD0FCE-BE35-402E-8FA3-7E4C4DF4FDFF}"/>
+                  </a:ext>
+                </a:extLst>
+              </p:cNvPr>
+              <p:cNvSpPr/>
+              <p:nvPr/>
+            </p:nvSpPr>
+            <p:spPr>
+              <a:xfrm>
+                <a:off x="3898231" y="2569945"/>
+                <a:ext cx="173256" cy="173256"/>
+              </a:xfrm>
+              <a:prstGeom prst="ellipse">
+                <a:avLst/>
+              </a:prstGeom>
+              <a:solidFill>
+                <a:srgbClr val="FFA500"/>
+              </a:solidFill>
+              <a:ln>
+                <a:solidFill>
+                  <a:srgbClr val="FFA500"/>
+                </a:solidFill>
+              </a:ln>
+            </p:spPr>
+            <p:style>
+              <a:lnRef idx="2">
+                <a:schemeClr val="accent2">
+                  <a:shade val="50000"/>
+                </a:schemeClr>
+              </a:lnRef>
+              <a:fillRef idx="1">
+                <a:schemeClr val="accent2"/>
+              </a:fillRef>
+              <a:effectRef idx="0">
+                <a:schemeClr val="accent2"/>
+              </a:effectRef>
+              <a:fontRef idx="minor">
+                <a:schemeClr val="lt1"/>
+              </a:fontRef>
+            </p:style>
+            <p:txBody>
+              <a:bodyPr rtlCol="0" anchor="ctr"/>
+              <a:lstStyle/>
+              <a:p>
+                <a:pPr algn="ctr"/>
+                <a:endParaRPr lang="zh-CN" altLang="en-US"/>
+              </a:p>
+            </p:txBody>
+          </p:sp>
+          <p:sp>
+            <p:nvSpPr>
+              <p:cNvPr id="63" name="椭圆 62">
+                <a:extLst>
+                  <a:ext uri="{FF2B5EF4-FFF2-40B4-BE49-F238E27FC236}">
+                    <a16:creationId xmlns:a16="http://schemas.microsoft.com/office/drawing/2014/main" id="{B5A0211D-3881-40B1-9B9A-3175DBDA6542}"/>
+                  </a:ext>
+                </a:extLst>
+              </p:cNvPr>
+              <p:cNvSpPr/>
+              <p:nvPr/>
+            </p:nvSpPr>
+            <p:spPr>
+              <a:xfrm>
+                <a:off x="6081562" y="3049604"/>
+                <a:ext cx="173256" cy="173256"/>
+              </a:xfrm>
+              <a:prstGeom prst="ellipse">
+                <a:avLst/>
+              </a:prstGeom>
+              <a:solidFill>
+                <a:srgbClr val="FFA500"/>
+              </a:solidFill>
+              <a:ln>
+                <a:solidFill>
+                  <a:srgbClr val="FFA500"/>
+                </a:solidFill>
+              </a:ln>
+            </p:spPr>
+            <p:style>
+              <a:lnRef idx="2">
+                <a:schemeClr val="accent2">
+                  <a:shade val="50000"/>
+                </a:schemeClr>
+              </a:lnRef>
+              <a:fillRef idx="1">
+                <a:schemeClr val="accent2"/>
+              </a:fillRef>
+              <a:effectRef idx="0">
+                <a:schemeClr val="accent2"/>
+              </a:effectRef>
+              <a:fontRef idx="minor">
+                <a:schemeClr val="lt1"/>
+              </a:fontRef>
+            </p:style>
+            <p:txBody>
+              <a:bodyPr rtlCol="0" anchor="ctr"/>
+              <a:lstStyle/>
+              <a:p>
+                <a:pPr algn="ctr"/>
+                <a:endParaRPr lang="zh-CN" altLang="en-US"/>
+              </a:p>
+            </p:txBody>
+          </p:sp>
+          <p:sp>
+            <p:nvSpPr>
+              <p:cNvPr id="64" name="椭圆 63">
+                <a:extLst>
+                  <a:ext uri="{FF2B5EF4-FFF2-40B4-BE49-F238E27FC236}">
+                    <a16:creationId xmlns:a16="http://schemas.microsoft.com/office/drawing/2014/main" id="{5FCC5684-DAEC-4849-A0AB-9009954803D9}"/>
+                  </a:ext>
+                </a:extLst>
+              </p:cNvPr>
+              <p:cNvSpPr/>
+              <p:nvPr/>
+            </p:nvSpPr>
+            <p:spPr>
+              <a:xfrm>
+                <a:off x="4198125" y="3438626"/>
+                <a:ext cx="173256" cy="173256"/>
+              </a:xfrm>
+              <a:prstGeom prst="ellipse">
+                <a:avLst/>
+              </a:prstGeom>
+              <a:solidFill>
+                <a:srgbClr val="FFA500"/>
+              </a:solidFill>
+              <a:ln>
+                <a:solidFill>
+                  <a:srgbClr val="FFA500"/>
+                </a:solidFill>
+              </a:ln>
+            </p:spPr>
+            <p:style>
+              <a:lnRef idx="2">
+                <a:schemeClr val="accent2">
+                  <a:shade val="50000"/>
+                </a:schemeClr>
+              </a:lnRef>
+              <a:fillRef idx="1">
+                <a:schemeClr val="accent2"/>
+              </a:fillRef>
+              <a:effectRef idx="0">
+                <a:schemeClr val="accent2"/>
+              </a:effectRef>
+              <a:fontRef idx="minor">
+                <a:schemeClr val="lt1"/>
+              </a:fontRef>
+            </p:style>
+            <p:txBody>
+              <a:bodyPr rtlCol="0" anchor="ctr"/>
+              <a:lstStyle/>
+              <a:p>
+                <a:pPr algn="ctr"/>
+                <a:endParaRPr lang="zh-CN" altLang="en-US"/>
+              </a:p>
+            </p:txBody>
+          </p:sp>
+          <p:sp>
+            <p:nvSpPr>
+              <p:cNvPr id="65" name="椭圆 64">
+                <a:extLst>
+                  <a:ext uri="{FF2B5EF4-FFF2-40B4-BE49-F238E27FC236}">
+                    <a16:creationId xmlns:a16="http://schemas.microsoft.com/office/drawing/2014/main" id="{608A833E-CA70-4CBC-8F95-3DE15FD19948}"/>
+                  </a:ext>
+                </a:extLst>
+              </p:cNvPr>
+              <p:cNvSpPr/>
+              <p:nvPr/>
+            </p:nvSpPr>
+            <p:spPr>
+              <a:xfrm>
+                <a:off x="5005891" y="4676273"/>
+                <a:ext cx="173256" cy="173256"/>
+              </a:xfrm>
+              <a:prstGeom prst="ellipse">
+                <a:avLst/>
+              </a:prstGeom>
+              <a:solidFill>
+                <a:srgbClr val="FFA500"/>
+              </a:solidFill>
+              <a:ln>
+                <a:solidFill>
+                  <a:srgbClr val="FFA500"/>
+                </a:solidFill>
+              </a:ln>
+            </p:spPr>
+            <p:style>
+              <a:lnRef idx="2">
+                <a:schemeClr val="accent2">
+                  <a:shade val="50000"/>
+                </a:schemeClr>
+              </a:lnRef>
+              <a:fillRef idx="1">
+                <a:schemeClr val="accent2"/>
+              </a:fillRef>
+              <a:effectRef idx="0">
+                <a:schemeClr val="accent2"/>
+              </a:effectRef>
+              <a:fontRef idx="minor">
+                <a:schemeClr val="lt1"/>
+              </a:fontRef>
+            </p:style>
+            <p:txBody>
+              <a:bodyPr rtlCol="0" anchor="ctr"/>
+              <a:lstStyle/>
+              <a:p>
+                <a:pPr algn="ctr"/>
+                <a:endParaRPr lang="zh-CN" altLang="en-US"/>
+              </a:p>
+            </p:txBody>
+          </p:sp>
+          <p:sp>
+            <p:nvSpPr>
+              <p:cNvPr id="66" name="椭圆 65">
+                <a:extLst>
+                  <a:ext uri="{FF2B5EF4-FFF2-40B4-BE49-F238E27FC236}">
+                    <a16:creationId xmlns:a16="http://schemas.microsoft.com/office/drawing/2014/main" id="{A8BB97F1-FD42-4599-B72E-19FEDC19ACCF}"/>
+                  </a:ext>
+                </a:extLst>
+              </p:cNvPr>
+              <p:cNvSpPr/>
+              <p:nvPr/>
+            </p:nvSpPr>
+            <p:spPr>
+              <a:xfrm>
+                <a:off x="5134040" y="3525254"/>
+                <a:ext cx="173256" cy="173256"/>
+              </a:xfrm>
+              <a:prstGeom prst="ellipse">
+                <a:avLst/>
+              </a:prstGeom>
+              <a:solidFill>
+                <a:srgbClr val="FF0000"/>
+              </a:solidFill>
+              <a:ln>
+                <a:solidFill>
+                  <a:srgbClr val="FF0000"/>
+                </a:solidFill>
+              </a:ln>
+            </p:spPr>
+            <p:style>
+              <a:lnRef idx="2">
+                <a:schemeClr val="accent1">
+                  <a:shade val="50000"/>
+                </a:schemeClr>
+              </a:lnRef>
+              <a:fillRef idx="1">
+                <a:schemeClr val="accent1"/>
+              </a:fillRef>
+              <a:effectRef idx="0">
+                <a:schemeClr val="accent1"/>
+              </a:effectRef>
+              <a:fontRef idx="minor">
+                <a:schemeClr val="lt1"/>
+              </a:fontRef>
+            </p:style>
+            <p:txBody>
+              <a:bodyPr rtlCol="0" anchor="ctr"/>
+              <a:lstStyle/>
+              <a:p>
+                <a:pPr algn="ctr"/>
+                <a:endParaRPr lang="zh-CN" altLang="en-US"/>
+              </a:p>
+            </p:txBody>
+          </p:sp>
+          <p:sp>
+            <p:nvSpPr>
+              <p:cNvPr id="67" name="椭圆 66">
+                <a:extLst>
+                  <a:ext uri="{FF2B5EF4-FFF2-40B4-BE49-F238E27FC236}">
+                    <a16:creationId xmlns:a16="http://schemas.microsoft.com/office/drawing/2014/main" id="{82626319-AA26-4955-A94C-15CA1727E2EE}"/>
+                  </a:ext>
+                </a:extLst>
+              </p:cNvPr>
+              <p:cNvSpPr/>
+              <p:nvPr/>
+            </p:nvSpPr>
+            <p:spPr>
+              <a:xfrm>
+                <a:off x="6187441" y="3202272"/>
+                <a:ext cx="173256" cy="173256"/>
+              </a:xfrm>
+              <a:prstGeom prst="ellipse">
+                <a:avLst/>
+              </a:prstGeom>
+              <a:solidFill>
+                <a:srgbClr val="0000FF"/>
+              </a:solidFill>
+              <a:ln>
+                <a:solidFill>
+                  <a:srgbClr val="0000FF"/>
+                </a:solidFill>
+              </a:ln>
+            </p:spPr>
+            <p:style>
+              <a:lnRef idx="2">
+                <a:schemeClr val="accent4">
+                  <a:shade val="50000"/>
+                </a:schemeClr>
+              </a:lnRef>
+              <a:fillRef idx="1">
+                <a:schemeClr val="accent4"/>
+              </a:fillRef>
+              <a:effectRef idx="0">
+                <a:schemeClr val="accent4"/>
+              </a:effectRef>
+              <a:fontRef idx="minor">
+                <a:schemeClr val="lt1"/>
+              </a:fontRef>
+            </p:style>
+            <p:txBody>
+              <a:bodyPr rtlCol="0" anchor="ctr"/>
+              <a:lstStyle/>
+              <a:p>
+                <a:pPr algn="ctr"/>
+                <a:endParaRPr lang="zh-CN" altLang="en-US"/>
+              </a:p>
+            </p:txBody>
+          </p:sp>
+          <p:cxnSp>
+            <p:nvCxnSpPr>
+              <p:cNvPr id="68" name="连接符: 曲线 67">
+                <a:extLst>
+                  <a:ext uri="{FF2B5EF4-FFF2-40B4-BE49-F238E27FC236}">
+                    <a16:creationId xmlns:a16="http://schemas.microsoft.com/office/drawing/2014/main" id="{686405EB-6DDD-40E4-BD30-FF14938B0645}"/>
+                  </a:ext>
+                </a:extLst>
+              </p:cNvPr>
+              <p:cNvCxnSpPr>
+                <a:cxnSpLocks/>
+                <a:stCxn id="66" idx="0"/>
+              </p:cNvCxnSpPr>
+              <p:nvPr/>
+            </p:nvCxnSpPr>
+            <p:spPr>
+              <a:xfrm rot="5400000" flipH="1" flipV="1">
+                <a:off x="5446979" y="2909921"/>
+                <a:ext cx="389022" cy="841644"/>
+              </a:xfrm>
+              <a:prstGeom prst="curvedConnector2">
+                <a:avLst/>
+              </a:prstGeom>
+              <a:ln>
+                <a:solidFill>
+                  <a:srgbClr val="FF0000"/>
+                </a:solidFill>
+                <a:tailEnd type="triangle"/>
+              </a:ln>
+            </p:spPr>
+            <p:style>
+              <a:lnRef idx="1">
+                <a:schemeClr val="dk1"/>
+              </a:lnRef>
+              <a:fillRef idx="0">
+                <a:schemeClr val="dk1"/>
+              </a:fillRef>
+              <a:effectRef idx="0">
+                <a:schemeClr val="dk1"/>
+              </a:effectRef>
+              <a:fontRef idx="minor">
+                <a:schemeClr val="tx1"/>
+              </a:fontRef>
+            </p:style>
+          </p:cxnSp>
+        </p:grpSp>
+        <p:cxnSp>
+          <p:nvCxnSpPr>
+            <p:cNvPr id="55" name="连接符: 曲线 54">
               <a:extLst>
                 <a:ext uri="{FF2B5EF4-FFF2-40B4-BE49-F238E27FC236}">
-                  <a16:creationId xmlns:a16="http://schemas.microsoft.com/office/drawing/2014/main" id="{D35B4EB2-77E8-4B2E-81E5-792586F1C3AD}"/>
+                  <a16:creationId xmlns:a16="http://schemas.microsoft.com/office/drawing/2014/main" id="{FE2C92BF-C81F-425D-8743-A435357C0727}"/>
                 </a:ext>
               </a:extLst>
             </p:cNvPr>
-            <p:cNvSpPr/>
+            <p:cNvCxnSpPr>
+              <a:cxnSpLocks/>
+              <a:stCxn id="63" idx="7"/>
+            </p:cNvCxnSpPr>
             <p:nvPr/>
-          </p:nvSpPr>
+          </p:nvCxnSpPr>
           <p:spPr>
-            <a:xfrm>
-              <a:off x="6081562" y="3049604"/>
-              <a:ext cx="173256" cy="173256"/>
+            <a:xfrm rot="5400000" flipH="1" flipV="1">
+              <a:off x="7596699" y="1742188"/>
+              <a:ext cx="370679" cy="670460"/>
             </a:xfrm>
-            <a:prstGeom prst="ellipse">
+            <a:prstGeom prst="curvedConnector2">
               <a:avLst/>
             </a:prstGeom>
+            <a:ln>
+              <a:tailEnd type="triangle"/>
+            </a:ln>
           </p:spPr>
           <p:style>
-            <a:lnRef idx="2">
-              <a:schemeClr val="accent1">
-                <a:shade val="50000"/>
-              </a:schemeClr>
+            <a:lnRef idx="1">
+              <a:schemeClr val="accent2"/>
             </a:lnRef>
-            <a:fillRef idx="1">
-              <a:schemeClr val="accent1"/>
+            <a:fillRef idx="0">
+              <a:schemeClr val="accent2"/>
             </a:fillRef>
             <a:effectRef idx="0">
-              <a:schemeClr val="accent1"/>
+              <a:schemeClr val="accent2"/>
             </a:effectRef>
             <a:fontRef idx="minor">
-              <a:schemeClr val="lt1"/>
+              <a:schemeClr val="tx1"/>
             </a:fontRef>
           </p:style>
-          <p:txBody>
-            <a:bodyPr rtlCol="0" anchor="ctr"/>
-            <a:lstStyle/>
-            <a:p>
-              <a:pPr algn="ctr"/>
-              <a:endParaRPr lang="zh-CN" altLang="en-US"/>
-            </a:p>
-          </p:txBody>
-        </p:sp>
-        <p:sp>
-          <p:nvSpPr>
-            <p:cNvPr id="20" name="椭圆 19">
+        </p:cxnSp>
+        <p:cxnSp>
+          <p:nvCxnSpPr>
+            <p:cNvPr id="56" name="连接符: 曲线 55">
               <a:extLst>
                 <a:ext uri="{FF2B5EF4-FFF2-40B4-BE49-F238E27FC236}">
-                  <a16:creationId xmlns:a16="http://schemas.microsoft.com/office/drawing/2014/main" id="{68F8FA4E-0810-4AD1-89CD-E4DBA0E5DBA6}"/>
+                  <a16:creationId xmlns:a16="http://schemas.microsoft.com/office/drawing/2014/main" id="{2C6C7483-52FF-41FE-9150-51D52888C97B}"/>
                 </a:ext>
               </a:extLst>
             </p:cNvPr>
-            <p:cNvSpPr/>
+            <p:cNvCxnSpPr>
+              <a:cxnSpLocks/>
+              <a:stCxn id="62" idx="1"/>
+            </p:cNvCxnSpPr>
             <p:nvPr/>
-          </p:nvSpPr>
+          </p:nvCxnSpPr>
           <p:spPr>
-            <a:xfrm>
-              <a:off x="4198125" y="3438626"/>
-              <a:ext cx="173256" cy="173256"/>
+            <a:xfrm rot="16200000" flipV="1">
+              <a:off x="4204064" y="1373777"/>
+              <a:ext cx="238695" cy="315622"/>
             </a:xfrm>
-            <a:prstGeom prst="ellipse">
+            <a:prstGeom prst="curvedConnector2">
               <a:avLst/>
             </a:prstGeom>
+            <a:ln>
+              <a:tailEnd type="triangle"/>
+            </a:ln>
           </p:spPr>
           <p:style>
-            <a:lnRef idx="2">
-              <a:schemeClr val="accent1">
-                <a:shade val="50000"/>
-              </a:schemeClr>
+            <a:lnRef idx="1">
+              <a:schemeClr val="accent2"/>
             </a:lnRef>
-            <a:fillRef idx="1">
-              <a:schemeClr val="accent1"/>
+            <a:fillRef idx="0">
+              <a:schemeClr val="accent2"/>
             </a:fillRef>
             <a:effectRef idx="0">
-              <a:schemeClr val="accent1"/>
+              <a:schemeClr val="accent2"/>
             </a:effectRef>
             <a:fontRef idx="minor">
-              <a:schemeClr val="lt1"/>
+              <a:schemeClr val="tx1"/>
             </a:fontRef>
           </p:style>
-          <p:txBody>
-            <a:bodyPr rtlCol="0" anchor="ctr"/>
-            <a:lstStyle/>
-            <a:p>
-              <a:pPr algn="ctr"/>
-              <a:endParaRPr lang="zh-CN" altLang="en-US"/>
-            </a:p>
-          </p:txBody>
-        </p:sp>
-        <p:sp>
-          <p:nvSpPr>
-            <p:cNvPr id="21" name="椭圆 20">
+        </p:cxnSp>
+        <p:cxnSp>
+          <p:nvCxnSpPr>
+            <p:cNvPr id="57" name="连接符: 曲线 56">
               <a:extLst>
                 <a:ext uri="{FF2B5EF4-FFF2-40B4-BE49-F238E27FC236}">
-                  <a16:creationId xmlns:a16="http://schemas.microsoft.com/office/drawing/2014/main" id="{A167EC93-AE7C-4705-91E0-661D273C0B4A}"/>
+                  <a16:creationId xmlns:a16="http://schemas.microsoft.com/office/drawing/2014/main" id="{BF3FEA33-E2B9-4811-A645-F33F70CD2CBC}"/>
                 </a:ext>
               </a:extLst>
             </p:cNvPr>
-            <p:cNvSpPr/>
+            <p:cNvCxnSpPr>
+              <a:cxnSpLocks/>
+              <a:stCxn id="64" idx="0"/>
+            </p:cNvCxnSpPr>
             <p:nvPr/>
-          </p:nvSpPr>
+          </p:nvCxnSpPr>
           <p:spPr>
-            <a:xfrm>
-              <a:off x="5005891" y="4676273"/>
-              <a:ext cx="173256" cy="173256"/>
+            <a:xfrm rot="16200000" flipV="1">
+              <a:off x="4603033" y="2383933"/>
+              <a:ext cx="301478" cy="383863"/>
             </a:xfrm>
-            <a:prstGeom prst="ellipse">
+            <a:prstGeom prst="curvedConnector2">
               <a:avLst/>
             </a:prstGeom>
+            <a:ln>
+              <a:tailEnd type="triangle"/>
+            </a:ln>
           </p:spPr>
           <p:style>
-            <a:lnRef idx="2">
-              <a:schemeClr val="accent1">
-                <a:shade val="50000"/>
-              </a:schemeClr>
+            <a:lnRef idx="1">
+              <a:schemeClr val="accent2"/>
             </a:lnRef>
-            <a:fillRef idx="1">
-              <a:schemeClr val="accent1"/>
+            <a:fillRef idx="0">
+              <a:schemeClr val="accent2"/>
             </a:fillRef>
             <a:effectRef idx="0">
-              <a:schemeClr val="accent1"/>
+              <a:schemeClr val="accent2"/>
             </a:effectRef>
             <a:fontRef idx="minor">
-              <a:schemeClr val="lt1"/>
+              <a:schemeClr val="tx1"/>
             </a:fontRef>
           </p:style>
-          <p:txBody>
-            <a:bodyPr rtlCol="0" anchor="ctr"/>
-            <a:lstStyle/>
-            <a:p>
-              <a:pPr algn="ctr"/>
-              <a:endParaRPr lang="zh-CN" altLang="en-US"/>
-            </a:p>
-          </p:txBody>
-        </p:sp>
-        <p:sp>
-          <p:nvSpPr>
-            <p:cNvPr id="22" name="椭圆 21">
+        </p:cxnSp>
+        <p:cxnSp>
+          <p:nvCxnSpPr>
+            <p:cNvPr id="58" name="连接符: 曲线 57">
               <a:extLst>
                 <a:ext uri="{FF2B5EF4-FFF2-40B4-BE49-F238E27FC236}">
-                  <a16:creationId xmlns:a16="http://schemas.microsoft.com/office/drawing/2014/main" id="{6AF65ACA-D2C6-4C54-9C7E-FD7C08517AFA}"/>
+                  <a16:creationId xmlns:a16="http://schemas.microsoft.com/office/drawing/2014/main" id="{6213B31A-DF10-49BE-B754-CD01915F5418}"/>
                 </a:ext>
               </a:extLst>
             </p:cNvPr>
-            <p:cNvSpPr/>
+            <p:cNvCxnSpPr>
+              <a:cxnSpLocks/>
+              <a:stCxn id="65" idx="1"/>
+            </p:cNvCxnSpPr>
             <p:nvPr/>
-          </p:nvSpPr>
+          </p:nvCxnSpPr>
           <p:spPr>
-            <a:xfrm>
-              <a:off x="5505111" y="3351998"/>
-              <a:ext cx="173256" cy="173256"/>
+            <a:xfrm rot="16200000" flipV="1">
+              <a:off x="5508487" y="3940313"/>
+              <a:ext cx="354910" cy="439724"/>
             </a:xfrm>
-            <a:prstGeom prst="ellipse">
+            <a:prstGeom prst="curvedConnector2">
               <a:avLst/>
             </a:prstGeom>
-            <a:solidFill>
-              <a:srgbClr val="FF0000"/>
-            </a:solidFill>
             <a:ln>
-              <a:solidFill>
-                <a:srgbClr val="C00000"/>
-              </a:solidFill>
+              <a:tailEnd type="triangle"/>
             </a:ln>
           </p:spPr>
           <p:style>
-            <a:lnRef idx="2">
-              <a:schemeClr val="accent1">
-                <a:shade val="50000"/>
-              </a:schemeClr>
+            <a:lnRef idx="1">
+              <a:schemeClr val="accent2"/>
             </a:lnRef>
-            <a:fillRef idx="1">
-              <a:schemeClr val="accent1"/>
+            <a:fillRef idx="0">
+              <a:schemeClr val="accent2"/>
             </a:fillRef>
             <a:effectRef idx="0">
-              <a:schemeClr val="accent1"/>
+              <a:schemeClr val="accent2"/>
             </a:effectRef>
             <a:fontRef idx="minor">
-              <a:schemeClr val="lt1"/>
+              <a:schemeClr val="tx1"/>
             </a:fontRef>
           </p:style>
-          <p:txBody>
-            <a:bodyPr rtlCol="0" anchor="ctr"/>
-            <a:lstStyle/>
-            <a:p>
-              <a:pPr algn="ctr"/>
-              <a:endParaRPr lang="zh-CN" altLang="en-US"/>
-            </a:p>
-          </p:txBody>
-        </p:sp>
+        </p:cxnSp>
         <p:sp>
           <p:nvSpPr>
-            <p:cNvPr id="23" name="椭圆 22">
+            <p:cNvPr id="59" name="文本框 58">
               <a:extLst>
                 <a:ext uri="{FF2B5EF4-FFF2-40B4-BE49-F238E27FC236}">
-                  <a16:creationId xmlns:a16="http://schemas.microsoft.com/office/drawing/2014/main" id="{652117D1-C415-4B00-9CEB-072643FD86C7}"/>
-                </a:ext>
-              </a:extLst>
-            </p:cNvPr>
-            <p:cNvSpPr/>
-            <p:nvPr/>
-          </p:nvSpPr>
-          <p:spPr>
-            <a:xfrm>
-              <a:off x="6162212" y="3235234"/>
-              <a:ext cx="173256" cy="173256"/>
-            </a:xfrm>
-            <a:prstGeom prst="ellipse">
-              <a:avLst/>
-            </a:prstGeom>
-          </p:spPr>
-          <p:style>
-            <a:lnRef idx="2">
-              <a:schemeClr val="accent4">
-                <a:shade val="50000"/>
-              </a:schemeClr>
-            </a:lnRef>
-            <a:fillRef idx="1">
-              <a:schemeClr val="accent4"/>
-            </a:fillRef>
-            <a:effectRef idx="0">
-              <a:schemeClr val="accent4"/>
-            </a:effectRef>
-            <a:fontRef idx="minor">
-              <a:schemeClr val="lt1"/>
-            </a:fontRef>
-          </p:style>
-          <p:txBody>
-            <a:bodyPr rtlCol="0" anchor="ctr"/>
-            <a:lstStyle/>
-            <a:p>
-              <a:pPr algn="ctr"/>
-              <a:endParaRPr lang="zh-CN" altLang="en-US"/>
-            </a:p>
-          </p:txBody>
-        </p:sp>
-        <p:sp>
-          <p:nvSpPr>
-            <p:cNvPr id="24" name="文本框 23">
-              <a:extLst>
-                <a:ext uri="{FF2B5EF4-FFF2-40B4-BE49-F238E27FC236}">
-                  <a16:creationId xmlns:a16="http://schemas.microsoft.com/office/drawing/2014/main" id="{C607BDB6-CBF7-404B-864E-7543E4102D3B}"/>
+                  <a16:creationId xmlns:a16="http://schemas.microsoft.com/office/drawing/2014/main" id="{0469B7F3-B6F7-40EB-B968-11E43D9658FB}"/>
                 </a:ext>
               </a:extLst>
             </p:cNvPr>
@@ -6112,8 +6045,8 @@
           </p:nvSpPr>
           <p:spPr>
             <a:xfrm>
-              <a:off x="4461332" y="2118795"/>
-              <a:ext cx="1429286" cy="331230"/>
+              <a:off x="3900516" y="203170"/>
+              <a:ext cx="1318977" cy="417518"/>
             </a:xfrm>
             <a:prstGeom prst="rect">
               <a:avLst/>
@@ -6121,88 +6054,71 @@
             <a:noFill/>
           </p:spPr>
           <p:txBody>
-            <a:bodyPr wrap="none" rtlCol="0">
+            <a:bodyPr wrap="square" rtlCol="0">
               <a:spAutoFit/>
             </a:bodyPr>
             <a:lstStyle/>
             <a:p>
               <a:r>
-                <a:rPr lang="en-US" altLang="zh-CN" b="1" dirty="0" err="1">
+                <a:rPr lang="en-US" altLang="zh-CN" b="1" dirty="0">
                   <a:solidFill>
-                    <a:srgbClr val="FF0000"/>
+                    <a:schemeClr val="bg1"/>
                   </a:solidFill>
                 </a:rPr>
-                <a:t>TotalScore</a:t>
-              </a:r>
-              <a:r>
-                <a:rPr lang="zh-CN" altLang="en-US" b="1" dirty="0">
-                  <a:solidFill>
-                    <a:srgbClr val="FF0000"/>
-                  </a:solidFill>
-                </a:rPr>
-                <a:t>：</a:t>
-              </a:r>
-              <a:r>
-                <a:rPr lang="en-US" altLang="zh-CN" b="1" dirty="0">
-                  <a:solidFill>
-                    <a:srgbClr val="FF0000"/>
-                  </a:solidFill>
-                </a:rPr>
-                <a:t> 1</a:t>
+                <a:t>Time: 7s</a:t>
               </a:r>
               <a:endParaRPr lang="zh-CN" altLang="en-US" b="1" dirty="0">
                 <a:solidFill>
-                  <a:srgbClr val="FF0000"/>
+                  <a:schemeClr val="bg1"/>
                 </a:solidFill>
               </a:endParaRPr>
             </a:p>
           </p:txBody>
         </p:sp>
-        <p:cxnSp>
-          <p:nvCxnSpPr>
-            <p:cNvPr id="25" name="连接符: 曲线 24">
+        <p:sp>
+          <p:nvSpPr>
+            <p:cNvPr id="60" name="文本框 59">
               <a:extLst>
                 <a:ext uri="{FF2B5EF4-FFF2-40B4-BE49-F238E27FC236}">
-                  <a16:creationId xmlns:a16="http://schemas.microsoft.com/office/drawing/2014/main" id="{606B6538-9888-4845-8F7D-97107AF174DD}"/>
+                  <a16:creationId xmlns:a16="http://schemas.microsoft.com/office/drawing/2014/main" id="{26F9E336-869D-47E6-85A4-ADDFEEF016C0}"/>
                 </a:ext>
               </a:extLst>
             </p:cNvPr>
-            <p:cNvCxnSpPr>
-              <a:cxnSpLocks/>
-              <a:stCxn id="22" idx="0"/>
-              <a:endCxn id="19" idx="3"/>
-            </p:cNvCxnSpPr>
+            <p:cNvSpPr txBox="1"/>
             <p:nvPr/>
-          </p:nvCxnSpPr>
+          </p:nvSpPr>
           <p:spPr>
-            <a:xfrm rot="5400000" flipH="1" flipV="1">
-              <a:off x="5772082" y="3017145"/>
-              <a:ext cx="154510" cy="515196"/>
+            <a:xfrm>
+              <a:off x="6404750" y="208361"/>
+              <a:ext cx="2072528" cy="394959"/>
             </a:xfrm>
-            <a:prstGeom prst="curvedConnector3">
-              <a:avLst>
-                <a:gd name="adj1" fmla="val 50000"/>
-              </a:avLst>
+            <a:prstGeom prst="rect">
+              <a:avLst/>
             </a:prstGeom>
-            <a:ln>
-              <a:tailEnd type="triangle"/>
-            </a:ln>
+            <a:noFill/>
           </p:spPr>
-          <p:style>
-            <a:lnRef idx="1">
-              <a:schemeClr val="dk1"/>
-            </a:lnRef>
-            <a:fillRef idx="0">
-              <a:schemeClr val="dk1"/>
-            </a:fillRef>
-            <a:effectRef idx="0">
-              <a:schemeClr val="dk1"/>
-            </a:effectRef>
-            <a:fontRef idx="minor">
-              <a:schemeClr val="tx1"/>
-            </a:fontRef>
-          </p:style>
-        </p:cxnSp>
+          <p:txBody>
+            <a:bodyPr wrap="square" rtlCol="0">
+              <a:spAutoFit/>
+            </a:bodyPr>
+            <a:lstStyle/>
+            <a:p>
+              <a:r>
+                <a:rPr lang="en-US" altLang="zh-CN" b="1" dirty="0">
+                  <a:solidFill>
+                    <a:srgbClr val="00FF00"/>
+                  </a:solidFill>
+                </a:rPr>
+                <a:t>Total Score: 3.5</a:t>
+              </a:r>
+              <a:endParaRPr lang="zh-CN" altLang="en-US" b="1" dirty="0">
+                <a:solidFill>
+                  <a:srgbClr val="00FF00"/>
+                </a:solidFill>
+              </a:endParaRPr>
+            </a:p>
+          </p:txBody>
+        </p:sp>
       </p:grpSp>
     </p:spTree>
     <p:extLst>
@@ -6220,6 +6136,17 @@
 <file path=ppt/slides/slide3.xml><?xml version="1.0" encoding="utf-8"?>
 <p:sld xmlns:a="http://schemas.openxmlformats.org/drawingml/2006/main" xmlns:r="http://schemas.openxmlformats.org/officeDocument/2006/relationships" xmlns:p="http://schemas.openxmlformats.org/presentationml/2006/main">
   <p:cSld>
+    <p:bg>
+      <p:bgPr>
+        <a:solidFill>
+          <a:schemeClr val="tx1">
+            <a:lumMod val="75000"/>
+            <a:lumOff val="25000"/>
+          </a:schemeClr>
+        </a:solidFill>
+        <a:effectLst/>
+      </p:bgPr>
+    </p:bg>
     <p:spTree>
       <p:nvGrpSpPr>
         <p:cNvPr id="1" name=""/>
@@ -6234,12 +6161,417 @@
           <a:chExt cx="0" cy="0"/>
         </a:xfrm>
       </p:grpSpPr>
+      <p:sp>
+        <p:nvSpPr>
+          <p:cNvPr id="3" name="文本框 2"/>
+          <p:cNvSpPr txBox="1"/>
+          <p:nvPr/>
+        </p:nvSpPr>
+        <p:spPr>
+          <a:xfrm>
+            <a:off x="5197046" y="2082637"/>
+            <a:ext cx="6712929" cy="2692725"/>
+          </a:xfrm>
+          <a:prstGeom prst="rect">
+            <a:avLst/>
+          </a:prstGeom>
+          <a:noFill/>
+        </p:spPr>
+        <p:txBody>
+          <a:bodyPr wrap="square" rtlCol="0">
+            <a:spAutoFit/>
+          </a:bodyPr>
+          <a:lstStyle/>
+          <a:p>
+            <a:pPr marL="285750" indent="-285750">
+              <a:lnSpc>
+                <a:spcPct val="130000"/>
+              </a:lnSpc>
+              <a:spcBef>
+                <a:spcPts val="200"/>
+              </a:spcBef>
+              <a:spcAft>
+                <a:spcPts val="200"/>
+              </a:spcAft>
+              <a:buFont typeface="Arial" panose="020B0604020202020204" pitchFamily="34" charset="0"/>
+              <a:buChar char="•"/>
+            </a:pPr>
+            <a:r>
+              <a:rPr lang="zh-CN" altLang="en-US" sz="2000" dirty="0">
+                <a:solidFill>
+                  <a:schemeClr val="bg1">
+                    <a:lumMod val="95000"/>
+                  </a:schemeClr>
+                </a:solidFill>
+                <a:latin typeface="黑体" panose="02010609060101010101" pitchFamily="49" charset="-122"/>
+                <a:ea typeface="黑体" panose="02010609060101010101" pitchFamily="49" charset="-122"/>
+              </a:rPr>
+              <a:t>屏幕顶端将显示你们当前的</a:t>
+            </a:r>
+            <a:r>
+              <a:rPr lang="zh-CN" altLang="en-US" sz="2000" dirty="0">
+                <a:solidFill>
+                  <a:srgbClr val="92D050"/>
+                </a:solidFill>
+                <a:latin typeface="黑体" panose="02010609060101010101" pitchFamily="49" charset="-122"/>
+                <a:ea typeface="黑体" panose="02010609060101010101" pitchFamily="49" charset="-122"/>
+              </a:rPr>
+              <a:t>总得分</a:t>
+            </a:r>
+            <a:r>
+              <a:rPr lang="zh-CN" altLang="en-US" sz="2000" dirty="0">
+                <a:solidFill>
+                  <a:schemeClr val="bg1">
+                    <a:lumMod val="95000"/>
+                  </a:schemeClr>
+                </a:solidFill>
+                <a:latin typeface="黑体" panose="02010609060101010101" pitchFamily="49" charset="-122"/>
+                <a:ea typeface="黑体" panose="02010609060101010101" pitchFamily="49" charset="-122"/>
+              </a:rPr>
+              <a:t>，分数计算规则为：</a:t>
+            </a:r>
+            <a:endParaRPr lang="en-US" altLang="zh-CN" sz="2000" dirty="0">
+              <a:solidFill>
+                <a:schemeClr val="bg1">
+                  <a:lumMod val="95000"/>
+                </a:schemeClr>
+              </a:solidFill>
+              <a:latin typeface="黑体" panose="02010609060101010101" pitchFamily="49" charset="-122"/>
+              <a:ea typeface="黑体" panose="02010609060101010101" pitchFamily="49" charset="-122"/>
+            </a:endParaRPr>
+          </a:p>
+          <a:p>
+            <a:pPr marL="742950" lvl="1" indent="-285750">
+              <a:lnSpc>
+                <a:spcPct val="130000"/>
+              </a:lnSpc>
+              <a:spcBef>
+                <a:spcPts val="200"/>
+              </a:spcBef>
+              <a:spcAft>
+                <a:spcPts val="200"/>
+              </a:spcAft>
+              <a:buFont typeface="Wingdings" panose="05000000000000000000" pitchFamily="2" charset="2"/>
+              <a:buChar char="Ø"/>
+            </a:pPr>
+            <a:r>
+              <a:rPr lang="zh-CN" altLang="en-US" sz="2000" dirty="0">
+                <a:solidFill>
+                  <a:schemeClr val="bg1">
+                    <a:lumMod val="95000"/>
+                  </a:schemeClr>
+                </a:solidFill>
+                <a:latin typeface="黑体" panose="02010609060101010101" pitchFamily="49" charset="-122"/>
+                <a:ea typeface="黑体" panose="02010609060101010101" pitchFamily="49" charset="-122"/>
+              </a:rPr>
+              <a:t>若</a:t>
+            </a:r>
+            <a:r>
+              <a:rPr lang="en-US" altLang="zh-CN" sz="2000" dirty="0">
+                <a:solidFill>
+                  <a:schemeClr val="bg1">
+                    <a:lumMod val="95000"/>
+                  </a:schemeClr>
+                </a:solidFill>
+                <a:latin typeface="黑体" panose="02010609060101010101" pitchFamily="49" charset="-122"/>
+                <a:ea typeface="黑体" panose="02010609060101010101" pitchFamily="49" charset="-122"/>
+              </a:rPr>
+              <a:t>15s</a:t>
+            </a:r>
+            <a:r>
+              <a:rPr lang="zh-CN" altLang="en-US" sz="2000" dirty="0">
+                <a:solidFill>
+                  <a:schemeClr val="bg1">
+                    <a:lumMod val="95000"/>
+                  </a:schemeClr>
+                </a:solidFill>
+                <a:latin typeface="黑体" panose="02010609060101010101" pitchFamily="49" charset="-122"/>
+                <a:ea typeface="黑体" panose="02010609060101010101" pitchFamily="49" charset="-122"/>
+              </a:rPr>
+              <a:t>内抓到羊，该轮游戏得分。</a:t>
+            </a:r>
+            <a:endParaRPr lang="en-US" altLang="zh-CN" sz="2000" dirty="0">
+              <a:solidFill>
+                <a:schemeClr val="bg1">
+                  <a:lumMod val="95000"/>
+                </a:schemeClr>
+              </a:solidFill>
+              <a:latin typeface="黑体" panose="02010609060101010101" pitchFamily="49" charset="-122"/>
+              <a:ea typeface="黑体" panose="02010609060101010101" pitchFamily="49" charset="-122"/>
+            </a:endParaRPr>
+          </a:p>
+          <a:p>
+            <a:pPr marL="742950" lvl="1" indent="-285750">
+              <a:lnSpc>
+                <a:spcPct val="130000"/>
+              </a:lnSpc>
+              <a:spcBef>
+                <a:spcPts val="200"/>
+              </a:spcBef>
+              <a:spcAft>
+                <a:spcPts val="200"/>
+              </a:spcAft>
+              <a:buFont typeface="Wingdings" panose="05000000000000000000" pitchFamily="2" charset="2"/>
+              <a:buChar char="Ø"/>
+            </a:pPr>
+            <a:r>
+              <a:rPr lang="zh-CN" altLang="en-US" sz="2000" dirty="0">
+                <a:solidFill>
+                  <a:schemeClr val="bg1">
+                    <a:lumMod val="95000"/>
+                  </a:schemeClr>
+                </a:solidFill>
+                <a:latin typeface="黑体" panose="02010609060101010101" pitchFamily="49" charset="-122"/>
+                <a:ea typeface="黑体" panose="02010609060101010101" pitchFamily="49" charset="-122"/>
+              </a:rPr>
+              <a:t>分数依据追逐时长计算，</a:t>
+            </a:r>
+            <a:r>
+              <a:rPr lang="zh-CN" altLang="en-US" sz="2000" dirty="0">
+                <a:solidFill>
+                  <a:srgbClr val="92D050"/>
+                </a:solidFill>
+                <a:latin typeface="黑体" panose="02010609060101010101" pitchFamily="49" charset="-122"/>
+                <a:ea typeface="黑体" panose="02010609060101010101" pitchFamily="49" charset="-122"/>
+              </a:rPr>
+              <a:t>用时越短</a:t>
+            </a:r>
+            <a:r>
+              <a:rPr lang="zh-CN" altLang="en-US" sz="2000" dirty="0">
+                <a:solidFill>
+                  <a:schemeClr val="bg1">
+                    <a:lumMod val="95000"/>
+                  </a:schemeClr>
+                </a:solidFill>
+                <a:latin typeface="黑体" panose="02010609060101010101" pitchFamily="49" charset="-122"/>
+                <a:ea typeface="黑体" panose="02010609060101010101" pitchFamily="49" charset="-122"/>
+              </a:rPr>
+              <a:t>，</a:t>
+            </a:r>
+            <a:r>
+              <a:rPr lang="zh-CN" altLang="en-US" sz="2000" dirty="0">
+                <a:solidFill>
+                  <a:srgbClr val="92D050"/>
+                </a:solidFill>
+                <a:latin typeface="黑体" panose="02010609060101010101" pitchFamily="49" charset="-122"/>
+                <a:ea typeface="黑体" panose="02010609060101010101" pitchFamily="49" charset="-122"/>
+              </a:rPr>
+              <a:t>得分越高</a:t>
+            </a:r>
+            <a:endParaRPr lang="en-US" altLang="zh-CN" sz="2000" dirty="0">
+              <a:solidFill>
+                <a:srgbClr val="92D050"/>
+              </a:solidFill>
+              <a:latin typeface="黑体" panose="02010609060101010101" pitchFamily="49" charset="-122"/>
+              <a:ea typeface="黑体" panose="02010609060101010101" pitchFamily="49" charset="-122"/>
+            </a:endParaRPr>
+          </a:p>
+          <a:p>
+            <a:pPr lvl="1">
+              <a:lnSpc>
+                <a:spcPct val="130000"/>
+              </a:lnSpc>
+              <a:spcBef>
+                <a:spcPts val="200"/>
+              </a:spcBef>
+              <a:spcAft>
+                <a:spcPts val="200"/>
+              </a:spcAft>
+            </a:pPr>
+            <a:r>
+              <a:rPr lang="zh-CN" altLang="en-US" sz="2000" dirty="0">
+                <a:solidFill>
+                  <a:schemeClr val="bg1">
+                    <a:lumMod val="95000"/>
+                  </a:schemeClr>
+                </a:solidFill>
+                <a:latin typeface="黑体" panose="02010609060101010101" pitchFamily="49" charset="-122"/>
+                <a:ea typeface="黑体" panose="02010609060101010101" pitchFamily="49" charset="-122"/>
+              </a:rPr>
+              <a:t>（每剩余</a:t>
+            </a:r>
+            <a:r>
+              <a:rPr lang="en-US" altLang="zh-CN" sz="2000" dirty="0">
+                <a:solidFill>
+                  <a:schemeClr val="bg1">
+                    <a:lumMod val="95000"/>
+                  </a:schemeClr>
+                </a:solidFill>
+                <a:latin typeface="黑体" panose="02010609060101010101" pitchFamily="49" charset="-122"/>
+                <a:ea typeface="黑体" panose="02010609060101010101" pitchFamily="49" charset="-122"/>
+              </a:rPr>
+              <a:t>1s</a:t>
+            </a:r>
+            <a:r>
+              <a:rPr lang="zh-CN" altLang="en-US" sz="2000" dirty="0">
+                <a:solidFill>
+                  <a:schemeClr val="bg1">
+                    <a:lumMod val="95000"/>
+                  </a:schemeClr>
+                </a:solidFill>
+                <a:latin typeface="黑体" panose="02010609060101010101" pitchFamily="49" charset="-122"/>
+                <a:ea typeface="黑体" panose="02010609060101010101" pitchFamily="49" charset="-122"/>
+              </a:rPr>
+              <a:t>，总分增加</a:t>
+            </a:r>
+            <a:r>
+              <a:rPr lang="en-US" altLang="zh-CN" sz="2000" dirty="0">
+                <a:solidFill>
+                  <a:schemeClr val="bg1">
+                    <a:lumMod val="95000"/>
+                  </a:schemeClr>
+                </a:solidFill>
+                <a:latin typeface="黑体" panose="02010609060101010101" pitchFamily="49" charset="-122"/>
+                <a:ea typeface="黑体" panose="02010609060101010101" pitchFamily="49" charset="-122"/>
+              </a:rPr>
+              <a:t>0.5</a:t>
+            </a:r>
+            <a:r>
+              <a:rPr lang="zh-CN" altLang="en-US" sz="2000" dirty="0">
+                <a:solidFill>
+                  <a:schemeClr val="bg1">
+                    <a:lumMod val="95000"/>
+                  </a:schemeClr>
+                </a:solidFill>
+                <a:latin typeface="黑体" panose="02010609060101010101" pitchFamily="49" charset="-122"/>
+                <a:ea typeface="黑体" panose="02010609060101010101" pitchFamily="49" charset="-122"/>
+              </a:rPr>
+              <a:t>分；即至多可得</a:t>
+            </a:r>
+            <a:r>
+              <a:rPr lang="en-US" altLang="zh-CN" sz="2000" dirty="0">
+                <a:solidFill>
+                  <a:schemeClr val="bg1">
+                    <a:lumMod val="95000"/>
+                  </a:schemeClr>
+                </a:solidFill>
+                <a:latin typeface="黑体" panose="02010609060101010101" pitchFamily="49" charset="-122"/>
+                <a:ea typeface="黑体" panose="02010609060101010101" pitchFamily="49" charset="-122"/>
+              </a:rPr>
+              <a:t>7.5</a:t>
+            </a:r>
+            <a:r>
+              <a:rPr lang="zh-CN" altLang="en-US" sz="2000" dirty="0">
+                <a:solidFill>
+                  <a:schemeClr val="bg1">
+                    <a:lumMod val="95000"/>
+                  </a:schemeClr>
+                </a:solidFill>
+                <a:latin typeface="黑体" panose="02010609060101010101" pitchFamily="49" charset="-122"/>
+                <a:ea typeface="黑体" panose="02010609060101010101" pitchFamily="49" charset="-122"/>
+              </a:rPr>
+              <a:t>分）</a:t>
+            </a:r>
+            <a:endParaRPr lang="en-US" altLang="zh-CN" sz="2000" dirty="0">
+              <a:solidFill>
+                <a:schemeClr val="bg1">
+                  <a:lumMod val="95000"/>
+                </a:schemeClr>
+              </a:solidFill>
+              <a:latin typeface="黑体" panose="02010609060101010101" pitchFamily="49" charset="-122"/>
+              <a:ea typeface="黑体" panose="02010609060101010101" pitchFamily="49" charset="-122"/>
+            </a:endParaRPr>
+          </a:p>
+          <a:p>
+            <a:pPr marL="742950" lvl="1" indent="-285750">
+              <a:lnSpc>
+                <a:spcPct val="130000"/>
+              </a:lnSpc>
+              <a:spcBef>
+                <a:spcPts val="200"/>
+              </a:spcBef>
+              <a:spcAft>
+                <a:spcPts val="200"/>
+              </a:spcAft>
+              <a:buFont typeface="Wingdings" panose="05000000000000000000" pitchFamily="2" charset="2"/>
+              <a:buChar char="Ø"/>
+            </a:pPr>
+            <a:r>
+              <a:rPr lang="zh-CN" altLang="en-US" sz="2000" dirty="0">
+                <a:solidFill>
+                  <a:schemeClr val="bg1">
+                    <a:lumMod val="95000"/>
+                  </a:schemeClr>
+                </a:solidFill>
+                <a:latin typeface="黑体" panose="02010609060101010101" pitchFamily="49" charset="-122"/>
+                <a:ea typeface="黑体" panose="02010609060101010101" pitchFamily="49" charset="-122"/>
+              </a:rPr>
+              <a:t>若</a:t>
+            </a:r>
+            <a:r>
+              <a:rPr lang="en-US" altLang="zh-CN" sz="2000" dirty="0">
+                <a:solidFill>
+                  <a:schemeClr val="bg1">
+                    <a:lumMod val="95000"/>
+                  </a:schemeClr>
+                </a:solidFill>
+                <a:latin typeface="黑体" panose="02010609060101010101" pitchFamily="49" charset="-122"/>
+                <a:ea typeface="黑体" panose="02010609060101010101" pitchFamily="49" charset="-122"/>
+              </a:rPr>
+              <a:t>15s</a:t>
+            </a:r>
+            <a:r>
+              <a:rPr lang="zh-CN" altLang="en-US" sz="2000" dirty="0">
+                <a:solidFill>
+                  <a:schemeClr val="bg1">
+                    <a:lumMod val="95000"/>
+                  </a:schemeClr>
+                </a:solidFill>
+                <a:latin typeface="黑体" panose="02010609060101010101" pitchFamily="49" charset="-122"/>
+                <a:ea typeface="黑体" panose="02010609060101010101" pitchFamily="49" charset="-122"/>
+              </a:rPr>
+              <a:t>内两名玩家都没有抓到羊，不得分</a:t>
+            </a:r>
+            <a:endParaRPr lang="en-US" altLang="zh-CN" sz="2000" dirty="0">
+              <a:solidFill>
+                <a:srgbClr val="92D050"/>
+              </a:solidFill>
+              <a:latin typeface="黑体" panose="02010609060101010101" pitchFamily="49" charset="-122"/>
+              <a:ea typeface="黑体" panose="02010609060101010101" pitchFamily="49" charset="-122"/>
+            </a:endParaRPr>
+          </a:p>
+          <a:p>
+            <a:pPr marL="285750" indent="-285750">
+              <a:lnSpc>
+                <a:spcPct val="130000"/>
+              </a:lnSpc>
+              <a:spcBef>
+                <a:spcPts val="200"/>
+              </a:spcBef>
+              <a:spcAft>
+                <a:spcPts val="200"/>
+              </a:spcAft>
+              <a:buFont typeface="Arial" panose="020B0604020202020204" pitchFamily="34" charset="0"/>
+              <a:buChar char="•"/>
+            </a:pPr>
+            <a:r>
+              <a:rPr lang="zh-CN" altLang="en-US" sz="2000" dirty="0">
+                <a:solidFill>
+                  <a:srgbClr val="92D050"/>
+                </a:solidFill>
+                <a:latin typeface="黑体" panose="02010609060101010101" pitchFamily="49" charset="-122"/>
+                <a:ea typeface="黑体" panose="02010609060101010101" pitchFamily="49" charset="-122"/>
+              </a:rPr>
+              <a:t>游戏结束后总分越高，最终实验报酬越高。</a:t>
+            </a:r>
+            <a:endParaRPr lang="zh-CN" altLang="en-US" sz="2000" dirty="0">
+              <a:solidFill>
+                <a:schemeClr val="bg1">
+                  <a:lumMod val="95000"/>
+                </a:schemeClr>
+              </a:solidFill>
+              <a:latin typeface="黑体" panose="02010609060101010101" pitchFamily="49" charset="-122"/>
+              <a:ea typeface="黑体" panose="02010609060101010101" pitchFamily="49" charset="-122"/>
+            </a:endParaRPr>
+          </a:p>
+        </p:txBody>
+      </p:sp>
       <p:grpSp>
         <p:nvGrpSpPr>
-          <p:cNvPr id="2" name="组合 1">
+          <p:cNvPr id="43" name="组合 42">
             <a:extLst>
               <a:ext uri="{FF2B5EF4-FFF2-40B4-BE49-F238E27FC236}">
-                <a16:creationId xmlns:a16="http://schemas.microsoft.com/office/drawing/2014/main" id="{5C1ADCE9-75A5-4986-8406-661703EA1194}"/>
+                <a16:creationId xmlns:a16="http://schemas.microsoft.com/office/drawing/2014/main" id="{18EC41A5-CED0-48E0-BFD2-2319417C736D}"/>
               </a:ext>
             </a:extLst>
           </p:cNvPr>
@@ -6248,509 +6580,18 @@
         </p:nvGrpSpPr>
         <p:grpSpPr>
           <a:xfrm>
-            <a:off x="790238" y="306834"/>
-            <a:ext cx="8959139" cy="6404339"/>
-            <a:chOff x="792319" y="572402"/>
-            <a:chExt cx="8767482" cy="6131859"/>
+            <a:off x="379884" y="1070906"/>
+            <a:ext cx="4712977" cy="4716187"/>
+            <a:chOff x="3576000" y="203170"/>
+            <a:chExt cx="5040000" cy="5043433"/>
           </a:xfrm>
         </p:grpSpPr>
         <p:sp>
           <p:nvSpPr>
-            <p:cNvPr id="4" name="矩形 3"/>
-            <p:cNvSpPr/>
-            <p:nvPr/>
-          </p:nvSpPr>
-          <p:spPr>
-            <a:xfrm>
-              <a:off x="792319" y="572402"/>
-              <a:ext cx="8767482" cy="6131859"/>
-            </a:xfrm>
-            <a:prstGeom prst="rect">
-              <a:avLst/>
-            </a:prstGeom>
-            <a:solidFill>
-              <a:schemeClr val="bg2">
-                <a:lumMod val="25000"/>
-              </a:schemeClr>
-            </a:solidFill>
-            <a:ln>
-              <a:noFill/>
-            </a:ln>
-          </p:spPr>
-          <p:style>
-            <a:lnRef idx="3">
-              <a:schemeClr val="lt1"/>
-            </a:lnRef>
-            <a:fillRef idx="1">
-              <a:schemeClr val="accent3"/>
-            </a:fillRef>
-            <a:effectRef idx="1">
-              <a:schemeClr val="accent3"/>
-            </a:effectRef>
-            <a:fontRef idx="minor">
-              <a:schemeClr val="lt1"/>
-            </a:fontRef>
-          </p:style>
-          <p:txBody>
-            <a:bodyPr rtlCol="0" anchor="ctr"/>
-            <a:lstStyle/>
-            <a:p>
-              <a:pPr>
-                <a:lnSpc>
-                  <a:spcPct val="150000"/>
-                </a:lnSpc>
-                <a:spcBef>
-                  <a:spcPts val="200"/>
-                </a:spcBef>
-                <a:spcAft>
-                  <a:spcPts val="200"/>
-                </a:spcAft>
-              </a:pPr>
-              <a:endParaRPr lang="zh-CN" altLang="en-US" sz="2000" dirty="0">
-                <a:latin typeface="黑体" panose="02010609060101010101" pitchFamily="49" charset="-122"/>
-                <a:ea typeface="黑体" panose="02010609060101010101" pitchFamily="49" charset="-122"/>
-              </a:endParaRPr>
-            </a:p>
-          </p:txBody>
-        </p:sp>
-        <p:sp>
-          <p:nvSpPr>
-            <p:cNvPr id="3" name="文本框 2"/>
-            <p:cNvSpPr txBox="1"/>
-            <p:nvPr/>
-          </p:nvSpPr>
-          <p:spPr>
-            <a:xfrm>
-              <a:off x="1223744" y="4138048"/>
-              <a:ext cx="7811593" cy="2304597"/>
-            </a:xfrm>
-            <a:prstGeom prst="rect">
-              <a:avLst/>
-            </a:prstGeom>
-            <a:noFill/>
-          </p:spPr>
-          <p:txBody>
-            <a:bodyPr wrap="square" rtlCol="0">
-              <a:spAutoFit/>
-            </a:bodyPr>
-            <a:lstStyle/>
-            <a:p>
-              <a:pPr marL="285750" indent="-285750">
-                <a:lnSpc>
-                  <a:spcPct val="130000"/>
-                </a:lnSpc>
-                <a:spcBef>
-                  <a:spcPts val="200"/>
-                </a:spcBef>
-                <a:spcAft>
-                  <a:spcPts val="200"/>
-                </a:spcAft>
-                <a:buFont typeface="Arial" panose="020B0604020202020204" pitchFamily="34" charset="0"/>
-                <a:buChar char="•"/>
-              </a:pPr>
-              <a:r>
-                <a:rPr lang="zh-CN" altLang="en-US" dirty="0">
-                  <a:solidFill>
-                    <a:schemeClr val="bg1">
-                      <a:lumMod val="95000"/>
-                    </a:schemeClr>
-                  </a:solidFill>
-                  <a:latin typeface="黑体" panose="02010609060101010101" pitchFamily="49" charset="-122"/>
-                  <a:ea typeface="黑体" panose="02010609060101010101" pitchFamily="49" charset="-122"/>
-                </a:rPr>
-                <a:t>屏幕顶端将显示你们当前的</a:t>
-              </a:r>
-              <a:r>
-                <a:rPr lang="zh-CN" altLang="en-US" dirty="0">
-                  <a:solidFill>
-                    <a:srgbClr val="92D050"/>
-                  </a:solidFill>
-                  <a:latin typeface="黑体" panose="02010609060101010101" pitchFamily="49" charset="-122"/>
-                  <a:ea typeface="黑体" panose="02010609060101010101" pitchFamily="49" charset="-122"/>
-                </a:rPr>
-                <a:t>总得分</a:t>
-              </a:r>
-              <a:r>
-                <a:rPr lang="zh-CN" altLang="en-US" dirty="0">
-                  <a:solidFill>
-                    <a:schemeClr val="bg1">
-                      <a:lumMod val="95000"/>
-                    </a:schemeClr>
-                  </a:solidFill>
-                  <a:latin typeface="黑体" panose="02010609060101010101" pitchFamily="49" charset="-122"/>
-                  <a:ea typeface="黑体" panose="02010609060101010101" pitchFamily="49" charset="-122"/>
-                </a:rPr>
-                <a:t>，分数计算规则为：</a:t>
-              </a:r>
-              <a:endParaRPr lang="en-US" altLang="zh-CN" dirty="0">
-                <a:solidFill>
-                  <a:schemeClr val="bg1">
-                    <a:lumMod val="95000"/>
-                  </a:schemeClr>
-                </a:solidFill>
-                <a:latin typeface="黑体" panose="02010609060101010101" pitchFamily="49" charset="-122"/>
-                <a:ea typeface="黑体" panose="02010609060101010101" pitchFamily="49" charset="-122"/>
-              </a:endParaRPr>
-            </a:p>
-            <a:p>
-              <a:pPr marL="742950" lvl="1" indent="-285750">
-                <a:lnSpc>
-                  <a:spcPct val="130000"/>
-                </a:lnSpc>
-                <a:spcBef>
-                  <a:spcPts val="200"/>
-                </a:spcBef>
-                <a:spcAft>
-                  <a:spcPts val="200"/>
-                </a:spcAft>
-                <a:buFont typeface="Wingdings" panose="05000000000000000000" pitchFamily="2" charset="2"/>
-                <a:buChar char="Ø"/>
-              </a:pPr>
-              <a:r>
-                <a:rPr lang="zh-CN" altLang="en-US" dirty="0">
-                  <a:solidFill>
-                    <a:schemeClr val="bg1">
-                      <a:lumMod val="95000"/>
-                    </a:schemeClr>
-                  </a:solidFill>
-                  <a:latin typeface="黑体" panose="02010609060101010101" pitchFamily="49" charset="-122"/>
-                  <a:ea typeface="黑体" panose="02010609060101010101" pitchFamily="49" charset="-122"/>
-                </a:rPr>
-                <a:t>若</a:t>
-              </a:r>
-              <a:r>
-                <a:rPr lang="en-US" altLang="zh-CN" dirty="0">
-                  <a:solidFill>
-                    <a:schemeClr val="bg1">
-                      <a:lumMod val="95000"/>
-                    </a:schemeClr>
-                  </a:solidFill>
-                  <a:latin typeface="黑体" panose="02010609060101010101" pitchFamily="49" charset="-122"/>
-                  <a:ea typeface="黑体" panose="02010609060101010101" pitchFamily="49" charset="-122"/>
-                </a:rPr>
-                <a:t>15s</a:t>
-              </a:r>
-              <a:r>
-                <a:rPr lang="zh-CN" altLang="en-US" dirty="0">
-                  <a:solidFill>
-                    <a:schemeClr val="bg1">
-                      <a:lumMod val="95000"/>
-                    </a:schemeClr>
-                  </a:solidFill>
-                  <a:latin typeface="黑体" panose="02010609060101010101" pitchFamily="49" charset="-122"/>
-                  <a:ea typeface="黑体" panose="02010609060101010101" pitchFamily="49" charset="-122"/>
-                </a:rPr>
-                <a:t>内抓到羊，总分增加</a:t>
-              </a:r>
-              <a:r>
-                <a:rPr lang="en-US" altLang="zh-CN" dirty="0">
-                  <a:solidFill>
-                    <a:schemeClr val="bg1">
-                      <a:lumMod val="95000"/>
-                    </a:schemeClr>
-                  </a:solidFill>
-                  <a:latin typeface="黑体" panose="02010609060101010101" pitchFamily="49" charset="-122"/>
-                  <a:ea typeface="黑体" panose="02010609060101010101" pitchFamily="49" charset="-122"/>
-                </a:rPr>
-                <a:t>1</a:t>
-              </a:r>
-              <a:r>
-                <a:rPr lang="zh-CN" altLang="en-US" dirty="0">
-                  <a:solidFill>
-                    <a:schemeClr val="bg1">
-                      <a:lumMod val="95000"/>
-                    </a:schemeClr>
-                  </a:solidFill>
-                  <a:latin typeface="黑体" panose="02010609060101010101" pitchFamily="49" charset="-122"/>
-                  <a:ea typeface="黑体" panose="02010609060101010101" pitchFamily="49" charset="-122"/>
-                </a:rPr>
-                <a:t>分</a:t>
-              </a:r>
-              <a:endParaRPr lang="en-US" altLang="zh-CN" dirty="0">
-                <a:solidFill>
-                  <a:schemeClr val="bg1">
-                    <a:lumMod val="95000"/>
-                  </a:schemeClr>
-                </a:solidFill>
-                <a:latin typeface="黑体" panose="02010609060101010101" pitchFamily="49" charset="-122"/>
-                <a:ea typeface="黑体" panose="02010609060101010101" pitchFamily="49" charset="-122"/>
-              </a:endParaRPr>
-            </a:p>
-            <a:p>
-              <a:pPr marL="742950" lvl="1" indent="-285750">
-                <a:lnSpc>
-                  <a:spcPct val="130000"/>
-                </a:lnSpc>
-                <a:spcBef>
-                  <a:spcPts val="200"/>
-                </a:spcBef>
-                <a:spcAft>
-                  <a:spcPts val="200"/>
-                </a:spcAft>
-                <a:buFont typeface="Wingdings" panose="05000000000000000000" pitchFamily="2" charset="2"/>
-                <a:buChar char="Ø"/>
-              </a:pPr>
-              <a:r>
-                <a:rPr lang="zh-CN" altLang="en-US" dirty="0">
-                  <a:solidFill>
-                    <a:schemeClr val="bg1">
-                      <a:lumMod val="95000"/>
-                    </a:schemeClr>
-                  </a:solidFill>
-                  <a:latin typeface="黑体" panose="02010609060101010101" pitchFamily="49" charset="-122"/>
-                  <a:ea typeface="黑体" panose="02010609060101010101" pitchFamily="49" charset="-122"/>
-                </a:rPr>
-                <a:t>若</a:t>
-              </a:r>
-              <a:r>
-                <a:rPr lang="en-US" altLang="zh-CN" dirty="0">
-                  <a:solidFill>
-                    <a:schemeClr val="bg1">
-                      <a:lumMod val="95000"/>
-                    </a:schemeClr>
-                  </a:solidFill>
-                  <a:latin typeface="黑体" panose="02010609060101010101" pitchFamily="49" charset="-122"/>
-                  <a:ea typeface="黑体" panose="02010609060101010101" pitchFamily="49" charset="-122"/>
-                </a:rPr>
-                <a:t>15s</a:t>
-              </a:r>
-              <a:r>
-                <a:rPr lang="zh-CN" altLang="en-US" dirty="0">
-                  <a:solidFill>
-                    <a:schemeClr val="bg1">
-                      <a:lumMod val="95000"/>
-                    </a:schemeClr>
-                  </a:solidFill>
-                  <a:latin typeface="黑体" panose="02010609060101010101" pitchFamily="49" charset="-122"/>
-                  <a:ea typeface="黑体" panose="02010609060101010101" pitchFamily="49" charset="-122"/>
-                </a:rPr>
-                <a:t>内两名玩家都没有抓到羊，不得分</a:t>
-              </a:r>
-              <a:endParaRPr lang="en-US" altLang="zh-CN" dirty="0">
-                <a:solidFill>
-                  <a:schemeClr val="bg1">
-                    <a:lumMod val="95000"/>
-                  </a:schemeClr>
-                </a:solidFill>
-                <a:latin typeface="黑体" panose="02010609060101010101" pitchFamily="49" charset="-122"/>
-                <a:ea typeface="黑体" panose="02010609060101010101" pitchFamily="49" charset="-122"/>
-              </a:endParaRPr>
-            </a:p>
-            <a:p>
-              <a:pPr marL="742950" lvl="1" indent="-285750">
-                <a:lnSpc>
-                  <a:spcPct val="130000"/>
-                </a:lnSpc>
-                <a:spcBef>
-                  <a:spcPts val="200"/>
-                </a:spcBef>
-                <a:spcAft>
-                  <a:spcPts val="200"/>
-                </a:spcAft>
-                <a:buFont typeface="Wingdings" panose="05000000000000000000" pitchFamily="2" charset="2"/>
-                <a:buChar char="Ø"/>
-              </a:pPr>
-              <a:r>
-                <a:rPr lang="zh-CN" altLang="en-US" dirty="0">
-                  <a:solidFill>
-                    <a:schemeClr val="bg1">
-                      <a:lumMod val="95000"/>
-                    </a:schemeClr>
-                  </a:solidFill>
-                  <a:latin typeface="黑体" panose="02010609060101010101" pitchFamily="49" charset="-122"/>
-                  <a:ea typeface="黑体" panose="02010609060101010101" pitchFamily="49" charset="-122"/>
-                </a:rPr>
-                <a:t>游戏包含时间惩罚机制，每轮游戏追逐</a:t>
-              </a:r>
-              <a:r>
-                <a:rPr lang="zh-CN" altLang="en-US" dirty="0">
-                  <a:solidFill>
-                    <a:srgbClr val="92D050"/>
-                  </a:solidFill>
-                  <a:latin typeface="黑体" panose="02010609060101010101" pitchFamily="49" charset="-122"/>
-                  <a:ea typeface="黑体" panose="02010609060101010101" pitchFamily="49" charset="-122"/>
-                </a:rPr>
-                <a:t>时间越长</a:t>
-              </a:r>
-              <a:r>
-                <a:rPr lang="zh-CN" altLang="en-US" dirty="0">
-                  <a:solidFill>
-                    <a:schemeClr val="bg1">
-                      <a:lumMod val="95000"/>
-                    </a:schemeClr>
-                  </a:solidFill>
-                  <a:latin typeface="黑体" panose="02010609060101010101" pitchFamily="49" charset="-122"/>
-                  <a:ea typeface="黑体" panose="02010609060101010101" pitchFamily="49" charset="-122"/>
-                </a:rPr>
-                <a:t>，该轮游戏</a:t>
-              </a:r>
-              <a:r>
-                <a:rPr lang="zh-CN" altLang="en-US" dirty="0">
-                  <a:solidFill>
-                    <a:srgbClr val="92D050"/>
-                  </a:solidFill>
-                  <a:latin typeface="黑体" panose="02010609060101010101" pitchFamily="49" charset="-122"/>
-                  <a:ea typeface="黑体" panose="02010609060101010101" pitchFamily="49" charset="-122"/>
-                </a:rPr>
-                <a:t>惩罚越多</a:t>
-              </a:r>
-              <a:r>
-                <a:rPr lang="zh-CN" altLang="en-US" dirty="0">
-                  <a:solidFill>
-                    <a:schemeClr val="bg1">
-                      <a:lumMod val="95000"/>
-                    </a:schemeClr>
-                  </a:solidFill>
-                  <a:latin typeface="黑体" panose="02010609060101010101" pitchFamily="49" charset="-122"/>
-                  <a:ea typeface="黑体" panose="02010609060101010101" pitchFamily="49" charset="-122"/>
-                </a:rPr>
-                <a:t>（每消耗</a:t>
-              </a:r>
-              <a:r>
-                <a:rPr lang="en-US" altLang="zh-CN" dirty="0">
-                  <a:solidFill>
-                    <a:schemeClr val="bg1">
-                      <a:lumMod val="95000"/>
-                    </a:schemeClr>
-                  </a:solidFill>
-                  <a:latin typeface="黑体" panose="02010609060101010101" pitchFamily="49" charset="-122"/>
-                  <a:ea typeface="黑体" panose="02010609060101010101" pitchFamily="49" charset="-122"/>
-                </a:rPr>
-                <a:t>1s</a:t>
-              </a:r>
-              <a:r>
-                <a:rPr lang="zh-CN" altLang="en-US" dirty="0">
-                  <a:solidFill>
-                    <a:schemeClr val="bg1">
-                      <a:lumMod val="95000"/>
-                    </a:schemeClr>
-                  </a:solidFill>
-                  <a:latin typeface="黑体" panose="02010609060101010101" pitchFamily="49" charset="-122"/>
-                  <a:ea typeface="黑体" panose="02010609060101010101" pitchFamily="49" charset="-122"/>
-                </a:rPr>
-                <a:t>，总分减少</a:t>
-              </a:r>
-              <a:r>
-                <a:rPr lang="en-US" altLang="zh-CN" dirty="0">
-                  <a:solidFill>
-                    <a:schemeClr val="bg1">
-                      <a:lumMod val="95000"/>
-                    </a:schemeClr>
-                  </a:solidFill>
-                  <a:latin typeface="黑体" panose="02010609060101010101" pitchFamily="49" charset="-122"/>
-                  <a:ea typeface="黑体" panose="02010609060101010101" pitchFamily="49" charset="-122"/>
-                </a:rPr>
-                <a:t>0.02</a:t>
-              </a:r>
-              <a:r>
-                <a:rPr lang="zh-CN" altLang="en-US" dirty="0">
-                  <a:solidFill>
-                    <a:schemeClr val="bg1">
-                      <a:lumMod val="95000"/>
-                    </a:schemeClr>
-                  </a:solidFill>
-                  <a:latin typeface="黑体" panose="02010609060101010101" pitchFamily="49" charset="-122"/>
-                  <a:ea typeface="黑体" panose="02010609060101010101" pitchFamily="49" charset="-122"/>
-                </a:rPr>
-                <a:t>分；即未追到羊总分减少</a:t>
-              </a:r>
-              <a:r>
-                <a:rPr lang="en-US" altLang="zh-CN" dirty="0">
-                  <a:solidFill>
-                    <a:schemeClr val="bg1">
-                      <a:lumMod val="95000"/>
-                    </a:schemeClr>
-                  </a:solidFill>
-                  <a:latin typeface="黑体" panose="02010609060101010101" pitchFamily="49" charset="-122"/>
-                  <a:ea typeface="黑体" panose="02010609060101010101" pitchFamily="49" charset="-122"/>
-                </a:rPr>
-                <a:t>0.3</a:t>
-              </a:r>
-              <a:r>
-                <a:rPr lang="zh-CN" altLang="en-US" dirty="0">
-                  <a:solidFill>
-                    <a:schemeClr val="bg1">
-                      <a:lumMod val="95000"/>
-                    </a:schemeClr>
-                  </a:solidFill>
-                  <a:latin typeface="黑体" panose="02010609060101010101" pitchFamily="49" charset="-122"/>
-                  <a:ea typeface="黑体" panose="02010609060101010101" pitchFamily="49" charset="-122"/>
-                </a:rPr>
-                <a:t>分）</a:t>
-              </a:r>
-              <a:endParaRPr lang="en-US" altLang="zh-CN" dirty="0">
-                <a:solidFill>
-                  <a:schemeClr val="bg1">
-                    <a:lumMod val="95000"/>
-                  </a:schemeClr>
-                </a:solidFill>
-                <a:latin typeface="黑体" panose="02010609060101010101" pitchFamily="49" charset="-122"/>
-                <a:ea typeface="黑体" panose="02010609060101010101" pitchFamily="49" charset="-122"/>
-              </a:endParaRPr>
-            </a:p>
-            <a:p>
-              <a:pPr marL="285750" indent="-285750">
-                <a:lnSpc>
-                  <a:spcPct val="130000"/>
-                </a:lnSpc>
-                <a:spcBef>
-                  <a:spcPts val="200"/>
-                </a:spcBef>
-                <a:spcAft>
-                  <a:spcPts val="200"/>
-                </a:spcAft>
-                <a:buFont typeface="Arial" panose="020B0604020202020204" pitchFamily="34" charset="0"/>
-                <a:buChar char="•"/>
-              </a:pPr>
-              <a:r>
-                <a:rPr lang="zh-CN" altLang="en-US" dirty="0">
-                  <a:solidFill>
-                    <a:srgbClr val="92D050"/>
-                  </a:solidFill>
-                  <a:latin typeface="黑体" panose="02010609060101010101" pitchFamily="49" charset="-122"/>
-                  <a:ea typeface="黑体" panose="02010609060101010101" pitchFamily="49" charset="-122"/>
-                </a:rPr>
-                <a:t>游戏结束后总分越高，最终实验报酬越高。</a:t>
-              </a:r>
-              <a:endParaRPr lang="zh-CN" altLang="en-US" dirty="0">
-                <a:solidFill>
-                  <a:schemeClr val="bg1">
-                    <a:lumMod val="95000"/>
-                  </a:schemeClr>
-                </a:solidFill>
-                <a:latin typeface="黑体" panose="02010609060101010101" pitchFamily="49" charset="-122"/>
-                <a:ea typeface="黑体" panose="02010609060101010101" pitchFamily="49" charset="-122"/>
-              </a:endParaRPr>
-            </a:p>
-          </p:txBody>
-        </p:sp>
-      </p:grpSp>
-      <p:grpSp>
-        <p:nvGrpSpPr>
-          <p:cNvPr id="28" name="组合 27">
-            <a:extLst>
-              <a:ext uri="{FF2B5EF4-FFF2-40B4-BE49-F238E27FC236}">
-                <a16:creationId xmlns:a16="http://schemas.microsoft.com/office/drawing/2014/main" id="{DBBBB726-E9F2-4CC7-85AB-2981E06753A2}"/>
-              </a:ext>
-            </a:extLst>
-          </p:cNvPr>
-          <p:cNvGrpSpPr/>
-          <p:nvPr/>
-        </p:nvGrpSpPr>
-        <p:grpSpPr>
-          <a:xfrm>
-            <a:off x="3209427" y="623268"/>
-            <a:ext cx="4120759" cy="3297435"/>
-            <a:chOff x="3124152" y="2088684"/>
-            <a:chExt cx="3763478" cy="3185962"/>
-          </a:xfrm>
-        </p:grpSpPr>
-        <p:sp>
-          <p:nvSpPr>
-            <p:cNvPr id="30" name="矩形 29">
+            <p:cNvPr id="44" name="矩形 43">
               <a:extLst>
                 <a:ext uri="{FF2B5EF4-FFF2-40B4-BE49-F238E27FC236}">
-                  <a16:creationId xmlns:a16="http://schemas.microsoft.com/office/drawing/2014/main" id="{30AF6E58-776F-4533-82B8-0D0841C9DD6B}"/>
+                  <a16:creationId xmlns:a16="http://schemas.microsoft.com/office/drawing/2014/main" id="{28FAF185-B123-4DC4-9C87-53DCF401E0D2}"/>
                 </a:ext>
               </a:extLst>
             </p:cNvPr>
@@ -6759,12 +6600,18 @@
           </p:nvSpPr>
           <p:spPr>
             <a:xfrm>
-              <a:off x="3124152" y="2088684"/>
-              <a:ext cx="3763478" cy="3185962"/>
+              <a:off x="3576000" y="206603"/>
+              <a:ext cx="5040000" cy="5040000"/>
             </a:xfrm>
             <a:prstGeom prst="rect">
               <a:avLst/>
             </a:prstGeom>
+            <a:solidFill>
+              <a:schemeClr val="tx1"/>
+            </a:solidFill>
+            <a:ln>
+              <a:noFill/>
+            </a:ln>
           </p:spPr>
           <p:style>
             <a:lnRef idx="2">
@@ -6791,369 +6638,464 @@
             </a:p>
           </p:txBody>
         </p:sp>
-        <p:sp>
-          <p:nvSpPr>
-            <p:cNvPr id="31" name="椭圆 30">
+        <p:grpSp>
+          <p:nvGrpSpPr>
+            <p:cNvPr id="45" name="组合 44">
               <a:extLst>
                 <a:ext uri="{FF2B5EF4-FFF2-40B4-BE49-F238E27FC236}">
-                  <a16:creationId xmlns:a16="http://schemas.microsoft.com/office/drawing/2014/main" id="{6D698182-4DB7-43AA-BD69-4DE602677882}"/>
+                  <a16:creationId xmlns:a16="http://schemas.microsoft.com/office/drawing/2014/main" id="{B39497F9-C3A8-4A78-81DD-CA66F9263F21}"/>
                 </a:ext>
               </a:extLst>
             </p:cNvPr>
-            <p:cNvSpPr/>
+            <p:cNvGrpSpPr/>
             <p:nvPr/>
-          </p:nvSpPr>
-          <p:spPr>
+          </p:nvGrpSpPr>
+          <p:grpSpPr>
             <a:xfrm>
-              <a:off x="3898231" y="2569945"/>
-              <a:ext cx="173256" cy="173256"/>
+              <a:off x="3979435" y="610038"/>
+              <a:ext cx="4233130" cy="4233131"/>
+              <a:chOff x="3533447" y="1779270"/>
+              <a:chExt cx="3291401" cy="3318711"/>
             </a:xfrm>
-            <a:prstGeom prst="ellipse">
-              <a:avLst/>
-            </a:prstGeom>
-          </p:spPr>
-          <p:style>
-            <a:lnRef idx="2">
-              <a:schemeClr val="accent1">
-                <a:shade val="50000"/>
-              </a:schemeClr>
-            </a:lnRef>
-            <a:fillRef idx="1">
-              <a:schemeClr val="accent1"/>
-            </a:fillRef>
-            <a:effectRef idx="0">
-              <a:schemeClr val="accent1"/>
-            </a:effectRef>
-            <a:fontRef idx="minor">
-              <a:schemeClr val="lt1"/>
-            </a:fontRef>
-          </p:style>
-          <p:txBody>
-            <a:bodyPr rtlCol="0" anchor="ctr"/>
-            <a:lstStyle/>
-            <a:p>
-              <a:pPr algn="ctr"/>
-              <a:endParaRPr lang="zh-CN" altLang="en-US"/>
-            </a:p>
-          </p:txBody>
-        </p:sp>
-        <p:sp>
-          <p:nvSpPr>
-            <p:cNvPr id="32" name="椭圆 31">
+          </p:grpSpPr>
+          <p:sp>
+            <p:nvSpPr>
+              <p:cNvPr id="52" name="矩形 51">
+                <a:extLst>
+                  <a:ext uri="{FF2B5EF4-FFF2-40B4-BE49-F238E27FC236}">
+                    <a16:creationId xmlns:a16="http://schemas.microsoft.com/office/drawing/2014/main" id="{DF477829-C188-44EF-B063-306F912190EE}"/>
+                  </a:ext>
+                </a:extLst>
+              </p:cNvPr>
+              <p:cNvSpPr/>
+              <p:nvPr/>
+            </p:nvSpPr>
+            <p:spPr>
+              <a:xfrm>
+                <a:off x="3533447" y="1779270"/>
+                <a:ext cx="3291401" cy="3318711"/>
+              </a:xfrm>
+              <a:prstGeom prst="rect">
+                <a:avLst/>
+              </a:prstGeom>
+              <a:ln>
+                <a:noFill/>
+              </a:ln>
+            </p:spPr>
+            <p:style>
+              <a:lnRef idx="2">
+                <a:schemeClr val="accent3">
+                  <a:shade val="50000"/>
+                </a:schemeClr>
+              </a:lnRef>
+              <a:fillRef idx="1">
+                <a:schemeClr val="accent3"/>
+              </a:fillRef>
+              <a:effectRef idx="0">
+                <a:schemeClr val="accent3"/>
+              </a:effectRef>
+              <a:fontRef idx="minor">
+                <a:schemeClr val="lt1"/>
+              </a:fontRef>
+            </p:style>
+            <p:txBody>
+              <a:bodyPr rtlCol="0" anchor="ctr"/>
+              <a:lstStyle/>
+              <a:p>
+                <a:pPr algn="ctr"/>
+                <a:endParaRPr lang="zh-CN" altLang="en-US" dirty="0"/>
+              </a:p>
+            </p:txBody>
+          </p:sp>
+          <p:sp>
+            <p:nvSpPr>
+              <p:cNvPr id="53" name="椭圆 52">
+                <a:extLst>
+                  <a:ext uri="{FF2B5EF4-FFF2-40B4-BE49-F238E27FC236}">
+                    <a16:creationId xmlns:a16="http://schemas.microsoft.com/office/drawing/2014/main" id="{F36E2DFA-E5BA-4311-8577-1FA61765E9FD}"/>
+                  </a:ext>
+                </a:extLst>
+              </p:cNvPr>
+              <p:cNvSpPr/>
+              <p:nvPr/>
+            </p:nvSpPr>
+            <p:spPr>
+              <a:xfrm>
+                <a:off x="3898231" y="2569945"/>
+                <a:ext cx="173256" cy="173256"/>
+              </a:xfrm>
+              <a:prstGeom prst="ellipse">
+                <a:avLst/>
+              </a:prstGeom>
+              <a:solidFill>
+                <a:srgbClr val="FFA500"/>
+              </a:solidFill>
+              <a:ln>
+                <a:solidFill>
+                  <a:srgbClr val="FFA500"/>
+                </a:solidFill>
+              </a:ln>
+            </p:spPr>
+            <p:style>
+              <a:lnRef idx="2">
+                <a:schemeClr val="accent2">
+                  <a:shade val="50000"/>
+                </a:schemeClr>
+              </a:lnRef>
+              <a:fillRef idx="1">
+                <a:schemeClr val="accent2"/>
+              </a:fillRef>
+              <a:effectRef idx="0">
+                <a:schemeClr val="accent2"/>
+              </a:effectRef>
+              <a:fontRef idx="minor">
+                <a:schemeClr val="lt1"/>
+              </a:fontRef>
+            </p:style>
+            <p:txBody>
+              <a:bodyPr rtlCol="0" anchor="ctr"/>
+              <a:lstStyle/>
+              <a:p>
+                <a:pPr algn="ctr"/>
+                <a:endParaRPr lang="zh-CN" altLang="en-US"/>
+              </a:p>
+            </p:txBody>
+          </p:sp>
+          <p:sp>
+            <p:nvSpPr>
+              <p:cNvPr id="54" name="椭圆 53">
+                <a:extLst>
+                  <a:ext uri="{FF2B5EF4-FFF2-40B4-BE49-F238E27FC236}">
+                    <a16:creationId xmlns:a16="http://schemas.microsoft.com/office/drawing/2014/main" id="{F23BE09D-5C76-45B7-A347-32FA484AFB96}"/>
+                  </a:ext>
+                </a:extLst>
+              </p:cNvPr>
+              <p:cNvSpPr/>
+              <p:nvPr/>
+            </p:nvSpPr>
+            <p:spPr>
+              <a:xfrm>
+                <a:off x="6081562" y="3049604"/>
+                <a:ext cx="173256" cy="173256"/>
+              </a:xfrm>
+              <a:prstGeom prst="ellipse">
+                <a:avLst/>
+              </a:prstGeom>
+              <a:solidFill>
+                <a:srgbClr val="FFA500"/>
+              </a:solidFill>
+              <a:ln>
+                <a:solidFill>
+                  <a:srgbClr val="FFA500"/>
+                </a:solidFill>
+              </a:ln>
+            </p:spPr>
+            <p:style>
+              <a:lnRef idx="2">
+                <a:schemeClr val="accent2">
+                  <a:shade val="50000"/>
+                </a:schemeClr>
+              </a:lnRef>
+              <a:fillRef idx="1">
+                <a:schemeClr val="accent2"/>
+              </a:fillRef>
+              <a:effectRef idx="0">
+                <a:schemeClr val="accent2"/>
+              </a:effectRef>
+              <a:fontRef idx="minor">
+                <a:schemeClr val="lt1"/>
+              </a:fontRef>
+            </p:style>
+            <p:txBody>
+              <a:bodyPr rtlCol="0" anchor="ctr"/>
+              <a:lstStyle/>
+              <a:p>
+                <a:pPr algn="ctr"/>
+                <a:endParaRPr lang="zh-CN" altLang="en-US"/>
+              </a:p>
+            </p:txBody>
+          </p:sp>
+          <p:sp>
+            <p:nvSpPr>
+              <p:cNvPr id="55" name="椭圆 54">
+                <a:extLst>
+                  <a:ext uri="{FF2B5EF4-FFF2-40B4-BE49-F238E27FC236}">
+                    <a16:creationId xmlns:a16="http://schemas.microsoft.com/office/drawing/2014/main" id="{43453865-4F81-4F6D-9F0A-04745CB7E583}"/>
+                  </a:ext>
+                </a:extLst>
+              </p:cNvPr>
+              <p:cNvSpPr/>
+              <p:nvPr/>
+            </p:nvSpPr>
+            <p:spPr>
+              <a:xfrm>
+                <a:off x="4198125" y="3438626"/>
+                <a:ext cx="173256" cy="173256"/>
+              </a:xfrm>
+              <a:prstGeom prst="ellipse">
+                <a:avLst/>
+              </a:prstGeom>
+              <a:solidFill>
+                <a:srgbClr val="FFA500"/>
+              </a:solidFill>
+              <a:ln>
+                <a:solidFill>
+                  <a:srgbClr val="FFA500"/>
+                </a:solidFill>
+              </a:ln>
+            </p:spPr>
+            <p:style>
+              <a:lnRef idx="2">
+                <a:schemeClr val="accent2">
+                  <a:shade val="50000"/>
+                </a:schemeClr>
+              </a:lnRef>
+              <a:fillRef idx="1">
+                <a:schemeClr val="accent2"/>
+              </a:fillRef>
+              <a:effectRef idx="0">
+                <a:schemeClr val="accent2"/>
+              </a:effectRef>
+              <a:fontRef idx="minor">
+                <a:schemeClr val="lt1"/>
+              </a:fontRef>
+            </p:style>
+            <p:txBody>
+              <a:bodyPr rtlCol="0" anchor="ctr"/>
+              <a:lstStyle/>
+              <a:p>
+                <a:pPr algn="ctr"/>
+                <a:endParaRPr lang="zh-CN" altLang="en-US"/>
+              </a:p>
+            </p:txBody>
+          </p:sp>
+          <p:sp>
+            <p:nvSpPr>
+              <p:cNvPr id="56" name="椭圆 55">
+                <a:extLst>
+                  <a:ext uri="{FF2B5EF4-FFF2-40B4-BE49-F238E27FC236}">
+                    <a16:creationId xmlns:a16="http://schemas.microsoft.com/office/drawing/2014/main" id="{CA1111EB-7F07-4897-84D2-E9357704CC0B}"/>
+                  </a:ext>
+                </a:extLst>
+              </p:cNvPr>
+              <p:cNvSpPr/>
+              <p:nvPr/>
+            </p:nvSpPr>
+            <p:spPr>
+              <a:xfrm>
+                <a:off x="5005891" y="4676273"/>
+                <a:ext cx="173256" cy="173256"/>
+              </a:xfrm>
+              <a:prstGeom prst="ellipse">
+                <a:avLst/>
+              </a:prstGeom>
+              <a:solidFill>
+                <a:srgbClr val="FFA500"/>
+              </a:solidFill>
+              <a:ln>
+                <a:solidFill>
+                  <a:srgbClr val="FFA500"/>
+                </a:solidFill>
+              </a:ln>
+            </p:spPr>
+            <p:style>
+              <a:lnRef idx="2">
+                <a:schemeClr val="accent2">
+                  <a:shade val="50000"/>
+                </a:schemeClr>
+              </a:lnRef>
+              <a:fillRef idx="1">
+                <a:schemeClr val="accent2"/>
+              </a:fillRef>
+              <a:effectRef idx="0">
+                <a:schemeClr val="accent2"/>
+              </a:effectRef>
+              <a:fontRef idx="minor">
+                <a:schemeClr val="lt1"/>
+              </a:fontRef>
+            </p:style>
+            <p:txBody>
+              <a:bodyPr rtlCol="0" anchor="ctr"/>
+              <a:lstStyle/>
+              <a:p>
+                <a:pPr algn="ctr"/>
+                <a:endParaRPr lang="zh-CN" altLang="en-US"/>
+              </a:p>
+            </p:txBody>
+          </p:sp>
+          <p:sp>
+            <p:nvSpPr>
+              <p:cNvPr id="57" name="椭圆 56">
+                <a:extLst>
+                  <a:ext uri="{FF2B5EF4-FFF2-40B4-BE49-F238E27FC236}">
+                    <a16:creationId xmlns:a16="http://schemas.microsoft.com/office/drawing/2014/main" id="{5E80226B-DE41-4432-8257-C61106B7FFF1}"/>
+                  </a:ext>
+                </a:extLst>
+              </p:cNvPr>
+              <p:cNvSpPr/>
+              <p:nvPr/>
+            </p:nvSpPr>
+            <p:spPr>
+              <a:xfrm>
+                <a:off x="5134040" y="3525254"/>
+                <a:ext cx="173256" cy="173256"/>
+              </a:xfrm>
+              <a:prstGeom prst="ellipse">
+                <a:avLst/>
+              </a:prstGeom>
+              <a:solidFill>
+                <a:srgbClr val="FF0000"/>
+              </a:solidFill>
+              <a:ln>
+                <a:solidFill>
+                  <a:srgbClr val="FF0000"/>
+                </a:solidFill>
+              </a:ln>
+            </p:spPr>
+            <p:style>
+              <a:lnRef idx="2">
+                <a:schemeClr val="accent1">
+                  <a:shade val="50000"/>
+                </a:schemeClr>
+              </a:lnRef>
+              <a:fillRef idx="1">
+                <a:schemeClr val="accent1"/>
+              </a:fillRef>
+              <a:effectRef idx="0">
+                <a:schemeClr val="accent1"/>
+              </a:effectRef>
+              <a:fontRef idx="minor">
+                <a:schemeClr val="lt1"/>
+              </a:fontRef>
+            </p:style>
+            <p:txBody>
+              <a:bodyPr rtlCol="0" anchor="ctr"/>
+              <a:lstStyle/>
+              <a:p>
+                <a:pPr algn="ctr"/>
+                <a:endParaRPr lang="zh-CN" altLang="en-US"/>
+              </a:p>
+            </p:txBody>
+          </p:sp>
+          <p:sp>
+            <p:nvSpPr>
+              <p:cNvPr id="58" name="椭圆 57">
+                <a:extLst>
+                  <a:ext uri="{FF2B5EF4-FFF2-40B4-BE49-F238E27FC236}">
+                    <a16:creationId xmlns:a16="http://schemas.microsoft.com/office/drawing/2014/main" id="{4F73B961-C567-4D4F-8CE9-AEA822AD9868}"/>
+                  </a:ext>
+                </a:extLst>
+              </p:cNvPr>
+              <p:cNvSpPr/>
+              <p:nvPr/>
+            </p:nvSpPr>
+            <p:spPr>
+              <a:xfrm>
+                <a:off x="6187441" y="3202272"/>
+                <a:ext cx="173256" cy="173256"/>
+              </a:xfrm>
+              <a:prstGeom prst="ellipse">
+                <a:avLst/>
+              </a:prstGeom>
+              <a:solidFill>
+                <a:srgbClr val="0000FF"/>
+              </a:solidFill>
+              <a:ln>
+                <a:solidFill>
+                  <a:srgbClr val="0000FF"/>
+                </a:solidFill>
+              </a:ln>
+            </p:spPr>
+            <p:style>
+              <a:lnRef idx="2">
+                <a:schemeClr val="accent4">
+                  <a:shade val="50000"/>
+                </a:schemeClr>
+              </a:lnRef>
+              <a:fillRef idx="1">
+                <a:schemeClr val="accent4"/>
+              </a:fillRef>
+              <a:effectRef idx="0">
+                <a:schemeClr val="accent4"/>
+              </a:effectRef>
+              <a:fontRef idx="minor">
+                <a:schemeClr val="lt1"/>
+              </a:fontRef>
+            </p:style>
+            <p:txBody>
+              <a:bodyPr rtlCol="0" anchor="ctr"/>
+              <a:lstStyle/>
+              <a:p>
+                <a:pPr algn="ctr"/>
+                <a:endParaRPr lang="zh-CN" altLang="en-US"/>
+              </a:p>
+            </p:txBody>
+          </p:sp>
+          <p:cxnSp>
+            <p:nvCxnSpPr>
+              <p:cNvPr id="59" name="连接符: 曲线 58">
+                <a:extLst>
+                  <a:ext uri="{FF2B5EF4-FFF2-40B4-BE49-F238E27FC236}">
+                    <a16:creationId xmlns:a16="http://schemas.microsoft.com/office/drawing/2014/main" id="{4EDF4B75-032B-4BFC-836C-FA839F365C64}"/>
+                  </a:ext>
+                </a:extLst>
+              </p:cNvPr>
+              <p:cNvCxnSpPr>
+                <a:cxnSpLocks/>
+                <a:stCxn id="57" idx="0"/>
+              </p:cNvCxnSpPr>
+              <p:nvPr/>
+            </p:nvCxnSpPr>
+            <p:spPr>
+              <a:xfrm rot="5400000" flipH="1" flipV="1">
+                <a:off x="5446979" y="2909921"/>
+                <a:ext cx="389022" cy="841644"/>
+              </a:xfrm>
+              <a:prstGeom prst="curvedConnector2">
+                <a:avLst/>
+              </a:prstGeom>
+              <a:ln>
+                <a:solidFill>
+                  <a:srgbClr val="FF0000"/>
+                </a:solidFill>
+                <a:tailEnd type="triangle"/>
+              </a:ln>
+            </p:spPr>
+            <p:style>
+              <a:lnRef idx="1">
+                <a:schemeClr val="dk1"/>
+              </a:lnRef>
+              <a:fillRef idx="0">
+                <a:schemeClr val="dk1"/>
+              </a:fillRef>
+              <a:effectRef idx="0">
+                <a:schemeClr val="dk1"/>
+              </a:effectRef>
+              <a:fontRef idx="minor">
+                <a:schemeClr val="tx1"/>
+              </a:fontRef>
+            </p:style>
+          </p:cxnSp>
+        </p:grpSp>
+        <p:cxnSp>
+          <p:nvCxnSpPr>
+            <p:cNvPr id="46" name="连接符: 曲线 45">
               <a:extLst>
                 <a:ext uri="{FF2B5EF4-FFF2-40B4-BE49-F238E27FC236}">
-                  <a16:creationId xmlns:a16="http://schemas.microsoft.com/office/drawing/2014/main" id="{3C8F76C9-44E2-415B-BA41-1A078A31ACA2}"/>
-                </a:ext>
-              </a:extLst>
-            </p:cNvPr>
-            <p:cNvSpPr/>
-            <p:nvPr/>
-          </p:nvSpPr>
-          <p:spPr>
-            <a:xfrm>
-              <a:off x="6081562" y="3049604"/>
-              <a:ext cx="173256" cy="173256"/>
-            </a:xfrm>
-            <a:prstGeom prst="ellipse">
-              <a:avLst/>
-            </a:prstGeom>
-          </p:spPr>
-          <p:style>
-            <a:lnRef idx="2">
-              <a:schemeClr val="accent1">
-                <a:shade val="50000"/>
-              </a:schemeClr>
-            </a:lnRef>
-            <a:fillRef idx="1">
-              <a:schemeClr val="accent1"/>
-            </a:fillRef>
-            <a:effectRef idx="0">
-              <a:schemeClr val="accent1"/>
-            </a:effectRef>
-            <a:fontRef idx="minor">
-              <a:schemeClr val="lt1"/>
-            </a:fontRef>
-          </p:style>
-          <p:txBody>
-            <a:bodyPr rtlCol="0" anchor="ctr"/>
-            <a:lstStyle/>
-            <a:p>
-              <a:pPr algn="ctr"/>
-              <a:endParaRPr lang="zh-CN" altLang="en-US"/>
-            </a:p>
-          </p:txBody>
-        </p:sp>
-        <p:sp>
-          <p:nvSpPr>
-            <p:cNvPr id="33" name="椭圆 32">
-              <a:extLst>
-                <a:ext uri="{FF2B5EF4-FFF2-40B4-BE49-F238E27FC236}">
-                  <a16:creationId xmlns:a16="http://schemas.microsoft.com/office/drawing/2014/main" id="{5A1D9375-9192-42A8-B9C8-3E75FA7C6BD6}"/>
-                </a:ext>
-              </a:extLst>
-            </p:cNvPr>
-            <p:cNvSpPr/>
-            <p:nvPr/>
-          </p:nvSpPr>
-          <p:spPr>
-            <a:xfrm>
-              <a:off x="4198125" y="3438626"/>
-              <a:ext cx="173256" cy="173256"/>
-            </a:xfrm>
-            <a:prstGeom prst="ellipse">
-              <a:avLst/>
-            </a:prstGeom>
-          </p:spPr>
-          <p:style>
-            <a:lnRef idx="2">
-              <a:schemeClr val="accent1">
-                <a:shade val="50000"/>
-              </a:schemeClr>
-            </a:lnRef>
-            <a:fillRef idx="1">
-              <a:schemeClr val="accent1"/>
-            </a:fillRef>
-            <a:effectRef idx="0">
-              <a:schemeClr val="accent1"/>
-            </a:effectRef>
-            <a:fontRef idx="minor">
-              <a:schemeClr val="lt1"/>
-            </a:fontRef>
-          </p:style>
-          <p:txBody>
-            <a:bodyPr rtlCol="0" anchor="ctr"/>
-            <a:lstStyle/>
-            <a:p>
-              <a:pPr algn="ctr"/>
-              <a:endParaRPr lang="zh-CN" altLang="en-US"/>
-            </a:p>
-          </p:txBody>
-        </p:sp>
-        <p:sp>
-          <p:nvSpPr>
-            <p:cNvPr id="34" name="椭圆 33">
-              <a:extLst>
-                <a:ext uri="{FF2B5EF4-FFF2-40B4-BE49-F238E27FC236}">
-                  <a16:creationId xmlns:a16="http://schemas.microsoft.com/office/drawing/2014/main" id="{4E0DEF07-B894-4F3B-97DD-D1A166937BCF}"/>
-                </a:ext>
-              </a:extLst>
-            </p:cNvPr>
-            <p:cNvSpPr/>
-            <p:nvPr/>
-          </p:nvSpPr>
-          <p:spPr>
-            <a:xfrm>
-              <a:off x="5005891" y="4676273"/>
-              <a:ext cx="173256" cy="173256"/>
-            </a:xfrm>
-            <a:prstGeom prst="ellipse">
-              <a:avLst/>
-            </a:prstGeom>
-          </p:spPr>
-          <p:style>
-            <a:lnRef idx="2">
-              <a:schemeClr val="accent1">
-                <a:shade val="50000"/>
-              </a:schemeClr>
-            </a:lnRef>
-            <a:fillRef idx="1">
-              <a:schemeClr val="accent1"/>
-            </a:fillRef>
-            <a:effectRef idx="0">
-              <a:schemeClr val="accent1"/>
-            </a:effectRef>
-            <a:fontRef idx="minor">
-              <a:schemeClr val="lt1"/>
-            </a:fontRef>
-          </p:style>
-          <p:txBody>
-            <a:bodyPr rtlCol="0" anchor="ctr"/>
-            <a:lstStyle/>
-            <a:p>
-              <a:pPr algn="ctr"/>
-              <a:endParaRPr lang="zh-CN" altLang="en-US"/>
-            </a:p>
-          </p:txBody>
-        </p:sp>
-        <p:sp>
-          <p:nvSpPr>
-            <p:cNvPr id="35" name="椭圆 34">
-              <a:extLst>
-                <a:ext uri="{FF2B5EF4-FFF2-40B4-BE49-F238E27FC236}">
-                  <a16:creationId xmlns:a16="http://schemas.microsoft.com/office/drawing/2014/main" id="{9970886E-42A4-4CBF-8328-809AA0535E2E}"/>
-                </a:ext>
-              </a:extLst>
-            </p:cNvPr>
-            <p:cNvSpPr/>
-            <p:nvPr/>
-          </p:nvSpPr>
-          <p:spPr>
-            <a:xfrm>
-              <a:off x="5134040" y="3525254"/>
-              <a:ext cx="173256" cy="173256"/>
-            </a:xfrm>
-            <a:prstGeom prst="ellipse">
-              <a:avLst/>
-            </a:prstGeom>
-            <a:solidFill>
-              <a:srgbClr val="FF0000"/>
-            </a:solidFill>
-            <a:ln>
-              <a:solidFill>
-                <a:srgbClr val="C00000"/>
-              </a:solidFill>
-            </a:ln>
-          </p:spPr>
-          <p:style>
-            <a:lnRef idx="2">
-              <a:schemeClr val="accent1">
-                <a:shade val="50000"/>
-              </a:schemeClr>
-            </a:lnRef>
-            <a:fillRef idx="1">
-              <a:schemeClr val="accent1"/>
-            </a:fillRef>
-            <a:effectRef idx="0">
-              <a:schemeClr val="accent1"/>
-            </a:effectRef>
-            <a:fontRef idx="minor">
-              <a:schemeClr val="lt1"/>
-            </a:fontRef>
-          </p:style>
-          <p:txBody>
-            <a:bodyPr rtlCol="0" anchor="ctr"/>
-            <a:lstStyle/>
-            <a:p>
-              <a:pPr algn="ctr"/>
-              <a:endParaRPr lang="zh-CN" altLang="en-US"/>
-            </a:p>
-          </p:txBody>
-        </p:sp>
-        <p:sp>
-          <p:nvSpPr>
-            <p:cNvPr id="36" name="椭圆 35">
-              <a:extLst>
-                <a:ext uri="{FF2B5EF4-FFF2-40B4-BE49-F238E27FC236}">
-                  <a16:creationId xmlns:a16="http://schemas.microsoft.com/office/drawing/2014/main" id="{BD2C6CBD-A3F6-4064-BF49-0C6D59FA828E}"/>
-                </a:ext>
-              </a:extLst>
-            </p:cNvPr>
-            <p:cNvSpPr/>
-            <p:nvPr/>
-          </p:nvSpPr>
-          <p:spPr>
-            <a:xfrm>
-              <a:off x="5975684" y="3792354"/>
-              <a:ext cx="173256" cy="173256"/>
-            </a:xfrm>
-            <a:prstGeom prst="ellipse">
-              <a:avLst/>
-            </a:prstGeom>
-          </p:spPr>
-          <p:style>
-            <a:lnRef idx="2">
-              <a:schemeClr val="accent4">
-                <a:shade val="50000"/>
-              </a:schemeClr>
-            </a:lnRef>
-            <a:fillRef idx="1">
-              <a:schemeClr val="accent4"/>
-            </a:fillRef>
-            <a:effectRef idx="0">
-              <a:schemeClr val="accent4"/>
-            </a:effectRef>
-            <a:fontRef idx="minor">
-              <a:schemeClr val="lt1"/>
-            </a:fontRef>
-          </p:style>
-          <p:txBody>
-            <a:bodyPr rtlCol="0" anchor="ctr"/>
-            <a:lstStyle/>
-            <a:p>
-              <a:pPr algn="ctr"/>
-              <a:endParaRPr lang="zh-CN" altLang="en-US"/>
-            </a:p>
-          </p:txBody>
-        </p:sp>
-        <p:sp>
-          <p:nvSpPr>
-            <p:cNvPr id="37" name="文本框 36">
-              <a:extLst>
-                <a:ext uri="{FF2B5EF4-FFF2-40B4-BE49-F238E27FC236}">
-                  <a16:creationId xmlns:a16="http://schemas.microsoft.com/office/drawing/2014/main" id="{81E14B03-F2DE-433D-9262-3756A52F4F35}"/>
-                </a:ext>
-              </a:extLst>
-            </p:cNvPr>
-            <p:cNvSpPr txBox="1"/>
-            <p:nvPr/>
-          </p:nvSpPr>
-          <p:spPr>
-            <a:xfrm>
-              <a:off x="4271151" y="2136610"/>
-              <a:ext cx="2396245" cy="432534"/>
-            </a:xfrm>
-            <a:prstGeom prst="rect">
-              <a:avLst/>
-            </a:prstGeom>
-            <a:noFill/>
-          </p:spPr>
-          <p:txBody>
-            <a:bodyPr wrap="none" rtlCol="0">
-              <a:spAutoFit/>
-            </a:bodyPr>
-            <a:lstStyle/>
-            <a:p>
-              <a:r>
-                <a:rPr lang="en-US" altLang="zh-CN" b="1" dirty="0" err="1">
-                  <a:solidFill>
-                    <a:srgbClr val="FF0000"/>
-                  </a:solidFill>
-                </a:rPr>
-                <a:t>TotalScore</a:t>
-              </a:r>
-              <a:r>
-                <a:rPr lang="zh-CN" altLang="en-US" b="1" dirty="0">
-                  <a:solidFill>
-                    <a:srgbClr val="FF0000"/>
-                  </a:solidFill>
-                </a:rPr>
-                <a:t>：</a:t>
-              </a:r>
-              <a:r>
-                <a:rPr lang="en-US" altLang="zh-CN" b="1" dirty="0">
-                  <a:solidFill>
-                    <a:srgbClr val="FF0000"/>
-                  </a:solidFill>
-                </a:rPr>
-                <a:t> 13.08</a:t>
-              </a:r>
-              <a:endParaRPr lang="zh-CN" altLang="en-US" b="1" dirty="0">
-                <a:solidFill>
-                  <a:srgbClr val="FF0000"/>
-                </a:solidFill>
-              </a:endParaRPr>
-            </a:p>
-          </p:txBody>
-        </p:sp>
-        <p:cxnSp>
-          <p:nvCxnSpPr>
-            <p:cNvPr id="38" name="连接符: 曲线 37">
-              <a:extLst>
-                <a:ext uri="{FF2B5EF4-FFF2-40B4-BE49-F238E27FC236}">
-                  <a16:creationId xmlns:a16="http://schemas.microsoft.com/office/drawing/2014/main" id="{4C0DC55E-F39C-46FB-9714-4AEA7776C531}"/>
+                  <a16:creationId xmlns:a16="http://schemas.microsoft.com/office/drawing/2014/main" id="{EF0AA8AC-3B98-4290-95DD-2E175D4E60DE}"/>
                 </a:ext>
               </a:extLst>
             </p:cNvPr>
             <p:cNvCxnSpPr>
               <a:cxnSpLocks/>
-              <a:stCxn id="35" idx="0"/>
+              <a:stCxn id="54" idx="7"/>
             </p:cNvCxnSpPr>
             <p:nvPr/>
           </p:nvCxnSpPr>
           <p:spPr>
             <a:xfrm rot="5400000" flipH="1" flipV="1">
-              <a:off x="5446979" y="2909921"/>
-              <a:ext cx="389022" cy="841644"/>
+              <a:off x="7596699" y="1742188"/>
+              <a:ext cx="370679" cy="670460"/>
             </a:xfrm>
             <a:prstGeom prst="curvedConnector2">
               <a:avLst/>
@@ -7164,13 +7106,13 @@
           </p:spPr>
           <p:style>
             <a:lnRef idx="1">
-              <a:schemeClr val="dk1"/>
+              <a:schemeClr val="accent2"/>
             </a:lnRef>
             <a:fillRef idx="0">
-              <a:schemeClr val="dk1"/>
+              <a:schemeClr val="accent2"/>
             </a:fillRef>
             <a:effectRef idx="0">
-              <a:schemeClr val="dk1"/>
+              <a:schemeClr val="accent2"/>
             </a:effectRef>
             <a:fontRef idx="minor">
               <a:schemeClr val="tx1"/>
@@ -7179,23 +7121,23 @@
         </p:cxnSp>
         <p:cxnSp>
           <p:nvCxnSpPr>
-            <p:cNvPr id="39" name="连接符: 曲线 38">
+            <p:cNvPr id="47" name="连接符: 曲线 46">
               <a:extLst>
                 <a:ext uri="{FF2B5EF4-FFF2-40B4-BE49-F238E27FC236}">
-                  <a16:creationId xmlns:a16="http://schemas.microsoft.com/office/drawing/2014/main" id="{3268B044-4198-4CA6-B9F8-AFA74200B720}"/>
+                  <a16:creationId xmlns:a16="http://schemas.microsoft.com/office/drawing/2014/main" id="{8694B1EF-EBB3-4860-8771-376DBF03FB4B}"/>
                 </a:ext>
               </a:extLst>
             </p:cNvPr>
             <p:cNvCxnSpPr>
               <a:cxnSpLocks/>
-              <a:stCxn id="36" idx="6"/>
+              <a:stCxn id="53" idx="1"/>
             </p:cNvCxnSpPr>
             <p:nvPr/>
           </p:nvCxnSpPr>
           <p:spPr>
-            <a:xfrm flipV="1">
-              <a:off x="6148940" y="3288632"/>
-              <a:ext cx="65772" cy="590350"/>
+            <a:xfrm rot="16200000" flipV="1">
+              <a:off x="4204064" y="1373777"/>
+              <a:ext cx="238695" cy="315622"/>
             </a:xfrm>
             <a:prstGeom prst="curvedConnector2">
               <a:avLst/>
@@ -7206,19 +7148,191 @@
           </p:spPr>
           <p:style>
             <a:lnRef idx="1">
-              <a:schemeClr val="dk1"/>
+              <a:schemeClr val="accent2"/>
             </a:lnRef>
             <a:fillRef idx="0">
-              <a:schemeClr val="dk1"/>
+              <a:schemeClr val="accent2"/>
             </a:fillRef>
             <a:effectRef idx="0">
-              <a:schemeClr val="dk1"/>
+              <a:schemeClr val="accent2"/>
             </a:effectRef>
             <a:fontRef idx="minor">
               <a:schemeClr val="tx1"/>
             </a:fontRef>
           </p:style>
         </p:cxnSp>
+        <p:cxnSp>
+          <p:nvCxnSpPr>
+            <p:cNvPr id="48" name="连接符: 曲线 47">
+              <a:extLst>
+                <a:ext uri="{FF2B5EF4-FFF2-40B4-BE49-F238E27FC236}">
+                  <a16:creationId xmlns:a16="http://schemas.microsoft.com/office/drawing/2014/main" id="{CCD14046-ABD2-40FB-ACC3-D58B3303A061}"/>
+                </a:ext>
+              </a:extLst>
+            </p:cNvPr>
+            <p:cNvCxnSpPr>
+              <a:cxnSpLocks/>
+              <a:stCxn id="55" idx="0"/>
+            </p:cNvCxnSpPr>
+            <p:nvPr/>
+          </p:nvCxnSpPr>
+          <p:spPr>
+            <a:xfrm rot="16200000" flipV="1">
+              <a:off x="4603033" y="2383933"/>
+              <a:ext cx="301478" cy="383863"/>
+            </a:xfrm>
+            <a:prstGeom prst="curvedConnector2">
+              <a:avLst/>
+            </a:prstGeom>
+            <a:ln>
+              <a:tailEnd type="triangle"/>
+            </a:ln>
+          </p:spPr>
+          <p:style>
+            <a:lnRef idx="1">
+              <a:schemeClr val="accent2"/>
+            </a:lnRef>
+            <a:fillRef idx="0">
+              <a:schemeClr val="accent2"/>
+            </a:fillRef>
+            <a:effectRef idx="0">
+              <a:schemeClr val="accent2"/>
+            </a:effectRef>
+            <a:fontRef idx="minor">
+              <a:schemeClr val="tx1"/>
+            </a:fontRef>
+          </p:style>
+        </p:cxnSp>
+        <p:cxnSp>
+          <p:nvCxnSpPr>
+            <p:cNvPr id="49" name="连接符: 曲线 48">
+              <a:extLst>
+                <a:ext uri="{FF2B5EF4-FFF2-40B4-BE49-F238E27FC236}">
+                  <a16:creationId xmlns:a16="http://schemas.microsoft.com/office/drawing/2014/main" id="{D161C767-DF3C-4799-B8B4-7F9B27171BDA}"/>
+                </a:ext>
+              </a:extLst>
+            </p:cNvPr>
+            <p:cNvCxnSpPr>
+              <a:cxnSpLocks/>
+              <a:stCxn id="56" idx="1"/>
+            </p:cNvCxnSpPr>
+            <p:nvPr/>
+          </p:nvCxnSpPr>
+          <p:spPr>
+            <a:xfrm rot="16200000" flipV="1">
+              <a:off x="5508487" y="3940313"/>
+              <a:ext cx="354910" cy="439724"/>
+            </a:xfrm>
+            <a:prstGeom prst="curvedConnector2">
+              <a:avLst/>
+            </a:prstGeom>
+            <a:ln>
+              <a:tailEnd type="triangle"/>
+            </a:ln>
+          </p:spPr>
+          <p:style>
+            <a:lnRef idx="1">
+              <a:schemeClr val="accent2"/>
+            </a:lnRef>
+            <a:fillRef idx="0">
+              <a:schemeClr val="accent2"/>
+            </a:fillRef>
+            <a:effectRef idx="0">
+              <a:schemeClr val="accent2"/>
+            </a:effectRef>
+            <a:fontRef idx="minor">
+              <a:schemeClr val="tx1"/>
+            </a:fontRef>
+          </p:style>
+        </p:cxnSp>
+        <p:sp>
+          <p:nvSpPr>
+            <p:cNvPr id="50" name="文本框 49">
+              <a:extLst>
+                <a:ext uri="{FF2B5EF4-FFF2-40B4-BE49-F238E27FC236}">
+                  <a16:creationId xmlns:a16="http://schemas.microsoft.com/office/drawing/2014/main" id="{4C00D25D-8E0D-44D2-A810-E230093E4031}"/>
+                </a:ext>
+              </a:extLst>
+            </p:cNvPr>
+            <p:cNvSpPr txBox="1"/>
+            <p:nvPr/>
+          </p:nvSpPr>
+          <p:spPr>
+            <a:xfrm>
+              <a:off x="3900516" y="203170"/>
+              <a:ext cx="1318977" cy="417518"/>
+            </a:xfrm>
+            <a:prstGeom prst="rect">
+              <a:avLst/>
+            </a:prstGeom>
+            <a:noFill/>
+          </p:spPr>
+          <p:txBody>
+            <a:bodyPr wrap="square" rtlCol="0">
+              <a:spAutoFit/>
+            </a:bodyPr>
+            <a:lstStyle/>
+            <a:p>
+              <a:r>
+                <a:rPr lang="en-US" altLang="zh-CN" b="1" dirty="0">
+                  <a:solidFill>
+                    <a:schemeClr val="bg1"/>
+                  </a:solidFill>
+                </a:rPr>
+                <a:t>Time: 7s</a:t>
+              </a:r>
+              <a:endParaRPr lang="zh-CN" altLang="en-US" b="1" dirty="0">
+                <a:solidFill>
+                  <a:schemeClr val="bg1"/>
+                </a:solidFill>
+              </a:endParaRPr>
+            </a:p>
+          </p:txBody>
+        </p:sp>
+        <p:sp>
+          <p:nvSpPr>
+            <p:cNvPr id="51" name="文本框 50">
+              <a:extLst>
+                <a:ext uri="{FF2B5EF4-FFF2-40B4-BE49-F238E27FC236}">
+                  <a16:creationId xmlns:a16="http://schemas.microsoft.com/office/drawing/2014/main" id="{B84F7D7A-25EA-42A2-85EE-53AA79DC25F5}"/>
+                </a:ext>
+              </a:extLst>
+            </p:cNvPr>
+            <p:cNvSpPr txBox="1"/>
+            <p:nvPr/>
+          </p:nvSpPr>
+          <p:spPr>
+            <a:xfrm>
+              <a:off x="6404750" y="208361"/>
+              <a:ext cx="2072528" cy="394959"/>
+            </a:xfrm>
+            <a:prstGeom prst="rect">
+              <a:avLst/>
+            </a:prstGeom>
+            <a:noFill/>
+          </p:spPr>
+          <p:txBody>
+            <a:bodyPr wrap="square" rtlCol="0">
+              <a:spAutoFit/>
+            </a:bodyPr>
+            <a:lstStyle/>
+            <a:p>
+              <a:r>
+                <a:rPr lang="en-US" altLang="zh-CN" b="1" dirty="0">
+                  <a:solidFill>
+                    <a:srgbClr val="00FF00"/>
+                  </a:solidFill>
+                </a:rPr>
+                <a:t>Total Score: 3.5</a:t>
+              </a:r>
+              <a:endParaRPr lang="zh-CN" altLang="en-US" b="1" dirty="0">
+                <a:solidFill>
+                  <a:srgbClr val="00FF00"/>
+                </a:solidFill>
+              </a:endParaRPr>
+            </a:p>
+          </p:txBody>
+        </p:sp>
       </p:grpSp>
     </p:spTree>
     <p:extLst>
@@ -7258,8 +7372,8 @@
         </p:nvSpPr>
         <p:spPr>
           <a:xfrm>
-            <a:off x="898264" y="363070"/>
-            <a:ext cx="8767482" cy="6131859"/>
+            <a:off x="0" y="0"/>
+            <a:ext cx="12192000" cy="6858000"/>
           </a:xfrm>
           <a:prstGeom prst="rect">
             <a:avLst/>
@@ -7297,13 +7411,13 @@
               </a:lnSpc>
             </a:pPr>
             <a:r>
-              <a:rPr lang="zh-CN" altLang="en-US" sz="2400" dirty="0">
+              <a:rPr lang="zh-CN" altLang="en-US" sz="2800" dirty="0">
                 <a:latin typeface="黑体" panose="02010609060101010101" pitchFamily="49" charset="-122"/>
                 <a:ea typeface="黑体" panose="02010609060101010101" pitchFamily="49" charset="-122"/>
               </a:rPr>
               <a:t>我们将先进行几轮练习，</a:t>
             </a:r>
-            <a:endParaRPr lang="en-US" altLang="zh-CN" sz="2400" dirty="0">
+            <a:endParaRPr lang="en-US" altLang="zh-CN" sz="2800" dirty="0">
               <a:latin typeface="黑体" panose="02010609060101010101" pitchFamily="49" charset="-122"/>
               <a:ea typeface="黑体" panose="02010609060101010101" pitchFamily="49" charset="-122"/>
             </a:endParaRPr>
@@ -7315,13 +7429,13 @@
               </a:lnSpc>
             </a:pPr>
             <a:r>
-              <a:rPr lang="zh-CN" altLang="en-US" sz="2400" dirty="0">
+              <a:rPr lang="zh-CN" altLang="en-US" sz="2800" dirty="0">
                 <a:latin typeface="黑体" panose="02010609060101010101" pitchFamily="49" charset="-122"/>
                 <a:ea typeface="黑体" panose="02010609060101010101" pitchFamily="49" charset="-122"/>
               </a:rPr>
               <a:t>便于进一步理解规则以及熟悉操作。</a:t>
             </a:r>
-            <a:endParaRPr lang="en-US" altLang="zh-CN" sz="2400" dirty="0">
+            <a:endParaRPr lang="en-US" altLang="zh-CN" sz="2800" dirty="0">
               <a:latin typeface="黑体" panose="02010609060101010101" pitchFamily="49" charset="-122"/>
               <a:ea typeface="黑体" panose="02010609060101010101" pitchFamily="49" charset="-122"/>
             </a:endParaRPr>
@@ -7333,7 +7447,7 @@
               </a:lnSpc>
             </a:pPr>
             <a:r>
-              <a:rPr lang="zh-CN" altLang="en-US" sz="2400" dirty="0">
+              <a:rPr lang="zh-CN" altLang="en-US" sz="2800" dirty="0">
                 <a:latin typeface="黑体" panose="02010609060101010101" pitchFamily="49" charset="-122"/>
                 <a:ea typeface="黑体" panose="02010609060101010101" pitchFamily="49" charset="-122"/>
               </a:rPr>
@@ -7356,2779 +7470,6 @@
 </file>
 
 <file path=ppt/slides/slide5.xml><?xml version="1.0" encoding="utf-8"?>
-<p:sld xmlns:a="http://schemas.openxmlformats.org/drawingml/2006/main" xmlns:r="http://schemas.openxmlformats.org/officeDocument/2006/relationships" xmlns:p="http://schemas.openxmlformats.org/presentationml/2006/main">
-  <p:cSld>
-    <p:spTree>
-      <p:nvGrpSpPr>
-        <p:cNvPr id="1" name=""/>
-        <p:cNvGrpSpPr/>
-        <p:nvPr/>
-      </p:nvGrpSpPr>
-      <p:grpSpPr>
-        <a:xfrm>
-          <a:off x="0" y="0"/>
-          <a:ext cx="0" cy="0"/>
-          <a:chOff x="0" y="0"/>
-          <a:chExt cx="0" cy="0"/>
-        </a:xfrm>
-      </p:grpSpPr>
-      <p:grpSp>
-        <p:nvGrpSpPr>
-          <p:cNvPr id="2" name="组合 1">
-            <a:extLst>
-              <a:ext uri="{FF2B5EF4-FFF2-40B4-BE49-F238E27FC236}">
-                <a16:creationId xmlns:a16="http://schemas.microsoft.com/office/drawing/2014/main" id="{5C1ADCE9-75A5-4986-8406-661703EA1194}"/>
-              </a:ext>
-            </a:extLst>
-          </p:cNvPr>
-          <p:cNvGrpSpPr/>
-          <p:nvPr/>
-        </p:nvGrpSpPr>
-        <p:grpSpPr>
-          <a:xfrm>
-            <a:off x="953829" y="407387"/>
-            <a:ext cx="9038410" cy="6404339"/>
-            <a:chOff x="952411" y="668677"/>
-            <a:chExt cx="8845057" cy="6131859"/>
-          </a:xfrm>
-        </p:grpSpPr>
-        <p:sp>
-          <p:nvSpPr>
-            <p:cNvPr id="4" name="矩形 3"/>
-            <p:cNvSpPr/>
-            <p:nvPr/>
-          </p:nvSpPr>
-          <p:spPr>
-            <a:xfrm>
-              <a:off x="952411" y="668677"/>
-              <a:ext cx="8767482" cy="6131859"/>
-            </a:xfrm>
-            <a:prstGeom prst="rect">
-              <a:avLst/>
-            </a:prstGeom>
-            <a:solidFill>
-              <a:schemeClr val="bg2">
-                <a:lumMod val="25000"/>
-              </a:schemeClr>
-            </a:solidFill>
-            <a:ln>
-              <a:noFill/>
-            </a:ln>
-          </p:spPr>
-          <p:style>
-            <a:lnRef idx="3">
-              <a:schemeClr val="lt1"/>
-            </a:lnRef>
-            <a:fillRef idx="1">
-              <a:schemeClr val="accent3"/>
-            </a:fillRef>
-            <a:effectRef idx="1">
-              <a:schemeClr val="accent3"/>
-            </a:effectRef>
-            <a:fontRef idx="minor">
-              <a:schemeClr val="lt1"/>
-            </a:fontRef>
-          </p:style>
-          <p:txBody>
-            <a:bodyPr rtlCol="0" anchor="ctr"/>
-            <a:lstStyle/>
-            <a:p>
-              <a:pPr>
-                <a:lnSpc>
-                  <a:spcPct val="150000"/>
-                </a:lnSpc>
-                <a:spcBef>
-                  <a:spcPts val="200"/>
-                </a:spcBef>
-                <a:spcAft>
-                  <a:spcPts val="200"/>
-                </a:spcAft>
-              </a:pPr>
-              <a:endParaRPr lang="zh-CN" altLang="en-US" sz="2000" dirty="0">
-                <a:latin typeface="黑体" panose="02010609060101010101" pitchFamily="49" charset="-122"/>
-                <a:ea typeface="黑体" panose="02010609060101010101" pitchFamily="49" charset="-122"/>
-              </a:endParaRPr>
-            </a:p>
-          </p:txBody>
-        </p:sp>
-        <p:sp>
-          <p:nvSpPr>
-            <p:cNvPr id="3" name="文本框 2"/>
-            <p:cNvSpPr txBox="1"/>
-            <p:nvPr/>
-          </p:nvSpPr>
-          <p:spPr>
-            <a:xfrm>
-              <a:off x="1029986" y="976758"/>
-              <a:ext cx="8767482" cy="1268790"/>
-            </a:xfrm>
-            <a:prstGeom prst="rect">
-              <a:avLst/>
-            </a:prstGeom>
-            <a:noFill/>
-          </p:spPr>
-          <p:txBody>
-            <a:bodyPr wrap="square" rtlCol="0">
-              <a:spAutoFit/>
-            </a:bodyPr>
-            <a:lstStyle/>
-            <a:p>
-              <a:pPr>
-                <a:lnSpc>
-                  <a:spcPct val="150000"/>
-                </a:lnSpc>
-                <a:spcBef>
-                  <a:spcPts val="200"/>
-                </a:spcBef>
-                <a:spcAft>
-                  <a:spcPts val="200"/>
-                </a:spcAft>
-              </a:pPr>
-              <a:r>
-                <a:rPr lang="zh-CN" altLang="en-US" dirty="0">
-                  <a:solidFill>
-                    <a:schemeClr val="bg1">
-                      <a:lumMod val="95000"/>
-                    </a:schemeClr>
-                  </a:solidFill>
-                  <a:latin typeface="黑体" panose="02010609060101010101" pitchFamily="49" charset="-122"/>
-                  <a:ea typeface="黑体" panose="02010609060101010101" pitchFamily="49" charset="-122"/>
-                </a:rPr>
-                <a:t>您好，欢迎参与“狼追羊”游戏！</a:t>
-              </a:r>
-              <a:endParaRPr lang="en-US" altLang="zh-CN" dirty="0">
-                <a:solidFill>
-                  <a:schemeClr val="bg1">
-                    <a:lumMod val="95000"/>
-                  </a:schemeClr>
-                </a:solidFill>
-                <a:latin typeface="黑体" panose="02010609060101010101" pitchFamily="49" charset="-122"/>
-                <a:ea typeface="黑体" panose="02010609060101010101" pitchFamily="49" charset="-122"/>
-              </a:endParaRPr>
-            </a:p>
-            <a:p>
-              <a:pPr>
-                <a:lnSpc>
-                  <a:spcPct val="150000"/>
-                </a:lnSpc>
-                <a:spcBef>
-                  <a:spcPts val="200"/>
-                </a:spcBef>
-                <a:spcAft>
-                  <a:spcPts val="200"/>
-                </a:spcAft>
-              </a:pPr>
-              <a:r>
-                <a:rPr lang="zh-CN" altLang="en-US" dirty="0">
-                  <a:solidFill>
-                    <a:schemeClr val="bg1">
-                      <a:lumMod val="95000"/>
-                    </a:schemeClr>
-                  </a:solidFill>
-                  <a:latin typeface="黑体" panose="02010609060101010101" pitchFamily="49" charset="-122"/>
-                  <a:ea typeface="黑体" panose="02010609060101010101" pitchFamily="49" charset="-122"/>
-                </a:rPr>
-                <a:t>在本游戏中，您与另一玩家将同时扮演“狼”（</a:t>
-              </a:r>
-              <a:r>
-                <a:rPr lang="zh-CN" altLang="en-US" dirty="0">
-                  <a:solidFill>
-                    <a:srgbClr val="FFC000"/>
-                  </a:solidFill>
-                  <a:latin typeface="黑体" panose="02010609060101010101" pitchFamily="49" charset="-122"/>
-                  <a:ea typeface="黑体" panose="02010609060101010101" pitchFamily="49" charset="-122"/>
-                </a:rPr>
-                <a:t>您：橙色小球</a:t>
-              </a:r>
-              <a:r>
-                <a:rPr lang="zh-CN" altLang="en-US" dirty="0">
-                  <a:solidFill>
-                    <a:schemeClr val="bg1">
-                      <a:lumMod val="95000"/>
-                    </a:schemeClr>
-                  </a:solidFill>
-                  <a:latin typeface="黑体" panose="02010609060101010101" pitchFamily="49" charset="-122"/>
-                  <a:ea typeface="黑体" panose="02010609060101010101" pitchFamily="49" charset="-122"/>
-                </a:rPr>
-                <a:t>，</a:t>
-              </a:r>
-              <a:r>
-                <a:rPr lang="zh-CN" altLang="en-US" dirty="0">
-                  <a:solidFill>
-                    <a:srgbClr val="FF0000"/>
-                  </a:solidFill>
-                  <a:latin typeface="黑体" panose="02010609060101010101" pitchFamily="49" charset="-122"/>
-                  <a:ea typeface="黑体" panose="02010609060101010101" pitchFamily="49" charset="-122"/>
-                </a:rPr>
-                <a:t>另一玩家：红色小球</a:t>
-              </a:r>
-              <a:r>
-                <a:rPr lang="zh-CN" altLang="en-US" dirty="0">
-                  <a:solidFill>
-                    <a:schemeClr val="bg1">
-                      <a:lumMod val="95000"/>
-                    </a:schemeClr>
-                  </a:solidFill>
-                  <a:latin typeface="黑体" panose="02010609060101010101" pitchFamily="49" charset="-122"/>
-                  <a:ea typeface="黑体" panose="02010609060101010101" pitchFamily="49" charset="-122"/>
-                </a:rPr>
-                <a:t>）你们的任务是</a:t>
-              </a:r>
-              <a:r>
-                <a:rPr lang="zh-CN" altLang="en-US" dirty="0">
-                  <a:solidFill>
-                    <a:srgbClr val="92D050"/>
-                  </a:solidFill>
-                  <a:latin typeface="黑体" panose="02010609060101010101" pitchFamily="49" charset="-122"/>
-                  <a:ea typeface="黑体" panose="02010609060101010101" pitchFamily="49" charset="-122"/>
-                </a:rPr>
-                <a:t>尽快</a:t>
-              </a:r>
-              <a:r>
-                <a:rPr lang="zh-CN" altLang="en-US" dirty="0">
-                  <a:solidFill>
-                    <a:schemeClr val="bg1">
-                      <a:lumMod val="95000"/>
-                    </a:schemeClr>
-                  </a:solidFill>
-                  <a:effectLst>
-                    <a:outerShdw blurRad="38100" dist="38100" dir="2700000" algn="tl">
-                      <a:srgbClr val="000000">
-                        <a:alpha val="43137"/>
-                      </a:srgbClr>
-                    </a:outerShdw>
-                  </a:effectLst>
-                  <a:latin typeface="黑体" panose="02010609060101010101" pitchFamily="49" charset="-122"/>
-                  <a:ea typeface="黑体" panose="02010609060101010101" pitchFamily="49" charset="-122"/>
-                </a:rPr>
-                <a:t>地在规定时间内</a:t>
-              </a:r>
-              <a:r>
-                <a:rPr lang="zh-CN" altLang="en-US" dirty="0">
-                  <a:solidFill>
-                    <a:schemeClr val="bg1">
-                      <a:lumMod val="95000"/>
-                    </a:schemeClr>
-                  </a:solidFill>
-                  <a:latin typeface="黑体" panose="02010609060101010101" pitchFamily="49" charset="-122"/>
-                  <a:ea typeface="黑体" panose="02010609060101010101" pitchFamily="49" charset="-122"/>
-                </a:rPr>
-                <a:t>抓住屏幕中跑动的“羊”（</a:t>
-              </a:r>
-              <a:r>
-                <a:rPr lang="zh-CN" altLang="en-US" dirty="0">
-                  <a:solidFill>
-                    <a:srgbClr val="0070C0"/>
-                  </a:solidFill>
-                  <a:latin typeface="黑体" panose="02010609060101010101" pitchFamily="49" charset="-122"/>
-                  <a:ea typeface="黑体" panose="02010609060101010101" pitchFamily="49" charset="-122"/>
-                </a:rPr>
-                <a:t>蓝色小球</a:t>
-              </a:r>
-              <a:r>
-                <a:rPr lang="zh-CN" altLang="en-US" dirty="0">
-                  <a:solidFill>
-                    <a:schemeClr val="bg1">
-                      <a:lumMod val="95000"/>
-                    </a:schemeClr>
-                  </a:solidFill>
-                  <a:latin typeface="黑体" panose="02010609060101010101" pitchFamily="49" charset="-122"/>
-                  <a:ea typeface="黑体" panose="02010609060101010101" pitchFamily="49" charset="-122"/>
-                </a:rPr>
-                <a:t>）。</a:t>
-              </a:r>
-              <a:endParaRPr lang="en-US" altLang="zh-CN" dirty="0">
-                <a:solidFill>
-                  <a:schemeClr val="bg1">
-                    <a:lumMod val="95000"/>
-                  </a:schemeClr>
-                </a:solidFill>
-                <a:latin typeface="黑体" panose="02010609060101010101" pitchFamily="49" charset="-122"/>
-                <a:ea typeface="黑体" panose="02010609060101010101" pitchFamily="49" charset="-122"/>
-              </a:endParaRPr>
-            </a:p>
-          </p:txBody>
-        </p:sp>
-      </p:grpSp>
-      <p:grpSp>
-        <p:nvGrpSpPr>
-          <p:cNvPr id="16" name="组合 15">
-            <a:extLst>
-              <a:ext uri="{FF2B5EF4-FFF2-40B4-BE49-F238E27FC236}">
-                <a16:creationId xmlns:a16="http://schemas.microsoft.com/office/drawing/2014/main" id="{198F7098-17AC-445B-90D3-72D4141AD0AA}"/>
-              </a:ext>
-            </a:extLst>
-          </p:cNvPr>
-          <p:cNvGrpSpPr/>
-          <p:nvPr/>
-        </p:nvGrpSpPr>
-        <p:grpSpPr>
-          <a:xfrm>
-            <a:off x="2769245" y="2223295"/>
-            <a:ext cx="5145424" cy="4216111"/>
-            <a:chOff x="3124152" y="2088684"/>
-            <a:chExt cx="3763478" cy="3185962"/>
-          </a:xfrm>
-        </p:grpSpPr>
-        <p:sp>
-          <p:nvSpPr>
-            <p:cNvPr id="17" name="矩形 16">
-              <a:extLst>
-                <a:ext uri="{FF2B5EF4-FFF2-40B4-BE49-F238E27FC236}">
-                  <a16:creationId xmlns:a16="http://schemas.microsoft.com/office/drawing/2014/main" id="{207D2F05-FD73-4800-A086-10E5B534F12E}"/>
-                </a:ext>
-              </a:extLst>
-            </p:cNvPr>
-            <p:cNvSpPr/>
-            <p:nvPr/>
-          </p:nvSpPr>
-          <p:spPr>
-            <a:xfrm>
-              <a:off x="3124152" y="2088684"/>
-              <a:ext cx="3763478" cy="3185962"/>
-            </a:xfrm>
-            <a:prstGeom prst="rect">
-              <a:avLst/>
-            </a:prstGeom>
-          </p:spPr>
-          <p:style>
-            <a:lnRef idx="2">
-              <a:schemeClr val="accent3">
-                <a:shade val="50000"/>
-              </a:schemeClr>
-            </a:lnRef>
-            <a:fillRef idx="1">
-              <a:schemeClr val="accent3"/>
-            </a:fillRef>
-            <a:effectRef idx="0">
-              <a:schemeClr val="accent3"/>
-            </a:effectRef>
-            <a:fontRef idx="minor">
-              <a:schemeClr val="lt1"/>
-            </a:fontRef>
-          </p:style>
-          <p:txBody>
-            <a:bodyPr rtlCol="0" anchor="ctr"/>
-            <a:lstStyle/>
-            <a:p>
-              <a:pPr algn="ctr"/>
-              <a:endParaRPr lang="zh-CN" altLang="en-US" dirty="0"/>
-            </a:p>
-          </p:txBody>
-        </p:sp>
-        <p:sp>
-          <p:nvSpPr>
-            <p:cNvPr id="18" name="椭圆 17">
-              <a:extLst>
-                <a:ext uri="{FF2B5EF4-FFF2-40B4-BE49-F238E27FC236}">
-                  <a16:creationId xmlns:a16="http://schemas.microsoft.com/office/drawing/2014/main" id="{FF1215C7-9272-4DE5-9CE2-92B2FCC004DA}"/>
-                </a:ext>
-              </a:extLst>
-            </p:cNvPr>
-            <p:cNvSpPr/>
-            <p:nvPr/>
-          </p:nvSpPr>
-          <p:spPr>
-            <a:xfrm>
-              <a:off x="3898231" y="2569945"/>
-              <a:ext cx="173256" cy="173256"/>
-            </a:xfrm>
-            <a:prstGeom prst="ellipse">
-              <a:avLst/>
-            </a:prstGeom>
-          </p:spPr>
-          <p:style>
-            <a:lnRef idx="2">
-              <a:schemeClr val="accent1">
-                <a:shade val="50000"/>
-              </a:schemeClr>
-            </a:lnRef>
-            <a:fillRef idx="1">
-              <a:schemeClr val="accent1"/>
-            </a:fillRef>
-            <a:effectRef idx="0">
-              <a:schemeClr val="accent1"/>
-            </a:effectRef>
-            <a:fontRef idx="minor">
-              <a:schemeClr val="lt1"/>
-            </a:fontRef>
-          </p:style>
-          <p:txBody>
-            <a:bodyPr rtlCol="0" anchor="ctr"/>
-            <a:lstStyle/>
-            <a:p>
-              <a:pPr algn="ctr"/>
-              <a:endParaRPr lang="zh-CN" altLang="en-US"/>
-            </a:p>
-          </p:txBody>
-        </p:sp>
-        <p:sp>
-          <p:nvSpPr>
-            <p:cNvPr id="19" name="椭圆 18">
-              <a:extLst>
-                <a:ext uri="{FF2B5EF4-FFF2-40B4-BE49-F238E27FC236}">
-                  <a16:creationId xmlns:a16="http://schemas.microsoft.com/office/drawing/2014/main" id="{AD3935E4-25D4-4993-97DF-3F3A8114FFC0}"/>
-                </a:ext>
-              </a:extLst>
-            </p:cNvPr>
-            <p:cNvSpPr/>
-            <p:nvPr/>
-          </p:nvSpPr>
-          <p:spPr>
-            <a:xfrm>
-              <a:off x="6081562" y="3049604"/>
-              <a:ext cx="173256" cy="173256"/>
-            </a:xfrm>
-            <a:prstGeom prst="ellipse">
-              <a:avLst/>
-            </a:prstGeom>
-          </p:spPr>
-          <p:style>
-            <a:lnRef idx="2">
-              <a:schemeClr val="accent1">
-                <a:shade val="50000"/>
-              </a:schemeClr>
-            </a:lnRef>
-            <a:fillRef idx="1">
-              <a:schemeClr val="accent1"/>
-            </a:fillRef>
-            <a:effectRef idx="0">
-              <a:schemeClr val="accent1"/>
-            </a:effectRef>
-            <a:fontRef idx="minor">
-              <a:schemeClr val="lt1"/>
-            </a:fontRef>
-          </p:style>
-          <p:txBody>
-            <a:bodyPr rtlCol="0" anchor="ctr"/>
-            <a:lstStyle/>
-            <a:p>
-              <a:pPr algn="ctr"/>
-              <a:endParaRPr lang="zh-CN" altLang="en-US"/>
-            </a:p>
-          </p:txBody>
-        </p:sp>
-        <p:sp>
-          <p:nvSpPr>
-            <p:cNvPr id="20" name="椭圆 19">
-              <a:extLst>
-                <a:ext uri="{FF2B5EF4-FFF2-40B4-BE49-F238E27FC236}">
-                  <a16:creationId xmlns:a16="http://schemas.microsoft.com/office/drawing/2014/main" id="{13F7D633-36A9-41A4-B4DB-076A844A5767}"/>
-                </a:ext>
-              </a:extLst>
-            </p:cNvPr>
-            <p:cNvSpPr/>
-            <p:nvPr/>
-          </p:nvSpPr>
-          <p:spPr>
-            <a:xfrm>
-              <a:off x="4198125" y="3438626"/>
-              <a:ext cx="173256" cy="173256"/>
-            </a:xfrm>
-            <a:prstGeom prst="ellipse">
-              <a:avLst/>
-            </a:prstGeom>
-          </p:spPr>
-          <p:style>
-            <a:lnRef idx="2">
-              <a:schemeClr val="accent1">
-                <a:shade val="50000"/>
-              </a:schemeClr>
-            </a:lnRef>
-            <a:fillRef idx="1">
-              <a:schemeClr val="accent1"/>
-            </a:fillRef>
-            <a:effectRef idx="0">
-              <a:schemeClr val="accent1"/>
-            </a:effectRef>
-            <a:fontRef idx="minor">
-              <a:schemeClr val="lt1"/>
-            </a:fontRef>
-          </p:style>
-          <p:txBody>
-            <a:bodyPr rtlCol="0" anchor="ctr"/>
-            <a:lstStyle/>
-            <a:p>
-              <a:pPr algn="ctr"/>
-              <a:endParaRPr lang="zh-CN" altLang="en-US"/>
-            </a:p>
-          </p:txBody>
-        </p:sp>
-        <p:sp>
-          <p:nvSpPr>
-            <p:cNvPr id="21" name="椭圆 20">
-              <a:extLst>
-                <a:ext uri="{FF2B5EF4-FFF2-40B4-BE49-F238E27FC236}">
-                  <a16:creationId xmlns:a16="http://schemas.microsoft.com/office/drawing/2014/main" id="{6DFBF675-7833-40B5-981A-B9DB4C743CFA}"/>
-                </a:ext>
-              </a:extLst>
-            </p:cNvPr>
-            <p:cNvSpPr/>
-            <p:nvPr/>
-          </p:nvSpPr>
-          <p:spPr>
-            <a:xfrm>
-              <a:off x="5005891" y="4676273"/>
-              <a:ext cx="173256" cy="173256"/>
-            </a:xfrm>
-            <a:prstGeom prst="ellipse">
-              <a:avLst/>
-            </a:prstGeom>
-          </p:spPr>
-          <p:style>
-            <a:lnRef idx="2">
-              <a:schemeClr val="accent1">
-                <a:shade val="50000"/>
-              </a:schemeClr>
-            </a:lnRef>
-            <a:fillRef idx="1">
-              <a:schemeClr val="accent1"/>
-            </a:fillRef>
-            <a:effectRef idx="0">
-              <a:schemeClr val="accent1"/>
-            </a:effectRef>
-            <a:fontRef idx="minor">
-              <a:schemeClr val="lt1"/>
-            </a:fontRef>
-          </p:style>
-          <p:txBody>
-            <a:bodyPr rtlCol="0" anchor="ctr"/>
-            <a:lstStyle/>
-            <a:p>
-              <a:pPr algn="ctr"/>
-              <a:endParaRPr lang="zh-CN" altLang="en-US"/>
-            </a:p>
-          </p:txBody>
-        </p:sp>
-        <p:sp>
-          <p:nvSpPr>
-            <p:cNvPr id="22" name="椭圆 21">
-              <a:extLst>
-                <a:ext uri="{FF2B5EF4-FFF2-40B4-BE49-F238E27FC236}">
-                  <a16:creationId xmlns:a16="http://schemas.microsoft.com/office/drawing/2014/main" id="{EEBB7FA5-1AC0-4650-89F8-17D08FE1DCC1}"/>
-                </a:ext>
-              </a:extLst>
-            </p:cNvPr>
-            <p:cNvSpPr/>
-            <p:nvPr/>
-          </p:nvSpPr>
-          <p:spPr>
-            <a:xfrm>
-              <a:off x="5134040" y="3525254"/>
-              <a:ext cx="173256" cy="173256"/>
-            </a:xfrm>
-            <a:prstGeom prst="ellipse">
-              <a:avLst/>
-            </a:prstGeom>
-            <a:solidFill>
-              <a:srgbClr val="FF0000"/>
-            </a:solidFill>
-            <a:ln>
-              <a:solidFill>
-                <a:srgbClr val="C00000"/>
-              </a:solidFill>
-            </a:ln>
-          </p:spPr>
-          <p:style>
-            <a:lnRef idx="2">
-              <a:schemeClr val="accent1">
-                <a:shade val="50000"/>
-              </a:schemeClr>
-            </a:lnRef>
-            <a:fillRef idx="1">
-              <a:schemeClr val="accent1"/>
-            </a:fillRef>
-            <a:effectRef idx="0">
-              <a:schemeClr val="accent1"/>
-            </a:effectRef>
-            <a:fontRef idx="minor">
-              <a:schemeClr val="lt1"/>
-            </a:fontRef>
-          </p:style>
-          <p:txBody>
-            <a:bodyPr rtlCol="0" anchor="ctr"/>
-            <a:lstStyle/>
-            <a:p>
-              <a:pPr algn="ctr"/>
-              <a:endParaRPr lang="zh-CN" altLang="en-US"/>
-            </a:p>
-          </p:txBody>
-        </p:sp>
-        <p:sp>
-          <p:nvSpPr>
-            <p:cNvPr id="23" name="椭圆 22">
-              <a:extLst>
-                <a:ext uri="{FF2B5EF4-FFF2-40B4-BE49-F238E27FC236}">
-                  <a16:creationId xmlns:a16="http://schemas.microsoft.com/office/drawing/2014/main" id="{D9C46C95-8D2C-4E48-9A60-D153576B2811}"/>
-                </a:ext>
-              </a:extLst>
-            </p:cNvPr>
-            <p:cNvSpPr/>
-            <p:nvPr/>
-          </p:nvSpPr>
-          <p:spPr>
-            <a:xfrm>
-              <a:off x="5975684" y="3792354"/>
-              <a:ext cx="173256" cy="173256"/>
-            </a:xfrm>
-            <a:prstGeom prst="ellipse">
-              <a:avLst/>
-            </a:prstGeom>
-          </p:spPr>
-          <p:style>
-            <a:lnRef idx="2">
-              <a:schemeClr val="accent4">
-                <a:shade val="50000"/>
-              </a:schemeClr>
-            </a:lnRef>
-            <a:fillRef idx="1">
-              <a:schemeClr val="accent4"/>
-            </a:fillRef>
-            <a:effectRef idx="0">
-              <a:schemeClr val="accent4"/>
-            </a:effectRef>
-            <a:fontRef idx="minor">
-              <a:schemeClr val="lt1"/>
-            </a:fontRef>
-          </p:style>
-          <p:txBody>
-            <a:bodyPr rtlCol="0" anchor="ctr"/>
-            <a:lstStyle/>
-            <a:p>
-              <a:pPr algn="ctr"/>
-              <a:endParaRPr lang="zh-CN" altLang="en-US"/>
-            </a:p>
-          </p:txBody>
-        </p:sp>
-        <p:cxnSp>
-          <p:nvCxnSpPr>
-            <p:cNvPr id="25" name="连接符: 曲线 24">
-              <a:extLst>
-                <a:ext uri="{FF2B5EF4-FFF2-40B4-BE49-F238E27FC236}">
-                  <a16:creationId xmlns:a16="http://schemas.microsoft.com/office/drawing/2014/main" id="{E74464FE-1BE7-4080-A711-B91F78CCA02D}"/>
-                </a:ext>
-              </a:extLst>
-            </p:cNvPr>
-            <p:cNvCxnSpPr>
-              <a:cxnSpLocks/>
-              <a:stCxn id="22" idx="0"/>
-            </p:cNvCxnSpPr>
-            <p:nvPr/>
-          </p:nvCxnSpPr>
-          <p:spPr>
-            <a:xfrm rot="5400000" flipH="1" flipV="1">
-              <a:off x="5446979" y="2909921"/>
-              <a:ext cx="389022" cy="841644"/>
-            </a:xfrm>
-            <a:prstGeom prst="curvedConnector2">
-              <a:avLst/>
-            </a:prstGeom>
-            <a:ln>
-              <a:tailEnd type="triangle"/>
-            </a:ln>
-          </p:spPr>
-          <p:style>
-            <a:lnRef idx="1">
-              <a:schemeClr val="dk1"/>
-            </a:lnRef>
-            <a:fillRef idx="0">
-              <a:schemeClr val="dk1"/>
-            </a:fillRef>
-            <a:effectRef idx="0">
-              <a:schemeClr val="dk1"/>
-            </a:effectRef>
-            <a:fontRef idx="minor">
-              <a:schemeClr val="tx1"/>
-            </a:fontRef>
-          </p:style>
-        </p:cxnSp>
-        <p:cxnSp>
-          <p:nvCxnSpPr>
-            <p:cNvPr id="26" name="连接符: 曲线 25">
-              <a:extLst>
-                <a:ext uri="{FF2B5EF4-FFF2-40B4-BE49-F238E27FC236}">
-                  <a16:creationId xmlns:a16="http://schemas.microsoft.com/office/drawing/2014/main" id="{59F45ED2-BF4E-4A6E-86EB-9C3FA8D83F05}"/>
-                </a:ext>
-              </a:extLst>
-            </p:cNvPr>
-            <p:cNvCxnSpPr>
-              <a:cxnSpLocks/>
-              <a:stCxn id="23" idx="6"/>
-            </p:cNvCxnSpPr>
-            <p:nvPr/>
-          </p:nvCxnSpPr>
-          <p:spPr>
-            <a:xfrm flipV="1">
-              <a:off x="6148940" y="3288632"/>
-              <a:ext cx="65772" cy="590350"/>
-            </a:xfrm>
-            <a:prstGeom prst="curvedConnector2">
-              <a:avLst/>
-            </a:prstGeom>
-            <a:ln>
-              <a:tailEnd type="triangle"/>
-            </a:ln>
-          </p:spPr>
-          <p:style>
-            <a:lnRef idx="1">
-              <a:schemeClr val="dk1"/>
-            </a:lnRef>
-            <a:fillRef idx="0">
-              <a:schemeClr val="dk1"/>
-            </a:fillRef>
-            <a:effectRef idx="0">
-              <a:schemeClr val="dk1"/>
-            </a:effectRef>
-            <a:fontRef idx="minor">
-              <a:schemeClr val="tx1"/>
-            </a:fontRef>
-          </p:style>
-        </p:cxnSp>
-      </p:grpSp>
-      <p:cxnSp>
-        <p:nvCxnSpPr>
-          <p:cNvPr id="28" name="连接符: 曲线 27">
-            <a:extLst>
-              <a:ext uri="{FF2B5EF4-FFF2-40B4-BE49-F238E27FC236}">
-                <a16:creationId xmlns:a16="http://schemas.microsoft.com/office/drawing/2014/main" id="{C4F00E05-1090-4D4D-B474-06B42CE35937}"/>
-              </a:ext>
-            </a:extLst>
-          </p:cNvPr>
-          <p:cNvCxnSpPr>
-            <a:cxnSpLocks/>
-            <a:stCxn id="19" idx="7"/>
-          </p:cNvCxnSpPr>
-          <p:nvPr/>
-        </p:nvCxnSpPr>
-        <p:spPr>
-          <a:xfrm rot="5400000" flipH="1" flipV="1">
-            <a:off x="7148332" y="3229548"/>
-            <a:ext cx="165415" cy="432482"/>
-          </a:xfrm>
-          <a:prstGeom prst="curvedConnector2">
-            <a:avLst/>
-          </a:prstGeom>
-          <a:ln>
-            <a:tailEnd type="triangle"/>
-          </a:ln>
-        </p:spPr>
-        <p:style>
-          <a:lnRef idx="1">
-            <a:schemeClr val="accent1"/>
-          </a:lnRef>
-          <a:fillRef idx="0">
-            <a:schemeClr val="accent1"/>
-          </a:fillRef>
-          <a:effectRef idx="0">
-            <a:schemeClr val="accent1"/>
-          </a:effectRef>
-          <a:fontRef idx="minor">
-            <a:schemeClr val="tx1"/>
-          </a:fontRef>
-        </p:style>
-      </p:cxnSp>
-      <p:cxnSp>
-        <p:nvCxnSpPr>
-          <p:cNvPr id="30" name="连接符: 曲线 29">
-            <a:extLst>
-              <a:ext uri="{FF2B5EF4-FFF2-40B4-BE49-F238E27FC236}">
-                <a16:creationId xmlns:a16="http://schemas.microsoft.com/office/drawing/2014/main" id="{C3C11034-F5DD-4F18-85BA-E46FD8D84C2B}"/>
-              </a:ext>
-            </a:extLst>
-          </p:cNvPr>
-          <p:cNvCxnSpPr>
-            <a:cxnSpLocks/>
-            <a:stCxn id="18" idx="1"/>
-          </p:cNvCxnSpPr>
-          <p:nvPr/>
-        </p:nvCxnSpPr>
-        <p:spPr>
-          <a:xfrm rot="16200000" flipV="1">
-            <a:off x="3566810" y="2598299"/>
-            <a:ext cx="183036" cy="407854"/>
-          </a:xfrm>
-          <a:prstGeom prst="curvedConnector2">
-            <a:avLst/>
-          </a:prstGeom>
-          <a:ln>
-            <a:tailEnd type="triangle"/>
-          </a:ln>
-        </p:spPr>
-        <p:style>
-          <a:lnRef idx="1">
-            <a:schemeClr val="accent1"/>
-          </a:lnRef>
-          <a:fillRef idx="0">
-            <a:schemeClr val="accent1"/>
-          </a:fillRef>
-          <a:effectRef idx="0">
-            <a:schemeClr val="accent1"/>
-          </a:effectRef>
-          <a:fontRef idx="minor">
-            <a:schemeClr val="tx1"/>
-          </a:fontRef>
-        </p:style>
-      </p:cxnSp>
-      <p:cxnSp>
-        <p:nvCxnSpPr>
-          <p:cNvPr id="31" name="连接符: 曲线 30">
-            <a:extLst>
-              <a:ext uri="{FF2B5EF4-FFF2-40B4-BE49-F238E27FC236}">
-                <a16:creationId xmlns:a16="http://schemas.microsoft.com/office/drawing/2014/main" id="{C6549D16-461C-4131-BF42-EF4941943452}"/>
-              </a:ext>
-            </a:extLst>
-          </p:cNvPr>
-          <p:cNvCxnSpPr>
-            <a:cxnSpLocks/>
-            <a:stCxn id="20" idx="0"/>
-          </p:cNvCxnSpPr>
-          <p:nvPr/>
-        </p:nvCxnSpPr>
-        <p:spPr>
-          <a:xfrm rot="16200000" flipV="1">
-            <a:off x="4008245" y="3661954"/>
-            <a:ext cx="285531" cy="410016"/>
-          </a:xfrm>
-          <a:prstGeom prst="curvedConnector2">
-            <a:avLst/>
-          </a:prstGeom>
-          <a:ln>
-            <a:tailEnd type="triangle"/>
-          </a:ln>
-        </p:spPr>
-        <p:style>
-          <a:lnRef idx="1">
-            <a:schemeClr val="accent1"/>
-          </a:lnRef>
-          <a:fillRef idx="0">
-            <a:schemeClr val="accent1"/>
-          </a:fillRef>
-          <a:effectRef idx="0">
-            <a:schemeClr val="accent1"/>
-          </a:effectRef>
-          <a:fontRef idx="minor">
-            <a:schemeClr val="tx1"/>
-          </a:fontRef>
-        </p:style>
-      </p:cxnSp>
-      <p:cxnSp>
-        <p:nvCxnSpPr>
-          <p:cNvPr id="32" name="连接符: 曲线 31">
-            <a:extLst>
-              <a:ext uri="{FF2B5EF4-FFF2-40B4-BE49-F238E27FC236}">
-                <a16:creationId xmlns:a16="http://schemas.microsoft.com/office/drawing/2014/main" id="{DB354791-ECEC-4E08-8D36-25E9D632523B}"/>
-              </a:ext>
-            </a:extLst>
-          </p:cNvPr>
-          <p:cNvCxnSpPr>
-            <a:cxnSpLocks/>
-            <a:stCxn id="21" idx="1"/>
-          </p:cNvCxnSpPr>
-          <p:nvPr/>
-        </p:nvCxnSpPr>
-        <p:spPr>
-          <a:xfrm rot="16200000" flipV="1">
-            <a:off x="5064918" y="5369402"/>
-            <a:ext cx="184572" cy="438887"/>
-          </a:xfrm>
-          <a:prstGeom prst="curvedConnector2">
-            <a:avLst/>
-          </a:prstGeom>
-          <a:ln>
-            <a:tailEnd type="triangle"/>
-          </a:ln>
-        </p:spPr>
-        <p:style>
-          <a:lnRef idx="1">
-            <a:schemeClr val="accent1"/>
-          </a:lnRef>
-          <a:fillRef idx="0">
-            <a:schemeClr val="accent1"/>
-          </a:fillRef>
-          <a:effectRef idx="0">
-            <a:schemeClr val="accent1"/>
-          </a:effectRef>
-          <a:fontRef idx="minor">
-            <a:schemeClr val="tx1"/>
-          </a:fontRef>
-        </p:style>
-      </p:cxnSp>
-      <p:sp>
-        <p:nvSpPr>
-          <p:cNvPr id="33" name="文本框 32">
-            <a:extLst>
-              <a:ext uri="{FF2B5EF4-FFF2-40B4-BE49-F238E27FC236}">
-                <a16:creationId xmlns:a16="http://schemas.microsoft.com/office/drawing/2014/main" id="{0766C046-8D8A-47A0-8D91-50B71413D223}"/>
-              </a:ext>
-            </a:extLst>
-          </p:cNvPr>
-          <p:cNvSpPr txBox="1"/>
-          <p:nvPr/>
-        </p:nvSpPr>
-        <p:spPr>
-          <a:xfrm>
-            <a:off x="4634503" y="2301174"/>
-            <a:ext cx="1888659" cy="400111"/>
-          </a:xfrm>
-          <a:prstGeom prst="rect">
-            <a:avLst/>
-          </a:prstGeom>
-          <a:noFill/>
-        </p:spPr>
-        <p:txBody>
-          <a:bodyPr wrap="none" rtlCol="0">
-            <a:spAutoFit/>
-          </a:bodyPr>
-          <a:lstStyle/>
-          <a:p>
-            <a:r>
-              <a:rPr lang="en-US" altLang="zh-CN" sz="2000" b="1" dirty="0" err="1">
-                <a:solidFill>
-                  <a:srgbClr val="FF0000"/>
-                </a:solidFill>
-              </a:rPr>
-              <a:t>TotalScore</a:t>
-            </a:r>
-            <a:r>
-              <a:rPr lang="zh-CN" altLang="en-US" sz="2000" b="1" dirty="0">
-                <a:solidFill>
-                  <a:srgbClr val="FF0000"/>
-                </a:solidFill>
-              </a:rPr>
-              <a:t>：</a:t>
-            </a:r>
-            <a:r>
-              <a:rPr lang="en-US" altLang="zh-CN" sz="2000" b="1" dirty="0">
-                <a:solidFill>
-                  <a:srgbClr val="FF0000"/>
-                </a:solidFill>
-              </a:rPr>
-              <a:t> 0</a:t>
-            </a:r>
-            <a:endParaRPr lang="zh-CN" altLang="en-US" sz="2000" b="1" dirty="0">
-              <a:solidFill>
-                <a:srgbClr val="FF0000"/>
-              </a:solidFill>
-            </a:endParaRPr>
-          </a:p>
-        </p:txBody>
-      </p:sp>
-    </p:spTree>
-    <p:extLst>
-      <p:ext uri="{BB962C8B-B14F-4D97-AF65-F5344CB8AC3E}">
-        <p14:creationId xmlns:p14="http://schemas.microsoft.com/office/powerpoint/2010/main" val="1441875719"/>
-      </p:ext>
-    </p:extLst>
-  </p:cSld>
-  <p:clrMapOvr>
-    <a:masterClrMapping/>
-  </p:clrMapOvr>
-</p:sld>
-</file>
-
-<file path=ppt/slides/slide6.xml><?xml version="1.0" encoding="utf-8"?>
-<p:sld xmlns:a="http://schemas.openxmlformats.org/drawingml/2006/main" xmlns:r="http://schemas.openxmlformats.org/officeDocument/2006/relationships" xmlns:p="http://schemas.openxmlformats.org/presentationml/2006/main">
-  <p:cSld>
-    <p:spTree>
-      <p:nvGrpSpPr>
-        <p:cNvPr id="1" name=""/>
-        <p:cNvGrpSpPr/>
-        <p:nvPr/>
-      </p:nvGrpSpPr>
-      <p:grpSpPr>
-        <a:xfrm>
-          <a:off x="0" y="0"/>
-          <a:ext cx="0" cy="0"/>
-          <a:chOff x="0" y="0"/>
-          <a:chExt cx="0" cy="0"/>
-        </a:xfrm>
-      </p:grpSpPr>
-      <p:grpSp>
-        <p:nvGrpSpPr>
-          <p:cNvPr id="2" name="组合 1">
-            <a:extLst>
-              <a:ext uri="{FF2B5EF4-FFF2-40B4-BE49-F238E27FC236}">
-                <a16:creationId xmlns:a16="http://schemas.microsoft.com/office/drawing/2014/main" id="{5C1ADCE9-75A5-4986-8406-661703EA1194}"/>
-              </a:ext>
-            </a:extLst>
-          </p:cNvPr>
-          <p:cNvGrpSpPr/>
-          <p:nvPr/>
-        </p:nvGrpSpPr>
-        <p:grpSpPr>
-          <a:xfrm>
-            <a:off x="790238" y="306834"/>
-            <a:ext cx="8959139" cy="6404339"/>
-            <a:chOff x="792319" y="572402"/>
-            <a:chExt cx="8767482" cy="6131859"/>
-          </a:xfrm>
-        </p:grpSpPr>
-        <p:sp>
-          <p:nvSpPr>
-            <p:cNvPr id="4" name="矩形 3"/>
-            <p:cNvSpPr/>
-            <p:nvPr/>
-          </p:nvSpPr>
-          <p:spPr>
-            <a:xfrm>
-              <a:off x="792319" y="572402"/>
-              <a:ext cx="8767482" cy="6131859"/>
-            </a:xfrm>
-            <a:prstGeom prst="rect">
-              <a:avLst/>
-            </a:prstGeom>
-            <a:solidFill>
-              <a:schemeClr val="bg2">
-                <a:lumMod val="25000"/>
-              </a:schemeClr>
-            </a:solidFill>
-            <a:ln>
-              <a:noFill/>
-            </a:ln>
-          </p:spPr>
-          <p:style>
-            <a:lnRef idx="3">
-              <a:schemeClr val="lt1"/>
-            </a:lnRef>
-            <a:fillRef idx="1">
-              <a:schemeClr val="accent3"/>
-            </a:fillRef>
-            <a:effectRef idx="1">
-              <a:schemeClr val="accent3"/>
-            </a:effectRef>
-            <a:fontRef idx="minor">
-              <a:schemeClr val="lt1"/>
-            </a:fontRef>
-          </p:style>
-          <p:txBody>
-            <a:bodyPr rtlCol="0" anchor="ctr"/>
-            <a:lstStyle/>
-            <a:p>
-              <a:pPr>
-                <a:lnSpc>
-                  <a:spcPct val="150000"/>
-                </a:lnSpc>
-                <a:spcBef>
-                  <a:spcPts val="200"/>
-                </a:spcBef>
-                <a:spcAft>
-                  <a:spcPts val="200"/>
-                </a:spcAft>
-              </a:pPr>
-              <a:endParaRPr lang="zh-CN" altLang="en-US" sz="2000" dirty="0">
-                <a:latin typeface="黑体" panose="02010609060101010101" pitchFamily="49" charset="-122"/>
-                <a:ea typeface="黑体" panose="02010609060101010101" pitchFamily="49" charset="-122"/>
-              </a:endParaRPr>
-            </a:p>
-          </p:txBody>
-        </p:sp>
-        <p:sp>
-          <p:nvSpPr>
-            <p:cNvPr id="3" name="文本框 2"/>
-            <p:cNvSpPr txBox="1"/>
-            <p:nvPr/>
-          </p:nvSpPr>
-          <p:spPr>
-            <a:xfrm>
-              <a:off x="1337391" y="4532747"/>
-              <a:ext cx="7677337" cy="1666610"/>
-            </a:xfrm>
-            <a:prstGeom prst="rect">
-              <a:avLst/>
-            </a:prstGeom>
-            <a:noFill/>
-          </p:spPr>
-          <p:txBody>
-            <a:bodyPr wrap="square" rtlCol="0">
-              <a:spAutoFit/>
-            </a:bodyPr>
-            <a:lstStyle/>
-            <a:p>
-              <a:pPr marL="285750" indent="-285750">
-                <a:lnSpc>
-                  <a:spcPct val="150000"/>
-                </a:lnSpc>
-                <a:spcBef>
-                  <a:spcPts val="200"/>
-                </a:spcBef>
-                <a:spcAft>
-                  <a:spcPts val="200"/>
-                </a:spcAft>
-                <a:buFont typeface="Arial" panose="020B0604020202020204" pitchFamily="34" charset="0"/>
-                <a:buChar char="•"/>
-              </a:pPr>
-              <a:r>
-                <a:rPr lang="zh-CN" altLang="en-US" dirty="0">
-                  <a:solidFill>
-                    <a:schemeClr val="bg1">
-                      <a:lumMod val="95000"/>
-                    </a:schemeClr>
-                  </a:solidFill>
-                  <a:latin typeface="黑体" panose="02010609060101010101" pitchFamily="49" charset="-122"/>
-                  <a:ea typeface="黑体" panose="02010609060101010101" pitchFamily="49" charset="-122"/>
-                </a:rPr>
-                <a:t>每轮游戏中，屏幕上会出现若干只羊，当您</a:t>
-              </a:r>
-              <a:r>
-                <a:rPr lang="zh-CN" altLang="en-US" dirty="0">
-                  <a:solidFill>
-                    <a:srgbClr val="92D050"/>
-                  </a:solidFill>
-                  <a:latin typeface="黑体" panose="02010609060101010101" pitchFamily="49" charset="-122"/>
-                  <a:ea typeface="黑体" panose="02010609060101010101" pitchFamily="49" charset="-122"/>
-                </a:rPr>
-                <a:t>或</a:t>
-              </a:r>
-              <a:r>
-                <a:rPr lang="zh-CN" altLang="en-US" dirty="0">
-                  <a:solidFill>
-                    <a:schemeClr val="bg1">
-                      <a:lumMod val="95000"/>
-                    </a:schemeClr>
-                  </a:solidFill>
-                  <a:latin typeface="黑体" panose="02010609060101010101" pitchFamily="49" charset="-122"/>
-                  <a:ea typeface="黑体" panose="02010609060101010101" pitchFamily="49" charset="-122"/>
-                </a:rPr>
-                <a:t>另一玩家扮演的狼</a:t>
-              </a:r>
-              <a:r>
-                <a:rPr lang="zh-CN" altLang="en-US" dirty="0">
-                  <a:solidFill>
-                    <a:srgbClr val="92D050"/>
-                  </a:solidFill>
-                  <a:latin typeface="黑体" panose="02010609060101010101" pitchFamily="49" charset="-122"/>
-                  <a:ea typeface="黑体" panose="02010609060101010101" pitchFamily="49" charset="-122"/>
-                </a:rPr>
-                <a:t>碰到任意一只羊</a:t>
-              </a:r>
-              <a:r>
-                <a:rPr lang="zh-CN" altLang="en-US" dirty="0">
-                  <a:solidFill>
-                    <a:schemeClr val="bg1">
-                      <a:lumMod val="95000"/>
-                    </a:schemeClr>
-                  </a:solidFill>
-                  <a:latin typeface="黑体" panose="02010609060101010101" pitchFamily="49" charset="-122"/>
-                  <a:ea typeface="黑体" panose="02010609060101010101" pitchFamily="49" charset="-122"/>
-                </a:rPr>
-                <a:t>时，即视为成功抓到羊，而后</a:t>
-              </a:r>
-              <a:r>
-                <a:rPr lang="zh-CN" altLang="en-US" dirty="0">
-                  <a:solidFill>
-                    <a:srgbClr val="92D050"/>
-                  </a:solidFill>
-                  <a:latin typeface="黑体" panose="02010609060101010101" pitchFamily="49" charset="-122"/>
-                  <a:ea typeface="黑体" panose="02010609060101010101" pitchFamily="49" charset="-122"/>
-                </a:rPr>
-                <a:t>立即进入下一轮游戏</a:t>
-              </a:r>
-              <a:r>
-                <a:rPr lang="zh-CN" altLang="en-US" dirty="0">
-                  <a:solidFill>
-                    <a:schemeClr val="bg1">
-                      <a:lumMod val="95000"/>
-                    </a:schemeClr>
-                  </a:solidFill>
-                  <a:latin typeface="黑体" panose="02010609060101010101" pitchFamily="49" charset="-122"/>
-                  <a:ea typeface="黑体" panose="02010609060101010101" pitchFamily="49" charset="-122"/>
-                </a:rPr>
-                <a:t>。</a:t>
-              </a:r>
-              <a:endParaRPr lang="en-US" altLang="zh-CN" dirty="0">
-                <a:solidFill>
-                  <a:schemeClr val="bg1">
-                    <a:lumMod val="95000"/>
-                  </a:schemeClr>
-                </a:solidFill>
-                <a:latin typeface="黑体" panose="02010609060101010101" pitchFamily="49" charset="-122"/>
-                <a:ea typeface="黑体" panose="02010609060101010101" pitchFamily="49" charset="-122"/>
-              </a:endParaRPr>
-            </a:p>
-            <a:p>
-              <a:pPr marL="285750" indent="-285750">
-                <a:lnSpc>
-                  <a:spcPct val="150000"/>
-                </a:lnSpc>
-                <a:spcBef>
-                  <a:spcPts val="200"/>
-                </a:spcBef>
-                <a:spcAft>
-                  <a:spcPts val="200"/>
-                </a:spcAft>
-                <a:buFont typeface="Arial" panose="020B0604020202020204" pitchFamily="34" charset="0"/>
-                <a:buChar char="•"/>
-              </a:pPr>
-              <a:r>
-                <a:rPr lang="zh-CN" altLang="en-US" dirty="0">
-                  <a:solidFill>
-                    <a:schemeClr val="bg1">
-                      <a:lumMod val="95000"/>
-                    </a:schemeClr>
-                  </a:solidFill>
-                  <a:latin typeface="黑体" panose="02010609060101010101" pitchFamily="49" charset="-122"/>
-                  <a:ea typeface="黑体" panose="02010609060101010101" pitchFamily="49" charset="-122"/>
-                </a:rPr>
-                <a:t>每轮游戏时间为</a:t>
-              </a:r>
-              <a:r>
-                <a:rPr lang="en-US" altLang="zh-CN" dirty="0">
-                  <a:solidFill>
-                    <a:srgbClr val="92D050"/>
-                  </a:solidFill>
-                  <a:latin typeface="黑体" panose="02010609060101010101" pitchFamily="49" charset="-122"/>
-                  <a:ea typeface="黑体" panose="02010609060101010101" pitchFamily="49" charset="-122"/>
-                </a:rPr>
-                <a:t>15s</a:t>
-              </a:r>
-              <a:r>
-                <a:rPr lang="zh-CN" altLang="en-US" dirty="0">
-                  <a:solidFill>
-                    <a:schemeClr val="bg1">
-                      <a:lumMod val="95000"/>
-                    </a:schemeClr>
-                  </a:solidFill>
-                  <a:latin typeface="黑体" panose="02010609060101010101" pitchFamily="49" charset="-122"/>
-                  <a:ea typeface="黑体" panose="02010609060101010101" pitchFamily="49" charset="-122"/>
-                </a:rPr>
-                <a:t>，若</a:t>
-              </a:r>
-              <a:r>
-                <a:rPr lang="en-US" altLang="zh-CN" dirty="0">
-                  <a:solidFill>
-                    <a:schemeClr val="bg1">
-                      <a:lumMod val="95000"/>
-                    </a:schemeClr>
-                  </a:solidFill>
-                  <a:latin typeface="黑体" panose="02010609060101010101" pitchFamily="49" charset="-122"/>
-                  <a:ea typeface="黑体" panose="02010609060101010101" pitchFamily="49" charset="-122"/>
-                </a:rPr>
-                <a:t>15s</a:t>
-              </a:r>
-              <a:r>
-                <a:rPr lang="zh-CN" altLang="en-US" dirty="0">
-                  <a:solidFill>
-                    <a:schemeClr val="bg1">
-                      <a:lumMod val="95000"/>
-                    </a:schemeClr>
-                  </a:solidFill>
-                  <a:latin typeface="黑体" panose="02010609060101010101" pitchFamily="49" charset="-122"/>
-                  <a:ea typeface="黑体" panose="02010609060101010101" pitchFamily="49" charset="-122"/>
-                </a:rPr>
-                <a:t>内两名玩家都未抓到羊，则该轮游戏结束，</a:t>
-              </a:r>
-              <a:r>
-                <a:rPr lang="zh-CN" altLang="en-US" dirty="0">
-                  <a:solidFill>
-                    <a:srgbClr val="92D050"/>
-                  </a:solidFill>
-                  <a:latin typeface="黑体" panose="02010609060101010101" pitchFamily="49" charset="-122"/>
-                  <a:ea typeface="黑体" panose="02010609060101010101" pitchFamily="49" charset="-122"/>
-                </a:rPr>
-                <a:t>直接进入下一轮游戏</a:t>
-              </a:r>
-              <a:r>
-                <a:rPr lang="zh-CN" altLang="en-US" dirty="0">
-                  <a:solidFill>
-                    <a:schemeClr val="bg1">
-                      <a:lumMod val="95000"/>
-                    </a:schemeClr>
-                  </a:solidFill>
-                  <a:latin typeface="黑体" panose="02010609060101010101" pitchFamily="49" charset="-122"/>
-                  <a:ea typeface="黑体" panose="02010609060101010101" pitchFamily="49" charset="-122"/>
-                </a:rPr>
-                <a:t>。</a:t>
-              </a:r>
-            </a:p>
-          </p:txBody>
-        </p:sp>
-      </p:grpSp>
-      <p:grpSp>
-        <p:nvGrpSpPr>
-          <p:cNvPr id="16" name="组合 15">
-            <a:extLst>
-              <a:ext uri="{FF2B5EF4-FFF2-40B4-BE49-F238E27FC236}">
-                <a16:creationId xmlns:a16="http://schemas.microsoft.com/office/drawing/2014/main" id="{0D93CE07-8BE0-496A-AE64-A16CAF07BB9F}"/>
-              </a:ext>
-            </a:extLst>
-          </p:cNvPr>
-          <p:cNvGrpSpPr/>
-          <p:nvPr/>
-        </p:nvGrpSpPr>
-        <p:grpSpPr>
-          <a:xfrm>
-            <a:off x="2905537" y="621637"/>
-            <a:ext cx="4521423" cy="3552452"/>
-            <a:chOff x="3124152" y="2088684"/>
-            <a:chExt cx="3763478" cy="3185962"/>
-          </a:xfrm>
-        </p:grpSpPr>
-        <p:sp>
-          <p:nvSpPr>
-            <p:cNvPr id="17" name="矩形 16">
-              <a:extLst>
-                <a:ext uri="{FF2B5EF4-FFF2-40B4-BE49-F238E27FC236}">
-                  <a16:creationId xmlns:a16="http://schemas.microsoft.com/office/drawing/2014/main" id="{3918106A-F021-4162-9866-458F25241185}"/>
-                </a:ext>
-              </a:extLst>
-            </p:cNvPr>
-            <p:cNvSpPr/>
-            <p:nvPr/>
-          </p:nvSpPr>
-          <p:spPr>
-            <a:xfrm>
-              <a:off x="3124152" y="2088684"/>
-              <a:ext cx="3763478" cy="3185962"/>
-            </a:xfrm>
-            <a:prstGeom prst="rect">
-              <a:avLst/>
-            </a:prstGeom>
-          </p:spPr>
-          <p:style>
-            <a:lnRef idx="2">
-              <a:schemeClr val="accent3">
-                <a:shade val="50000"/>
-              </a:schemeClr>
-            </a:lnRef>
-            <a:fillRef idx="1">
-              <a:schemeClr val="accent3"/>
-            </a:fillRef>
-            <a:effectRef idx="0">
-              <a:schemeClr val="accent3"/>
-            </a:effectRef>
-            <a:fontRef idx="minor">
-              <a:schemeClr val="lt1"/>
-            </a:fontRef>
-          </p:style>
-          <p:txBody>
-            <a:bodyPr rtlCol="0" anchor="ctr"/>
-            <a:lstStyle/>
-            <a:p>
-              <a:pPr algn="ctr"/>
-              <a:endParaRPr lang="zh-CN" altLang="en-US" dirty="0"/>
-            </a:p>
-          </p:txBody>
-        </p:sp>
-        <p:sp>
-          <p:nvSpPr>
-            <p:cNvPr id="18" name="椭圆 17">
-              <a:extLst>
-                <a:ext uri="{FF2B5EF4-FFF2-40B4-BE49-F238E27FC236}">
-                  <a16:creationId xmlns:a16="http://schemas.microsoft.com/office/drawing/2014/main" id="{A6AF5218-E7F2-4491-9186-DFE953635ACC}"/>
-                </a:ext>
-              </a:extLst>
-            </p:cNvPr>
-            <p:cNvSpPr/>
-            <p:nvPr/>
-          </p:nvSpPr>
-          <p:spPr>
-            <a:xfrm>
-              <a:off x="3898231" y="2569945"/>
-              <a:ext cx="173256" cy="173256"/>
-            </a:xfrm>
-            <a:prstGeom prst="ellipse">
-              <a:avLst/>
-            </a:prstGeom>
-          </p:spPr>
-          <p:style>
-            <a:lnRef idx="2">
-              <a:schemeClr val="accent1">
-                <a:shade val="50000"/>
-              </a:schemeClr>
-            </a:lnRef>
-            <a:fillRef idx="1">
-              <a:schemeClr val="accent1"/>
-            </a:fillRef>
-            <a:effectRef idx="0">
-              <a:schemeClr val="accent1"/>
-            </a:effectRef>
-            <a:fontRef idx="minor">
-              <a:schemeClr val="lt1"/>
-            </a:fontRef>
-          </p:style>
-          <p:txBody>
-            <a:bodyPr rtlCol="0" anchor="ctr"/>
-            <a:lstStyle/>
-            <a:p>
-              <a:pPr algn="ctr"/>
-              <a:endParaRPr lang="zh-CN" altLang="en-US"/>
-            </a:p>
-          </p:txBody>
-        </p:sp>
-        <p:sp>
-          <p:nvSpPr>
-            <p:cNvPr id="19" name="椭圆 18">
-              <a:extLst>
-                <a:ext uri="{FF2B5EF4-FFF2-40B4-BE49-F238E27FC236}">
-                  <a16:creationId xmlns:a16="http://schemas.microsoft.com/office/drawing/2014/main" id="{D35B4EB2-77E8-4B2E-81E5-792586F1C3AD}"/>
-                </a:ext>
-              </a:extLst>
-            </p:cNvPr>
-            <p:cNvSpPr/>
-            <p:nvPr/>
-          </p:nvSpPr>
-          <p:spPr>
-            <a:xfrm>
-              <a:off x="6081562" y="3049604"/>
-              <a:ext cx="173256" cy="173256"/>
-            </a:xfrm>
-            <a:prstGeom prst="ellipse">
-              <a:avLst/>
-            </a:prstGeom>
-          </p:spPr>
-          <p:style>
-            <a:lnRef idx="2">
-              <a:schemeClr val="accent1">
-                <a:shade val="50000"/>
-              </a:schemeClr>
-            </a:lnRef>
-            <a:fillRef idx="1">
-              <a:schemeClr val="accent1"/>
-            </a:fillRef>
-            <a:effectRef idx="0">
-              <a:schemeClr val="accent1"/>
-            </a:effectRef>
-            <a:fontRef idx="minor">
-              <a:schemeClr val="lt1"/>
-            </a:fontRef>
-          </p:style>
-          <p:txBody>
-            <a:bodyPr rtlCol="0" anchor="ctr"/>
-            <a:lstStyle/>
-            <a:p>
-              <a:pPr algn="ctr"/>
-              <a:endParaRPr lang="zh-CN" altLang="en-US"/>
-            </a:p>
-          </p:txBody>
-        </p:sp>
-        <p:sp>
-          <p:nvSpPr>
-            <p:cNvPr id="20" name="椭圆 19">
-              <a:extLst>
-                <a:ext uri="{FF2B5EF4-FFF2-40B4-BE49-F238E27FC236}">
-                  <a16:creationId xmlns:a16="http://schemas.microsoft.com/office/drawing/2014/main" id="{68F8FA4E-0810-4AD1-89CD-E4DBA0E5DBA6}"/>
-                </a:ext>
-              </a:extLst>
-            </p:cNvPr>
-            <p:cNvSpPr/>
-            <p:nvPr/>
-          </p:nvSpPr>
-          <p:spPr>
-            <a:xfrm>
-              <a:off x="4198125" y="3438626"/>
-              <a:ext cx="173256" cy="173256"/>
-            </a:xfrm>
-            <a:prstGeom prst="ellipse">
-              <a:avLst/>
-            </a:prstGeom>
-          </p:spPr>
-          <p:style>
-            <a:lnRef idx="2">
-              <a:schemeClr val="accent1">
-                <a:shade val="50000"/>
-              </a:schemeClr>
-            </a:lnRef>
-            <a:fillRef idx="1">
-              <a:schemeClr val="accent1"/>
-            </a:fillRef>
-            <a:effectRef idx="0">
-              <a:schemeClr val="accent1"/>
-            </a:effectRef>
-            <a:fontRef idx="minor">
-              <a:schemeClr val="lt1"/>
-            </a:fontRef>
-          </p:style>
-          <p:txBody>
-            <a:bodyPr rtlCol="0" anchor="ctr"/>
-            <a:lstStyle/>
-            <a:p>
-              <a:pPr algn="ctr"/>
-              <a:endParaRPr lang="zh-CN" altLang="en-US"/>
-            </a:p>
-          </p:txBody>
-        </p:sp>
-        <p:sp>
-          <p:nvSpPr>
-            <p:cNvPr id="21" name="椭圆 20">
-              <a:extLst>
-                <a:ext uri="{FF2B5EF4-FFF2-40B4-BE49-F238E27FC236}">
-                  <a16:creationId xmlns:a16="http://schemas.microsoft.com/office/drawing/2014/main" id="{A167EC93-AE7C-4705-91E0-661D273C0B4A}"/>
-                </a:ext>
-              </a:extLst>
-            </p:cNvPr>
-            <p:cNvSpPr/>
-            <p:nvPr/>
-          </p:nvSpPr>
-          <p:spPr>
-            <a:xfrm>
-              <a:off x="5005891" y="4676273"/>
-              <a:ext cx="173256" cy="173256"/>
-            </a:xfrm>
-            <a:prstGeom prst="ellipse">
-              <a:avLst/>
-            </a:prstGeom>
-          </p:spPr>
-          <p:style>
-            <a:lnRef idx="2">
-              <a:schemeClr val="accent1">
-                <a:shade val="50000"/>
-              </a:schemeClr>
-            </a:lnRef>
-            <a:fillRef idx="1">
-              <a:schemeClr val="accent1"/>
-            </a:fillRef>
-            <a:effectRef idx="0">
-              <a:schemeClr val="accent1"/>
-            </a:effectRef>
-            <a:fontRef idx="minor">
-              <a:schemeClr val="lt1"/>
-            </a:fontRef>
-          </p:style>
-          <p:txBody>
-            <a:bodyPr rtlCol="0" anchor="ctr"/>
-            <a:lstStyle/>
-            <a:p>
-              <a:pPr algn="ctr"/>
-              <a:endParaRPr lang="zh-CN" altLang="en-US"/>
-            </a:p>
-          </p:txBody>
-        </p:sp>
-        <p:sp>
-          <p:nvSpPr>
-            <p:cNvPr id="22" name="椭圆 21">
-              <a:extLst>
-                <a:ext uri="{FF2B5EF4-FFF2-40B4-BE49-F238E27FC236}">
-                  <a16:creationId xmlns:a16="http://schemas.microsoft.com/office/drawing/2014/main" id="{6AF65ACA-D2C6-4C54-9C7E-FD7C08517AFA}"/>
-                </a:ext>
-              </a:extLst>
-            </p:cNvPr>
-            <p:cNvSpPr/>
-            <p:nvPr/>
-          </p:nvSpPr>
-          <p:spPr>
-            <a:xfrm>
-              <a:off x="5505111" y="3351998"/>
-              <a:ext cx="173256" cy="173256"/>
-            </a:xfrm>
-            <a:prstGeom prst="ellipse">
-              <a:avLst/>
-            </a:prstGeom>
-            <a:solidFill>
-              <a:srgbClr val="FF0000"/>
-            </a:solidFill>
-            <a:ln>
-              <a:solidFill>
-                <a:srgbClr val="C00000"/>
-              </a:solidFill>
-            </a:ln>
-          </p:spPr>
-          <p:style>
-            <a:lnRef idx="2">
-              <a:schemeClr val="accent1">
-                <a:shade val="50000"/>
-              </a:schemeClr>
-            </a:lnRef>
-            <a:fillRef idx="1">
-              <a:schemeClr val="accent1"/>
-            </a:fillRef>
-            <a:effectRef idx="0">
-              <a:schemeClr val="accent1"/>
-            </a:effectRef>
-            <a:fontRef idx="minor">
-              <a:schemeClr val="lt1"/>
-            </a:fontRef>
-          </p:style>
-          <p:txBody>
-            <a:bodyPr rtlCol="0" anchor="ctr"/>
-            <a:lstStyle/>
-            <a:p>
-              <a:pPr algn="ctr"/>
-              <a:endParaRPr lang="zh-CN" altLang="en-US"/>
-            </a:p>
-          </p:txBody>
-        </p:sp>
-        <p:sp>
-          <p:nvSpPr>
-            <p:cNvPr id="23" name="椭圆 22">
-              <a:extLst>
-                <a:ext uri="{FF2B5EF4-FFF2-40B4-BE49-F238E27FC236}">
-                  <a16:creationId xmlns:a16="http://schemas.microsoft.com/office/drawing/2014/main" id="{652117D1-C415-4B00-9CEB-072643FD86C7}"/>
-                </a:ext>
-              </a:extLst>
-            </p:cNvPr>
-            <p:cNvSpPr/>
-            <p:nvPr/>
-          </p:nvSpPr>
-          <p:spPr>
-            <a:xfrm>
-              <a:off x="6162212" y="3235234"/>
-              <a:ext cx="173256" cy="173256"/>
-            </a:xfrm>
-            <a:prstGeom prst="ellipse">
-              <a:avLst/>
-            </a:prstGeom>
-          </p:spPr>
-          <p:style>
-            <a:lnRef idx="2">
-              <a:schemeClr val="accent4">
-                <a:shade val="50000"/>
-              </a:schemeClr>
-            </a:lnRef>
-            <a:fillRef idx="1">
-              <a:schemeClr val="accent4"/>
-            </a:fillRef>
-            <a:effectRef idx="0">
-              <a:schemeClr val="accent4"/>
-            </a:effectRef>
-            <a:fontRef idx="minor">
-              <a:schemeClr val="lt1"/>
-            </a:fontRef>
-          </p:style>
-          <p:txBody>
-            <a:bodyPr rtlCol="0" anchor="ctr"/>
-            <a:lstStyle/>
-            <a:p>
-              <a:pPr algn="ctr"/>
-              <a:endParaRPr lang="zh-CN" altLang="en-US"/>
-            </a:p>
-          </p:txBody>
-        </p:sp>
-        <p:sp>
-          <p:nvSpPr>
-            <p:cNvPr id="24" name="文本框 23">
-              <a:extLst>
-                <a:ext uri="{FF2B5EF4-FFF2-40B4-BE49-F238E27FC236}">
-                  <a16:creationId xmlns:a16="http://schemas.microsoft.com/office/drawing/2014/main" id="{C607BDB6-CBF7-404B-864E-7543E4102D3B}"/>
-                </a:ext>
-              </a:extLst>
-            </p:cNvPr>
-            <p:cNvSpPr txBox="1"/>
-            <p:nvPr/>
-          </p:nvSpPr>
-          <p:spPr>
-            <a:xfrm>
-              <a:off x="4461332" y="2118795"/>
-              <a:ext cx="1429286" cy="331230"/>
-            </a:xfrm>
-            <a:prstGeom prst="rect">
-              <a:avLst/>
-            </a:prstGeom>
-            <a:noFill/>
-          </p:spPr>
-          <p:txBody>
-            <a:bodyPr wrap="none" rtlCol="0">
-              <a:spAutoFit/>
-            </a:bodyPr>
-            <a:lstStyle/>
-            <a:p>
-              <a:r>
-                <a:rPr lang="en-US" altLang="zh-CN" b="1" dirty="0" err="1">
-                  <a:solidFill>
-                    <a:srgbClr val="FF0000"/>
-                  </a:solidFill>
-                </a:rPr>
-                <a:t>TotalScore</a:t>
-              </a:r>
-              <a:r>
-                <a:rPr lang="zh-CN" altLang="en-US" b="1" dirty="0">
-                  <a:solidFill>
-                    <a:srgbClr val="FF0000"/>
-                  </a:solidFill>
-                </a:rPr>
-                <a:t>：</a:t>
-              </a:r>
-              <a:r>
-                <a:rPr lang="en-US" altLang="zh-CN" b="1" dirty="0">
-                  <a:solidFill>
-                    <a:srgbClr val="FF0000"/>
-                  </a:solidFill>
-                </a:rPr>
-                <a:t> 1</a:t>
-              </a:r>
-              <a:endParaRPr lang="zh-CN" altLang="en-US" b="1" dirty="0">
-                <a:solidFill>
-                  <a:srgbClr val="FF0000"/>
-                </a:solidFill>
-              </a:endParaRPr>
-            </a:p>
-          </p:txBody>
-        </p:sp>
-        <p:cxnSp>
-          <p:nvCxnSpPr>
-            <p:cNvPr id="25" name="连接符: 曲线 24">
-              <a:extLst>
-                <a:ext uri="{FF2B5EF4-FFF2-40B4-BE49-F238E27FC236}">
-                  <a16:creationId xmlns:a16="http://schemas.microsoft.com/office/drawing/2014/main" id="{606B6538-9888-4845-8F7D-97107AF174DD}"/>
-                </a:ext>
-              </a:extLst>
-            </p:cNvPr>
-            <p:cNvCxnSpPr>
-              <a:cxnSpLocks/>
-              <a:stCxn id="22" idx="0"/>
-              <a:endCxn id="19" idx="3"/>
-            </p:cNvCxnSpPr>
-            <p:nvPr/>
-          </p:nvCxnSpPr>
-          <p:spPr>
-            <a:xfrm rot="5400000" flipH="1" flipV="1">
-              <a:off x="5772082" y="3017145"/>
-              <a:ext cx="154510" cy="515196"/>
-            </a:xfrm>
-            <a:prstGeom prst="curvedConnector3">
-              <a:avLst>
-                <a:gd name="adj1" fmla="val 50000"/>
-              </a:avLst>
-            </a:prstGeom>
-            <a:ln>
-              <a:tailEnd type="triangle"/>
-            </a:ln>
-          </p:spPr>
-          <p:style>
-            <a:lnRef idx="1">
-              <a:schemeClr val="dk1"/>
-            </a:lnRef>
-            <a:fillRef idx="0">
-              <a:schemeClr val="dk1"/>
-            </a:fillRef>
-            <a:effectRef idx="0">
-              <a:schemeClr val="dk1"/>
-            </a:effectRef>
-            <a:fontRef idx="minor">
-              <a:schemeClr val="tx1"/>
-            </a:fontRef>
-          </p:style>
-        </p:cxnSp>
-      </p:grpSp>
-    </p:spTree>
-    <p:extLst>
-      <p:ext uri="{BB962C8B-B14F-4D97-AF65-F5344CB8AC3E}">
-        <p14:creationId xmlns:p14="http://schemas.microsoft.com/office/powerpoint/2010/main" val="291028028"/>
-      </p:ext>
-    </p:extLst>
-  </p:cSld>
-  <p:clrMapOvr>
-    <a:masterClrMapping/>
-  </p:clrMapOvr>
-</p:sld>
-</file>
-
-<file path=ppt/slides/slide7.xml><?xml version="1.0" encoding="utf-8"?>
-<p:sld xmlns:a="http://schemas.openxmlformats.org/drawingml/2006/main" xmlns:r="http://schemas.openxmlformats.org/officeDocument/2006/relationships" xmlns:p="http://schemas.openxmlformats.org/presentationml/2006/main">
-  <p:cSld>
-    <p:spTree>
-      <p:nvGrpSpPr>
-        <p:cNvPr id="1" name=""/>
-        <p:cNvGrpSpPr/>
-        <p:nvPr/>
-      </p:nvGrpSpPr>
-      <p:grpSpPr>
-        <a:xfrm>
-          <a:off x="0" y="0"/>
-          <a:ext cx="0" cy="0"/>
-          <a:chOff x="0" y="0"/>
-          <a:chExt cx="0" cy="0"/>
-        </a:xfrm>
-      </p:grpSpPr>
-      <p:grpSp>
-        <p:nvGrpSpPr>
-          <p:cNvPr id="2" name="组合 1">
-            <a:extLst>
-              <a:ext uri="{FF2B5EF4-FFF2-40B4-BE49-F238E27FC236}">
-                <a16:creationId xmlns:a16="http://schemas.microsoft.com/office/drawing/2014/main" id="{5C1ADCE9-75A5-4986-8406-661703EA1194}"/>
-              </a:ext>
-            </a:extLst>
-          </p:cNvPr>
-          <p:cNvGrpSpPr/>
-          <p:nvPr/>
-        </p:nvGrpSpPr>
-        <p:grpSpPr>
-          <a:xfrm>
-            <a:off x="790238" y="306834"/>
-            <a:ext cx="8959139" cy="6404339"/>
-            <a:chOff x="792319" y="572402"/>
-            <a:chExt cx="8767482" cy="6131859"/>
-          </a:xfrm>
-        </p:grpSpPr>
-        <p:sp>
-          <p:nvSpPr>
-            <p:cNvPr id="4" name="矩形 3"/>
-            <p:cNvSpPr/>
-            <p:nvPr/>
-          </p:nvSpPr>
-          <p:spPr>
-            <a:xfrm>
-              <a:off x="792319" y="572402"/>
-              <a:ext cx="8767482" cy="6131859"/>
-            </a:xfrm>
-            <a:prstGeom prst="rect">
-              <a:avLst/>
-            </a:prstGeom>
-            <a:solidFill>
-              <a:schemeClr val="bg2">
-                <a:lumMod val="25000"/>
-              </a:schemeClr>
-            </a:solidFill>
-            <a:ln>
-              <a:noFill/>
-            </a:ln>
-          </p:spPr>
-          <p:style>
-            <a:lnRef idx="3">
-              <a:schemeClr val="lt1"/>
-            </a:lnRef>
-            <a:fillRef idx="1">
-              <a:schemeClr val="accent3"/>
-            </a:fillRef>
-            <a:effectRef idx="1">
-              <a:schemeClr val="accent3"/>
-            </a:effectRef>
-            <a:fontRef idx="minor">
-              <a:schemeClr val="lt1"/>
-            </a:fontRef>
-          </p:style>
-          <p:txBody>
-            <a:bodyPr rtlCol="0" anchor="ctr"/>
-            <a:lstStyle/>
-            <a:p>
-              <a:pPr>
-                <a:lnSpc>
-                  <a:spcPct val="150000"/>
-                </a:lnSpc>
-                <a:spcBef>
-                  <a:spcPts val="200"/>
-                </a:spcBef>
-                <a:spcAft>
-                  <a:spcPts val="200"/>
-                </a:spcAft>
-              </a:pPr>
-              <a:endParaRPr lang="zh-CN" altLang="en-US" sz="2000" dirty="0">
-                <a:latin typeface="黑体" panose="02010609060101010101" pitchFamily="49" charset="-122"/>
-                <a:ea typeface="黑体" panose="02010609060101010101" pitchFamily="49" charset="-122"/>
-              </a:endParaRPr>
-            </a:p>
-          </p:txBody>
-        </p:sp>
-        <p:sp>
-          <p:nvSpPr>
-            <p:cNvPr id="3" name="文本框 2"/>
-            <p:cNvSpPr txBox="1"/>
-            <p:nvPr/>
-          </p:nvSpPr>
-          <p:spPr>
-            <a:xfrm>
-              <a:off x="1223744" y="4138048"/>
-              <a:ext cx="7811593" cy="2304597"/>
-            </a:xfrm>
-            <a:prstGeom prst="rect">
-              <a:avLst/>
-            </a:prstGeom>
-            <a:noFill/>
-          </p:spPr>
-          <p:txBody>
-            <a:bodyPr wrap="square" rtlCol="0">
-              <a:spAutoFit/>
-            </a:bodyPr>
-            <a:lstStyle/>
-            <a:p>
-              <a:pPr marL="285750" indent="-285750">
-                <a:lnSpc>
-                  <a:spcPct val="130000"/>
-                </a:lnSpc>
-                <a:spcBef>
-                  <a:spcPts val="200"/>
-                </a:spcBef>
-                <a:spcAft>
-                  <a:spcPts val="200"/>
-                </a:spcAft>
-                <a:buFont typeface="Arial" panose="020B0604020202020204" pitchFamily="34" charset="0"/>
-                <a:buChar char="•"/>
-              </a:pPr>
-              <a:r>
-                <a:rPr lang="zh-CN" altLang="en-US" dirty="0">
-                  <a:solidFill>
-                    <a:schemeClr val="bg1">
-                      <a:lumMod val="95000"/>
-                    </a:schemeClr>
-                  </a:solidFill>
-                  <a:latin typeface="黑体" panose="02010609060101010101" pitchFamily="49" charset="-122"/>
-                  <a:ea typeface="黑体" panose="02010609060101010101" pitchFamily="49" charset="-122"/>
-                </a:rPr>
-                <a:t>屏幕顶端将显示你们当前的</a:t>
-              </a:r>
-              <a:r>
-                <a:rPr lang="zh-CN" altLang="en-US" dirty="0">
-                  <a:solidFill>
-                    <a:srgbClr val="92D050"/>
-                  </a:solidFill>
-                  <a:latin typeface="黑体" panose="02010609060101010101" pitchFamily="49" charset="-122"/>
-                  <a:ea typeface="黑体" panose="02010609060101010101" pitchFamily="49" charset="-122"/>
-                </a:rPr>
-                <a:t>总得分</a:t>
-              </a:r>
-              <a:r>
-                <a:rPr lang="zh-CN" altLang="en-US" dirty="0">
-                  <a:solidFill>
-                    <a:schemeClr val="bg1">
-                      <a:lumMod val="95000"/>
-                    </a:schemeClr>
-                  </a:solidFill>
-                  <a:latin typeface="黑体" panose="02010609060101010101" pitchFamily="49" charset="-122"/>
-                  <a:ea typeface="黑体" panose="02010609060101010101" pitchFamily="49" charset="-122"/>
-                </a:rPr>
-                <a:t>，分数计算规则为：</a:t>
-              </a:r>
-              <a:endParaRPr lang="en-US" altLang="zh-CN" dirty="0">
-                <a:solidFill>
-                  <a:schemeClr val="bg1">
-                    <a:lumMod val="95000"/>
-                  </a:schemeClr>
-                </a:solidFill>
-                <a:latin typeface="黑体" panose="02010609060101010101" pitchFamily="49" charset="-122"/>
-                <a:ea typeface="黑体" panose="02010609060101010101" pitchFamily="49" charset="-122"/>
-              </a:endParaRPr>
-            </a:p>
-            <a:p>
-              <a:pPr marL="742950" lvl="1" indent="-285750">
-                <a:lnSpc>
-                  <a:spcPct val="130000"/>
-                </a:lnSpc>
-                <a:spcBef>
-                  <a:spcPts val="200"/>
-                </a:spcBef>
-                <a:spcAft>
-                  <a:spcPts val="200"/>
-                </a:spcAft>
-                <a:buFont typeface="Wingdings" panose="05000000000000000000" pitchFamily="2" charset="2"/>
-                <a:buChar char="Ø"/>
-              </a:pPr>
-              <a:r>
-                <a:rPr lang="zh-CN" altLang="en-US" dirty="0">
-                  <a:solidFill>
-                    <a:schemeClr val="bg1">
-                      <a:lumMod val="95000"/>
-                    </a:schemeClr>
-                  </a:solidFill>
-                  <a:latin typeface="黑体" panose="02010609060101010101" pitchFamily="49" charset="-122"/>
-                  <a:ea typeface="黑体" panose="02010609060101010101" pitchFamily="49" charset="-122"/>
-                </a:rPr>
-                <a:t>若</a:t>
-              </a:r>
-              <a:r>
-                <a:rPr lang="en-US" altLang="zh-CN" dirty="0">
-                  <a:solidFill>
-                    <a:schemeClr val="bg1">
-                      <a:lumMod val="95000"/>
-                    </a:schemeClr>
-                  </a:solidFill>
-                  <a:latin typeface="黑体" panose="02010609060101010101" pitchFamily="49" charset="-122"/>
-                  <a:ea typeface="黑体" panose="02010609060101010101" pitchFamily="49" charset="-122"/>
-                </a:rPr>
-                <a:t>15s</a:t>
-              </a:r>
-              <a:r>
-                <a:rPr lang="zh-CN" altLang="en-US" dirty="0">
-                  <a:solidFill>
-                    <a:schemeClr val="bg1">
-                      <a:lumMod val="95000"/>
-                    </a:schemeClr>
-                  </a:solidFill>
-                  <a:latin typeface="黑体" panose="02010609060101010101" pitchFamily="49" charset="-122"/>
-                  <a:ea typeface="黑体" panose="02010609060101010101" pitchFamily="49" charset="-122"/>
-                </a:rPr>
-                <a:t>内抓到羊，总分增加</a:t>
-              </a:r>
-              <a:r>
-                <a:rPr lang="en-US" altLang="zh-CN" dirty="0">
-                  <a:solidFill>
-                    <a:schemeClr val="bg1">
-                      <a:lumMod val="95000"/>
-                    </a:schemeClr>
-                  </a:solidFill>
-                  <a:latin typeface="黑体" panose="02010609060101010101" pitchFamily="49" charset="-122"/>
-                  <a:ea typeface="黑体" panose="02010609060101010101" pitchFamily="49" charset="-122"/>
-                </a:rPr>
-                <a:t>1</a:t>
-              </a:r>
-              <a:r>
-                <a:rPr lang="zh-CN" altLang="en-US" dirty="0">
-                  <a:solidFill>
-                    <a:schemeClr val="bg1">
-                      <a:lumMod val="95000"/>
-                    </a:schemeClr>
-                  </a:solidFill>
-                  <a:latin typeface="黑体" panose="02010609060101010101" pitchFamily="49" charset="-122"/>
-                  <a:ea typeface="黑体" panose="02010609060101010101" pitchFamily="49" charset="-122"/>
-                </a:rPr>
-                <a:t>分</a:t>
-              </a:r>
-              <a:endParaRPr lang="en-US" altLang="zh-CN" dirty="0">
-                <a:solidFill>
-                  <a:schemeClr val="bg1">
-                    <a:lumMod val="95000"/>
-                  </a:schemeClr>
-                </a:solidFill>
-                <a:latin typeface="黑体" panose="02010609060101010101" pitchFamily="49" charset="-122"/>
-                <a:ea typeface="黑体" panose="02010609060101010101" pitchFamily="49" charset="-122"/>
-              </a:endParaRPr>
-            </a:p>
-            <a:p>
-              <a:pPr marL="742950" lvl="1" indent="-285750">
-                <a:lnSpc>
-                  <a:spcPct val="130000"/>
-                </a:lnSpc>
-                <a:spcBef>
-                  <a:spcPts val="200"/>
-                </a:spcBef>
-                <a:spcAft>
-                  <a:spcPts val="200"/>
-                </a:spcAft>
-                <a:buFont typeface="Wingdings" panose="05000000000000000000" pitchFamily="2" charset="2"/>
-                <a:buChar char="Ø"/>
-              </a:pPr>
-              <a:r>
-                <a:rPr lang="zh-CN" altLang="en-US" dirty="0">
-                  <a:solidFill>
-                    <a:schemeClr val="bg1">
-                      <a:lumMod val="95000"/>
-                    </a:schemeClr>
-                  </a:solidFill>
-                  <a:latin typeface="黑体" panose="02010609060101010101" pitchFamily="49" charset="-122"/>
-                  <a:ea typeface="黑体" panose="02010609060101010101" pitchFamily="49" charset="-122"/>
-                </a:rPr>
-                <a:t>若</a:t>
-              </a:r>
-              <a:r>
-                <a:rPr lang="en-US" altLang="zh-CN" dirty="0">
-                  <a:solidFill>
-                    <a:schemeClr val="bg1">
-                      <a:lumMod val="95000"/>
-                    </a:schemeClr>
-                  </a:solidFill>
-                  <a:latin typeface="黑体" panose="02010609060101010101" pitchFamily="49" charset="-122"/>
-                  <a:ea typeface="黑体" panose="02010609060101010101" pitchFamily="49" charset="-122"/>
-                </a:rPr>
-                <a:t>15s</a:t>
-              </a:r>
-              <a:r>
-                <a:rPr lang="zh-CN" altLang="en-US" dirty="0">
-                  <a:solidFill>
-                    <a:schemeClr val="bg1">
-                      <a:lumMod val="95000"/>
-                    </a:schemeClr>
-                  </a:solidFill>
-                  <a:latin typeface="黑体" panose="02010609060101010101" pitchFamily="49" charset="-122"/>
-                  <a:ea typeface="黑体" panose="02010609060101010101" pitchFamily="49" charset="-122"/>
-                </a:rPr>
-                <a:t>内两名玩家都没有抓到羊，不得分</a:t>
-              </a:r>
-              <a:endParaRPr lang="en-US" altLang="zh-CN" dirty="0">
-                <a:solidFill>
-                  <a:schemeClr val="bg1">
-                    <a:lumMod val="95000"/>
-                  </a:schemeClr>
-                </a:solidFill>
-                <a:latin typeface="黑体" panose="02010609060101010101" pitchFamily="49" charset="-122"/>
-                <a:ea typeface="黑体" panose="02010609060101010101" pitchFamily="49" charset="-122"/>
-              </a:endParaRPr>
-            </a:p>
-            <a:p>
-              <a:pPr marL="742950" lvl="1" indent="-285750">
-                <a:lnSpc>
-                  <a:spcPct val="130000"/>
-                </a:lnSpc>
-                <a:spcBef>
-                  <a:spcPts val="200"/>
-                </a:spcBef>
-                <a:spcAft>
-                  <a:spcPts val="200"/>
-                </a:spcAft>
-                <a:buFont typeface="Wingdings" panose="05000000000000000000" pitchFamily="2" charset="2"/>
-                <a:buChar char="Ø"/>
-              </a:pPr>
-              <a:r>
-                <a:rPr lang="zh-CN" altLang="en-US" dirty="0">
-                  <a:solidFill>
-                    <a:schemeClr val="bg1">
-                      <a:lumMod val="95000"/>
-                    </a:schemeClr>
-                  </a:solidFill>
-                  <a:latin typeface="黑体" panose="02010609060101010101" pitchFamily="49" charset="-122"/>
-                  <a:ea typeface="黑体" panose="02010609060101010101" pitchFamily="49" charset="-122"/>
-                </a:rPr>
-                <a:t>游戏包含时间惩罚机制，每轮游戏追逐</a:t>
-              </a:r>
-              <a:r>
-                <a:rPr lang="zh-CN" altLang="en-US" dirty="0">
-                  <a:solidFill>
-                    <a:srgbClr val="92D050"/>
-                  </a:solidFill>
-                  <a:latin typeface="黑体" panose="02010609060101010101" pitchFamily="49" charset="-122"/>
-                  <a:ea typeface="黑体" panose="02010609060101010101" pitchFamily="49" charset="-122"/>
-                </a:rPr>
-                <a:t>时间越长</a:t>
-              </a:r>
-              <a:r>
-                <a:rPr lang="zh-CN" altLang="en-US" dirty="0">
-                  <a:solidFill>
-                    <a:schemeClr val="bg1">
-                      <a:lumMod val="95000"/>
-                    </a:schemeClr>
-                  </a:solidFill>
-                  <a:latin typeface="黑体" panose="02010609060101010101" pitchFamily="49" charset="-122"/>
-                  <a:ea typeface="黑体" panose="02010609060101010101" pitchFamily="49" charset="-122"/>
-                </a:rPr>
-                <a:t>，该轮游戏</a:t>
-              </a:r>
-              <a:r>
-                <a:rPr lang="zh-CN" altLang="en-US" dirty="0">
-                  <a:solidFill>
-                    <a:srgbClr val="92D050"/>
-                  </a:solidFill>
-                  <a:latin typeface="黑体" panose="02010609060101010101" pitchFamily="49" charset="-122"/>
-                  <a:ea typeface="黑体" panose="02010609060101010101" pitchFamily="49" charset="-122"/>
-                </a:rPr>
-                <a:t>惩罚越多</a:t>
-              </a:r>
-              <a:r>
-                <a:rPr lang="zh-CN" altLang="en-US" dirty="0">
-                  <a:solidFill>
-                    <a:schemeClr val="bg1">
-                      <a:lumMod val="95000"/>
-                    </a:schemeClr>
-                  </a:solidFill>
-                  <a:latin typeface="黑体" panose="02010609060101010101" pitchFamily="49" charset="-122"/>
-                  <a:ea typeface="黑体" panose="02010609060101010101" pitchFamily="49" charset="-122"/>
-                </a:rPr>
-                <a:t>（每消耗</a:t>
-              </a:r>
-              <a:r>
-                <a:rPr lang="en-US" altLang="zh-CN" dirty="0">
-                  <a:solidFill>
-                    <a:schemeClr val="bg1">
-                      <a:lumMod val="95000"/>
-                    </a:schemeClr>
-                  </a:solidFill>
-                  <a:latin typeface="黑体" panose="02010609060101010101" pitchFamily="49" charset="-122"/>
-                  <a:ea typeface="黑体" panose="02010609060101010101" pitchFamily="49" charset="-122"/>
-                </a:rPr>
-                <a:t>1s</a:t>
-              </a:r>
-              <a:r>
-                <a:rPr lang="zh-CN" altLang="en-US" dirty="0">
-                  <a:solidFill>
-                    <a:schemeClr val="bg1">
-                      <a:lumMod val="95000"/>
-                    </a:schemeClr>
-                  </a:solidFill>
-                  <a:latin typeface="黑体" panose="02010609060101010101" pitchFamily="49" charset="-122"/>
-                  <a:ea typeface="黑体" panose="02010609060101010101" pitchFamily="49" charset="-122"/>
-                </a:rPr>
-                <a:t>，总分减少</a:t>
-              </a:r>
-              <a:r>
-                <a:rPr lang="en-US" altLang="zh-CN" dirty="0">
-                  <a:solidFill>
-                    <a:schemeClr val="bg1">
-                      <a:lumMod val="95000"/>
-                    </a:schemeClr>
-                  </a:solidFill>
-                  <a:latin typeface="黑体" panose="02010609060101010101" pitchFamily="49" charset="-122"/>
-                  <a:ea typeface="黑体" panose="02010609060101010101" pitchFamily="49" charset="-122"/>
-                </a:rPr>
-                <a:t>0.02</a:t>
-              </a:r>
-              <a:r>
-                <a:rPr lang="zh-CN" altLang="en-US" dirty="0">
-                  <a:solidFill>
-                    <a:schemeClr val="bg1">
-                      <a:lumMod val="95000"/>
-                    </a:schemeClr>
-                  </a:solidFill>
-                  <a:latin typeface="黑体" panose="02010609060101010101" pitchFamily="49" charset="-122"/>
-                  <a:ea typeface="黑体" panose="02010609060101010101" pitchFamily="49" charset="-122"/>
-                </a:rPr>
-                <a:t>分；即未追到羊总分减少</a:t>
-              </a:r>
-              <a:r>
-                <a:rPr lang="en-US" altLang="zh-CN" dirty="0">
-                  <a:solidFill>
-                    <a:schemeClr val="bg1">
-                      <a:lumMod val="95000"/>
-                    </a:schemeClr>
-                  </a:solidFill>
-                  <a:latin typeface="黑体" panose="02010609060101010101" pitchFamily="49" charset="-122"/>
-                  <a:ea typeface="黑体" panose="02010609060101010101" pitchFamily="49" charset="-122"/>
-                </a:rPr>
-                <a:t>0.3</a:t>
-              </a:r>
-              <a:r>
-                <a:rPr lang="zh-CN" altLang="en-US" dirty="0">
-                  <a:solidFill>
-                    <a:schemeClr val="bg1">
-                      <a:lumMod val="95000"/>
-                    </a:schemeClr>
-                  </a:solidFill>
-                  <a:latin typeface="黑体" panose="02010609060101010101" pitchFamily="49" charset="-122"/>
-                  <a:ea typeface="黑体" panose="02010609060101010101" pitchFamily="49" charset="-122"/>
-                </a:rPr>
-                <a:t>分）</a:t>
-              </a:r>
-              <a:endParaRPr lang="en-US" altLang="zh-CN" dirty="0">
-                <a:solidFill>
-                  <a:schemeClr val="bg1">
-                    <a:lumMod val="95000"/>
-                  </a:schemeClr>
-                </a:solidFill>
-                <a:latin typeface="黑体" panose="02010609060101010101" pitchFamily="49" charset="-122"/>
-                <a:ea typeface="黑体" panose="02010609060101010101" pitchFamily="49" charset="-122"/>
-              </a:endParaRPr>
-            </a:p>
-            <a:p>
-              <a:pPr marL="285750" indent="-285750">
-                <a:lnSpc>
-                  <a:spcPct val="130000"/>
-                </a:lnSpc>
-                <a:spcBef>
-                  <a:spcPts val="200"/>
-                </a:spcBef>
-                <a:spcAft>
-                  <a:spcPts val="200"/>
-                </a:spcAft>
-                <a:buFont typeface="Arial" panose="020B0604020202020204" pitchFamily="34" charset="0"/>
-                <a:buChar char="•"/>
-              </a:pPr>
-              <a:r>
-                <a:rPr lang="zh-CN" altLang="en-US" dirty="0">
-                  <a:solidFill>
-                    <a:srgbClr val="92D050"/>
-                  </a:solidFill>
-                  <a:latin typeface="黑体" panose="02010609060101010101" pitchFamily="49" charset="-122"/>
-                  <a:ea typeface="黑体" panose="02010609060101010101" pitchFamily="49" charset="-122"/>
-                </a:rPr>
-                <a:t>游戏结束后总分越高，最终实验报酬越高。</a:t>
-              </a:r>
-              <a:endParaRPr lang="zh-CN" altLang="en-US" dirty="0">
-                <a:solidFill>
-                  <a:schemeClr val="bg1">
-                    <a:lumMod val="95000"/>
-                  </a:schemeClr>
-                </a:solidFill>
-                <a:latin typeface="黑体" panose="02010609060101010101" pitchFamily="49" charset="-122"/>
-                <a:ea typeface="黑体" panose="02010609060101010101" pitchFamily="49" charset="-122"/>
-              </a:endParaRPr>
-            </a:p>
-          </p:txBody>
-        </p:sp>
-      </p:grpSp>
-      <p:grpSp>
-        <p:nvGrpSpPr>
-          <p:cNvPr id="28" name="组合 27">
-            <a:extLst>
-              <a:ext uri="{FF2B5EF4-FFF2-40B4-BE49-F238E27FC236}">
-                <a16:creationId xmlns:a16="http://schemas.microsoft.com/office/drawing/2014/main" id="{DBBBB726-E9F2-4CC7-85AB-2981E06753A2}"/>
-              </a:ext>
-            </a:extLst>
-          </p:cNvPr>
-          <p:cNvGrpSpPr/>
-          <p:nvPr/>
-        </p:nvGrpSpPr>
-        <p:grpSpPr>
-          <a:xfrm>
-            <a:off x="3209427" y="623268"/>
-            <a:ext cx="4120759" cy="3297435"/>
-            <a:chOff x="3124152" y="2088684"/>
-            <a:chExt cx="3763478" cy="3185962"/>
-          </a:xfrm>
-        </p:grpSpPr>
-        <p:sp>
-          <p:nvSpPr>
-            <p:cNvPr id="30" name="矩形 29">
-              <a:extLst>
-                <a:ext uri="{FF2B5EF4-FFF2-40B4-BE49-F238E27FC236}">
-                  <a16:creationId xmlns:a16="http://schemas.microsoft.com/office/drawing/2014/main" id="{30AF6E58-776F-4533-82B8-0D0841C9DD6B}"/>
-                </a:ext>
-              </a:extLst>
-            </p:cNvPr>
-            <p:cNvSpPr/>
-            <p:nvPr/>
-          </p:nvSpPr>
-          <p:spPr>
-            <a:xfrm>
-              <a:off x="3124152" y="2088684"/>
-              <a:ext cx="3763478" cy="3185962"/>
-            </a:xfrm>
-            <a:prstGeom prst="rect">
-              <a:avLst/>
-            </a:prstGeom>
-          </p:spPr>
-          <p:style>
-            <a:lnRef idx="2">
-              <a:schemeClr val="accent3">
-                <a:shade val="50000"/>
-              </a:schemeClr>
-            </a:lnRef>
-            <a:fillRef idx="1">
-              <a:schemeClr val="accent3"/>
-            </a:fillRef>
-            <a:effectRef idx="0">
-              <a:schemeClr val="accent3"/>
-            </a:effectRef>
-            <a:fontRef idx="minor">
-              <a:schemeClr val="lt1"/>
-            </a:fontRef>
-          </p:style>
-          <p:txBody>
-            <a:bodyPr rtlCol="0" anchor="ctr"/>
-            <a:lstStyle/>
-            <a:p>
-              <a:pPr algn="ctr"/>
-              <a:endParaRPr lang="zh-CN" altLang="en-US" dirty="0"/>
-            </a:p>
-          </p:txBody>
-        </p:sp>
-        <p:sp>
-          <p:nvSpPr>
-            <p:cNvPr id="31" name="椭圆 30">
-              <a:extLst>
-                <a:ext uri="{FF2B5EF4-FFF2-40B4-BE49-F238E27FC236}">
-                  <a16:creationId xmlns:a16="http://schemas.microsoft.com/office/drawing/2014/main" id="{6D698182-4DB7-43AA-BD69-4DE602677882}"/>
-                </a:ext>
-              </a:extLst>
-            </p:cNvPr>
-            <p:cNvSpPr/>
-            <p:nvPr/>
-          </p:nvSpPr>
-          <p:spPr>
-            <a:xfrm>
-              <a:off x="3898231" y="2569945"/>
-              <a:ext cx="173256" cy="173256"/>
-            </a:xfrm>
-            <a:prstGeom prst="ellipse">
-              <a:avLst/>
-            </a:prstGeom>
-          </p:spPr>
-          <p:style>
-            <a:lnRef idx="2">
-              <a:schemeClr val="accent1">
-                <a:shade val="50000"/>
-              </a:schemeClr>
-            </a:lnRef>
-            <a:fillRef idx="1">
-              <a:schemeClr val="accent1"/>
-            </a:fillRef>
-            <a:effectRef idx="0">
-              <a:schemeClr val="accent1"/>
-            </a:effectRef>
-            <a:fontRef idx="minor">
-              <a:schemeClr val="lt1"/>
-            </a:fontRef>
-          </p:style>
-          <p:txBody>
-            <a:bodyPr rtlCol="0" anchor="ctr"/>
-            <a:lstStyle/>
-            <a:p>
-              <a:pPr algn="ctr"/>
-              <a:endParaRPr lang="zh-CN" altLang="en-US"/>
-            </a:p>
-          </p:txBody>
-        </p:sp>
-        <p:sp>
-          <p:nvSpPr>
-            <p:cNvPr id="32" name="椭圆 31">
-              <a:extLst>
-                <a:ext uri="{FF2B5EF4-FFF2-40B4-BE49-F238E27FC236}">
-                  <a16:creationId xmlns:a16="http://schemas.microsoft.com/office/drawing/2014/main" id="{3C8F76C9-44E2-415B-BA41-1A078A31ACA2}"/>
-                </a:ext>
-              </a:extLst>
-            </p:cNvPr>
-            <p:cNvSpPr/>
-            <p:nvPr/>
-          </p:nvSpPr>
-          <p:spPr>
-            <a:xfrm>
-              <a:off x="6081562" y="3049604"/>
-              <a:ext cx="173256" cy="173256"/>
-            </a:xfrm>
-            <a:prstGeom prst="ellipse">
-              <a:avLst/>
-            </a:prstGeom>
-          </p:spPr>
-          <p:style>
-            <a:lnRef idx="2">
-              <a:schemeClr val="accent1">
-                <a:shade val="50000"/>
-              </a:schemeClr>
-            </a:lnRef>
-            <a:fillRef idx="1">
-              <a:schemeClr val="accent1"/>
-            </a:fillRef>
-            <a:effectRef idx="0">
-              <a:schemeClr val="accent1"/>
-            </a:effectRef>
-            <a:fontRef idx="minor">
-              <a:schemeClr val="lt1"/>
-            </a:fontRef>
-          </p:style>
-          <p:txBody>
-            <a:bodyPr rtlCol="0" anchor="ctr"/>
-            <a:lstStyle/>
-            <a:p>
-              <a:pPr algn="ctr"/>
-              <a:endParaRPr lang="zh-CN" altLang="en-US"/>
-            </a:p>
-          </p:txBody>
-        </p:sp>
-        <p:sp>
-          <p:nvSpPr>
-            <p:cNvPr id="33" name="椭圆 32">
-              <a:extLst>
-                <a:ext uri="{FF2B5EF4-FFF2-40B4-BE49-F238E27FC236}">
-                  <a16:creationId xmlns:a16="http://schemas.microsoft.com/office/drawing/2014/main" id="{5A1D9375-9192-42A8-B9C8-3E75FA7C6BD6}"/>
-                </a:ext>
-              </a:extLst>
-            </p:cNvPr>
-            <p:cNvSpPr/>
-            <p:nvPr/>
-          </p:nvSpPr>
-          <p:spPr>
-            <a:xfrm>
-              <a:off x="4198125" y="3438626"/>
-              <a:ext cx="173256" cy="173256"/>
-            </a:xfrm>
-            <a:prstGeom prst="ellipse">
-              <a:avLst/>
-            </a:prstGeom>
-          </p:spPr>
-          <p:style>
-            <a:lnRef idx="2">
-              <a:schemeClr val="accent1">
-                <a:shade val="50000"/>
-              </a:schemeClr>
-            </a:lnRef>
-            <a:fillRef idx="1">
-              <a:schemeClr val="accent1"/>
-            </a:fillRef>
-            <a:effectRef idx="0">
-              <a:schemeClr val="accent1"/>
-            </a:effectRef>
-            <a:fontRef idx="minor">
-              <a:schemeClr val="lt1"/>
-            </a:fontRef>
-          </p:style>
-          <p:txBody>
-            <a:bodyPr rtlCol="0" anchor="ctr"/>
-            <a:lstStyle/>
-            <a:p>
-              <a:pPr algn="ctr"/>
-              <a:endParaRPr lang="zh-CN" altLang="en-US"/>
-            </a:p>
-          </p:txBody>
-        </p:sp>
-        <p:sp>
-          <p:nvSpPr>
-            <p:cNvPr id="34" name="椭圆 33">
-              <a:extLst>
-                <a:ext uri="{FF2B5EF4-FFF2-40B4-BE49-F238E27FC236}">
-                  <a16:creationId xmlns:a16="http://schemas.microsoft.com/office/drawing/2014/main" id="{4E0DEF07-B894-4F3B-97DD-D1A166937BCF}"/>
-                </a:ext>
-              </a:extLst>
-            </p:cNvPr>
-            <p:cNvSpPr/>
-            <p:nvPr/>
-          </p:nvSpPr>
-          <p:spPr>
-            <a:xfrm>
-              <a:off x="5005891" y="4676273"/>
-              <a:ext cx="173256" cy="173256"/>
-            </a:xfrm>
-            <a:prstGeom prst="ellipse">
-              <a:avLst/>
-            </a:prstGeom>
-          </p:spPr>
-          <p:style>
-            <a:lnRef idx="2">
-              <a:schemeClr val="accent1">
-                <a:shade val="50000"/>
-              </a:schemeClr>
-            </a:lnRef>
-            <a:fillRef idx="1">
-              <a:schemeClr val="accent1"/>
-            </a:fillRef>
-            <a:effectRef idx="0">
-              <a:schemeClr val="accent1"/>
-            </a:effectRef>
-            <a:fontRef idx="minor">
-              <a:schemeClr val="lt1"/>
-            </a:fontRef>
-          </p:style>
-          <p:txBody>
-            <a:bodyPr rtlCol="0" anchor="ctr"/>
-            <a:lstStyle/>
-            <a:p>
-              <a:pPr algn="ctr"/>
-              <a:endParaRPr lang="zh-CN" altLang="en-US"/>
-            </a:p>
-          </p:txBody>
-        </p:sp>
-        <p:sp>
-          <p:nvSpPr>
-            <p:cNvPr id="35" name="椭圆 34">
-              <a:extLst>
-                <a:ext uri="{FF2B5EF4-FFF2-40B4-BE49-F238E27FC236}">
-                  <a16:creationId xmlns:a16="http://schemas.microsoft.com/office/drawing/2014/main" id="{9970886E-42A4-4CBF-8328-809AA0535E2E}"/>
-                </a:ext>
-              </a:extLst>
-            </p:cNvPr>
-            <p:cNvSpPr/>
-            <p:nvPr/>
-          </p:nvSpPr>
-          <p:spPr>
-            <a:xfrm>
-              <a:off x="5134040" y="3525254"/>
-              <a:ext cx="173256" cy="173256"/>
-            </a:xfrm>
-            <a:prstGeom prst="ellipse">
-              <a:avLst/>
-            </a:prstGeom>
-            <a:solidFill>
-              <a:srgbClr val="FF0000"/>
-            </a:solidFill>
-            <a:ln>
-              <a:solidFill>
-                <a:srgbClr val="C00000"/>
-              </a:solidFill>
-            </a:ln>
-          </p:spPr>
-          <p:style>
-            <a:lnRef idx="2">
-              <a:schemeClr val="accent1">
-                <a:shade val="50000"/>
-              </a:schemeClr>
-            </a:lnRef>
-            <a:fillRef idx="1">
-              <a:schemeClr val="accent1"/>
-            </a:fillRef>
-            <a:effectRef idx="0">
-              <a:schemeClr val="accent1"/>
-            </a:effectRef>
-            <a:fontRef idx="minor">
-              <a:schemeClr val="lt1"/>
-            </a:fontRef>
-          </p:style>
-          <p:txBody>
-            <a:bodyPr rtlCol="0" anchor="ctr"/>
-            <a:lstStyle/>
-            <a:p>
-              <a:pPr algn="ctr"/>
-              <a:endParaRPr lang="zh-CN" altLang="en-US"/>
-            </a:p>
-          </p:txBody>
-        </p:sp>
-        <p:sp>
-          <p:nvSpPr>
-            <p:cNvPr id="36" name="椭圆 35">
-              <a:extLst>
-                <a:ext uri="{FF2B5EF4-FFF2-40B4-BE49-F238E27FC236}">
-                  <a16:creationId xmlns:a16="http://schemas.microsoft.com/office/drawing/2014/main" id="{BD2C6CBD-A3F6-4064-BF49-0C6D59FA828E}"/>
-                </a:ext>
-              </a:extLst>
-            </p:cNvPr>
-            <p:cNvSpPr/>
-            <p:nvPr/>
-          </p:nvSpPr>
-          <p:spPr>
-            <a:xfrm>
-              <a:off x="5975684" y="3792354"/>
-              <a:ext cx="173256" cy="173256"/>
-            </a:xfrm>
-            <a:prstGeom prst="ellipse">
-              <a:avLst/>
-            </a:prstGeom>
-          </p:spPr>
-          <p:style>
-            <a:lnRef idx="2">
-              <a:schemeClr val="accent4">
-                <a:shade val="50000"/>
-              </a:schemeClr>
-            </a:lnRef>
-            <a:fillRef idx="1">
-              <a:schemeClr val="accent4"/>
-            </a:fillRef>
-            <a:effectRef idx="0">
-              <a:schemeClr val="accent4"/>
-            </a:effectRef>
-            <a:fontRef idx="minor">
-              <a:schemeClr val="lt1"/>
-            </a:fontRef>
-          </p:style>
-          <p:txBody>
-            <a:bodyPr rtlCol="0" anchor="ctr"/>
-            <a:lstStyle/>
-            <a:p>
-              <a:pPr algn="ctr"/>
-              <a:endParaRPr lang="zh-CN" altLang="en-US"/>
-            </a:p>
-          </p:txBody>
-        </p:sp>
-        <p:sp>
-          <p:nvSpPr>
-            <p:cNvPr id="37" name="文本框 36">
-              <a:extLst>
-                <a:ext uri="{FF2B5EF4-FFF2-40B4-BE49-F238E27FC236}">
-                  <a16:creationId xmlns:a16="http://schemas.microsoft.com/office/drawing/2014/main" id="{81E14B03-F2DE-433D-9262-3756A52F4F35}"/>
-                </a:ext>
-              </a:extLst>
-            </p:cNvPr>
-            <p:cNvSpPr txBox="1"/>
-            <p:nvPr/>
-          </p:nvSpPr>
-          <p:spPr>
-            <a:xfrm>
-              <a:off x="4271151" y="2136610"/>
-              <a:ext cx="2396245" cy="432534"/>
-            </a:xfrm>
-            <a:prstGeom prst="rect">
-              <a:avLst/>
-            </a:prstGeom>
-            <a:noFill/>
-          </p:spPr>
-          <p:txBody>
-            <a:bodyPr wrap="none" rtlCol="0">
-              <a:spAutoFit/>
-            </a:bodyPr>
-            <a:lstStyle/>
-            <a:p>
-              <a:r>
-                <a:rPr lang="en-US" altLang="zh-CN" b="1" dirty="0" err="1">
-                  <a:solidFill>
-                    <a:srgbClr val="FF0000"/>
-                  </a:solidFill>
-                </a:rPr>
-                <a:t>TotalScore</a:t>
-              </a:r>
-              <a:r>
-                <a:rPr lang="zh-CN" altLang="en-US" b="1" dirty="0">
-                  <a:solidFill>
-                    <a:srgbClr val="FF0000"/>
-                  </a:solidFill>
-                </a:rPr>
-                <a:t>：</a:t>
-              </a:r>
-              <a:r>
-                <a:rPr lang="en-US" altLang="zh-CN" b="1" dirty="0">
-                  <a:solidFill>
-                    <a:srgbClr val="FF0000"/>
-                  </a:solidFill>
-                </a:rPr>
-                <a:t> 13.08</a:t>
-              </a:r>
-              <a:endParaRPr lang="zh-CN" altLang="en-US" b="1" dirty="0">
-                <a:solidFill>
-                  <a:srgbClr val="FF0000"/>
-                </a:solidFill>
-              </a:endParaRPr>
-            </a:p>
-          </p:txBody>
-        </p:sp>
-        <p:cxnSp>
-          <p:nvCxnSpPr>
-            <p:cNvPr id="38" name="连接符: 曲线 37">
-              <a:extLst>
-                <a:ext uri="{FF2B5EF4-FFF2-40B4-BE49-F238E27FC236}">
-                  <a16:creationId xmlns:a16="http://schemas.microsoft.com/office/drawing/2014/main" id="{4C0DC55E-F39C-46FB-9714-4AEA7776C531}"/>
-                </a:ext>
-              </a:extLst>
-            </p:cNvPr>
-            <p:cNvCxnSpPr>
-              <a:cxnSpLocks/>
-              <a:stCxn id="35" idx="0"/>
-            </p:cNvCxnSpPr>
-            <p:nvPr/>
-          </p:nvCxnSpPr>
-          <p:spPr>
-            <a:xfrm rot="5400000" flipH="1" flipV="1">
-              <a:off x="5446979" y="2909921"/>
-              <a:ext cx="389022" cy="841644"/>
-            </a:xfrm>
-            <a:prstGeom prst="curvedConnector2">
-              <a:avLst/>
-            </a:prstGeom>
-            <a:ln>
-              <a:tailEnd type="triangle"/>
-            </a:ln>
-          </p:spPr>
-          <p:style>
-            <a:lnRef idx="1">
-              <a:schemeClr val="dk1"/>
-            </a:lnRef>
-            <a:fillRef idx="0">
-              <a:schemeClr val="dk1"/>
-            </a:fillRef>
-            <a:effectRef idx="0">
-              <a:schemeClr val="dk1"/>
-            </a:effectRef>
-            <a:fontRef idx="minor">
-              <a:schemeClr val="tx1"/>
-            </a:fontRef>
-          </p:style>
-        </p:cxnSp>
-        <p:cxnSp>
-          <p:nvCxnSpPr>
-            <p:cNvPr id="39" name="连接符: 曲线 38">
-              <a:extLst>
-                <a:ext uri="{FF2B5EF4-FFF2-40B4-BE49-F238E27FC236}">
-                  <a16:creationId xmlns:a16="http://schemas.microsoft.com/office/drawing/2014/main" id="{3268B044-4198-4CA6-B9F8-AFA74200B720}"/>
-                </a:ext>
-              </a:extLst>
-            </p:cNvPr>
-            <p:cNvCxnSpPr>
-              <a:cxnSpLocks/>
-              <a:stCxn id="36" idx="6"/>
-            </p:cNvCxnSpPr>
-            <p:nvPr/>
-          </p:nvCxnSpPr>
-          <p:spPr>
-            <a:xfrm flipV="1">
-              <a:off x="6148940" y="3288632"/>
-              <a:ext cx="65772" cy="590350"/>
-            </a:xfrm>
-            <a:prstGeom prst="curvedConnector2">
-              <a:avLst/>
-            </a:prstGeom>
-            <a:ln>
-              <a:tailEnd type="triangle"/>
-            </a:ln>
-          </p:spPr>
-          <p:style>
-            <a:lnRef idx="1">
-              <a:schemeClr val="dk1"/>
-            </a:lnRef>
-            <a:fillRef idx="0">
-              <a:schemeClr val="dk1"/>
-            </a:fillRef>
-            <a:effectRef idx="0">
-              <a:schemeClr val="dk1"/>
-            </a:effectRef>
-            <a:fontRef idx="minor">
-              <a:schemeClr val="tx1"/>
-            </a:fontRef>
-          </p:style>
-        </p:cxnSp>
-      </p:grpSp>
-    </p:spTree>
-    <p:extLst>
-      <p:ext uri="{BB962C8B-B14F-4D97-AF65-F5344CB8AC3E}">
-        <p14:creationId xmlns:p14="http://schemas.microsoft.com/office/powerpoint/2010/main" val="2830850117"/>
-      </p:ext>
-    </p:extLst>
-  </p:cSld>
-  <p:clrMapOvr>
-    <a:masterClrMapping/>
-  </p:clrMapOvr>
-</p:sld>
-</file>
-
-<file path=ppt/slides/slide8.xml><?xml version="1.0" encoding="utf-8"?>
 <p:sld xmlns:a="http://schemas.openxmlformats.org/drawingml/2006/main" xmlns:r="http://schemas.openxmlformats.org/officeDocument/2006/relationships" xmlns:p="http://schemas.openxmlformats.org/presentationml/2006/main">
   <p:cSld>
     <p:spTree>
@@ -10233,7 +7574,7 @@
           <p:spPr>
             <a:xfrm>
               <a:off x="1257300" y="726389"/>
-              <a:ext cx="7879976" cy="5176417"/>
+              <a:ext cx="7879976" cy="5059527"/>
             </a:xfrm>
             <a:prstGeom prst="rect">
               <a:avLst/>
@@ -10258,7 +7599,7 @@
                 </a:spcAft>
               </a:pPr>
               <a:r>
-                <a:rPr lang="zh-CN" altLang="en-US" dirty="0">
+                <a:rPr lang="zh-CN" altLang="en-US" b="1" dirty="0">
                   <a:solidFill>
                     <a:schemeClr val="bg1">
                       <a:lumMod val="95000"/>
@@ -10269,7 +7610,7 @@
                 </a:rPr>
                 <a:t>您好，欢迎参与“狼追羊”游戏！</a:t>
               </a:r>
-              <a:endParaRPr lang="en-US" altLang="zh-CN" dirty="0">
+              <a:endParaRPr lang="en-US" altLang="zh-CN" b="1" dirty="0">
                 <a:solidFill>
                   <a:schemeClr val="bg1">
                     <a:lumMod val="95000"/>
@@ -10292,7 +7633,7 @@
                 </a:spcAft>
               </a:pPr>
               <a:r>
-                <a:rPr lang="zh-CN" altLang="en-US" dirty="0">
+                <a:rPr lang="zh-CN" altLang="en-US" b="1" dirty="0">
                   <a:solidFill>
                     <a:schemeClr val="bg1">
                       <a:lumMod val="95000"/>
@@ -10301,9 +7642,9 @@
                   <a:latin typeface="黑体" panose="02010609060101010101" pitchFamily="49" charset="-122"/>
                   <a:ea typeface="黑体" panose="02010609060101010101" pitchFamily="49" charset="-122"/>
                 </a:rPr>
-                <a:t>游戏即将开始，您可以通过操纵游戏手柄左上角的遥杆来控制狼的移动</a:t>
+                <a:t>游戏即将开始，您可以通过操纵游戏手柄左上角的摇杆来控制狼的移动</a:t>
               </a:r>
-              <a:endParaRPr lang="en-US" altLang="zh-CN" dirty="0">
+              <a:endParaRPr lang="en-US" altLang="zh-CN" b="1" dirty="0">
                 <a:solidFill>
                   <a:schemeClr val="bg1">
                     <a:lumMod val="95000"/>
@@ -10325,7 +7666,7 @@
                   <a:spcPts val="200"/>
                 </a:spcAft>
               </a:pPr>
-              <a:endParaRPr lang="en-US" altLang="zh-CN" dirty="0">
+              <a:endParaRPr lang="en-US" altLang="zh-CN" b="1" dirty="0">
                 <a:solidFill>
                   <a:schemeClr val="bg1">
                     <a:lumMod val="95000"/>
@@ -10347,7 +7688,7 @@
                   <a:spcPts val="200"/>
                 </a:spcAft>
               </a:pPr>
-              <a:endParaRPr lang="en-US" altLang="zh-CN" dirty="0">
+              <a:endParaRPr lang="en-US" altLang="zh-CN" b="1" dirty="0">
                 <a:solidFill>
                   <a:schemeClr val="bg1">
                     <a:lumMod val="95000"/>
@@ -10369,7 +7710,7 @@
                   <a:spcPts val="200"/>
                 </a:spcAft>
               </a:pPr>
-              <a:endParaRPr lang="en-US" altLang="zh-CN" dirty="0">
+              <a:endParaRPr lang="en-US" altLang="zh-CN" b="1" dirty="0">
                 <a:solidFill>
                   <a:schemeClr val="bg1">
                     <a:lumMod val="95000"/>
@@ -10392,7 +7733,7 @@
                 </a:spcAft>
               </a:pPr>
               <a:r>
-                <a:rPr lang="zh-CN" altLang="en-US" dirty="0">
+                <a:rPr lang="zh-CN" altLang="en-US" b="1" dirty="0">
                   <a:solidFill>
                     <a:schemeClr val="bg1">
                       <a:lumMod val="95000"/>
@@ -10403,7 +7744,7 @@
                 </a:rPr>
                 <a:t>再次提醒：</a:t>
               </a:r>
-              <a:endParaRPr lang="en-US" altLang="zh-CN" dirty="0">
+              <a:endParaRPr lang="en-US" altLang="zh-CN" b="1" dirty="0">
                 <a:solidFill>
                   <a:schemeClr val="bg1">
                     <a:lumMod val="95000"/>
@@ -10426,7 +7767,7 @@
                 </a:spcAft>
               </a:pPr>
               <a:r>
-                <a:rPr lang="en-US" altLang="zh-CN" dirty="0">
+                <a:rPr lang="en-US" altLang="zh-CN" b="1" dirty="0">
                   <a:solidFill>
                     <a:schemeClr val="bg1">
                       <a:lumMod val="95000"/>
@@ -10438,7 +7779,7 @@
                 <a:t>1</a:t>
               </a:r>
               <a:r>
-                <a:rPr lang="zh-CN" altLang="en-US" dirty="0">
+                <a:rPr lang="zh-CN" altLang="en-US" b="1" dirty="0">
                   <a:solidFill>
                     <a:schemeClr val="bg1">
                       <a:lumMod val="95000"/>
@@ -10450,7 +7791,7 @@
                 <a:t>）游戏任务是尽快地在</a:t>
               </a:r>
               <a:r>
-                <a:rPr lang="zh-CN" altLang="en-US" dirty="0">
+                <a:rPr lang="zh-CN" altLang="en-US" b="1" dirty="0">
                   <a:solidFill>
                     <a:srgbClr val="FF0000"/>
                   </a:solidFill>
@@ -10460,7 +7801,7 @@
                 <a:t>规定时间内（</a:t>
               </a:r>
               <a:r>
-                <a:rPr lang="en-US" altLang="zh-CN" dirty="0">
+                <a:rPr lang="en-US" altLang="zh-CN" b="1" dirty="0">
                   <a:solidFill>
                     <a:srgbClr val="FF0000"/>
                   </a:solidFill>
@@ -10470,7 +7811,7 @@
                 <a:t>15s</a:t>
               </a:r>
               <a:r>
-                <a:rPr lang="zh-CN" altLang="en-US" dirty="0">
+                <a:rPr lang="zh-CN" altLang="en-US" b="1" dirty="0">
                   <a:solidFill>
                     <a:srgbClr val="FF0000"/>
                   </a:solidFill>
@@ -10480,7 +7821,7 @@
                 <a:t>）</a:t>
               </a:r>
               <a:r>
-                <a:rPr lang="zh-CN" altLang="en-US" dirty="0">
+                <a:rPr lang="zh-CN" altLang="en-US" b="1" dirty="0">
                   <a:solidFill>
                     <a:schemeClr val="bg1">
                       <a:lumMod val="95000"/>
@@ -10492,17 +7833,17 @@
                 <a:t>抓住屏幕中跑动的羊（</a:t>
               </a:r>
               <a:r>
-                <a:rPr lang="zh-CN" altLang="en-US" dirty="0">
+                <a:rPr lang="zh-CN" altLang="en-US" b="1" dirty="0">
                   <a:solidFill>
-                    <a:srgbClr val="0070C0"/>
+                    <a:srgbClr val="FFA500"/>
                   </a:solidFill>
                   <a:latin typeface="黑体" panose="02010609060101010101" pitchFamily="49" charset="-122"/>
                   <a:ea typeface="黑体" panose="02010609060101010101" pitchFamily="49" charset="-122"/>
                 </a:rPr>
-                <a:t>蓝色小球</a:t>
+                <a:t>黄色小球</a:t>
               </a:r>
               <a:r>
-                <a:rPr lang="zh-CN" altLang="en-US" dirty="0">
+                <a:rPr lang="zh-CN" altLang="en-US" b="1" dirty="0">
                   <a:solidFill>
                     <a:schemeClr val="bg1">
                       <a:lumMod val="95000"/>
@@ -10513,7 +7854,7 @@
                 </a:rPr>
                 <a:t>）</a:t>
               </a:r>
-              <a:endParaRPr lang="en-US" altLang="zh-CN" dirty="0">
+              <a:endParaRPr lang="en-US" altLang="zh-CN" b="1" dirty="0">
                 <a:solidFill>
                   <a:schemeClr val="bg1">
                     <a:lumMod val="95000"/>
@@ -10536,7 +7877,7 @@
                 </a:spcAft>
               </a:pPr>
               <a:r>
-                <a:rPr lang="en-US" altLang="zh-CN" dirty="0">
+                <a:rPr lang="en-US" altLang="zh-CN" b="1" dirty="0">
                   <a:solidFill>
                     <a:schemeClr val="bg1">
                       <a:lumMod val="95000"/>
@@ -10548,7 +7889,7 @@
                 <a:t>2</a:t>
               </a:r>
               <a:r>
-                <a:rPr lang="zh-CN" altLang="en-US" dirty="0">
+                <a:rPr lang="zh-CN" altLang="en-US" b="1" dirty="0">
                   <a:solidFill>
                     <a:schemeClr val="bg1">
                       <a:lumMod val="95000"/>
@@ -10560,7 +7901,7 @@
                 <a:t>）</a:t>
               </a:r>
               <a:r>
-                <a:rPr lang="zh-CN" altLang="en-US" dirty="0">
+                <a:rPr lang="zh-CN" altLang="en-US" b="1" dirty="0">
                   <a:solidFill>
                     <a:srgbClr val="FF0000"/>
                   </a:solidFill>
@@ -10570,7 +7911,7 @@
                 <a:t>每抓到一只羊</a:t>
               </a:r>
               <a:r>
-                <a:rPr lang="zh-CN" altLang="en-US" dirty="0">
+                <a:rPr lang="zh-CN" altLang="en-US" b="1" dirty="0">
                   <a:solidFill>
                     <a:schemeClr val="bg1">
                       <a:lumMod val="95000"/>
@@ -10582,7 +7923,7 @@
                 <a:t>或</a:t>
               </a:r>
               <a:r>
-                <a:rPr lang="en-US" altLang="zh-CN" dirty="0">
+                <a:rPr lang="en-US" altLang="zh-CN" b="1" dirty="0">
                   <a:solidFill>
                     <a:srgbClr val="FF0000"/>
                   </a:solidFill>
@@ -10592,7 +7933,7 @@
                 <a:t>15s</a:t>
               </a:r>
               <a:r>
-                <a:rPr lang="zh-CN" altLang="en-US" dirty="0">
+                <a:rPr lang="zh-CN" altLang="en-US" b="1" dirty="0">
                   <a:solidFill>
                     <a:srgbClr val="FF0000"/>
                   </a:solidFill>
@@ -10602,7 +7943,7 @@
                 <a:t>内两名玩家均未抓到羊</a:t>
               </a:r>
               <a:r>
-                <a:rPr lang="zh-CN" altLang="en-US" dirty="0">
+                <a:rPr lang="zh-CN" altLang="en-US" b="1" dirty="0">
                   <a:solidFill>
                     <a:schemeClr val="bg1">
                       <a:lumMod val="95000"/>
@@ -10613,7 +7954,7 @@
                 </a:rPr>
                 <a:t>，则立即进入下一轮游戏。此时游戏界面刷新，两名玩家的位置也会刷新</a:t>
               </a:r>
-              <a:endParaRPr lang="en-US" altLang="zh-CN" dirty="0">
+              <a:endParaRPr lang="en-US" altLang="zh-CN" b="1" dirty="0">
                 <a:solidFill>
                   <a:schemeClr val="bg1">
                     <a:lumMod val="95000"/>
@@ -10636,7 +7977,7 @@
                 </a:spcAft>
               </a:pPr>
               <a:r>
-                <a:rPr lang="en-US" altLang="zh-CN" dirty="0">
+                <a:rPr lang="en-US" altLang="zh-CN" b="1" dirty="0">
                   <a:solidFill>
                     <a:schemeClr val="bg1">
                       <a:lumMod val="95000"/>
@@ -10648,7 +7989,7 @@
                 <a:t>3</a:t>
               </a:r>
               <a:r>
-                <a:rPr lang="zh-CN" altLang="en-US" dirty="0">
+                <a:rPr lang="zh-CN" altLang="en-US" b="1" dirty="0">
                   <a:solidFill>
                     <a:schemeClr val="bg1">
                       <a:lumMod val="95000"/>
@@ -10659,7 +8000,7 @@
                 </a:rPr>
                 <a:t>）实验报酬和最终总分数相关</a:t>
               </a:r>
-              <a:endParaRPr lang="en-US" altLang="zh-CN" dirty="0">
+              <a:endParaRPr lang="en-US" altLang="zh-CN" b="1" dirty="0">
                 <a:solidFill>
                   <a:schemeClr val="bg1">
                     <a:lumMod val="95000"/>
@@ -10682,7 +8023,7 @@
                 </a:spcAft>
               </a:pPr>
               <a:r>
-                <a:rPr lang="zh-CN" altLang="en-US" dirty="0">
+                <a:rPr lang="zh-CN" altLang="en-US" b="1" dirty="0">
                   <a:solidFill>
                     <a:schemeClr val="bg1">
                       <a:lumMod val="95000"/>
@@ -10786,7 +8127,7 @@
 </p:sld>
 </file>
 
-<file path=ppt/slides/slide9.xml><?xml version="1.0" encoding="utf-8"?>
+<file path=ppt/slides/slide6.xml><?xml version="1.0" encoding="utf-8"?>
 <p:sld xmlns:a="http://schemas.openxmlformats.org/drawingml/2006/main" xmlns:r="http://schemas.openxmlformats.org/officeDocument/2006/relationships" xmlns:p="http://schemas.openxmlformats.org/presentationml/2006/main">
   <p:cSld>
     <p:spTree>
@@ -10888,6 +8229,110 @@
     <p:extLst>
       <p:ext uri="{BB962C8B-B14F-4D97-AF65-F5344CB8AC3E}">
         <p14:creationId xmlns:p14="http://schemas.microsoft.com/office/powerpoint/2010/main" val="2676883907"/>
+      </p:ext>
+    </p:extLst>
+  </p:cSld>
+  <p:clrMapOvr>
+    <a:masterClrMapping/>
+  </p:clrMapOvr>
+</p:sld>
+</file>
+
+<file path=ppt/slides/slide7.xml><?xml version="1.0" encoding="utf-8"?>
+<p:sld xmlns:a="http://schemas.openxmlformats.org/drawingml/2006/main" xmlns:r="http://schemas.openxmlformats.org/officeDocument/2006/relationships" xmlns:p="http://schemas.openxmlformats.org/presentationml/2006/main">
+  <p:cSld>
+    <p:spTree>
+      <p:nvGrpSpPr>
+        <p:cNvPr id="1" name=""/>
+        <p:cNvGrpSpPr/>
+        <p:nvPr/>
+      </p:nvGrpSpPr>
+      <p:grpSpPr>
+        <a:xfrm>
+          <a:off x="0" y="0"/>
+          <a:ext cx="0" cy="0"/>
+          <a:chOff x="0" y="0"/>
+          <a:chExt cx="0" cy="0"/>
+        </a:xfrm>
+      </p:grpSpPr>
+      <p:sp>
+        <p:nvSpPr>
+          <p:cNvPr id="4" name="矩形 3"/>
+          <p:cNvSpPr/>
+          <p:nvPr/>
+        </p:nvSpPr>
+        <p:spPr>
+          <a:xfrm>
+            <a:off x="887506" y="416859"/>
+            <a:ext cx="8767482" cy="6131859"/>
+          </a:xfrm>
+          <a:prstGeom prst="rect">
+            <a:avLst/>
+          </a:prstGeom>
+          <a:solidFill>
+            <a:schemeClr val="bg2">
+              <a:lumMod val="25000"/>
+            </a:schemeClr>
+          </a:solidFill>
+          <a:ln>
+            <a:noFill/>
+          </a:ln>
+        </p:spPr>
+        <p:style>
+          <a:lnRef idx="3">
+            <a:schemeClr val="lt1"/>
+          </a:lnRef>
+          <a:fillRef idx="1">
+            <a:schemeClr val="accent3"/>
+          </a:fillRef>
+          <a:effectRef idx="1">
+            <a:schemeClr val="accent3"/>
+          </a:effectRef>
+          <a:fontRef idx="minor">
+            <a:schemeClr val="lt1"/>
+          </a:fontRef>
+        </p:style>
+        <p:txBody>
+          <a:bodyPr rtlCol="0" anchor="ctr"/>
+          <a:lstStyle/>
+          <a:p>
+            <a:pPr lvl="6">
+              <a:lnSpc>
+                <a:spcPct val="150000"/>
+              </a:lnSpc>
+            </a:pPr>
+            <a:r>
+              <a:rPr lang="zh-CN" altLang="en-US" sz="5400" b="1" dirty="0">
+                <a:latin typeface="黑体" panose="02010609060101010101" pitchFamily="49" charset="-122"/>
+                <a:ea typeface="黑体" panose="02010609060101010101" pitchFamily="49" charset="-122"/>
+              </a:rPr>
+              <a:t>实验结束，</a:t>
+            </a:r>
+            <a:endParaRPr lang="en-US" altLang="zh-CN" sz="5400" b="1" dirty="0">
+              <a:latin typeface="黑体" panose="02010609060101010101" pitchFamily="49" charset="-122"/>
+              <a:ea typeface="黑体" panose="02010609060101010101" pitchFamily="49" charset="-122"/>
+            </a:endParaRPr>
+          </a:p>
+          <a:p>
+            <a:pPr lvl="6">
+              <a:lnSpc>
+                <a:spcPct val="150000"/>
+              </a:lnSpc>
+            </a:pPr>
+            <a:r>
+              <a:rPr lang="zh-CN" altLang="en-US" sz="5400" b="1" dirty="0">
+                <a:latin typeface="黑体" panose="02010609060101010101" pitchFamily="49" charset="-122"/>
+                <a:ea typeface="黑体" panose="02010609060101010101" pitchFamily="49" charset="-122"/>
+              </a:rPr>
+              <a:t>请联系主试。</a:t>
+            </a:r>
+          </a:p>
+        </p:txBody>
+      </p:sp>
+    </p:spTree>
+    <p:extLst>
+      <p:ext uri="{BB962C8B-B14F-4D97-AF65-F5344CB8AC3E}">
+        <p14:creationId xmlns:p14="http://schemas.microsoft.com/office/powerpoint/2010/main" val="856994835"/>
       </p:ext>
     </p:extLst>
   </p:cSld>

--- a/pictures/introduction.pptx
+++ b/pictures/introduction.pptx
@@ -5,7 +5,7 @@
     <p:sldMasterId id="2147483648" r:id="rId1"/>
   </p:sldMasterIdLst>
   <p:notesMasterIdLst>
-    <p:notesMasterId r:id="rId9"/>
+    <p:notesMasterId r:id="rId13"/>
   </p:notesMasterIdLst>
   <p:sldIdLst>
     <p:sldId id="261" r:id="rId2"/>
@@ -13,8 +13,12 @@
     <p:sldId id="268" r:id="rId4"/>
     <p:sldId id="275" r:id="rId5"/>
     <p:sldId id="274" r:id="rId6"/>
-    <p:sldId id="260" r:id="rId7"/>
-    <p:sldId id="259" r:id="rId8"/>
+    <p:sldId id="278" r:id="rId7"/>
+    <p:sldId id="260" r:id="rId8"/>
+    <p:sldId id="277" r:id="rId9"/>
+    <p:sldId id="276" r:id="rId10"/>
+    <p:sldId id="279" r:id="rId11"/>
+    <p:sldId id="259" r:id="rId12"/>
   </p:sldIdLst>
   <p:sldSz cx="12192000" cy="6858000"/>
   <p:notesSz cx="6858000" cy="9144000"/>
@@ -127,7 +131,11 @@
         <p14:section name="insert pictures" id="{0987D39C-2E96-485A-8C68-510B317FB800}">
           <p14:sldIdLst>
             <p14:sldId id="274"/>
+            <p14:sldId id="278"/>
             <p14:sldId id="260"/>
+            <p14:sldId id="277"/>
+            <p14:sldId id="276"/>
+            <p14:sldId id="279"/>
             <p14:sldId id="259"/>
           </p14:sldIdLst>
         </p14:section>
@@ -234,7 +242,7 @@
           <a:p>
             <a:fld id="{C0546B5F-B17E-4A11-A9CD-A10C644EC78D}" type="datetimeFigureOut">
               <a:rPr lang="zh-CN" altLang="en-US" smtClean="0"/>
-              <a:t>2021/5/31</a:t>
+              <a:t>2021/7/21</a:t>
             </a:fld>
             <a:endParaRPr lang="zh-CN" altLang="en-US"/>
           </a:p>
@@ -960,7 +968,7 @@
           <a:p>
             <a:fld id="{22C6D5CB-9E91-4D8B-8A6F-E7E64CE5E759}" type="datetimeFigureOut">
               <a:rPr lang="zh-CN" altLang="en-US" smtClean="0"/>
-              <a:t>2021/5/31</a:t>
+              <a:t>2021/7/21</a:t>
             </a:fld>
             <a:endParaRPr lang="zh-CN" altLang="en-US"/>
           </a:p>
@@ -1158,7 +1166,7 @@
           <a:p>
             <a:fld id="{22C6D5CB-9E91-4D8B-8A6F-E7E64CE5E759}" type="datetimeFigureOut">
               <a:rPr lang="zh-CN" altLang="en-US" smtClean="0"/>
-              <a:t>2021/5/31</a:t>
+              <a:t>2021/7/21</a:t>
             </a:fld>
             <a:endParaRPr lang="zh-CN" altLang="en-US"/>
           </a:p>
@@ -1366,7 +1374,7 @@
           <a:p>
             <a:fld id="{22C6D5CB-9E91-4D8B-8A6F-E7E64CE5E759}" type="datetimeFigureOut">
               <a:rPr lang="zh-CN" altLang="en-US" smtClean="0"/>
-              <a:t>2021/5/31</a:t>
+              <a:t>2021/7/21</a:t>
             </a:fld>
             <a:endParaRPr lang="zh-CN" altLang="en-US"/>
           </a:p>
@@ -1564,7 +1572,7 @@
           <a:p>
             <a:fld id="{22C6D5CB-9E91-4D8B-8A6F-E7E64CE5E759}" type="datetimeFigureOut">
               <a:rPr lang="zh-CN" altLang="en-US" smtClean="0"/>
-              <a:t>2021/5/31</a:t>
+              <a:t>2021/7/21</a:t>
             </a:fld>
             <a:endParaRPr lang="zh-CN" altLang="en-US"/>
           </a:p>
@@ -1839,7 +1847,7 @@
           <a:p>
             <a:fld id="{22C6D5CB-9E91-4D8B-8A6F-E7E64CE5E759}" type="datetimeFigureOut">
               <a:rPr lang="zh-CN" altLang="en-US" smtClean="0"/>
-              <a:t>2021/5/31</a:t>
+              <a:t>2021/7/21</a:t>
             </a:fld>
             <a:endParaRPr lang="zh-CN" altLang="en-US"/>
           </a:p>
@@ -2104,7 +2112,7 @@
           <a:p>
             <a:fld id="{22C6D5CB-9E91-4D8B-8A6F-E7E64CE5E759}" type="datetimeFigureOut">
               <a:rPr lang="zh-CN" altLang="en-US" smtClean="0"/>
-              <a:t>2021/5/31</a:t>
+              <a:t>2021/7/21</a:t>
             </a:fld>
             <a:endParaRPr lang="zh-CN" altLang="en-US"/>
           </a:p>
@@ -2516,7 +2524,7 @@
           <a:p>
             <a:fld id="{22C6D5CB-9E91-4D8B-8A6F-E7E64CE5E759}" type="datetimeFigureOut">
               <a:rPr lang="zh-CN" altLang="en-US" smtClean="0"/>
-              <a:t>2021/5/31</a:t>
+              <a:t>2021/7/21</a:t>
             </a:fld>
             <a:endParaRPr lang="zh-CN" altLang="en-US"/>
           </a:p>
@@ -2657,7 +2665,7 @@
           <a:p>
             <a:fld id="{22C6D5CB-9E91-4D8B-8A6F-E7E64CE5E759}" type="datetimeFigureOut">
               <a:rPr lang="zh-CN" altLang="en-US" smtClean="0"/>
-              <a:t>2021/5/31</a:t>
+              <a:t>2021/7/21</a:t>
             </a:fld>
             <a:endParaRPr lang="zh-CN" altLang="en-US"/>
           </a:p>
@@ -2770,7 +2778,7 @@
           <a:p>
             <a:fld id="{22C6D5CB-9E91-4D8B-8A6F-E7E64CE5E759}" type="datetimeFigureOut">
               <a:rPr lang="zh-CN" altLang="en-US" smtClean="0"/>
-              <a:t>2021/5/31</a:t>
+              <a:t>2021/7/21</a:t>
             </a:fld>
             <a:endParaRPr lang="zh-CN" altLang="en-US"/>
           </a:p>
@@ -3081,7 +3089,7 @@
           <a:p>
             <a:fld id="{22C6D5CB-9E91-4D8B-8A6F-E7E64CE5E759}" type="datetimeFigureOut">
               <a:rPr lang="zh-CN" altLang="en-US" smtClean="0"/>
-              <a:t>2021/5/31</a:t>
+              <a:t>2021/7/21</a:t>
             </a:fld>
             <a:endParaRPr lang="zh-CN" altLang="en-US"/>
           </a:p>
@@ -3369,7 +3377,7 @@
           <a:p>
             <a:fld id="{22C6D5CB-9E91-4D8B-8A6F-E7E64CE5E759}" type="datetimeFigureOut">
               <a:rPr lang="zh-CN" altLang="en-US" smtClean="0"/>
-              <a:t>2021/5/31</a:t>
+              <a:t>2021/7/21</a:t>
             </a:fld>
             <a:endParaRPr lang="zh-CN" altLang="en-US"/>
           </a:p>
@@ -3610,7 +3618,7 @@
           <a:p>
             <a:fld id="{22C6D5CB-9E91-4D8B-8A6F-E7E64CE5E759}" type="datetimeFigureOut">
               <a:rPr lang="zh-CN" altLang="en-US" smtClean="0"/>
-              <a:t>2021/5/31</a:t>
+              <a:t>2021/7/21</a:t>
             </a:fld>
             <a:endParaRPr lang="zh-CN" altLang="en-US"/>
           </a:p>
@@ -5082,6 +5090,221 @@
 </p:sld>
 </file>
 
+<file path=ppt/slides/slide10.xml><?xml version="1.0" encoding="utf-8"?>
+<p:sld xmlns:a="http://schemas.openxmlformats.org/drawingml/2006/main" xmlns:r="http://schemas.openxmlformats.org/officeDocument/2006/relationships" xmlns:p="http://schemas.openxmlformats.org/presentationml/2006/main">
+  <p:cSld>
+    <p:spTree>
+      <p:nvGrpSpPr>
+        <p:cNvPr id="1" name=""/>
+        <p:cNvGrpSpPr/>
+        <p:nvPr/>
+      </p:nvGrpSpPr>
+      <p:grpSpPr>
+        <a:xfrm>
+          <a:off x="0" y="0"/>
+          <a:ext cx="0" cy="0"/>
+          <a:chOff x="0" y="0"/>
+          <a:chExt cx="0" cy="0"/>
+        </a:xfrm>
+      </p:grpSpPr>
+      <p:sp>
+        <p:nvSpPr>
+          <p:cNvPr id="4" name="矩形 3"/>
+          <p:cNvSpPr/>
+          <p:nvPr/>
+        </p:nvSpPr>
+        <p:spPr>
+          <a:xfrm>
+            <a:off x="887506" y="416859"/>
+            <a:ext cx="8767482" cy="6131859"/>
+          </a:xfrm>
+          <a:prstGeom prst="rect">
+            <a:avLst/>
+          </a:prstGeom>
+          <a:solidFill>
+            <a:schemeClr val="bg2">
+              <a:lumMod val="25000"/>
+            </a:schemeClr>
+          </a:solidFill>
+          <a:ln>
+            <a:noFill/>
+          </a:ln>
+        </p:spPr>
+        <p:style>
+          <a:lnRef idx="3">
+            <a:schemeClr val="lt1"/>
+          </a:lnRef>
+          <a:fillRef idx="1">
+            <a:schemeClr val="accent3"/>
+          </a:fillRef>
+          <a:effectRef idx="1">
+            <a:schemeClr val="accent3"/>
+          </a:effectRef>
+          <a:fontRef idx="minor">
+            <a:schemeClr val="lt1"/>
+          </a:fontRef>
+        </p:style>
+        <p:txBody>
+          <a:bodyPr rtlCol="0" anchor="ctr"/>
+          <a:lstStyle/>
+          <a:p>
+            <a:pPr lvl="4">
+              <a:lnSpc>
+                <a:spcPct val="150000"/>
+              </a:lnSpc>
+            </a:pPr>
+            <a:r>
+              <a:rPr lang="zh-CN" altLang="en-US" sz="5400" b="1" dirty="0">
+                <a:latin typeface="黑体" panose="02010609060101010101" pitchFamily="49" charset="-122"/>
+                <a:ea typeface="黑体" panose="02010609060101010101" pitchFamily="49" charset="-122"/>
+              </a:rPr>
+              <a:t>请休息片刻，</a:t>
+            </a:r>
+            <a:endParaRPr lang="en-US" altLang="zh-CN" sz="5400" b="1" dirty="0">
+              <a:latin typeface="黑体" panose="02010609060101010101" pitchFamily="49" charset="-122"/>
+              <a:ea typeface="黑体" panose="02010609060101010101" pitchFamily="49" charset="-122"/>
+            </a:endParaRPr>
+          </a:p>
+          <a:p>
+            <a:pPr lvl="4">
+              <a:lnSpc>
+                <a:spcPct val="150000"/>
+              </a:lnSpc>
+            </a:pPr>
+            <a:r>
+              <a:rPr lang="en-US" altLang="zh-CN" sz="5400" b="1" dirty="0">
+                <a:latin typeface="黑体" panose="02010609060101010101" pitchFamily="49" charset="-122"/>
+                <a:ea typeface="黑体" panose="02010609060101010101" pitchFamily="49" charset="-122"/>
+              </a:rPr>
+              <a:t>30s</a:t>
+            </a:r>
+            <a:r>
+              <a:rPr lang="zh-CN" altLang="en-US" sz="5400" b="1" dirty="0">
+                <a:latin typeface="黑体" panose="02010609060101010101" pitchFamily="49" charset="-122"/>
+                <a:ea typeface="黑体" panose="02010609060101010101" pitchFamily="49" charset="-122"/>
+              </a:rPr>
+              <a:t>后游戏继续。</a:t>
+            </a:r>
+          </a:p>
+        </p:txBody>
+      </p:sp>
+    </p:spTree>
+    <p:extLst>
+      <p:ext uri="{BB962C8B-B14F-4D97-AF65-F5344CB8AC3E}">
+        <p14:creationId xmlns:p14="http://schemas.microsoft.com/office/powerpoint/2010/main" val="3226466048"/>
+      </p:ext>
+    </p:extLst>
+  </p:cSld>
+  <p:clrMapOvr>
+    <a:masterClrMapping/>
+  </p:clrMapOvr>
+</p:sld>
+</file>
+
+<file path=ppt/slides/slide11.xml><?xml version="1.0" encoding="utf-8"?>
+<p:sld xmlns:a="http://schemas.openxmlformats.org/drawingml/2006/main" xmlns:r="http://schemas.openxmlformats.org/officeDocument/2006/relationships" xmlns:p="http://schemas.openxmlformats.org/presentationml/2006/main">
+  <p:cSld>
+    <p:spTree>
+      <p:nvGrpSpPr>
+        <p:cNvPr id="1" name=""/>
+        <p:cNvGrpSpPr/>
+        <p:nvPr/>
+      </p:nvGrpSpPr>
+      <p:grpSpPr>
+        <a:xfrm>
+          <a:off x="0" y="0"/>
+          <a:ext cx="0" cy="0"/>
+          <a:chOff x="0" y="0"/>
+          <a:chExt cx="0" cy="0"/>
+        </a:xfrm>
+      </p:grpSpPr>
+      <p:sp>
+        <p:nvSpPr>
+          <p:cNvPr id="4" name="矩形 3"/>
+          <p:cNvSpPr/>
+          <p:nvPr/>
+        </p:nvSpPr>
+        <p:spPr>
+          <a:xfrm>
+            <a:off x="887506" y="416859"/>
+            <a:ext cx="8767482" cy="6131859"/>
+          </a:xfrm>
+          <a:prstGeom prst="rect">
+            <a:avLst/>
+          </a:prstGeom>
+          <a:solidFill>
+            <a:schemeClr val="bg2">
+              <a:lumMod val="25000"/>
+            </a:schemeClr>
+          </a:solidFill>
+          <a:ln>
+            <a:noFill/>
+          </a:ln>
+        </p:spPr>
+        <p:style>
+          <a:lnRef idx="3">
+            <a:schemeClr val="lt1"/>
+          </a:lnRef>
+          <a:fillRef idx="1">
+            <a:schemeClr val="accent3"/>
+          </a:fillRef>
+          <a:effectRef idx="1">
+            <a:schemeClr val="accent3"/>
+          </a:effectRef>
+          <a:fontRef idx="minor">
+            <a:schemeClr val="lt1"/>
+          </a:fontRef>
+        </p:style>
+        <p:txBody>
+          <a:bodyPr rtlCol="0" anchor="ctr"/>
+          <a:lstStyle/>
+          <a:p>
+            <a:pPr lvl="6">
+              <a:lnSpc>
+                <a:spcPct val="150000"/>
+              </a:lnSpc>
+            </a:pPr>
+            <a:r>
+              <a:rPr lang="zh-CN" altLang="en-US" sz="5400" b="1" dirty="0">
+                <a:latin typeface="黑体" panose="02010609060101010101" pitchFamily="49" charset="-122"/>
+                <a:ea typeface="黑体" panose="02010609060101010101" pitchFamily="49" charset="-122"/>
+              </a:rPr>
+              <a:t>实验结束，</a:t>
+            </a:r>
+            <a:endParaRPr lang="en-US" altLang="zh-CN" sz="5400" b="1" dirty="0">
+              <a:latin typeface="黑体" panose="02010609060101010101" pitchFamily="49" charset="-122"/>
+              <a:ea typeface="黑体" panose="02010609060101010101" pitchFamily="49" charset="-122"/>
+            </a:endParaRPr>
+          </a:p>
+          <a:p>
+            <a:pPr lvl="6">
+              <a:lnSpc>
+                <a:spcPct val="150000"/>
+              </a:lnSpc>
+            </a:pPr>
+            <a:r>
+              <a:rPr lang="zh-CN" altLang="en-US" sz="5400" b="1" dirty="0">
+                <a:latin typeface="黑体" panose="02010609060101010101" pitchFamily="49" charset="-122"/>
+                <a:ea typeface="黑体" panose="02010609060101010101" pitchFamily="49" charset="-122"/>
+              </a:rPr>
+              <a:t>请联系主试。</a:t>
+            </a:r>
+          </a:p>
+        </p:txBody>
+      </p:sp>
+    </p:spTree>
+    <p:extLst>
+      <p:ext uri="{BB962C8B-B14F-4D97-AF65-F5344CB8AC3E}">
+        <p14:creationId xmlns:p14="http://schemas.microsoft.com/office/powerpoint/2010/main" val="856994835"/>
+      </p:ext>
+    </p:extLst>
+  </p:cSld>
+  <p:clrMapOvr>
+    <a:masterClrMapping/>
+  </p:clrMapOvr>
+</p:sld>
+</file>
+
 <file path=ppt/slides/slide2.xml><?xml version="1.0" encoding="utf-8"?>
 <p:sld xmlns:a="http://schemas.openxmlformats.org/drawingml/2006/main" xmlns:r="http://schemas.openxmlformats.org/officeDocument/2006/relationships" xmlns:p="http://schemas.openxmlformats.org/presentationml/2006/main">
   <p:cSld>
@@ -8144,6 +8367,1055 @@
           <a:chExt cx="0" cy="0"/>
         </a:xfrm>
       </p:grpSpPr>
+      <p:grpSp>
+        <p:nvGrpSpPr>
+          <p:cNvPr id="10" name="组合 9">
+            <a:extLst>
+              <a:ext uri="{FF2B5EF4-FFF2-40B4-BE49-F238E27FC236}">
+                <a16:creationId xmlns:a16="http://schemas.microsoft.com/office/drawing/2014/main" id="{CD6FDFA4-D305-489B-9844-B0EF9A4EDB69}"/>
+              </a:ext>
+            </a:extLst>
+          </p:cNvPr>
+          <p:cNvGrpSpPr/>
+          <p:nvPr/>
+        </p:nvGrpSpPr>
+        <p:grpSpPr>
+          <a:xfrm>
+            <a:off x="887506" y="416859"/>
+            <a:ext cx="8767482" cy="6131859"/>
+            <a:chOff x="887506" y="416859"/>
+            <a:chExt cx="8767482" cy="6131859"/>
+          </a:xfrm>
+        </p:grpSpPr>
+        <p:sp>
+          <p:nvSpPr>
+            <p:cNvPr id="4" name="矩形 3"/>
+            <p:cNvSpPr/>
+            <p:nvPr/>
+          </p:nvSpPr>
+          <p:spPr>
+            <a:xfrm>
+              <a:off x="887506" y="416859"/>
+              <a:ext cx="8767482" cy="6131859"/>
+            </a:xfrm>
+            <a:prstGeom prst="rect">
+              <a:avLst/>
+            </a:prstGeom>
+            <a:solidFill>
+              <a:schemeClr val="bg2">
+                <a:lumMod val="25000"/>
+              </a:schemeClr>
+            </a:solidFill>
+            <a:ln>
+              <a:noFill/>
+            </a:ln>
+          </p:spPr>
+          <p:style>
+            <a:lnRef idx="3">
+              <a:schemeClr val="lt1"/>
+            </a:lnRef>
+            <a:fillRef idx="1">
+              <a:schemeClr val="accent3"/>
+            </a:fillRef>
+            <a:effectRef idx="1">
+              <a:schemeClr val="accent3"/>
+            </a:effectRef>
+            <a:fontRef idx="minor">
+              <a:schemeClr val="lt1"/>
+            </a:fontRef>
+          </p:style>
+          <p:txBody>
+            <a:bodyPr rtlCol="0" anchor="ctr"/>
+            <a:lstStyle/>
+            <a:p>
+              <a:pPr>
+                <a:lnSpc>
+                  <a:spcPct val="150000"/>
+                </a:lnSpc>
+                <a:spcBef>
+                  <a:spcPts val="200"/>
+                </a:spcBef>
+                <a:spcAft>
+                  <a:spcPts val="200"/>
+                </a:spcAft>
+              </a:pPr>
+              <a:endParaRPr lang="zh-CN" altLang="en-US" sz="2000" dirty="0">
+                <a:latin typeface="黑体" panose="02010609060101010101" pitchFamily="49" charset="-122"/>
+                <a:ea typeface="黑体" panose="02010609060101010101" pitchFamily="49" charset="-122"/>
+              </a:endParaRPr>
+            </a:p>
+          </p:txBody>
+        </p:sp>
+        <p:sp>
+          <p:nvSpPr>
+            <p:cNvPr id="3" name="文本框 2"/>
+            <p:cNvSpPr txBox="1"/>
+            <p:nvPr/>
+          </p:nvSpPr>
+          <p:spPr>
+            <a:xfrm>
+              <a:off x="1257300" y="726389"/>
+              <a:ext cx="7879976" cy="5526321"/>
+            </a:xfrm>
+            <a:prstGeom prst="rect">
+              <a:avLst/>
+            </a:prstGeom>
+            <a:noFill/>
+          </p:spPr>
+          <p:txBody>
+            <a:bodyPr wrap="square" rtlCol="0">
+              <a:spAutoFit/>
+            </a:bodyPr>
+            <a:lstStyle/>
+            <a:p>
+              <a:pPr algn="ctr">
+                <a:lnSpc>
+                  <a:spcPct val="150000"/>
+                </a:lnSpc>
+                <a:spcBef>
+                  <a:spcPts val="200"/>
+                </a:spcBef>
+                <a:spcAft>
+                  <a:spcPts val="200"/>
+                </a:spcAft>
+              </a:pPr>
+              <a:r>
+                <a:rPr lang="zh-CN" altLang="en-US" b="1" dirty="0">
+                  <a:solidFill>
+                    <a:schemeClr val="bg1">
+                      <a:lumMod val="95000"/>
+                    </a:schemeClr>
+                  </a:solidFill>
+                  <a:latin typeface="黑体" panose="02010609060101010101" pitchFamily="49" charset="-122"/>
+                  <a:ea typeface="黑体" panose="02010609060101010101" pitchFamily="49" charset="-122"/>
+                </a:rPr>
+                <a:t>您好，欢迎参与“狼追羊”游戏！</a:t>
+              </a:r>
+              <a:endParaRPr lang="en-US" altLang="zh-CN" b="1" dirty="0">
+                <a:solidFill>
+                  <a:schemeClr val="bg1">
+                    <a:lumMod val="95000"/>
+                  </a:schemeClr>
+                </a:solidFill>
+                <a:latin typeface="黑体" panose="02010609060101010101" pitchFamily="49" charset="-122"/>
+                <a:ea typeface="黑体" panose="02010609060101010101" pitchFamily="49" charset="-122"/>
+              </a:endParaRPr>
+            </a:p>
+            <a:p>
+              <a:pPr>
+                <a:lnSpc>
+                  <a:spcPct val="150000"/>
+                </a:lnSpc>
+                <a:spcBef>
+                  <a:spcPts val="200"/>
+                </a:spcBef>
+                <a:spcAft>
+                  <a:spcPts val="200"/>
+                </a:spcAft>
+              </a:pPr>
+              <a:r>
+                <a:rPr lang="zh-CN" altLang="en-US" b="1" dirty="0">
+                  <a:solidFill>
+                    <a:schemeClr val="bg1">
+                      <a:lumMod val="95000"/>
+                    </a:schemeClr>
+                  </a:solidFill>
+                  <a:latin typeface="黑体" panose="02010609060101010101" pitchFamily="49" charset="-122"/>
+                  <a:ea typeface="黑体" panose="02010609060101010101" pitchFamily="49" charset="-122"/>
+                </a:rPr>
+                <a:t>游戏即将开始，您可以通过操纵游戏手柄左上角的摇杆来控制狼的移动</a:t>
+              </a:r>
+              <a:endParaRPr lang="en-US" altLang="zh-CN" b="1" dirty="0">
+                <a:solidFill>
+                  <a:schemeClr val="bg1">
+                    <a:lumMod val="95000"/>
+                  </a:schemeClr>
+                </a:solidFill>
+                <a:latin typeface="黑体" panose="02010609060101010101" pitchFamily="49" charset="-122"/>
+                <a:ea typeface="黑体" panose="02010609060101010101" pitchFamily="49" charset="-122"/>
+              </a:endParaRPr>
+            </a:p>
+            <a:p>
+              <a:pPr>
+                <a:lnSpc>
+                  <a:spcPct val="150000"/>
+                </a:lnSpc>
+                <a:spcBef>
+                  <a:spcPts val="200"/>
+                </a:spcBef>
+                <a:spcAft>
+                  <a:spcPts val="200"/>
+                </a:spcAft>
+              </a:pPr>
+              <a:endParaRPr lang="en-US" altLang="zh-CN" b="1" dirty="0">
+                <a:solidFill>
+                  <a:schemeClr val="bg1">
+                    <a:lumMod val="95000"/>
+                  </a:schemeClr>
+                </a:solidFill>
+                <a:latin typeface="黑体" panose="02010609060101010101" pitchFamily="49" charset="-122"/>
+                <a:ea typeface="黑体" panose="02010609060101010101" pitchFamily="49" charset="-122"/>
+              </a:endParaRPr>
+            </a:p>
+            <a:p>
+              <a:pPr>
+                <a:lnSpc>
+                  <a:spcPct val="150000"/>
+                </a:lnSpc>
+                <a:spcBef>
+                  <a:spcPts val="200"/>
+                </a:spcBef>
+                <a:spcAft>
+                  <a:spcPts val="200"/>
+                </a:spcAft>
+              </a:pPr>
+              <a:endParaRPr lang="en-US" altLang="zh-CN" b="1" dirty="0">
+                <a:solidFill>
+                  <a:schemeClr val="bg1">
+                    <a:lumMod val="95000"/>
+                  </a:schemeClr>
+                </a:solidFill>
+                <a:latin typeface="黑体" panose="02010609060101010101" pitchFamily="49" charset="-122"/>
+                <a:ea typeface="黑体" panose="02010609060101010101" pitchFamily="49" charset="-122"/>
+              </a:endParaRPr>
+            </a:p>
+            <a:p>
+              <a:pPr>
+                <a:lnSpc>
+                  <a:spcPct val="150000"/>
+                </a:lnSpc>
+                <a:spcBef>
+                  <a:spcPts val="200"/>
+                </a:spcBef>
+                <a:spcAft>
+                  <a:spcPts val="200"/>
+                </a:spcAft>
+              </a:pPr>
+              <a:endParaRPr lang="en-US" altLang="zh-CN" b="1" dirty="0">
+                <a:solidFill>
+                  <a:schemeClr val="bg1">
+                    <a:lumMod val="95000"/>
+                  </a:schemeClr>
+                </a:solidFill>
+                <a:latin typeface="黑体" panose="02010609060101010101" pitchFamily="49" charset="-122"/>
+                <a:ea typeface="黑体" panose="02010609060101010101" pitchFamily="49" charset="-122"/>
+              </a:endParaRPr>
+            </a:p>
+            <a:p>
+              <a:pPr>
+                <a:lnSpc>
+                  <a:spcPct val="150000"/>
+                </a:lnSpc>
+                <a:spcBef>
+                  <a:spcPts val="200"/>
+                </a:spcBef>
+                <a:spcAft>
+                  <a:spcPts val="200"/>
+                </a:spcAft>
+              </a:pPr>
+              <a:r>
+                <a:rPr lang="zh-CN" altLang="en-US" b="1" dirty="0">
+                  <a:solidFill>
+                    <a:schemeClr val="bg1">
+                      <a:lumMod val="95000"/>
+                    </a:schemeClr>
+                  </a:solidFill>
+                  <a:latin typeface="黑体" panose="02010609060101010101" pitchFamily="49" charset="-122"/>
+                  <a:ea typeface="黑体" panose="02010609060101010101" pitchFamily="49" charset="-122"/>
+                </a:rPr>
+                <a:t>再次提醒：</a:t>
+              </a:r>
+              <a:endParaRPr lang="en-US" altLang="zh-CN" b="1" dirty="0">
+                <a:solidFill>
+                  <a:schemeClr val="bg1">
+                    <a:lumMod val="95000"/>
+                  </a:schemeClr>
+                </a:solidFill>
+                <a:latin typeface="黑体" panose="02010609060101010101" pitchFamily="49" charset="-122"/>
+                <a:ea typeface="黑体" panose="02010609060101010101" pitchFamily="49" charset="-122"/>
+              </a:endParaRPr>
+            </a:p>
+            <a:p>
+              <a:pPr>
+                <a:lnSpc>
+                  <a:spcPct val="150000"/>
+                </a:lnSpc>
+                <a:spcBef>
+                  <a:spcPts val="200"/>
+                </a:spcBef>
+                <a:spcAft>
+                  <a:spcPts val="200"/>
+                </a:spcAft>
+              </a:pPr>
+              <a:r>
+                <a:rPr lang="en-US" altLang="zh-CN" b="1" dirty="0">
+                  <a:solidFill>
+                    <a:schemeClr val="bg1">
+                      <a:lumMod val="95000"/>
+                    </a:schemeClr>
+                  </a:solidFill>
+                  <a:latin typeface="黑体" panose="02010609060101010101" pitchFamily="49" charset="-122"/>
+                  <a:ea typeface="黑体" panose="02010609060101010101" pitchFamily="49" charset="-122"/>
+                </a:rPr>
+                <a:t>1</a:t>
+              </a:r>
+              <a:r>
+                <a:rPr lang="zh-CN" altLang="en-US" b="1" dirty="0">
+                  <a:solidFill>
+                    <a:schemeClr val="bg1">
+                      <a:lumMod val="95000"/>
+                    </a:schemeClr>
+                  </a:solidFill>
+                  <a:latin typeface="黑体" panose="02010609060101010101" pitchFamily="49" charset="-122"/>
+                  <a:ea typeface="黑体" panose="02010609060101010101" pitchFamily="49" charset="-122"/>
+                </a:rPr>
+                <a:t>）游戏任务是尽快地在</a:t>
+              </a:r>
+              <a:r>
+                <a:rPr lang="zh-CN" altLang="en-US" b="1" dirty="0">
+                  <a:solidFill>
+                    <a:srgbClr val="FF0000"/>
+                  </a:solidFill>
+                  <a:latin typeface="黑体" panose="02010609060101010101" pitchFamily="49" charset="-122"/>
+                  <a:ea typeface="黑体" panose="02010609060101010101" pitchFamily="49" charset="-122"/>
+                </a:rPr>
+                <a:t>规定时间内（</a:t>
+              </a:r>
+              <a:r>
+                <a:rPr lang="en-US" altLang="zh-CN" b="1" dirty="0">
+                  <a:solidFill>
+                    <a:srgbClr val="FF0000"/>
+                  </a:solidFill>
+                  <a:latin typeface="黑体" panose="02010609060101010101" pitchFamily="49" charset="-122"/>
+                  <a:ea typeface="黑体" panose="02010609060101010101" pitchFamily="49" charset="-122"/>
+                </a:rPr>
+                <a:t>15s</a:t>
+              </a:r>
+              <a:r>
+                <a:rPr lang="zh-CN" altLang="en-US" b="1" dirty="0">
+                  <a:solidFill>
+                    <a:srgbClr val="FF0000"/>
+                  </a:solidFill>
+                  <a:latin typeface="黑体" panose="02010609060101010101" pitchFamily="49" charset="-122"/>
+                  <a:ea typeface="黑体" panose="02010609060101010101" pitchFamily="49" charset="-122"/>
+                </a:rPr>
+                <a:t>）</a:t>
+              </a:r>
+              <a:r>
+                <a:rPr lang="zh-CN" altLang="en-US" b="1" dirty="0">
+                  <a:solidFill>
+                    <a:schemeClr val="bg1">
+                      <a:lumMod val="95000"/>
+                    </a:schemeClr>
+                  </a:solidFill>
+                  <a:latin typeface="黑体" panose="02010609060101010101" pitchFamily="49" charset="-122"/>
+                  <a:ea typeface="黑体" panose="02010609060101010101" pitchFamily="49" charset="-122"/>
+                </a:rPr>
+                <a:t>抓住屏幕中跑动的羊（</a:t>
+              </a:r>
+              <a:r>
+                <a:rPr lang="zh-CN" altLang="en-US" b="1" dirty="0">
+                  <a:solidFill>
+                    <a:srgbClr val="FFA500"/>
+                  </a:solidFill>
+                  <a:latin typeface="黑体" panose="02010609060101010101" pitchFamily="49" charset="-122"/>
+                  <a:ea typeface="黑体" panose="02010609060101010101" pitchFamily="49" charset="-122"/>
+                </a:rPr>
+                <a:t>黄色小球</a:t>
+              </a:r>
+              <a:r>
+                <a:rPr lang="zh-CN" altLang="en-US" b="1" dirty="0">
+                  <a:solidFill>
+                    <a:schemeClr val="bg1">
+                      <a:lumMod val="95000"/>
+                    </a:schemeClr>
+                  </a:solidFill>
+                  <a:latin typeface="黑体" panose="02010609060101010101" pitchFamily="49" charset="-122"/>
+                  <a:ea typeface="黑体" panose="02010609060101010101" pitchFamily="49" charset="-122"/>
+                </a:rPr>
+                <a:t>）</a:t>
+              </a:r>
+              <a:endParaRPr lang="en-US" altLang="zh-CN" b="1" dirty="0">
+                <a:solidFill>
+                  <a:schemeClr val="bg1">
+                    <a:lumMod val="95000"/>
+                  </a:schemeClr>
+                </a:solidFill>
+                <a:latin typeface="黑体" panose="02010609060101010101" pitchFamily="49" charset="-122"/>
+                <a:ea typeface="黑体" panose="02010609060101010101" pitchFamily="49" charset="-122"/>
+              </a:endParaRPr>
+            </a:p>
+            <a:p>
+              <a:pPr>
+                <a:lnSpc>
+                  <a:spcPct val="150000"/>
+                </a:lnSpc>
+                <a:spcBef>
+                  <a:spcPts val="200"/>
+                </a:spcBef>
+                <a:spcAft>
+                  <a:spcPts val="200"/>
+                </a:spcAft>
+              </a:pPr>
+              <a:r>
+                <a:rPr lang="en-US" altLang="zh-CN" b="1" dirty="0">
+                  <a:solidFill>
+                    <a:schemeClr val="bg1">
+                      <a:lumMod val="95000"/>
+                    </a:schemeClr>
+                  </a:solidFill>
+                  <a:latin typeface="黑体" panose="02010609060101010101" pitchFamily="49" charset="-122"/>
+                  <a:ea typeface="黑体" panose="02010609060101010101" pitchFamily="49" charset="-122"/>
+                </a:rPr>
+                <a:t>2</a:t>
+              </a:r>
+              <a:r>
+                <a:rPr lang="zh-CN" altLang="en-US" b="1" dirty="0">
+                  <a:solidFill>
+                    <a:schemeClr val="bg1">
+                      <a:lumMod val="95000"/>
+                    </a:schemeClr>
+                  </a:solidFill>
+                  <a:latin typeface="黑体" panose="02010609060101010101" pitchFamily="49" charset="-122"/>
+                  <a:ea typeface="黑体" panose="02010609060101010101" pitchFamily="49" charset="-122"/>
+                </a:rPr>
+                <a:t>）</a:t>
+              </a:r>
+              <a:r>
+                <a:rPr lang="zh-CN" altLang="en-US" b="1" dirty="0">
+                  <a:solidFill>
+                    <a:srgbClr val="FF0000"/>
+                  </a:solidFill>
+                  <a:latin typeface="黑体" panose="02010609060101010101" pitchFamily="49" charset="-122"/>
+                  <a:ea typeface="黑体" panose="02010609060101010101" pitchFamily="49" charset="-122"/>
+                </a:rPr>
+                <a:t>每抓到一只羊</a:t>
+              </a:r>
+              <a:r>
+                <a:rPr lang="zh-CN" altLang="en-US" b="1" dirty="0">
+                  <a:solidFill>
+                    <a:schemeClr val="bg1">
+                      <a:lumMod val="95000"/>
+                    </a:schemeClr>
+                  </a:solidFill>
+                  <a:latin typeface="黑体" panose="02010609060101010101" pitchFamily="49" charset="-122"/>
+                  <a:ea typeface="黑体" panose="02010609060101010101" pitchFamily="49" charset="-122"/>
+                </a:rPr>
+                <a:t>或</a:t>
+              </a:r>
+              <a:r>
+                <a:rPr lang="en-US" altLang="zh-CN" b="1" dirty="0">
+                  <a:solidFill>
+                    <a:srgbClr val="FF0000"/>
+                  </a:solidFill>
+                  <a:latin typeface="黑体" panose="02010609060101010101" pitchFamily="49" charset="-122"/>
+                  <a:ea typeface="黑体" panose="02010609060101010101" pitchFamily="49" charset="-122"/>
+                </a:rPr>
+                <a:t>15s</a:t>
+              </a:r>
+              <a:r>
+                <a:rPr lang="zh-CN" altLang="en-US" b="1" dirty="0">
+                  <a:solidFill>
+                    <a:srgbClr val="FF0000"/>
+                  </a:solidFill>
+                  <a:latin typeface="黑体" panose="02010609060101010101" pitchFamily="49" charset="-122"/>
+                  <a:ea typeface="黑体" panose="02010609060101010101" pitchFamily="49" charset="-122"/>
+                </a:rPr>
+                <a:t>内两名玩家均未抓到羊</a:t>
+              </a:r>
+              <a:r>
+                <a:rPr lang="zh-CN" altLang="en-US" b="1" dirty="0">
+                  <a:solidFill>
+                    <a:schemeClr val="bg1">
+                      <a:lumMod val="95000"/>
+                    </a:schemeClr>
+                  </a:solidFill>
+                  <a:latin typeface="黑体" panose="02010609060101010101" pitchFamily="49" charset="-122"/>
+                  <a:ea typeface="黑体" panose="02010609060101010101" pitchFamily="49" charset="-122"/>
+                </a:rPr>
+                <a:t>，则立即进入下一轮游戏。此时游戏界面刷新，两名玩家的位置也会刷新</a:t>
+              </a:r>
+              <a:endParaRPr lang="en-US" altLang="zh-CN" b="1" dirty="0">
+                <a:solidFill>
+                  <a:schemeClr val="bg1">
+                    <a:lumMod val="95000"/>
+                  </a:schemeClr>
+                </a:solidFill>
+                <a:latin typeface="黑体" panose="02010609060101010101" pitchFamily="49" charset="-122"/>
+                <a:ea typeface="黑体" panose="02010609060101010101" pitchFamily="49" charset="-122"/>
+              </a:endParaRPr>
+            </a:p>
+            <a:p>
+              <a:pPr>
+                <a:lnSpc>
+                  <a:spcPct val="150000"/>
+                </a:lnSpc>
+                <a:spcBef>
+                  <a:spcPts val="200"/>
+                </a:spcBef>
+                <a:spcAft>
+                  <a:spcPts val="200"/>
+                </a:spcAft>
+              </a:pPr>
+              <a:r>
+                <a:rPr lang="en-US" altLang="zh-CN" b="1" dirty="0">
+                  <a:solidFill>
+                    <a:schemeClr val="bg1">
+                      <a:lumMod val="95000"/>
+                    </a:schemeClr>
+                  </a:solidFill>
+                  <a:latin typeface="黑体" panose="02010609060101010101" pitchFamily="49" charset="-122"/>
+                  <a:ea typeface="黑体" panose="02010609060101010101" pitchFamily="49" charset="-122"/>
+                </a:rPr>
+                <a:t>3</a:t>
+              </a:r>
+              <a:r>
+                <a:rPr lang="zh-CN" altLang="en-US" b="1" dirty="0">
+                  <a:solidFill>
+                    <a:schemeClr val="bg1">
+                      <a:lumMod val="95000"/>
+                    </a:schemeClr>
+                  </a:solidFill>
+                  <a:latin typeface="黑体" panose="02010609060101010101" pitchFamily="49" charset="-122"/>
+                  <a:ea typeface="黑体" panose="02010609060101010101" pitchFamily="49" charset="-122"/>
+                </a:rPr>
+                <a:t>）实验报酬和最终总分数相关</a:t>
+              </a:r>
+              <a:endParaRPr lang="en-US" altLang="zh-CN" b="1" dirty="0">
+                <a:solidFill>
+                  <a:schemeClr val="bg1">
+                    <a:lumMod val="95000"/>
+                  </a:schemeClr>
+                </a:solidFill>
+                <a:latin typeface="黑体" panose="02010609060101010101" pitchFamily="49" charset="-122"/>
+                <a:ea typeface="黑体" panose="02010609060101010101" pitchFamily="49" charset="-122"/>
+              </a:endParaRPr>
+            </a:p>
+            <a:p>
+              <a:pPr algn="ctr">
+                <a:lnSpc>
+                  <a:spcPct val="150000"/>
+                </a:lnSpc>
+                <a:spcBef>
+                  <a:spcPts val="200"/>
+                </a:spcBef>
+                <a:spcAft>
+                  <a:spcPts val="200"/>
+                </a:spcAft>
+              </a:pPr>
+              <a:r>
+                <a:rPr lang="zh-CN" altLang="en-US" b="1" dirty="0">
+                  <a:solidFill>
+                    <a:schemeClr val="bg1">
+                      <a:lumMod val="95000"/>
+                    </a:schemeClr>
+                  </a:solidFill>
+                  <a:latin typeface="黑体" panose="02010609060101010101" pitchFamily="49" charset="-122"/>
+                  <a:ea typeface="黑体" panose="02010609060101010101" pitchFamily="49" charset="-122"/>
+                </a:rPr>
+                <a:t>明确自己的任务后，请按下</a:t>
+              </a:r>
+              <a:r>
+                <a:rPr lang="en-US" altLang="zh-CN" b="1" dirty="0">
+                  <a:solidFill>
+                    <a:schemeClr val="bg1">
+                      <a:lumMod val="95000"/>
+                    </a:schemeClr>
+                  </a:solidFill>
+                  <a:latin typeface="黑体" panose="02010609060101010101" pitchFamily="49" charset="-122"/>
+                  <a:ea typeface="黑体" panose="02010609060101010101" pitchFamily="49" charset="-122"/>
+                </a:rPr>
+                <a:t>a</a:t>
+              </a:r>
+              <a:r>
+                <a:rPr lang="zh-CN" altLang="en-US" b="1" dirty="0">
+                  <a:solidFill>
+                    <a:schemeClr val="bg1">
+                      <a:lumMod val="95000"/>
+                    </a:schemeClr>
+                  </a:solidFill>
+                  <a:latin typeface="黑体" panose="02010609060101010101" pitchFamily="49" charset="-122"/>
+                  <a:ea typeface="黑体" panose="02010609060101010101" pitchFamily="49" charset="-122"/>
+                </a:rPr>
+                <a:t>键。</a:t>
+              </a:r>
+              <a:endParaRPr lang="en-US" altLang="zh-CN" b="1" dirty="0">
+                <a:solidFill>
+                  <a:schemeClr val="bg1">
+                    <a:lumMod val="95000"/>
+                  </a:schemeClr>
+                </a:solidFill>
+                <a:latin typeface="黑体" panose="02010609060101010101" pitchFamily="49" charset="-122"/>
+                <a:ea typeface="黑体" panose="02010609060101010101" pitchFamily="49" charset="-122"/>
+              </a:endParaRPr>
+            </a:p>
+            <a:p>
+              <a:pPr algn="ctr">
+                <a:lnSpc>
+                  <a:spcPct val="150000"/>
+                </a:lnSpc>
+                <a:spcBef>
+                  <a:spcPts val="200"/>
+                </a:spcBef>
+                <a:spcAft>
+                  <a:spcPts val="200"/>
+                </a:spcAft>
+              </a:pPr>
+              <a:r>
+                <a:rPr lang="zh-CN" altLang="en-US" b="1" dirty="0">
+                  <a:solidFill>
+                    <a:schemeClr val="bg1">
+                      <a:lumMod val="95000"/>
+                    </a:schemeClr>
+                  </a:solidFill>
+                  <a:latin typeface="黑体" panose="02010609060101010101" pitchFamily="49" charset="-122"/>
+                  <a:ea typeface="黑体" panose="02010609060101010101" pitchFamily="49" charset="-122"/>
+                </a:rPr>
+                <a:t>等待双方确认后游戏开始。</a:t>
+              </a:r>
+            </a:p>
+          </p:txBody>
+        </p:sp>
+        <p:pic>
+          <p:nvPicPr>
+            <p:cNvPr id="6" name="图片 5"/>
+            <p:cNvPicPr>
+              <a:picLocks noChangeAspect="1"/>
+            </p:cNvPicPr>
+            <p:nvPr/>
+          </p:nvPicPr>
+          <p:blipFill>
+            <a:blip r:embed="rId2" cstate="print">
+              <a:extLst>
+                <a:ext uri="{28A0092B-C50C-407E-A947-70E740481C1C}">
+                  <a14:useLocalDpi xmlns:a14="http://schemas.microsoft.com/office/drawing/2010/main" val="0"/>
+                </a:ext>
+              </a:extLst>
+            </a:blip>
+            <a:stretch>
+              <a:fillRect/>
+            </a:stretch>
+          </p:blipFill>
+          <p:spPr>
+            <a:xfrm>
+              <a:off x="4039355" y="1705297"/>
+              <a:ext cx="2251866" cy="1823211"/>
+            </a:xfrm>
+            <a:prstGeom prst="rect">
+              <a:avLst/>
+            </a:prstGeom>
+          </p:spPr>
+        </p:pic>
+        <p:sp>
+          <p:nvSpPr>
+            <p:cNvPr id="8" name="椭圆 7"/>
+            <p:cNvSpPr/>
+            <p:nvPr/>
+          </p:nvSpPr>
+          <p:spPr>
+            <a:xfrm>
+              <a:off x="4274678" y="1998675"/>
+              <a:ext cx="647394" cy="598152"/>
+            </a:xfrm>
+            <a:prstGeom prst="ellipse">
+              <a:avLst/>
+            </a:prstGeom>
+            <a:noFill/>
+            <a:ln w="57150">
+              <a:solidFill>
+                <a:srgbClr val="FF0000"/>
+              </a:solidFill>
+            </a:ln>
+          </p:spPr>
+          <p:style>
+            <a:lnRef idx="2">
+              <a:schemeClr val="accent1">
+                <a:shade val="50000"/>
+              </a:schemeClr>
+            </a:lnRef>
+            <a:fillRef idx="1">
+              <a:schemeClr val="accent1"/>
+            </a:fillRef>
+            <a:effectRef idx="0">
+              <a:schemeClr val="accent1"/>
+            </a:effectRef>
+            <a:fontRef idx="minor">
+              <a:schemeClr val="lt1"/>
+            </a:fontRef>
+          </p:style>
+          <p:txBody>
+            <a:bodyPr rtlCol="0" anchor="ctr"/>
+            <a:lstStyle/>
+            <a:p>
+              <a:pPr algn="ctr"/>
+              <a:endParaRPr lang="zh-CN" altLang="en-US"/>
+            </a:p>
+          </p:txBody>
+        </p:sp>
+        <p:pic>
+          <p:nvPicPr>
+            <p:cNvPr id="7" name="图片 6">
+              <a:extLst>
+                <a:ext uri="{FF2B5EF4-FFF2-40B4-BE49-F238E27FC236}">
+                  <a16:creationId xmlns:a16="http://schemas.microsoft.com/office/drawing/2014/main" id="{B360C853-40A3-4763-A0CA-BFE6FA2B8BE1}"/>
+                </a:ext>
+              </a:extLst>
+            </p:cNvPr>
+            <p:cNvPicPr>
+              <a:picLocks noChangeAspect="1"/>
+            </p:cNvPicPr>
+            <p:nvPr/>
+          </p:nvPicPr>
+          <p:blipFill>
+            <a:blip r:embed="rId2" cstate="print">
+              <a:extLst>
+                <a:ext uri="{28A0092B-C50C-407E-A947-70E740481C1C}">
+                  <a14:useLocalDpi xmlns:a14="http://schemas.microsoft.com/office/drawing/2010/main" val="0"/>
+                </a:ext>
+              </a:extLst>
+            </a:blip>
+            <a:stretch>
+              <a:fillRect/>
+            </a:stretch>
+          </p:blipFill>
+          <p:spPr>
+            <a:xfrm>
+              <a:off x="7267626" y="5208610"/>
+              <a:ext cx="907176" cy="734490"/>
+            </a:xfrm>
+            <a:prstGeom prst="rect">
+              <a:avLst/>
+            </a:prstGeom>
+          </p:spPr>
+        </p:pic>
+        <p:sp>
+          <p:nvSpPr>
+            <p:cNvPr id="9" name="椭圆 8">
+              <a:extLst>
+                <a:ext uri="{FF2B5EF4-FFF2-40B4-BE49-F238E27FC236}">
+                  <a16:creationId xmlns:a16="http://schemas.microsoft.com/office/drawing/2014/main" id="{0919DD0C-02A5-4A0A-AA9F-A9D4EBB3AADD}"/>
+                </a:ext>
+              </a:extLst>
+            </p:cNvPr>
+            <p:cNvSpPr/>
+            <p:nvPr/>
+          </p:nvSpPr>
+          <p:spPr>
+            <a:xfrm>
+              <a:off x="7934124" y="5470561"/>
+              <a:ext cx="129654" cy="124329"/>
+            </a:xfrm>
+            <a:prstGeom prst="ellipse">
+              <a:avLst/>
+            </a:prstGeom>
+            <a:noFill/>
+            <a:ln w="57150">
+              <a:solidFill>
+                <a:srgbClr val="FF0000"/>
+              </a:solidFill>
+            </a:ln>
+          </p:spPr>
+          <p:style>
+            <a:lnRef idx="2">
+              <a:schemeClr val="accent1">
+                <a:shade val="50000"/>
+              </a:schemeClr>
+            </a:lnRef>
+            <a:fillRef idx="1">
+              <a:schemeClr val="accent1"/>
+            </a:fillRef>
+            <a:effectRef idx="0">
+              <a:schemeClr val="accent1"/>
+            </a:effectRef>
+            <a:fontRef idx="minor">
+              <a:schemeClr val="lt1"/>
+            </a:fontRef>
+          </p:style>
+          <p:txBody>
+            <a:bodyPr rtlCol="0" anchor="ctr"/>
+            <a:lstStyle/>
+            <a:p>
+              <a:pPr algn="ctr"/>
+              <a:endParaRPr lang="zh-CN" altLang="en-US"/>
+            </a:p>
+          </p:txBody>
+        </p:sp>
+      </p:grpSp>
+    </p:spTree>
+    <p:extLst>
+      <p:ext uri="{BB962C8B-B14F-4D97-AF65-F5344CB8AC3E}">
+        <p14:creationId xmlns:p14="http://schemas.microsoft.com/office/powerpoint/2010/main" val="381854249"/>
+      </p:ext>
+    </p:extLst>
+  </p:cSld>
+  <p:clrMapOvr>
+    <a:masterClrMapping/>
+  </p:clrMapOvr>
+</p:sld>
+</file>
+
+<file path=ppt/slides/slide7.xml><?xml version="1.0" encoding="utf-8"?>
+<p:sld xmlns:a="http://schemas.openxmlformats.org/drawingml/2006/main" xmlns:r="http://schemas.openxmlformats.org/officeDocument/2006/relationships" xmlns:p="http://schemas.openxmlformats.org/presentationml/2006/main">
+  <p:cSld>
+    <p:spTree>
+      <p:nvGrpSpPr>
+        <p:cNvPr id="1" name=""/>
+        <p:cNvGrpSpPr/>
+        <p:nvPr/>
+      </p:nvGrpSpPr>
+      <p:grpSpPr>
+        <a:xfrm>
+          <a:off x="0" y="0"/>
+          <a:ext cx="0" cy="0"/>
+          <a:chOff x="0" y="0"/>
+          <a:chExt cx="0" cy="0"/>
+        </a:xfrm>
+      </p:grpSpPr>
+      <p:grpSp>
+        <p:nvGrpSpPr>
+          <p:cNvPr id="2" name="组合 1">
+            <a:extLst>
+              <a:ext uri="{FF2B5EF4-FFF2-40B4-BE49-F238E27FC236}">
+                <a16:creationId xmlns:a16="http://schemas.microsoft.com/office/drawing/2014/main" id="{0849DFFE-3586-41EE-8DDA-07B89DFDF9C3}"/>
+              </a:ext>
+            </a:extLst>
+          </p:cNvPr>
+          <p:cNvGrpSpPr/>
+          <p:nvPr/>
+        </p:nvGrpSpPr>
+        <p:grpSpPr>
+          <a:xfrm>
+            <a:off x="887506" y="416859"/>
+            <a:ext cx="9321723" cy="6131859"/>
+            <a:chOff x="887506" y="416859"/>
+            <a:chExt cx="9321723" cy="6131859"/>
+          </a:xfrm>
+        </p:grpSpPr>
+        <p:sp>
+          <p:nvSpPr>
+            <p:cNvPr id="4" name="矩形 3"/>
+            <p:cNvSpPr/>
+            <p:nvPr/>
+          </p:nvSpPr>
+          <p:spPr>
+            <a:xfrm>
+              <a:off x="887506" y="416859"/>
+              <a:ext cx="9321723" cy="6131859"/>
+            </a:xfrm>
+            <a:prstGeom prst="rect">
+              <a:avLst/>
+            </a:prstGeom>
+            <a:solidFill>
+              <a:schemeClr val="bg2">
+                <a:lumMod val="25000"/>
+              </a:schemeClr>
+            </a:solidFill>
+            <a:ln>
+              <a:noFill/>
+            </a:ln>
+          </p:spPr>
+          <p:style>
+            <a:lnRef idx="3">
+              <a:schemeClr val="lt1"/>
+            </a:lnRef>
+            <a:fillRef idx="1">
+              <a:schemeClr val="accent3"/>
+            </a:fillRef>
+            <a:effectRef idx="1">
+              <a:schemeClr val="accent3"/>
+            </a:effectRef>
+            <a:fontRef idx="minor">
+              <a:schemeClr val="lt1"/>
+            </a:fontRef>
+          </p:style>
+          <p:txBody>
+            <a:bodyPr rtlCol="0" anchor="ctr"/>
+            <a:lstStyle/>
+            <a:p>
+              <a:pPr marL="0" lvl="4" algn="ctr">
+                <a:lnSpc>
+                  <a:spcPct val="150000"/>
+                </a:lnSpc>
+              </a:pPr>
+              <a:r>
+                <a:rPr lang="zh-CN" altLang="en-US" sz="5400" b="1" dirty="0">
+                  <a:latin typeface="黑体" panose="02010609060101010101" pitchFamily="49" charset="-122"/>
+                  <a:ea typeface="黑体" panose="02010609060101010101" pitchFamily="49" charset="-122"/>
+                </a:rPr>
+                <a:t>请休息片刻，</a:t>
+              </a:r>
+              <a:endParaRPr lang="en-US" altLang="zh-CN" sz="5400" b="1" dirty="0">
+                <a:latin typeface="黑体" panose="02010609060101010101" pitchFamily="49" charset="-122"/>
+                <a:ea typeface="黑体" panose="02010609060101010101" pitchFamily="49" charset="-122"/>
+              </a:endParaRPr>
+            </a:p>
+            <a:p>
+              <a:pPr marL="0" lvl="4" algn="ctr">
+                <a:lnSpc>
+                  <a:spcPct val="150000"/>
+                </a:lnSpc>
+              </a:pPr>
+              <a:r>
+                <a:rPr lang="zh-CN" altLang="en-US" sz="5400" b="1" dirty="0">
+                  <a:latin typeface="黑体" panose="02010609060101010101" pitchFamily="49" charset="-122"/>
+                  <a:ea typeface="黑体" panose="02010609060101010101" pitchFamily="49" charset="-122"/>
+                </a:rPr>
+                <a:t>休息好后请按手柄</a:t>
+              </a:r>
+              <a:r>
+                <a:rPr lang="en-US" altLang="zh-CN" sz="5400" b="1" dirty="0">
+                  <a:latin typeface="黑体" panose="02010609060101010101" pitchFamily="49" charset="-122"/>
+                  <a:ea typeface="黑体" panose="02010609060101010101" pitchFamily="49" charset="-122"/>
+                </a:rPr>
+                <a:t>A</a:t>
+              </a:r>
+              <a:r>
+                <a:rPr lang="zh-CN" altLang="en-US" sz="5400" b="1" dirty="0">
+                  <a:latin typeface="黑体" panose="02010609060101010101" pitchFamily="49" charset="-122"/>
+                  <a:ea typeface="黑体" panose="02010609060101010101" pitchFamily="49" charset="-122"/>
+                </a:rPr>
+                <a:t>键</a:t>
+              </a:r>
+              <a:endParaRPr lang="en-US" altLang="zh-CN" sz="5400" b="1" dirty="0">
+                <a:latin typeface="黑体" panose="02010609060101010101" pitchFamily="49" charset="-122"/>
+                <a:ea typeface="黑体" panose="02010609060101010101" pitchFamily="49" charset="-122"/>
+              </a:endParaRPr>
+            </a:p>
+            <a:p>
+              <a:pPr marL="0" lvl="4" algn="ctr">
+                <a:lnSpc>
+                  <a:spcPct val="150000"/>
+                </a:lnSpc>
+              </a:pPr>
+              <a:r>
+                <a:rPr lang="zh-CN" altLang="en-US" sz="5400" b="1" dirty="0">
+                  <a:latin typeface="黑体" panose="02010609060101010101" pitchFamily="49" charset="-122"/>
+                  <a:ea typeface="黑体" panose="02010609060101010101" pitchFamily="49" charset="-122"/>
+                </a:rPr>
+                <a:t>等待双方确认后游戏继续。</a:t>
+              </a:r>
+            </a:p>
+          </p:txBody>
+        </p:sp>
+        <p:pic>
+          <p:nvPicPr>
+            <p:cNvPr id="3" name="图片 2">
+              <a:extLst>
+                <a:ext uri="{FF2B5EF4-FFF2-40B4-BE49-F238E27FC236}">
+                  <a16:creationId xmlns:a16="http://schemas.microsoft.com/office/drawing/2014/main" id="{3C822DDD-1CC0-42BA-8663-BC9C0805C09A}"/>
+                </a:ext>
+              </a:extLst>
+            </p:cNvPr>
+            <p:cNvPicPr>
+              <a:picLocks noChangeAspect="1"/>
+            </p:cNvPicPr>
+            <p:nvPr/>
+          </p:nvPicPr>
+          <p:blipFill>
+            <a:blip r:embed="rId2" cstate="print">
+              <a:extLst>
+                <a:ext uri="{28A0092B-C50C-407E-A947-70E740481C1C}">
+                  <a14:useLocalDpi xmlns:a14="http://schemas.microsoft.com/office/drawing/2010/main" val="0"/>
+                </a:ext>
+              </a:extLst>
+            </a:blip>
+            <a:stretch>
+              <a:fillRect/>
+            </a:stretch>
+          </p:blipFill>
+          <p:spPr>
+            <a:xfrm>
+              <a:off x="7517844" y="1181028"/>
+              <a:ext cx="2251866" cy="1823211"/>
+            </a:xfrm>
+            <a:prstGeom prst="rect">
+              <a:avLst/>
+            </a:prstGeom>
+          </p:spPr>
+        </p:pic>
+        <p:sp>
+          <p:nvSpPr>
+            <p:cNvPr id="5" name="椭圆 4">
+              <a:extLst>
+                <a:ext uri="{FF2B5EF4-FFF2-40B4-BE49-F238E27FC236}">
+                  <a16:creationId xmlns:a16="http://schemas.microsoft.com/office/drawing/2014/main" id="{0678F68E-C440-4046-BA2B-53E0637B9B78}"/>
+                </a:ext>
+              </a:extLst>
+            </p:cNvPr>
+            <p:cNvSpPr/>
+            <p:nvPr/>
+          </p:nvSpPr>
+          <p:spPr>
+            <a:xfrm>
+              <a:off x="9172279" y="1831264"/>
+              <a:ext cx="321838" cy="308620"/>
+            </a:xfrm>
+            <a:prstGeom prst="ellipse">
+              <a:avLst/>
+            </a:prstGeom>
+            <a:noFill/>
+            <a:ln w="57150">
+              <a:solidFill>
+                <a:srgbClr val="FF0000"/>
+              </a:solidFill>
+            </a:ln>
+          </p:spPr>
+          <p:style>
+            <a:lnRef idx="2">
+              <a:schemeClr val="accent1">
+                <a:shade val="50000"/>
+              </a:schemeClr>
+            </a:lnRef>
+            <a:fillRef idx="1">
+              <a:schemeClr val="accent1"/>
+            </a:fillRef>
+            <a:effectRef idx="0">
+              <a:schemeClr val="accent1"/>
+            </a:effectRef>
+            <a:fontRef idx="minor">
+              <a:schemeClr val="lt1"/>
+            </a:fontRef>
+          </p:style>
+          <p:txBody>
+            <a:bodyPr rtlCol="0" anchor="ctr"/>
+            <a:lstStyle/>
+            <a:p>
+              <a:pPr algn="ctr"/>
+              <a:endParaRPr lang="zh-CN" altLang="en-US"/>
+            </a:p>
+          </p:txBody>
+        </p:sp>
+      </p:grpSp>
+    </p:spTree>
+    <p:extLst>
+      <p:ext uri="{BB962C8B-B14F-4D97-AF65-F5344CB8AC3E}">
+        <p14:creationId xmlns:p14="http://schemas.microsoft.com/office/powerpoint/2010/main" val="2676883907"/>
+      </p:ext>
+    </p:extLst>
+  </p:cSld>
+  <p:clrMapOvr>
+    <a:masterClrMapping/>
+  </p:clrMapOvr>
+</p:sld>
+</file>
+
+<file path=ppt/slides/slide8.xml><?xml version="1.0" encoding="utf-8"?>
+<p:sld xmlns:a="http://schemas.openxmlformats.org/drawingml/2006/main" xmlns:r="http://schemas.openxmlformats.org/officeDocument/2006/relationships" xmlns:p="http://schemas.openxmlformats.org/presentationml/2006/main">
+  <p:cSld>
+    <p:spTree>
+      <p:nvGrpSpPr>
+        <p:cNvPr id="1" name=""/>
+        <p:cNvGrpSpPr/>
+        <p:nvPr/>
+      </p:nvGrpSpPr>
+      <p:grpSpPr>
+        <a:xfrm>
+          <a:off x="0" y="0"/>
+          <a:ext cx="0" cy="0"/>
+          <a:chOff x="0" y="0"/>
+          <a:chExt cx="0" cy="0"/>
+        </a:xfrm>
+      </p:grpSpPr>
       <p:sp>
         <p:nvSpPr>
           <p:cNvPr id="4" name="矩形 3"/>
@@ -8153,7 +9425,7 @@
         <p:spPr>
           <a:xfrm>
             <a:off x="887506" y="416859"/>
-            <a:ext cx="8767482" cy="6131859"/>
+            <a:ext cx="10273830" cy="6131859"/>
           </a:xfrm>
           <a:prstGeom prst="rect">
             <a:avLst/>
@@ -8185,7 +9457,7 @@
           <a:bodyPr rtlCol="0" anchor="ctr"/>
           <a:lstStyle/>
           <a:p>
-            <a:pPr lvl="4">
+            <a:pPr marL="0" lvl="4" algn="ctr">
               <a:lnSpc>
                 <a:spcPct val="150000"/>
               </a:lnSpc>
@@ -8195,7 +9467,7 @@
                 <a:latin typeface="黑体" panose="02010609060101010101" pitchFamily="49" charset="-122"/>
                 <a:ea typeface="黑体" panose="02010609060101010101" pitchFamily="49" charset="-122"/>
               </a:rPr>
-              <a:t>请休息片刻，</a:t>
+              <a:t>等待双方休息完毕后</a:t>
             </a:r>
             <a:endParaRPr lang="en-US" altLang="zh-CN" sz="5400" b="1" dirty="0">
               <a:latin typeface="黑体" panose="02010609060101010101" pitchFamily="49" charset="-122"/>
@@ -8203,24 +9475,17 @@
             </a:endParaRPr>
           </a:p>
           <a:p>
-            <a:pPr lvl="4">
+            <a:pPr marL="0" lvl="4" algn="ctr">
               <a:lnSpc>
                 <a:spcPct val="150000"/>
               </a:lnSpc>
             </a:pPr>
             <a:r>
-              <a:rPr lang="en-US" altLang="zh-CN" sz="5400" b="1" dirty="0">
-                <a:latin typeface="黑体" panose="02010609060101010101" pitchFamily="49" charset="-122"/>
-                <a:ea typeface="黑体" panose="02010609060101010101" pitchFamily="49" charset="-122"/>
-              </a:rPr>
-              <a:t>30s</a:t>
-            </a:r>
-            <a:r>
               <a:rPr lang="zh-CN" altLang="en-US" sz="5400" b="1" dirty="0">
                 <a:latin typeface="黑体" panose="02010609060101010101" pitchFamily="49" charset="-122"/>
                 <a:ea typeface="黑体" panose="02010609060101010101" pitchFamily="49" charset="-122"/>
               </a:rPr>
-              <a:t>后游戏继续。</a:t>
+              <a:t>游戏继续。</a:t>
             </a:r>
           </a:p>
         </p:txBody>
@@ -8228,7 +9493,7 @@
     </p:spTree>
     <p:extLst>
       <p:ext uri="{BB962C8B-B14F-4D97-AF65-F5344CB8AC3E}">
-        <p14:creationId xmlns:p14="http://schemas.microsoft.com/office/powerpoint/2010/main" val="2676883907"/>
+        <p14:creationId xmlns:p14="http://schemas.microsoft.com/office/powerpoint/2010/main" val="679786441"/>
       </p:ext>
     </p:extLst>
   </p:cSld>
@@ -8238,7 +9503,7 @@
 </p:sld>
 </file>
 
-<file path=ppt/slides/slide7.xml><?xml version="1.0" encoding="utf-8"?>
+<file path=ppt/slides/slide9.xml><?xml version="1.0" encoding="utf-8"?>
 <p:sld xmlns:a="http://schemas.openxmlformats.org/drawingml/2006/main" xmlns:r="http://schemas.openxmlformats.org/officeDocument/2006/relationships" xmlns:p="http://schemas.openxmlformats.org/presentationml/2006/main">
   <p:cSld>
     <p:spTree>
@@ -8255,84 +9520,243 @@
           <a:chExt cx="0" cy="0"/>
         </a:xfrm>
       </p:grpSpPr>
-      <p:sp>
-        <p:nvSpPr>
-          <p:cNvPr id="4" name="矩形 3"/>
-          <p:cNvSpPr/>
+      <p:grpSp>
+        <p:nvGrpSpPr>
+          <p:cNvPr id="2" name="组合 1">
+            <a:extLst>
+              <a:ext uri="{FF2B5EF4-FFF2-40B4-BE49-F238E27FC236}">
+                <a16:creationId xmlns:a16="http://schemas.microsoft.com/office/drawing/2014/main" id="{2D561553-C373-4E61-9C6C-32886A39CC0B}"/>
+              </a:ext>
+            </a:extLst>
+          </p:cNvPr>
+          <p:cNvGrpSpPr/>
           <p:nvPr/>
-        </p:nvSpPr>
-        <p:spPr>
+        </p:nvGrpSpPr>
+        <p:grpSpPr>
           <a:xfrm>
-            <a:off x="887506" y="416859"/>
-            <a:ext cx="8767482" cy="6131859"/>
+            <a:off x="2177392" y="146253"/>
+            <a:ext cx="6705999" cy="6131859"/>
+            <a:chOff x="887506" y="416859"/>
+            <a:chExt cx="8457999" cy="6131859"/>
           </a:xfrm>
-          <a:prstGeom prst="rect">
-            <a:avLst/>
-          </a:prstGeom>
-          <a:solidFill>
-            <a:schemeClr val="bg2">
-              <a:lumMod val="25000"/>
-            </a:schemeClr>
-          </a:solidFill>
-          <a:ln>
-            <a:noFill/>
-          </a:ln>
-        </p:spPr>
-        <p:style>
-          <a:lnRef idx="3">
-            <a:schemeClr val="lt1"/>
-          </a:lnRef>
-          <a:fillRef idx="1">
-            <a:schemeClr val="accent3"/>
-          </a:fillRef>
-          <a:effectRef idx="1">
-            <a:schemeClr val="accent3"/>
-          </a:effectRef>
-          <a:fontRef idx="minor">
-            <a:schemeClr val="lt1"/>
-          </a:fontRef>
-        </p:style>
-        <p:txBody>
-          <a:bodyPr rtlCol="0" anchor="ctr"/>
-          <a:lstStyle/>
-          <a:p>
-            <a:pPr lvl="6">
-              <a:lnSpc>
-                <a:spcPct val="150000"/>
-              </a:lnSpc>
-            </a:pPr>
-            <a:r>
-              <a:rPr lang="zh-CN" altLang="en-US" sz="5400" b="1" dirty="0">
+        </p:grpSpPr>
+        <p:sp>
+          <p:nvSpPr>
+            <p:cNvPr id="4" name="矩形 3"/>
+            <p:cNvSpPr/>
+            <p:nvPr/>
+          </p:nvSpPr>
+          <p:spPr>
+            <a:xfrm>
+              <a:off x="887506" y="416859"/>
+              <a:ext cx="8457999" cy="6131859"/>
+            </a:xfrm>
+            <a:prstGeom prst="rect">
+              <a:avLst/>
+            </a:prstGeom>
+            <a:solidFill>
+              <a:schemeClr val="bg2">
+                <a:lumMod val="25000"/>
+              </a:schemeClr>
+            </a:solidFill>
+            <a:ln>
+              <a:noFill/>
+            </a:ln>
+          </p:spPr>
+          <p:style>
+            <a:lnRef idx="3">
+              <a:schemeClr val="lt1"/>
+            </a:lnRef>
+            <a:fillRef idx="1">
+              <a:schemeClr val="accent3"/>
+            </a:fillRef>
+            <a:effectRef idx="1">
+              <a:schemeClr val="accent3"/>
+            </a:effectRef>
+            <a:fontRef idx="minor">
+              <a:schemeClr val="lt1"/>
+            </a:fontRef>
+          </p:style>
+          <p:txBody>
+            <a:bodyPr rtlCol="0" anchor="t"/>
+            <a:lstStyle/>
+            <a:p>
+              <a:pPr marL="0" lvl="4" algn="ctr">
+                <a:lnSpc>
+                  <a:spcPct val="150000"/>
+                </a:lnSpc>
+              </a:pPr>
+              <a:endParaRPr lang="en-US" altLang="zh-CN" sz="3600" b="1" dirty="0">
                 <a:latin typeface="黑体" panose="02010609060101010101" pitchFamily="49" charset="-122"/>
                 <a:ea typeface="黑体" panose="02010609060101010101" pitchFamily="49" charset="-122"/>
-              </a:rPr>
-              <a:t>实验结束，</a:t>
-            </a:r>
-            <a:endParaRPr lang="en-US" altLang="zh-CN" sz="5400" b="1" dirty="0">
-              <a:latin typeface="黑体" panose="02010609060101010101" pitchFamily="49" charset="-122"/>
-              <a:ea typeface="黑体" panose="02010609060101010101" pitchFamily="49" charset="-122"/>
-            </a:endParaRPr>
-          </a:p>
-          <a:p>
-            <a:pPr lvl="6">
-              <a:lnSpc>
-                <a:spcPct val="150000"/>
-              </a:lnSpc>
-            </a:pPr>
-            <a:r>
-              <a:rPr lang="zh-CN" altLang="en-US" sz="5400" b="1" dirty="0">
+              </a:endParaRPr>
+            </a:p>
+            <a:p>
+              <a:pPr marL="0" lvl="4" algn="ctr">
+                <a:lnSpc>
+                  <a:spcPct val="150000"/>
+                </a:lnSpc>
+              </a:pPr>
+              <a:endParaRPr lang="en-US" altLang="zh-CN" sz="3600" b="1" dirty="0">
                 <a:latin typeface="黑体" panose="02010609060101010101" pitchFamily="49" charset="-122"/>
                 <a:ea typeface="黑体" panose="02010609060101010101" pitchFamily="49" charset="-122"/>
-              </a:rPr>
-              <a:t>请联系主试。</a:t>
-            </a:r>
-          </a:p>
-        </p:txBody>
-      </p:sp>
+              </a:endParaRPr>
+            </a:p>
+            <a:p>
+              <a:pPr marL="0" lvl="4" algn="ctr">
+                <a:lnSpc>
+                  <a:spcPct val="150000"/>
+                </a:lnSpc>
+              </a:pPr>
+              <a:r>
+                <a:rPr lang="zh-CN" altLang="en-US" sz="2800" b="1" dirty="0">
+                  <a:latin typeface="黑体" panose="02010609060101010101" pitchFamily="49" charset="-122"/>
+                  <a:ea typeface="黑体" panose="02010609060101010101" pitchFamily="49" charset="-122"/>
+                </a:rPr>
+                <a:t>请休息片刻，</a:t>
+              </a:r>
+            </a:p>
+            <a:p>
+              <a:pPr marL="0" lvl="4" algn="ctr">
+                <a:lnSpc>
+                  <a:spcPct val="150000"/>
+                </a:lnSpc>
+              </a:pPr>
+              <a:r>
+                <a:rPr lang="zh-CN" altLang="en-US" sz="2800" b="1" dirty="0">
+                  <a:latin typeface="黑体" panose="02010609060101010101" pitchFamily="49" charset="-122"/>
+                  <a:ea typeface="黑体" panose="02010609060101010101" pitchFamily="49" charset="-122"/>
+                </a:rPr>
+                <a:t>休息好后请按手柄</a:t>
+              </a:r>
+              <a:r>
+                <a:rPr lang="en-US" altLang="zh-CN" sz="2800" b="1" dirty="0">
+                  <a:latin typeface="黑体" panose="02010609060101010101" pitchFamily="49" charset="-122"/>
+                  <a:ea typeface="黑体" panose="02010609060101010101" pitchFamily="49" charset="-122"/>
+                </a:rPr>
+                <a:t>A</a:t>
+              </a:r>
+              <a:r>
+                <a:rPr lang="zh-CN" altLang="en-US" sz="2800" b="1" dirty="0">
+                  <a:latin typeface="黑体" panose="02010609060101010101" pitchFamily="49" charset="-122"/>
+                  <a:ea typeface="黑体" panose="02010609060101010101" pitchFamily="49" charset="-122"/>
+                </a:rPr>
+                <a:t>键</a:t>
+              </a:r>
+            </a:p>
+            <a:p>
+              <a:pPr marL="0" lvl="4" algn="ctr">
+                <a:lnSpc>
+                  <a:spcPct val="150000"/>
+                </a:lnSpc>
+              </a:pPr>
+              <a:r>
+                <a:rPr lang="zh-CN" altLang="en-US" sz="2800" b="1" dirty="0">
+                  <a:latin typeface="黑体" panose="02010609060101010101" pitchFamily="49" charset="-122"/>
+                  <a:ea typeface="黑体" panose="02010609060101010101" pitchFamily="49" charset="-122"/>
+                </a:rPr>
+                <a:t>等待双方确认后游戏继续。</a:t>
+              </a:r>
+              <a:endParaRPr lang="zh-CN" altLang="en-US" sz="3600" b="1" dirty="0">
+                <a:latin typeface="黑体" panose="02010609060101010101" pitchFamily="49" charset="-122"/>
+                <a:ea typeface="黑体" panose="02010609060101010101" pitchFamily="49" charset="-122"/>
+              </a:endParaRPr>
+            </a:p>
+          </p:txBody>
+        </p:sp>
+        <p:pic>
+          <p:nvPicPr>
+            <p:cNvPr id="3" name="图片 2">
+              <a:extLst>
+                <a:ext uri="{FF2B5EF4-FFF2-40B4-BE49-F238E27FC236}">
+                  <a16:creationId xmlns:a16="http://schemas.microsoft.com/office/drawing/2014/main" id="{5CE8B433-609C-457E-AB7E-3F796E1A1A7E}"/>
+                </a:ext>
+              </a:extLst>
+            </p:cNvPr>
+            <p:cNvPicPr>
+              <a:picLocks noChangeAspect="1"/>
+            </p:cNvPicPr>
+            <p:nvPr/>
+          </p:nvPicPr>
+          <p:blipFill>
+            <a:blip r:embed="rId2" cstate="print">
+              <a:extLst>
+                <a:ext uri="{28A0092B-C50C-407E-A947-70E740481C1C}">
+                  <a14:useLocalDpi xmlns:a14="http://schemas.microsoft.com/office/drawing/2010/main" val="0"/>
+                </a:ext>
+              </a:extLst>
+            </a:blip>
+            <a:stretch>
+              <a:fillRect/>
+            </a:stretch>
+          </p:blipFill>
+          <p:spPr>
+            <a:xfrm>
+              <a:off x="4011843" y="3886520"/>
+              <a:ext cx="2251866" cy="1823211"/>
+            </a:xfrm>
+            <a:prstGeom prst="rect">
+              <a:avLst/>
+            </a:prstGeom>
+          </p:spPr>
+        </p:pic>
+        <p:sp>
+          <p:nvSpPr>
+            <p:cNvPr id="5" name="椭圆 4">
+              <a:extLst>
+                <a:ext uri="{FF2B5EF4-FFF2-40B4-BE49-F238E27FC236}">
+                  <a16:creationId xmlns:a16="http://schemas.microsoft.com/office/drawing/2014/main" id="{0E0463B8-DCCC-46EB-B82F-AB1AE445C244}"/>
+                </a:ext>
+              </a:extLst>
+            </p:cNvPr>
+            <p:cNvSpPr/>
+            <p:nvPr/>
+          </p:nvSpPr>
+          <p:spPr>
+            <a:xfrm>
+              <a:off x="5666279" y="4536756"/>
+              <a:ext cx="321838" cy="308620"/>
+            </a:xfrm>
+            <a:prstGeom prst="ellipse">
+              <a:avLst/>
+            </a:prstGeom>
+            <a:noFill/>
+            <a:ln w="57150">
+              <a:solidFill>
+                <a:srgbClr val="FF0000"/>
+              </a:solidFill>
+            </a:ln>
+          </p:spPr>
+          <p:style>
+            <a:lnRef idx="2">
+              <a:schemeClr val="accent1">
+                <a:shade val="50000"/>
+              </a:schemeClr>
+            </a:lnRef>
+            <a:fillRef idx="1">
+              <a:schemeClr val="accent1"/>
+            </a:fillRef>
+            <a:effectRef idx="0">
+              <a:schemeClr val="accent1"/>
+            </a:effectRef>
+            <a:fontRef idx="minor">
+              <a:schemeClr val="lt1"/>
+            </a:fontRef>
+          </p:style>
+          <p:txBody>
+            <a:bodyPr rtlCol="0" anchor="ctr"/>
+            <a:lstStyle/>
+            <a:p>
+              <a:pPr algn="ctr"/>
+              <a:endParaRPr lang="zh-CN" altLang="en-US"/>
+            </a:p>
+          </p:txBody>
+        </p:sp>
+      </p:grpSp>
     </p:spTree>
     <p:extLst>
       <p:ext uri="{BB962C8B-B14F-4D97-AF65-F5344CB8AC3E}">
-        <p14:creationId xmlns:p14="http://schemas.microsoft.com/office/powerpoint/2010/main" val="856994835"/>
+        <p14:creationId xmlns:p14="http://schemas.microsoft.com/office/powerpoint/2010/main" val="3309565191"/>
       </p:ext>
     </p:extLst>
   </p:cSld>

--- a/pictures/introduction.pptx
+++ b/pictures/introduction.pptx
@@ -5,20 +5,18 @@
     <p:sldMasterId id="2147483648" r:id="rId1"/>
   </p:sldMasterIdLst>
   <p:notesMasterIdLst>
-    <p:notesMasterId r:id="rId13"/>
+    <p:notesMasterId r:id="rId11"/>
   </p:notesMasterIdLst>
   <p:sldIdLst>
     <p:sldId id="261" r:id="rId2"/>
     <p:sldId id="267" r:id="rId3"/>
     <p:sldId id="268" r:id="rId4"/>
     <p:sldId id="275" r:id="rId5"/>
-    <p:sldId id="274" r:id="rId6"/>
-    <p:sldId id="278" r:id="rId7"/>
-    <p:sldId id="260" r:id="rId8"/>
-    <p:sldId id="277" r:id="rId9"/>
-    <p:sldId id="276" r:id="rId10"/>
-    <p:sldId id="279" r:id="rId11"/>
-    <p:sldId id="259" r:id="rId12"/>
+    <p:sldId id="278" r:id="rId6"/>
+    <p:sldId id="276" r:id="rId7"/>
+    <p:sldId id="277" r:id="rId8"/>
+    <p:sldId id="259" r:id="rId9"/>
+    <p:sldId id="279" r:id="rId10"/>
   </p:sldIdLst>
   <p:sldSz cx="12192000" cy="6858000"/>
   <p:notesSz cx="6858000" cy="9144000"/>
@@ -120,7 +118,7 @@
   <p:extLst>
     <p:ext uri="{521415D9-36F7-43E2-AB2F-B90AF26B5E84}">
       <p14:sectionLst xmlns:p14="http://schemas.microsoft.com/office/powerpoint/2010/main">
-        <p14:section name="player1" id="{C928C6DD-A8B0-4EDF-9A2A-EB8EEBB6A25F}">
+        <p14:section name="introduction" id="{C928C6DD-A8B0-4EDF-9A2A-EB8EEBB6A25F}">
           <p14:sldIdLst>
             <p14:sldId id="261"/>
             <p14:sldId id="267"/>
@@ -130,13 +128,15 @@
         </p14:section>
         <p14:section name="insert pictures" id="{0987D39C-2E96-485A-8C68-510B317FB800}">
           <p14:sldIdLst>
-            <p14:sldId id="274"/>
             <p14:sldId id="278"/>
-            <p14:sldId id="260"/>
+            <p14:sldId id="276"/>
             <p14:sldId id="277"/>
-            <p14:sldId id="276"/>
+            <p14:sldId id="259"/>
+          </p14:sldIdLst>
+        </p14:section>
+        <p14:section name="not used" id="{8EF0A4D0-8265-4F5F-BE1A-CBA81FBCC78C}">
+          <p14:sldIdLst>
             <p14:sldId id="279"/>
-            <p14:sldId id="259"/>
           </p14:sldIdLst>
         </p14:section>
       </p14:sectionLst>
@@ -242,7 +242,7 @@
           <a:p>
             <a:fld id="{C0546B5F-B17E-4A11-A9CD-A10C644EC78D}" type="datetimeFigureOut">
               <a:rPr lang="zh-CN" altLang="en-US" smtClean="0"/>
-              <a:t>2021/7/21</a:t>
+              <a:t>2021/9/15</a:t>
             </a:fld>
             <a:endParaRPr lang="zh-CN" altLang="en-US"/>
           </a:p>
@@ -968,7 +968,7 @@
           <a:p>
             <a:fld id="{22C6D5CB-9E91-4D8B-8A6F-E7E64CE5E759}" type="datetimeFigureOut">
               <a:rPr lang="zh-CN" altLang="en-US" smtClean="0"/>
-              <a:t>2021/7/21</a:t>
+              <a:t>2021/9/15</a:t>
             </a:fld>
             <a:endParaRPr lang="zh-CN" altLang="en-US"/>
           </a:p>
@@ -1166,7 +1166,7 @@
           <a:p>
             <a:fld id="{22C6D5CB-9E91-4D8B-8A6F-E7E64CE5E759}" type="datetimeFigureOut">
               <a:rPr lang="zh-CN" altLang="en-US" smtClean="0"/>
-              <a:t>2021/7/21</a:t>
+              <a:t>2021/9/15</a:t>
             </a:fld>
             <a:endParaRPr lang="zh-CN" altLang="en-US"/>
           </a:p>
@@ -1374,7 +1374,7 @@
           <a:p>
             <a:fld id="{22C6D5CB-9E91-4D8B-8A6F-E7E64CE5E759}" type="datetimeFigureOut">
               <a:rPr lang="zh-CN" altLang="en-US" smtClean="0"/>
-              <a:t>2021/7/21</a:t>
+              <a:t>2021/9/15</a:t>
             </a:fld>
             <a:endParaRPr lang="zh-CN" altLang="en-US"/>
           </a:p>
@@ -1572,7 +1572,7 @@
           <a:p>
             <a:fld id="{22C6D5CB-9E91-4D8B-8A6F-E7E64CE5E759}" type="datetimeFigureOut">
               <a:rPr lang="zh-CN" altLang="en-US" smtClean="0"/>
-              <a:t>2021/7/21</a:t>
+              <a:t>2021/9/15</a:t>
             </a:fld>
             <a:endParaRPr lang="zh-CN" altLang="en-US"/>
           </a:p>
@@ -1847,7 +1847,7 @@
           <a:p>
             <a:fld id="{22C6D5CB-9E91-4D8B-8A6F-E7E64CE5E759}" type="datetimeFigureOut">
               <a:rPr lang="zh-CN" altLang="en-US" smtClean="0"/>
-              <a:t>2021/7/21</a:t>
+              <a:t>2021/9/15</a:t>
             </a:fld>
             <a:endParaRPr lang="zh-CN" altLang="en-US"/>
           </a:p>
@@ -2112,7 +2112,7 @@
           <a:p>
             <a:fld id="{22C6D5CB-9E91-4D8B-8A6F-E7E64CE5E759}" type="datetimeFigureOut">
               <a:rPr lang="zh-CN" altLang="en-US" smtClean="0"/>
-              <a:t>2021/7/21</a:t>
+              <a:t>2021/9/15</a:t>
             </a:fld>
             <a:endParaRPr lang="zh-CN" altLang="en-US"/>
           </a:p>
@@ -2524,7 +2524,7 @@
           <a:p>
             <a:fld id="{22C6D5CB-9E91-4D8B-8A6F-E7E64CE5E759}" type="datetimeFigureOut">
               <a:rPr lang="zh-CN" altLang="en-US" smtClean="0"/>
-              <a:t>2021/7/21</a:t>
+              <a:t>2021/9/15</a:t>
             </a:fld>
             <a:endParaRPr lang="zh-CN" altLang="en-US"/>
           </a:p>
@@ -2665,7 +2665,7 @@
           <a:p>
             <a:fld id="{22C6D5CB-9E91-4D8B-8A6F-E7E64CE5E759}" type="datetimeFigureOut">
               <a:rPr lang="zh-CN" altLang="en-US" smtClean="0"/>
-              <a:t>2021/7/21</a:t>
+              <a:t>2021/9/15</a:t>
             </a:fld>
             <a:endParaRPr lang="zh-CN" altLang="en-US"/>
           </a:p>
@@ -2778,7 +2778,7 @@
           <a:p>
             <a:fld id="{22C6D5CB-9E91-4D8B-8A6F-E7E64CE5E759}" type="datetimeFigureOut">
               <a:rPr lang="zh-CN" altLang="en-US" smtClean="0"/>
-              <a:t>2021/7/21</a:t>
+              <a:t>2021/9/15</a:t>
             </a:fld>
             <a:endParaRPr lang="zh-CN" altLang="en-US"/>
           </a:p>
@@ -3089,7 +3089,7 @@
           <a:p>
             <a:fld id="{22C6D5CB-9E91-4D8B-8A6F-E7E64CE5E759}" type="datetimeFigureOut">
               <a:rPr lang="zh-CN" altLang="en-US" smtClean="0"/>
-              <a:t>2021/7/21</a:t>
+              <a:t>2021/9/15</a:t>
             </a:fld>
             <a:endParaRPr lang="zh-CN" altLang="en-US"/>
           </a:p>
@@ -3377,7 +3377,7 @@
           <a:p>
             <a:fld id="{22C6D5CB-9E91-4D8B-8A6F-E7E64CE5E759}" type="datetimeFigureOut">
               <a:rPr lang="zh-CN" altLang="en-US" smtClean="0"/>
-              <a:t>2021/7/21</a:t>
+              <a:t>2021/9/15</a:t>
             </a:fld>
             <a:endParaRPr lang="zh-CN" altLang="en-US"/>
           </a:p>
@@ -3618,7 +3618,7 @@
           <a:p>
             <a:fld id="{22C6D5CB-9E91-4D8B-8A6F-E7E64CE5E759}" type="datetimeFigureOut">
               <a:rPr lang="zh-CN" altLang="en-US" smtClean="0"/>
-              <a:t>2021/7/21</a:t>
+              <a:t>2021/9/15</a:t>
             </a:fld>
             <a:endParaRPr lang="zh-CN" altLang="en-US"/>
           </a:p>
@@ -5090,221 +5090,6 @@
 </p:sld>
 </file>
 
-<file path=ppt/slides/slide10.xml><?xml version="1.0" encoding="utf-8"?>
-<p:sld xmlns:a="http://schemas.openxmlformats.org/drawingml/2006/main" xmlns:r="http://schemas.openxmlformats.org/officeDocument/2006/relationships" xmlns:p="http://schemas.openxmlformats.org/presentationml/2006/main">
-  <p:cSld>
-    <p:spTree>
-      <p:nvGrpSpPr>
-        <p:cNvPr id="1" name=""/>
-        <p:cNvGrpSpPr/>
-        <p:nvPr/>
-      </p:nvGrpSpPr>
-      <p:grpSpPr>
-        <a:xfrm>
-          <a:off x="0" y="0"/>
-          <a:ext cx="0" cy="0"/>
-          <a:chOff x="0" y="0"/>
-          <a:chExt cx="0" cy="0"/>
-        </a:xfrm>
-      </p:grpSpPr>
-      <p:sp>
-        <p:nvSpPr>
-          <p:cNvPr id="4" name="矩形 3"/>
-          <p:cNvSpPr/>
-          <p:nvPr/>
-        </p:nvSpPr>
-        <p:spPr>
-          <a:xfrm>
-            <a:off x="887506" y="416859"/>
-            <a:ext cx="8767482" cy="6131859"/>
-          </a:xfrm>
-          <a:prstGeom prst="rect">
-            <a:avLst/>
-          </a:prstGeom>
-          <a:solidFill>
-            <a:schemeClr val="bg2">
-              <a:lumMod val="25000"/>
-            </a:schemeClr>
-          </a:solidFill>
-          <a:ln>
-            <a:noFill/>
-          </a:ln>
-        </p:spPr>
-        <p:style>
-          <a:lnRef idx="3">
-            <a:schemeClr val="lt1"/>
-          </a:lnRef>
-          <a:fillRef idx="1">
-            <a:schemeClr val="accent3"/>
-          </a:fillRef>
-          <a:effectRef idx="1">
-            <a:schemeClr val="accent3"/>
-          </a:effectRef>
-          <a:fontRef idx="minor">
-            <a:schemeClr val="lt1"/>
-          </a:fontRef>
-        </p:style>
-        <p:txBody>
-          <a:bodyPr rtlCol="0" anchor="ctr"/>
-          <a:lstStyle/>
-          <a:p>
-            <a:pPr lvl="4">
-              <a:lnSpc>
-                <a:spcPct val="150000"/>
-              </a:lnSpc>
-            </a:pPr>
-            <a:r>
-              <a:rPr lang="zh-CN" altLang="en-US" sz="5400" b="1" dirty="0">
-                <a:latin typeface="黑体" panose="02010609060101010101" pitchFamily="49" charset="-122"/>
-                <a:ea typeface="黑体" panose="02010609060101010101" pitchFamily="49" charset="-122"/>
-              </a:rPr>
-              <a:t>请休息片刻，</a:t>
-            </a:r>
-            <a:endParaRPr lang="en-US" altLang="zh-CN" sz="5400" b="1" dirty="0">
-              <a:latin typeface="黑体" panose="02010609060101010101" pitchFamily="49" charset="-122"/>
-              <a:ea typeface="黑体" panose="02010609060101010101" pitchFamily="49" charset="-122"/>
-            </a:endParaRPr>
-          </a:p>
-          <a:p>
-            <a:pPr lvl="4">
-              <a:lnSpc>
-                <a:spcPct val="150000"/>
-              </a:lnSpc>
-            </a:pPr>
-            <a:r>
-              <a:rPr lang="en-US" altLang="zh-CN" sz="5400" b="1" dirty="0">
-                <a:latin typeface="黑体" panose="02010609060101010101" pitchFamily="49" charset="-122"/>
-                <a:ea typeface="黑体" panose="02010609060101010101" pitchFamily="49" charset="-122"/>
-              </a:rPr>
-              <a:t>30s</a:t>
-            </a:r>
-            <a:r>
-              <a:rPr lang="zh-CN" altLang="en-US" sz="5400" b="1" dirty="0">
-                <a:latin typeface="黑体" panose="02010609060101010101" pitchFamily="49" charset="-122"/>
-                <a:ea typeface="黑体" panose="02010609060101010101" pitchFamily="49" charset="-122"/>
-              </a:rPr>
-              <a:t>后游戏继续。</a:t>
-            </a:r>
-          </a:p>
-        </p:txBody>
-      </p:sp>
-    </p:spTree>
-    <p:extLst>
-      <p:ext uri="{BB962C8B-B14F-4D97-AF65-F5344CB8AC3E}">
-        <p14:creationId xmlns:p14="http://schemas.microsoft.com/office/powerpoint/2010/main" val="3226466048"/>
-      </p:ext>
-    </p:extLst>
-  </p:cSld>
-  <p:clrMapOvr>
-    <a:masterClrMapping/>
-  </p:clrMapOvr>
-</p:sld>
-</file>
-
-<file path=ppt/slides/slide11.xml><?xml version="1.0" encoding="utf-8"?>
-<p:sld xmlns:a="http://schemas.openxmlformats.org/drawingml/2006/main" xmlns:r="http://schemas.openxmlformats.org/officeDocument/2006/relationships" xmlns:p="http://schemas.openxmlformats.org/presentationml/2006/main">
-  <p:cSld>
-    <p:spTree>
-      <p:nvGrpSpPr>
-        <p:cNvPr id="1" name=""/>
-        <p:cNvGrpSpPr/>
-        <p:nvPr/>
-      </p:nvGrpSpPr>
-      <p:grpSpPr>
-        <a:xfrm>
-          <a:off x="0" y="0"/>
-          <a:ext cx="0" cy="0"/>
-          <a:chOff x="0" y="0"/>
-          <a:chExt cx="0" cy="0"/>
-        </a:xfrm>
-      </p:grpSpPr>
-      <p:sp>
-        <p:nvSpPr>
-          <p:cNvPr id="4" name="矩形 3"/>
-          <p:cNvSpPr/>
-          <p:nvPr/>
-        </p:nvSpPr>
-        <p:spPr>
-          <a:xfrm>
-            <a:off x="887506" y="416859"/>
-            <a:ext cx="8767482" cy="6131859"/>
-          </a:xfrm>
-          <a:prstGeom prst="rect">
-            <a:avLst/>
-          </a:prstGeom>
-          <a:solidFill>
-            <a:schemeClr val="bg2">
-              <a:lumMod val="25000"/>
-            </a:schemeClr>
-          </a:solidFill>
-          <a:ln>
-            <a:noFill/>
-          </a:ln>
-        </p:spPr>
-        <p:style>
-          <a:lnRef idx="3">
-            <a:schemeClr val="lt1"/>
-          </a:lnRef>
-          <a:fillRef idx="1">
-            <a:schemeClr val="accent3"/>
-          </a:fillRef>
-          <a:effectRef idx="1">
-            <a:schemeClr val="accent3"/>
-          </a:effectRef>
-          <a:fontRef idx="minor">
-            <a:schemeClr val="lt1"/>
-          </a:fontRef>
-        </p:style>
-        <p:txBody>
-          <a:bodyPr rtlCol="0" anchor="ctr"/>
-          <a:lstStyle/>
-          <a:p>
-            <a:pPr lvl="6">
-              <a:lnSpc>
-                <a:spcPct val="150000"/>
-              </a:lnSpc>
-            </a:pPr>
-            <a:r>
-              <a:rPr lang="zh-CN" altLang="en-US" sz="5400" b="1" dirty="0">
-                <a:latin typeface="黑体" panose="02010609060101010101" pitchFamily="49" charset="-122"/>
-                <a:ea typeface="黑体" panose="02010609060101010101" pitchFamily="49" charset="-122"/>
-              </a:rPr>
-              <a:t>实验结束，</a:t>
-            </a:r>
-            <a:endParaRPr lang="en-US" altLang="zh-CN" sz="5400" b="1" dirty="0">
-              <a:latin typeface="黑体" panose="02010609060101010101" pitchFamily="49" charset="-122"/>
-              <a:ea typeface="黑体" panose="02010609060101010101" pitchFamily="49" charset="-122"/>
-            </a:endParaRPr>
-          </a:p>
-          <a:p>
-            <a:pPr lvl="6">
-              <a:lnSpc>
-                <a:spcPct val="150000"/>
-              </a:lnSpc>
-            </a:pPr>
-            <a:r>
-              <a:rPr lang="zh-CN" altLang="en-US" sz="5400" b="1" dirty="0">
-                <a:latin typeface="黑体" panose="02010609060101010101" pitchFamily="49" charset="-122"/>
-                <a:ea typeface="黑体" panose="02010609060101010101" pitchFamily="49" charset="-122"/>
-              </a:rPr>
-              <a:t>请联系主试。</a:t>
-            </a:r>
-          </a:p>
-        </p:txBody>
-      </p:sp>
-    </p:spTree>
-    <p:extLst>
-      <p:ext uri="{BB962C8B-B14F-4D97-AF65-F5344CB8AC3E}">
-        <p14:creationId xmlns:p14="http://schemas.microsoft.com/office/powerpoint/2010/main" val="856994835"/>
-      </p:ext>
-    </p:extLst>
-  </p:cSld>
-  <p:clrMapOvr>
-    <a:masterClrMapping/>
-  </p:clrMapOvr>
-</p:sld>
-</file>
-
 <file path=ppt/slides/slide2.xml><?xml version="1.0" encoding="utf-8"?>
 <p:sld xmlns:a="http://schemas.openxmlformats.org/drawingml/2006/main" xmlns:r="http://schemas.openxmlformats.org/officeDocument/2006/relationships" xmlns:p="http://schemas.openxmlformats.org/presentationml/2006/main">
   <p:cSld>
@@ -7571,7 +7356,7 @@
 </file>
 
 <file path=ppt/slides/slide4.xml><?xml version="1.0" encoding="utf-8"?>
-<p:sld xmlns:a="http://schemas.openxmlformats.org/drawingml/2006/main" xmlns:r="http://schemas.openxmlformats.org/officeDocument/2006/relationships" xmlns:p="http://schemas.openxmlformats.org/presentationml/2006/main">
+<p:sld xmlns:a="http://schemas.openxmlformats.org/drawingml/2006/main" xmlns:r="http://schemas.openxmlformats.org/officeDocument/2006/relationships" xmlns:p="http://schemas.openxmlformats.org/presentationml/2006/main" show="0">
   <p:cSld>
     <p:spTree>
       <p:nvGrpSpPr>
@@ -7709,12 +7494,592 @@
           <a:chExt cx="0" cy="0"/>
         </a:xfrm>
       </p:grpSpPr>
+      <p:sp>
+        <p:nvSpPr>
+          <p:cNvPr id="4" name="矩形 3"/>
+          <p:cNvSpPr/>
+          <p:nvPr/>
+        </p:nvSpPr>
+        <p:spPr>
+          <a:xfrm>
+            <a:off x="1500336" y="363070"/>
+            <a:ext cx="8767482" cy="6131859"/>
+          </a:xfrm>
+          <a:prstGeom prst="rect">
+            <a:avLst/>
+          </a:prstGeom>
+          <a:solidFill>
+            <a:schemeClr val="bg2">
+              <a:lumMod val="25000"/>
+            </a:schemeClr>
+          </a:solidFill>
+          <a:ln>
+            <a:noFill/>
+          </a:ln>
+        </p:spPr>
+        <p:style>
+          <a:lnRef idx="3">
+            <a:schemeClr val="lt1"/>
+          </a:lnRef>
+          <a:fillRef idx="1">
+            <a:schemeClr val="accent3"/>
+          </a:fillRef>
+          <a:effectRef idx="1">
+            <a:schemeClr val="accent3"/>
+          </a:effectRef>
+          <a:fontRef idx="minor">
+            <a:schemeClr val="lt1"/>
+          </a:fontRef>
+        </p:style>
+        <p:txBody>
+          <a:bodyPr rtlCol="0" anchor="ctr"/>
+          <a:lstStyle/>
+          <a:p>
+            <a:pPr>
+              <a:lnSpc>
+                <a:spcPct val="150000"/>
+              </a:lnSpc>
+              <a:spcBef>
+                <a:spcPts val="200"/>
+              </a:spcBef>
+              <a:spcAft>
+                <a:spcPts val="200"/>
+              </a:spcAft>
+            </a:pPr>
+            <a:endParaRPr lang="zh-CN" altLang="en-US" sz="2000" dirty="0">
+              <a:latin typeface="黑体" panose="02010609060101010101" pitchFamily="49" charset="-122"/>
+              <a:ea typeface="黑体" panose="02010609060101010101" pitchFamily="49" charset="-122"/>
+            </a:endParaRPr>
+          </a:p>
+        </p:txBody>
+      </p:sp>
+      <p:sp>
+        <p:nvSpPr>
+          <p:cNvPr id="3" name="文本框 2"/>
+          <p:cNvSpPr txBox="1"/>
+          <p:nvPr/>
+        </p:nvSpPr>
+        <p:spPr>
+          <a:xfrm>
+            <a:off x="1870130" y="672600"/>
+            <a:ext cx="7879976" cy="5526321"/>
+          </a:xfrm>
+          <a:prstGeom prst="rect">
+            <a:avLst/>
+          </a:prstGeom>
+          <a:noFill/>
+        </p:spPr>
+        <p:txBody>
+          <a:bodyPr wrap="square" rtlCol="0">
+            <a:spAutoFit/>
+          </a:bodyPr>
+          <a:lstStyle/>
+          <a:p>
+            <a:pPr algn="ctr">
+              <a:lnSpc>
+                <a:spcPct val="150000"/>
+              </a:lnSpc>
+              <a:spcBef>
+                <a:spcPts val="200"/>
+              </a:spcBef>
+              <a:spcAft>
+                <a:spcPts val="200"/>
+              </a:spcAft>
+            </a:pPr>
+            <a:r>
+              <a:rPr lang="zh-CN" altLang="en-US" b="1" dirty="0">
+                <a:solidFill>
+                  <a:schemeClr val="bg1">
+                    <a:lumMod val="95000"/>
+                  </a:schemeClr>
+                </a:solidFill>
+                <a:latin typeface="黑体" panose="02010609060101010101" pitchFamily="49" charset="-122"/>
+                <a:ea typeface="黑体" panose="02010609060101010101" pitchFamily="49" charset="-122"/>
+              </a:rPr>
+              <a:t>您好，欢迎参与“狼追羊”游戏！</a:t>
+            </a:r>
+            <a:endParaRPr lang="en-US" altLang="zh-CN" b="1" dirty="0">
+              <a:solidFill>
+                <a:schemeClr val="bg1">
+                  <a:lumMod val="95000"/>
+                </a:schemeClr>
+              </a:solidFill>
+              <a:latin typeface="黑体" panose="02010609060101010101" pitchFamily="49" charset="-122"/>
+              <a:ea typeface="黑体" panose="02010609060101010101" pitchFamily="49" charset="-122"/>
+            </a:endParaRPr>
+          </a:p>
+          <a:p>
+            <a:pPr>
+              <a:lnSpc>
+                <a:spcPct val="150000"/>
+              </a:lnSpc>
+              <a:spcBef>
+                <a:spcPts val="200"/>
+              </a:spcBef>
+              <a:spcAft>
+                <a:spcPts val="200"/>
+              </a:spcAft>
+            </a:pPr>
+            <a:r>
+              <a:rPr lang="zh-CN" altLang="en-US" b="1" dirty="0">
+                <a:solidFill>
+                  <a:schemeClr val="bg1">
+                    <a:lumMod val="95000"/>
+                  </a:schemeClr>
+                </a:solidFill>
+                <a:latin typeface="黑体" panose="02010609060101010101" pitchFamily="49" charset="-122"/>
+                <a:ea typeface="黑体" panose="02010609060101010101" pitchFamily="49" charset="-122"/>
+              </a:rPr>
+              <a:t>游戏即将开始，您可以通过操纵游戏手柄左上角的摇杆来控制狼的移动</a:t>
+            </a:r>
+            <a:endParaRPr lang="en-US" altLang="zh-CN" b="1" dirty="0">
+              <a:solidFill>
+                <a:schemeClr val="bg1">
+                  <a:lumMod val="95000"/>
+                </a:schemeClr>
+              </a:solidFill>
+              <a:latin typeface="黑体" panose="02010609060101010101" pitchFamily="49" charset="-122"/>
+              <a:ea typeface="黑体" panose="02010609060101010101" pitchFamily="49" charset="-122"/>
+            </a:endParaRPr>
+          </a:p>
+          <a:p>
+            <a:pPr>
+              <a:lnSpc>
+                <a:spcPct val="150000"/>
+              </a:lnSpc>
+              <a:spcBef>
+                <a:spcPts val="200"/>
+              </a:spcBef>
+              <a:spcAft>
+                <a:spcPts val="200"/>
+              </a:spcAft>
+            </a:pPr>
+            <a:endParaRPr lang="en-US" altLang="zh-CN" b="1" dirty="0">
+              <a:solidFill>
+                <a:schemeClr val="bg1">
+                  <a:lumMod val="95000"/>
+                </a:schemeClr>
+              </a:solidFill>
+              <a:latin typeface="黑体" panose="02010609060101010101" pitchFamily="49" charset="-122"/>
+              <a:ea typeface="黑体" panose="02010609060101010101" pitchFamily="49" charset="-122"/>
+            </a:endParaRPr>
+          </a:p>
+          <a:p>
+            <a:pPr>
+              <a:lnSpc>
+                <a:spcPct val="150000"/>
+              </a:lnSpc>
+              <a:spcBef>
+                <a:spcPts val="200"/>
+              </a:spcBef>
+              <a:spcAft>
+                <a:spcPts val="200"/>
+              </a:spcAft>
+            </a:pPr>
+            <a:endParaRPr lang="en-US" altLang="zh-CN" b="1" dirty="0">
+              <a:solidFill>
+                <a:schemeClr val="bg1">
+                  <a:lumMod val="95000"/>
+                </a:schemeClr>
+              </a:solidFill>
+              <a:latin typeface="黑体" panose="02010609060101010101" pitchFamily="49" charset="-122"/>
+              <a:ea typeface="黑体" panose="02010609060101010101" pitchFamily="49" charset="-122"/>
+            </a:endParaRPr>
+          </a:p>
+          <a:p>
+            <a:pPr>
+              <a:lnSpc>
+                <a:spcPct val="150000"/>
+              </a:lnSpc>
+              <a:spcBef>
+                <a:spcPts val="200"/>
+              </a:spcBef>
+              <a:spcAft>
+                <a:spcPts val="200"/>
+              </a:spcAft>
+            </a:pPr>
+            <a:endParaRPr lang="en-US" altLang="zh-CN" b="1" dirty="0">
+              <a:solidFill>
+                <a:schemeClr val="bg1">
+                  <a:lumMod val="95000"/>
+                </a:schemeClr>
+              </a:solidFill>
+              <a:latin typeface="黑体" panose="02010609060101010101" pitchFamily="49" charset="-122"/>
+              <a:ea typeface="黑体" panose="02010609060101010101" pitchFamily="49" charset="-122"/>
+            </a:endParaRPr>
+          </a:p>
+          <a:p>
+            <a:pPr>
+              <a:lnSpc>
+                <a:spcPct val="150000"/>
+              </a:lnSpc>
+              <a:spcBef>
+                <a:spcPts val="200"/>
+              </a:spcBef>
+              <a:spcAft>
+                <a:spcPts val="200"/>
+              </a:spcAft>
+            </a:pPr>
+            <a:r>
+              <a:rPr lang="zh-CN" altLang="en-US" b="1" dirty="0">
+                <a:solidFill>
+                  <a:schemeClr val="bg1">
+                    <a:lumMod val="95000"/>
+                  </a:schemeClr>
+                </a:solidFill>
+                <a:latin typeface="黑体" panose="02010609060101010101" pitchFamily="49" charset="-122"/>
+                <a:ea typeface="黑体" panose="02010609060101010101" pitchFamily="49" charset="-122"/>
+              </a:rPr>
+              <a:t>再次提醒：</a:t>
+            </a:r>
+            <a:endParaRPr lang="en-US" altLang="zh-CN" b="1" dirty="0">
+              <a:solidFill>
+                <a:schemeClr val="bg1">
+                  <a:lumMod val="95000"/>
+                </a:schemeClr>
+              </a:solidFill>
+              <a:latin typeface="黑体" panose="02010609060101010101" pitchFamily="49" charset="-122"/>
+              <a:ea typeface="黑体" panose="02010609060101010101" pitchFamily="49" charset="-122"/>
+            </a:endParaRPr>
+          </a:p>
+          <a:p>
+            <a:pPr>
+              <a:lnSpc>
+                <a:spcPct val="150000"/>
+              </a:lnSpc>
+              <a:spcBef>
+                <a:spcPts val="200"/>
+              </a:spcBef>
+              <a:spcAft>
+                <a:spcPts val="200"/>
+              </a:spcAft>
+            </a:pPr>
+            <a:r>
+              <a:rPr lang="en-US" altLang="zh-CN" b="1" dirty="0">
+                <a:solidFill>
+                  <a:schemeClr val="bg1">
+                    <a:lumMod val="95000"/>
+                  </a:schemeClr>
+                </a:solidFill>
+                <a:latin typeface="黑体" panose="02010609060101010101" pitchFamily="49" charset="-122"/>
+                <a:ea typeface="黑体" panose="02010609060101010101" pitchFamily="49" charset="-122"/>
+              </a:rPr>
+              <a:t>1</a:t>
+            </a:r>
+            <a:r>
+              <a:rPr lang="zh-CN" altLang="en-US" b="1" dirty="0">
+                <a:solidFill>
+                  <a:schemeClr val="bg1">
+                    <a:lumMod val="95000"/>
+                  </a:schemeClr>
+                </a:solidFill>
+                <a:latin typeface="黑体" panose="02010609060101010101" pitchFamily="49" charset="-122"/>
+                <a:ea typeface="黑体" panose="02010609060101010101" pitchFamily="49" charset="-122"/>
+              </a:rPr>
+              <a:t>）游戏任务是尽快地在</a:t>
+            </a:r>
+            <a:r>
+              <a:rPr lang="zh-CN" altLang="en-US" b="1" dirty="0">
+                <a:solidFill>
+                  <a:srgbClr val="FF0000"/>
+                </a:solidFill>
+                <a:latin typeface="黑体" panose="02010609060101010101" pitchFamily="49" charset="-122"/>
+                <a:ea typeface="黑体" panose="02010609060101010101" pitchFamily="49" charset="-122"/>
+              </a:rPr>
+              <a:t>规定时间内（</a:t>
+            </a:r>
+            <a:r>
+              <a:rPr lang="en-US" altLang="zh-CN" b="1" dirty="0">
+                <a:solidFill>
+                  <a:srgbClr val="FF0000"/>
+                </a:solidFill>
+                <a:latin typeface="黑体" panose="02010609060101010101" pitchFamily="49" charset="-122"/>
+                <a:ea typeface="黑体" panose="02010609060101010101" pitchFamily="49" charset="-122"/>
+              </a:rPr>
+              <a:t>15s</a:t>
+            </a:r>
+            <a:r>
+              <a:rPr lang="zh-CN" altLang="en-US" b="1" dirty="0">
+                <a:solidFill>
+                  <a:srgbClr val="FF0000"/>
+                </a:solidFill>
+                <a:latin typeface="黑体" panose="02010609060101010101" pitchFamily="49" charset="-122"/>
+                <a:ea typeface="黑体" panose="02010609060101010101" pitchFamily="49" charset="-122"/>
+              </a:rPr>
+              <a:t>）</a:t>
+            </a:r>
+            <a:r>
+              <a:rPr lang="zh-CN" altLang="en-US" b="1" dirty="0">
+                <a:solidFill>
+                  <a:schemeClr val="bg1">
+                    <a:lumMod val="95000"/>
+                  </a:schemeClr>
+                </a:solidFill>
+                <a:latin typeface="黑体" panose="02010609060101010101" pitchFamily="49" charset="-122"/>
+                <a:ea typeface="黑体" panose="02010609060101010101" pitchFamily="49" charset="-122"/>
+              </a:rPr>
+              <a:t>抓住屏幕中跑动的羊（</a:t>
+            </a:r>
+            <a:r>
+              <a:rPr lang="zh-CN" altLang="en-US" b="1" dirty="0">
+                <a:solidFill>
+                  <a:srgbClr val="FFA500"/>
+                </a:solidFill>
+                <a:latin typeface="黑体" panose="02010609060101010101" pitchFamily="49" charset="-122"/>
+                <a:ea typeface="黑体" panose="02010609060101010101" pitchFamily="49" charset="-122"/>
+              </a:rPr>
+              <a:t>黄色小球</a:t>
+            </a:r>
+            <a:r>
+              <a:rPr lang="zh-CN" altLang="en-US" b="1" dirty="0">
+                <a:solidFill>
+                  <a:schemeClr val="bg1">
+                    <a:lumMod val="95000"/>
+                  </a:schemeClr>
+                </a:solidFill>
+                <a:latin typeface="黑体" panose="02010609060101010101" pitchFamily="49" charset="-122"/>
+                <a:ea typeface="黑体" panose="02010609060101010101" pitchFamily="49" charset="-122"/>
+              </a:rPr>
+              <a:t>）</a:t>
+            </a:r>
+            <a:endParaRPr lang="en-US" altLang="zh-CN" b="1" dirty="0">
+              <a:solidFill>
+                <a:schemeClr val="bg1">
+                  <a:lumMod val="95000"/>
+                </a:schemeClr>
+              </a:solidFill>
+              <a:latin typeface="黑体" panose="02010609060101010101" pitchFamily="49" charset="-122"/>
+              <a:ea typeface="黑体" panose="02010609060101010101" pitchFamily="49" charset="-122"/>
+            </a:endParaRPr>
+          </a:p>
+          <a:p>
+            <a:pPr>
+              <a:lnSpc>
+                <a:spcPct val="150000"/>
+              </a:lnSpc>
+              <a:spcBef>
+                <a:spcPts val="200"/>
+              </a:spcBef>
+              <a:spcAft>
+                <a:spcPts val="200"/>
+              </a:spcAft>
+            </a:pPr>
+            <a:r>
+              <a:rPr lang="en-US" altLang="zh-CN" b="1" dirty="0">
+                <a:solidFill>
+                  <a:schemeClr val="bg1">
+                    <a:lumMod val="95000"/>
+                  </a:schemeClr>
+                </a:solidFill>
+                <a:latin typeface="黑体" panose="02010609060101010101" pitchFamily="49" charset="-122"/>
+                <a:ea typeface="黑体" panose="02010609060101010101" pitchFamily="49" charset="-122"/>
+              </a:rPr>
+              <a:t>2</a:t>
+            </a:r>
+            <a:r>
+              <a:rPr lang="zh-CN" altLang="en-US" b="1" dirty="0">
+                <a:solidFill>
+                  <a:schemeClr val="bg1">
+                    <a:lumMod val="95000"/>
+                  </a:schemeClr>
+                </a:solidFill>
+                <a:latin typeface="黑体" panose="02010609060101010101" pitchFamily="49" charset="-122"/>
+                <a:ea typeface="黑体" panose="02010609060101010101" pitchFamily="49" charset="-122"/>
+              </a:rPr>
+              <a:t>）</a:t>
+            </a:r>
+            <a:r>
+              <a:rPr lang="zh-CN" altLang="en-US" b="1" dirty="0">
+                <a:solidFill>
+                  <a:srgbClr val="FF0000"/>
+                </a:solidFill>
+                <a:latin typeface="黑体" panose="02010609060101010101" pitchFamily="49" charset="-122"/>
+                <a:ea typeface="黑体" panose="02010609060101010101" pitchFamily="49" charset="-122"/>
+              </a:rPr>
+              <a:t>每抓到一只羊</a:t>
+            </a:r>
+            <a:r>
+              <a:rPr lang="zh-CN" altLang="en-US" b="1" dirty="0">
+                <a:solidFill>
+                  <a:schemeClr val="bg1">
+                    <a:lumMod val="95000"/>
+                  </a:schemeClr>
+                </a:solidFill>
+                <a:latin typeface="黑体" panose="02010609060101010101" pitchFamily="49" charset="-122"/>
+                <a:ea typeface="黑体" panose="02010609060101010101" pitchFamily="49" charset="-122"/>
+              </a:rPr>
+              <a:t>或</a:t>
+            </a:r>
+            <a:r>
+              <a:rPr lang="en-US" altLang="zh-CN" b="1" dirty="0">
+                <a:solidFill>
+                  <a:srgbClr val="FF0000"/>
+                </a:solidFill>
+                <a:latin typeface="黑体" panose="02010609060101010101" pitchFamily="49" charset="-122"/>
+                <a:ea typeface="黑体" panose="02010609060101010101" pitchFamily="49" charset="-122"/>
+              </a:rPr>
+              <a:t>15s</a:t>
+            </a:r>
+            <a:r>
+              <a:rPr lang="zh-CN" altLang="en-US" b="1" dirty="0">
+                <a:solidFill>
+                  <a:srgbClr val="FF0000"/>
+                </a:solidFill>
+                <a:latin typeface="黑体" panose="02010609060101010101" pitchFamily="49" charset="-122"/>
+                <a:ea typeface="黑体" panose="02010609060101010101" pitchFamily="49" charset="-122"/>
+              </a:rPr>
+              <a:t>内两名玩家均未抓到羊</a:t>
+            </a:r>
+            <a:r>
+              <a:rPr lang="zh-CN" altLang="en-US" b="1" dirty="0">
+                <a:solidFill>
+                  <a:schemeClr val="bg1">
+                    <a:lumMod val="95000"/>
+                  </a:schemeClr>
+                </a:solidFill>
+                <a:latin typeface="黑体" panose="02010609060101010101" pitchFamily="49" charset="-122"/>
+                <a:ea typeface="黑体" panose="02010609060101010101" pitchFamily="49" charset="-122"/>
+              </a:rPr>
+              <a:t>，则立即进入下一轮游戏。此时游戏界面刷新，两名玩家的位置也会刷新</a:t>
+            </a:r>
+            <a:endParaRPr lang="en-US" altLang="zh-CN" b="1" dirty="0">
+              <a:solidFill>
+                <a:schemeClr val="bg1">
+                  <a:lumMod val="95000"/>
+                </a:schemeClr>
+              </a:solidFill>
+              <a:latin typeface="黑体" panose="02010609060101010101" pitchFamily="49" charset="-122"/>
+              <a:ea typeface="黑体" panose="02010609060101010101" pitchFamily="49" charset="-122"/>
+            </a:endParaRPr>
+          </a:p>
+          <a:p>
+            <a:pPr>
+              <a:lnSpc>
+                <a:spcPct val="150000"/>
+              </a:lnSpc>
+              <a:spcBef>
+                <a:spcPts val="200"/>
+              </a:spcBef>
+              <a:spcAft>
+                <a:spcPts val="200"/>
+              </a:spcAft>
+            </a:pPr>
+            <a:r>
+              <a:rPr lang="en-US" altLang="zh-CN" b="1" dirty="0">
+                <a:solidFill>
+                  <a:schemeClr val="bg1">
+                    <a:lumMod val="95000"/>
+                  </a:schemeClr>
+                </a:solidFill>
+                <a:latin typeface="黑体" panose="02010609060101010101" pitchFamily="49" charset="-122"/>
+                <a:ea typeface="黑体" panose="02010609060101010101" pitchFamily="49" charset="-122"/>
+              </a:rPr>
+              <a:t>3</a:t>
+            </a:r>
+            <a:r>
+              <a:rPr lang="zh-CN" altLang="en-US" b="1" dirty="0">
+                <a:solidFill>
+                  <a:schemeClr val="bg1">
+                    <a:lumMod val="95000"/>
+                  </a:schemeClr>
+                </a:solidFill>
+                <a:latin typeface="黑体" panose="02010609060101010101" pitchFamily="49" charset="-122"/>
+                <a:ea typeface="黑体" panose="02010609060101010101" pitchFamily="49" charset="-122"/>
+              </a:rPr>
+              <a:t>）实验报酬和最终总分数相关</a:t>
+            </a:r>
+          </a:p>
+          <a:p>
+            <a:pPr algn="ctr">
+              <a:lnSpc>
+                <a:spcPct val="150000"/>
+              </a:lnSpc>
+              <a:spcBef>
+                <a:spcPts val="200"/>
+              </a:spcBef>
+              <a:spcAft>
+                <a:spcPts val="200"/>
+              </a:spcAft>
+            </a:pPr>
+            <a:r>
+              <a:rPr lang="zh-CN" altLang="en-US" b="1" dirty="0">
+                <a:solidFill>
+                  <a:schemeClr val="bg1">
+                    <a:lumMod val="95000"/>
+                  </a:schemeClr>
+                </a:solidFill>
+                <a:latin typeface="黑体" panose="02010609060101010101" pitchFamily="49" charset="-122"/>
+                <a:ea typeface="黑体" panose="02010609060101010101" pitchFamily="49" charset="-122"/>
+              </a:rPr>
+              <a:t>明确自己的任务后，请按下</a:t>
+            </a:r>
+            <a:r>
+              <a:rPr lang="en-US" altLang="zh-CN" b="1" dirty="0">
+                <a:solidFill>
+                  <a:schemeClr val="bg1">
+                    <a:lumMod val="95000"/>
+                  </a:schemeClr>
+                </a:solidFill>
+                <a:latin typeface="黑体" panose="02010609060101010101" pitchFamily="49" charset="-122"/>
+                <a:ea typeface="黑体" panose="02010609060101010101" pitchFamily="49" charset="-122"/>
+              </a:rPr>
+              <a:t>a</a:t>
+            </a:r>
+            <a:r>
+              <a:rPr lang="zh-CN" altLang="en-US" b="1" dirty="0">
+                <a:solidFill>
+                  <a:schemeClr val="bg1">
+                    <a:lumMod val="95000"/>
+                  </a:schemeClr>
+                </a:solidFill>
+                <a:latin typeface="黑体" panose="02010609060101010101" pitchFamily="49" charset="-122"/>
+                <a:ea typeface="黑体" panose="02010609060101010101" pitchFamily="49" charset="-122"/>
+              </a:rPr>
+              <a:t>键。</a:t>
+            </a:r>
+            <a:endParaRPr lang="en-US" altLang="zh-CN" b="1" dirty="0">
+              <a:solidFill>
+                <a:schemeClr val="bg1">
+                  <a:lumMod val="95000"/>
+                </a:schemeClr>
+              </a:solidFill>
+              <a:latin typeface="黑体" panose="02010609060101010101" pitchFamily="49" charset="-122"/>
+              <a:ea typeface="黑体" panose="02010609060101010101" pitchFamily="49" charset="-122"/>
+            </a:endParaRPr>
+          </a:p>
+          <a:p>
+            <a:pPr algn="ctr">
+              <a:lnSpc>
+                <a:spcPct val="150000"/>
+              </a:lnSpc>
+              <a:spcBef>
+                <a:spcPts val="200"/>
+              </a:spcBef>
+              <a:spcAft>
+                <a:spcPts val="200"/>
+              </a:spcAft>
+            </a:pPr>
+            <a:r>
+              <a:rPr lang="zh-CN" altLang="en-US" b="1" dirty="0">
+                <a:solidFill>
+                  <a:schemeClr val="bg1">
+                    <a:lumMod val="95000"/>
+                  </a:schemeClr>
+                </a:solidFill>
+                <a:latin typeface="黑体" panose="02010609060101010101" pitchFamily="49" charset="-122"/>
+                <a:ea typeface="黑体" panose="02010609060101010101" pitchFamily="49" charset="-122"/>
+              </a:rPr>
+              <a:t>等待双方确认后游戏开始。</a:t>
+            </a:r>
+          </a:p>
+        </p:txBody>
+      </p:sp>
       <p:grpSp>
         <p:nvGrpSpPr>
-          <p:cNvPr id="2" name="组合 1">
+          <p:cNvPr id="21" name="组合 20">
             <a:extLst>
               <a:ext uri="{FF2B5EF4-FFF2-40B4-BE49-F238E27FC236}">
-                <a16:creationId xmlns:a16="http://schemas.microsoft.com/office/drawing/2014/main" id="{5C1ADCE9-75A5-4986-8406-661703EA1194}"/>
+                <a16:creationId xmlns:a16="http://schemas.microsoft.com/office/drawing/2014/main" id="{9F2B02E8-9C41-47D6-907D-91E2787EDDD9}"/>
               </a:ext>
             </a:extLst>
           </p:cNvPr>
@@ -7723,543 +8088,12 @@
         </p:nvGrpSpPr>
         <p:grpSpPr>
           <a:xfrm>
-            <a:off x="887506" y="416859"/>
-            <a:ext cx="8767482" cy="6131859"/>
-            <a:chOff x="887506" y="416859"/>
-            <a:chExt cx="8767482" cy="6131859"/>
+            <a:off x="4652185" y="1651508"/>
+            <a:ext cx="2251866" cy="1823211"/>
+            <a:chOff x="5353225" y="1737433"/>
+            <a:chExt cx="2251866" cy="1823211"/>
           </a:xfrm>
         </p:grpSpPr>
-        <p:sp>
-          <p:nvSpPr>
-            <p:cNvPr id="4" name="矩形 3"/>
-            <p:cNvSpPr/>
-            <p:nvPr/>
-          </p:nvSpPr>
-          <p:spPr>
-            <a:xfrm>
-              <a:off x="887506" y="416859"/>
-              <a:ext cx="8767482" cy="6131859"/>
-            </a:xfrm>
-            <a:prstGeom prst="rect">
-              <a:avLst/>
-            </a:prstGeom>
-            <a:solidFill>
-              <a:schemeClr val="bg2">
-                <a:lumMod val="25000"/>
-              </a:schemeClr>
-            </a:solidFill>
-            <a:ln>
-              <a:noFill/>
-            </a:ln>
-          </p:spPr>
-          <p:style>
-            <a:lnRef idx="3">
-              <a:schemeClr val="lt1"/>
-            </a:lnRef>
-            <a:fillRef idx="1">
-              <a:schemeClr val="accent3"/>
-            </a:fillRef>
-            <a:effectRef idx="1">
-              <a:schemeClr val="accent3"/>
-            </a:effectRef>
-            <a:fontRef idx="minor">
-              <a:schemeClr val="lt1"/>
-            </a:fontRef>
-          </p:style>
-          <p:txBody>
-            <a:bodyPr rtlCol="0" anchor="ctr"/>
-            <a:lstStyle/>
-            <a:p>
-              <a:pPr>
-                <a:lnSpc>
-                  <a:spcPct val="150000"/>
-                </a:lnSpc>
-                <a:spcBef>
-                  <a:spcPts val="200"/>
-                </a:spcBef>
-                <a:spcAft>
-                  <a:spcPts val="200"/>
-                </a:spcAft>
-              </a:pPr>
-              <a:endParaRPr lang="zh-CN" altLang="en-US" sz="2000" dirty="0">
-                <a:latin typeface="黑体" panose="02010609060101010101" pitchFamily="49" charset="-122"/>
-                <a:ea typeface="黑体" panose="02010609060101010101" pitchFamily="49" charset="-122"/>
-              </a:endParaRPr>
-            </a:p>
-          </p:txBody>
-        </p:sp>
-        <p:sp>
-          <p:nvSpPr>
-            <p:cNvPr id="3" name="文本框 2"/>
-            <p:cNvSpPr txBox="1"/>
-            <p:nvPr/>
-          </p:nvSpPr>
-          <p:spPr>
-            <a:xfrm>
-              <a:off x="1257300" y="726389"/>
-              <a:ext cx="7879976" cy="5059527"/>
-            </a:xfrm>
-            <a:prstGeom prst="rect">
-              <a:avLst/>
-            </a:prstGeom>
-            <a:noFill/>
-          </p:spPr>
-          <p:txBody>
-            <a:bodyPr wrap="square" rtlCol="0">
-              <a:spAutoFit/>
-            </a:bodyPr>
-            <a:lstStyle/>
-            <a:p>
-              <a:pPr algn="ctr">
-                <a:lnSpc>
-                  <a:spcPct val="150000"/>
-                </a:lnSpc>
-                <a:spcBef>
-                  <a:spcPts val="200"/>
-                </a:spcBef>
-                <a:spcAft>
-                  <a:spcPts val="200"/>
-                </a:spcAft>
-              </a:pPr>
-              <a:r>
-                <a:rPr lang="zh-CN" altLang="en-US" b="1" dirty="0">
-                  <a:solidFill>
-                    <a:schemeClr val="bg1">
-                      <a:lumMod val="95000"/>
-                    </a:schemeClr>
-                  </a:solidFill>
-                  <a:latin typeface="黑体" panose="02010609060101010101" pitchFamily="49" charset="-122"/>
-                  <a:ea typeface="黑体" panose="02010609060101010101" pitchFamily="49" charset="-122"/>
-                </a:rPr>
-                <a:t>您好，欢迎参与“狼追羊”游戏！</a:t>
-              </a:r>
-              <a:endParaRPr lang="en-US" altLang="zh-CN" b="1" dirty="0">
-                <a:solidFill>
-                  <a:schemeClr val="bg1">
-                    <a:lumMod val="95000"/>
-                  </a:schemeClr>
-                </a:solidFill>
-                <a:latin typeface="黑体" panose="02010609060101010101" pitchFamily="49" charset="-122"/>
-                <a:ea typeface="黑体" panose="02010609060101010101" pitchFamily="49" charset="-122"/>
-              </a:endParaRPr>
-            </a:p>
-            <a:p>
-              <a:pPr>
-                <a:lnSpc>
-                  <a:spcPct val="150000"/>
-                </a:lnSpc>
-                <a:spcBef>
-                  <a:spcPts val="200"/>
-                </a:spcBef>
-                <a:spcAft>
-                  <a:spcPts val="200"/>
-                </a:spcAft>
-              </a:pPr>
-              <a:r>
-                <a:rPr lang="zh-CN" altLang="en-US" b="1" dirty="0">
-                  <a:solidFill>
-                    <a:schemeClr val="bg1">
-                      <a:lumMod val="95000"/>
-                    </a:schemeClr>
-                  </a:solidFill>
-                  <a:latin typeface="黑体" panose="02010609060101010101" pitchFamily="49" charset="-122"/>
-                  <a:ea typeface="黑体" panose="02010609060101010101" pitchFamily="49" charset="-122"/>
-                </a:rPr>
-                <a:t>游戏即将开始，您可以通过操纵游戏手柄左上角的摇杆来控制狼的移动</a:t>
-              </a:r>
-              <a:endParaRPr lang="en-US" altLang="zh-CN" b="1" dirty="0">
-                <a:solidFill>
-                  <a:schemeClr val="bg1">
-                    <a:lumMod val="95000"/>
-                  </a:schemeClr>
-                </a:solidFill>
-                <a:latin typeface="黑体" panose="02010609060101010101" pitchFamily="49" charset="-122"/>
-                <a:ea typeface="黑体" panose="02010609060101010101" pitchFamily="49" charset="-122"/>
-              </a:endParaRPr>
-            </a:p>
-            <a:p>
-              <a:pPr>
-                <a:lnSpc>
-                  <a:spcPct val="150000"/>
-                </a:lnSpc>
-                <a:spcBef>
-                  <a:spcPts val="200"/>
-                </a:spcBef>
-                <a:spcAft>
-                  <a:spcPts val="200"/>
-                </a:spcAft>
-              </a:pPr>
-              <a:endParaRPr lang="en-US" altLang="zh-CN" b="1" dirty="0">
-                <a:solidFill>
-                  <a:schemeClr val="bg1">
-                    <a:lumMod val="95000"/>
-                  </a:schemeClr>
-                </a:solidFill>
-                <a:latin typeface="黑体" panose="02010609060101010101" pitchFamily="49" charset="-122"/>
-                <a:ea typeface="黑体" panose="02010609060101010101" pitchFamily="49" charset="-122"/>
-              </a:endParaRPr>
-            </a:p>
-            <a:p>
-              <a:pPr>
-                <a:lnSpc>
-                  <a:spcPct val="150000"/>
-                </a:lnSpc>
-                <a:spcBef>
-                  <a:spcPts val="200"/>
-                </a:spcBef>
-                <a:spcAft>
-                  <a:spcPts val="200"/>
-                </a:spcAft>
-              </a:pPr>
-              <a:endParaRPr lang="en-US" altLang="zh-CN" b="1" dirty="0">
-                <a:solidFill>
-                  <a:schemeClr val="bg1">
-                    <a:lumMod val="95000"/>
-                  </a:schemeClr>
-                </a:solidFill>
-                <a:latin typeface="黑体" panose="02010609060101010101" pitchFamily="49" charset="-122"/>
-                <a:ea typeface="黑体" panose="02010609060101010101" pitchFamily="49" charset="-122"/>
-              </a:endParaRPr>
-            </a:p>
-            <a:p>
-              <a:pPr>
-                <a:lnSpc>
-                  <a:spcPct val="150000"/>
-                </a:lnSpc>
-                <a:spcBef>
-                  <a:spcPts val="200"/>
-                </a:spcBef>
-                <a:spcAft>
-                  <a:spcPts val="200"/>
-                </a:spcAft>
-              </a:pPr>
-              <a:endParaRPr lang="en-US" altLang="zh-CN" b="1" dirty="0">
-                <a:solidFill>
-                  <a:schemeClr val="bg1">
-                    <a:lumMod val="95000"/>
-                  </a:schemeClr>
-                </a:solidFill>
-                <a:latin typeface="黑体" panose="02010609060101010101" pitchFamily="49" charset="-122"/>
-                <a:ea typeface="黑体" panose="02010609060101010101" pitchFamily="49" charset="-122"/>
-              </a:endParaRPr>
-            </a:p>
-            <a:p>
-              <a:pPr>
-                <a:lnSpc>
-                  <a:spcPct val="150000"/>
-                </a:lnSpc>
-                <a:spcBef>
-                  <a:spcPts val="200"/>
-                </a:spcBef>
-                <a:spcAft>
-                  <a:spcPts val="200"/>
-                </a:spcAft>
-              </a:pPr>
-              <a:r>
-                <a:rPr lang="zh-CN" altLang="en-US" b="1" dirty="0">
-                  <a:solidFill>
-                    <a:schemeClr val="bg1">
-                      <a:lumMod val="95000"/>
-                    </a:schemeClr>
-                  </a:solidFill>
-                  <a:latin typeface="黑体" panose="02010609060101010101" pitchFamily="49" charset="-122"/>
-                  <a:ea typeface="黑体" panose="02010609060101010101" pitchFamily="49" charset="-122"/>
-                </a:rPr>
-                <a:t>再次提醒：</a:t>
-              </a:r>
-              <a:endParaRPr lang="en-US" altLang="zh-CN" b="1" dirty="0">
-                <a:solidFill>
-                  <a:schemeClr val="bg1">
-                    <a:lumMod val="95000"/>
-                  </a:schemeClr>
-                </a:solidFill>
-                <a:latin typeface="黑体" panose="02010609060101010101" pitchFamily="49" charset="-122"/>
-                <a:ea typeface="黑体" panose="02010609060101010101" pitchFamily="49" charset="-122"/>
-              </a:endParaRPr>
-            </a:p>
-            <a:p>
-              <a:pPr>
-                <a:lnSpc>
-                  <a:spcPct val="150000"/>
-                </a:lnSpc>
-                <a:spcBef>
-                  <a:spcPts val="200"/>
-                </a:spcBef>
-                <a:spcAft>
-                  <a:spcPts val="200"/>
-                </a:spcAft>
-              </a:pPr>
-              <a:r>
-                <a:rPr lang="en-US" altLang="zh-CN" b="1" dirty="0">
-                  <a:solidFill>
-                    <a:schemeClr val="bg1">
-                      <a:lumMod val="95000"/>
-                    </a:schemeClr>
-                  </a:solidFill>
-                  <a:latin typeface="黑体" panose="02010609060101010101" pitchFamily="49" charset="-122"/>
-                  <a:ea typeface="黑体" panose="02010609060101010101" pitchFamily="49" charset="-122"/>
-                </a:rPr>
-                <a:t>1</a:t>
-              </a:r>
-              <a:r>
-                <a:rPr lang="zh-CN" altLang="en-US" b="1" dirty="0">
-                  <a:solidFill>
-                    <a:schemeClr val="bg1">
-                      <a:lumMod val="95000"/>
-                    </a:schemeClr>
-                  </a:solidFill>
-                  <a:latin typeface="黑体" panose="02010609060101010101" pitchFamily="49" charset="-122"/>
-                  <a:ea typeface="黑体" panose="02010609060101010101" pitchFamily="49" charset="-122"/>
-                </a:rPr>
-                <a:t>）游戏任务是尽快地在</a:t>
-              </a:r>
-              <a:r>
-                <a:rPr lang="zh-CN" altLang="en-US" b="1" dirty="0">
-                  <a:solidFill>
-                    <a:srgbClr val="FF0000"/>
-                  </a:solidFill>
-                  <a:latin typeface="黑体" panose="02010609060101010101" pitchFamily="49" charset="-122"/>
-                  <a:ea typeface="黑体" panose="02010609060101010101" pitchFamily="49" charset="-122"/>
-                </a:rPr>
-                <a:t>规定时间内（</a:t>
-              </a:r>
-              <a:r>
-                <a:rPr lang="en-US" altLang="zh-CN" b="1" dirty="0">
-                  <a:solidFill>
-                    <a:srgbClr val="FF0000"/>
-                  </a:solidFill>
-                  <a:latin typeface="黑体" panose="02010609060101010101" pitchFamily="49" charset="-122"/>
-                  <a:ea typeface="黑体" panose="02010609060101010101" pitchFamily="49" charset="-122"/>
-                </a:rPr>
-                <a:t>15s</a:t>
-              </a:r>
-              <a:r>
-                <a:rPr lang="zh-CN" altLang="en-US" b="1" dirty="0">
-                  <a:solidFill>
-                    <a:srgbClr val="FF0000"/>
-                  </a:solidFill>
-                  <a:latin typeface="黑体" panose="02010609060101010101" pitchFamily="49" charset="-122"/>
-                  <a:ea typeface="黑体" panose="02010609060101010101" pitchFamily="49" charset="-122"/>
-                </a:rPr>
-                <a:t>）</a:t>
-              </a:r>
-              <a:r>
-                <a:rPr lang="zh-CN" altLang="en-US" b="1" dirty="0">
-                  <a:solidFill>
-                    <a:schemeClr val="bg1">
-                      <a:lumMod val="95000"/>
-                    </a:schemeClr>
-                  </a:solidFill>
-                  <a:latin typeface="黑体" panose="02010609060101010101" pitchFamily="49" charset="-122"/>
-                  <a:ea typeface="黑体" panose="02010609060101010101" pitchFamily="49" charset="-122"/>
-                </a:rPr>
-                <a:t>抓住屏幕中跑动的羊（</a:t>
-              </a:r>
-              <a:r>
-                <a:rPr lang="zh-CN" altLang="en-US" b="1" dirty="0">
-                  <a:solidFill>
-                    <a:srgbClr val="FFA500"/>
-                  </a:solidFill>
-                  <a:latin typeface="黑体" panose="02010609060101010101" pitchFamily="49" charset="-122"/>
-                  <a:ea typeface="黑体" panose="02010609060101010101" pitchFamily="49" charset="-122"/>
-                </a:rPr>
-                <a:t>黄色小球</a:t>
-              </a:r>
-              <a:r>
-                <a:rPr lang="zh-CN" altLang="en-US" b="1" dirty="0">
-                  <a:solidFill>
-                    <a:schemeClr val="bg1">
-                      <a:lumMod val="95000"/>
-                    </a:schemeClr>
-                  </a:solidFill>
-                  <a:latin typeface="黑体" panose="02010609060101010101" pitchFamily="49" charset="-122"/>
-                  <a:ea typeface="黑体" panose="02010609060101010101" pitchFamily="49" charset="-122"/>
-                </a:rPr>
-                <a:t>）</a:t>
-              </a:r>
-              <a:endParaRPr lang="en-US" altLang="zh-CN" b="1" dirty="0">
-                <a:solidFill>
-                  <a:schemeClr val="bg1">
-                    <a:lumMod val="95000"/>
-                  </a:schemeClr>
-                </a:solidFill>
-                <a:latin typeface="黑体" panose="02010609060101010101" pitchFamily="49" charset="-122"/>
-                <a:ea typeface="黑体" panose="02010609060101010101" pitchFamily="49" charset="-122"/>
-              </a:endParaRPr>
-            </a:p>
-            <a:p>
-              <a:pPr>
-                <a:lnSpc>
-                  <a:spcPct val="150000"/>
-                </a:lnSpc>
-                <a:spcBef>
-                  <a:spcPts val="200"/>
-                </a:spcBef>
-                <a:spcAft>
-                  <a:spcPts val="200"/>
-                </a:spcAft>
-              </a:pPr>
-              <a:r>
-                <a:rPr lang="en-US" altLang="zh-CN" b="1" dirty="0">
-                  <a:solidFill>
-                    <a:schemeClr val="bg1">
-                      <a:lumMod val="95000"/>
-                    </a:schemeClr>
-                  </a:solidFill>
-                  <a:latin typeface="黑体" panose="02010609060101010101" pitchFamily="49" charset="-122"/>
-                  <a:ea typeface="黑体" panose="02010609060101010101" pitchFamily="49" charset="-122"/>
-                </a:rPr>
-                <a:t>2</a:t>
-              </a:r>
-              <a:r>
-                <a:rPr lang="zh-CN" altLang="en-US" b="1" dirty="0">
-                  <a:solidFill>
-                    <a:schemeClr val="bg1">
-                      <a:lumMod val="95000"/>
-                    </a:schemeClr>
-                  </a:solidFill>
-                  <a:latin typeface="黑体" panose="02010609060101010101" pitchFamily="49" charset="-122"/>
-                  <a:ea typeface="黑体" panose="02010609060101010101" pitchFamily="49" charset="-122"/>
-                </a:rPr>
-                <a:t>）</a:t>
-              </a:r>
-              <a:r>
-                <a:rPr lang="zh-CN" altLang="en-US" b="1" dirty="0">
-                  <a:solidFill>
-                    <a:srgbClr val="FF0000"/>
-                  </a:solidFill>
-                  <a:latin typeface="黑体" panose="02010609060101010101" pitchFamily="49" charset="-122"/>
-                  <a:ea typeface="黑体" panose="02010609060101010101" pitchFamily="49" charset="-122"/>
-                </a:rPr>
-                <a:t>每抓到一只羊</a:t>
-              </a:r>
-              <a:r>
-                <a:rPr lang="zh-CN" altLang="en-US" b="1" dirty="0">
-                  <a:solidFill>
-                    <a:schemeClr val="bg1">
-                      <a:lumMod val="95000"/>
-                    </a:schemeClr>
-                  </a:solidFill>
-                  <a:latin typeface="黑体" panose="02010609060101010101" pitchFamily="49" charset="-122"/>
-                  <a:ea typeface="黑体" panose="02010609060101010101" pitchFamily="49" charset="-122"/>
-                </a:rPr>
-                <a:t>或</a:t>
-              </a:r>
-              <a:r>
-                <a:rPr lang="en-US" altLang="zh-CN" b="1" dirty="0">
-                  <a:solidFill>
-                    <a:srgbClr val="FF0000"/>
-                  </a:solidFill>
-                  <a:latin typeface="黑体" panose="02010609060101010101" pitchFamily="49" charset="-122"/>
-                  <a:ea typeface="黑体" panose="02010609060101010101" pitchFamily="49" charset="-122"/>
-                </a:rPr>
-                <a:t>15s</a:t>
-              </a:r>
-              <a:r>
-                <a:rPr lang="zh-CN" altLang="en-US" b="1" dirty="0">
-                  <a:solidFill>
-                    <a:srgbClr val="FF0000"/>
-                  </a:solidFill>
-                  <a:latin typeface="黑体" panose="02010609060101010101" pitchFamily="49" charset="-122"/>
-                  <a:ea typeface="黑体" panose="02010609060101010101" pitchFamily="49" charset="-122"/>
-                </a:rPr>
-                <a:t>内两名玩家均未抓到羊</a:t>
-              </a:r>
-              <a:r>
-                <a:rPr lang="zh-CN" altLang="en-US" b="1" dirty="0">
-                  <a:solidFill>
-                    <a:schemeClr val="bg1">
-                      <a:lumMod val="95000"/>
-                    </a:schemeClr>
-                  </a:solidFill>
-                  <a:latin typeface="黑体" panose="02010609060101010101" pitchFamily="49" charset="-122"/>
-                  <a:ea typeface="黑体" panose="02010609060101010101" pitchFamily="49" charset="-122"/>
-                </a:rPr>
-                <a:t>，则立即进入下一轮游戏。此时游戏界面刷新，两名玩家的位置也会刷新</a:t>
-              </a:r>
-              <a:endParaRPr lang="en-US" altLang="zh-CN" b="1" dirty="0">
-                <a:solidFill>
-                  <a:schemeClr val="bg1">
-                    <a:lumMod val="95000"/>
-                  </a:schemeClr>
-                </a:solidFill>
-                <a:latin typeface="黑体" panose="02010609060101010101" pitchFamily="49" charset="-122"/>
-                <a:ea typeface="黑体" panose="02010609060101010101" pitchFamily="49" charset="-122"/>
-              </a:endParaRPr>
-            </a:p>
-            <a:p>
-              <a:pPr>
-                <a:lnSpc>
-                  <a:spcPct val="150000"/>
-                </a:lnSpc>
-                <a:spcBef>
-                  <a:spcPts val="200"/>
-                </a:spcBef>
-                <a:spcAft>
-                  <a:spcPts val="200"/>
-                </a:spcAft>
-              </a:pPr>
-              <a:r>
-                <a:rPr lang="en-US" altLang="zh-CN" b="1" dirty="0">
-                  <a:solidFill>
-                    <a:schemeClr val="bg1">
-                      <a:lumMod val="95000"/>
-                    </a:schemeClr>
-                  </a:solidFill>
-                  <a:latin typeface="黑体" panose="02010609060101010101" pitchFamily="49" charset="-122"/>
-                  <a:ea typeface="黑体" panose="02010609060101010101" pitchFamily="49" charset="-122"/>
-                </a:rPr>
-                <a:t>3</a:t>
-              </a:r>
-              <a:r>
-                <a:rPr lang="zh-CN" altLang="en-US" b="1" dirty="0">
-                  <a:solidFill>
-                    <a:schemeClr val="bg1">
-                      <a:lumMod val="95000"/>
-                    </a:schemeClr>
-                  </a:solidFill>
-                  <a:latin typeface="黑体" panose="02010609060101010101" pitchFamily="49" charset="-122"/>
-                  <a:ea typeface="黑体" panose="02010609060101010101" pitchFamily="49" charset="-122"/>
-                </a:rPr>
-                <a:t>）实验报酬和最终总分数相关</a:t>
-              </a:r>
-              <a:endParaRPr lang="en-US" altLang="zh-CN" b="1" dirty="0">
-                <a:solidFill>
-                  <a:schemeClr val="bg1">
-                    <a:lumMod val="95000"/>
-                  </a:schemeClr>
-                </a:solidFill>
-                <a:latin typeface="黑体" panose="02010609060101010101" pitchFamily="49" charset="-122"/>
-                <a:ea typeface="黑体" panose="02010609060101010101" pitchFamily="49" charset="-122"/>
-              </a:endParaRPr>
-            </a:p>
-            <a:p>
-              <a:pPr algn="ctr">
-                <a:lnSpc>
-                  <a:spcPct val="150000"/>
-                </a:lnSpc>
-                <a:spcBef>
-                  <a:spcPts val="200"/>
-                </a:spcBef>
-                <a:spcAft>
-                  <a:spcPts val="200"/>
-                </a:spcAft>
-              </a:pPr>
-              <a:r>
-                <a:rPr lang="zh-CN" altLang="en-US" b="1" dirty="0">
-                  <a:solidFill>
-                    <a:schemeClr val="bg1">
-                      <a:lumMod val="95000"/>
-                    </a:schemeClr>
-                  </a:solidFill>
-                  <a:latin typeface="黑体" panose="02010609060101010101" pitchFamily="49" charset="-122"/>
-                  <a:ea typeface="黑体" panose="02010609060101010101" pitchFamily="49" charset="-122"/>
-                </a:rPr>
-                <a:t>明确自己的任务后，请示意主试开始实验吧。</a:t>
-              </a:r>
-            </a:p>
-          </p:txBody>
-        </p:sp>
         <p:pic>
           <p:nvPicPr>
             <p:cNvPr id="6" name="图片 5"/>
@@ -8282,7 +8116,7 @@
           </p:blipFill>
           <p:spPr>
             <a:xfrm>
-              <a:off x="4039355" y="1705297"/>
+              <a:off x="5353225" y="1737433"/>
               <a:ext cx="2251866" cy="1823211"/>
             </a:xfrm>
             <a:prstGeom prst="rect">
@@ -8292,36 +8126,55 @@
         </p:pic>
         <p:sp>
           <p:nvSpPr>
-            <p:cNvPr id="8" name="椭圆 7"/>
+            <p:cNvPr id="2" name="椭圆 1">
+              <a:extLst>
+                <a:ext uri="{FF2B5EF4-FFF2-40B4-BE49-F238E27FC236}">
+                  <a16:creationId xmlns:a16="http://schemas.microsoft.com/office/drawing/2014/main" id="{C9F31F1E-724C-4821-B3C3-5B5D255452E7}"/>
+                </a:ext>
+              </a:extLst>
+            </p:cNvPr>
             <p:cNvSpPr/>
             <p:nvPr/>
           </p:nvSpPr>
           <p:spPr>
             <a:xfrm>
-              <a:off x="4274678" y="1998675"/>
-              <a:ext cx="647394" cy="598152"/>
+              <a:off x="7064841" y="2457685"/>
+              <a:ext cx="160855" cy="160855"/>
             </a:xfrm>
             <a:prstGeom prst="ellipse">
               <a:avLst/>
             </a:prstGeom>
-            <a:noFill/>
-            <a:ln w="57150">
-              <a:solidFill>
-                <a:srgbClr val="FF0000"/>
-              </a:solidFill>
+            <a:ln>
+              <a:noFill/>
             </a:ln>
+            <a:effectLst>
+              <a:outerShdw blurRad="149987" dist="250190" dir="8460000" algn="ctr">
+                <a:srgbClr val="000000">
+                  <a:alpha val="28000"/>
+                </a:srgbClr>
+              </a:outerShdw>
+            </a:effectLst>
+            <a:scene3d>
+              <a:camera prst="orthographicFront">
+                <a:rot lat="0" lon="0" rev="0"/>
+              </a:camera>
+              <a:lightRig rig="contrasting" dir="t">
+                <a:rot lat="0" lon="0" rev="1500000"/>
+              </a:lightRig>
+            </a:scene3d>
+            <a:sp3d prstMaterial="metal">
+              <a:bevelT w="88900" h="88900"/>
+            </a:sp3d>
           </p:spPr>
           <p:style>
-            <a:lnRef idx="2">
-              <a:schemeClr val="accent1">
-                <a:shade val="50000"/>
-              </a:schemeClr>
+            <a:lnRef idx="0">
+              <a:schemeClr val="dk1"/>
             </a:lnRef>
-            <a:fillRef idx="1">
-              <a:schemeClr val="accent1"/>
+            <a:fillRef idx="3">
+              <a:schemeClr val="dk1"/>
             </a:fillRef>
-            <a:effectRef idx="0">
-              <a:schemeClr val="accent1"/>
+            <a:effectRef idx="3">
+              <a:schemeClr val="dk1"/>
             </a:effectRef>
             <a:fontRef idx="minor">
               <a:schemeClr val="lt1"/>
@@ -8332,15 +8185,429 @@
             <a:lstStyle/>
             <a:p>
               <a:pPr algn="ctr"/>
-              <a:endParaRPr lang="zh-CN" altLang="en-US"/>
+              <a:r>
+                <a:rPr lang="en-US" altLang="zh-CN" sz="1100" b="1" dirty="0">
+                  <a:solidFill>
+                    <a:schemeClr val="accent6">
+                      <a:lumMod val="75000"/>
+                    </a:schemeClr>
+                  </a:solidFill>
+                </a:rPr>
+                <a:t>A</a:t>
+              </a:r>
+              <a:endParaRPr lang="zh-CN" altLang="en-US" sz="1100" b="1" dirty="0">
+                <a:solidFill>
+                  <a:schemeClr val="accent6">
+                    <a:lumMod val="75000"/>
+                  </a:schemeClr>
+                </a:solidFill>
+              </a:endParaRPr>
+            </a:p>
+          </p:txBody>
+        </p:sp>
+        <p:sp>
+          <p:nvSpPr>
+            <p:cNvPr id="11" name="椭圆 10">
+              <a:extLst>
+                <a:ext uri="{FF2B5EF4-FFF2-40B4-BE49-F238E27FC236}">
+                  <a16:creationId xmlns:a16="http://schemas.microsoft.com/office/drawing/2014/main" id="{15864A80-F4CD-45E0-9577-F1ED6F131CD2}"/>
+                </a:ext>
+              </a:extLst>
+            </p:cNvPr>
+            <p:cNvSpPr/>
+            <p:nvPr/>
+          </p:nvSpPr>
+          <p:spPr>
+            <a:xfrm>
+              <a:off x="6889581" y="2288171"/>
+              <a:ext cx="175260" cy="175260"/>
+            </a:xfrm>
+            <a:prstGeom prst="ellipse">
+              <a:avLst/>
+            </a:prstGeom>
+            <a:ln>
+              <a:noFill/>
+            </a:ln>
+            <a:effectLst>
+              <a:outerShdw blurRad="149987" dist="250190" dir="8460000" algn="ctr">
+                <a:srgbClr val="000000">
+                  <a:alpha val="28000"/>
+                </a:srgbClr>
+              </a:outerShdw>
+            </a:effectLst>
+            <a:scene3d>
+              <a:camera prst="orthographicFront">
+                <a:rot lat="0" lon="0" rev="0"/>
+              </a:camera>
+              <a:lightRig rig="contrasting" dir="t">
+                <a:rot lat="0" lon="0" rev="1500000"/>
+              </a:lightRig>
+            </a:scene3d>
+            <a:sp3d prstMaterial="metal">
+              <a:bevelT w="88900" h="88900"/>
+            </a:sp3d>
+          </p:spPr>
+          <p:style>
+            <a:lnRef idx="0">
+              <a:schemeClr val="dk1"/>
+            </a:lnRef>
+            <a:fillRef idx="3">
+              <a:schemeClr val="dk1"/>
+            </a:fillRef>
+            <a:effectRef idx="3">
+              <a:schemeClr val="dk1"/>
+            </a:effectRef>
+            <a:fontRef idx="minor">
+              <a:schemeClr val="lt1"/>
+            </a:fontRef>
+          </p:style>
+          <p:txBody>
+            <a:bodyPr rtlCol="0" anchor="ctr"/>
+            <a:lstStyle/>
+            <a:p>
+              <a:pPr algn="ctr"/>
+              <a:r>
+                <a:rPr lang="en-US" altLang="zh-CN" sz="1100" b="1" dirty="0">
+                  <a:solidFill>
+                    <a:schemeClr val="accent1">
+                      <a:lumMod val="75000"/>
+                    </a:schemeClr>
+                  </a:solidFill>
+                </a:rPr>
+                <a:t>X</a:t>
+              </a:r>
+              <a:endParaRPr lang="zh-CN" altLang="en-US" sz="1100" b="1" dirty="0">
+                <a:solidFill>
+                  <a:schemeClr val="accent1">
+                    <a:lumMod val="75000"/>
+                  </a:schemeClr>
+                </a:solidFill>
+              </a:endParaRPr>
             </a:p>
           </p:txBody>
         </p:sp>
       </p:grpSp>
+      <p:sp>
+        <p:nvSpPr>
+          <p:cNvPr id="8" name="椭圆 7"/>
+          <p:cNvSpPr/>
+          <p:nvPr/>
+        </p:nvSpPr>
+        <p:spPr>
+          <a:xfrm>
+            <a:off x="4887508" y="1944886"/>
+            <a:ext cx="647394" cy="598152"/>
+          </a:xfrm>
+          <a:prstGeom prst="ellipse">
+            <a:avLst/>
+          </a:prstGeom>
+          <a:noFill/>
+          <a:ln w="57150">
+            <a:solidFill>
+              <a:srgbClr val="FF0000"/>
+            </a:solidFill>
+          </a:ln>
+        </p:spPr>
+        <p:style>
+          <a:lnRef idx="2">
+            <a:schemeClr val="accent1">
+              <a:shade val="50000"/>
+            </a:schemeClr>
+          </a:lnRef>
+          <a:fillRef idx="1">
+            <a:schemeClr val="accent1"/>
+          </a:fillRef>
+          <a:effectRef idx="0">
+            <a:schemeClr val="accent1"/>
+          </a:effectRef>
+          <a:fontRef idx="minor">
+            <a:schemeClr val="lt1"/>
+          </a:fontRef>
+        </p:style>
+        <p:txBody>
+          <a:bodyPr rtlCol="0" anchor="ctr"/>
+          <a:lstStyle/>
+          <a:p>
+            <a:pPr algn="ctr"/>
+            <a:endParaRPr lang="zh-CN" altLang="en-US"/>
+          </a:p>
+        </p:txBody>
+      </p:sp>
+      <p:grpSp>
+        <p:nvGrpSpPr>
+          <p:cNvPr id="22" name="组合 21">
+            <a:extLst>
+              <a:ext uri="{FF2B5EF4-FFF2-40B4-BE49-F238E27FC236}">
+                <a16:creationId xmlns:a16="http://schemas.microsoft.com/office/drawing/2014/main" id="{46DD7B19-044E-4E77-BEFC-170FCAF55F50}"/>
+              </a:ext>
+            </a:extLst>
+          </p:cNvPr>
+          <p:cNvGrpSpPr/>
+          <p:nvPr/>
+        </p:nvGrpSpPr>
+        <p:grpSpPr>
+          <a:xfrm>
+            <a:off x="7712648" y="5108977"/>
+            <a:ext cx="1346201" cy="1089944"/>
+            <a:chOff x="5353225" y="1737433"/>
+            <a:chExt cx="2251866" cy="1823211"/>
+          </a:xfrm>
+        </p:grpSpPr>
+        <p:pic>
+          <p:nvPicPr>
+            <p:cNvPr id="23" name="图片 22">
+              <a:extLst>
+                <a:ext uri="{FF2B5EF4-FFF2-40B4-BE49-F238E27FC236}">
+                  <a16:creationId xmlns:a16="http://schemas.microsoft.com/office/drawing/2014/main" id="{B8F80D19-AFE6-4EC4-B9FA-3823250DD84D}"/>
+                </a:ext>
+              </a:extLst>
+            </p:cNvPr>
+            <p:cNvPicPr>
+              <a:picLocks noChangeAspect="1"/>
+            </p:cNvPicPr>
+            <p:nvPr/>
+          </p:nvPicPr>
+          <p:blipFill>
+            <a:blip r:embed="rId2" cstate="print">
+              <a:extLst>
+                <a:ext uri="{28A0092B-C50C-407E-A947-70E740481C1C}">
+                  <a14:useLocalDpi xmlns:a14="http://schemas.microsoft.com/office/drawing/2010/main" val="0"/>
+                </a:ext>
+              </a:extLst>
+            </a:blip>
+            <a:stretch>
+              <a:fillRect/>
+            </a:stretch>
+          </p:blipFill>
+          <p:spPr>
+            <a:xfrm>
+              <a:off x="5353225" y="1737433"/>
+              <a:ext cx="2251866" cy="1823211"/>
+            </a:xfrm>
+            <a:prstGeom prst="rect">
+              <a:avLst/>
+            </a:prstGeom>
+          </p:spPr>
+        </p:pic>
+        <p:sp>
+          <p:nvSpPr>
+            <p:cNvPr id="24" name="椭圆 23">
+              <a:extLst>
+                <a:ext uri="{FF2B5EF4-FFF2-40B4-BE49-F238E27FC236}">
+                  <a16:creationId xmlns:a16="http://schemas.microsoft.com/office/drawing/2014/main" id="{B3E8E41F-BE7B-4C0F-BFB9-305A60C40FEE}"/>
+                </a:ext>
+              </a:extLst>
+            </p:cNvPr>
+            <p:cNvSpPr/>
+            <p:nvPr/>
+          </p:nvSpPr>
+          <p:spPr>
+            <a:xfrm>
+              <a:off x="7064841" y="2457685"/>
+              <a:ext cx="160855" cy="160855"/>
+            </a:xfrm>
+            <a:prstGeom prst="ellipse">
+              <a:avLst/>
+            </a:prstGeom>
+            <a:ln>
+              <a:noFill/>
+            </a:ln>
+            <a:effectLst>
+              <a:outerShdw blurRad="149987" dist="250190" dir="8460000" algn="ctr">
+                <a:srgbClr val="000000">
+                  <a:alpha val="28000"/>
+                </a:srgbClr>
+              </a:outerShdw>
+            </a:effectLst>
+            <a:scene3d>
+              <a:camera prst="orthographicFront">
+                <a:rot lat="0" lon="0" rev="0"/>
+              </a:camera>
+              <a:lightRig rig="contrasting" dir="t">
+                <a:rot lat="0" lon="0" rev="1500000"/>
+              </a:lightRig>
+            </a:scene3d>
+            <a:sp3d prstMaterial="metal">
+              <a:bevelT w="88900" h="88900"/>
+            </a:sp3d>
+          </p:spPr>
+          <p:style>
+            <a:lnRef idx="0">
+              <a:schemeClr val="dk1"/>
+            </a:lnRef>
+            <a:fillRef idx="3">
+              <a:schemeClr val="dk1"/>
+            </a:fillRef>
+            <a:effectRef idx="3">
+              <a:schemeClr val="dk1"/>
+            </a:effectRef>
+            <a:fontRef idx="minor">
+              <a:schemeClr val="lt1"/>
+            </a:fontRef>
+          </p:style>
+          <p:txBody>
+            <a:bodyPr rtlCol="0" anchor="ctr"/>
+            <a:lstStyle/>
+            <a:p>
+              <a:pPr algn="ctr"/>
+              <a:r>
+                <a:rPr lang="en-US" altLang="zh-CN" sz="700" b="1" dirty="0">
+                  <a:solidFill>
+                    <a:schemeClr val="accent6">
+                      <a:lumMod val="75000"/>
+                    </a:schemeClr>
+                  </a:solidFill>
+                </a:rPr>
+                <a:t>A</a:t>
+              </a:r>
+              <a:endParaRPr lang="zh-CN" altLang="en-US" sz="700" b="1" dirty="0">
+                <a:solidFill>
+                  <a:schemeClr val="accent6">
+                    <a:lumMod val="75000"/>
+                  </a:schemeClr>
+                </a:solidFill>
+              </a:endParaRPr>
+            </a:p>
+          </p:txBody>
+        </p:sp>
+        <p:sp>
+          <p:nvSpPr>
+            <p:cNvPr id="25" name="椭圆 24">
+              <a:extLst>
+                <a:ext uri="{FF2B5EF4-FFF2-40B4-BE49-F238E27FC236}">
+                  <a16:creationId xmlns:a16="http://schemas.microsoft.com/office/drawing/2014/main" id="{C3090250-0A4B-4C6E-B035-011B99D9F993}"/>
+                </a:ext>
+              </a:extLst>
+            </p:cNvPr>
+            <p:cNvSpPr/>
+            <p:nvPr/>
+          </p:nvSpPr>
+          <p:spPr>
+            <a:xfrm>
+              <a:off x="6889581" y="2288171"/>
+              <a:ext cx="175260" cy="175260"/>
+            </a:xfrm>
+            <a:prstGeom prst="ellipse">
+              <a:avLst/>
+            </a:prstGeom>
+            <a:ln>
+              <a:noFill/>
+            </a:ln>
+            <a:effectLst>
+              <a:outerShdw blurRad="149987" dist="250190" dir="8460000" algn="ctr">
+                <a:srgbClr val="000000">
+                  <a:alpha val="28000"/>
+                </a:srgbClr>
+              </a:outerShdw>
+            </a:effectLst>
+            <a:scene3d>
+              <a:camera prst="orthographicFront">
+                <a:rot lat="0" lon="0" rev="0"/>
+              </a:camera>
+              <a:lightRig rig="contrasting" dir="t">
+                <a:rot lat="0" lon="0" rev="1500000"/>
+              </a:lightRig>
+            </a:scene3d>
+            <a:sp3d prstMaterial="metal">
+              <a:bevelT w="88900" h="88900"/>
+            </a:sp3d>
+          </p:spPr>
+          <p:style>
+            <a:lnRef idx="0">
+              <a:schemeClr val="dk1"/>
+            </a:lnRef>
+            <a:fillRef idx="3">
+              <a:schemeClr val="dk1"/>
+            </a:fillRef>
+            <a:effectRef idx="3">
+              <a:schemeClr val="dk1"/>
+            </a:effectRef>
+            <a:fontRef idx="minor">
+              <a:schemeClr val="lt1"/>
+            </a:fontRef>
+          </p:style>
+          <p:txBody>
+            <a:bodyPr rtlCol="0" anchor="ctr"/>
+            <a:lstStyle/>
+            <a:p>
+              <a:pPr algn="ctr"/>
+              <a:r>
+                <a:rPr lang="en-US" altLang="zh-CN" sz="700" b="1" dirty="0">
+                  <a:solidFill>
+                    <a:schemeClr val="accent1">
+                      <a:lumMod val="75000"/>
+                    </a:schemeClr>
+                  </a:solidFill>
+                </a:rPr>
+                <a:t>X</a:t>
+              </a:r>
+              <a:endParaRPr lang="zh-CN" altLang="en-US" sz="1200" b="1" dirty="0">
+                <a:solidFill>
+                  <a:schemeClr val="accent1">
+                    <a:lumMod val="75000"/>
+                  </a:schemeClr>
+                </a:solidFill>
+              </a:endParaRPr>
+            </a:p>
+          </p:txBody>
+        </p:sp>
+      </p:grpSp>
+      <p:sp>
+        <p:nvSpPr>
+          <p:cNvPr id="26" name="椭圆 25">
+            <a:extLst>
+              <a:ext uri="{FF2B5EF4-FFF2-40B4-BE49-F238E27FC236}">
+                <a16:creationId xmlns:a16="http://schemas.microsoft.com/office/drawing/2014/main" id="{E3AC1C80-FC39-4E56-B8A1-99229B28D6A1}"/>
+              </a:ext>
+            </a:extLst>
+          </p:cNvPr>
+          <p:cNvSpPr/>
+          <p:nvPr/>
+        </p:nvSpPr>
+        <p:spPr>
+          <a:xfrm>
+            <a:off x="8704386" y="5515832"/>
+            <a:ext cx="159149" cy="147044"/>
+          </a:xfrm>
+          <a:prstGeom prst="ellipse">
+            <a:avLst/>
+          </a:prstGeom>
+          <a:noFill/>
+          <a:ln w="28575">
+            <a:solidFill>
+              <a:srgbClr val="FF0000"/>
+            </a:solidFill>
+          </a:ln>
+        </p:spPr>
+        <p:style>
+          <a:lnRef idx="2">
+            <a:schemeClr val="accent1">
+              <a:shade val="50000"/>
+            </a:schemeClr>
+          </a:lnRef>
+          <a:fillRef idx="1">
+            <a:schemeClr val="accent1"/>
+          </a:fillRef>
+          <a:effectRef idx="0">
+            <a:schemeClr val="accent1"/>
+          </a:effectRef>
+          <a:fontRef idx="minor">
+            <a:schemeClr val="lt1"/>
+          </a:fontRef>
+        </p:style>
+        <p:txBody>
+          <a:bodyPr rtlCol="0" anchor="ctr"/>
+          <a:lstStyle/>
+          <a:p>
+            <a:pPr algn="ctr"/>
+            <a:endParaRPr lang="zh-CN" altLang="en-US"/>
+          </a:p>
+        </p:txBody>
+      </p:sp>
     </p:spTree>
     <p:extLst>
       <p:ext uri="{BB962C8B-B14F-4D97-AF65-F5344CB8AC3E}">
-        <p14:creationId xmlns:p14="http://schemas.microsoft.com/office/powerpoint/2010/main" val="2346977452"/>
+        <p14:creationId xmlns:p14="http://schemas.microsoft.com/office/powerpoint/2010/main" val="381854249"/>
       </p:ext>
     </p:extLst>
   </p:cSld>
@@ -8367,12 +8634,136 @@
           <a:chExt cx="0" cy="0"/>
         </a:xfrm>
       </p:grpSpPr>
+      <p:sp>
+        <p:nvSpPr>
+          <p:cNvPr id="4" name="矩形 3"/>
+          <p:cNvSpPr/>
+          <p:nvPr/>
+        </p:nvSpPr>
+        <p:spPr>
+          <a:xfrm>
+            <a:off x="2177392" y="363070"/>
+            <a:ext cx="6705999" cy="6131859"/>
+          </a:xfrm>
+          <a:prstGeom prst="rect">
+            <a:avLst/>
+          </a:prstGeom>
+          <a:solidFill>
+            <a:schemeClr val="bg2">
+              <a:lumMod val="25000"/>
+            </a:schemeClr>
+          </a:solidFill>
+          <a:ln>
+            <a:noFill/>
+          </a:ln>
+        </p:spPr>
+        <p:style>
+          <a:lnRef idx="3">
+            <a:schemeClr val="lt1"/>
+          </a:lnRef>
+          <a:fillRef idx="1">
+            <a:schemeClr val="accent3"/>
+          </a:fillRef>
+          <a:effectRef idx="1">
+            <a:schemeClr val="accent3"/>
+          </a:effectRef>
+          <a:fontRef idx="minor">
+            <a:schemeClr val="lt1"/>
+          </a:fontRef>
+        </p:style>
+        <p:txBody>
+          <a:bodyPr rtlCol="0" anchor="t"/>
+          <a:lstStyle/>
+          <a:p>
+            <a:pPr marL="0" lvl="4" algn="ctr">
+              <a:lnSpc>
+                <a:spcPct val="150000"/>
+              </a:lnSpc>
+            </a:pPr>
+            <a:endParaRPr lang="en-US" altLang="zh-CN" sz="3600" b="1" dirty="0">
+              <a:latin typeface="黑体" panose="02010609060101010101" pitchFamily="49" charset="-122"/>
+              <a:ea typeface="黑体" panose="02010609060101010101" pitchFamily="49" charset="-122"/>
+            </a:endParaRPr>
+          </a:p>
+          <a:p>
+            <a:pPr marL="0" lvl="4" algn="ctr">
+              <a:lnSpc>
+                <a:spcPct val="150000"/>
+              </a:lnSpc>
+            </a:pPr>
+            <a:endParaRPr lang="en-US" altLang="zh-CN" sz="3600" b="1" dirty="0">
+              <a:latin typeface="黑体" panose="02010609060101010101" pitchFamily="49" charset="-122"/>
+              <a:ea typeface="黑体" panose="02010609060101010101" pitchFamily="49" charset="-122"/>
+            </a:endParaRPr>
+          </a:p>
+          <a:p>
+            <a:pPr marL="0" lvl="4" algn="ctr">
+              <a:lnSpc>
+                <a:spcPct val="150000"/>
+              </a:lnSpc>
+            </a:pPr>
+            <a:r>
+              <a:rPr lang="zh-CN" altLang="en-US" sz="2800" b="1" dirty="0">
+                <a:latin typeface="黑体" panose="02010609060101010101" pitchFamily="49" charset="-122"/>
+                <a:ea typeface="黑体" panose="02010609060101010101" pitchFamily="49" charset="-122"/>
+              </a:rPr>
+              <a:t>请休息片刻，</a:t>
+            </a:r>
+          </a:p>
+          <a:p>
+            <a:pPr marL="0" lvl="4" algn="ctr">
+              <a:lnSpc>
+                <a:spcPct val="150000"/>
+              </a:lnSpc>
+            </a:pPr>
+            <a:r>
+              <a:rPr lang="zh-CN" altLang="en-US" sz="2800" b="1" dirty="0">
+                <a:latin typeface="黑体" panose="02010609060101010101" pitchFamily="49" charset="-122"/>
+                <a:ea typeface="黑体" panose="02010609060101010101" pitchFamily="49" charset="-122"/>
+              </a:rPr>
+              <a:t>休息好后请按手柄</a:t>
+            </a:r>
+            <a:r>
+              <a:rPr lang="en-US" altLang="zh-CN" sz="2800" b="1" dirty="0">
+                <a:latin typeface="黑体" panose="02010609060101010101" pitchFamily="49" charset="-122"/>
+                <a:ea typeface="黑体" panose="02010609060101010101" pitchFamily="49" charset="-122"/>
+              </a:rPr>
+              <a:t>A</a:t>
+            </a:r>
+            <a:r>
+              <a:rPr lang="zh-CN" altLang="en-US" sz="2800" b="1" dirty="0">
+                <a:latin typeface="黑体" panose="02010609060101010101" pitchFamily="49" charset="-122"/>
+                <a:ea typeface="黑体" panose="02010609060101010101" pitchFamily="49" charset="-122"/>
+              </a:rPr>
+              <a:t>键</a:t>
+            </a:r>
+          </a:p>
+          <a:p>
+            <a:pPr marL="0" lvl="4" algn="ctr">
+              <a:lnSpc>
+                <a:spcPct val="150000"/>
+              </a:lnSpc>
+            </a:pPr>
+            <a:r>
+              <a:rPr lang="zh-CN" altLang="en-US" sz="2800" b="1" dirty="0">
+                <a:latin typeface="黑体" panose="02010609060101010101" pitchFamily="49" charset="-122"/>
+                <a:ea typeface="黑体" panose="02010609060101010101" pitchFamily="49" charset="-122"/>
+              </a:rPr>
+              <a:t>等待双方确认后游戏继续。</a:t>
+            </a:r>
+            <a:endParaRPr lang="zh-CN" altLang="en-US" sz="3600" b="1" dirty="0">
+              <a:latin typeface="黑体" panose="02010609060101010101" pitchFamily="49" charset="-122"/>
+              <a:ea typeface="黑体" panose="02010609060101010101" pitchFamily="49" charset="-122"/>
+            </a:endParaRPr>
+          </a:p>
+        </p:txBody>
+      </p:sp>
       <p:grpSp>
         <p:nvGrpSpPr>
-          <p:cNvPr id="10" name="组合 9">
+          <p:cNvPr id="6" name="组合 5">
             <a:extLst>
               <a:ext uri="{FF2B5EF4-FFF2-40B4-BE49-F238E27FC236}">
-                <a16:creationId xmlns:a16="http://schemas.microsoft.com/office/drawing/2014/main" id="{CD6FDFA4-D305-489B-9844-B0EF9A4EDB69}"/>
+                <a16:creationId xmlns:a16="http://schemas.microsoft.com/office/drawing/2014/main" id="{4F38F176-AFB8-485F-AD93-AAA92E0E6BD1}"/>
               </a:ext>
             </a:extLst>
           </p:cNvPr>
@@ -8381,683 +8772,18 @@
         </p:nvGrpSpPr>
         <p:grpSpPr>
           <a:xfrm>
-            <a:off x="887506" y="416859"/>
-            <a:ext cx="8767482" cy="6131859"/>
-            <a:chOff x="887506" y="416859"/>
-            <a:chExt cx="8767482" cy="6131859"/>
+            <a:off x="4275622" y="3947287"/>
+            <a:ext cx="2251866" cy="1823211"/>
+            <a:chOff x="5353225" y="1737433"/>
+            <a:chExt cx="2251866" cy="1823211"/>
           </a:xfrm>
         </p:grpSpPr>
-        <p:sp>
-          <p:nvSpPr>
-            <p:cNvPr id="4" name="矩形 3"/>
-            <p:cNvSpPr/>
-            <p:nvPr/>
-          </p:nvSpPr>
-          <p:spPr>
-            <a:xfrm>
-              <a:off x="887506" y="416859"/>
-              <a:ext cx="8767482" cy="6131859"/>
-            </a:xfrm>
-            <a:prstGeom prst="rect">
-              <a:avLst/>
-            </a:prstGeom>
-            <a:solidFill>
-              <a:schemeClr val="bg2">
-                <a:lumMod val="25000"/>
-              </a:schemeClr>
-            </a:solidFill>
-            <a:ln>
-              <a:noFill/>
-            </a:ln>
-          </p:spPr>
-          <p:style>
-            <a:lnRef idx="3">
-              <a:schemeClr val="lt1"/>
-            </a:lnRef>
-            <a:fillRef idx="1">
-              <a:schemeClr val="accent3"/>
-            </a:fillRef>
-            <a:effectRef idx="1">
-              <a:schemeClr val="accent3"/>
-            </a:effectRef>
-            <a:fontRef idx="minor">
-              <a:schemeClr val="lt1"/>
-            </a:fontRef>
-          </p:style>
-          <p:txBody>
-            <a:bodyPr rtlCol="0" anchor="ctr"/>
-            <a:lstStyle/>
-            <a:p>
-              <a:pPr>
-                <a:lnSpc>
-                  <a:spcPct val="150000"/>
-                </a:lnSpc>
-                <a:spcBef>
-                  <a:spcPts val="200"/>
-                </a:spcBef>
-                <a:spcAft>
-                  <a:spcPts val="200"/>
-                </a:spcAft>
-              </a:pPr>
-              <a:endParaRPr lang="zh-CN" altLang="en-US" sz="2000" dirty="0">
-                <a:latin typeface="黑体" panose="02010609060101010101" pitchFamily="49" charset="-122"/>
-                <a:ea typeface="黑体" panose="02010609060101010101" pitchFamily="49" charset="-122"/>
-              </a:endParaRPr>
-            </a:p>
-          </p:txBody>
-        </p:sp>
-        <p:sp>
-          <p:nvSpPr>
-            <p:cNvPr id="3" name="文本框 2"/>
-            <p:cNvSpPr txBox="1"/>
-            <p:nvPr/>
-          </p:nvSpPr>
-          <p:spPr>
-            <a:xfrm>
-              <a:off x="1257300" y="726389"/>
-              <a:ext cx="7879976" cy="5526321"/>
-            </a:xfrm>
-            <a:prstGeom prst="rect">
-              <a:avLst/>
-            </a:prstGeom>
-            <a:noFill/>
-          </p:spPr>
-          <p:txBody>
-            <a:bodyPr wrap="square" rtlCol="0">
-              <a:spAutoFit/>
-            </a:bodyPr>
-            <a:lstStyle/>
-            <a:p>
-              <a:pPr algn="ctr">
-                <a:lnSpc>
-                  <a:spcPct val="150000"/>
-                </a:lnSpc>
-                <a:spcBef>
-                  <a:spcPts val="200"/>
-                </a:spcBef>
-                <a:spcAft>
-                  <a:spcPts val="200"/>
-                </a:spcAft>
-              </a:pPr>
-              <a:r>
-                <a:rPr lang="zh-CN" altLang="en-US" b="1" dirty="0">
-                  <a:solidFill>
-                    <a:schemeClr val="bg1">
-                      <a:lumMod val="95000"/>
-                    </a:schemeClr>
-                  </a:solidFill>
-                  <a:latin typeface="黑体" panose="02010609060101010101" pitchFamily="49" charset="-122"/>
-                  <a:ea typeface="黑体" panose="02010609060101010101" pitchFamily="49" charset="-122"/>
-                </a:rPr>
-                <a:t>您好，欢迎参与“狼追羊”游戏！</a:t>
-              </a:r>
-              <a:endParaRPr lang="en-US" altLang="zh-CN" b="1" dirty="0">
-                <a:solidFill>
-                  <a:schemeClr val="bg1">
-                    <a:lumMod val="95000"/>
-                  </a:schemeClr>
-                </a:solidFill>
-                <a:latin typeface="黑体" panose="02010609060101010101" pitchFamily="49" charset="-122"/>
-                <a:ea typeface="黑体" panose="02010609060101010101" pitchFamily="49" charset="-122"/>
-              </a:endParaRPr>
-            </a:p>
-            <a:p>
-              <a:pPr>
-                <a:lnSpc>
-                  <a:spcPct val="150000"/>
-                </a:lnSpc>
-                <a:spcBef>
-                  <a:spcPts val="200"/>
-                </a:spcBef>
-                <a:spcAft>
-                  <a:spcPts val="200"/>
-                </a:spcAft>
-              </a:pPr>
-              <a:r>
-                <a:rPr lang="zh-CN" altLang="en-US" b="1" dirty="0">
-                  <a:solidFill>
-                    <a:schemeClr val="bg1">
-                      <a:lumMod val="95000"/>
-                    </a:schemeClr>
-                  </a:solidFill>
-                  <a:latin typeface="黑体" panose="02010609060101010101" pitchFamily="49" charset="-122"/>
-                  <a:ea typeface="黑体" panose="02010609060101010101" pitchFamily="49" charset="-122"/>
-                </a:rPr>
-                <a:t>游戏即将开始，您可以通过操纵游戏手柄左上角的摇杆来控制狼的移动</a:t>
-              </a:r>
-              <a:endParaRPr lang="en-US" altLang="zh-CN" b="1" dirty="0">
-                <a:solidFill>
-                  <a:schemeClr val="bg1">
-                    <a:lumMod val="95000"/>
-                  </a:schemeClr>
-                </a:solidFill>
-                <a:latin typeface="黑体" panose="02010609060101010101" pitchFamily="49" charset="-122"/>
-                <a:ea typeface="黑体" panose="02010609060101010101" pitchFamily="49" charset="-122"/>
-              </a:endParaRPr>
-            </a:p>
-            <a:p>
-              <a:pPr>
-                <a:lnSpc>
-                  <a:spcPct val="150000"/>
-                </a:lnSpc>
-                <a:spcBef>
-                  <a:spcPts val="200"/>
-                </a:spcBef>
-                <a:spcAft>
-                  <a:spcPts val="200"/>
-                </a:spcAft>
-              </a:pPr>
-              <a:endParaRPr lang="en-US" altLang="zh-CN" b="1" dirty="0">
-                <a:solidFill>
-                  <a:schemeClr val="bg1">
-                    <a:lumMod val="95000"/>
-                  </a:schemeClr>
-                </a:solidFill>
-                <a:latin typeface="黑体" panose="02010609060101010101" pitchFamily="49" charset="-122"/>
-                <a:ea typeface="黑体" panose="02010609060101010101" pitchFamily="49" charset="-122"/>
-              </a:endParaRPr>
-            </a:p>
-            <a:p>
-              <a:pPr>
-                <a:lnSpc>
-                  <a:spcPct val="150000"/>
-                </a:lnSpc>
-                <a:spcBef>
-                  <a:spcPts val="200"/>
-                </a:spcBef>
-                <a:spcAft>
-                  <a:spcPts val="200"/>
-                </a:spcAft>
-              </a:pPr>
-              <a:endParaRPr lang="en-US" altLang="zh-CN" b="1" dirty="0">
-                <a:solidFill>
-                  <a:schemeClr val="bg1">
-                    <a:lumMod val="95000"/>
-                  </a:schemeClr>
-                </a:solidFill>
-                <a:latin typeface="黑体" panose="02010609060101010101" pitchFamily="49" charset="-122"/>
-                <a:ea typeface="黑体" panose="02010609060101010101" pitchFamily="49" charset="-122"/>
-              </a:endParaRPr>
-            </a:p>
-            <a:p>
-              <a:pPr>
-                <a:lnSpc>
-                  <a:spcPct val="150000"/>
-                </a:lnSpc>
-                <a:spcBef>
-                  <a:spcPts val="200"/>
-                </a:spcBef>
-                <a:spcAft>
-                  <a:spcPts val="200"/>
-                </a:spcAft>
-              </a:pPr>
-              <a:endParaRPr lang="en-US" altLang="zh-CN" b="1" dirty="0">
-                <a:solidFill>
-                  <a:schemeClr val="bg1">
-                    <a:lumMod val="95000"/>
-                  </a:schemeClr>
-                </a:solidFill>
-                <a:latin typeface="黑体" panose="02010609060101010101" pitchFamily="49" charset="-122"/>
-                <a:ea typeface="黑体" panose="02010609060101010101" pitchFamily="49" charset="-122"/>
-              </a:endParaRPr>
-            </a:p>
-            <a:p>
-              <a:pPr>
-                <a:lnSpc>
-                  <a:spcPct val="150000"/>
-                </a:lnSpc>
-                <a:spcBef>
-                  <a:spcPts val="200"/>
-                </a:spcBef>
-                <a:spcAft>
-                  <a:spcPts val="200"/>
-                </a:spcAft>
-              </a:pPr>
-              <a:r>
-                <a:rPr lang="zh-CN" altLang="en-US" b="1" dirty="0">
-                  <a:solidFill>
-                    <a:schemeClr val="bg1">
-                      <a:lumMod val="95000"/>
-                    </a:schemeClr>
-                  </a:solidFill>
-                  <a:latin typeface="黑体" panose="02010609060101010101" pitchFamily="49" charset="-122"/>
-                  <a:ea typeface="黑体" panose="02010609060101010101" pitchFamily="49" charset="-122"/>
-                </a:rPr>
-                <a:t>再次提醒：</a:t>
-              </a:r>
-              <a:endParaRPr lang="en-US" altLang="zh-CN" b="1" dirty="0">
-                <a:solidFill>
-                  <a:schemeClr val="bg1">
-                    <a:lumMod val="95000"/>
-                  </a:schemeClr>
-                </a:solidFill>
-                <a:latin typeface="黑体" panose="02010609060101010101" pitchFamily="49" charset="-122"/>
-                <a:ea typeface="黑体" panose="02010609060101010101" pitchFamily="49" charset="-122"/>
-              </a:endParaRPr>
-            </a:p>
-            <a:p>
-              <a:pPr>
-                <a:lnSpc>
-                  <a:spcPct val="150000"/>
-                </a:lnSpc>
-                <a:spcBef>
-                  <a:spcPts val="200"/>
-                </a:spcBef>
-                <a:spcAft>
-                  <a:spcPts val="200"/>
-                </a:spcAft>
-              </a:pPr>
-              <a:r>
-                <a:rPr lang="en-US" altLang="zh-CN" b="1" dirty="0">
-                  <a:solidFill>
-                    <a:schemeClr val="bg1">
-                      <a:lumMod val="95000"/>
-                    </a:schemeClr>
-                  </a:solidFill>
-                  <a:latin typeface="黑体" panose="02010609060101010101" pitchFamily="49" charset="-122"/>
-                  <a:ea typeface="黑体" panose="02010609060101010101" pitchFamily="49" charset="-122"/>
-                </a:rPr>
-                <a:t>1</a:t>
-              </a:r>
-              <a:r>
-                <a:rPr lang="zh-CN" altLang="en-US" b="1" dirty="0">
-                  <a:solidFill>
-                    <a:schemeClr val="bg1">
-                      <a:lumMod val="95000"/>
-                    </a:schemeClr>
-                  </a:solidFill>
-                  <a:latin typeface="黑体" panose="02010609060101010101" pitchFamily="49" charset="-122"/>
-                  <a:ea typeface="黑体" panose="02010609060101010101" pitchFamily="49" charset="-122"/>
-                </a:rPr>
-                <a:t>）游戏任务是尽快地在</a:t>
-              </a:r>
-              <a:r>
-                <a:rPr lang="zh-CN" altLang="en-US" b="1" dirty="0">
-                  <a:solidFill>
-                    <a:srgbClr val="FF0000"/>
-                  </a:solidFill>
-                  <a:latin typeface="黑体" panose="02010609060101010101" pitchFamily="49" charset="-122"/>
-                  <a:ea typeface="黑体" panose="02010609060101010101" pitchFamily="49" charset="-122"/>
-                </a:rPr>
-                <a:t>规定时间内（</a:t>
-              </a:r>
-              <a:r>
-                <a:rPr lang="en-US" altLang="zh-CN" b="1" dirty="0">
-                  <a:solidFill>
-                    <a:srgbClr val="FF0000"/>
-                  </a:solidFill>
-                  <a:latin typeface="黑体" panose="02010609060101010101" pitchFamily="49" charset="-122"/>
-                  <a:ea typeface="黑体" panose="02010609060101010101" pitchFamily="49" charset="-122"/>
-                </a:rPr>
-                <a:t>15s</a:t>
-              </a:r>
-              <a:r>
-                <a:rPr lang="zh-CN" altLang="en-US" b="1" dirty="0">
-                  <a:solidFill>
-                    <a:srgbClr val="FF0000"/>
-                  </a:solidFill>
-                  <a:latin typeface="黑体" panose="02010609060101010101" pitchFamily="49" charset="-122"/>
-                  <a:ea typeface="黑体" panose="02010609060101010101" pitchFamily="49" charset="-122"/>
-                </a:rPr>
-                <a:t>）</a:t>
-              </a:r>
-              <a:r>
-                <a:rPr lang="zh-CN" altLang="en-US" b="1" dirty="0">
-                  <a:solidFill>
-                    <a:schemeClr val="bg1">
-                      <a:lumMod val="95000"/>
-                    </a:schemeClr>
-                  </a:solidFill>
-                  <a:latin typeface="黑体" panose="02010609060101010101" pitchFamily="49" charset="-122"/>
-                  <a:ea typeface="黑体" panose="02010609060101010101" pitchFamily="49" charset="-122"/>
-                </a:rPr>
-                <a:t>抓住屏幕中跑动的羊（</a:t>
-              </a:r>
-              <a:r>
-                <a:rPr lang="zh-CN" altLang="en-US" b="1" dirty="0">
-                  <a:solidFill>
-                    <a:srgbClr val="FFA500"/>
-                  </a:solidFill>
-                  <a:latin typeface="黑体" panose="02010609060101010101" pitchFamily="49" charset="-122"/>
-                  <a:ea typeface="黑体" panose="02010609060101010101" pitchFamily="49" charset="-122"/>
-                </a:rPr>
-                <a:t>黄色小球</a:t>
-              </a:r>
-              <a:r>
-                <a:rPr lang="zh-CN" altLang="en-US" b="1" dirty="0">
-                  <a:solidFill>
-                    <a:schemeClr val="bg1">
-                      <a:lumMod val="95000"/>
-                    </a:schemeClr>
-                  </a:solidFill>
-                  <a:latin typeface="黑体" panose="02010609060101010101" pitchFamily="49" charset="-122"/>
-                  <a:ea typeface="黑体" panose="02010609060101010101" pitchFamily="49" charset="-122"/>
-                </a:rPr>
-                <a:t>）</a:t>
-              </a:r>
-              <a:endParaRPr lang="en-US" altLang="zh-CN" b="1" dirty="0">
-                <a:solidFill>
-                  <a:schemeClr val="bg1">
-                    <a:lumMod val="95000"/>
-                  </a:schemeClr>
-                </a:solidFill>
-                <a:latin typeface="黑体" panose="02010609060101010101" pitchFamily="49" charset="-122"/>
-                <a:ea typeface="黑体" panose="02010609060101010101" pitchFamily="49" charset="-122"/>
-              </a:endParaRPr>
-            </a:p>
-            <a:p>
-              <a:pPr>
-                <a:lnSpc>
-                  <a:spcPct val="150000"/>
-                </a:lnSpc>
-                <a:spcBef>
-                  <a:spcPts val="200"/>
-                </a:spcBef>
-                <a:spcAft>
-                  <a:spcPts val="200"/>
-                </a:spcAft>
-              </a:pPr>
-              <a:r>
-                <a:rPr lang="en-US" altLang="zh-CN" b="1" dirty="0">
-                  <a:solidFill>
-                    <a:schemeClr val="bg1">
-                      <a:lumMod val="95000"/>
-                    </a:schemeClr>
-                  </a:solidFill>
-                  <a:latin typeface="黑体" panose="02010609060101010101" pitchFamily="49" charset="-122"/>
-                  <a:ea typeface="黑体" panose="02010609060101010101" pitchFamily="49" charset="-122"/>
-                </a:rPr>
-                <a:t>2</a:t>
-              </a:r>
-              <a:r>
-                <a:rPr lang="zh-CN" altLang="en-US" b="1" dirty="0">
-                  <a:solidFill>
-                    <a:schemeClr val="bg1">
-                      <a:lumMod val="95000"/>
-                    </a:schemeClr>
-                  </a:solidFill>
-                  <a:latin typeface="黑体" panose="02010609060101010101" pitchFamily="49" charset="-122"/>
-                  <a:ea typeface="黑体" panose="02010609060101010101" pitchFamily="49" charset="-122"/>
-                </a:rPr>
-                <a:t>）</a:t>
-              </a:r>
-              <a:r>
-                <a:rPr lang="zh-CN" altLang="en-US" b="1" dirty="0">
-                  <a:solidFill>
-                    <a:srgbClr val="FF0000"/>
-                  </a:solidFill>
-                  <a:latin typeface="黑体" panose="02010609060101010101" pitchFamily="49" charset="-122"/>
-                  <a:ea typeface="黑体" panose="02010609060101010101" pitchFamily="49" charset="-122"/>
-                </a:rPr>
-                <a:t>每抓到一只羊</a:t>
-              </a:r>
-              <a:r>
-                <a:rPr lang="zh-CN" altLang="en-US" b="1" dirty="0">
-                  <a:solidFill>
-                    <a:schemeClr val="bg1">
-                      <a:lumMod val="95000"/>
-                    </a:schemeClr>
-                  </a:solidFill>
-                  <a:latin typeface="黑体" panose="02010609060101010101" pitchFamily="49" charset="-122"/>
-                  <a:ea typeface="黑体" panose="02010609060101010101" pitchFamily="49" charset="-122"/>
-                </a:rPr>
-                <a:t>或</a:t>
-              </a:r>
-              <a:r>
-                <a:rPr lang="en-US" altLang="zh-CN" b="1" dirty="0">
-                  <a:solidFill>
-                    <a:srgbClr val="FF0000"/>
-                  </a:solidFill>
-                  <a:latin typeface="黑体" panose="02010609060101010101" pitchFamily="49" charset="-122"/>
-                  <a:ea typeface="黑体" panose="02010609060101010101" pitchFamily="49" charset="-122"/>
-                </a:rPr>
-                <a:t>15s</a:t>
-              </a:r>
-              <a:r>
-                <a:rPr lang="zh-CN" altLang="en-US" b="1" dirty="0">
-                  <a:solidFill>
-                    <a:srgbClr val="FF0000"/>
-                  </a:solidFill>
-                  <a:latin typeface="黑体" panose="02010609060101010101" pitchFamily="49" charset="-122"/>
-                  <a:ea typeface="黑体" panose="02010609060101010101" pitchFamily="49" charset="-122"/>
-                </a:rPr>
-                <a:t>内两名玩家均未抓到羊</a:t>
-              </a:r>
-              <a:r>
-                <a:rPr lang="zh-CN" altLang="en-US" b="1" dirty="0">
-                  <a:solidFill>
-                    <a:schemeClr val="bg1">
-                      <a:lumMod val="95000"/>
-                    </a:schemeClr>
-                  </a:solidFill>
-                  <a:latin typeface="黑体" panose="02010609060101010101" pitchFamily="49" charset="-122"/>
-                  <a:ea typeface="黑体" panose="02010609060101010101" pitchFamily="49" charset="-122"/>
-                </a:rPr>
-                <a:t>，则立即进入下一轮游戏。此时游戏界面刷新，两名玩家的位置也会刷新</a:t>
-              </a:r>
-              <a:endParaRPr lang="en-US" altLang="zh-CN" b="1" dirty="0">
-                <a:solidFill>
-                  <a:schemeClr val="bg1">
-                    <a:lumMod val="95000"/>
-                  </a:schemeClr>
-                </a:solidFill>
-                <a:latin typeface="黑体" panose="02010609060101010101" pitchFamily="49" charset="-122"/>
-                <a:ea typeface="黑体" panose="02010609060101010101" pitchFamily="49" charset="-122"/>
-              </a:endParaRPr>
-            </a:p>
-            <a:p>
-              <a:pPr>
-                <a:lnSpc>
-                  <a:spcPct val="150000"/>
-                </a:lnSpc>
-                <a:spcBef>
-                  <a:spcPts val="200"/>
-                </a:spcBef>
-                <a:spcAft>
-                  <a:spcPts val="200"/>
-                </a:spcAft>
-              </a:pPr>
-              <a:r>
-                <a:rPr lang="en-US" altLang="zh-CN" b="1" dirty="0">
-                  <a:solidFill>
-                    <a:schemeClr val="bg1">
-                      <a:lumMod val="95000"/>
-                    </a:schemeClr>
-                  </a:solidFill>
-                  <a:latin typeface="黑体" panose="02010609060101010101" pitchFamily="49" charset="-122"/>
-                  <a:ea typeface="黑体" panose="02010609060101010101" pitchFamily="49" charset="-122"/>
-                </a:rPr>
-                <a:t>3</a:t>
-              </a:r>
-              <a:r>
-                <a:rPr lang="zh-CN" altLang="en-US" b="1" dirty="0">
-                  <a:solidFill>
-                    <a:schemeClr val="bg1">
-                      <a:lumMod val="95000"/>
-                    </a:schemeClr>
-                  </a:solidFill>
-                  <a:latin typeface="黑体" panose="02010609060101010101" pitchFamily="49" charset="-122"/>
-                  <a:ea typeface="黑体" panose="02010609060101010101" pitchFamily="49" charset="-122"/>
-                </a:rPr>
-                <a:t>）实验报酬和最终总分数相关</a:t>
-              </a:r>
-              <a:endParaRPr lang="en-US" altLang="zh-CN" b="1" dirty="0">
-                <a:solidFill>
-                  <a:schemeClr val="bg1">
-                    <a:lumMod val="95000"/>
-                  </a:schemeClr>
-                </a:solidFill>
-                <a:latin typeface="黑体" panose="02010609060101010101" pitchFamily="49" charset="-122"/>
-                <a:ea typeface="黑体" panose="02010609060101010101" pitchFamily="49" charset="-122"/>
-              </a:endParaRPr>
-            </a:p>
-            <a:p>
-              <a:pPr algn="ctr">
-                <a:lnSpc>
-                  <a:spcPct val="150000"/>
-                </a:lnSpc>
-                <a:spcBef>
-                  <a:spcPts val="200"/>
-                </a:spcBef>
-                <a:spcAft>
-                  <a:spcPts val="200"/>
-                </a:spcAft>
-              </a:pPr>
-              <a:r>
-                <a:rPr lang="zh-CN" altLang="en-US" b="1" dirty="0">
-                  <a:solidFill>
-                    <a:schemeClr val="bg1">
-                      <a:lumMod val="95000"/>
-                    </a:schemeClr>
-                  </a:solidFill>
-                  <a:latin typeface="黑体" panose="02010609060101010101" pitchFamily="49" charset="-122"/>
-                  <a:ea typeface="黑体" panose="02010609060101010101" pitchFamily="49" charset="-122"/>
-                </a:rPr>
-                <a:t>明确自己的任务后，请按下</a:t>
-              </a:r>
-              <a:r>
-                <a:rPr lang="en-US" altLang="zh-CN" b="1" dirty="0">
-                  <a:solidFill>
-                    <a:schemeClr val="bg1">
-                      <a:lumMod val="95000"/>
-                    </a:schemeClr>
-                  </a:solidFill>
-                  <a:latin typeface="黑体" panose="02010609060101010101" pitchFamily="49" charset="-122"/>
-                  <a:ea typeface="黑体" panose="02010609060101010101" pitchFamily="49" charset="-122"/>
-                </a:rPr>
-                <a:t>a</a:t>
-              </a:r>
-              <a:r>
-                <a:rPr lang="zh-CN" altLang="en-US" b="1" dirty="0">
-                  <a:solidFill>
-                    <a:schemeClr val="bg1">
-                      <a:lumMod val="95000"/>
-                    </a:schemeClr>
-                  </a:solidFill>
-                  <a:latin typeface="黑体" panose="02010609060101010101" pitchFamily="49" charset="-122"/>
-                  <a:ea typeface="黑体" panose="02010609060101010101" pitchFamily="49" charset="-122"/>
-                </a:rPr>
-                <a:t>键。</a:t>
-              </a:r>
-              <a:endParaRPr lang="en-US" altLang="zh-CN" b="1" dirty="0">
-                <a:solidFill>
-                  <a:schemeClr val="bg1">
-                    <a:lumMod val="95000"/>
-                  </a:schemeClr>
-                </a:solidFill>
-                <a:latin typeface="黑体" panose="02010609060101010101" pitchFamily="49" charset="-122"/>
-                <a:ea typeface="黑体" panose="02010609060101010101" pitchFamily="49" charset="-122"/>
-              </a:endParaRPr>
-            </a:p>
-            <a:p>
-              <a:pPr algn="ctr">
-                <a:lnSpc>
-                  <a:spcPct val="150000"/>
-                </a:lnSpc>
-                <a:spcBef>
-                  <a:spcPts val="200"/>
-                </a:spcBef>
-                <a:spcAft>
-                  <a:spcPts val="200"/>
-                </a:spcAft>
-              </a:pPr>
-              <a:r>
-                <a:rPr lang="zh-CN" altLang="en-US" b="1" dirty="0">
-                  <a:solidFill>
-                    <a:schemeClr val="bg1">
-                      <a:lumMod val="95000"/>
-                    </a:schemeClr>
-                  </a:solidFill>
-                  <a:latin typeface="黑体" panose="02010609060101010101" pitchFamily="49" charset="-122"/>
-                  <a:ea typeface="黑体" panose="02010609060101010101" pitchFamily="49" charset="-122"/>
-                </a:rPr>
-                <a:t>等待双方确认后游戏开始。</a:t>
-              </a:r>
-            </a:p>
-          </p:txBody>
-        </p:sp>
-        <p:pic>
-          <p:nvPicPr>
-            <p:cNvPr id="6" name="图片 5"/>
-            <p:cNvPicPr>
-              <a:picLocks noChangeAspect="1"/>
-            </p:cNvPicPr>
-            <p:nvPr/>
-          </p:nvPicPr>
-          <p:blipFill>
-            <a:blip r:embed="rId2" cstate="print">
-              <a:extLst>
-                <a:ext uri="{28A0092B-C50C-407E-A947-70E740481C1C}">
-                  <a14:useLocalDpi xmlns:a14="http://schemas.microsoft.com/office/drawing/2010/main" val="0"/>
-                </a:ext>
-              </a:extLst>
-            </a:blip>
-            <a:stretch>
-              <a:fillRect/>
-            </a:stretch>
-          </p:blipFill>
-          <p:spPr>
-            <a:xfrm>
-              <a:off x="4039355" y="1705297"/>
-              <a:ext cx="2251866" cy="1823211"/>
-            </a:xfrm>
-            <a:prstGeom prst="rect">
-              <a:avLst/>
-            </a:prstGeom>
-          </p:spPr>
-        </p:pic>
-        <p:sp>
-          <p:nvSpPr>
-            <p:cNvPr id="8" name="椭圆 7"/>
-            <p:cNvSpPr/>
-            <p:nvPr/>
-          </p:nvSpPr>
-          <p:spPr>
-            <a:xfrm>
-              <a:off x="4274678" y="1998675"/>
-              <a:ext cx="647394" cy="598152"/>
-            </a:xfrm>
-            <a:prstGeom prst="ellipse">
-              <a:avLst/>
-            </a:prstGeom>
-            <a:noFill/>
-            <a:ln w="57150">
-              <a:solidFill>
-                <a:srgbClr val="FF0000"/>
-              </a:solidFill>
-            </a:ln>
-          </p:spPr>
-          <p:style>
-            <a:lnRef idx="2">
-              <a:schemeClr val="accent1">
-                <a:shade val="50000"/>
-              </a:schemeClr>
-            </a:lnRef>
-            <a:fillRef idx="1">
-              <a:schemeClr val="accent1"/>
-            </a:fillRef>
-            <a:effectRef idx="0">
-              <a:schemeClr val="accent1"/>
-            </a:effectRef>
-            <a:fontRef idx="minor">
-              <a:schemeClr val="lt1"/>
-            </a:fontRef>
-          </p:style>
-          <p:txBody>
-            <a:bodyPr rtlCol="0" anchor="ctr"/>
-            <a:lstStyle/>
-            <a:p>
-              <a:pPr algn="ctr"/>
-              <a:endParaRPr lang="zh-CN" altLang="en-US"/>
-            </a:p>
-          </p:txBody>
-        </p:sp>
         <p:pic>
           <p:nvPicPr>
             <p:cNvPr id="7" name="图片 6">
               <a:extLst>
                 <a:ext uri="{FF2B5EF4-FFF2-40B4-BE49-F238E27FC236}">
-                  <a16:creationId xmlns:a16="http://schemas.microsoft.com/office/drawing/2014/main" id="{B360C853-40A3-4763-A0CA-BFE6FA2B8BE1}"/>
+                  <a16:creationId xmlns:a16="http://schemas.microsoft.com/office/drawing/2014/main" id="{40D5060C-460E-4C97-B60C-6BFD04212732}"/>
                 </a:ext>
               </a:extLst>
             </p:cNvPr>
@@ -9080,8 +8806,8 @@
           </p:blipFill>
           <p:spPr>
             <a:xfrm>
-              <a:off x="7267626" y="5208610"/>
-              <a:ext cx="907176" cy="734490"/>
+              <a:off x="5353225" y="1737433"/>
+              <a:ext cx="2251866" cy="1823211"/>
             </a:xfrm>
             <a:prstGeom prst="rect">
               <a:avLst/>
@@ -9090,10 +8816,10 @@
         </p:pic>
         <p:sp>
           <p:nvSpPr>
-            <p:cNvPr id="9" name="椭圆 8">
+            <p:cNvPr id="8" name="椭圆 7">
               <a:extLst>
                 <a:ext uri="{FF2B5EF4-FFF2-40B4-BE49-F238E27FC236}">
-                  <a16:creationId xmlns:a16="http://schemas.microsoft.com/office/drawing/2014/main" id="{0919DD0C-02A5-4A0A-AA9F-A9D4EBB3AADD}"/>
+                  <a16:creationId xmlns:a16="http://schemas.microsoft.com/office/drawing/2014/main" id="{ED67328D-6701-440F-9DDB-66291E14A295}"/>
                 </a:ext>
               </a:extLst>
             </p:cNvPr>
@@ -9102,30 +8828,43 @@
           </p:nvSpPr>
           <p:spPr>
             <a:xfrm>
-              <a:off x="7934124" y="5470561"/>
-              <a:ext cx="129654" cy="124329"/>
+              <a:off x="7064841" y="2457685"/>
+              <a:ext cx="160855" cy="160855"/>
             </a:xfrm>
             <a:prstGeom prst="ellipse">
               <a:avLst/>
             </a:prstGeom>
-            <a:noFill/>
-            <a:ln w="57150">
-              <a:solidFill>
-                <a:srgbClr val="FF0000"/>
-              </a:solidFill>
+            <a:ln>
+              <a:noFill/>
             </a:ln>
+            <a:effectLst>
+              <a:outerShdw blurRad="149987" dist="250190" dir="8460000" algn="ctr">
+                <a:srgbClr val="000000">
+                  <a:alpha val="28000"/>
+                </a:srgbClr>
+              </a:outerShdw>
+            </a:effectLst>
+            <a:scene3d>
+              <a:camera prst="orthographicFront">
+                <a:rot lat="0" lon="0" rev="0"/>
+              </a:camera>
+              <a:lightRig rig="contrasting" dir="t">
+                <a:rot lat="0" lon="0" rev="1500000"/>
+              </a:lightRig>
+            </a:scene3d>
+            <a:sp3d prstMaterial="metal">
+              <a:bevelT w="88900" h="88900"/>
+            </a:sp3d>
           </p:spPr>
           <p:style>
-            <a:lnRef idx="2">
-              <a:schemeClr val="accent1">
-                <a:shade val="50000"/>
-              </a:schemeClr>
+            <a:lnRef idx="0">
+              <a:schemeClr val="dk1"/>
             </a:lnRef>
-            <a:fillRef idx="1">
-              <a:schemeClr val="accent1"/>
+            <a:fillRef idx="3">
+              <a:schemeClr val="dk1"/>
             </a:fillRef>
-            <a:effectRef idx="0">
-              <a:schemeClr val="accent1"/>
+            <a:effectRef idx="3">
+              <a:schemeClr val="dk1"/>
             </a:effectRef>
             <a:fontRef idx="minor">
               <a:schemeClr val="lt1"/>
@@ -9136,15 +8875,164 @@
             <a:lstStyle/>
             <a:p>
               <a:pPr algn="ctr"/>
-              <a:endParaRPr lang="zh-CN" altLang="en-US"/>
+              <a:r>
+                <a:rPr lang="en-US" altLang="zh-CN" sz="1100" b="1" dirty="0">
+                  <a:solidFill>
+                    <a:schemeClr val="accent6">
+                      <a:lumMod val="75000"/>
+                    </a:schemeClr>
+                  </a:solidFill>
+                </a:rPr>
+                <a:t>A</a:t>
+              </a:r>
+              <a:endParaRPr lang="zh-CN" altLang="en-US" sz="1100" b="1" dirty="0">
+                <a:solidFill>
+                  <a:schemeClr val="accent6">
+                    <a:lumMod val="75000"/>
+                  </a:schemeClr>
+                </a:solidFill>
+              </a:endParaRPr>
+            </a:p>
+          </p:txBody>
+        </p:sp>
+        <p:sp>
+          <p:nvSpPr>
+            <p:cNvPr id="9" name="椭圆 8">
+              <a:extLst>
+                <a:ext uri="{FF2B5EF4-FFF2-40B4-BE49-F238E27FC236}">
+                  <a16:creationId xmlns:a16="http://schemas.microsoft.com/office/drawing/2014/main" id="{63BE4DD2-C928-43D4-AAA7-BC6E9547EA55}"/>
+                </a:ext>
+              </a:extLst>
+            </p:cNvPr>
+            <p:cNvSpPr/>
+            <p:nvPr/>
+          </p:nvSpPr>
+          <p:spPr>
+            <a:xfrm>
+              <a:off x="6889581" y="2288171"/>
+              <a:ext cx="175260" cy="175260"/>
+            </a:xfrm>
+            <a:prstGeom prst="ellipse">
+              <a:avLst/>
+            </a:prstGeom>
+            <a:ln>
+              <a:noFill/>
+            </a:ln>
+            <a:effectLst>
+              <a:outerShdw blurRad="149987" dist="250190" dir="8460000" algn="ctr">
+                <a:srgbClr val="000000">
+                  <a:alpha val="28000"/>
+                </a:srgbClr>
+              </a:outerShdw>
+            </a:effectLst>
+            <a:scene3d>
+              <a:camera prst="orthographicFront">
+                <a:rot lat="0" lon="0" rev="0"/>
+              </a:camera>
+              <a:lightRig rig="contrasting" dir="t">
+                <a:rot lat="0" lon="0" rev="1500000"/>
+              </a:lightRig>
+            </a:scene3d>
+            <a:sp3d prstMaterial="metal">
+              <a:bevelT w="88900" h="88900"/>
+            </a:sp3d>
+          </p:spPr>
+          <p:style>
+            <a:lnRef idx="0">
+              <a:schemeClr val="dk1"/>
+            </a:lnRef>
+            <a:fillRef idx="3">
+              <a:schemeClr val="dk1"/>
+            </a:fillRef>
+            <a:effectRef idx="3">
+              <a:schemeClr val="dk1"/>
+            </a:effectRef>
+            <a:fontRef idx="minor">
+              <a:schemeClr val="lt1"/>
+            </a:fontRef>
+          </p:style>
+          <p:txBody>
+            <a:bodyPr rtlCol="0" anchor="ctr"/>
+            <a:lstStyle/>
+            <a:p>
+              <a:pPr algn="ctr"/>
+              <a:r>
+                <a:rPr lang="en-US" altLang="zh-CN" sz="1100" b="1" dirty="0">
+                  <a:solidFill>
+                    <a:schemeClr val="accent1">
+                      <a:lumMod val="75000"/>
+                    </a:schemeClr>
+                  </a:solidFill>
+                </a:rPr>
+                <a:t>X</a:t>
+              </a:r>
+              <a:endParaRPr lang="zh-CN" altLang="en-US" sz="1100" b="1" dirty="0">
+                <a:solidFill>
+                  <a:schemeClr val="accent1">
+                    <a:lumMod val="75000"/>
+                  </a:schemeClr>
+                </a:solidFill>
+              </a:endParaRPr>
             </a:p>
           </p:txBody>
         </p:sp>
       </p:grpSp>
+      <p:sp>
+        <p:nvSpPr>
+          <p:cNvPr id="10" name="椭圆 9">
+            <a:extLst>
+              <a:ext uri="{FF2B5EF4-FFF2-40B4-BE49-F238E27FC236}">
+                <a16:creationId xmlns:a16="http://schemas.microsoft.com/office/drawing/2014/main" id="{596FE044-186A-4F5C-92AB-F45DEAB6B90F}"/>
+              </a:ext>
+            </a:extLst>
+          </p:cNvPr>
+          <p:cNvSpPr/>
+          <p:nvPr/>
+        </p:nvSpPr>
+        <p:spPr>
+          <a:xfrm>
+            <a:off x="5928733" y="4605938"/>
+            <a:ext cx="263788" cy="252954"/>
+          </a:xfrm>
+          <a:prstGeom prst="ellipse">
+            <a:avLst/>
+          </a:prstGeom>
+          <a:noFill/>
+          <a:ln w="57150">
+            <a:solidFill>
+              <a:srgbClr val="FF0000"/>
+            </a:solidFill>
+          </a:ln>
+        </p:spPr>
+        <p:style>
+          <a:lnRef idx="2">
+            <a:schemeClr val="accent1">
+              <a:shade val="50000"/>
+            </a:schemeClr>
+          </a:lnRef>
+          <a:fillRef idx="1">
+            <a:schemeClr val="accent1"/>
+          </a:fillRef>
+          <a:effectRef idx="0">
+            <a:schemeClr val="accent1"/>
+          </a:effectRef>
+          <a:fontRef idx="minor">
+            <a:schemeClr val="lt1"/>
+          </a:fontRef>
+        </p:style>
+        <p:txBody>
+          <a:bodyPr rtlCol="0" anchor="ctr"/>
+          <a:lstStyle/>
+          <a:p>
+            <a:pPr algn="ctr"/>
+            <a:endParaRPr lang="zh-CN" altLang="en-US"/>
+          </a:p>
+        </p:txBody>
+      </p:sp>
     </p:spTree>
     <p:extLst>
       <p:ext uri="{BB962C8B-B14F-4D97-AF65-F5344CB8AC3E}">
-        <p14:creationId xmlns:p14="http://schemas.microsoft.com/office/powerpoint/2010/main" val="381854249"/>
+        <p14:creationId xmlns:p14="http://schemas.microsoft.com/office/powerpoint/2010/main" val="3309565191"/>
       </p:ext>
     </p:extLst>
   </p:cSld>
@@ -9155,251 +9043,6 @@
 </file>
 
 <file path=ppt/slides/slide7.xml><?xml version="1.0" encoding="utf-8"?>
-<p:sld xmlns:a="http://schemas.openxmlformats.org/drawingml/2006/main" xmlns:r="http://schemas.openxmlformats.org/officeDocument/2006/relationships" xmlns:p="http://schemas.openxmlformats.org/presentationml/2006/main">
-  <p:cSld>
-    <p:spTree>
-      <p:nvGrpSpPr>
-        <p:cNvPr id="1" name=""/>
-        <p:cNvGrpSpPr/>
-        <p:nvPr/>
-      </p:nvGrpSpPr>
-      <p:grpSpPr>
-        <a:xfrm>
-          <a:off x="0" y="0"/>
-          <a:ext cx="0" cy="0"/>
-          <a:chOff x="0" y="0"/>
-          <a:chExt cx="0" cy="0"/>
-        </a:xfrm>
-      </p:grpSpPr>
-      <p:grpSp>
-        <p:nvGrpSpPr>
-          <p:cNvPr id="2" name="组合 1">
-            <a:extLst>
-              <a:ext uri="{FF2B5EF4-FFF2-40B4-BE49-F238E27FC236}">
-                <a16:creationId xmlns:a16="http://schemas.microsoft.com/office/drawing/2014/main" id="{0849DFFE-3586-41EE-8DDA-07B89DFDF9C3}"/>
-              </a:ext>
-            </a:extLst>
-          </p:cNvPr>
-          <p:cNvGrpSpPr/>
-          <p:nvPr/>
-        </p:nvGrpSpPr>
-        <p:grpSpPr>
-          <a:xfrm>
-            <a:off x="887506" y="416859"/>
-            <a:ext cx="9321723" cy="6131859"/>
-            <a:chOff x="887506" y="416859"/>
-            <a:chExt cx="9321723" cy="6131859"/>
-          </a:xfrm>
-        </p:grpSpPr>
-        <p:sp>
-          <p:nvSpPr>
-            <p:cNvPr id="4" name="矩形 3"/>
-            <p:cNvSpPr/>
-            <p:nvPr/>
-          </p:nvSpPr>
-          <p:spPr>
-            <a:xfrm>
-              <a:off x="887506" y="416859"/>
-              <a:ext cx="9321723" cy="6131859"/>
-            </a:xfrm>
-            <a:prstGeom prst="rect">
-              <a:avLst/>
-            </a:prstGeom>
-            <a:solidFill>
-              <a:schemeClr val="bg2">
-                <a:lumMod val="25000"/>
-              </a:schemeClr>
-            </a:solidFill>
-            <a:ln>
-              <a:noFill/>
-            </a:ln>
-          </p:spPr>
-          <p:style>
-            <a:lnRef idx="3">
-              <a:schemeClr val="lt1"/>
-            </a:lnRef>
-            <a:fillRef idx="1">
-              <a:schemeClr val="accent3"/>
-            </a:fillRef>
-            <a:effectRef idx="1">
-              <a:schemeClr val="accent3"/>
-            </a:effectRef>
-            <a:fontRef idx="minor">
-              <a:schemeClr val="lt1"/>
-            </a:fontRef>
-          </p:style>
-          <p:txBody>
-            <a:bodyPr rtlCol="0" anchor="ctr"/>
-            <a:lstStyle/>
-            <a:p>
-              <a:pPr marL="0" lvl="4" algn="ctr">
-                <a:lnSpc>
-                  <a:spcPct val="150000"/>
-                </a:lnSpc>
-              </a:pPr>
-              <a:r>
-                <a:rPr lang="zh-CN" altLang="en-US" sz="5400" b="1" dirty="0">
-                  <a:latin typeface="黑体" panose="02010609060101010101" pitchFamily="49" charset="-122"/>
-                  <a:ea typeface="黑体" panose="02010609060101010101" pitchFamily="49" charset="-122"/>
-                </a:rPr>
-                <a:t>请休息片刻，</a:t>
-              </a:r>
-              <a:endParaRPr lang="en-US" altLang="zh-CN" sz="5400" b="1" dirty="0">
-                <a:latin typeface="黑体" panose="02010609060101010101" pitchFamily="49" charset="-122"/>
-                <a:ea typeface="黑体" panose="02010609060101010101" pitchFamily="49" charset="-122"/>
-              </a:endParaRPr>
-            </a:p>
-            <a:p>
-              <a:pPr marL="0" lvl="4" algn="ctr">
-                <a:lnSpc>
-                  <a:spcPct val="150000"/>
-                </a:lnSpc>
-              </a:pPr>
-              <a:r>
-                <a:rPr lang="zh-CN" altLang="en-US" sz="5400" b="1" dirty="0">
-                  <a:latin typeface="黑体" panose="02010609060101010101" pitchFamily="49" charset="-122"/>
-                  <a:ea typeface="黑体" panose="02010609060101010101" pitchFamily="49" charset="-122"/>
-                </a:rPr>
-                <a:t>休息好后请按手柄</a:t>
-              </a:r>
-              <a:r>
-                <a:rPr lang="en-US" altLang="zh-CN" sz="5400" b="1" dirty="0">
-                  <a:latin typeface="黑体" panose="02010609060101010101" pitchFamily="49" charset="-122"/>
-                  <a:ea typeface="黑体" panose="02010609060101010101" pitchFamily="49" charset="-122"/>
-                </a:rPr>
-                <a:t>A</a:t>
-              </a:r>
-              <a:r>
-                <a:rPr lang="zh-CN" altLang="en-US" sz="5400" b="1" dirty="0">
-                  <a:latin typeface="黑体" panose="02010609060101010101" pitchFamily="49" charset="-122"/>
-                  <a:ea typeface="黑体" panose="02010609060101010101" pitchFamily="49" charset="-122"/>
-                </a:rPr>
-                <a:t>键</a:t>
-              </a:r>
-              <a:endParaRPr lang="en-US" altLang="zh-CN" sz="5400" b="1" dirty="0">
-                <a:latin typeface="黑体" panose="02010609060101010101" pitchFamily="49" charset="-122"/>
-                <a:ea typeface="黑体" panose="02010609060101010101" pitchFamily="49" charset="-122"/>
-              </a:endParaRPr>
-            </a:p>
-            <a:p>
-              <a:pPr marL="0" lvl="4" algn="ctr">
-                <a:lnSpc>
-                  <a:spcPct val="150000"/>
-                </a:lnSpc>
-              </a:pPr>
-              <a:r>
-                <a:rPr lang="zh-CN" altLang="en-US" sz="5400" b="1" dirty="0">
-                  <a:latin typeface="黑体" panose="02010609060101010101" pitchFamily="49" charset="-122"/>
-                  <a:ea typeface="黑体" panose="02010609060101010101" pitchFamily="49" charset="-122"/>
-                </a:rPr>
-                <a:t>等待双方确认后游戏继续。</a:t>
-              </a:r>
-            </a:p>
-          </p:txBody>
-        </p:sp>
-        <p:pic>
-          <p:nvPicPr>
-            <p:cNvPr id="3" name="图片 2">
-              <a:extLst>
-                <a:ext uri="{FF2B5EF4-FFF2-40B4-BE49-F238E27FC236}">
-                  <a16:creationId xmlns:a16="http://schemas.microsoft.com/office/drawing/2014/main" id="{3C822DDD-1CC0-42BA-8663-BC9C0805C09A}"/>
-                </a:ext>
-              </a:extLst>
-            </p:cNvPr>
-            <p:cNvPicPr>
-              <a:picLocks noChangeAspect="1"/>
-            </p:cNvPicPr>
-            <p:nvPr/>
-          </p:nvPicPr>
-          <p:blipFill>
-            <a:blip r:embed="rId2" cstate="print">
-              <a:extLst>
-                <a:ext uri="{28A0092B-C50C-407E-A947-70E740481C1C}">
-                  <a14:useLocalDpi xmlns:a14="http://schemas.microsoft.com/office/drawing/2010/main" val="0"/>
-                </a:ext>
-              </a:extLst>
-            </a:blip>
-            <a:stretch>
-              <a:fillRect/>
-            </a:stretch>
-          </p:blipFill>
-          <p:spPr>
-            <a:xfrm>
-              <a:off x="7517844" y="1181028"/>
-              <a:ext cx="2251866" cy="1823211"/>
-            </a:xfrm>
-            <a:prstGeom prst="rect">
-              <a:avLst/>
-            </a:prstGeom>
-          </p:spPr>
-        </p:pic>
-        <p:sp>
-          <p:nvSpPr>
-            <p:cNvPr id="5" name="椭圆 4">
-              <a:extLst>
-                <a:ext uri="{FF2B5EF4-FFF2-40B4-BE49-F238E27FC236}">
-                  <a16:creationId xmlns:a16="http://schemas.microsoft.com/office/drawing/2014/main" id="{0678F68E-C440-4046-BA2B-53E0637B9B78}"/>
-                </a:ext>
-              </a:extLst>
-            </p:cNvPr>
-            <p:cNvSpPr/>
-            <p:nvPr/>
-          </p:nvSpPr>
-          <p:spPr>
-            <a:xfrm>
-              <a:off x="9172279" y="1831264"/>
-              <a:ext cx="321838" cy="308620"/>
-            </a:xfrm>
-            <a:prstGeom prst="ellipse">
-              <a:avLst/>
-            </a:prstGeom>
-            <a:noFill/>
-            <a:ln w="57150">
-              <a:solidFill>
-                <a:srgbClr val="FF0000"/>
-              </a:solidFill>
-            </a:ln>
-          </p:spPr>
-          <p:style>
-            <a:lnRef idx="2">
-              <a:schemeClr val="accent1">
-                <a:shade val="50000"/>
-              </a:schemeClr>
-            </a:lnRef>
-            <a:fillRef idx="1">
-              <a:schemeClr val="accent1"/>
-            </a:fillRef>
-            <a:effectRef idx="0">
-              <a:schemeClr val="accent1"/>
-            </a:effectRef>
-            <a:fontRef idx="minor">
-              <a:schemeClr val="lt1"/>
-            </a:fontRef>
-          </p:style>
-          <p:txBody>
-            <a:bodyPr rtlCol="0" anchor="ctr"/>
-            <a:lstStyle/>
-            <a:p>
-              <a:pPr algn="ctr"/>
-              <a:endParaRPr lang="zh-CN" altLang="en-US"/>
-            </a:p>
-          </p:txBody>
-        </p:sp>
-      </p:grpSp>
-    </p:spTree>
-    <p:extLst>
-      <p:ext uri="{BB962C8B-B14F-4D97-AF65-F5344CB8AC3E}">
-        <p14:creationId xmlns:p14="http://schemas.microsoft.com/office/powerpoint/2010/main" val="2676883907"/>
-      </p:ext>
-    </p:extLst>
-  </p:cSld>
-  <p:clrMapOvr>
-    <a:masterClrMapping/>
-  </p:clrMapOvr>
-</p:sld>
-</file>
-
-<file path=ppt/slides/slide8.xml><?xml version="1.0" encoding="utf-8"?>
 <p:sld xmlns:a="http://schemas.openxmlformats.org/drawingml/2006/main" xmlns:r="http://schemas.openxmlformats.org/officeDocument/2006/relationships" xmlns:p="http://schemas.openxmlformats.org/presentationml/2006/main">
   <p:cSld>
     <p:spTree>
@@ -9503,6 +9146,110 @@
 </p:sld>
 </file>
 
+<file path=ppt/slides/slide8.xml><?xml version="1.0" encoding="utf-8"?>
+<p:sld xmlns:a="http://schemas.openxmlformats.org/drawingml/2006/main" xmlns:r="http://schemas.openxmlformats.org/officeDocument/2006/relationships" xmlns:p="http://schemas.openxmlformats.org/presentationml/2006/main">
+  <p:cSld>
+    <p:spTree>
+      <p:nvGrpSpPr>
+        <p:cNvPr id="1" name=""/>
+        <p:cNvGrpSpPr/>
+        <p:nvPr/>
+      </p:nvGrpSpPr>
+      <p:grpSpPr>
+        <a:xfrm>
+          <a:off x="0" y="0"/>
+          <a:ext cx="0" cy="0"/>
+          <a:chOff x="0" y="0"/>
+          <a:chExt cx="0" cy="0"/>
+        </a:xfrm>
+      </p:grpSpPr>
+      <p:sp>
+        <p:nvSpPr>
+          <p:cNvPr id="4" name="矩形 3"/>
+          <p:cNvSpPr/>
+          <p:nvPr/>
+        </p:nvSpPr>
+        <p:spPr>
+          <a:xfrm>
+            <a:off x="887506" y="416859"/>
+            <a:ext cx="8767482" cy="6131859"/>
+          </a:xfrm>
+          <a:prstGeom prst="rect">
+            <a:avLst/>
+          </a:prstGeom>
+          <a:solidFill>
+            <a:schemeClr val="bg2">
+              <a:lumMod val="25000"/>
+            </a:schemeClr>
+          </a:solidFill>
+          <a:ln>
+            <a:noFill/>
+          </a:ln>
+        </p:spPr>
+        <p:style>
+          <a:lnRef idx="3">
+            <a:schemeClr val="lt1"/>
+          </a:lnRef>
+          <a:fillRef idx="1">
+            <a:schemeClr val="accent3"/>
+          </a:fillRef>
+          <a:effectRef idx="1">
+            <a:schemeClr val="accent3"/>
+          </a:effectRef>
+          <a:fontRef idx="minor">
+            <a:schemeClr val="lt1"/>
+          </a:fontRef>
+        </p:style>
+        <p:txBody>
+          <a:bodyPr rtlCol="0" anchor="ctr"/>
+          <a:lstStyle/>
+          <a:p>
+            <a:pPr lvl="6">
+              <a:lnSpc>
+                <a:spcPct val="150000"/>
+              </a:lnSpc>
+            </a:pPr>
+            <a:r>
+              <a:rPr lang="zh-CN" altLang="en-US" sz="5400" b="1" dirty="0">
+                <a:latin typeface="黑体" panose="02010609060101010101" pitchFamily="49" charset="-122"/>
+                <a:ea typeface="黑体" panose="02010609060101010101" pitchFamily="49" charset="-122"/>
+              </a:rPr>
+              <a:t>实验结束，</a:t>
+            </a:r>
+            <a:endParaRPr lang="en-US" altLang="zh-CN" sz="5400" b="1" dirty="0">
+              <a:latin typeface="黑体" panose="02010609060101010101" pitchFamily="49" charset="-122"/>
+              <a:ea typeface="黑体" panose="02010609060101010101" pitchFamily="49" charset="-122"/>
+            </a:endParaRPr>
+          </a:p>
+          <a:p>
+            <a:pPr lvl="6">
+              <a:lnSpc>
+                <a:spcPct val="150000"/>
+              </a:lnSpc>
+            </a:pPr>
+            <a:r>
+              <a:rPr lang="zh-CN" altLang="en-US" sz="5400" b="1" dirty="0">
+                <a:latin typeface="黑体" panose="02010609060101010101" pitchFamily="49" charset="-122"/>
+                <a:ea typeface="黑体" panose="02010609060101010101" pitchFamily="49" charset="-122"/>
+              </a:rPr>
+              <a:t>请联系主试。</a:t>
+            </a:r>
+          </a:p>
+        </p:txBody>
+      </p:sp>
+    </p:spTree>
+    <p:extLst>
+      <p:ext uri="{BB962C8B-B14F-4D97-AF65-F5344CB8AC3E}">
+        <p14:creationId xmlns:p14="http://schemas.microsoft.com/office/powerpoint/2010/main" val="856994835"/>
+      </p:ext>
+    </p:extLst>
+  </p:cSld>
+  <p:clrMapOvr>
+    <a:masterClrMapping/>
+  </p:clrMapOvr>
+</p:sld>
+</file>
+
 <file path=ppt/slides/slide9.xml><?xml version="1.0" encoding="utf-8"?>
 <p:sld xmlns:a="http://schemas.openxmlformats.org/drawingml/2006/main" xmlns:r="http://schemas.openxmlformats.org/officeDocument/2006/relationships" xmlns:p="http://schemas.openxmlformats.org/presentationml/2006/main">
   <p:cSld>
@@ -9520,243 +9267,91 @@
           <a:chExt cx="0" cy="0"/>
         </a:xfrm>
       </p:grpSpPr>
-      <p:grpSp>
-        <p:nvGrpSpPr>
-          <p:cNvPr id="2" name="组合 1">
-            <a:extLst>
-              <a:ext uri="{FF2B5EF4-FFF2-40B4-BE49-F238E27FC236}">
-                <a16:creationId xmlns:a16="http://schemas.microsoft.com/office/drawing/2014/main" id="{2D561553-C373-4E61-9C6C-32886A39CC0B}"/>
-              </a:ext>
-            </a:extLst>
-          </p:cNvPr>
-          <p:cNvGrpSpPr/>
+      <p:sp>
+        <p:nvSpPr>
+          <p:cNvPr id="4" name="矩形 3"/>
+          <p:cNvSpPr/>
           <p:nvPr/>
-        </p:nvGrpSpPr>
-        <p:grpSpPr>
+        </p:nvSpPr>
+        <p:spPr>
           <a:xfrm>
-            <a:off x="2177392" y="146253"/>
-            <a:ext cx="6705999" cy="6131859"/>
-            <a:chOff x="887506" y="416859"/>
-            <a:chExt cx="8457999" cy="6131859"/>
+            <a:off x="887506" y="416859"/>
+            <a:ext cx="8767482" cy="6131859"/>
           </a:xfrm>
-        </p:grpSpPr>
-        <p:sp>
-          <p:nvSpPr>
-            <p:cNvPr id="4" name="矩形 3"/>
-            <p:cNvSpPr/>
-            <p:nvPr/>
-          </p:nvSpPr>
-          <p:spPr>
-            <a:xfrm>
-              <a:off x="887506" y="416859"/>
-              <a:ext cx="8457999" cy="6131859"/>
-            </a:xfrm>
-            <a:prstGeom prst="rect">
-              <a:avLst/>
-            </a:prstGeom>
-            <a:solidFill>
-              <a:schemeClr val="bg2">
-                <a:lumMod val="25000"/>
-              </a:schemeClr>
-            </a:solidFill>
-            <a:ln>
-              <a:noFill/>
-            </a:ln>
-          </p:spPr>
-          <p:style>
-            <a:lnRef idx="3">
-              <a:schemeClr val="lt1"/>
-            </a:lnRef>
-            <a:fillRef idx="1">
-              <a:schemeClr val="accent3"/>
-            </a:fillRef>
-            <a:effectRef idx="1">
-              <a:schemeClr val="accent3"/>
-            </a:effectRef>
-            <a:fontRef idx="minor">
-              <a:schemeClr val="lt1"/>
-            </a:fontRef>
-          </p:style>
-          <p:txBody>
-            <a:bodyPr rtlCol="0" anchor="t"/>
-            <a:lstStyle/>
-            <a:p>
-              <a:pPr marL="0" lvl="4" algn="ctr">
-                <a:lnSpc>
-                  <a:spcPct val="150000"/>
-                </a:lnSpc>
-              </a:pPr>
-              <a:endParaRPr lang="en-US" altLang="zh-CN" sz="3600" b="1" dirty="0">
+          <a:prstGeom prst="rect">
+            <a:avLst/>
+          </a:prstGeom>
+          <a:solidFill>
+            <a:schemeClr val="bg2">
+              <a:lumMod val="25000"/>
+            </a:schemeClr>
+          </a:solidFill>
+          <a:ln>
+            <a:noFill/>
+          </a:ln>
+        </p:spPr>
+        <p:style>
+          <a:lnRef idx="3">
+            <a:schemeClr val="lt1"/>
+          </a:lnRef>
+          <a:fillRef idx="1">
+            <a:schemeClr val="accent3"/>
+          </a:fillRef>
+          <a:effectRef idx="1">
+            <a:schemeClr val="accent3"/>
+          </a:effectRef>
+          <a:fontRef idx="minor">
+            <a:schemeClr val="lt1"/>
+          </a:fontRef>
+        </p:style>
+        <p:txBody>
+          <a:bodyPr rtlCol="0" anchor="ctr"/>
+          <a:lstStyle/>
+          <a:p>
+            <a:pPr lvl="4">
+              <a:lnSpc>
+                <a:spcPct val="150000"/>
+              </a:lnSpc>
+            </a:pPr>
+            <a:r>
+              <a:rPr lang="zh-CN" altLang="en-US" sz="5400" b="1" dirty="0">
                 <a:latin typeface="黑体" panose="02010609060101010101" pitchFamily="49" charset="-122"/>
                 <a:ea typeface="黑体" panose="02010609060101010101" pitchFamily="49" charset="-122"/>
-              </a:endParaRPr>
-            </a:p>
-            <a:p>
-              <a:pPr marL="0" lvl="4" algn="ctr">
-                <a:lnSpc>
-                  <a:spcPct val="150000"/>
-                </a:lnSpc>
-              </a:pPr>
-              <a:endParaRPr lang="en-US" altLang="zh-CN" sz="3600" b="1" dirty="0">
+              </a:rPr>
+              <a:t>请休息片刻，</a:t>
+            </a:r>
+            <a:endParaRPr lang="en-US" altLang="zh-CN" sz="5400" b="1" dirty="0">
+              <a:latin typeface="黑体" panose="02010609060101010101" pitchFamily="49" charset="-122"/>
+              <a:ea typeface="黑体" panose="02010609060101010101" pitchFamily="49" charset="-122"/>
+            </a:endParaRPr>
+          </a:p>
+          <a:p>
+            <a:pPr lvl="4">
+              <a:lnSpc>
+                <a:spcPct val="150000"/>
+              </a:lnSpc>
+            </a:pPr>
+            <a:r>
+              <a:rPr lang="en-US" altLang="zh-CN" sz="5400" b="1" dirty="0">
                 <a:latin typeface="黑体" panose="02010609060101010101" pitchFamily="49" charset="-122"/>
                 <a:ea typeface="黑体" panose="02010609060101010101" pitchFamily="49" charset="-122"/>
-              </a:endParaRPr>
-            </a:p>
-            <a:p>
-              <a:pPr marL="0" lvl="4" algn="ctr">
-                <a:lnSpc>
-                  <a:spcPct val="150000"/>
-                </a:lnSpc>
-              </a:pPr>
-              <a:r>
-                <a:rPr lang="zh-CN" altLang="en-US" sz="2800" b="1" dirty="0">
-                  <a:latin typeface="黑体" panose="02010609060101010101" pitchFamily="49" charset="-122"/>
-                  <a:ea typeface="黑体" panose="02010609060101010101" pitchFamily="49" charset="-122"/>
-                </a:rPr>
-                <a:t>请休息片刻，</a:t>
-              </a:r>
-            </a:p>
-            <a:p>
-              <a:pPr marL="0" lvl="4" algn="ctr">
-                <a:lnSpc>
-                  <a:spcPct val="150000"/>
-                </a:lnSpc>
-              </a:pPr>
-              <a:r>
-                <a:rPr lang="zh-CN" altLang="en-US" sz="2800" b="1" dirty="0">
-                  <a:latin typeface="黑体" panose="02010609060101010101" pitchFamily="49" charset="-122"/>
-                  <a:ea typeface="黑体" panose="02010609060101010101" pitchFamily="49" charset="-122"/>
-                </a:rPr>
-                <a:t>休息好后请按手柄</a:t>
-              </a:r>
-              <a:r>
-                <a:rPr lang="en-US" altLang="zh-CN" sz="2800" b="1" dirty="0">
-                  <a:latin typeface="黑体" panose="02010609060101010101" pitchFamily="49" charset="-122"/>
-                  <a:ea typeface="黑体" panose="02010609060101010101" pitchFamily="49" charset="-122"/>
-                </a:rPr>
-                <a:t>A</a:t>
-              </a:r>
-              <a:r>
-                <a:rPr lang="zh-CN" altLang="en-US" sz="2800" b="1" dirty="0">
-                  <a:latin typeface="黑体" panose="02010609060101010101" pitchFamily="49" charset="-122"/>
-                  <a:ea typeface="黑体" panose="02010609060101010101" pitchFamily="49" charset="-122"/>
-                </a:rPr>
-                <a:t>键</a:t>
-              </a:r>
-            </a:p>
-            <a:p>
-              <a:pPr marL="0" lvl="4" algn="ctr">
-                <a:lnSpc>
-                  <a:spcPct val="150000"/>
-                </a:lnSpc>
-              </a:pPr>
-              <a:r>
-                <a:rPr lang="zh-CN" altLang="en-US" sz="2800" b="1" dirty="0">
-                  <a:latin typeface="黑体" panose="02010609060101010101" pitchFamily="49" charset="-122"/>
-                  <a:ea typeface="黑体" panose="02010609060101010101" pitchFamily="49" charset="-122"/>
-                </a:rPr>
-                <a:t>等待双方确认后游戏继续。</a:t>
-              </a:r>
-              <a:endParaRPr lang="zh-CN" altLang="en-US" sz="3600" b="1" dirty="0">
+              </a:rPr>
+              <a:t>30s</a:t>
+            </a:r>
+            <a:r>
+              <a:rPr lang="zh-CN" altLang="en-US" sz="5400" b="1" dirty="0">
                 <a:latin typeface="黑体" panose="02010609060101010101" pitchFamily="49" charset="-122"/>
                 <a:ea typeface="黑体" panose="02010609060101010101" pitchFamily="49" charset="-122"/>
-              </a:endParaRPr>
-            </a:p>
-          </p:txBody>
-        </p:sp>
-        <p:pic>
-          <p:nvPicPr>
-            <p:cNvPr id="3" name="图片 2">
-              <a:extLst>
-                <a:ext uri="{FF2B5EF4-FFF2-40B4-BE49-F238E27FC236}">
-                  <a16:creationId xmlns:a16="http://schemas.microsoft.com/office/drawing/2014/main" id="{5CE8B433-609C-457E-AB7E-3F796E1A1A7E}"/>
-                </a:ext>
-              </a:extLst>
-            </p:cNvPr>
-            <p:cNvPicPr>
-              <a:picLocks noChangeAspect="1"/>
-            </p:cNvPicPr>
-            <p:nvPr/>
-          </p:nvPicPr>
-          <p:blipFill>
-            <a:blip r:embed="rId2" cstate="print">
-              <a:extLst>
-                <a:ext uri="{28A0092B-C50C-407E-A947-70E740481C1C}">
-                  <a14:useLocalDpi xmlns:a14="http://schemas.microsoft.com/office/drawing/2010/main" val="0"/>
-                </a:ext>
-              </a:extLst>
-            </a:blip>
-            <a:stretch>
-              <a:fillRect/>
-            </a:stretch>
-          </p:blipFill>
-          <p:spPr>
-            <a:xfrm>
-              <a:off x="4011843" y="3886520"/>
-              <a:ext cx="2251866" cy="1823211"/>
-            </a:xfrm>
-            <a:prstGeom prst="rect">
-              <a:avLst/>
-            </a:prstGeom>
-          </p:spPr>
-        </p:pic>
-        <p:sp>
-          <p:nvSpPr>
-            <p:cNvPr id="5" name="椭圆 4">
-              <a:extLst>
-                <a:ext uri="{FF2B5EF4-FFF2-40B4-BE49-F238E27FC236}">
-                  <a16:creationId xmlns:a16="http://schemas.microsoft.com/office/drawing/2014/main" id="{0E0463B8-DCCC-46EB-B82F-AB1AE445C244}"/>
-                </a:ext>
-              </a:extLst>
-            </p:cNvPr>
-            <p:cNvSpPr/>
-            <p:nvPr/>
-          </p:nvSpPr>
-          <p:spPr>
-            <a:xfrm>
-              <a:off x="5666279" y="4536756"/>
-              <a:ext cx="321838" cy="308620"/>
-            </a:xfrm>
-            <a:prstGeom prst="ellipse">
-              <a:avLst/>
-            </a:prstGeom>
-            <a:noFill/>
-            <a:ln w="57150">
-              <a:solidFill>
-                <a:srgbClr val="FF0000"/>
-              </a:solidFill>
-            </a:ln>
-          </p:spPr>
-          <p:style>
-            <a:lnRef idx="2">
-              <a:schemeClr val="accent1">
-                <a:shade val="50000"/>
-              </a:schemeClr>
-            </a:lnRef>
-            <a:fillRef idx="1">
-              <a:schemeClr val="accent1"/>
-            </a:fillRef>
-            <a:effectRef idx="0">
-              <a:schemeClr val="accent1"/>
-            </a:effectRef>
-            <a:fontRef idx="minor">
-              <a:schemeClr val="lt1"/>
-            </a:fontRef>
-          </p:style>
-          <p:txBody>
-            <a:bodyPr rtlCol="0" anchor="ctr"/>
-            <a:lstStyle/>
-            <a:p>
-              <a:pPr algn="ctr"/>
-              <a:endParaRPr lang="zh-CN" altLang="en-US"/>
-            </a:p>
-          </p:txBody>
-        </p:sp>
-      </p:grpSp>
+              </a:rPr>
+              <a:t>后游戏继续。</a:t>
+            </a:r>
+          </a:p>
+        </p:txBody>
+      </p:sp>
     </p:spTree>
     <p:extLst>
       <p:ext uri="{BB962C8B-B14F-4D97-AF65-F5344CB8AC3E}">
-        <p14:creationId xmlns:p14="http://schemas.microsoft.com/office/powerpoint/2010/main" val="3309565191"/>
+        <p14:creationId xmlns:p14="http://schemas.microsoft.com/office/powerpoint/2010/main" val="3226466048"/>
       </p:ext>
     </p:extLst>
   </p:cSld>

--- a/pictures/introduction.pptx
+++ b/pictures/introduction.pptx
@@ -5,18 +5,17 @@
     <p:sldMasterId id="2147483648" r:id="rId1"/>
   </p:sldMasterIdLst>
   <p:notesMasterIdLst>
-    <p:notesMasterId r:id="rId11"/>
+    <p:notesMasterId r:id="rId10"/>
   </p:notesMasterIdLst>
   <p:sldIdLst>
     <p:sldId id="261" r:id="rId2"/>
     <p:sldId id="267" r:id="rId3"/>
-    <p:sldId id="268" r:id="rId4"/>
-    <p:sldId id="275" r:id="rId5"/>
-    <p:sldId id="278" r:id="rId6"/>
-    <p:sldId id="276" r:id="rId7"/>
-    <p:sldId id="277" r:id="rId8"/>
-    <p:sldId id="259" r:id="rId9"/>
-    <p:sldId id="279" r:id="rId10"/>
+    <p:sldId id="275" r:id="rId4"/>
+    <p:sldId id="278" r:id="rId5"/>
+    <p:sldId id="276" r:id="rId6"/>
+    <p:sldId id="277" r:id="rId7"/>
+    <p:sldId id="259" r:id="rId8"/>
+    <p:sldId id="279" r:id="rId9"/>
   </p:sldIdLst>
   <p:sldSz cx="12192000" cy="6858000"/>
   <p:notesSz cx="6858000" cy="9144000"/>
@@ -122,7 +121,6 @@
           <p14:sldIdLst>
             <p14:sldId id="261"/>
             <p14:sldId id="267"/>
-            <p14:sldId id="268"/>
             <p14:sldId id="275"/>
           </p14:sldIdLst>
         </p14:section>
@@ -242,7 +240,7 @@
           <a:p>
             <a:fld id="{C0546B5F-B17E-4A11-A9CD-A10C644EC78D}" type="datetimeFigureOut">
               <a:rPr lang="zh-CN" altLang="en-US" smtClean="0"/>
-              <a:t>2021/9/15</a:t>
+              <a:t>2021/11/18</a:t>
             </a:fld>
             <a:endParaRPr lang="zh-CN" altLang="en-US"/>
           </a:p>
@@ -717,110 +715,6 @@
 </p:notes>
 </file>
 
-<file path=ppt/notesSlides/notesSlide3.xml><?xml version="1.0" encoding="utf-8"?>
-<p:notes xmlns:a="http://schemas.openxmlformats.org/drawingml/2006/main" xmlns:r="http://schemas.openxmlformats.org/officeDocument/2006/relationships" xmlns:p="http://schemas.openxmlformats.org/presentationml/2006/main">
-  <p:cSld>
-    <p:spTree>
-      <p:nvGrpSpPr>
-        <p:cNvPr id="1" name=""/>
-        <p:cNvGrpSpPr/>
-        <p:nvPr/>
-      </p:nvGrpSpPr>
-      <p:grpSpPr>
-        <a:xfrm>
-          <a:off x="0" y="0"/>
-          <a:ext cx="0" cy="0"/>
-          <a:chOff x="0" y="0"/>
-          <a:chExt cx="0" cy="0"/>
-        </a:xfrm>
-      </p:grpSpPr>
-      <p:sp>
-        <p:nvSpPr>
-          <p:cNvPr id="2" name="幻灯片图像占位符 1"/>
-          <p:cNvSpPr>
-            <a:spLocks noGrp="1" noRot="1" noChangeAspect="1"/>
-          </p:cNvSpPr>
-          <p:nvPr>
-            <p:ph type="sldImg"/>
-          </p:nvPr>
-        </p:nvSpPr>
-        <p:spPr/>
-      </p:sp>
-      <p:sp>
-        <p:nvSpPr>
-          <p:cNvPr id="3" name="备注占位符 2"/>
-          <p:cNvSpPr>
-            <a:spLocks noGrp="1"/>
-          </p:cNvSpPr>
-          <p:nvPr>
-            <p:ph type="body" idx="1"/>
-          </p:nvPr>
-        </p:nvSpPr>
-        <p:spPr/>
-        <p:txBody>
-          <a:bodyPr/>
-          <a:lstStyle/>
-          <a:p>
-            <a:pPr marL="0" marR="0" lvl="0" indent="0" algn="l" defTabSz="914400" rtl="0" eaLnBrk="1" fontAlgn="auto" latinLnBrk="0" hangingPunct="1">
-              <a:lnSpc>
-                <a:spcPct val="100000"/>
-              </a:lnSpc>
-              <a:spcBef>
-                <a:spcPts val="0"/>
-              </a:spcBef>
-              <a:spcAft>
-                <a:spcPts val="0"/>
-              </a:spcAft>
-              <a:buClrTx/>
-              <a:buSzTx/>
-              <a:buFontTx/>
-              <a:buNone/>
-              <a:tabLst/>
-              <a:defRPr/>
-            </a:pPr>
-            <a:r>
-              <a:rPr lang="zh-CN" altLang="en-US" dirty="0"/>
-              <a:t>分数计算</a:t>
-            </a:r>
-          </a:p>
-        </p:txBody>
-      </p:sp>
-      <p:sp>
-        <p:nvSpPr>
-          <p:cNvPr id="4" name="灯片编号占位符 3"/>
-          <p:cNvSpPr>
-            <a:spLocks noGrp="1"/>
-          </p:cNvSpPr>
-          <p:nvPr>
-            <p:ph type="sldNum" sz="quarter" idx="5"/>
-          </p:nvPr>
-        </p:nvSpPr>
-        <p:spPr/>
-        <p:txBody>
-          <a:bodyPr/>
-          <a:lstStyle/>
-          <a:p>
-            <a:fld id="{19214DBA-04C0-4AE0-9391-D985D3AC6701}" type="slidenum">
-              <a:rPr lang="zh-CN" altLang="en-US" smtClean="0"/>
-              <a:t>3</a:t>
-            </a:fld>
-            <a:endParaRPr lang="zh-CN" altLang="en-US"/>
-          </a:p>
-        </p:txBody>
-      </p:sp>
-    </p:spTree>
-    <p:extLst>
-      <p:ext uri="{BB962C8B-B14F-4D97-AF65-F5344CB8AC3E}">
-        <p14:creationId xmlns:p14="http://schemas.microsoft.com/office/powerpoint/2010/main" val="158989708"/>
-      </p:ext>
-    </p:extLst>
-  </p:cSld>
-  <p:clrMapOvr>
-    <a:masterClrMapping/>
-  </p:clrMapOvr>
-</p:notes>
-</file>
-
 <file path=ppt/slideLayouts/slideLayout1.xml><?xml version="1.0" encoding="utf-8"?>
 <p:sldLayout xmlns:a="http://schemas.openxmlformats.org/drawingml/2006/main" xmlns:r="http://schemas.openxmlformats.org/officeDocument/2006/relationships" xmlns:p="http://schemas.openxmlformats.org/presentationml/2006/main" type="title" preserve="1">
   <p:cSld name="标题幻灯片">
@@ -968,7 +862,7 @@
           <a:p>
             <a:fld id="{22C6D5CB-9E91-4D8B-8A6F-E7E64CE5E759}" type="datetimeFigureOut">
               <a:rPr lang="zh-CN" altLang="en-US" smtClean="0"/>
-              <a:t>2021/9/15</a:t>
+              <a:t>2021/11/18</a:t>
             </a:fld>
             <a:endParaRPr lang="zh-CN" altLang="en-US"/>
           </a:p>
@@ -1166,7 +1060,7 @@
           <a:p>
             <a:fld id="{22C6D5CB-9E91-4D8B-8A6F-E7E64CE5E759}" type="datetimeFigureOut">
               <a:rPr lang="zh-CN" altLang="en-US" smtClean="0"/>
-              <a:t>2021/9/15</a:t>
+              <a:t>2021/11/18</a:t>
             </a:fld>
             <a:endParaRPr lang="zh-CN" altLang="en-US"/>
           </a:p>
@@ -1374,7 +1268,7 @@
           <a:p>
             <a:fld id="{22C6D5CB-9E91-4D8B-8A6F-E7E64CE5E759}" type="datetimeFigureOut">
               <a:rPr lang="zh-CN" altLang="en-US" smtClean="0"/>
-              <a:t>2021/9/15</a:t>
+              <a:t>2021/11/18</a:t>
             </a:fld>
             <a:endParaRPr lang="zh-CN" altLang="en-US"/>
           </a:p>
@@ -1572,7 +1466,7 @@
           <a:p>
             <a:fld id="{22C6D5CB-9E91-4D8B-8A6F-E7E64CE5E759}" type="datetimeFigureOut">
               <a:rPr lang="zh-CN" altLang="en-US" smtClean="0"/>
-              <a:t>2021/9/15</a:t>
+              <a:t>2021/11/18</a:t>
             </a:fld>
             <a:endParaRPr lang="zh-CN" altLang="en-US"/>
           </a:p>
@@ -1847,7 +1741,7 @@
           <a:p>
             <a:fld id="{22C6D5CB-9E91-4D8B-8A6F-E7E64CE5E759}" type="datetimeFigureOut">
               <a:rPr lang="zh-CN" altLang="en-US" smtClean="0"/>
-              <a:t>2021/9/15</a:t>
+              <a:t>2021/11/18</a:t>
             </a:fld>
             <a:endParaRPr lang="zh-CN" altLang="en-US"/>
           </a:p>
@@ -2112,7 +2006,7 @@
           <a:p>
             <a:fld id="{22C6D5CB-9E91-4D8B-8A6F-E7E64CE5E759}" type="datetimeFigureOut">
               <a:rPr lang="zh-CN" altLang="en-US" smtClean="0"/>
-              <a:t>2021/9/15</a:t>
+              <a:t>2021/11/18</a:t>
             </a:fld>
             <a:endParaRPr lang="zh-CN" altLang="en-US"/>
           </a:p>
@@ -2524,7 +2418,7 @@
           <a:p>
             <a:fld id="{22C6D5CB-9E91-4D8B-8A6F-E7E64CE5E759}" type="datetimeFigureOut">
               <a:rPr lang="zh-CN" altLang="en-US" smtClean="0"/>
-              <a:t>2021/9/15</a:t>
+              <a:t>2021/11/18</a:t>
             </a:fld>
             <a:endParaRPr lang="zh-CN" altLang="en-US"/>
           </a:p>
@@ -2665,7 +2559,7 @@
           <a:p>
             <a:fld id="{22C6D5CB-9E91-4D8B-8A6F-E7E64CE5E759}" type="datetimeFigureOut">
               <a:rPr lang="zh-CN" altLang="en-US" smtClean="0"/>
-              <a:t>2021/9/15</a:t>
+              <a:t>2021/11/18</a:t>
             </a:fld>
             <a:endParaRPr lang="zh-CN" altLang="en-US"/>
           </a:p>
@@ -2778,7 +2672,7 @@
           <a:p>
             <a:fld id="{22C6D5CB-9E91-4D8B-8A6F-E7E64CE5E759}" type="datetimeFigureOut">
               <a:rPr lang="zh-CN" altLang="en-US" smtClean="0"/>
-              <a:t>2021/9/15</a:t>
+              <a:t>2021/11/18</a:t>
             </a:fld>
             <a:endParaRPr lang="zh-CN" altLang="en-US"/>
           </a:p>
@@ -3089,7 +2983,7 @@
           <a:p>
             <a:fld id="{22C6D5CB-9E91-4D8B-8A6F-E7E64CE5E759}" type="datetimeFigureOut">
               <a:rPr lang="zh-CN" altLang="en-US" smtClean="0"/>
-              <a:t>2021/9/15</a:t>
+              <a:t>2021/11/18</a:t>
             </a:fld>
             <a:endParaRPr lang="zh-CN" altLang="en-US"/>
           </a:p>
@@ -3377,7 +3271,7 @@
           <a:p>
             <a:fld id="{22C6D5CB-9E91-4D8B-8A6F-E7E64CE5E759}" type="datetimeFigureOut">
               <a:rPr lang="zh-CN" altLang="en-US" smtClean="0"/>
-              <a:t>2021/9/15</a:t>
+              <a:t>2021/11/18</a:t>
             </a:fld>
             <a:endParaRPr lang="zh-CN" altLang="en-US"/>
           </a:p>
@@ -3618,7 +3512,7 @@
           <a:p>
             <a:fld id="{22C6D5CB-9E91-4D8B-8A6F-E7E64CE5E759}" type="datetimeFigureOut">
               <a:rPr lang="zh-CN" altLang="en-US" smtClean="0"/>
-              <a:t>2021/9/15</a:t>
+              <a:t>2021/11/18</a:t>
             </a:fld>
             <a:endParaRPr lang="zh-CN" altLang="en-US"/>
           </a:p>
@@ -4055,7 +3949,7 @@
         <p:spPr>
           <a:xfrm>
             <a:off x="1126380" y="291072"/>
-            <a:ext cx="9608904" cy="1456489"/>
+            <a:ext cx="10176358" cy="1456489"/>
           </a:xfrm>
           <a:prstGeom prst="rect">
             <a:avLst/>
@@ -4089,7 +3983,7 @@
                 <a:latin typeface="黑体" panose="02010609060101010101" pitchFamily="49" charset="-122"/>
                 <a:ea typeface="黑体" panose="02010609060101010101" pitchFamily="49" charset="-122"/>
               </a:rPr>
-              <a:t>您好，欢迎参与“狼追羊”游戏！</a:t>
+              <a:t>您好，欢迎参与“赏金猎人”游戏！</a:t>
             </a:r>
             <a:endParaRPr lang="en-US" altLang="zh-CN" sz="2000" dirty="0">
               <a:solidFill>
@@ -4123,7 +4017,17 @@
                 <a:latin typeface="黑体" panose="02010609060101010101" pitchFamily="49" charset="-122"/>
                 <a:ea typeface="黑体" panose="02010609060101010101" pitchFamily="49" charset="-122"/>
               </a:rPr>
-              <a:t>在本游戏中，您与另一玩家将同时扮演“狼”（</a:t>
+              <a:t>在本游戏中，两名玩家将同时扮演“赏金猎人”（</a:t>
+            </a:r>
+            <a:r>
+              <a:rPr lang="zh-CN" altLang="en-US" sz="2000" dirty="0">
+                <a:solidFill>
+                  <a:srgbClr val="FF0000"/>
+                </a:solidFill>
+                <a:latin typeface="黑体" panose="02010609060101010101" pitchFamily="49" charset="-122"/>
+                <a:ea typeface="黑体" panose="02010609060101010101" pitchFamily="49" charset="-122"/>
+              </a:rPr>
+              <a:t>玩家</a:t>
             </a:r>
             <a:r>
               <a:rPr lang="en-US" altLang="zh-CN" sz="2000" dirty="0">
@@ -4143,7 +4047,7 @@
                 <a:latin typeface="黑体" panose="02010609060101010101" pitchFamily="49" charset="-122"/>
                 <a:ea typeface="黑体" panose="02010609060101010101" pitchFamily="49" charset="-122"/>
               </a:rPr>
-              <a:t>号玩家：红色小球</a:t>
+              <a:t>：红色小球</a:t>
             </a:r>
             <a:r>
               <a:rPr lang="zh-CN" altLang="en-US" sz="2000" dirty="0">
@@ -4158,6 +4062,16 @@
               <a:t>，</a:t>
             </a:r>
             <a:r>
+              <a:rPr lang="zh-CN" altLang="en-US" sz="2000" dirty="0">
+                <a:solidFill>
+                  <a:srgbClr val="0000FF"/>
+                </a:solidFill>
+                <a:latin typeface="黑体" panose="02010609060101010101" pitchFamily="49" charset="-122"/>
+                <a:ea typeface="黑体" panose="02010609060101010101" pitchFamily="49" charset="-122"/>
+              </a:rPr>
+              <a:t>玩家</a:t>
+            </a:r>
+            <a:r>
               <a:rPr lang="en-US" altLang="zh-CN" sz="2000" dirty="0">
                 <a:solidFill>
                   <a:srgbClr val="0000FF"/>
@@ -4175,7 +4089,7 @@
                 <a:latin typeface="黑体" panose="02010609060101010101" pitchFamily="49" charset="-122"/>
                 <a:ea typeface="黑体" panose="02010609060101010101" pitchFamily="49" charset="-122"/>
               </a:rPr>
-              <a:t>号玩家：蓝色小球</a:t>
+              <a:t>：蓝色小球</a:t>
             </a:r>
             <a:r>
               <a:rPr lang="zh-CN" altLang="en-US" sz="2000" dirty="0">
@@ -4190,14 +4104,21 @@
               <a:t>），你们的任务是</a:t>
             </a:r>
             <a:r>
-              <a:rPr lang="zh-CN" altLang="en-US" sz="2000" dirty="0">
+              <a:rPr lang="zh-CN" altLang="en-US" sz="2000" b="1" dirty="0">
                 <a:solidFill>
                   <a:srgbClr val="92D050"/>
                 </a:solidFill>
+                <a:effectLst>
+                  <a:outerShdw blurRad="38100" dist="38100" dir="2700000" algn="tl">
+                    <a:srgbClr val="000000">
+                      <a:alpha val="43137"/>
+                    </a:srgbClr>
+                  </a:outerShdw>
+                </a:effectLst>
                 <a:latin typeface="黑体" panose="02010609060101010101" pitchFamily="49" charset="-122"/>
                 <a:ea typeface="黑体" panose="02010609060101010101" pitchFamily="49" charset="-122"/>
               </a:rPr>
-              <a:t>尽快</a:t>
+              <a:t>尽可能多</a:t>
             </a:r>
             <a:r>
               <a:rPr lang="zh-CN" altLang="en-US" sz="2000" dirty="0">
@@ -4228,7 +4149,7 @@
                 <a:latin typeface="黑体" panose="02010609060101010101" pitchFamily="49" charset="-122"/>
                 <a:ea typeface="黑体" panose="02010609060101010101" pitchFamily="49" charset="-122"/>
               </a:rPr>
-              <a:t>抓住屏幕中跑动的“羊”（</a:t>
+              <a:t>抓住屏幕中逃跑的“小偷”（</a:t>
             </a:r>
             <a:r>
               <a:rPr lang="zh-CN" altLang="en-US" sz="2000" dirty="0">
@@ -4278,7 +4199,7 @@
         </p:nvGrpSpPr>
         <p:grpSpPr>
           <a:xfrm>
-            <a:off x="3711544" y="1794768"/>
+            <a:off x="3546376" y="1860756"/>
             <a:ext cx="4768912" cy="4772160"/>
             <a:chOff x="3750055" y="1650006"/>
             <a:chExt cx="5040000" cy="5043433"/>
@@ -4642,11 +4563,11 @@
                 <a:avLst/>
               </a:prstGeom>
               <a:solidFill>
-                <a:srgbClr val="FF0000"/>
+                <a:srgbClr val="C00000"/>
               </a:solidFill>
               <a:ln>
                 <a:solidFill>
-                  <a:srgbClr val="FF0000"/>
+                  <a:srgbClr val="C00000"/>
                 </a:solidFill>
               </a:ln>
             </p:spPr>
@@ -4671,7 +4592,11 @@
               <a:lstStyle/>
               <a:p>
                 <a:pPr algn="ctr"/>
-                <a:endParaRPr lang="zh-CN" altLang="en-US"/>
+                <a:endParaRPr lang="zh-CN" altLang="en-US" dirty="0">
+                  <a:solidFill>
+                    <a:srgbClr val="C00000"/>
+                  </a:solidFill>
+                </a:endParaRPr>
               </a:p>
             </p:txBody>
           </p:sp>
@@ -4696,11 +4621,11 @@
                 <a:avLst/>
               </a:prstGeom>
               <a:solidFill>
-                <a:srgbClr val="0000FF"/>
+                <a:srgbClr val="0000CD"/>
               </a:solidFill>
               <a:ln>
                 <a:solidFill>
-                  <a:srgbClr val="0000FF"/>
+                  <a:srgbClr val="0000CD"/>
                 </a:solidFill>
               </a:ln>
             </p:spPr>
@@ -5126,8 +5051,8 @@
         </p:nvSpPr>
         <p:spPr>
           <a:xfrm>
-            <a:off x="5353548" y="2008258"/>
-            <a:ext cx="6797491" cy="2841483"/>
+            <a:off x="5134627" y="994004"/>
+            <a:ext cx="6763060" cy="4681218"/>
           </a:xfrm>
           <a:prstGeom prst="rect">
             <a:avLst/>
@@ -5142,7 +5067,7 @@
           <a:p>
             <a:pPr marL="285750" indent="-285750">
               <a:lnSpc>
-                <a:spcPct val="150000"/>
+                <a:spcPct val="200000"/>
               </a:lnSpc>
               <a:spcBef>
                 <a:spcPts val="200"/>
@@ -5154,7 +5079,7 @@
               <a:buChar char="•"/>
             </a:pPr>
             <a:r>
-              <a:rPr lang="zh-CN" altLang="en-US" sz="2000" dirty="0">
+              <a:rPr lang="zh-CN" altLang="en-US" dirty="0">
                 <a:solidFill>
                   <a:schemeClr val="bg1">
                     <a:lumMod val="95000"/>
@@ -5163,20 +5088,20 @@
                 <a:latin typeface="黑体" panose="02010609060101010101" pitchFamily="49" charset="-122"/>
                 <a:ea typeface="黑体" panose="02010609060101010101" pitchFamily="49" charset="-122"/>
               </a:rPr>
-              <a:t>每轮游戏中，屏幕上会出现</a:t>
-            </a:r>
-            <a:r>
-              <a:rPr lang="zh-CN" altLang="en-US" sz="2000" dirty="0">
+              <a:t>每轮游戏时间为</a:t>
+            </a:r>
+            <a:r>
+              <a:rPr lang="en-US" altLang="zh-CN" dirty="0">
                 <a:solidFill>
                   <a:srgbClr val="92D050"/>
                 </a:solidFill>
                 <a:latin typeface="黑体" panose="02010609060101010101" pitchFamily="49" charset="-122"/>
                 <a:ea typeface="黑体" panose="02010609060101010101" pitchFamily="49" charset="-122"/>
               </a:rPr>
-              <a:t>若干只羊</a:t>
-            </a:r>
-            <a:r>
-              <a:rPr lang="zh-CN" altLang="en-US" sz="2000" dirty="0">
+              <a:t>15s</a:t>
+            </a:r>
+            <a:r>
+              <a:rPr lang="zh-CN" altLang="en-US" dirty="0">
                 <a:solidFill>
                   <a:schemeClr val="bg1">
                     <a:lumMod val="95000"/>
@@ -5185,88 +5110,13 @@
                 <a:latin typeface="黑体" panose="02010609060101010101" pitchFamily="49" charset="-122"/>
                 <a:ea typeface="黑体" panose="02010609060101010101" pitchFamily="49" charset="-122"/>
               </a:rPr>
-              <a:t>，当您</a:t>
-            </a:r>
-            <a:r>
-              <a:rPr lang="zh-CN" altLang="en-US" sz="2000" dirty="0">
-                <a:solidFill>
-                  <a:srgbClr val="92D050"/>
-                </a:solidFill>
-                <a:latin typeface="黑体" panose="02010609060101010101" pitchFamily="49" charset="-122"/>
-                <a:ea typeface="黑体" panose="02010609060101010101" pitchFamily="49" charset="-122"/>
-              </a:rPr>
-              <a:t>或</a:t>
-            </a:r>
-            <a:r>
-              <a:rPr lang="zh-CN" altLang="en-US" sz="2000" dirty="0">
-                <a:solidFill>
-                  <a:schemeClr val="bg1">
-                    <a:lumMod val="95000"/>
-                  </a:schemeClr>
-                </a:solidFill>
-                <a:latin typeface="黑体" panose="02010609060101010101" pitchFamily="49" charset="-122"/>
-                <a:ea typeface="黑体" panose="02010609060101010101" pitchFamily="49" charset="-122"/>
-              </a:rPr>
-              <a:t>另一玩家扮演的狼</a:t>
-            </a:r>
-            <a:r>
-              <a:rPr lang="zh-CN" altLang="en-US" sz="2000" dirty="0">
-                <a:solidFill>
-                  <a:srgbClr val="92D050"/>
-                </a:solidFill>
-                <a:latin typeface="黑体" panose="02010609060101010101" pitchFamily="49" charset="-122"/>
-                <a:ea typeface="黑体" panose="02010609060101010101" pitchFamily="49" charset="-122"/>
-              </a:rPr>
-              <a:t>碰到任意一只羊</a:t>
-            </a:r>
-            <a:r>
-              <a:rPr lang="zh-CN" altLang="en-US" sz="2000" dirty="0">
-                <a:solidFill>
-                  <a:schemeClr val="bg1">
-                    <a:lumMod val="95000"/>
-                  </a:schemeClr>
-                </a:solidFill>
-                <a:latin typeface="黑体" panose="02010609060101010101" pitchFamily="49" charset="-122"/>
-                <a:ea typeface="黑体" panose="02010609060101010101" pitchFamily="49" charset="-122"/>
-              </a:rPr>
-              <a:t>时，即视为成功抓到羊，而后</a:t>
-            </a:r>
-            <a:r>
-              <a:rPr lang="zh-CN" altLang="en-US" sz="2000" dirty="0">
-                <a:solidFill>
-                  <a:srgbClr val="92D050"/>
-                </a:solidFill>
-                <a:latin typeface="黑体" panose="02010609060101010101" pitchFamily="49" charset="-122"/>
-                <a:ea typeface="黑体" panose="02010609060101010101" pitchFamily="49" charset="-122"/>
-              </a:rPr>
-              <a:t>立即进入下一轮游戏</a:t>
-            </a:r>
-            <a:r>
-              <a:rPr lang="zh-CN" altLang="en-US" sz="2000" dirty="0">
-                <a:solidFill>
-                  <a:schemeClr val="bg1">
-                    <a:lumMod val="95000"/>
-                  </a:schemeClr>
-                </a:solidFill>
-                <a:latin typeface="黑体" panose="02010609060101010101" pitchFamily="49" charset="-122"/>
-                <a:ea typeface="黑体" panose="02010609060101010101" pitchFamily="49" charset="-122"/>
-              </a:rPr>
-              <a:t>。</a:t>
-            </a:r>
-            <a:endParaRPr lang="en-US" altLang="zh-CN" sz="2000" dirty="0">
-              <a:solidFill>
-                <a:schemeClr val="bg1">
-                  <a:lumMod val="95000"/>
-                </a:schemeClr>
-              </a:solidFill>
-              <a:latin typeface="黑体" panose="02010609060101010101" pitchFamily="49" charset="-122"/>
-              <a:ea typeface="黑体" panose="02010609060101010101" pitchFamily="49" charset="-122"/>
-            </a:endParaRPr>
+              <a:t>，屏幕左上方显示该轮游戏剩余时间。</a:t>
+            </a:r>
           </a:p>
           <a:p>
             <a:pPr marL="285750" indent="-285750">
               <a:lnSpc>
-                <a:spcPct val="150000"/>
+                <a:spcPct val="200000"/>
               </a:lnSpc>
               <a:spcBef>
                 <a:spcPts val="200"/>
@@ -5278,7 +5128,7 @@
               <a:buChar char="•"/>
             </a:pPr>
             <a:r>
-              <a:rPr lang="zh-CN" altLang="en-US" sz="2000" dirty="0">
+              <a:rPr lang="zh-CN" altLang="en-US" dirty="0">
                 <a:solidFill>
                   <a:schemeClr val="bg1">
                     <a:lumMod val="95000"/>
@@ -5287,20 +5137,20 @@
                 <a:latin typeface="黑体" panose="02010609060101010101" pitchFamily="49" charset="-122"/>
                 <a:ea typeface="黑体" panose="02010609060101010101" pitchFamily="49" charset="-122"/>
               </a:rPr>
-              <a:t>每轮游戏时间为</a:t>
-            </a:r>
-            <a:r>
-              <a:rPr lang="en-US" altLang="zh-CN" sz="2000" dirty="0">
+              <a:t>每轮游戏中，屏幕上会出现</a:t>
+            </a:r>
+            <a:r>
+              <a:rPr lang="zh-CN" altLang="en-US" dirty="0">
                 <a:solidFill>
                   <a:srgbClr val="92D050"/>
                 </a:solidFill>
                 <a:latin typeface="黑体" panose="02010609060101010101" pitchFamily="49" charset="-122"/>
                 <a:ea typeface="黑体" panose="02010609060101010101" pitchFamily="49" charset="-122"/>
               </a:rPr>
-              <a:t>15s</a:t>
-            </a:r>
-            <a:r>
-              <a:rPr lang="zh-CN" altLang="en-US" sz="2000" dirty="0">
+              <a:t>若干个小偷</a:t>
+            </a:r>
+            <a:r>
+              <a:rPr lang="zh-CN" altLang="en-US" dirty="0">
                 <a:solidFill>
                   <a:schemeClr val="bg1">
                     <a:lumMod val="95000"/>
@@ -5309,10 +5159,20 @@
                 <a:latin typeface="黑体" panose="02010609060101010101" pitchFamily="49" charset="-122"/>
                 <a:ea typeface="黑体" panose="02010609060101010101" pitchFamily="49" charset="-122"/>
               </a:rPr>
-              <a:t>，屏幕上方会显示该轮游戏剩余时间。若</a:t>
-            </a:r>
-            <a:r>
-              <a:rPr lang="en-US" altLang="zh-CN" sz="2000" dirty="0">
+              <a:t>，当您</a:t>
+            </a:r>
+            <a:r>
+              <a:rPr lang="zh-CN" altLang="en-US" dirty="0">
+                <a:solidFill>
+                  <a:srgbClr val="92D050"/>
+                </a:solidFill>
+                <a:latin typeface="黑体" panose="02010609060101010101" pitchFamily="49" charset="-122"/>
+                <a:ea typeface="黑体" panose="02010609060101010101" pitchFamily="49" charset="-122"/>
+              </a:rPr>
+              <a:t>或</a:t>
+            </a:r>
+            <a:r>
+              <a:rPr lang="zh-CN" altLang="en-US" dirty="0">
                 <a:solidFill>
                   <a:schemeClr val="bg1">
                     <a:lumMod val="95000"/>
@@ -5321,10 +5181,20 @@
                 <a:latin typeface="黑体" panose="02010609060101010101" pitchFamily="49" charset="-122"/>
                 <a:ea typeface="黑体" panose="02010609060101010101" pitchFamily="49" charset="-122"/>
               </a:rPr>
-              <a:t>15s</a:t>
-            </a:r>
-            <a:r>
-              <a:rPr lang="zh-CN" altLang="en-US" sz="2000" dirty="0">
+              <a:t>另一玩家扮演的赏金猎人</a:t>
+            </a:r>
+            <a:r>
+              <a:rPr lang="zh-CN" altLang="en-US" dirty="0">
+                <a:solidFill>
+                  <a:srgbClr val="92D050"/>
+                </a:solidFill>
+                <a:latin typeface="黑体" panose="02010609060101010101" pitchFamily="49" charset="-122"/>
+                <a:ea typeface="黑体" panose="02010609060101010101" pitchFamily="49" charset="-122"/>
+              </a:rPr>
+              <a:t>碰到任意一个小偷</a:t>
+            </a:r>
+            <a:r>
+              <a:rPr lang="zh-CN" altLang="en-US" dirty="0">
                 <a:solidFill>
                   <a:schemeClr val="bg1">
                     <a:lumMod val="95000"/>
@@ -5333,20 +5203,70 @@
                 <a:latin typeface="黑体" panose="02010609060101010101" pitchFamily="49" charset="-122"/>
                 <a:ea typeface="黑体" panose="02010609060101010101" pitchFamily="49" charset="-122"/>
               </a:rPr>
-              <a:t>内两名玩家都未抓到羊，则该轮游戏结束，</a:t>
-            </a:r>
-            <a:r>
-              <a:rPr lang="zh-CN" altLang="en-US" sz="2000" dirty="0">
-                <a:solidFill>
-                  <a:srgbClr val="92D050"/>
+              <a:t>时，即视为成功抓到小偷。</a:t>
+            </a:r>
+            <a:endParaRPr lang="en-US" altLang="zh-CN" dirty="0">
+              <a:solidFill>
+                <a:schemeClr val="bg1">
+                  <a:lumMod val="95000"/>
+                </a:schemeClr>
+              </a:solidFill>
+              <a:latin typeface="黑体" panose="02010609060101010101" pitchFamily="49" charset="-122"/>
+              <a:ea typeface="黑体" panose="02010609060101010101" pitchFamily="49" charset="-122"/>
+            </a:endParaRPr>
+          </a:p>
+          <a:p>
+            <a:pPr marL="285750" indent="-285750">
+              <a:lnSpc>
+                <a:spcPct val="200000"/>
+              </a:lnSpc>
+              <a:spcBef>
+                <a:spcPts val="200"/>
+              </a:spcBef>
+              <a:spcAft>
+                <a:spcPts val="200"/>
+              </a:spcAft>
+              <a:buFont typeface="Arial" panose="020B0604020202020204" pitchFamily="34" charset="0"/>
+              <a:buChar char="•"/>
+            </a:pPr>
+            <a:r>
+              <a:rPr lang="zh-CN" altLang="en-US" dirty="0">
+                <a:solidFill>
+                  <a:schemeClr val="bg1">
+                    <a:lumMod val="95000"/>
+                  </a:schemeClr>
                 </a:solidFill>
                 <a:latin typeface="黑体" panose="02010609060101010101" pitchFamily="49" charset="-122"/>
                 <a:ea typeface="黑体" panose="02010609060101010101" pitchFamily="49" charset="-122"/>
               </a:rPr>
-              <a:t>直接进入下一轮游戏</a:t>
-            </a:r>
-            <a:r>
-              <a:rPr lang="zh-CN" altLang="en-US" sz="2000" dirty="0">
+              <a:t>成功抓到某个小偷后，该小偷会继续在屏幕内跑动，可以对其进行多次追捕，直到该轮游戏时间截止。</a:t>
+            </a:r>
+            <a:endParaRPr lang="en-US" altLang="zh-CN" dirty="0">
+              <a:solidFill>
+                <a:schemeClr val="bg1">
+                  <a:lumMod val="95000"/>
+                </a:schemeClr>
+              </a:solidFill>
+              <a:latin typeface="黑体" panose="02010609060101010101" pitchFamily="49" charset="-122"/>
+              <a:ea typeface="黑体" panose="02010609060101010101" pitchFamily="49" charset="-122"/>
+            </a:endParaRPr>
+          </a:p>
+          <a:p>
+            <a:pPr marL="285750" indent="-285750">
+              <a:lnSpc>
+                <a:spcPct val="200000"/>
+              </a:lnSpc>
+              <a:spcBef>
+                <a:spcPts val="200"/>
+              </a:spcBef>
+              <a:spcAft>
+                <a:spcPts val="200"/>
+              </a:spcAft>
+              <a:buFont typeface="Arial" panose="020B0604020202020204" pitchFamily="34" charset="0"/>
+              <a:buChar char="•"/>
+            </a:pPr>
+            <a:r>
+              <a:rPr lang="zh-CN" altLang="en-US" dirty="0">
                 <a:solidFill>
                   <a:schemeClr val="bg1">
                     <a:lumMod val="95000"/>
@@ -5355,8 +5275,119 @@
                 <a:latin typeface="黑体" panose="02010609060101010101" pitchFamily="49" charset="-122"/>
                 <a:ea typeface="黑体" panose="02010609060101010101" pitchFamily="49" charset="-122"/>
               </a:rPr>
-              <a:t>。</a:t>
-            </a:r>
+              <a:t>屏幕顶端将显示你们当前的</a:t>
+            </a:r>
+            <a:r>
+              <a:rPr lang="zh-CN" altLang="en-US" dirty="0">
+                <a:solidFill>
+                  <a:srgbClr val="92D050"/>
+                </a:solidFill>
+                <a:latin typeface="黑体" panose="02010609060101010101" pitchFamily="49" charset="-122"/>
+                <a:ea typeface="黑体" panose="02010609060101010101" pitchFamily="49" charset="-122"/>
+              </a:rPr>
+              <a:t>总得分</a:t>
+            </a:r>
+            <a:r>
+              <a:rPr lang="zh-CN" altLang="en-US" dirty="0">
+                <a:solidFill>
+                  <a:schemeClr val="bg1">
+                    <a:lumMod val="95000"/>
+                  </a:schemeClr>
+                </a:solidFill>
+                <a:latin typeface="黑体" panose="02010609060101010101" pitchFamily="49" charset="-122"/>
+                <a:ea typeface="黑体" panose="02010609060101010101" pitchFamily="49" charset="-122"/>
+              </a:rPr>
+              <a:t>，分数计算规则为：</a:t>
+            </a:r>
+            <a:endParaRPr lang="en-US" altLang="zh-CN" dirty="0">
+              <a:solidFill>
+                <a:schemeClr val="bg1">
+                  <a:lumMod val="95000"/>
+                </a:schemeClr>
+              </a:solidFill>
+              <a:latin typeface="黑体" panose="02010609060101010101" pitchFamily="49" charset="-122"/>
+              <a:ea typeface="黑体" panose="02010609060101010101" pitchFamily="49" charset="-122"/>
+            </a:endParaRPr>
+          </a:p>
+          <a:p>
+            <a:pPr>
+              <a:lnSpc>
+                <a:spcPct val="200000"/>
+              </a:lnSpc>
+              <a:spcBef>
+                <a:spcPts val="200"/>
+              </a:spcBef>
+              <a:spcAft>
+                <a:spcPts val="200"/>
+              </a:spcAft>
+            </a:pPr>
+            <a:r>
+              <a:rPr lang="en-US" altLang="zh-CN" dirty="0">
+                <a:solidFill>
+                  <a:schemeClr val="bg1">
+                    <a:lumMod val="95000"/>
+                  </a:schemeClr>
+                </a:solidFill>
+                <a:latin typeface="黑体" panose="02010609060101010101" pitchFamily="49" charset="-122"/>
+                <a:ea typeface="黑体" panose="02010609060101010101" pitchFamily="49" charset="-122"/>
+              </a:rPr>
+              <a:t>		</a:t>
+            </a:r>
+            <a:r>
+              <a:rPr lang="zh-CN" altLang="en-US" u="sng" dirty="0">
+                <a:solidFill>
+                  <a:schemeClr val="bg1">
+                    <a:lumMod val="95000"/>
+                  </a:schemeClr>
+                </a:solidFill>
+                <a:latin typeface="黑体" panose="02010609060101010101" pitchFamily="49" charset="-122"/>
+                <a:ea typeface="黑体" panose="02010609060101010101" pitchFamily="49" charset="-122"/>
+              </a:rPr>
+              <a:t>每抓到一次小偷，计一分。</a:t>
+            </a:r>
+            <a:endParaRPr lang="en-US" altLang="zh-CN" u="sng" dirty="0">
+              <a:solidFill>
+                <a:schemeClr val="bg1">
+                  <a:lumMod val="95000"/>
+                </a:schemeClr>
+              </a:solidFill>
+              <a:latin typeface="黑体" panose="02010609060101010101" pitchFamily="49" charset="-122"/>
+              <a:ea typeface="黑体" panose="02010609060101010101" pitchFamily="49" charset="-122"/>
+            </a:endParaRPr>
+          </a:p>
+          <a:p>
+            <a:pPr marL="285750" indent="-285750">
+              <a:lnSpc>
+                <a:spcPct val="200000"/>
+              </a:lnSpc>
+              <a:spcBef>
+                <a:spcPts val="200"/>
+              </a:spcBef>
+              <a:spcAft>
+                <a:spcPts val="200"/>
+              </a:spcAft>
+              <a:buFont typeface="Arial" panose="020B0604020202020204" pitchFamily="34" charset="0"/>
+              <a:buChar char="•"/>
+            </a:pPr>
+            <a:r>
+              <a:rPr lang="zh-CN" altLang="en-US" dirty="0">
+                <a:solidFill>
+                  <a:srgbClr val="92D050"/>
+                </a:solidFill>
+                <a:latin typeface="黑体" panose="02010609060101010101" pitchFamily="49" charset="-122"/>
+                <a:ea typeface="黑体" panose="02010609060101010101" pitchFamily="49" charset="-122"/>
+              </a:rPr>
+              <a:t>游戏结束后总分越高，最终实验报酬越高。</a:t>
+            </a:r>
+            <a:endParaRPr lang="zh-CN" altLang="en-US" dirty="0">
+              <a:solidFill>
+                <a:schemeClr val="bg1">
+                  <a:lumMod val="95000"/>
+                </a:schemeClr>
+              </a:solidFill>
+              <a:latin typeface="黑体" panose="02010609060101010101" pitchFamily="49" charset="-122"/>
+              <a:ea typeface="黑体" panose="02010609060101010101" pitchFamily="49" charset="-122"/>
+            </a:endParaRPr>
           </a:p>
         </p:txBody>
       </p:sp>
@@ -5374,7 +5405,7 @@
         </p:nvGrpSpPr>
         <p:grpSpPr>
           <a:xfrm>
-            <a:off x="379884" y="1070906"/>
+            <a:off x="294313" y="1070906"/>
             <a:ext cx="4712977" cy="4716187"/>
             <a:chOff x="3576000" y="203170"/>
             <a:chExt cx="5040000" cy="5043433"/>
@@ -5738,11 +5769,11 @@
                 <a:avLst/>
               </a:prstGeom>
               <a:solidFill>
-                <a:srgbClr val="FF0000"/>
+                <a:srgbClr val="C00000"/>
               </a:solidFill>
               <a:ln>
                 <a:solidFill>
-                  <a:srgbClr val="FF0000"/>
+                  <a:srgbClr val="C00000"/>
                 </a:solidFill>
               </a:ln>
             </p:spPr>
@@ -5792,11 +5823,11 @@
                 <a:avLst/>
               </a:prstGeom>
               <a:solidFill>
-                <a:srgbClr val="0000FF"/>
+                <a:srgbClr val="0000CD"/>
               </a:solidFill>
               <a:ln>
                 <a:solidFill>
-                  <a:srgbClr val="0000FF"/>
+                  <a:srgbClr val="0000CD"/>
                 </a:solidFill>
               </a:ln>
             </p:spPr>
@@ -6117,7 +6148,7 @@
                     <a:srgbClr val="00FF00"/>
                   </a:solidFill>
                 </a:rPr>
-                <a:t>Total Score: 3.5</a:t>
+                <a:t>Total Score: 10</a:t>
               </a:r>
               <a:endParaRPr lang="zh-CN" altLang="en-US" b="1" dirty="0">
                 <a:solidFill>
@@ -6142,1220 +6173,6 @@
 </file>
 
 <file path=ppt/slides/slide3.xml><?xml version="1.0" encoding="utf-8"?>
-<p:sld xmlns:a="http://schemas.openxmlformats.org/drawingml/2006/main" xmlns:r="http://schemas.openxmlformats.org/officeDocument/2006/relationships" xmlns:p="http://schemas.openxmlformats.org/presentationml/2006/main">
-  <p:cSld>
-    <p:bg>
-      <p:bgPr>
-        <a:solidFill>
-          <a:schemeClr val="tx1">
-            <a:lumMod val="75000"/>
-            <a:lumOff val="25000"/>
-          </a:schemeClr>
-        </a:solidFill>
-        <a:effectLst/>
-      </p:bgPr>
-    </p:bg>
-    <p:spTree>
-      <p:nvGrpSpPr>
-        <p:cNvPr id="1" name=""/>
-        <p:cNvGrpSpPr/>
-        <p:nvPr/>
-      </p:nvGrpSpPr>
-      <p:grpSpPr>
-        <a:xfrm>
-          <a:off x="0" y="0"/>
-          <a:ext cx="0" cy="0"/>
-          <a:chOff x="0" y="0"/>
-          <a:chExt cx="0" cy="0"/>
-        </a:xfrm>
-      </p:grpSpPr>
-      <p:sp>
-        <p:nvSpPr>
-          <p:cNvPr id="3" name="文本框 2"/>
-          <p:cNvSpPr txBox="1"/>
-          <p:nvPr/>
-        </p:nvSpPr>
-        <p:spPr>
-          <a:xfrm>
-            <a:off x="5197046" y="2082637"/>
-            <a:ext cx="6712929" cy="2692725"/>
-          </a:xfrm>
-          <a:prstGeom prst="rect">
-            <a:avLst/>
-          </a:prstGeom>
-          <a:noFill/>
-        </p:spPr>
-        <p:txBody>
-          <a:bodyPr wrap="square" rtlCol="0">
-            <a:spAutoFit/>
-          </a:bodyPr>
-          <a:lstStyle/>
-          <a:p>
-            <a:pPr marL="285750" indent="-285750">
-              <a:lnSpc>
-                <a:spcPct val="130000"/>
-              </a:lnSpc>
-              <a:spcBef>
-                <a:spcPts val="200"/>
-              </a:spcBef>
-              <a:spcAft>
-                <a:spcPts val="200"/>
-              </a:spcAft>
-              <a:buFont typeface="Arial" panose="020B0604020202020204" pitchFamily="34" charset="0"/>
-              <a:buChar char="•"/>
-            </a:pPr>
-            <a:r>
-              <a:rPr lang="zh-CN" altLang="en-US" sz="2000" dirty="0">
-                <a:solidFill>
-                  <a:schemeClr val="bg1">
-                    <a:lumMod val="95000"/>
-                  </a:schemeClr>
-                </a:solidFill>
-                <a:latin typeface="黑体" panose="02010609060101010101" pitchFamily="49" charset="-122"/>
-                <a:ea typeface="黑体" panose="02010609060101010101" pitchFamily="49" charset="-122"/>
-              </a:rPr>
-              <a:t>屏幕顶端将显示你们当前的</a:t>
-            </a:r>
-            <a:r>
-              <a:rPr lang="zh-CN" altLang="en-US" sz="2000" dirty="0">
-                <a:solidFill>
-                  <a:srgbClr val="92D050"/>
-                </a:solidFill>
-                <a:latin typeface="黑体" panose="02010609060101010101" pitchFamily="49" charset="-122"/>
-                <a:ea typeface="黑体" panose="02010609060101010101" pitchFamily="49" charset="-122"/>
-              </a:rPr>
-              <a:t>总得分</a:t>
-            </a:r>
-            <a:r>
-              <a:rPr lang="zh-CN" altLang="en-US" sz="2000" dirty="0">
-                <a:solidFill>
-                  <a:schemeClr val="bg1">
-                    <a:lumMod val="95000"/>
-                  </a:schemeClr>
-                </a:solidFill>
-                <a:latin typeface="黑体" panose="02010609060101010101" pitchFamily="49" charset="-122"/>
-                <a:ea typeface="黑体" panose="02010609060101010101" pitchFamily="49" charset="-122"/>
-              </a:rPr>
-              <a:t>，分数计算规则为：</a:t>
-            </a:r>
-            <a:endParaRPr lang="en-US" altLang="zh-CN" sz="2000" dirty="0">
-              <a:solidFill>
-                <a:schemeClr val="bg1">
-                  <a:lumMod val="95000"/>
-                </a:schemeClr>
-              </a:solidFill>
-              <a:latin typeface="黑体" panose="02010609060101010101" pitchFamily="49" charset="-122"/>
-              <a:ea typeface="黑体" panose="02010609060101010101" pitchFamily="49" charset="-122"/>
-            </a:endParaRPr>
-          </a:p>
-          <a:p>
-            <a:pPr marL="742950" lvl="1" indent="-285750">
-              <a:lnSpc>
-                <a:spcPct val="130000"/>
-              </a:lnSpc>
-              <a:spcBef>
-                <a:spcPts val="200"/>
-              </a:spcBef>
-              <a:spcAft>
-                <a:spcPts val="200"/>
-              </a:spcAft>
-              <a:buFont typeface="Wingdings" panose="05000000000000000000" pitchFamily="2" charset="2"/>
-              <a:buChar char="Ø"/>
-            </a:pPr>
-            <a:r>
-              <a:rPr lang="zh-CN" altLang="en-US" sz="2000" dirty="0">
-                <a:solidFill>
-                  <a:schemeClr val="bg1">
-                    <a:lumMod val="95000"/>
-                  </a:schemeClr>
-                </a:solidFill>
-                <a:latin typeface="黑体" panose="02010609060101010101" pitchFamily="49" charset="-122"/>
-                <a:ea typeface="黑体" panose="02010609060101010101" pitchFamily="49" charset="-122"/>
-              </a:rPr>
-              <a:t>若</a:t>
-            </a:r>
-            <a:r>
-              <a:rPr lang="en-US" altLang="zh-CN" sz="2000" dirty="0">
-                <a:solidFill>
-                  <a:schemeClr val="bg1">
-                    <a:lumMod val="95000"/>
-                  </a:schemeClr>
-                </a:solidFill>
-                <a:latin typeface="黑体" panose="02010609060101010101" pitchFamily="49" charset="-122"/>
-                <a:ea typeface="黑体" panose="02010609060101010101" pitchFamily="49" charset="-122"/>
-              </a:rPr>
-              <a:t>15s</a:t>
-            </a:r>
-            <a:r>
-              <a:rPr lang="zh-CN" altLang="en-US" sz="2000" dirty="0">
-                <a:solidFill>
-                  <a:schemeClr val="bg1">
-                    <a:lumMod val="95000"/>
-                  </a:schemeClr>
-                </a:solidFill>
-                <a:latin typeface="黑体" panose="02010609060101010101" pitchFamily="49" charset="-122"/>
-                <a:ea typeface="黑体" panose="02010609060101010101" pitchFamily="49" charset="-122"/>
-              </a:rPr>
-              <a:t>内抓到羊，该轮游戏得分。</a:t>
-            </a:r>
-            <a:endParaRPr lang="en-US" altLang="zh-CN" sz="2000" dirty="0">
-              <a:solidFill>
-                <a:schemeClr val="bg1">
-                  <a:lumMod val="95000"/>
-                </a:schemeClr>
-              </a:solidFill>
-              <a:latin typeface="黑体" panose="02010609060101010101" pitchFamily="49" charset="-122"/>
-              <a:ea typeface="黑体" panose="02010609060101010101" pitchFamily="49" charset="-122"/>
-            </a:endParaRPr>
-          </a:p>
-          <a:p>
-            <a:pPr marL="742950" lvl="1" indent="-285750">
-              <a:lnSpc>
-                <a:spcPct val="130000"/>
-              </a:lnSpc>
-              <a:spcBef>
-                <a:spcPts val="200"/>
-              </a:spcBef>
-              <a:spcAft>
-                <a:spcPts val="200"/>
-              </a:spcAft>
-              <a:buFont typeface="Wingdings" panose="05000000000000000000" pitchFamily="2" charset="2"/>
-              <a:buChar char="Ø"/>
-            </a:pPr>
-            <a:r>
-              <a:rPr lang="zh-CN" altLang="en-US" sz="2000" dirty="0">
-                <a:solidFill>
-                  <a:schemeClr val="bg1">
-                    <a:lumMod val="95000"/>
-                  </a:schemeClr>
-                </a:solidFill>
-                <a:latin typeface="黑体" panose="02010609060101010101" pitchFamily="49" charset="-122"/>
-                <a:ea typeface="黑体" panose="02010609060101010101" pitchFamily="49" charset="-122"/>
-              </a:rPr>
-              <a:t>分数依据追逐时长计算，</a:t>
-            </a:r>
-            <a:r>
-              <a:rPr lang="zh-CN" altLang="en-US" sz="2000" dirty="0">
-                <a:solidFill>
-                  <a:srgbClr val="92D050"/>
-                </a:solidFill>
-                <a:latin typeface="黑体" panose="02010609060101010101" pitchFamily="49" charset="-122"/>
-                <a:ea typeface="黑体" panose="02010609060101010101" pitchFamily="49" charset="-122"/>
-              </a:rPr>
-              <a:t>用时越短</a:t>
-            </a:r>
-            <a:r>
-              <a:rPr lang="zh-CN" altLang="en-US" sz="2000" dirty="0">
-                <a:solidFill>
-                  <a:schemeClr val="bg1">
-                    <a:lumMod val="95000"/>
-                  </a:schemeClr>
-                </a:solidFill>
-                <a:latin typeface="黑体" panose="02010609060101010101" pitchFamily="49" charset="-122"/>
-                <a:ea typeface="黑体" panose="02010609060101010101" pitchFamily="49" charset="-122"/>
-              </a:rPr>
-              <a:t>，</a:t>
-            </a:r>
-            <a:r>
-              <a:rPr lang="zh-CN" altLang="en-US" sz="2000" dirty="0">
-                <a:solidFill>
-                  <a:srgbClr val="92D050"/>
-                </a:solidFill>
-                <a:latin typeface="黑体" panose="02010609060101010101" pitchFamily="49" charset="-122"/>
-                <a:ea typeface="黑体" panose="02010609060101010101" pitchFamily="49" charset="-122"/>
-              </a:rPr>
-              <a:t>得分越高</a:t>
-            </a:r>
-            <a:endParaRPr lang="en-US" altLang="zh-CN" sz="2000" dirty="0">
-              <a:solidFill>
-                <a:srgbClr val="92D050"/>
-              </a:solidFill>
-              <a:latin typeface="黑体" panose="02010609060101010101" pitchFamily="49" charset="-122"/>
-              <a:ea typeface="黑体" panose="02010609060101010101" pitchFamily="49" charset="-122"/>
-            </a:endParaRPr>
-          </a:p>
-          <a:p>
-            <a:pPr lvl="1">
-              <a:lnSpc>
-                <a:spcPct val="130000"/>
-              </a:lnSpc>
-              <a:spcBef>
-                <a:spcPts val="200"/>
-              </a:spcBef>
-              <a:spcAft>
-                <a:spcPts val="200"/>
-              </a:spcAft>
-            </a:pPr>
-            <a:r>
-              <a:rPr lang="zh-CN" altLang="en-US" sz="2000" dirty="0">
-                <a:solidFill>
-                  <a:schemeClr val="bg1">
-                    <a:lumMod val="95000"/>
-                  </a:schemeClr>
-                </a:solidFill>
-                <a:latin typeface="黑体" panose="02010609060101010101" pitchFamily="49" charset="-122"/>
-                <a:ea typeface="黑体" panose="02010609060101010101" pitchFamily="49" charset="-122"/>
-              </a:rPr>
-              <a:t>（每剩余</a:t>
-            </a:r>
-            <a:r>
-              <a:rPr lang="en-US" altLang="zh-CN" sz="2000" dirty="0">
-                <a:solidFill>
-                  <a:schemeClr val="bg1">
-                    <a:lumMod val="95000"/>
-                  </a:schemeClr>
-                </a:solidFill>
-                <a:latin typeface="黑体" panose="02010609060101010101" pitchFamily="49" charset="-122"/>
-                <a:ea typeface="黑体" panose="02010609060101010101" pitchFamily="49" charset="-122"/>
-              </a:rPr>
-              <a:t>1s</a:t>
-            </a:r>
-            <a:r>
-              <a:rPr lang="zh-CN" altLang="en-US" sz="2000" dirty="0">
-                <a:solidFill>
-                  <a:schemeClr val="bg1">
-                    <a:lumMod val="95000"/>
-                  </a:schemeClr>
-                </a:solidFill>
-                <a:latin typeface="黑体" panose="02010609060101010101" pitchFamily="49" charset="-122"/>
-                <a:ea typeface="黑体" panose="02010609060101010101" pitchFamily="49" charset="-122"/>
-              </a:rPr>
-              <a:t>，总分增加</a:t>
-            </a:r>
-            <a:r>
-              <a:rPr lang="en-US" altLang="zh-CN" sz="2000" dirty="0">
-                <a:solidFill>
-                  <a:schemeClr val="bg1">
-                    <a:lumMod val="95000"/>
-                  </a:schemeClr>
-                </a:solidFill>
-                <a:latin typeface="黑体" panose="02010609060101010101" pitchFamily="49" charset="-122"/>
-                <a:ea typeface="黑体" panose="02010609060101010101" pitchFamily="49" charset="-122"/>
-              </a:rPr>
-              <a:t>0.5</a:t>
-            </a:r>
-            <a:r>
-              <a:rPr lang="zh-CN" altLang="en-US" sz="2000" dirty="0">
-                <a:solidFill>
-                  <a:schemeClr val="bg1">
-                    <a:lumMod val="95000"/>
-                  </a:schemeClr>
-                </a:solidFill>
-                <a:latin typeface="黑体" panose="02010609060101010101" pitchFamily="49" charset="-122"/>
-                <a:ea typeface="黑体" panose="02010609060101010101" pitchFamily="49" charset="-122"/>
-              </a:rPr>
-              <a:t>分；即至多可得</a:t>
-            </a:r>
-            <a:r>
-              <a:rPr lang="en-US" altLang="zh-CN" sz="2000" dirty="0">
-                <a:solidFill>
-                  <a:schemeClr val="bg1">
-                    <a:lumMod val="95000"/>
-                  </a:schemeClr>
-                </a:solidFill>
-                <a:latin typeface="黑体" panose="02010609060101010101" pitchFamily="49" charset="-122"/>
-                <a:ea typeface="黑体" panose="02010609060101010101" pitchFamily="49" charset="-122"/>
-              </a:rPr>
-              <a:t>7.5</a:t>
-            </a:r>
-            <a:r>
-              <a:rPr lang="zh-CN" altLang="en-US" sz="2000" dirty="0">
-                <a:solidFill>
-                  <a:schemeClr val="bg1">
-                    <a:lumMod val="95000"/>
-                  </a:schemeClr>
-                </a:solidFill>
-                <a:latin typeface="黑体" panose="02010609060101010101" pitchFamily="49" charset="-122"/>
-                <a:ea typeface="黑体" panose="02010609060101010101" pitchFamily="49" charset="-122"/>
-              </a:rPr>
-              <a:t>分）</a:t>
-            </a:r>
-            <a:endParaRPr lang="en-US" altLang="zh-CN" sz="2000" dirty="0">
-              <a:solidFill>
-                <a:schemeClr val="bg1">
-                  <a:lumMod val="95000"/>
-                </a:schemeClr>
-              </a:solidFill>
-              <a:latin typeface="黑体" panose="02010609060101010101" pitchFamily="49" charset="-122"/>
-              <a:ea typeface="黑体" panose="02010609060101010101" pitchFamily="49" charset="-122"/>
-            </a:endParaRPr>
-          </a:p>
-          <a:p>
-            <a:pPr marL="742950" lvl="1" indent="-285750">
-              <a:lnSpc>
-                <a:spcPct val="130000"/>
-              </a:lnSpc>
-              <a:spcBef>
-                <a:spcPts val="200"/>
-              </a:spcBef>
-              <a:spcAft>
-                <a:spcPts val="200"/>
-              </a:spcAft>
-              <a:buFont typeface="Wingdings" panose="05000000000000000000" pitchFamily="2" charset="2"/>
-              <a:buChar char="Ø"/>
-            </a:pPr>
-            <a:r>
-              <a:rPr lang="zh-CN" altLang="en-US" sz="2000" dirty="0">
-                <a:solidFill>
-                  <a:schemeClr val="bg1">
-                    <a:lumMod val="95000"/>
-                  </a:schemeClr>
-                </a:solidFill>
-                <a:latin typeface="黑体" panose="02010609060101010101" pitchFamily="49" charset="-122"/>
-                <a:ea typeface="黑体" panose="02010609060101010101" pitchFamily="49" charset="-122"/>
-              </a:rPr>
-              <a:t>若</a:t>
-            </a:r>
-            <a:r>
-              <a:rPr lang="en-US" altLang="zh-CN" sz="2000" dirty="0">
-                <a:solidFill>
-                  <a:schemeClr val="bg1">
-                    <a:lumMod val="95000"/>
-                  </a:schemeClr>
-                </a:solidFill>
-                <a:latin typeface="黑体" panose="02010609060101010101" pitchFamily="49" charset="-122"/>
-                <a:ea typeface="黑体" panose="02010609060101010101" pitchFamily="49" charset="-122"/>
-              </a:rPr>
-              <a:t>15s</a:t>
-            </a:r>
-            <a:r>
-              <a:rPr lang="zh-CN" altLang="en-US" sz="2000" dirty="0">
-                <a:solidFill>
-                  <a:schemeClr val="bg1">
-                    <a:lumMod val="95000"/>
-                  </a:schemeClr>
-                </a:solidFill>
-                <a:latin typeface="黑体" panose="02010609060101010101" pitchFamily="49" charset="-122"/>
-                <a:ea typeface="黑体" panose="02010609060101010101" pitchFamily="49" charset="-122"/>
-              </a:rPr>
-              <a:t>内两名玩家都没有抓到羊，不得分</a:t>
-            </a:r>
-            <a:endParaRPr lang="en-US" altLang="zh-CN" sz="2000" dirty="0">
-              <a:solidFill>
-                <a:srgbClr val="92D050"/>
-              </a:solidFill>
-              <a:latin typeface="黑体" panose="02010609060101010101" pitchFamily="49" charset="-122"/>
-              <a:ea typeface="黑体" panose="02010609060101010101" pitchFamily="49" charset="-122"/>
-            </a:endParaRPr>
-          </a:p>
-          <a:p>
-            <a:pPr marL="285750" indent="-285750">
-              <a:lnSpc>
-                <a:spcPct val="130000"/>
-              </a:lnSpc>
-              <a:spcBef>
-                <a:spcPts val="200"/>
-              </a:spcBef>
-              <a:spcAft>
-                <a:spcPts val="200"/>
-              </a:spcAft>
-              <a:buFont typeface="Arial" panose="020B0604020202020204" pitchFamily="34" charset="0"/>
-              <a:buChar char="•"/>
-            </a:pPr>
-            <a:r>
-              <a:rPr lang="zh-CN" altLang="en-US" sz="2000" dirty="0">
-                <a:solidFill>
-                  <a:srgbClr val="92D050"/>
-                </a:solidFill>
-                <a:latin typeface="黑体" panose="02010609060101010101" pitchFamily="49" charset="-122"/>
-                <a:ea typeface="黑体" panose="02010609060101010101" pitchFamily="49" charset="-122"/>
-              </a:rPr>
-              <a:t>游戏结束后总分越高，最终实验报酬越高。</a:t>
-            </a:r>
-            <a:endParaRPr lang="zh-CN" altLang="en-US" sz="2000" dirty="0">
-              <a:solidFill>
-                <a:schemeClr val="bg1">
-                  <a:lumMod val="95000"/>
-                </a:schemeClr>
-              </a:solidFill>
-              <a:latin typeface="黑体" panose="02010609060101010101" pitchFamily="49" charset="-122"/>
-              <a:ea typeface="黑体" panose="02010609060101010101" pitchFamily="49" charset="-122"/>
-            </a:endParaRPr>
-          </a:p>
-        </p:txBody>
-      </p:sp>
-      <p:grpSp>
-        <p:nvGrpSpPr>
-          <p:cNvPr id="43" name="组合 42">
-            <a:extLst>
-              <a:ext uri="{FF2B5EF4-FFF2-40B4-BE49-F238E27FC236}">
-                <a16:creationId xmlns:a16="http://schemas.microsoft.com/office/drawing/2014/main" id="{18EC41A5-CED0-48E0-BFD2-2319417C736D}"/>
-              </a:ext>
-            </a:extLst>
-          </p:cNvPr>
-          <p:cNvGrpSpPr/>
-          <p:nvPr/>
-        </p:nvGrpSpPr>
-        <p:grpSpPr>
-          <a:xfrm>
-            <a:off x="379884" y="1070906"/>
-            <a:ext cx="4712977" cy="4716187"/>
-            <a:chOff x="3576000" y="203170"/>
-            <a:chExt cx="5040000" cy="5043433"/>
-          </a:xfrm>
-        </p:grpSpPr>
-        <p:sp>
-          <p:nvSpPr>
-            <p:cNvPr id="44" name="矩形 43">
-              <a:extLst>
-                <a:ext uri="{FF2B5EF4-FFF2-40B4-BE49-F238E27FC236}">
-                  <a16:creationId xmlns:a16="http://schemas.microsoft.com/office/drawing/2014/main" id="{28FAF185-B123-4DC4-9C87-53DCF401E0D2}"/>
-                </a:ext>
-              </a:extLst>
-            </p:cNvPr>
-            <p:cNvSpPr/>
-            <p:nvPr/>
-          </p:nvSpPr>
-          <p:spPr>
-            <a:xfrm>
-              <a:off x="3576000" y="206603"/>
-              <a:ext cx="5040000" cy="5040000"/>
-            </a:xfrm>
-            <a:prstGeom prst="rect">
-              <a:avLst/>
-            </a:prstGeom>
-            <a:solidFill>
-              <a:schemeClr val="tx1"/>
-            </a:solidFill>
-            <a:ln>
-              <a:noFill/>
-            </a:ln>
-          </p:spPr>
-          <p:style>
-            <a:lnRef idx="2">
-              <a:schemeClr val="accent3">
-                <a:shade val="50000"/>
-              </a:schemeClr>
-            </a:lnRef>
-            <a:fillRef idx="1">
-              <a:schemeClr val="accent3"/>
-            </a:fillRef>
-            <a:effectRef idx="0">
-              <a:schemeClr val="accent3"/>
-            </a:effectRef>
-            <a:fontRef idx="minor">
-              <a:schemeClr val="lt1"/>
-            </a:fontRef>
-          </p:style>
-          <p:txBody>
-            <a:bodyPr rtlCol="0" anchor="ctr"/>
-            <a:lstStyle/>
-            <a:p>
-              <a:pPr algn="ctr"/>
-              <a:endParaRPr lang="zh-CN" altLang="en-US" dirty="0"/>
-            </a:p>
-          </p:txBody>
-        </p:sp>
-        <p:grpSp>
-          <p:nvGrpSpPr>
-            <p:cNvPr id="45" name="组合 44">
-              <a:extLst>
-                <a:ext uri="{FF2B5EF4-FFF2-40B4-BE49-F238E27FC236}">
-                  <a16:creationId xmlns:a16="http://schemas.microsoft.com/office/drawing/2014/main" id="{B39497F9-C3A8-4A78-81DD-CA66F9263F21}"/>
-                </a:ext>
-              </a:extLst>
-            </p:cNvPr>
-            <p:cNvGrpSpPr/>
-            <p:nvPr/>
-          </p:nvGrpSpPr>
-          <p:grpSpPr>
-            <a:xfrm>
-              <a:off x="3979435" y="610038"/>
-              <a:ext cx="4233130" cy="4233131"/>
-              <a:chOff x="3533447" y="1779270"/>
-              <a:chExt cx="3291401" cy="3318711"/>
-            </a:xfrm>
-          </p:grpSpPr>
-          <p:sp>
-            <p:nvSpPr>
-              <p:cNvPr id="52" name="矩形 51">
-                <a:extLst>
-                  <a:ext uri="{FF2B5EF4-FFF2-40B4-BE49-F238E27FC236}">
-                    <a16:creationId xmlns:a16="http://schemas.microsoft.com/office/drawing/2014/main" id="{DF477829-C188-44EF-B063-306F912190EE}"/>
-                  </a:ext>
-                </a:extLst>
-              </p:cNvPr>
-              <p:cNvSpPr/>
-              <p:nvPr/>
-            </p:nvSpPr>
-            <p:spPr>
-              <a:xfrm>
-                <a:off x="3533447" y="1779270"/>
-                <a:ext cx="3291401" cy="3318711"/>
-              </a:xfrm>
-              <a:prstGeom prst="rect">
-                <a:avLst/>
-              </a:prstGeom>
-              <a:ln>
-                <a:noFill/>
-              </a:ln>
-            </p:spPr>
-            <p:style>
-              <a:lnRef idx="2">
-                <a:schemeClr val="accent3">
-                  <a:shade val="50000"/>
-                </a:schemeClr>
-              </a:lnRef>
-              <a:fillRef idx="1">
-                <a:schemeClr val="accent3"/>
-              </a:fillRef>
-              <a:effectRef idx="0">
-                <a:schemeClr val="accent3"/>
-              </a:effectRef>
-              <a:fontRef idx="minor">
-                <a:schemeClr val="lt1"/>
-              </a:fontRef>
-            </p:style>
-            <p:txBody>
-              <a:bodyPr rtlCol="0" anchor="ctr"/>
-              <a:lstStyle/>
-              <a:p>
-                <a:pPr algn="ctr"/>
-                <a:endParaRPr lang="zh-CN" altLang="en-US" dirty="0"/>
-              </a:p>
-            </p:txBody>
-          </p:sp>
-          <p:sp>
-            <p:nvSpPr>
-              <p:cNvPr id="53" name="椭圆 52">
-                <a:extLst>
-                  <a:ext uri="{FF2B5EF4-FFF2-40B4-BE49-F238E27FC236}">
-                    <a16:creationId xmlns:a16="http://schemas.microsoft.com/office/drawing/2014/main" id="{F36E2DFA-E5BA-4311-8577-1FA61765E9FD}"/>
-                  </a:ext>
-                </a:extLst>
-              </p:cNvPr>
-              <p:cNvSpPr/>
-              <p:nvPr/>
-            </p:nvSpPr>
-            <p:spPr>
-              <a:xfrm>
-                <a:off x="3898231" y="2569945"/>
-                <a:ext cx="173256" cy="173256"/>
-              </a:xfrm>
-              <a:prstGeom prst="ellipse">
-                <a:avLst/>
-              </a:prstGeom>
-              <a:solidFill>
-                <a:srgbClr val="FFA500"/>
-              </a:solidFill>
-              <a:ln>
-                <a:solidFill>
-                  <a:srgbClr val="FFA500"/>
-                </a:solidFill>
-              </a:ln>
-            </p:spPr>
-            <p:style>
-              <a:lnRef idx="2">
-                <a:schemeClr val="accent2">
-                  <a:shade val="50000"/>
-                </a:schemeClr>
-              </a:lnRef>
-              <a:fillRef idx="1">
-                <a:schemeClr val="accent2"/>
-              </a:fillRef>
-              <a:effectRef idx="0">
-                <a:schemeClr val="accent2"/>
-              </a:effectRef>
-              <a:fontRef idx="minor">
-                <a:schemeClr val="lt1"/>
-              </a:fontRef>
-            </p:style>
-            <p:txBody>
-              <a:bodyPr rtlCol="0" anchor="ctr"/>
-              <a:lstStyle/>
-              <a:p>
-                <a:pPr algn="ctr"/>
-                <a:endParaRPr lang="zh-CN" altLang="en-US"/>
-              </a:p>
-            </p:txBody>
-          </p:sp>
-          <p:sp>
-            <p:nvSpPr>
-              <p:cNvPr id="54" name="椭圆 53">
-                <a:extLst>
-                  <a:ext uri="{FF2B5EF4-FFF2-40B4-BE49-F238E27FC236}">
-                    <a16:creationId xmlns:a16="http://schemas.microsoft.com/office/drawing/2014/main" id="{F23BE09D-5C76-45B7-A347-32FA484AFB96}"/>
-                  </a:ext>
-                </a:extLst>
-              </p:cNvPr>
-              <p:cNvSpPr/>
-              <p:nvPr/>
-            </p:nvSpPr>
-            <p:spPr>
-              <a:xfrm>
-                <a:off x="6081562" y="3049604"/>
-                <a:ext cx="173256" cy="173256"/>
-              </a:xfrm>
-              <a:prstGeom prst="ellipse">
-                <a:avLst/>
-              </a:prstGeom>
-              <a:solidFill>
-                <a:srgbClr val="FFA500"/>
-              </a:solidFill>
-              <a:ln>
-                <a:solidFill>
-                  <a:srgbClr val="FFA500"/>
-                </a:solidFill>
-              </a:ln>
-            </p:spPr>
-            <p:style>
-              <a:lnRef idx="2">
-                <a:schemeClr val="accent2">
-                  <a:shade val="50000"/>
-                </a:schemeClr>
-              </a:lnRef>
-              <a:fillRef idx="1">
-                <a:schemeClr val="accent2"/>
-              </a:fillRef>
-              <a:effectRef idx="0">
-                <a:schemeClr val="accent2"/>
-              </a:effectRef>
-              <a:fontRef idx="minor">
-                <a:schemeClr val="lt1"/>
-              </a:fontRef>
-            </p:style>
-            <p:txBody>
-              <a:bodyPr rtlCol="0" anchor="ctr"/>
-              <a:lstStyle/>
-              <a:p>
-                <a:pPr algn="ctr"/>
-                <a:endParaRPr lang="zh-CN" altLang="en-US"/>
-              </a:p>
-            </p:txBody>
-          </p:sp>
-          <p:sp>
-            <p:nvSpPr>
-              <p:cNvPr id="55" name="椭圆 54">
-                <a:extLst>
-                  <a:ext uri="{FF2B5EF4-FFF2-40B4-BE49-F238E27FC236}">
-                    <a16:creationId xmlns:a16="http://schemas.microsoft.com/office/drawing/2014/main" id="{43453865-4F81-4F6D-9F0A-04745CB7E583}"/>
-                  </a:ext>
-                </a:extLst>
-              </p:cNvPr>
-              <p:cNvSpPr/>
-              <p:nvPr/>
-            </p:nvSpPr>
-            <p:spPr>
-              <a:xfrm>
-                <a:off x="4198125" y="3438626"/>
-                <a:ext cx="173256" cy="173256"/>
-              </a:xfrm>
-              <a:prstGeom prst="ellipse">
-                <a:avLst/>
-              </a:prstGeom>
-              <a:solidFill>
-                <a:srgbClr val="FFA500"/>
-              </a:solidFill>
-              <a:ln>
-                <a:solidFill>
-                  <a:srgbClr val="FFA500"/>
-                </a:solidFill>
-              </a:ln>
-            </p:spPr>
-            <p:style>
-              <a:lnRef idx="2">
-                <a:schemeClr val="accent2">
-                  <a:shade val="50000"/>
-                </a:schemeClr>
-              </a:lnRef>
-              <a:fillRef idx="1">
-                <a:schemeClr val="accent2"/>
-              </a:fillRef>
-              <a:effectRef idx="0">
-                <a:schemeClr val="accent2"/>
-              </a:effectRef>
-              <a:fontRef idx="minor">
-                <a:schemeClr val="lt1"/>
-              </a:fontRef>
-            </p:style>
-            <p:txBody>
-              <a:bodyPr rtlCol="0" anchor="ctr"/>
-              <a:lstStyle/>
-              <a:p>
-                <a:pPr algn="ctr"/>
-                <a:endParaRPr lang="zh-CN" altLang="en-US"/>
-              </a:p>
-            </p:txBody>
-          </p:sp>
-          <p:sp>
-            <p:nvSpPr>
-              <p:cNvPr id="56" name="椭圆 55">
-                <a:extLst>
-                  <a:ext uri="{FF2B5EF4-FFF2-40B4-BE49-F238E27FC236}">
-                    <a16:creationId xmlns:a16="http://schemas.microsoft.com/office/drawing/2014/main" id="{CA1111EB-7F07-4897-84D2-E9357704CC0B}"/>
-                  </a:ext>
-                </a:extLst>
-              </p:cNvPr>
-              <p:cNvSpPr/>
-              <p:nvPr/>
-            </p:nvSpPr>
-            <p:spPr>
-              <a:xfrm>
-                <a:off x="5005891" y="4676273"/>
-                <a:ext cx="173256" cy="173256"/>
-              </a:xfrm>
-              <a:prstGeom prst="ellipse">
-                <a:avLst/>
-              </a:prstGeom>
-              <a:solidFill>
-                <a:srgbClr val="FFA500"/>
-              </a:solidFill>
-              <a:ln>
-                <a:solidFill>
-                  <a:srgbClr val="FFA500"/>
-                </a:solidFill>
-              </a:ln>
-            </p:spPr>
-            <p:style>
-              <a:lnRef idx="2">
-                <a:schemeClr val="accent2">
-                  <a:shade val="50000"/>
-                </a:schemeClr>
-              </a:lnRef>
-              <a:fillRef idx="1">
-                <a:schemeClr val="accent2"/>
-              </a:fillRef>
-              <a:effectRef idx="0">
-                <a:schemeClr val="accent2"/>
-              </a:effectRef>
-              <a:fontRef idx="minor">
-                <a:schemeClr val="lt1"/>
-              </a:fontRef>
-            </p:style>
-            <p:txBody>
-              <a:bodyPr rtlCol="0" anchor="ctr"/>
-              <a:lstStyle/>
-              <a:p>
-                <a:pPr algn="ctr"/>
-                <a:endParaRPr lang="zh-CN" altLang="en-US"/>
-              </a:p>
-            </p:txBody>
-          </p:sp>
-          <p:sp>
-            <p:nvSpPr>
-              <p:cNvPr id="57" name="椭圆 56">
-                <a:extLst>
-                  <a:ext uri="{FF2B5EF4-FFF2-40B4-BE49-F238E27FC236}">
-                    <a16:creationId xmlns:a16="http://schemas.microsoft.com/office/drawing/2014/main" id="{5E80226B-DE41-4432-8257-C61106B7FFF1}"/>
-                  </a:ext>
-                </a:extLst>
-              </p:cNvPr>
-              <p:cNvSpPr/>
-              <p:nvPr/>
-            </p:nvSpPr>
-            <p:spPr>
-              <a:xfrm>
-                <a:off x="5134040" y="3525254"/>
-                <a:ext cx="173256" cy="173256"/>
-              </a:xfrm>
-              <a:prstGeom prst="ellipse">
-                <a:avLst/>
-              </a:prstGeom>
-              <a:solidFill>
-                <a:srgbClr val="FF0000"/>
-              </a:solidFill>
-              <a:ln>
-                <a:solidFill>
-                  <a:srgbClr val="FF0000"/>
-                </a:solidFill>
-              </a:ln>
-            </p:spPr>
-            <p:style>
-              <a:lnRef idx="2">
-                <a:schemeClr val="accent1">
-                  <a:shade val="50000"/>
-                </a:schemeClr>
-              </a:lnRef>
-              <a:fillRef idx="1">
-                <a:schemeClr val="accent1"/>
-              </a:fillRef>
-              <a:effectRef idx="0">
-                <a:schemeClr val="accent1"/>
-              </a:effectRef>
-              <a:fontRef idx="minor">
-                <a:schemeClr val="lt1"/>
-              </a:fontRef>
-            </p:style>
-            <p:txBody>
-              <a:bodyPr rtlCol="0" anchor="ctr"/>
-              <a:lstStyle/>
-              <a:p>
-                <a:pPr algn="ctr"/>
-                <a:endParaRPr lang="zh-CN" altLang="en-US"/>
-              </a:p>
-            </p:txBody>
-          </p:sp>
-          <p:sp>
-            <p:nvSpPr>
-              <p:cNvPr id="58" name="椭圆 57">
-                <a:extLst>
-                  <a:ext uri="{FF2B5EF4-FFF2-40B4-BE49-F238E27FC236}">
-                    <a16:creationId xmlns:a16="http://schemas.microsoft.com/office/drawing/2014/main" id="{4F73B961-C567-4D4F-8CE9-AEA822AD9868}"/>
-                  </a:ext>
-                </a:extLst>
-              </p:cNvPr>
-              <p:cNvSpPr/>
-              <p:nvPr/>
-            </p:nvSpPr>
-            <p:spPr>
-              <a:xfrm>
-                <a:off x="6187441" y="3202272"/>
-                <a:ext cx="173256" cy="173256"/>
-              </a:xfrm>
-              <a:prstGeom prst="ellipse">
-                <a:avLst/>
-              </a:prstGeom>
-              <a:solidFill>
-                <a:srgbClr val="0000FF"/>
-              </a:solidFill>
-              <a:ln>
-                <a:solidFill>
-                  <a:srgbClr val="0000FF"/>
-                </a:solidFill>
-              </a:ln>
-            </p:spPr>
-            <p:style>
-              <a:lnRef idx="2">
-                <a:schemeClr val="accent4">
-                  <a:shade val="50000"/>
-                </a:schemeClr>
-              </a:lnRef>
-              <a:fillRef idx="1">
-                <a:schemeClr val="accent4"/>
-              </a:fillRef>
-              <a:effectRef idx="0">
-                <a:schemeClr val="accent4"/>
-              </a:effectRef>
-              <a:fontRef idx="minor">
-                <a:schemeClr val="lt1"/>
-              </a:fontRef>
-            </p:style>
-            <p:txBody>
-              <a:bodyPr rtlCol="0" anchor="ctr"/>
-              <a:lstStyle/>
-              <a:p>
-                <a:pPr algn="ctr"/>
-                <a:endParaRPr lang="zh-CN" altLang="en-US"/>
-              </a:p>
-            </p:txBody>
-          </p:sp>
-          <p:cxnSp>
-            <p:nvCxnSpPr>
-              <p:cNvPr id="59" name="连接符: 曲线 58">
-                <a:extLst>
-                  <a:ext uri="{FF2B5EF4-FFF2-40B4-BE49-F238E27FC236}">
-                    <a16:creationId xmlns:a16="http://schemas.microsoft.com/office/drawing/2014/main" id="{4EDF4B75-032B-4BFC-836C-FA839F365C64}"/>
-                  </a:ext>
-                </a:extLst>
-              </p:cNvPr>
-              <p:cNvCxnSpPr>
-                <a:cxnSpLocks/>
-                <a:stCxn id="57" idx="0"/>
-              </p:cNvCxnSpPr>
-              <p:nvPr/>
-            </p:nvCxnSpPr>
-            <p:spPr>
-              <a:xfrm rot="5400000" flipH="1" flipV="1">
-                <a:off x="5446979" y="2909921"/>
-                <a:ext cx="389022" cy="841644"/>
-              </a:xfrm>
-              <a:prstGeom prst="curvedConnector2">
-                <a:avLst/>
-              </a:prstGeom>
-              <a:ln>
-                <a:solidFill>
-                  <a:srgbClr val="FF0000"/>
-                </a:solidFill>
-                <a:tailEnd type="triangle"/>
-              </a:ln>
-            </p:spPr>
-            <p:style>
-              <a:lnRef idx="1">
-                <a:schemeClr val="dk1"/>
-              </a:lnRef>
-              <a:fillRef idx="0">
-                <a:schemeClr val="dk1"/>
-              </a:fillRef>
-              <a:effectRef idx="0">
-                <a:schemeClr val="dk1"/>
-              </a:effectRef>
-              <a:fontRef idx="minor">
-                <a:schemeClr val="tx1"/>
-              </a:fontRef>
-            </p:style>
-          </p:cxnSp>
-        </p:grpSp>
-        <p:cxnSp>
-          <p:nvCxnSpPr>
-            <p:cNvPr id="46" name="连接符: 曲线 45">
-              <a:extLst>
-                <a:ext uri="{FF2B5EF4-FFF2-40B4-BE49-F238E27FC236}">
-                  <a16:creationId xmlns:a16="http://schemas.microsoft.com/office/drawing/2014/main" id="{EF0AA8AC-3B98-4290-95DD-2E175D4E60DE}"/>
-                </a:ext>
-              </a:extLst>
-            </p:cNvPr>
-            <p:cNvCxnSpPr>
-              <a:cxnSpLocks/>
-              <a:stCxn id="54" idx="7"/>
-            </p:cNvCxnSpPr>
-            <p:nvPr/>
-          </p:nvCxnSpPr>
-          <p:spPr>
-            <a:xfrm rot="5400000" flipH="1" flipV="1">
-              <a:off x="7596699" y="1742188"/>
-              <a:ext cx="370679" cy="670460"/>
-            </a:xfrm>
-            <a:prstGeom prst="curvedConnector2">
-              <a:avLst/>
-            </a:prstGeom>
-            <a:ln>
-              <a:tailEnd type="triangle"/>
-            </a:ln>
-          </p:spPr>
-          <p:style>
-            <a:lnRef idx="1">
-              <a:schemeClr val="accent2"/>
-            </a:lnRef>
-            <a:fillRef idx="0">
-              <a:schemeClr val="accent2"/>
-            </a:fillRef>
-            <a:effectRef idx="0">
-              <a:schemeClr val="accent2"/>
-            </a:effectRef>
-            <a:fontRef idx="minor">
-              <a:schemeClr val="tx1"/>
-            </a:fontRef>
-          </p:style>
-        </p:cxnSp>
-        <p:cxnSp>
-          <p:nvCxnSpPr>
-            <p:cNvPr id="47" name="连接符: 曲线 46">
-              <a:extLst>
-                <a:ext uri="{FF2B5EF4-FFF2-40B4-BE49-F238E27FC236}">
-                  <a16:creationId xmlns:a16="http://schemas.microsoft.com/office/drawing/2014/main" id="{8694B1EF-EBB3-4860-8771-376DBF03FB4B}"/>
-                </a:ext>
-              </a:extLst>
-            </p:cNvPr>
-            <p:cNvCxnSpPr>
-              <a:cxnSpLocks/>
-              <a:stCxn id="53" idx="1"/>
-            </p:cNvCxnSpPr>
-            <p:nvPr/>
-          </p:nvCxnSpPr>
-          <p:spPr>
-            <a:xfrm rot="16200000" flipV="1">
-              <a:off x="4204064" y="1373777"/>
-              <a:ext cx="238695" cy="315622"/>
-            </a:xfrm>
-            <a:prstGeom prst="curvedConnector2">
-              <a:avLst/>
-            </a:prstGeom>
-            <a:ln>
-              <a:tailEnd type="triangle"/>
-            </a:ln>
-          </p:spPr>
-          <p:style>
-            <a:lnRef idx="1">
-              <a:schemeClr val="accent2"/>
-            </a:lnRef>
-            <a:fillRef idx="0">
-              <a:schemeClr val="accent2"/>
-            </a:fillRef>
-            <a:effectRef idx="0">
-              <a:schemeClr val="accent2"/>
-            </a:effectRef>
-            <a:fontRef idx="minor">
-              <a:schemeClr val="tx1"/>
-            </a:fontRef>
-          </p:style>
-        </p:cxnSp>
-        <p:cxnSp>
-          <p:nvCxnSpPr>
-            <p:cNvPr id="48" name="连接符: 曲线 47">
-              <a:extLst>
-                <a:ext uri="{FF2B5EF4-FFF2-40B4-BE49-F238E27FC236}">
-                  <a16:creationId xmlns:a16="http://schemas.microsoft.com/office/drawing/2014/main" id="{CCD14046-ABD2-40FB-ACC3-D58B3303A061}"/>
-                </a:ext>
-              </a:extLst>
-            </p:cNvPr>
-            <p:cNvCxnSpPr>
-              <a:cxnSpLocks/>
-              <a:stCxn id="55" idx="0"/>
-            </p:cNvCxnSpPr>
-            <p:nvPr/>
-          </p:nvCxnSpPr>
-          <p:spPr>
-            <a:xfrm rot="16200000" flipV="1">
-              <a:off x="4603033" y="2383933"/>
-              <a:ext cx="301478" cy="383863"/>
-            </a:xfrm>
-            <a:prstGeom prst="curvedConnector2">
-              <a:avLst/>
-            </a:prstGeom>
-            <a:ln>
-              <a:tailEnd type="triangle"/>
-            </a:ln>
-          </p:spPr>
-          <p:style>
-            <a:lnRef idx="1">
-              <a:schemeClr val="accent2"/>
-            </a:lnRef>
-            <a:fillRef idx="0">
-              <a:schemeClr val="accent2"/>
-            </a:fillRef>
-            <a:effectRef idx="0">
-              <a:schemeClr val="accent2"/>
-            </a:effectRef>
-            <a:fontRef idx="minor">
-              <a:schemeClr val="tx1"/>
-            </a:fontRef>
-          </p:style>
-        </p:cxnSp>
-        <p:cxnSp>
-          <p:nvCxnSpPr>
-            <p:cNvPr id="49" name="连接符: 曲线 48">
-              <a:extLst>
-                <a:ext uri="{FF2B5EF4-FFF2-40B4-BE49-F238E27FC236}">
-                  <a16:creationId xmlns:a16="http://schemas.microsoft.com/office/drawing/2014/main" id="{D161C767-DF3C-4799-B8B4-7F9B27171BDA}"/>
-                </a:ext>
-              </a:extLst>
-            </p:cNvPr>
-            <p:cNvCxnSpPr>
-              <a:cxnSpLocks/>
-              <a:stCxn id="56" idx="1"/>
-            </p:cNvCxnSpPr>
-            <p:nvPr/>
-          </p:nvCxnSpPr>
-          <p:spPr>
-            <a:xfrm rot="16200000" flipV="1">
-              <a:off x="5508487" y="3940313"/>
-              <a:ext cx="354910" cy="439724"/>
-            </a:xfrm>
-            <a:prstGeom prst="curvedConnector2">
-              <a:avLst/>
-            </a:prstGeom>
-            <a:ln>
-              <a:tailEnd type="triangle"/>
-            </a:ln>
-          </p:spPr>
-          <p:style>
-            <a:lnRef idx="1">
-              <a:schemeClr val="accent2"/>
-            </a:lnRef>
-            <a:fillRef idx="0">
-              <a:schemeClr val="accent2"/>
-            </a:fillRef>
-            <a:effectRef idx="0">
-              <a:schemeClr val="accent2"/>
-            </a:effectRef>
-            <a:fontRef idx="minor">
-              <a:schemeClr val="tx1"/>
-            </a:fontRef>
-          </p:style>
-        </p:cxnSp>
-        <p:sp>
-          <p:nvSpPr>
-            <p:cNvPr id="50" name="文本框 49">
-              <a:extLst>
-                <a:ext uri="{FF2B5EF4-FFF2-40B4-BE49-F238E27FC236}">
-                  <a16:creationId xmlns:a16="http://schemas.microsoft.com/office/drawing/2014/main" id="{4C00D25D-8E0D-44D2-A810-E230093E4031}"/>
-                </a:ext>
-              </a:extLst>
-            </p:cNvPr>
-            <p:cNvSpPr txBox="1"/>
-            <p:nvPr/>
-          </p:nvSpPr>
-          <p:spPr>
-            <a:xfrm>
-              <a:off x="3900516" y="203170"/>
-              <a:ext cx="1318977" cy="417518"/>
-            </a:xfrm>
-            <a:prstGeom prst="rect">
-              <a:avLst/>
-            </a:prstGeom>
-            <a:noFill/>
-          </p:spPr>
-          <p:txBody>
-            <a:bodyPr wrap="square" rtlCol="0">
-              <a:spAutoFit/>
-            </a:bodyPr>
-            <a:lstStyle/>
-            <a:p>
-              <a:r>
-                <a:rPr lang="en-US" altLang="zh-CN" b="1" dirty="0">
-                  <a:solidFill>
-                    <a:schemeClr val="bg1"/>
-                  </a:solidFill>
-                </a:rPr>
-                <a:t>Time: 7s</a:t>
-              </a:r>
-              <a:endParaRPr lang="zh-CN" altLang="en-US" b="1" dirty="0">
-                <a:solidFill>
-                  <a:schemeClr val="bg1"/>
-                </a:solidFill>
-              </a:endParaRPr>
-            </a:p>
-          </p:txBody>
-        </p:sp>
-        <p:sp>
-          <p:nvSpPr>
-            <p:cNvPr id="51" name="文本框 50">
-              <a:extLst>
-                <a:ext uri="{FF2B5EF4-FFF2-40B4-BE49-F238E27FC236}">
-                  <a16:creationId xmlns:a16="http://schemas.microsoft.com/office/drawing/2014/main" id="{B84F7D7A-25EA-42A2-85EE-53AA79DC25F5}"/>
-                </a:ext>
-              </a:extLst>
-            </p:cNvPr>
-            <p:cNvSpPr txBox="1"/>
-            <p:nvPr/>
-          </p:nvSpPr>
-          <p:spPr>
-            <a:xfrm>
-              <a:off x="6404750" y="208361"/>
-              <a:ext cx="2072528" cy="394959"/>
-            </a:xfrm>
-            <a:prstGeom prst="rect">
-              <a:avLst/>
-            </a:prstGeom>
-            <a:noFill/>
-          </p:spPr>
-          <p:txBody>
-            <a:bodyPr wrap="square" rtlCol="0">
-              <a:spAutoFit/>
-            </a:bodyPr>
-            <a:lstStyle/>
-            <a:p>
-              <a:r>
-                <a:rPr lang="en-US" altLang="zh-CN" b="1" dirty="0">
-                  <a:solidFill>
-                    <a:srgbClr val="00FF00"/>
-                  </a:solidFill>
-                </a:rPr>
-                <a:t>Total Score: 3.5</a:t>
-              </a:r>
-              <a:endParaRPr lang="zh-CN" altLang="en-US" b="1" dirty="0">
-                <a:solidFill>
-                  <a:srgbClr val="00FF00"/>
-                </a:solidFill>
-              </a:endParaRPr>
-            </a:p>
-          </p:txBody>
-        </p:sp>
-      </p:grpSp>
-    </p:spTree>
-    <p:extLst>
-      <p:ext uri="{BB962C8B-B14F-4D97-AF65-F5344CB8AC3E}">
-        <p14:creationId xmlns:p14="http://schemas.microsoft.com/office/powerpoint/2010/main" val="952694587"/>
-      </p:ext>
-    </p:extLst>
-  </p:cSld>
-  <p:clrMapOvr>
-    <a:masterClrMapping/>
-  </p:clrMapOvr>
-</p:sld>
-</file>
-
-<file path=ppt/slides/slide4.xml><?xml version="1.0" encoding="utf-8"?>
 <p:sld xmlns:a="http://schemas.openxmlformats.org/drawingml/2006/main" xmlns:r="http://schemas.openxmlformats.org/officeDocument/2006/relationships" xmlns:p="http://schemas.openxmlformats.org/presentationml/2006/main" show="0">
   <p:cSld>
     <p:spTree>
@@ -7477,7 +6294,7 @@
 </p:sld>
 </file>
 
-<file path=ppt/slides/slide5.xml><?xml version="1.0" encoding="utf-8"?>
+<file path=ppt/slides/slide4.xml><?xml version="1.0" encoding="utf-8"?>
 <p:sld xmlns:a="http://schemas.openxmlformats.org/drawingml/2006/main" xmlns:r="http://schemas.openxmlformats.org/officeDocument/2006/relationships" xmlns:p="http://schemas.openxmlformats.org/presentationml/2006/main">
   <p:cSld>
     <p:spTree>
@@ -7561,8 +6378,8 @@
         </p:nvSpPr>
         <p:spPr>
           <a:xfrm>
-            <a:off x="1870130" y="672600"/>
-            <a:ext cx="7879976" cy="5526321"/>
+            <a:off x="1643766" y="711558"/>
+            <a:ext cx="8624052" cy="5110823"/>
           </a:xfrm>
           <a:prstGeom prst="rect">
             <a:avLst/>
@@ -7596,7 +6413,7 @@
                 <a:latin typeface="黑体" panose="02010609060101010101" pitchFamily="49" charset="-122"/>
                 <a:ea typeface="黑体" panose="02010609060101010101" pitchFamily="49" charset="-122"/>
               </a:rPr>
-              <a:t>您好，欢迎参与“狼追羊”游戏！</a:t>
+              <a:t>您好，欢迎参与“赏金猎人”游戏！</a:t>
             </a:r>
             <a:endParaRPr lang="en-US" altLang="zh-CN" b="1" dirty="0">
               <a:solidFill>
@@ -7630,7 +6447,7 @@
                 <a:latin typeface="黑体" panose="02010609060101010101" pitchFamily="49" charset="-122"/>
                 <a:ea typeface="黑体" panose="02010609060101010101" pitchFamily="49" charset="-122"/>
               </a:rPr>
-              <a:t>游戏即将开始，您可以通过操纵游戏手柄左上角的摇杆来控制狼的移动</a:t>
+              <a:t>游戏即将开始，您可以通过操纵游戏手柄左上角的摇杆来控制赏金猎人的移动</a:t>
             </a:r>
             <a:endParaRPr lang="en-US" altLang="zh-CN" b="1" dirty="0">
               <a:solidFill>
@@ -7776,7 +6593,7 @@
                 <a:latin typeface="黑体" panose="02010609060101010101" pitchFamily="49" charset="-122"/>
                 <a:ea typeface="黑体" panose="02010609060101010101" pitchFamily="49" charset="-122"/>
               </a:rPr>
-              <a:t>）游戏任务是尽快地在</a:t>
+              <a:t>）游戏任务是尽可能多地在</a:t>
             </a:r>
             <a:r>
               <a:rPr lang="zh-CN" altLang="en-US" b="1" dirty="0">
@@ -7818,7 +6635,7 @@
                 <a:latin typeface="黑体" panose="02010609060101010101" pitchFamily="49" charset="-122"/>
                 <a:ea typeface="黑体" panose="02010609060101010101" pitchFamily="49" charset="-122"/>
               </a:rPr>
-              <a:t>抓住屏幕中跑动的羊（</a:t>
+              <a:t>抓住屏幕中逃跑的小偷（</a:t>
             </a:r>
             <a:r>
               <a:rPr lang="zh-CN" altLang="en-US" b="1" dirty="0">
@@ -7889,28 +6706,6 @@
               <a:t>）</a:t>
             </a:r>
             <a:r>
-              <a:rPr lang="zh-CN" altLang="en-US" b="1" dirty="0">
-                <a:solidFill>
-                  <a:srgbClr val="FF0000"/>
-                </a:solidFill>
-                <a:latin typeface="黑体" panose="02010609060101010101" pitchFamily="49" charset="-122"/>
-                <a:ea typeface="黑体" panose="02010609060101010101" pitchFamily="49" charset="-122"/>
-              </a:rPr>
-              <a:t>每抓到一只羊</a:t>
-            </a:r>
-            <a:r>
-              <a:rPr lang="zh-CN" altLang="en-US" b="1" dirty="0">
-                <a:solidFill>
-                  <a:schemeClr val="bg1">
-                    <a:lumMod val="95000"/>
-                  </a:schemeClr>
-                </a:solidFill>
-                <a:latin typeface="黑体" panose="02010609060101010101" pitchFamily="49" charset="-122"/>
-                <a:ea typeface="黑体" panose="02010609060101010101" pitchFamily="49" charset="-122"/>
-              </a:rPr>
-              <a:t>或</a:t>
-            </a:r>
-            <a:r>
               <a:rPr lang="en-US" altLang="zh-CN" b="1" dirty="0">
                 <a:solidFill>
                   <a:srgbClr val="FF0000"/>
@@ -7928,7 +6723,7 @@
                 <a:latin typeface="黑体" panose="02010609060101010101" pitchFamily="49" charset="-122"/>
                 <a:ea typeface="黑体" panose="02010609060101010101" pitchFamily="49" charset="-122"/>
               </a:rPr>
-              <a:t>内两名玩家均未抓到羊</a:t>
+              <a:t>倒计时结束后，</a:t>
             </a:r>
             <a:r>
               <a:rPr lang="zh-CN" altLang="en-US" b="1" dirty="0">
@@ -7940,7 +6735,7 @@
                 <a:latin typeface="黑体" panose="02010609060101010101" pitchFamily="49" charset="-122"/>
                 <a:ea typeface="黑体" panose="02010609060101010101" pitchFamily="49" charset="-122"/>
               </a:rPr>
-              <a:t>，则立即进入下一轮游戏。此时游戏界面刷新，两名玩家的位置也会刷新</a:t>
+              <a:t>游戏界面刷新，两名玩家的位置也会刷新</a:t>
             </a:r>
             <a:endParaRPr lang="en-US" altLang="zh-CN" b="1" dirty="0">
               <a:solidFill>
@@ -8617,7 +7412,7 @@
 </p:sld>
 </file>
 
-<file path=ppt/slides/slide6.xml><?xml version="1.0" encoding="utf-8"?>
+<file path=ppt/slides/slide5.xml><?xml version="1.0" encoding="utf-8"?>
 <p:sld xmlns:a="http://schemas.openxmlformats.org/drawingml/2006/main" xmlns:r="http://schemas.openxmlformats.org/officeDocument/2006/relationships" xmlns:p="http://schemas.openxmlformats.org/presentationml/2006/main">
   <p:cSld>
     <p:spTree>
@@ -9042,7 +7837,7 @@
 </p:sld>
 </file>
 
-<file path=ppt/slides/slide7.xml><?xml version="1.0" encoding="utf-8"?>
+<file path=ppt/slides/slide6.xml><?xml version="1.0" encoding="utf-8"?>
 <p:sld xmlns:a="http://schemas.openxmlformats.org/drawingml/2006/main" xmlns:r="http://schemas.openxmlformats.org/officeDocument/2006/relationships" xmlns:p="http://schemas.openxmlformats.org/presentationml/2006/main">
   <p:cSld>
     <p:spTree>
@@ -9146,7 +7941,7 @@
 </p:sld>
 </file>
 
-<file path=ppt/slides/slide8.xml><?xml version="1.0" encoding="utf-8"?>
+<file path=ppt/slides/slide7.xml><?xml version="1.0" encoding="utf-8"?>
 <p:sld xmlns:a="http://schemas.openxmlformats.org/drawingml/2006/main" xmlns:r="http://schemas.openxmlformats.org/officeDocument/2006/relationships" xmlns:p="http://schemas.openxmlformats.org/presentationml/2006/main">
   <p:cSld>
     <p:spTree>
@@ -9250,7 +8045,7 @@
 </p:sld>
 </file>
 
-<file path=ppt/slides/slide9.xml><?xml version="1.0" encoding="utf-8"?>
+<file path=ppt/slides/slide8.xml><?xml version="1.0" encoding="utf-8"?>
 <p:sld xmlns:a="http://schemas.openxmlformats.org/drawingml/2006/main" xmlns:r="http://schemas.openxmlformats.org/officeDocument/2006/relationships" xmlns:p="http://schemas.openxmlformats.org/presentationml/2006/main">
   <p:cSld>
     <p:spTree>

--- a/pictures/introduction.pptx
+++ b/pictures/introduction.pptx
@@ -5,17 +5,18 @@
     <p:sldMasterId id="2147483648" r:id="rId1"/>
   </p:sldMasterIdLst>
   <p:notesMasterIdLst>
-    <p:notesMasterId r:id="rId10"/>
+    <p:notesMasterId r:id="rId11"/>
   </p:notesMasterIdLst>
   <p:sldIdLst>
     <p:sldId id="261" r:id="rId2"/>
     <p:sldId id="267" r:id="rId3"/>
     <p:sldId id="275" r:id="rId4"/>
-    <p:sldId id="278" r:id="rId5"/>
-    <p:sldId id="276" r:id="rId6"/>
-    <p:sldId id="277" r:id="rId7"/>
-    <p:sldId id="259" r:id="rId8"/>
-    <p:sldId id="279" r:id="rId9"/>
+    <p:sldId id="280" r:id="rId5"/>
+    <p:sldId id="281" r:id="rId6"/>
+    <p:sldId id="284" r:id="rId7"/>
+    <p:sldId id="278" r:id="rId8"/>
+    <p:sldId id="276" r:id="rId9"/>
+    <p:sldId id="259" r:id="rId10"/>
   </p:sldIdLst>
   <p:sldSz cx="12192000" cy="6858000"/>
   <p:notesSz cx="6858000" cy="9144000"/>
@@ -117,24 +118,25 @@
   <p:extLst>
     <p:ext uri="{521415D9-36F7-43E2-AB2F-B90AF26B5E84}">
       <p14:sectionLst xmlns:p14="http://schemas.microsoft.com/office/powerpoint/2010/main">
-        <p14:section name="introduction" id="{C928C6DD-A8B0-4EDF-9A2A-EB8EEBB6A25F}">
+        <p14:section name="2 people" id="{C928C6DD-A8B0-4EDF-9A2A-EB8EEBB6A25F}">
           <p14:sldIdLst>
             <p14:sldId id="261"/>
             <p14:sldId id="267"/>
             <p14:sldId id="275"/>
           </p14:sldIdLst>
         </p14:section>
+        <p14:section name="3 people" id="{EDAB0C94-83D3-419B-9162-21705C3C41E5}">
+          <p14:sldIdLst>
+            <p14:sldId id="280"/>
+            <p14:sldId id="281"/>
+            <p14:sldId id="284"/>
+          </p14:sldIdLst>
+        </p14:section>
         <p14:section name="insert pictures" id="{0987D39C-2E96-485A-8C68-510B317FB800}">
           <p14:sldIdLst>
             <p14:sldId id="278"/>
             <p14:sldId id="276"/>
-            <p14:sldId id="277"/>
             <p14:sldId id="259"/>
-          </p14:sldIdLst>
-        </p14:section>
-        <p14:section name="not used" id="{8EF0A4D0-8265-4F5F-BE1A-CBA81FBCC78C}">
-          <p14:sldIdLst>
-            <p14:sldId id="279"/>
           </p14:sldIdLst>
         </p14:section>
       </p14:sectionLst>
@@ -240,7 +242,7 @@
           <a:p>
             <a:fld id="{C0546B5F-B17E-4A11-A9CD-A10C644EC78D}" type="datetimeFigureOut">
               <a:rPr lang="zh-CN" altLang="en-US" smtClean="0"/>
-              <a:t>2021/11/18</a:t>
+              <a:t>2021/11/26</a:t>
             </a:fld>
             <a:endParaRPr lang="zh-CN" altLang="en-US"/>
           </a:p>
@@ -715,6 +717,334 @@
 </p:notes>
 </file>
 
+<file path=ppt/notesSlides/notesSlide3.xml><?xml version="1.0" encoding="utf-8"?>
+<p:notes xmlns:a="http://schemas.openxmlformats.org/drawingml/2006/main" xmlns:r="http://schemas.openxmlformats.org/officeDocument/2006/relationships" xmlns:p="http://schemas.openxmlformats.org/presentationml/2006/main">
+  <p:cSld>
+    <p:spTree>
+      <p:nvGrpSpPr>
+        <p:cNvPr id="1" name=""/>
+        <p:cNvGrpSpPr/>
+        <p:nvPr/>
+      </p:nvGrpSpPr>
+      <p:grpSpPr>
+        <a:xfrm>
+          <a:off x="0" y="0"/>
+          <a:ext cx="0" cy="0"/>
+          <a:chOff x="0" y="0"/>
+          <a:chExt cx="0" cy="0"/>
+        </a:xfrm>
+      </p:grpSpPr>
+      <p:sp>
+        <p:nvSpPr>
+          <p:cNvPr id="2" name="幻灯片图像占位符 1"/>
+          <p:cNvSpPr>
+            <a:spLocks noGrp="1" noRot="1" noChangeAspect="1"/>
+          </p:cNvSpPr>
+          <p:nvPr>
+            <p:ph type="sldImg"/>
+          </p:nvPr>
+        </p:nvSpPr>
+        <p:spPr/>
+      </p:sp>
+      <p:sp>
+        <p:nvSpPr>
+          <p:cNvPr id="3" name="备注占位符 2"/>
+          <p:cNvSpPr>
+            <a:spLocks noGrp="1"/>
+          </p:cNvSpPr>
+          <p:nvPr>
+            <p:ph type="body" idx="1"/>
+          </p:nvPr>
+        </p:nvSpPr>
+        <p:spPr/>
+        <p:txBody>
+          <a:bodyPr/>
+          <a:lstStyle/>
+          <a:p>
+            <a:pPr marL="0" marR="0" lvl="0" indent="0" algn="l" defTabSz="914400" rtl="0" eaLnBrk="1" fontAlgn="auto" latinLnBrk="0" hangingPunct="1">
+              <a:lnSpc>
+                <a:spcPct val="100000"/>
+              </a:lnSpc>
+              <a:spcBef>
+                <a:spcPts val="0"/>
+              </a:spcBef>
+              <a:spcAft>
+                <a:spcPts val="0"/>
+              </a:spcAft>
+              <a:buClrTx/>
+              <a:buSzTx/>
+              <a:buFontTx/>
+              <a:buNone/>
+              <a:tabLst/>
+              <a:defRPr/>
+            </a:pPr>
+            <a:r>
+              <a:rPr lang="zh-CN" altLang="en-US" dirty="0"/>
+              <a:t>角色说明</a:t>
+            </a:r>
+          </a:p>
+        </p:txBody>
+      </p:sp>
+      <p:sp>
+        <p:nvSpPr>
+          <p:cNvPr id="4" name="灯片编号占位符 3"/>
+          <p:cNvSpPr>
+            <a:spLocks noGrp="1"/>
+          </p:cNvSpPr>
+          <p:nvPr>
+            <p:ph type="sldNum" sz="quarter" idx="5"/>
+          </p:nvPr>
+        </p:nvSpPr>
+        <p:spPr/>
+        <p:txBody>
+          <a:bodyPr/>
+          <a:lstStyle/>
+          <a:p>
+            <a:pPr marL="0" marR="0" lvl="0" indent="0" algn="r" defTabSz="914400" rtl="0" eaLnBrk="1" fontAlgn="auto" latinLnBrk="0" hangingPunct="1">
+              <a:lnSpc>
+                <a:spcPct val="100000"/>
+              </a:lnSpc>
+              <a:spcBef>
+                <a:spcPts val="0"/>
+              </a:spcBef>
+              <a:spcAft>
+                <a:spcPts val="0"/>
+              </a:spcAft>
+              <a:buClrTx/>
+              <a:buSzTx/>
+              <a:buFontTx/>
+              <a:buNone/>
+              <a:tabLst/>
+              <a:defRPr/>
+            </a:pPr>
+            <a:fld id="{19214DBA-04C0-4AE0-9391-D985D3AC6701}" type="slidenum">
+              <a:rPr kumimoji="0" lang="zh-CN" altLang="en-US" sz="1200" b="0" i="0" u="none" strike="noStrike" kern="1200" cap="none" spc="0" normalizeH="0" baseline="0" noProof="0" smtClean="0">
+                <a:ln>
+                  <a:noFill/>
+                </a:ln>
+                <a:solidFill>
+                  <a:prstClr val="black"/>
+                </a:solidFill>
+                <a:effectLst/>
+                <a:uLnTx/>
+                <a:uFillTx/>
+                <a:latin typeface="等线" panose="020F0502020204030204"/>
+                <a:ea typeface="等线" panose="02010600030101010101" pitchFamily="2" charset="-122"/>
+                <a:cs typeface="+mn-cs"/>
+              </a:rPr>
+              <a:pPr marL="0" marR="0" lvl="0" indent="0" algn="r" defTabSz="914400" rtl="0" eaLnBrk="1" fontAlgn="auto" latinLnBrk="0" hangingPunct="1">
+                <a:lnSpc>
+                  <a:spcPct val="100000"/>
+                </a:lnSpc>
+                <a:spcBef>
+                  <a:spcPts val="0"/>
+                </a:spcBef>
+                <a:spcAft>
+                  <a:spcPts val="0"/>
+                </a:spcAft>
+                <a:buClrTx/>
+                <a:buSzTx/>
+                <a:buFontTx/>
+                <a:buNone/>
+                <a:tabLst/>
+                <a:defRPr/>
+              </a:pPr>
+              <a:t>4</a:t>
+            </a:fld>
+            <a:endParaRPr kumimoji="0" lang="zh-CN" altLang="en-US" sz="1200" b="0" i="0" u="none" strike="noStrike" kern="1200" cap="none" spc="0" normalizeH="0" baseline="0" noProof="0">
+              <a:ln>
+                <a:noFill/>
+              </a:ln>
+              <a:solidFill>
+                <a:prstClr val="black"/>
+              </a:solidFill>
+              <a:effectLst/>
+              <a:uLnTx/>
+              <a:uFillTx/>
+              <a:latin typeface="等线" panose="020F0502020204030204"/>
+              <a:ea typeface="等线" panose="02010600030101010101" pitchFamily="2" charset="-122"/>
+              <a:cs typeface="+mn-cs"/>
+            </a:endParaRPr>
+          </a:p>
+        </p:txBody>
+      </p:sp>
+    </p:spTree>
+    <p:extLst>
+      <p:ext uri="{BB962C8B-B14F-4D97-AF65-F5344CB8AC3E}">
+        <p14:creationId xmlns:p14="http://schemas.microsoft.com/office/powerpoint/2010/main" val="1893075693"/>
+      </p:ext>
+    </p:extLst>
+  </p:cSld>
+  <p:clrMapOvr>
+    <a:masterClrMapping/>
+  </p:clrMapOvr>
+</p:notes>
+</file>
+
+<file path=ppt/notesSlides/notesSlide4.xml><?xml version="1.0" encoding="utf-8"?>
+<p:notes xmlns:a="http://schemas.openxmlformats.org/drawingml/2006/main" xmlns:r="http://schemas.openxmlformats.org/officeDocument/2006/relationships" xmlns:p="http://schemas.openxmlformats.org/presentationml/2006/main">
+  <p:cSld>
+    <p:spTree>
+      <p:nvGrpSpPr>
+        <p:cNvPr id="1" name=""/>
+        <p:cNvGrpSpPr/>
+        <p:nvPr/>
+      </p:nvGrpSpPr>
+      <p:grpSpPr>
+        <a:xfrm>
+          <a:off x="0" y="0"/>
+          <a:ext cx="0" cy="0"/>
+          <a:chOff x="0" y="0"/>
+          <a:chExt cx="0" cy="0"/>
+        </a:xfrm>
+      </p:grpSpPr>
+      <p:sp>
+        <p:nvSpPr>
+          <p:cNvPr id="2" name="幻灯片图像占位符 1"/>
+          <p:cNvSpPr>
+            <a:spLocks noGrp="1" noRot="1" noChangeAspect="1"/>
+          </p:cNvSpPr>
+          <p:nvPr>
+            <p:ph type="sldImg"/>
+          </p:nvPr>
+        </p:nvSpPr>
+        <p:spPr/>
+      </p:sp>
+      <p:sp>
+        <p:nvSpPr>
+          <p:cNvPr id="3" name="备注占位符 2"/>
+          <p:cNvSpPr>
+            <a:spLocks noGrp="1"/>
+          </p:cNvSpPr>
+          <p:nvPr>
+            <p:ph type="body" idx="1"/>
+          </p:nvPr>
+        </p:nvSpPr>
+        <p:spPr/>
+        <p:txBody>
+          <a:bodyPr/>
+          <a:lstStyle/>
+          <a:p>
+            <a:pPr marL="0" marR="0" lvl="0" indent="0" algn="l" defTabSz="914400" rtl="0" eaLnBrk="1" fontAlgn="auto" latinLnBrk="0" hangingPunct="1">
+              <a:lnSpc>
+                <a:spcPct val="100000"/>
+              </a:lnSpc>
+              <a:spcBef>
+                <a:spcPts val="0"/>
+              </a:spcBef>
+              <a:spcAft>
+                <a:spcPts val="0"/>
+              </a:spcAft>
+              <a:buClrTx/>
+              <a:buSzTx/>
+              <a:buFontTx/>
+              <a:buNone/>
+              <a:tabLst/>
+              <a:defRPr/>
+            </a:pPr>
+            <a:r>
+              <a:rPr lang="zh-CN" altLang="en-US" dirty="0"/>
+              <a:t>规则定义</a:t>
+            </a:r>
+          </a:p>
+        </p:txBody>
+      </p:sp>
+      <p:sp>
+        <p:nvSpPr>
+          <p:cNvPr id="4" name="灯片编号占位符 3"/>
+          <p:cNvSpPr>
+            <a:spLocks noGrp="1"/>
+          </p:cNvSpPr>
+          <p:nvPr>
+            <p:ph type="sldNum" sz="quarter" idx="5"/>
+          </p:nvPr>
+        </p:nvSpPr>
+        <p:spPr/>
+        <p:txBody>
+          <a:bodyPr/>
+          <a:lstStyle/>
+          <a:p>
+            <a:pPr marL="0" marR="0" lvl="0" indent="0" algn="r" defTabSz="914400" rtl="0" eaLnBrk="1" fontAlgn="auto" latinLnBrk="0" hangingPunct="1">
+              <a:lnSpc>
+                <a:spcPct val="100000"/>
+              </a:lnSpc>
+              <a:spcBef>
+                <a:spcPts val="0"/>
+              </a:spcBef>
+              <a:spcAft>
+                <a:spcPts val="0"/>
+              </a:spcAft>
+              <a:buClrTx/>
+              <a:buSzTx/>
+              <a:buFontTx/>
+              <a:buNone/>
+              <a:tabLst/>
+              <a:defRPr/>
+            </a:pPr>
+            <a:fld id="{19214DBA-04C0-4AE0-9391-D985D3AC6701}" type="slidenum">
+              <a:rPr kumimoji="0" lang="zh-CN" altLang="en-US" sz="1200" b="0" i="0" u="none" strike="noStrike" kern="1200" cap="none" spc="0" normalizeH="0" baseline="0" noProof="0" smtClean="0">
+                <a:ln>
+                  <a:noFill/>
+                </a:ln>
+                <a:solidFill>
+                  <a:prstClr val="black"/>
+                </a:solidFill>
+                <a:effectLst/>
+                <a:uLnTx/>
+                <a:uFillTx/>
+                <a:latin typeface="等线" panose="020F0502020204030204"/>
+                <a:ea typeface="等线" panose="02010600030101010101" pitchFamily="2" charset="-122"/>
+                <a:cs typeface="+mn-cs"/>
+              </a:rPr>
+              <a:pPr marL="0" marR="0" lvl="0" indent="0" algn="r" defTabSz="914400" rtl="0" eaLnBrk="1" fontAlgn="auto" latinLnBrk="0" hangingPunct="1">
+                <a:lnSpc>
+                  <a:spcPct val="100000"/>
+                </a:lnSpc>
+                <a:spcBef>
+                  <a:spcPts val="0"/>
+                </a:spcBef>
+                <a:spcAft>
+                  <a:spcPts val="0"/>
+                </a:spcAft>
+                <a:buClrTx/>
+                <a:buSzTx/>
+                <a:buFontTx/>
+                <a:buNone/>
+                <a:tabLst/>
+                <a:defRPr/>
+              </a:pPr>
+              <a:t>5</a:t>
+            </a:fld>
+            <a:endParaRPr kumimoji="0" lang="zh-CN" altLang="en-US" sz="1200" b="0" i="0" u="none" strike="noStrike" kern="1200" cap="none" spc="0" normalizeH="0" baseline="0" noProof="0">
+              <a:ln>
+                <a:noFill/>
+              </a:ln>
+              <a:solidFill>
+                <a:prstClr val="black"/>
+              </a:solidFill>
+              <a:effectLst/>
+              <a:uLnTx/>
+              <a:uFillTx/>
+              <a:latin typeface="等线" panose="020F0502020204030204"/>
+              <a:ea typeface="等线" panose="02010600030101010101" pitchFamily="2" charset="-122"/>
+              <a:cs typeface="+mn-cs"/>
+            </a:endParaRPr>
+          </a:p>
+        </p:txBody>
+      </p:sp>
+    </p:spTree>
+    <p:extLst>
+      <p:ext uri="{BB962C8B-B14F-4D97-AF65-F5344CB8AC3E}">
+        <p14:creationId xmlns:p14="http://schemas.microsoft.com/office/powerpoint/2010/main" val="4112305785"/>
+      </p:ext>
+    </p:extLst>
+  </p:cSld>
+  <p:clrMapOvr>
+    <a:masterClrMapping/>
+  </p:clrMapOvr>
+</p:notes>
+</file>
+
 <file path=ppt/slideLayouts/slideLayout1.xml><?xml version="1.0" encoding="utf-8"?>
 <p:sldLayout xmlns:a="http://schemas.openxmlformats.org/drawingml/2006/main" xmlns:r="http://schemas.openxmlformats.org/officeDocument/2006/relationships" xmlns:p="http://schemas.openxmlformats.org/presentationml/2006/main" type="title" preserve="1">
   <p:cSld name="标题幻灯片">
@@ -862,7 +1192,7 @@
           <a:p>
             <a:fld id="{22C6D5CB-9E91-4D8B-8A6F-E7E64CE5E759}" type="datetimeFigureOut">
               <a:rPr lang="zh-CN" altLang="en-US" smtClean="0"/>
-              <a:t>2021/11/18</a:t>
+              <a:t>2021/11/26</a:t>
             </a:fld>
             <a:endParaRPr lang="zh-CN" altLang="en-US"/>
           </a:p>
@@ -1060,7 +1390,7 @@
           <a:p>
             <a:fld id="{22C6D5CB-9E91-4D8B-8A6F-E7E64CE5E759}" type="datetimeFigureOut">
               <a:rPr lang="zh-CN" altLang="en-US" smtClean="0"/>
-              <a:t>2021/11/18</a:t>
+              <a:t>2021/11/26</a:t>
             </a:fld>
             <a:endParaRPr lang="zh-CN" altLang="en-US"/>
           </a:p>
@@ -1268,7 +1598,7 @@
           <a:p>
             <a:fld id="{22C6D5CB-9E91-4D8B-8A6F-E7E64CE5E759}" type="datetimeFigureOut">
               <a:rPr lang="zh-CN" altLang="en-US" smtClean="0"/>
-              <a:t>2021/11/18</a:t>
+              <a:t>2021/11/26</a:t>
             </a:fld>
             <a:endParaRPr lang="zh-CN" altLang="en-US"/>
           </a:p>
@@ -1466,7 +1796,7 @@
           <a:p>
             <a:fld id="{22C6D5CB-9E91-4D8B-8A6F-E7E64CE5E759}" type="datetimeFigureOut">
               <a:rPr lang="zh-CN" altLang="en-US" smtClean="0"/>
-              <a:t>2021/11/18</a:t>
+              <a:t>2021/11/26</a:t>
             </a:fld>
             <a:endParaRPr lang="zh-CN" altLang="en-US"/>
           </a:p>
@@ -1741,7 +2071,7 @@
           <a:p>
             <a:fld id="{22C6D5CB-9E91-4D8B-8A6F-E7E64CE5E759}" type="datetimeFigureOut">
               <a:rPr lang="zh-CN" altLang="en-US" smtClean="0"/>
-              <a:t>2021/11/18</a:t>
+              <a:t>2021/11/26</a:t>
             </a:fld>
             <a:endParaRPr lang="zh-CN" altLang="en-US"/>
           </a:p>
@@ -2006,7 +2336,7 @@
           <a:p>
             <a:fld id="{22C6D5CB-9E91-4D8B-8A6F-E7E64CE5E759}" type="datetimeFigureOut">
               <a:rPr lang="zh-CN" altLang="en-US" smtClean="0"/>
-              <a:t>2021/11/18</a:t>
+              <a:t>2021/11/26</a:t>
             </a:fld>
             <a:endParaRPr lang="zh-CN" altLang="en-US"/>
           </a:p>
@@ -2418,7 +2748,7 @@
           <a:p>
             <a:fld id="{22C6D5CB-9E91-4D8B-8A6F-E7E64CE5E759}" type="datetimeFigureOut">
               <a:rPr lang="zh-CN" altLang="en-US" smtClean="0"/>
-              <a:t>2021/11/18</a:t>
+              <a:t>2021/11/26</a:t>
             </a:fld>
             <a:endParaRPr lang="zh-CN" altLang="en-US"/>
           </a:p>
@@ -2559,7 +2889,7 @@
           <a:p>
             <a:fld id="{22C6D5CB-9E91-4D8B-8A6F-E7E64CE5E759}" type="datetimeFigureOut">
               <a:rPr lang="zh-CN" altLang="en-US" smtClean="0"/>
-              <a:t>2021/11/18</a:t>
+              <a:t>2021/11/26</a:t>
             </a:fld>
             <a:endParaRPr lang="zh-CN" altLang="en-US"/>
           </a:p>
@@ -2672,7 +3002,7 @@
           <a:p>
             <a:fld id="{22C6D5CB-9E91-4D8B-8A6F-E7E64CE5E759}" type="datetimeFigureOut">
               <a:rPr lang="zh-CN" altLang="en-US" smtClean="0"/>
-              <a:t>2021/11/18</a:t>
+              <a:t>2021/11/26</a:t>
             </a:fld>
             <a:endParaRPr lang="zh-CN" altLang="en-US"/>
           </a:p>
@@ -2983,7 +3313,7 @@
           <a:p>
             <a:fld id="{22C6D5CB-9E91-4D8B-8A6F-E7E64CE5E759}" type="datetimeFigureOut">
               <a:rPr lang="zh-CN" altLang="en-US" smtClean="0"/>
-              <a:t>2021/11/18</a:t>
+              <a:t>2021/11/26</a:t>
             </a:fld>
             <a:endParaRPr lang="zh-CN" altLang="en-US"/>
           </a:p>
@@ -3271,7 +3601,7 @@
           <a:p>
             <a:fld id="{22C6D5CB-9E91-4D8B-8A6F-E7E64CE5E759}" type="datetimeFigureOut">
               <a:rPr lang="zh-CN" altLang="en-US" smtClean="0"/>
-              <a:t>2021/11/18</a:t>
+              <a:t>2021/11/26</a:t>
             </a:fld>
             <a:endParaRPr lang="zh-CN" altLang="en-US"/>
           </a:p>
@@ -3512,7 +3842,7 @@
           <a:p>
             <a:fld id="{22C6D5CB-9E91-4D8B-8A6F-E7E64CE5E759}" type="datetimeFigureOut">
               <a:rPr lang="zh-CN" altLang="en-US" smtClean="0"/>
-              <a:t>2021/11/18</a:t>
+              <a:t>2021/11/26</a:t>
             </a:fld>
             <a:endParaRPr lang="zh-CN" altLang="en-US"/>
           </a:p>
@@ -4654,96 +4984,6 @@
               </a:p>
             </p:txBody>
           </p:sp>
-          <p:cxnSp>
-            <p:nvCxnSpPr>
-              <p:cNvPr id="14" name="连接符: 曲线 13">
-                <a:extLst>
-                  <a:ext uri="{FF2B5EF4-FFF2-40B4-BE49-F238E27FC236}">
-                    <a16:creationId xmlns:a16="http://schemas.microsoft.com/office/drawing/2014/main" id="{2D0772AF-397B-41F2-AEF9-99E3A640EAFA}"/>
-                  </a:ext>
-                </a:extLst>
-              </p:cNvPr>
-              <p:cNvCxnSpPr>
-                <a:cxnSpLocks/>
-                <a:stCxn id="10" idx="0"/>
-              </p:cNvCxnSpPr>
-              <p:nvPr/>
-            </p:nvCxnSpPr>
-            <p:spPr>
-              <a:xfrm rot="5400000" flipH="1" flipV="1">
-                <a:off x="5446979" y="2909921"/>
-                <a:ext cx="389022" cy="841644"/>
-              </a:xfrm>
-              <a:prstGeom prst="curvedConnector2">
-                <a:avLst/>
-              </a:prstGeom>
-              <a:ln>
-                <a:solidFill>
-                  <a:srgbClr val="FF0000"/>
-                </a:solidFill>
-                <a:tailEnd type="triangle"/>
-              </a:ln>
-            </p:spPr>
-            <p:style>
-              <a:lnRef idx="1">
-                <a:schemeClr val="dk1"/>
-              </a:lnRef>
-              <a:fillRef idx="0">
-                <a:schemeClr val="dk1"/>
-              </a:fillRef>
-              <a:effectRef idx="0">
-                <a:schemeClr val="dk1"/>
-              </a:effectRef>
-              <a:fontRef idx="minor">
-                <a:schemeClr val="tx1"/>
-              </a:fontRef>
-            </p:style>
-          </p:cxnSp>
-          <p:cxnSp>
-            <p:nvCxnSpPr>
-              <p:cNvPr id="27" name="连接符: 曲线 26">
-                <a:extLst>
-                  <a:ext uri="{FF2B5EF4-FFF2-40B4-BE49-F238E27FC236}">
-                    <a16:creationId xmlns:a16="http://schemas.microsoft.com/office/drawing/2014/main" id="{3438D6D3-B864-4C39-B68B-A80B1B91FFBB}"/>
-                  </a:ext>
-                </a:extLst>
-              </p:cNvPr>
-              <p:cNvCxnSpPr>
-                <a:cxnSpLocks/>
-                <a:stCxn id="11" idx="6"/>
-              </p:cNvCxnSpPr>
-              <p:nvPr/>
-            </p:nvCxnSpPr>
-            <p:spPr>
-              <a:xfrm flipV="1">
-                <a:off x="6148940" y="3288632"/>
-                <a:ext cx="65772" cy="590350"/>
-              </a:xfrm>
-              <a:prstGeom prst="curvedConnector2">
-                <a:avLst/>
-              </a:prstGeom>
-              <a:ln>
-                <a:solidFill>
-                  <a:srgbClr val="0000FF"/>
-                </a:solidFill>
-                <a:tailEnd type="triangle"/>
-              </a:ln>
-            </p:spPr>
-            <p:style>
-              <a:lnRef idx="1">
-                <a:schemeClr val="dk1"/>
-              </a:lnRef>
-              <a:fillRef idx="0">
-                <a:schemeClr val="dk1"/>
-              </a:fillRef>
-              <a:effectRef idx="0">
-                <a:schemeClr val="dk1"/>
-              </a:effectRef>
-              <a:fontRef idx="minor">
-                <a:schemeClr val="tx1"/>
-              </a:fontRef>
-            </p:style>
-          </p:cxnSp>
         </p:grpSp>
         <p:cxnSp>
           <p:nvCxnSpPr>
@@ -6173,7 +6413,7 @@
 </file>
 
 <file path=ppt/slides/slide3.xml><?xml version="1.0" encoding="utf-8"?>
-<p:sld xmlns:a="http://schemas.openxmlformats.org/drawingml/2006/main" xmlns:r="http://schemas.openxmlformats.org/officeDocument/2006/relationships" xmlns:p="http://schemas.openxmlformats.org/presentationml/2006/main" show="0">
+<p:sld xmlns:a="http://schemas.openxmlformats.org/drawingml/2006/main" xmlns:r="http://schemas.openxmlformats.org/officeDocument/2006/relationships" xmlns:p="http://schemas.openxmlformats.org/presentationml/2006/main">
   <p:cSld>
     <p:spTree>
       <p:nvGrpSpPr>
@@ -6240,7 +6480,7 @@
                 <a:latin typeface="黑体" panose="02010609060101010101" pitchFamily="49" charset="-122"/>
                 <a:ea typeface="黑体" panose="02010609060101010101" pitchFamily="49" charset="-122"/>
               </a:rPr>
-              <a:t>我们将先进行几轮练习，</a:t>
+              <a:t>游戏开始后，前面六轮将作为练习，</a:t>
             </a:r>
             <a:endParaRPr lang="en-US" altLang="zh-CN" sz="2800" dirty="0">
               <a:latin typeface="黑体" panose="02010609060101010101" pitchFamily="49" charset="-122"/>
@@ -6258,7 +6498,7 @@
                 <a:latin typeface="黑体" panose="02010609060101010101" pitchFamily="49" charset="-122"/>
                 <a:ea typeface="黑体" panose="02010609060101010101" pitchFamily="49" charset="-122"/>
               </a:rPr>
-              <a:t>便于进一步理解规则以及熟悉操作。</a:t>
+              <a:t>便于进一步理解规则以及熟悉操作，不计入成绩。</a:t>
             </a:r>
             <a:endParaRPr lang="en-US" altLang="zh-CN" sz="2800" dirty="0">
               <a:latin typeface="黑体" panose="02010609060101010101" pitchFamily="49" charset="-122"/>
@@ -6295,6 +6535,3505 @@
 </file>
 
 <file path=ppt/slides/slide4.xml><?xml version="1.0" encoding="utf-8"?>
+<p:sld xmlns:a="http://schemas.openxmlformats.org/drawingml/2006/main" xmlns:r="http://schemas.openxmlformats.org/officeDocument/2006/relationships" xmlns:p="http://schemas.openxmlformats.org/presentationml/2006/main">
+  <p:cSld>
+    <p:bg>
+      <p:bgPr>
+        <a:solidFill>
+          <a:schemeClr val="tx1">
+            <a:lumMod val="75000"/>
+            <a:lumOff val="25000"/>
+          </a:schemeClr>
+        </a:solidFill>
+        <a:effectLst/>
+      </p:bgPr>
+    </p:bg>
+    <p:spTree>
+      <p:nvGrpSpPr>
+        <p:cNvPr id="1" name=""/>
+        <p:cNvGrpSpPr/>
+        <p:nvPr/>
+      </p:nvGrpSpPr>
+      <p:grpSpPr>
+        <a:xfrm>
+          <a:off x="0" y="0"/>
+          <a:ext cx="0" cy="0"/>
+          <a:chOff x="0" y="0"/>
+          <a:chExt cx="0" cy="0"/>
+        </a:xfrm>
+      </p:grpSpPr>
+      <p:sp>
+        <p:nvSpPr>
+          <p:cNvPr id="3" name="文本框 2"/>
+          <p:cNvSpPr txBox="1"/>
+          <p:nvPr/>
+        </p:nvSpPr>
+        <p:spPr>
+          <a:xfrm>
+            <a:off x="1126380" y="291072"/>
+            <a:ext cx="10176358" cy="1918154"/>
+          </a:xfrm>
+          <a:prstGeom prst="rect">
+            <a:avLst/>
+          </a:prstGeom>
+          <a:noFill/>
+        </p:spPr>
+        <p:txBody>
+          <a:bodyPr wrap="square" rtlCol="0">
+            <a:spAutoFit/>
+          </a:bodyPr>
+          <a:lstStyle/>
+          <a:p>
+            <a:pPr marL="0" marR="0" lvl="0" indent="0" algn="l" defTabSz="914400" rtl="0" eaLnBrk="1" fontAlgn="auto" latinLnBrk="0" hangingPunct="1">
+              <a:lnSpc>
+                <a:spcPct val="150000"/>
+              </a:lnSpc>
+              <a:spcBef>
+                <a:spcPts val="200"/>
+              </a:spcBef>
+              <a:spcAft>
+                <a:spcPts val="200"/>
+              </a:spcAft>
+              <a:buClrTx/>
+              <a:buSzTx/>
+              <a:buFontTx/>
+              <a:buNone/>
+              <a:tabLst/>
+              <a:defRPr/>
+            </a:pPr>
+            <a:r>
+              <a:rPr kumimoji="0" lang="zh-CN" altLang="en-US" sz="2000" b="0" i="0" u="none" strike="noStrike" kern="1200" cap="none" spc="0" normalizeH="0" baseline="0" noProof="0" dirty="0">
+                <a:ln>
+                  <a:noFill/>
+                </a:ln>
+                <a:solidFill>
+                  <a:prstClr val="white">
+                    <a:lumMod val="95000"/>
+                  </a:prstClr>
+                </a:solidFill>
+                <a:effectLst/>
+                <a:uLnTx/>
+                <a:uFillTx/>
+                <a:latin typeface="黑体" panose="02010609060101010101" pitchFamily="49" charset="-122"/>
+                <a:ea typeface="黑体" panose="02010609060101010101" pitchFamily="49" charset="-122"/>
+                <a:cs typeface="+mn-cs"/>
+              </a:rPr>
+              <a:t>您好，欢迎参与“赏金猎人”游戏！</a:t>
+            </a:r>
+            <a:endParaRPr kumimoji="0" lang="en-US" altLang="zh-CN" sz="2000" b="0" i="0" u="none" strike="noStrike" kern="1200" cap="none" spc="0" normalizeH="0" baseline="0" noProof="0" dirty="0">
+              <a:ln>
+                <a:noFill/>
+              </a:ln>
+              <a:solidFill>
+                <a:prstClr val="white">
+                  <a:lumMod val="95000"/>
+                </a:prstClr>
+              </a:solidFill>
+              <a:effectLst/>
+              <a:uLnTx/>
+              <a:uFillTx/>
+              <a:latin typeface="黑体" panose="02010609060101010101" pitchFamily="49" charset="-122"/>
+              <a:ea typeface="黑体" panose="02010609060101010101" pitchFamily="49" charset="-122"/>
+              <a:cs typeface="+mn-cs"/>
+            </a:endParaRPr>
+          </a:p>
+          <a:p>
+            <a:pPr marL="0" marR="0" lvl="0" indent="0" algn="l" defTabSz="914400" rtl="0" eaLnBrk="1" fontAlgn="auto" latinLnBrk="0" hangingPunct="1">
+              <a:lnSpc>
+                <a:spcPct val="150000"/>
+              </a:lnSpc>
+              <a:spcBef>
+                <a:spcPts val="200"/>
+              </a:spcBef>
+              <a:spcAft>
+                <a:spcPts val="200"/>
+              </a:spcAft>
+              <a:buClrTx/>
+              <a:buSzTx/>
+              <a:buFontTx/>
+              <a:buNone/>
+              <a:tabLst/>
+              <a:defRPr/>
+            </a:pPr>
+            <a:r>
+              <a:rPr kumimoji="0" lang="zh-CN" altLang="en-US" sz="2000" b="0" i="0" u="none" strike="noStrike" kern="1200" cap="none" spc="0" normalizeH="0" baseline="0" noProof="0" dirty="0">
+                <a:ln>
+                  <a:noFill/>
+                </a:ln>
+                <a:solidFill>
+                  <a:prstClr val="white">
+                    <a:lumMod val="95000"/>
+                  </a:prstClr>
+                </a:solidFill>
+                <a:effectLst/>
+                <a:uLnTx/>
+                <a:uFillTx/>
+                <a:latin typeface="黑体" panose="02010609060101010101" pitchFamily="49" charset="-122"/>
+                <a:ea typeface="黑体" panose="02010609060101010101" pitchFamily="49" charset="-122"/>
+                <a:cs typeface="+mn-cs"/>
+              </a:rPr>
+              <a:t>在本游戏中，两名玩家将同时扮演“赏金猎人”（</a:t>
+            </a:r>
+            <a:r>
+              <a:rPr kumimoji="0" lang="zh-CN" altLang="en-US" sz="2000" b="0" i="0" u="none" strike="noStrike" kern="1200" cap="none" spc="0" normalizeH="0" baseline="0" noProof="0" dirty="0">
+                <a:ln>
+                  <a:noFill/>
+                </a:ln>
+                <a:solidFill>
+                  <a:srgbClr val="FF0000"/>
+                </a:solidFill>
+                <a:effectLst/>
+                <a:uLnTx/>
+                <a:uFillTx/>
+                <a:latin typeface="黑体" panose="02010609060101010101" pitchFamily="49" charset="-122"/>
+                <a:ea typeface="黑体" panose="02010609060101010101" pitchFamily="49" charset="-122"/>
+                <a:cs typeface="+mn-cs"/>
+              </a:rPr>
+              <a:t>玩家</a:t>
+            </a:r>
+            <a:r>
+              <a:rPr kumimoji="0" lang="en-US" altLang="zh-CN" sz="2000" b="0" i="0" u="none" strike="noStrike" kern="1200" cap="none" spc="0" normalizeH="0" baseline="0" noProof="0" dirty="0">
+                <a:ln>
+                  <a:noFill/>
+                </a:ln>
+                <a:solidFill>
+                  <a:srgbClr val="FF0000"/>
+                </a:solidFill>
+                <a:effectLst/>
+                <a:uLnTx/>
+                <a:uFillTx/>
+                <a:latin typeface="黑体" panose="02010609060101010101" pitchFamily="49" charset="-122"/>
+                <a:ea typeface="黑体" panose="02010609060101010101" pitchFamily="49" charset="-122"/>
+                <a:cs typeface="+mn-cs"/>
+              </a:rPr>
+              <a:t>1</a:t>
+            </a:r>
+            <a:r>
+              <a:rPr kumimoji="0" lang="zh-CN" altLang="en-US" sz="2000" b="0" i="0" u="none" strike="noStrike" kern="1200" cap="none" spc="0" normalizeH="0" baseline="0" noProof="0" dirty="0">
+                <a:ln>
+                  <a:noFill/>
+                </a:ln>
+                <a:solidFill>
+                  <a:srgbClr val="FF0000"/>
+                </a:solidFill>
+                <a:effectLst/>
+                <a:uLnTx/>
+                <a:uFillTx/>
+                <a:latin typeface="黑体" panose="02010609060101010101" pitchFamily="49" charset="-122"/>
+                <a:ea typeface="黑体" panose="02010609060101010101" pitchFamily="49" charset="-122"/>
+                <a:cs typeface="+mn-cs"/>
+              </a:rPr>
+              <a:t>：红色小球</a:t>
+            </a:r>
+            <a:r>
+              <a:rPr kumimoji="0" lang="zh-CN" altLang="en-US" sz="2000" b="0" i="0" u="none" strike="noStrike" kern="1200" cap="none" spc="0" normalizeH="0" baseline="0" noProof="0" dirty="0">
+                <a:ln>
+                  <a:noFill/>
+                </a:ln>
+                <a:solidFill>
+                  <a:prstClr val="white">
+                    <a:lumMod val="95000"/>
+                  </a:prstClr>
+                </a:solidFill>
+                <a:effectLst/>
+                <a:uLnTx/>
+                <a:uFillTx/>
+                <a:latin typeface="黑体" panose="02010609060101010101" pitchFamily="49" charset="-122"/>
+                <a:ea typeface="黑体" panose="02010609060101010101" pitchFamily="49" charset="-122"/>
+                <a:cs typeface="+mn-cs"/>
+              </a:rPr>
+              <a:t>，</a:t>
+            </a:r>
+            <a:r>
+              <a:rPr kumimoji="0" lang="zh-CN" altLang="en-US" sz="2000" b="0" i="0" u="none" strike="noStrike" kern="1200" cap="none" spc="0" normalizeH="0" baseline="0" noProof="0" dirty="0">
+                <a:ln>
+                  <a:noFill/>
+                </a:ln>
+                <a:solidFill>
+                  <a:srgbClr val="0000FF"/>
+                </a:solidFill>
+                <a:effectLst/>
+                <a:uLnTx/>
+                <a:uFillTx/>
+                <a:latin typeface="黑体" panose="02010609060101010101" pitchFamily="49" charset="-122"/>
+                <a:ea typeface="黑体" panose="02010609060101010101" pitchFamily="49" charset="-122"/>
+                <a:cs typeface="+mn-cs"/>
+              </a:rPr>
+              <a:t>玩家</a:t>
+            </a:r>
+            <a:r>
+              <a:rPr kumimoji="0" lang="en-US" altLang="zh-CN" sz="2000" b="0" i="0" u="none" strike="noStrike" kern="1200" cap="none" spc="0" normalizeH="0" baseline="0" noProof="0" dirty="0">
+                <a:ln>
+                  <a:noFill/>
+                </a:ln>
+                <a:solidFill>
+                  <a:srgbClr val="0000FF"/>
+                </a:solidFill>
+                <a:effectLst/>
+                <a:uLnTx/>
+                <a:uFillTx/>
+                <a:latin typeface="黑体" panose="02010609060101010101" pitchFamily="49" charset="-122"/>
+                <a:ea typeface="黑体" panose="02010609060101010101" pitchFamily="49" charset="-122"/>
+                <a:cs typeface="+mn-cs"/>
+              </a:rPr>
+              <a:t>2</a:t>
+            </a:r>
+            <a:r>
+              <a:rPr kumimoji="0" lang="zh-CN" altLang="en-US" sz="2000" b="0" i="0" u="none" strike="noStrike" kern="1200" cap="none" spc="0" normalizeH="0" baseline="0" noProof="0" dirty="0">
+                <a:ln>
+                  <a:noFill/>
+                </a:ln>
+                <a:solidFill>
+                  <a:srgbClr val="0000FF"/>
+                </a:solidFill>
+                <a:effectLst/>
+                <a:uLnTx/>
+                <a:uFillTx/>
+                <a:latin typeface="黑体" panose="02010609060101010101" pitchFamily="49" charset="-122"/>
+                <a:ea typeface="黑体" panose="02010609060101010101" pitchFamily="49" charset="-122"/>
+                <a:cs typeface="+mn-cs"/>
+              </a:rPr>
+              <a:t>：蓝色小球</a:t>
+            </a:r>
+            <a:r>
+              <a:rPr kumimoji="0" lang="zh-CN" altLang="en-US" sz="2000" b="0" i="0" u="none" strike="noStrike" kern="1200" cap="none" spc="0" normalizeH="0" baseline="0" noProof="0" dirty="0">
+                <a:ln>
+                  <a:noFill/>
+                </a:ln>
+                <a:solidFill>
+                  <a:prstClr val="white">
+                    <a:lumMod val="95000"/>
+                  </a:prstClr>
+                </a:solidFill>
+                <a:effectLst/>
+                <a:uLnTx/>
+                <a:uFillTx/>
+                <a:latin typeface="黑体" panose="02010609060101010101" pitchFamily="49" charset="-122"/>
+                <a:ea typeface="黑体" panose="02010609060101010101" pitchFamily="49" charset="-122"/>
+                <a:cs typeface="+mn-cs"/>
+              </a:rPr>
+              <a:t>，</a:t>
+            </a:r>
+            <a:r>
+              <a:rPr kumimoji="0" lang="zh-CN" altLang="en-US" sz="2000" b="0" i="0" u="none" strike="noStrike" kern="1200" cap="none" spc="0" normalizeH="0" baseline="0" noProof="0" dirty="0">
+                <a:ln>
+                  <a:noFill/>
+                </a:ln>
+                <a:solidFill>
+                  <a:schemeClr val="accent6">
+                    <a:lumMod val="75000"/>
+                  </a:schemeClr>
+                </a:solidFill>
+                <a:effectLst/>
+                <a:uLnTx/>
+                <a:uFillTx/>
+                <a:latin typeface="黑体" panose="02010609060101010101" pitchFamily="49" charset="-122"/>
+                <a:ea typeface="黑体" panose="02010609060101010101" pitchFamily="49" charset="-122"/>
+                <a:cs typeface="+mn-cs"/>
+              </a:rPr>
+              <a:t>玩家</a:t>
+            </a:r>
+            <a:r>
+              <a:rPr kumimoji="0" lang="en-US" altLang="zh-CN" sz="2000" b="0" i="0" u="none" strike="noStrike" kern="1200" cap="none" spc="0" normalizeH="0" baseline="0" noProof="0" dirty="0">
+                <a:ln>
+                  <a:noFill/>
+                </a:ln>
+                <a:solidFill>
+                  <a:schemeClr val="accent6">
+                    <a:lumMod val="75000"/>
+                  </a:schemeClr>
+                </a:solidFill>
+                <a:effectLst/>
+                <a:uLnTx/>
+                <a:uFillTx/>
+                <a:latin typeface="黑体" panose="02010609060101010101" pitchFamily="49" charset="-122"/>
+                <a:ea typeface="黑体" panose="02010609060101010101" pitchFamily="49" charset="-122"/>
+                <a:cs typeface="+mn-cs"/>
+              </a:rPr>
+              <a:t>3</a:t>
+            </a:r>
+            <a:r>
+              <a:rPr kumimoji="0" lang="zh-CN" altLang="en-US" sz="2000" b="0" i="0" u="none" strike="noStrike" kern="1200" cap="none" spc="0" normalizeH="0" baseline="0" noProof="0" dirty="0">
+                <a:ln>
+                  <a:noFill/>
+                </a:ln>
+                <a:solidFill>
+                  <a:schemeClr val="accent6">
+                    <a:lumMod val="75000"/>
+                  </a:schemeClr>
+                </a:solidFill>
+                <a:effectLst/>
+                <a:uLnTx/>
+                <a:uFillTx/>
+                <a:latin typeface="黑体" panose="02010609060101010101" pitchFamily="49" charset="-122"/>
+                <a:ea typeface="黑体" panose="02010609060101010101" pitchFamily="49" charset="-122"/>
+                <a:cs typeface="+mn-cs"/>
+              </a:rPr>
+              <a:t>：绿色小球</a:t>
+            </a:r>
+            <a:r>
+              <a:rPr kumimoji="0" lang="zh-CN" altLang="en-US" sz="2000" b="0" i="0" u="none" strike="noStrike" kern="1200" cap="none" spc="0" normalizeH="0" baseline="0" noProof="0" dirty="0">
+                <a:ln>
+                  <a:noFill/>
+                </a:ln>
+                <a:solidFill>
+                  <a:prstClr val="white">
+                    <a:lumMod val="95000"/>
+                  </a:prstClr>
+                </a:solidFill>
+                <a:effectLst/>
+                <a:uLnTx/>
+                <a:uFillTx/>
+                <a:latin typeface="黑体" panose="02010609060101010101" pitchFamily="49" charset="-122"/>
+                <a:ea typeface="黑体" panose="02010609060101010101" pitchFamily="49" charset="-122"/>
+                <a:cs typeface="+mn-cs"/>
+              </a:rPr>
+              <a:t>），你们的任务是</a:t>
+            </a:r>
+            <a:r>
+              <a:rPr kumimoji="0" lang="zh-CN" altLang="en-US" sz="2000" b="1" i="0" u="none" strike="noStrike" kern="1200" cap="none" spc="0" normalizeH="0" baseline="0" noProof="0" dirty="0">
+                <a:ln>
+                  <a:noFill/>
+                </a:ln>
+                <a:solidFill>
+                  <a:srgbClr val="92D050"/>
+                </a:solidFill>
+                <a:effectLst>
+                  <a:outerShdw blurRad="38100" dist="38100" dir="2700000" algn="tl">
+                    <a:srgbClr val="000000">
+                      <a:alpha val="43137"/>
+                    </a:srgbClr>
+                  </a:outerShdw>
+                </a:effectLst>
+                <a:uLnTx/>
+                <a:uFillTx/>
+                <a:latin typeface="黑体" panose="02010609060101010101" pitchFamily="49" charset="-122"/>
+                <a:ea typeface="黑体" panose="02010609060101010101" pitchFamily="49" charset="-122"/>
+                <a:cs typeface="+mn-cs"/>
+              </a:rPr>
+              <a:t>尽可能多</a:t>
+            </a:r>
+            <a:r>
+              <a:rPr kumimoji="0" lang="zh-CN" altLang="en-US" sz="2000" b="0" i="0" u="none" strike="noStrike" kern="1200" cap="none" spc="0" normalizeH="0" baseline="0" noProof="0" dirty="0">
+                <a:ln>
+                  <a:noFill/>
+                </a:ln>
+                <a:solidFill>
+                  <a:prstClr val="white">
+                    <a:lumMod val="95000"/>
+                  </a:prstClr>
+                </a:solidFill>
+                <a:effectLst>
+                  <a:outerShdw blurRad="38100" dist="38100" dir="2700000" algn="tl">
+                    <a:srgbClr val="000000">
+                      <a:alpha val="43137"/>
+                    </a:srgbClr>
+                  </a:outerShdw>
+                </a:effectLst>
+                <a:uLnTx/>
+                <a:uFillTx/>
+                <a:latin typeface="黑体" panose="02010609060101010101" pitchFamily="49" charset="-122"/>
+                <a:ea typeface="黑体" panose="02010609060101010101" pitchFamily="49" charset="-122"/>
+                <a:cs typeface="+mn-cs"/>
+              </a:rPr>
+              <a:t>地在规定时间内</a:t>
+            </a:r>
+            <a:r>
+              <a:rPr kumimoji="0" lang="zh-CN" altLang="en-US" sz="2000" b="0" i="0" u="none" strike="noStrike" kern="1200" cap="none" spc="0" normalizeH="0" baseline="0" noProof="0" dirty="0">
+                <a:ln>
+                  <a:noFill/>
+                </a:ln>
+                <a:solidFill>
+                  <a:prstClr val="white">
+                    <a:lumMod val="95000"/>
+                  </a:prstClr>
+                </a:solidFill>
+                <a:effectLst/>
+                <a:uLnTx/>
+                <a:uFillTx/>
+                <a:latin typeface="黑体" panose="02010609060101010101" pitchFamily="49" charset="-122"/>
+                <a:ea typeface="黑体" panose="02010609060101010101" pitchFamily="49" charset="-122"/>
+                <a:cs typeface="+mn-cs"/>
+              </a:rPr>
+              <a:t>抓住屏幕中逃跑的“小偷”（</a:t>
+            </a:r>
+            <a:r>
+              <a:rPr kumimoji="0" lang="zh-CN" altLang="en-US" sz="2000" b="0" i="0" u="none" strike="noStrike" kern="1200" cap="none" spc="0" normalizeH="0" baseline="0" noProof="0" dirty="0">
+                <a:ln>
+                  <a:noFill/>
+                </a:ln>
+                <a:solidFill>
+                  <a:srgbClr val="FFA500"/>
+                </a:solidFill>
+                <a:effectLst/>
+                <a:uLnTx/>
+                <a:uFillTx/>
+                <a:latin typeface="黑体" panose="02010609060101010101" pitchFamily="49" charset="-122"/>
+                <a:ea typeface="黑体" panose="02010609060101010101" pitchFamily="49" charset="-122"/>
+                <a:cs typeface="+mn-cs"/>
+              </a:rPr>
+              <a:t>黄色小球</a:t>
+            </a:r>
+            <a:r>
+              <a:rPr kumimoji="0" lang="zh-CN" altLang="en-US" sz="2000" b="0" i="0" u="none" strike="noStrike" kern="1200" cap="none" spc="0" normalizeH="0" baseline="0" noProof="0" dirty="0">
+                <a:ln>
+                  <a:noFill/>
+                </a:ln>
+                <a:solidFill>
+                  <a:prstClr val="white">
+                    <a:lumMod val="95000"/>
+                  </a:prstClr>
+                </a:solidFill>
+                <a:effectLst/>
+                <a:uLnTx/>
+                <a:uFillTx/>
+                <a:latin typeface="黑体" panose="02010609060101010101" pitchFamily="49" charset="-122"/>
+                <a:ea typeface="黑体" panose="02010609060101010101" pitchFamily="49" charset="-122"/>
+                <a:cs typeface="+mn-cs"/>
+              </a:rPr>
+              <a:t>）。</a:t>
+            </a:r>
+            <a:endParaRPr kumimoji="0" lang="en-US" altLang="zh-CN" sz="2000" b="0" i="0" u="none" strike="noStrike" kern="1200" cap="none" spc="0" normalizeH="0" baseline="0" noProof="0" dirty="0">
+              <a:ln>
+                <a:noFill/>
+              </a:ln>
+              <a:solidFill>
+                <a:prstClr val="white">
+                  <a:lumMod val="95000"/>
+                </a:prstClr>
+              </a:solidFill>
+              <a:effectLst/>
+              <a:uLnTx/>
+              <a:uFillTx/>
+              <a:latin typeface="黑体" panose="02010609060101010101" pitchFamily="49" charset="-122"/>
+              <a:ea typeface="黑体" panose="02010609060101010101" pitchFamily="49" charset="-122"/>
+              <a:cs typeface="+mn-cs"/>
+            </a:endParaRPr>
+          </a:p>
+        </p:txBody>
+      </p:sp>
+      <p:grpSp>
+        <p:nvGrpSpPr>
+          <p:cNvPr id="38" name="组合 37">
+            <a:extLst>
+              <a:ext uri="{FF2B5EF4-FFF2-40B4-BE49-F238E27FC236}">
+                <a16:creationId xmlns:a16="http://schemas.microsoft.com/office/drawing/2014/main" id="{16DA0D35-F9ED-43F4-A24F-4625BF4DBD34}"/>
+              </a:ext>
+            </a:extLst>
+          </p:cNvPr>
+          <p:cNvGrpSpPr/>
+          <p:nvPr/>
+        </p:nvGrpSpPr>
+        <p:grpSpPr>
+          <a:xfrm>
+            <a:off x="3546376" y="1819485"/>
+            <a:ext cx="4768912" cy="4772160"/>
+            <a:chOff x="3750055" y="1650006"/>
+            <a:chExt cx="5040000" cy="5043433"/>
+          </a:xfrm>
+        </p:grpSpPr>
+        <p:sp>
+          <p:nvSpPr>
+            <p:cNvPr id="36" name="矩形 35">
+              <a:extLst>
+                <a:ext uri="{FF2B5EF4-FFF2-40B4-BE49-F238E27FC236}">
+                  <a16:creationId xmlns:a16="http://schemas.microsoft.com/office/drawing/2014/main" id="{53C8A41C-5F42-48BD-97FB-9908A02038F8}"/>
+                </a:ext>
+              </a:extLst>
+            </p:cNvPr>
+            <p:cNvSpPr/>
+            <p:nvPr/>
+          </p:nvSpPr>
+          <p:spPr>
+            <a:xfrm>
+              <a:off x="3750055" y="1653439"/>
+              <a:ext cx="5040000" cy="5040000"/>
+            </a:xfrm>
+            <a:prstGeom prst="rect">
+              <a:avLst/>
+            </a:prstGeom>
+            <a:solidFill>
+              <a:schemeClr val="tx1"/>
+            </a:solidFill>
+            <a:ln>
+              <a:noFill/>
+            </a:ln>
+          </p:spPr>
+          <p:style>
+            <a:lnRef idx="2">
+              <a:schemeClr val="accent3">
+                <a:shade val="50000"/>
+              </a:schemeClr>
+            </a:lnRef>
+            <a:fillRef idx="1">
+              <a:schemeClr val="accent3"/>
+            </a:fillRef>
+            <a:effectRef idx="0">
+              <a:schemeClr val="accent3"/>
+            </a:effectRef>
+            <a:fontRef idx="minor">
+              <a:schemeClr val="lt1"/>
+            </a:fontRef>
+          </p:style>
+          <p:txBody>
+            <a:bodyPr rtlCol="0" anchor="ctr"/>
+            <a:lstStyle/>
+            <a:p>
+              <a:pPr marL="0" marR="0" lvl="0" indent="0" algn="ctr" defTabSz="914400" rtl="0" eaLnBrk="1" fontAlgn="auto" latinLnBrk="0" hangingPunct="1">
+                <a:lnSpc>
+                  <a:spcPct val="100000"/>
+                </a:lnSpc>
+                <a:spcBef>
+                  <a:spcPts val="0"/>
+                </a:spcBef>
+                <a:spcAft>
+                  <a:spcPts val="0"/>
+                </a:spcAft>
+                <a:buClrTx/>
+                <a:buSzTx/>
+                <a:buFontTx/>
+                <a:buNone/>
+                <a:tabLst/>
+                <a:defRPr/>
+              </a:pPr>
+              <a:endParaRPr kumimoji="0" lang="zh-CN" altLang="en-US" sz="1800" b="0" i="0" u="none" strike="noStrike" kern="1200" cap="none" spc="0" normalizeH="0" baseline="0" noProof="0" dirty="0">
+                <a:ln>
+                  <a:noFill/>
+                </a:ln>
+                <a:solidFill>
+                  <a:prstClr val="white"/>
+                </a:solidFill>
+                <a:effectLst/>
+                <a:uLnTx/>
+                <a:uFillTx/>
+                <a:latin typeface="等线" panose="020F0502020204030204"/>
+                <a:ea typeface="等线" panose="02010600030101010101" pitchFamily="2" charset="-122"/>
+                <a:cs typeface="+mn-cs"/>
+              </a:endParaRPr>
+            </a:p>
+          </p:txBody>
+        </p:sp>
+        <p:grpSp>
+          <p:nvGrpSpPr>
+            <p:cNvPr id="29" name="组合 28">
+              <a:extLst>
+                <a:ext uri="{FF2B5EF4-FFF2-40B4-BE49-F238E27FC236}">
+                  <a16:creationId xmlns:a16="http://schemas.microsoft.com/office/drawing/2014/main" id="{6A1A71DB-CCFF-46C0-876C-31A54E1E0EB5}"/>
+                </a:ext>
+              </a:extLst>
+            </p:cNvPr>
+            <p:cNvGrpSpPr/>
+            <p:nvPr/>
+          </p:nvGrpSpPr>
+          <p:grpSpPr>
+            <a:xfrm>
+              <a:off x="4153490" y="2056874"/>
+              <a:ext cx="4233130" cy="4233131"/>
+              <a:chOff x="3533447" y="1779270"/>
+              <a:chExt cx="3291401" cy="3318711"/>
+            </a:xfrm>
+          </p:grpSpPr>
+          <p:sp>
+            <p:nvSpPr>
+              <p:cNvPr id="5" name="矩形 4">
+                <a:extLst>
+                  <a:ext uri="{FF2B5EF4-FFF2-40B4-BE49-F238E27FC236}">
+                    <a16:creationId xmlns:a16="http://schemas.microsoft.com/office/drawing/2014/main" id="{0B043D4D-433E-4948-8A1D-948858D8CF9C}"/>
+                  </a:ext>
+                </a:extLst>
+              </p:cNvPr>
+              <p:cNvSpPr/>
+              <p:nvPr/>
+            </p:nvSpPr>
+            <p:spPr>
+              <a:xfrm>
+                <a:off x="3533447" y="1779270"/>
+                <a:ext cx="3291401" cy="3318711"/>
+              </a:xfrm>
+              <a:prstGeom prst="rect">
+                <a:avLst/>
+              </a:prstGeom>
+              <a:ln>
+                <a:noFill/>
+              </a:ln>
+            </p:spPr>
+            <p:style>
+              <a:lnRef idx="2">
+                <a:schemeClr val="accent3">
+                  <a:shade val="50000"/>
+                </a:schemeClr>
+              </a:lnRef>
+              <a:fillRef idx="1">
+                <a:schemeClr val="accent3"/>
+              </a:fillRef>
+              <a:effectRef idx="0">
+                <a:schemeClr val="accent3"/>
+              </a:effectRef>
+              <a:fontRef idx="minor">
+                <a:schemeClr val="lt1"/>
+              </a:fontRef>
+            </p:style>
+            <p:txBody>
+              <a:bodyPr rtlCol="0" anchor="ctr"/>
+              <a:lstStyle/>
+              <a:p>
+                <a:pPr marL="0" marR="0" lvl="0" indent="0" algn="ctr" defTabSz="914400" rtl="0" eaLnBrk="1" fontAlgn="auto" latinLnBrk="0" hangingPunct="1">
+                  <a:lnSpc>
+                    <a:spcPct val="100000"/>
+                  </a:lnSpc>
+                  <a:spcBef>
+                    <a:spcPts val="0"/>
+                  </a:spcBef>
+                  <a:spcAft>
+                    <a:spcPts val="0"/>
+                  </a:spcAft>
+                  <a:buClrTx/>
+                  <a:buSzTx/>
+                  <a:buFontTx/>
+                  <a:buNone/>
+                  <a:tabLst/>
+                  <a:defRPr/>
+                </a:pPr>
+                <a:endParaRPr kumimoji="0" lang="zh-CN" altLang="en-US" sz="1800" b="0" i="0" u="none" strike="noStrike" kern="1200" cap="none" spc="0" normalizeH="0" baseline="0" noProof="0" dirty="0">
+                  <a:ln>
+                    <a:noFill/>
+                  </a:ln>
+                  <a:solidFill>
+                    <a:prstClr val="white"/>
+                  </a:solidFill>
+                  <a:effectLst/>
+                  <a:uLnTx/>
+                  <a:uFillTx/>
+                  <a:latin typeface="等线" panose="020F0502020204030204"/>
+                  <a:ea typeface="等线" panose="02010600030101010101" pitchFamily="2" charset="-122"/>
+                  <a:cs typeface="+mn-cs"/>
+                </a:endParaRPr>
+              </a:p>
+            </p:txBody>
+          </p:sp>
+          <p:sp>
+            <p:nvSpPr>
+              <p:cNvPr id="6" name="椭圆 5">
+                <a:extLst>
+                  <a:ext uri="{FF2B5EF4-FFF2-40B4-BE49-F238E27FC236}">
+                    <a16:creationId xmlns:a16="http://schemas.microsoft.com/office/drawing/2014/main" id="{66086F7F-60B8-4A83-97AB-FA74605F968A}"/>
+                  </a:ext>
+                </a:extLst>
+              </p:cNvPr>
+              <p:cNvSpPr/>
+              <p:nvPr/>
+            </p:nvSpPr>
+            <p:spPr>
+              <a:xfrm>
+                <a:off x="3898231" y="2569945"/>
+                <a:ext cx="173256" cy="173256"/>
+              </a:xfrm>
+              <a:prstGeom prst="ellipse">
+                <a:avLst/>
+              </a:prstGeom>
+              <a:solidFill>
+                <a:srgbClr val="FFA500"/>
+              </a:solidFill>
+              <a:ln>
+                <a:solidFill>
+                  <a:srgbClr val="FFA500"/>
+                </a:solidFill>
+              </a:ln>
+            </p:spPr>
+            <p:style>
+              <a:lnRef idx="2">
+                <a:schemeClr val="accent2">
+                  <a:shade val="50000"/>
+                </a:schemeClr>
+              </a:lnRef>
+              <a:fillRef idx="1">
+                <a:schemeClr val="accent2"/>
+              </a:fillRef>
+              <a:effectRef idx="0">
+                <a:schemeClr val="accent2"/>
+              </a:effectRef>
+              <a:fontRef idx="minor">
+                <a:schemeClr val="lt1"/>
+              </a:fontRef>
+            </p:style>
+            <p:txBody>
+              <a:bodyPr rtlCol="0" anchor="ctr"/>
+              <a:lstStyle/>
+              <a:p>
+                <a:pPr marL="0" marR="0" lvl="0" indent="0" algn="ctr" defTabSz="914400" rtl="0" eaLnBrk="1" fontAlgn="auto" latinLnBrk="0" hangingPunct="1">
+                  <a:lnSpc>
+                    <a:spcPct val="100000"/>
+                  </a:lnSpc>
+                  <a:spcBef>
+                    <a:spcPts val="0"/>
+                  </a:spcBef>
+                  <a:spcAft>
+                    <a:spcPts val="0"/>
+                  </a:spcAft>
+                  <a:buClrTx/>
+                  <a:buSzTx/>
+                  <a:buFontTx/>
+                  <a:buNone/>
+                  <a:tabLst/>
+                  <a:defRPr/>
+                </a:pPr>
+                <a:endParaRPr kumimoji="0" lang="zh-CN" altLang="en-US" sz="1800" b="0" i="0" u="none" strike="noStrike" kern="1200" cap="none" spc="0" normalizeH="0" baseline="0" noProof="0">
+                  <a:ln>
+                    <a:noFill/>
+                  </a:ln>
+                  <a:solidFill>
+                    <a:prstClr val="white"/>
+                  </a:solidFill>
+                  <a:effectLst/>
+                  <a:uLnTx/>
+                  <a:uFillTx/>
+                  <a:latin typeface="等线" panose="020F0502020204030204"/>
+                  <a:ea typeface="等线" panose="02010600030101010101" pitchFamily="2" charset="-122"/>
+                  <a:cs typeface="+mn-cs"/>
+                </a:endParaRPr>
+              </a:p>
+            </p:txBody>
+          </p:sp>
+          <p:sp>
+            <p:nvSpPr>
+              <p:cNvPr id="7" name="椭圆 6">
+                <a:extLst>
+                  <a:ext uri="{FF2B5EF4-FFF2-40B4-BE49-F238E27FC236}">
+                    <a16:creationId xmlns:a16="http://schemas.microsoft.com/office/drawing/2014/main" id="{DC100545-0C66-42DA-A5CD-3C36ED6E7C8D}"/>
+                  </a:ext>
+                </a:extLst>
+              </p:cNvPr>
+              <p:cNvSpPr/>
+              <p:nvPr/>
+            </p:nvSpPr>
+            <p:spPr>
+              <a:xfrm>
+                <a:off x="6081562" y="3049604"/>
+                <a:ext cx="173256" cy="173256"/>
+              </a:xfrm>
+              <a:prstGeom prst="ellipse">
+                <a:avLst/>
+              </a:prstGeom>
+              <a:solidFill>
+                <a:srgbClr val="FFA500"/>
+              </a:solidFill>
+              <a:ln>
+                <a:solidFill>
+                  <a:srgbClr val="FFA500"/>
+                </a:solidFill>
+              </a:ln>
+            </p:spPr>
+            <p:style>
+              <a:lnRef idx="2">
+                <a:schemeClr val="accent2">
+                  <a:shade val="50000"/>
+                </a:schemeClr>
+              </a:lnRef>
+              <a:fillRef idx="1">
+                <a:schemeClr val="accent2"/>
+              </a:fillRef>
+              <a:effectRef idx="0">
+                <a:schemeClr val="accent2"/>
+              </a:effectRef>
+              <a:fontRef idx="minor">
+                <a:schemeClr val="lt1"/>
+              </a:fontRef>
+            </p:style>
+            <p:txBody>
+              <a:bodyPr rtlCol="0" anchor="ctr"/>
+              <a:lstStyle/>
+              <a:p>
+                <a:pPr marL="0" marR="0" lvl="0" indent="0" algn="ctr" defTabSz="914400" rtl="0" eaLnBrk="1" fontAlgn="auto" latinLnBrk="0" hangingPunct="1">
+                  <a:lnSpc>
+                    <a:spcPct val="100000"/>
+                  </a:lnSpc>
+                  <a:spcBef>
+                    <a:spcPts val="0"/>
+                  </a:spcBef>
+                  <a:spcAft>
+                    <a:spcPts val="0"/>
+                  </a:spcAft>
+                  <a:buClrTx/>
+                  <a:buSzTx/>
+                  <a:buFontTx/>
+                  <a:buNone/>
+                  <a:tabLst/>
+                  <a:defRPr/>
+                </a:pPr>
+                <a:endParaRPr kumimoji="0" lang="zh-CN" altLang="en-US" sz="1800" b="0" i="0" u="none" strike="noStrike" kern="1200" cap="none" spc="0" normalizeH="0" baseline="0" noProof="0">
+                  <a:ln>
+                    <a:noFill/>
+                  </a:ln>
+                  <a:solidFill>
+                    <a:prstClr val="white"/>
+                  </a:solidFill>
+                  <a:effectLst/>
+                  <a:uLnTx/>
+                  <a:uFillTx/>
+                  <a:latin typeface="等线" panose="020F0502020204030204"/>
+                  <a:ea typeface="等线" panose="02010600030101010101" pitchFamily="2" charset="-122"/>
+                  <a:cs typeface="+mn-cs"/>
+                </a:endParaRPr>
+              </a:p>
+            </p:txBody>
+          </p:sp>
+          <p:sp>
+            <p:nvSpPr>
+              <p:cNvPr id="8" name="椭圆 7">
+                <a:extLst>
+                  <a:ext uri="{FF2B5EF4-FFF2-40B4-BE49-F238E27FC236}">
+                    <a16:creationId xmlns:a16="http://schemas.microsoft.com/office/drawing/2014/main" id="{81D5187F-EC26-42A7-BCB8-5CDECA8697D8}"/>
+                  </a:ext>
+                </a:extLst>
+              </p:cNvPr>
+              <p:cNvSpPr/>
+              <p:nvPr/>
+            </p:nvSpPr>
+            <p:spPr>
+              <a:xfrm>
+                <a:off x="4198125" y="3438626"/>
+                <a:ext cx="173256" cy="173256"/>
+              </a:xfrm>
+              <a:prstGeom prst="ellipse">
+                <a:avLst/>
+              </a:prstGeom>
+              <a:solidFill>
+                <a:srgbClr val="FFA500"/>
+              </a:solidFill>
+              <a:ln>
+                <a:solidFill>
+                  <a:srgbClr val="FFA500"/>
+                </a:solidFill>
+              </a:ln>
+            </p:spPr>
+            <p:style>
+              <a:lnRef idx="2">
+                <a:schemeClr val="accent2">
+                  <a:shade val="50000"/>
+                </a:schemeClr>
+              </a:lnRef>
+              <a:fillRef idx="1">
+                <a:schemeClr val="accent2"/>
+              </a:fillRef>
+              <a:effectRef idx="0">
+                <a:schemeClr val="accent2"/>
+              </a:effectRef>
+              <a:fontRef idx="minor">
+                <a:schemeClr val="lt1"/>
+              </a:fontRef>
+            </p:style>
+            <p:txBody>
+              <a:bodyPr rtlCol="0" anchor="ctr"/>
+              <a:lstStyle/>
+              <a:p>
+                <a:pPr marL="0" marR="0" lvl="0" indent="0" algn="ctr" defTabSz="914400" rtl="0" eaLnBrk="1" fontAlgn="auto" latinLnBrk="0" hangingPunct="1">
+                  <a:lnSpc>
+                    <a:spcPct val="100000"/>
+                  </a:lnSpc>
+                  <a:spcBef>
+                    <a:spcPts val="0"/>
+                  </a:spcBef>
+                  <a:spcAft>
+                    <a:spcPts val="0"/>
+                  </a:spcAft>
+                  <a:buClrTx/>
+                  <a:buSzTx/>
+                  <a:buFontTx/>
+                  <a:buNone/>
+                  <a:tabLst/>
+                  <a:defRPr/>
+                </a:pPr>
+                <a:endParaRPr kumimoji="0" lang="zh-CN" altLang="en-US" sz="1800" b="0" i="0" u="none" strike="noStrike" kern="1200" cap="none" spc="0" normalizeH="0" baseline="0" noProof="0">
+                  <a:ln>
+                    <a:noFill/>
+                  </a:ln>
+                  <a:solidFill>
+                    <a:prstClr val="white"/>
+                  </a:solidFill>
+                  <a:effectLst/>
+                  <a:uLnTx/>
+                  <a:uFillTx/>
+                  <a:latin typeface="等线" panose="020F0502020204030204"/>
+                  <a:ea typeface="等线" panose="02010600030101010101" pitchFamily="2" charset="-122"/>
+                  <a:cs typeface="+mn-cs"/>
+                </a:endParaRPr>
+              </a:p>
+            </p:txBody>
+          </p:sp>
+          <p:sp>
+            <p:nvSpPr>
+              <p:cNvPr id="9" name="椭圆 8">
+                <a:extLst>
+                  <a:ext uri="{FF2B5EF4-FFF2-40B4-BE49-F238E27FC236}">
+                    <a16:creationId xmlns:a16="http://schemas.microsoft.com/office/drawing/2014/main" id="{8AB024DF-FD6F-4DEC-A1A6-A76E5D25F6AB}"/>
+                  </a:ext>
+                </a:extLst>
+              </p:cNvPr>
+              <p:cNvSpPr/>
+              <p:nvPr/>
+            </p:nvSpPr>
+            <p:spPr>
+              <a:xfrm>
+                <a:off x="5005891" y="4676273"/>
+                <a:ext cx="173256" cy="173256"/>
+              </a:xfrm>
+              <a:prstGeom prst="ellipse">
+                <a:avLst/>
+              </a:prstGeom>
+              <a:solidFill>
+                <a:srgbClr val="FFA500"/>
+              </a:solidFill>
+              <a:ln>
+                <a:solidFill>
+                  <a:srgbClr val="FFA500"/>
+                </a:solidFill>
+              </a:ln>
+            </p:spPr>
+            <p:style>
+              <a:lnRef idx="2">
+                <a:schemeClr val="accent2">
+                  <a:shade val="50000"/>
+                </a:schemeClr>
+              </a:lnRef>
+              <a:fillRef idx="1">
+                <a:schemeClr val="accent2"/>
+              </a:fillRef>
+              <a:effectRef idx="0">
+                <a:schemeClr val="accent2"/>
+              </a:effectRef>
+              <a:fontRef idx="minor">
+                <a:schemeClr val="lt1"/>
+              </a:fontRef>
+            </p:style>
+            <p:txBody>
+              <a:bodyPr rtlCol="0" anchor="ctr"/>
+              <a:lstStyle/>
+              <a:p>
+                <a:pPr marL="0" marR="0" lvl="0" indent="0" algn="ctr" defTabSz="914400" rtl="0" eaLnBrk="1" fontAlgn="auto" latinLnBrk="0" hangingPunct="1">
+                  <a:lnSpc>
+                    <a:spcPct val="100000"/>
+                  </a:lnSpc>
+                  <a:spcBef>
+                    <a:spcPts val="0"/>
+                  </a:spcBef>
+                  <a:spcAft>
+                    <a:spcPts val="0"/>
+                  </a:spcAft>
+                  <a:buClrTx/>
+                  <a:buSzTx/>
+                  <a:buFontTx/>
+                  <a:buNone/>
+                  <a:tabLst/>
+                  <a:defRPr/>
+                </a:pPr>
+                <a:endParaRPr kumimoji="0" lang="zh-CN" altLang="en-US" sz="1800" b="0" i="0" u="none" strike="noStrike" kern="1200" cap="none" spc="0" normalizeH="0" baseline="0" noProof="0">
+                  <a:ln>
+                    <a:noFill/>
+                  </a:ln>
+                  <a:solidFill>
+                    <a:prstClr val="white"/>
+                  </a:solidFill>
+                  <a:effectLst/>
+                  <a:uLnTx/>
+                  <a:uFillTx/>
+                  <a:latin typeface="等线" panose="020F0502020204030204"/>
+                  <a:ea typeface="等线" panose="02010600030101010101" pitchFamily="2" charset="-122"/>
+                  <a:cs typeface="+mn-cs"/>
+                </a:endParaRPr>
+              </a:p>
+            </p:txBody>
+          </p:sp>
+          <p:sp>
+            <p:nvSpPr>
+              <p:cNvPr id="10" name="椭圆 9">
+                <a:extLst>
+                  <a:ext uri="{FF2B5EF4-FFF2-40B4-BE49-F238E27FC236}">
+                    <a16:creationId xmlns:a16="http://schemas.microsoft.com/office/drawing/2014/main" id="{85281FF0-F85C-498D-AA10-9F8265AB568F}"/>
+                  </a:ext>
+                </a:extLst>
+              </p:cNvPr>
+              <p:cNvSpPr/>
+              <p:nvPr/>
+            </p:nvSpPr>
+            <p:spPr>
+              <a:xfrm>
+                <a:off x="5134040" y="3525254"/>
+                <a:ext cx="173256" cy="173256"/>
+              </a:xfrm>
+              <a:prstGeom prst="ellipse">
+                <a:avLst/>
+              </a:prstGeom>
+              <a:solidFill>
+                <a:srgbClr val="C00000"/>
+              </a:solidFill>
+              <a:ln>
+                <a:solidFill>
+                  <a:srgbClr val="C00000"/>
+                </a:solidFill>
+              </a:ln>
+            </p:spPr>
+            <p:style>
+              <a:lnRef idx="2">
+                <a:schemeClr val="accent1">
+                  <a:shade val="50000"/>
+                </a:schemeClr>
+              </a:lnRef>
+              <a:fillRef idx="1">
+                <a:schemeClr val="accent1"/>
+              </a:fillRef>
+              <a:effectRef idx="0">
+                <a:schemeClr val="accent1"/>
+              </a:effectRef>
+              <a:fontRef idx="minor">
+                <a:schemeClr val="lt1"/>
+              </a:fontRef>
+            </p:style>
+            <p:txBody>
+              <a:bodyPr rtlCol="0" anchor="ctr"/>
+              <a:lstStyle/>
+              <a:p>
+                <a:pPr marL="0" marR="0" lvl="0" indent="0" algn="ctr" defTabSz="914400" rtl="0" eaLnBrk="1" fontAlgn="auto" latinLnBrk="0" hangingPunct="1">
+                  <a:lnSpc>
+                    <a:spcPct val="100000"/>
+                  </a:lnSpc>
+                  <a:spcBef>
+                    <a:spcPts val="0"/>
+                  </a:spcBef>
+                  <a:spcAft>
+                    <a:spcPts val="0"/>
+                  </a:spcAft>
+                  <a:buClrTx/>
+                  <a:buSzTx/>
+                  <a:buFontTx/>
+                  <a:buNone/>
+                  <a:tabLst/>
+                  <a:defRPr/>
+                </a:pPr>
+                <a:endParaRPr kumimoji="0" lang="zh-CN" altLang="en-US" sz="1800" b="0" i="0" u="none" strike="noStrike" kern="1200" cap="none" spc="0" normalizeH="0" baseline="0" noProof="0" dirty="0">
+                  <a:ln>
+                    <a:noFill/>
+                  </a:ln>
+                  <a:solidFill>
+                    <a:srgbClr val="C00000"/>
+                  </a:solidFill>
+                  <a:effectLst/>
+                  <a:uLnTx/>
+                  <a:uFillTx/>
+                  <a:latin typeface="等线" panose="020F0502020204030204"/>
+                  <a:ea typeface="等线" panose="02010600030101010101" pitchFamily="2" charset="-122"/>
+                  <a:cs typeface="+mn-cs"/>
+                </a:endParaRPr>
+              </a:p>
+            </p:txBody>
+          </p:sp>
+          <p:sp>
+            <p:nvSpPr>
+              <p:cNvPr id="11" name="椭圆 10">
+                <a:extLst>
+                  <a:ext uri="{FF2B5EF4-FFF2-40B4-BE49-F238E27FC236}">
+                    <a16:creationId xmlns:a16="http://schemas.microsoft.com/office/drawing/2014/main" id="{80A792D0-7DC2-4A65-AE32-FF35A391FB25}"/>
+                  </a:ext>
+                </a:extLst>
+              </p:cNvPr>
+              <p:cNvSpPr/>
+              <p:nvPr/>
+            </p:nvSpPr>
+            <p:spPr>
+              <a:xfrm>
+                <a:off x="5975684" y="3792354"/>
+                <a:ext cx="173256" cy="173256"/>
+              </a:xfrm>
+              <a:prstGeom prst="ellipse">
+                <a:avLst/>
+              </a:prstGeom>
+              <a:solidFill>
+                <a:srgbClr val="0000CD"/>
+              </a:solidFill>
+              <a:ln>
+                <a:solidFill>
+                  <a:srgbClr val="0000CD"/>
+                </a:solidFill>
+              </a:ln>
+            </p:spPr>
+            <p:style>
+              <a:lnRef idx="2">
+                <a:schemeClr val="accent4">
+                  <a:shade val="50000"/>
+                </a:schemeClr>
+              </a:lnRef>
+              <a:fillRef idx="1">
+                <a:schemeClr val="accent4"/>
+              </a:fillRef>
+              <a:effectRef idx="0">
+                <a:schemeClr val="accent4"/>
+              </a:effectRef>
+              <a:fontRef idx="minor">
+                <a:schemeClr val="lt1"/>
+              </a:fontRef>
+            </p:style>
+            <p:txBody>
+              <a:bodyPr rtlCol="0" anchor="ctr"/>
+              <a:lstStyle/>
+              <a:p>
+                <a:pPr marL="0" marR="0" lvl="0" indent="0" algn="ctr" defTabSz="914400" rtl="0" eaLnBrk="1" fontAlgn="auto" latinLnBrk="0" hangingPunct="1">
+                  <a:lnSpc>
+                    <a:spcPct val="100000"/>
+                  </a:lnSpc>
+                  <a:spcBef>
+                    <a:spcPts val="0"/>
+                  </a:spcBef>
+                  <a:spcAft>
+                    <a:spcPts val="0"/>
+                  </a:spcAft>
+                  <a:buClrTx/>
+                  <a:buSzTx/>
+                  <a:buFontTx/>
+                  <a:buNone/>
+                  <a:tabLst/>
+                  <a:defRPr/>
+                </a:pPr>
+                <a:endParaRPr kumimoji="0" lang="zh-CN" altLang="en-US" sz="1800" b="0" i="0" u="none" strike="noStrike" kern="1200" cap="none" spc="0" normalizeH="0" baseline="0" noProof="0">
+                  <a:ln>
+                    <a:noFill/>
+                  </a:ln>
+                  <a:solidFill>
+                    <a:prstClr val="white"/>
+                  </a:solidFill>
+                  <a:effectLst/>
+                  <a:uLnTx/>
+                  <a:uFillTx/>
+                  <a:latin typeface="等线" panose="020F0502020204030204"/>
+                  <a:ea typeface="等线" panose="02010600030101010101" pitchFamily="2" charset="-122"/>
+                  <a:cs typeface="+mn-cs"/>
+                </a:endParaRPr>
+              </a:p>
+            </p:txBody>
+          </p:sp>
+        </p:grpSp>
+        <p:cxnSp>
+          <p:nvCxnSpPr>
+            <p:cNvPr id="17" name="连接符: 曲线 16">
+              <a:extLst>
+                <a:ext uri="{FF2B5EF4-FFF2-40B4-BE49-F238E27FC236}">
+                  <a16:creationId xmlns:a16="http://schemas.microsoft.com/office/drawing/2014/main" id="{1BA0408C-C56D-4BA3-8343-CCB94E0EE64C}"/>
+                </a:ext>
+              </a:extLst>
+            </p:cNvPr>
+            <p:cNvCxnSpPr>
+              <a:cxnSpLocks/>
+              <a:stCxn id="7" idx="7"/>
+            </p:cNvCxnSpPr>
+            <p:nvPr/>
+          </p:nvCxnSpPr>
+          <p:spPr>
+            <a:xfrm rot="5400000" flipH="1" flipV="1">
+              <a:off x="7770754" y="3189024"/>
+              <a:ext cx="370679" cy="670460"/>
+            </a:xfrm>
+            <a:prstGeom prst="curvedConnector2">
+              <a:avLst/>
+            </a:prstGeom>
+            <a:ln>
+              <a:tailEnd type="triangle"/>
+            </a:ln>
+          </p:spPr>
+          <p:style>
+            <a:lnRef idx="1">
+              <a:schemeClr val="accent2"/>
+            </a:lnRef>
+            <a:fillRef idx="0">
+              <a:schemeClr val="accent2"/>
+            </a:fillRef>
+            <a:effectRef idx="0">
+              <a:schemeClr val="accent2"/>
+            </a:effectRef>
+            <a:fontRef idx="minor">
+              <a:schemeClr val="tx1"/>
+            </a:fontRef>
+          </p:style>
+        </p:cxnSp>
+        <p:cxnSp>
+          <p:nvCxnSpPr>
+            <p:cNvPr id="21" name="连接符: 曲线 20">
+              <a:extLst>
+                <a:ext uri="{FF2B5EF4-FFF2-40B4-BE49-F238E27FC236}">
+                  <a16:creationId xmlns:a16="http://schemas.microsoft.com/office/drawing/2014/main" id="{61449E04-70B9-4021-8B8D-F2C8170F9C67}"/>
+                </a:ext>
+              </a:extLst>
+            </p:cNvPr>
+            <p:cNvCxnSpPr>
+              <a:cxnSpLocks/>
+              <a:stCxn id="6" idx="1"/>
+            </p:cNvCxnSpPr>
+            <p:nvPr/>
+          </p:nvCxnSpPr>
+          <p:spPr>
+            <a:xfrm rot="16200000" flipV="1">
+              <a:off x="4285859" y="2728352"/>
+              <a:ext cx="335521" cy="403317"/>
+            </a:xfrm>
+            <a:prstGeom prst="curvedConnector2">
+              <a:avLst/>
+            </a:prstGeom>
+            <a:ln>
+              <a:tailEnd type="triangle"/>
+            </a:ln>
+          </p:spPr>
+          <p:style>
+            <a:lnRef idx="1">
+              <a:schemeClr val="accent2"/>
+            </a:lnRef>
+            <a:fillRef idx="0">
+              <a:schemeClr val="accent2"/>
+            </a:fillRef>
+            <a:effectRef idx="0">
+              <a:schemeClr val="accent2"/>
+            </a:effectRef>
+            <a:fontRef idx="minor">
+              <a:schemeClr val="tx1"/>
+            </a:fontRef>
+          </p:style>
+        </p:cxnSp>
+        <p:cxnSp>
+          <p:nvCxnSpPr>
+            <p:cNvPr id="24" name="连接符: 曲线 23">
+              <a:extLst>
+                <a:ext uri="{FF2B5EF4-FFF2-40B4-BE49-F238E27FC236}">
+                  <a16:creationId xmlns:a16="http://schemas.microsoft.com/office/drawing/2014/main" id="{1C1B8944-B13B-42DA-8FA6-4D9EA0E47CA1}"/>
+                </a:ext>
+              </a:extLst>
+            </p:cNvPr>
+            <p:cNvCxnSpPr>
+              <a:cxnSpLocks/>
+              <a:stCxn id="8" idx="0"/>
+            </p:cNvCxnSpPr>
+            <p:nvPr/>
+          </p:nvCxnSpPr>
+          <p:spPr>
+            <a:xfrm rot="16200000" flipV="1">
+              <a:off x="4733032" y="3786714"/>
+              <a:ext cx="385714" cy="387738"/>
+            </a:xfrm>
+            <a:prstGeom prst="curvedConnector2">
+              <a:avLst/>
+            </a:prstGeom>
+            <a:ln>
+              <a:tailEnd type="triangle"/>
+            </a:ln>
+          </p:spPr>
+          <p:style>
+            <a:lnRef idx="1">
+              <a:schemeClr val="accent2"/>
+            </a:lnRef>
+            <a:fillRef idx="0">
+              <a:schemeClr val="accent2"/>
+            </a:fillRef>
+            <a:effectRef idx="0">
+              <a:schemeClr val="accent2"/>
+            </a:effectRef>
+            <a:fontRef idx="minor">
+              <a:schemeClr val="tx1"/>
+            </a:fontRef>
+          </p:style>
+        </p:cxnSp>
+        <p:cxnSp>
+          <p:nvCxnSpPr>
+            <p:cNvPr id="28" name="连接符: 曲线 27">
+              <a:extLst>
+                <a:ext uri="{FF2B5EF4-FFF2-40B4-BE49-F238E27FC236}">
+                  <a16:creationId xmlns:a16="http://schemas.microsoft.com/office/drawing/2014/main" id="{211A2E74-9904-4451-AF5C-1A6D7177562E}"/>
+                </a:ext>
+              </a:extLst>
+            </p:cNvPr>
+            <p:cNvCxnSpPr>
+              <a:cxnSpLocks/>
+              <a:stCxn id="9" idx="1"/>
+            </p:cNvCxnSpPr>
+            <p:nvPr/>
+          </p:nvCxnSpPr>
+          <p:spPr>
+            <a:xfrm rot="16200000" flipV="1">
+              <a:off x="5740777" y="5445383"/>
+              <a:ext cx="305686" cy="372479"/>
+            </a:xfrm>
+            <a:prstGeom prst="curvedConnector2">
+              <a:avLst/>
+            </a:prstGeom>
+            <a:ln>
+              <a:tailEnd type="triangle"/>
+            </a:ln>
+          </p:spPr>
+          <p:style>
+            <a:lnRef idx="1">
+              <a:schemeClr val="accent2"/>
+            </a:lnRef>
+            <a:fillRef idx="0">
+              <a:schemeClr val="accent2"/>
+            </a:fillRef>
+            <a:effectRef idx="0">
+              <a:schemeClr val="accent2"/>
+            </a:effectRef>
+            <a:fontRef idx="minor">
+              <a:schemeClr val="tx1"/>
+            </a:fontRef>
+          </p:style>
+        </p:cxnSp>
+        <p:sp>
+          <p:nvSpPr>
+            <p:cNvPr id="16" name="文本框 15">
+              <a:extLst>
+                <a:ext uri="{FF2B5EF4-FFF2-40B4-BE49-F238E27FC236}">
+                  <a16:creationId xmlns:a16="http://schemas.microsoft.com/office/drawing/2014/main" id="{724925E5-3D70-446F-A302-0C3CCD84CC96}"/>
+                </a:ext>
+              </a:extLst>
+            </p:cNvPr>
+            <p:cNvSpPr txBox="1"/>
+            <p:nvPr/>
+          </p:nvSpPr>
+          <p:spPr>
+            <a:xfrm>
+              <a:off x="4074570" y="1650006"/>
+              <a:ext cx="1318978" cy="400110"/>
+            </a:xfrm>
+            <a:prstGeom prst="rect">
+              <a:avLst/>
+            </a:prstGeom>
+            <a:noFill/>
+          </p:spPr>
+          <p:txBody>
+            <a:bodyPr wrap="square" rtlCol="0">
+              <a:spAutoFit/>
+            </a:bodyPr>
+            <a:lstStyle/>
+            <a:p>
+              <a:pPr marL="0" marR="0" lvl="0" indent="0" algn="l" defTabSz="914400" rtl="0" eaLnBrk="1" fontAlgn="auto" latinLnBrk="0" hangingPunct="1">
+                <a:lnSpc>
+                  <a:spcPct val="100000"/>
+                </a:lnSpc>
+                <a:spcBef>
+                  <a:spcPts val="0"/>
+                </a:spcBef>
+                <a:spcAft>
+                  <a:spcPts val="0"/>
+                </a:spcAft>
+                <a:buClrTx/>
+                <a:buSzTx/>
+                <a:buFontTx/>
+                <a:buNone/>
+                <a:tabLst/>
+                <a:defRPr/>
+              </a:pPr>
+              <a:r>
+                <a:rPr kumimoji="0" lang="en-US" altLang="zh-CN" sz="1800" b="1" i="0" u="none" strike="noStrike" kern="1200" cap="none" spc="0" normalizeH="0" baseline="0" noProof="0" dirty="0">
+                  <a:ln>
+                    <a:noFill/>
+                  </a:ln>
+                  <a:solidFill>
+                    <a:prstClr val="white"/>
+                  </a:solidFill>
+                  <a:effectLst/>
+                  <a:uLnTx/>
+                  <a:uFillTx/>
+                  <a:latin typeface="等线" panose="020F0502020204030204"/>
+                  <a:ea typeface="等线" panose="02010600030101010101" pitchFamily="2" charset="-122"/>
+                  <a:cs typeface="+mn-cs"/>
+                </a:rPr>
+                <a:t>Time: 15s</a:t>
+              </a:r>
+              <a:endParaRPr kumimoji="0" lang="zh-CN" altLang="en-US" sz="1800" b="1" i="0" u="none" strike="noStrike" kern="1200" cap="none" spc="0" normalizeH="0" baseline="0" noProof="0" dirty="0">
+                <a:ln>
+                  <a:noFill/>
+                </a:ln>
+                <a:solidFill>
+                  <a:prstClr val="white"/>
+                </a:solidFill>
+                <a:effectLst/>
+                <a:uLnTx/>
+                <a:uFillTx/>
+                <a:latin typeface="等线" panose="020F0502020204030204"/>
+                <a:ea typeface="等线" panose="02010600030101010101" pitchFamily="2" charset="-122"/>
+                <a:cs typeface="+mn-cs"/>
+              </a:endParaRPr>
+            </a:p>
+          </p:txBody>
+        </p:sp>
+        <p:sp>
+          <p:nvSpPr>
+            <p:cNvPr id="37" name="文本框 36">
+              <a:extLst>
+                <a:ext uri="{FF2B5EF4-FFF2-40B4-BE49-F238E27FC236}">
+                  <a16:creationId xmlns:a16="http://schemas.microsoft.com/office/drawing/2014/main" id="{F3F5A9F8-B6B0-4EAA-A614-89F82548397C}"/>
+                </a:ext>
+              </a:extLst>
+            </p:cNvPr>
+            <p:cNvSpPr txBox="1"/>
+            <p:nvPr/>
+          </p:nvSpPr>
+          <p:spPr>
+            <a:xfrm>
+              <a:off x="6682274" y="1655198"/>
+              <a:ext cx="1825122" cy="400110"/>
+            </a:xfrm>
+            <a:prstGeom prst="rect">
+              <a:avLst/>
+            </a:prstGeom>
+            <a:noFill/>
+          </p:spPr>
+          <p:txBody>
+            <a:bodyPr wrap="square" rtlCol="0">
+              <a:spAutoFit/>
+            </a:bodyPr>
+            <a:lstStyle/>
+            <a:p>
+              <a:pPr marL="0" marR="0" lvl="0" indent="0" algn="l" defTabSz="914400" rtl="0" eaLnBrk="1" fontAlgn="auto" latinLnBrk="0" hangingPunct="1">
+                <a:lnSpc>
+                  <a:spcPct val="100000"/>
+                </a:lnSpc>
+                <a:spcBef>
+                  <a:spcPts val="0"/>
+                </a:spcBef>
+                <a:spcAft>
+                  <a:spcPts val="0"/>
+                </a:spcAft>
+                <a:buClrTx/>
+                <a:buSzTx/>
+                <a:buFontTx/>
+                <a:buNone/>
+                <a:tabLst/>
+                <a:defRPr/>
+              </a:pPr>
+              <a:r>
+                <a:rPr kumimoji="0" lang="en-US" altLang="zh-CN" sz="1800" b="1" i="0" u="none" strike="noStrike" kern="1200" cap="none" spc="0" normalizeH="0" baseline="0" noProof="0" dirty="0">
+                  <a:ln>
+                    <a:noFill/>
+                  </a:ln>
+                  <a:solidFill>
+                    <a:srgbClr val="00FF00"/>
+                  </a:solidFill>
+                  <a:effectLst/>
+                  <a:uLnTx/>
+                  <a:uFillTx/>
+                  <a:latin typeface="等线" panose="020F0502020204030204"/>
+                  <a:ea typeface="等线" panose="02010600030101010101" pitchFamily="2" charset="-122"/>
+                  <a:cs typeface="+mn-cs"/>
+                </a:rPr>
+                <a:t>Total Score: 0</a:t>
+              </a:r>
+              <a:endParaRPr kumimoji="0" lang="zh-CN" altLang="en-US" sz="1800" b="1" i="0" u="none" strike="noStrike" kern="1200" cap="none" spc="0" normalizeH="0" baseline="0" noProof="0" dirty="0">
+                <a:ln>
+                  <a:noFill/>
+                </a:ln>
+                <a:solidFill>
+                  <a:srgbClr val="00FF00"/>
+                </a:solidFill>
+                <a:effectLst/>
+                <a:uLnTx/>
+                <a:uFillTx/>
+                <a:latin typeface="等线" panose="020F0502020204030204"/>
+                <a:ea typeface="等线" panose="02010600030101010101" pitchFamily="2" charset="-122"/>
+                <a:cs typeface="+mn-cs"/>
+              </a:endParaRPr>
+            </a:p>
+          </p:txBody>
+        </p:sp>
+      </p:grpSp>
+      <p:sp>
+        <p:nvSpPr>
+          <p:cNvPr id="22" name="椭圆 21">
+            <a:extLst>
+              <a:ext uri="{FF2B5EF4-FFF2-40B4-BE49-F238E27FC236}">
+                <a16:creationId xmlns:a16="http://schemas.microsoft.com/office/drawing/2014/main" id="{104D1C9A-BCFB-4096-853F-64B1847D993C}"/>
+              </a:ext>
+            </a:extLst>
+          </p:cNvPr>
+          <p:cNvSpPr/>
+          <p:nvPr/>
+        </p:nvSpPr>
+        <p:spPr>
+          <a:xfrm>
+            <a:off x="5557362" y="3512111"/>
+            <a:ext cx="210842" cy="209107"/>
+          </a:xfrm>
+          <a:prstGeom prst="ellipse">
+            <a:avLst/>
+          </a:prstGeom>
+          <a:solidFill>
+            <a:schemeClr val="accent6">
+              <a:lumMod val="75000"/>
+            </a:schemeClr>
+          </a:solidFill>
+          <a:ln>
+            <a:solidFill>
+              <a:schemeClr val="accent6">
+                <a:lumMod val="75000"/>
+              </a:schemeClr>
+            </a:solidFill>
+          </a:ln>
+        </p:spPr>
+        <p:style>
+          <a:lnRef idx="2">
+            <a:schemeClr val="accent1">
+              <a:shade val="50000"/>
+            </a:schemeClr>
+          </a:lnRef>
+          <a:fillRef idx="1">
+            <a:schemeClr val="accent1"/>
+          </a:fillRef>
+          <a:effectRef idx="0">
+            <a:schemeClr val="accent1"/>
+          </a:effectRef>
+          <a:fontRef idx="minor">
+            <a:schemeClr val="lt1"/>
+          </a:fontRef>
+        </p:style>
+        <p:txBody>
+          <a:bodyPr rtlCol="0" anchor="ctr"/>
+          <a:lstStyle/>
+          <a:p>
+            <a:pPr marL="0" marR="0" lvl="0" indent="0" algn="ctr" defTabSz="914400" rtl="0" eaLnBrk="1" fontAlgn="auto" latinLnBrk="0" hangingPunct="1">
+              <a:lnSpc>
+                <a:spcPct val="100000"/>
+              </a:lnSpc>
+              <a:spcBef>
+                <a:spcPts val="0"/>
+              </a:spcBef>
+              <a:spcAft>
+                <a:spcPts val="0"/>
+              </a:spcAft>
+              <a:buClrTx/>
+              <a:buSzTx/>
+              <a:buFontTx/>
+              <a:buNone/>
+              <a:tabLst/>
+              <a:defRPr/>
+            </a:pPr>
+            <a:endParaRPr kumimoji="0" lang="zh-CN" altLang="en-US" sz="1800" b="0" i="0" u="none" strike="noStrike" kern="1200" cap="none" spc="0" normalizeH="0" baseline="0" noProof="0" dirty="0">
+              <a:ln>
+                <a:noFill/>
+              </a:ln>
+              <a:solidFill>
+                <a:srgbClr val="C00000"/>
+              </a:solidFill>
+              <a:effectLst/>
+              <a:uLnTx/>
+              <a:uFillTx/>
+              <a:latin typeface="等线" panose="020F0502020204030204"/>
+              <a:ea typeface="等线" panose="02010600030101010101" pitchFamily="2" charset="-122"/>
+              <a:cs typeface="+mn-cs"/>
+            </a:endParaRPr>
+          </a:p>
+        </p:txBody>
+      </p:sp>
+    </p:spTree>
+    <p:extLst>
+      <p:ext uri="{BB962C8B-B14F-4D97-AF65-F5344CB8AC3E}">
+        <p14:creationId xmlns:p14="http://schemas.microsoft.com/office/powerpoint/2010/main" val="2522602396"/>
+      </p:ext>
+    </p:extLst>
+  </p:cSld>
+  <p:clrMapOvr>
+    <a:masterClrMapping/>
+  </p:clrMapOvr>
+</p:sld>
+</file>
+
+<file path=ppt/slides/slide5.xml><?xml version="1.0" encoding="utf-8"?>
+<p:sld xmlns:a="http://schemas.openxmlformats.org/drawingml/2006/main" xmlns:r="http://schemas.openxmlformats.org/officeDocument/2006/relationships" xmlns:p="http://schemas.openxmlformats.org/presentationml/2006/main">
+  <p:cSld>
+    <p:bg>
+      <p:bgPr>
+        <a:solidFill>
+          <a:schemeClr val="tx1">
+            <a:lumMod val="75000"/>
+            <a:lumOff val="25000"/>
+          </a:schemeClr>
+        </a:solidFill>
+        <a:effectLst/>
+      </p:bgPr>
+    </p:bg>
+    <p:spTree>
+      <p:nvGrpSpPr>
+        <p:cNvPr id="1" name=""/>
+        <p:cNvGrpSpPr/>
+        <p:nvPr/>
+      </p:nvGrpSpPr>
+      <p:grpSpPr>
+        <a:xfrm>
+          <a:off x="0" y="0"/>
+          <a:ext cx="0" cy="0"/>
+          <a:chOff x="0" y="0"/>
+          <a:chExt cx="0" cy="0"/>
+        </a:xfrm>
+      </p:grpSpPr>
+      <p:sp>
+        <p:nvSpPr>
+          <p:cNvPr id="3" name="文本框 2"/>
+          <p:cNvSpPr txBox="1"/>
+          <p:nvPr/>
+        </p:nvSpPr>
+        <p:spPr>
+          <a:xfrm>
+            <a:off x="5134627" y="994004"/>
+            <a:ext cx="6763060" cy="4681218"/>
+          </a:xfrm>
+          <a:prstGeom prst="rect">
+            <a:avLst/>
+          </a:prstGeom>
+          <a:noFill/>
+        </p:spPr>
+        <p:txBody>
+          <a:bodyPr wrap="square" rtlCol="0">
+            <a:spAutoFit/>
+          </a:bodyPr>
+          <a:lstStyle/>
+          <a:p>
+            <a:pPr marL="285750" marR="0" lvl="0" indent="-285750" algn="l" defTabSz="914400" rtl="0" eaLnBrk="1" fontAlgn="auto" latinLnBrk="0" hangingPunct="1">
+              <a:lnSpc>
+                <a:spcPct val="200000"/>
+              </a:lnSpc>
+              <a:spcBef>
+                <a:spcPts val="200"/>
+              </a:spcBef>
+              <a:spcAft>
+                <a:spcPts val="200"/>
+              </a:spcAft>
+              <a:buClrTx/>
+              <a:buSzTx/>
+              <a:buFont typeface="Arial" panose="020B0604020202020204" pitchFamily="34" charset="0"/>
+              <a:buChar char="•"/>
+              <a:tabLst/>
+              <a:defRPr/>
+            </a:pPr>
+            <a:r>
+              <a:rPr kumimoji="0" lang="zh-CN" altLang="en-US" sz="1800" b="0" i="0" u="none" strike="noStrike" kern="1200" cap="none" spc="0" normalizeH="0" baseline="0" noProof="0" dirty="0">
+                <a:ln>
+                  <a:noFill/>
+                </a:ln>
+                <a:solidFill>
+                  <a:prstClr val="white">
+                    <a:lumMod val="95000"/>
+                  </a:prstClr>
+                </a:solidFill>
+                <a:effectLst/>
+                <a:uLnTx/>
+                <a:uFillTx/>
+                <a:latin typeface="黑体" panose="02010609060101010101" pitchFamily="49" charset="-122"/>
+                <a:ea typeface="黑体" panose="02010609060101010101" pitchFamily="49" charset="-122"/>
+                <a:cs typeface="+mn-cs"/>
+              </a:rPr>
+              <a:t>每轮游戏时间为</a:t>
+            </a:r>
+            <a:r>
+              <a:rPr kumimoji="0" lang="en-US" altLang="zh-CN" sz="1800" b="0" i="0" u="none" strike="noStrike" kern="1200" cap="none" spc="0" normalizeH="0" baseline="0" noProof="0" dirty="0">
+                <a:ln>
+                  <a:noFill/>
+                </a:ln>
+                <a:solidFill>
+                  <a:srgbClr val="92D050"/>
+                </a:solidFill>
+                <a:effectLst/>
+                <a:uLnTx/>
+                <a:uFillTx/>
+                <a:latin typeface="黑体" panose="02010609060101010101" pitchFamily="49" charset="-122"/>
+                <a:ea typeface="黑体" panose="02010609060101010101" pitchFamily="49" charset="-122"/>
+                <a:cs typeface="+mn-cs"/>
+              </a:rPr>
+              <a:t>15s</a:t>
+            </a:r>
+            <a:r>
+              <a:rPr kumimoji="0" lang="zh-CN" altLang="en-US" sz="1800" b="0" i="0" u="none" strike="noStrike" kern="1200" cap="none" spc="0" normalizeH="0" baseline="0" noProof="0" dirty="0">
+                <a:ln>
+                  <a:noFill/>
+                </a:ln>
+                <a:solidFill>
+                  <a:prstClr val="white">
+                    <a:lumMod val="95000"/>
+                  </a:prstClr>
+                </a:solidFill>
+                <a:effectLst/>
+                <a:uLnTx/>
+                <a:uFillTx/>
+                <a:latin typeface="黑体" panose="02010609060101010101" pitchFamily="49" charset="-122"/>
+                <a:ea typeface="黑体" panose="02010609060101010101" pitchFamily="49" charset="-122"/>
+                <a:cs typeface="+mn-cs"/>
+              </a:rPr>
+              <a:t>，屏幕左上方显示该轮游戏剩余时间。</a:t>
+            </a:r>
+          </a:p>
+          <a:p>
+            <a:pPr marL="285750" marR="0" lvl="0" indent="-285750" algn="l" defTabSz="914400" rtl="0" eaLnBrk="1" fontAlgn="auto" latinLnBrk="0" hangingPunct="1">
+              <a:lnSpc>
+                <a:spcPct val="200000"/>
+              </a:lnSpc>
+              <a:spcBef>
+                <a:spcPts val="200"/>
+              </a:spcBef>
+              <a:spcAft>
+                <a:spcPts val="200"/>
+              </a:spcAft>
+              <a:buClrTx/>
+              <a:buSzTx/>
+              <a:buFont typeface="Arial" panose="020B0604020202020204" pitchFamily="34" charset="0"/>
+              <a:buChar char="•"/>
+              <a:tabLst/>
+              <a:defRPr/>
+            </a:pPr>
+            <a:r>
+              <a:rPr kumimoji="0" lang="zh-CN" altLang="en-US" sz="1800" b="0" i="0" u="none" strike="noStrike" kern="1200" cap="none" spc="0" normalizeH="0" baseline="0" noProof="0" dirty="0">
+                <a:ln>
+                  <a:noFill/>
+                </a:ln>
+                <a:solidFill>
+                  <a:prstClr val="white">
+                    <a:lumMod val="95000"/>
+                  </a:prstClr>
+                </a:solidFill>
+                <a:effectLst/>
+                <a:uLnTx/>
+                <a:uFillTx/>
+                <a:latin typeface="黑体" panose="02010609060101010101" pitchFamily="49" charset="-122"/>
+                <a:ea typeface="黑体" panose="02010609060101010101" pitchFamily="49" charset="-122"/>
+                <a:cs typeface="+mn-cs"/>
+              </a:rPr>
+              <a:t>每轮游戏中，屏幕上会出现</a:t>
+            </a:r>
+            <a:r>
+              <a:rPr kumimoji="0" lang="zh-CN" altLang="en-US" sz="1800" b="0" i="0" u="none" strike="noStrike" kern="1200" cap="none" spc="0" normalizeH="0" baseline="0" noProof="0" dirty="0">
+                <a:ln>
+                  <a:noFill/>
+                </a:ln>
+                <a:solidFill>
+                  <a:srgbClr val="92D050"/>
+                </a:solidFill>
+                <a:effectLst/>
+                <a:uLnTx/>
+                <a:uFillTx/>
+                <a:latin typeface="黑体" panose="02010609060101010101" pitchFamily="49" charset="-122"/>
+                <a:ea typeface="黑体" panose="02010609060101010101" pitchFamily="49" charset="-122"/>
+                <a:cs typeface="+mn-cs"/>
+              </a:rPr>
+              <a:t>若干个小偷</a:t>
+            </a:r>
+            <a:r>
+              <a:rPr kumimoji="0" lang="zh-CN" altLang="en-US" sz="1800" b="0" i="0" u="none" strike="noStrike" kern="1200" cap="none" spc="0" normalizeH="0" baseline="0" noProof="0" dirty="0">
+                <a:ln>
+                  <a:noFill/>
+                </a:ln>
+                <a:solidFill>
+                  <a:prstClr val="white">
+                    <a:lumMod val="95000"/>
+                  </a:prstClr>
+                </a:solidFill>
+                <a:effectLst/>
+                <a:uLnTx/>
+                <a:uFillTx/>
+                <a:latin typeface="黑体" panose="02010609060101010101" pitchFamily="49" charset="-122"/>
+                <a:ea typeface="黑体" panose="02010609060101010101" pitchFamily="49" charset="-122"/>
+                <a:cs typeface="+mn-cs"/>
+              </a:rPr>
+              <a:t>，当您</a:t>
+            </a:r>
+            <a:r>
+              <a:rPr kumimoji="0" lang="zh-CN" altLang="en-US" sz="1800" b="0" i="0" u="none" strike="noStrike" kern="1200" cap="none" spc="0" normalizeH="0" baseline="0" noProof="0" dirty="0">
+                <a:ln>
+                  <a:noFill/>
+                </a:ln>
+                <a:solidFill>
+                  <a:srgbClr val="92D050"/>
+                </a:solidFill>
+                <a:effectLst/>
+                <a:uLnTx/>
+                <a:uFillTx/>
+                <a:latin typeface="黑体" panose="02010609060101010101" pitchFamily="49" charset="-122"/>
+                <a:ea typeface="黑体" panose="02010609060101010101" pitchFamily="49" charset="-122"/>
+                <a:cs typeface="+mn-cs"/>
+              </a:rPr>
+              <a:t>或</a:t>
+            </a:r>
+            <a:r>
+              <a:rPr kumimoji="0" lang="zh-CN" altLang="en-US" sz="1800" b="0" i="0" u="none" strike="noStrike" kern="1200" cap="none" spc="0" normalizeH="0" baseline="0" noProof="0" dirty="0">
+                <a:ln>
+                  <a:noFill/>
+                </a:ln>
+                <a:solidFill>
+                  <a:prstClr val="white">
+                    <a:lumMod val="95000"/>
+                  </a:prstClr>
+                </a:solidFill>
+                <a:effectLst/>
+                <a:uLnTx/>
+                <a:uFillTx/>
+                <a:latin typeface="黑体" panose="02010609060101010101" pitchFamily="49" charset="-122"/>
+                <a:ea typeface="黑体" panose="02010609060101010101" pitchFamily="49" charset="-122"/>
+                <a:cs typeface="+mn-cs"/>
+              </a:rPr>
+              <a:t>另一玩家扮演的赏金猎人</a:t>
+            </a:r>
+            <a:r>
+              <a:rPr kumimoji="0" lang="zh-CN" altLang="en-US" sz="1800" b="0" i="0" u="none" strike="noStrike" kern="1200" cap="none" spc="0" normalizeH="0" baseline="0" noProof="0" dirty="0">
+                <a:ln>
+                  <a:noFill/>
+                </a:ln>
+                <a:solidFill>
+                  <a:srgbClr val="92D050"/>
+                </a:solidFill>
+                <a:effectLst/>
+                <a:uLnTx/>
+                <a:uFillTx/>
+                <a:latin typeface="黑体" panose="02010609060101010101" pitchFamily="49" charset="-122"/>
+                <a:ea typeface="黑体" panose="02010609060101010101" pitchFamily="49" charset="-122"/>
+                <a:cs typeface="+mn-cs"/>
+              </a:rPr>
+              <a:t>碰到任意一个小偷</a:t>
+            </a:r>
+            <a:r>
+              <a:rPr kumimoji="0" lang="zh-CN" altLang="en-US" sz="1800" b="0" i="0" u="none" strike="noStrike" kern="1200" cap="none" spc="0" normalizeH="0" baseline="0" noProof="0" dirty="0">
+                <a:ln>
+                  <a:noFill/>
+                </a:ln>
+                <a:solidFill>
+                  <a:prstClr val="white">
+                    <a:lumMod val="95000"/>
+                  </a:prstClr>
+                </a:solidFill>
+                <a:effectLst/>
+                <a:uLnTx/>
+                <a:uFillTx/>
+                <a:latin typeface="黑体" panose="02010609060101010101" pitchFamily="49" charset="-122"/>
+                <a:ea typeface="黑体" panose="02010609060101010101" pitchFamily="49" charset="-122"/>
+                <a:cs typeface="+mn-cs"/>
+              </a:rPr>
+              <a:t>时，即视为成功抓到小偷。</a:t>
+            </a:r>
+            <a:endParaRPr kumimoji="0" lang="en-US" altLang="zh-CN" sz="1800" b="0" i="0" u="none" strike="noStrike" kern="1200" cap="none" spc="0" normalizeH="0" baseline="0" noProof="0" dirty="0">
+              <a:ln>
+                <a:noFill/>
+              </a:ln>
+              <a:solidFill>
+                <a:prstClr val="white">
+                  <a:lumMod val="95000"/>
+                </a:prstClr>
+              </a:solidFill>
+              <a:effectLst/>
+              <a:uLnTx/>
+              <a:uFillTx/>
+              <a:latin typeface="黑体" panose="02010609060101010101" pitchFamily="49" charset="-122"/>
+              <a:ea typeface="黑体" panose="02010609060101010101" pitchFamily="49" charset="-122"/>
+              <a:cs typeface="+mn-cs"/>
+            </a:endParaRPr>
+          </a:p>
+          <a:p>
+            <a:pPr marL="285750" marR="0" lvl="0" indent="-285750" algn="l" defTabSz="914400" rtl="0" eaLnBrk="1" fontAlgn="auto" latinLnBrk="0" hangingPunct="1">
+              <a:lnSpc>
+                <a:spcPct val="200000"/>
+              </a:lnSpc>
+              <a:spcBef>
+                <a:spcPts val="200"/>
+              </a:spcBef>
+              <a:spcAft>
+                <a:spcPts val="200"/>
+              </a:spcAft>
+              <a:buClrTx/>
+              <a:buSzTx/>
+              <a:buFont typeface="Arial" panose="020B0604020202020204" pitchFamily="34" charset="0"/>
+              <a:buChar char="•"/>
+              <a:tabLst/>
+              <a:defRPr/>
+            </a:pPr>
+            <a:r>
+              <a:rPr kumimoji="0" lang="zh-CN" altLang="en-US" sz="1800" b="0" i="0" u="none" strike="noStrike" kern="1200" cap="none" spc="0" normalizeH="0" baseline="0" noProof="0" dirty="0">
+                <a:ln>
+                  <a:noFill/>
+                </a:ln>
+                <a:solidFill>
+                  <a:prstClr val="white">
+                    <a:lumMod val="95000"/>
+                  </a:prstClr>
+                </a:solidFill>
+                <a:effectLst/>
+                <a:uLnTx/>
+                <a:uFillTx/>
+                <a:latin typeface="黑体" panose="02010609060101010101" pitchFamily="49" charset="-122"/>
+                <a:ea typeface="黑体" panose="02010609060101010101" pitchFamily="49" charset="-122"/>
+                <a:cs typeface="+mn-cs"/>
+              </a:rPr>
+              <a:t>成功抓到某个小偷后，该小偷会继续在屏幕内跑动，可以对其进行多次追捕，直到该轮游戏时间截止。</a:t>
+            </a:r>
+            <a:endParaRPr kumimoji="0" lang="en-US" altLang="zh-CN" sz="1800" b="0" i="0" u="none" strike="noStrike" kern="1200" cap="none" spc="0" normalizeH="0" baseline="0" noProof="0" dirty="0">
+              <a:ln>
+                <a:noFill/>
+              </a:ln>
+              <a:solidFill>
+                <a:prstClr val="white">
+                  <a:lumMod val="95000"/>
+                </a:prstClr>
+              </a:solidFill>
+              <a:effectLst/>
+              <a:uLnTx/>
+              <a:uFillTx/>
+              <a:latin typeface="黑体" panose="02010609060101010101" pitchFamily="49" charset="-122"/>
+              <a:ea typeface="黑体" panose="02010609060101010101" pitchFamily="49" charset="-122"/>
+              <a:cs typeface="+mn-cs"/>
+            </a:endParaRPr>
+          </a:p>
+          <a:p>
+            <a:pPr marL="285750" marR="0" lvl="0" indent="-285750" algn="l" defTabSz="914400" rtl="0" eaLnBrk="1" fontAlgn="auto" latinLnBrk="0" hangingPunct="1">
+              <a:lnSpc>
+                <a:spcPct val="200000"/>
+              </a:lnSpc>
+              <a:spcBef>
+                <a:spcPts val="200"/>
+              </a:spcBef>
+              <a:spcAft>
+                <a:spcPts val="200"/>
+              </a:spcAft>
+              <a:buClrTx/>
+              <a:buSzTx/>
+              <a:buFont typeface="Arial" panose="020B0604020202020204" pitchFamily="34" charset="0"/>
+              <a:buChar char="•"/>
+              <a:tabLst/>
+              <a:defRPr/>
+            </a:pPr>
+            <a:r>
+              <a:rPr kumimoji="0" lang="zh-CN" altLang="en-US" sz="1800" b="0" i="0" u="none" strike="noStrike" kern="1200" cap="none" spc="0" normalizeH="0" baseline="0" noProof="0" dirty="0">
+                <a:ln>
+                  <a:noFill/>
+                </a:ln>
+                <a:solidFill>
+                  <a:prstClr val="white">
+                    <a:lumMod val="95000"/>
+                  </a:prstClr>
+                </a:solidFill>
+                <a:effectLst/>
+                <a:uLnTx/>
+                <a:uFillTx/>
+                <a:latin typeface="黑体" panose="02010609060101010101" pitchFamily="49" charset="-122"/>
+                <a:ea typeface="黑体" panose="02010609060101010101" pitchFamily="49" charset="-122"/>
+                <a:cs typeface="+mn-cs"/>
+              </a:rPr>
+              <a:t>屏幕顶端将显示你们当前的</a:t>
+            </a:r>
+            <a:r>
+              <a:rPr kumimoji="0" lang="zh-CN" altLang="en-US" sz="1800" b="0" i="0" u="none" strike="noStrike" kern="1200" cap="none" spc="0" normalizeH="0" baseline="0" noProof="0" dirty="0">
+                <a:ln>
+                  <a:noFill/>
+                </a:ln>
+                <a:solidFill>
+                  <a:srgbClr val="92D050"/>
+                </a:solidFill>
+                <a:effectLst/>
+                <a:uLnTx/>
+                <a:uFillTx/>
+                <a:latin typeface="黑体" panose="02010609060101010101" pitchFamily="49" charset="-122"/>
+                <a:ea typeface="黑体" panose="02010609060101010101" pitchFamily="49" charset="-122"/>
+                <a:cs typeface="+mn-cs"/>
+              </a:rPr>
+              <a:t>总得分</a:t>
+            </a:r>
+            <a:r>
+              <a:rPr kumimoji="0" lang="zh-CN" altLang="en-US" sz="1800" b="0" i="0" u="none" strike="noStrike" kern="1200" cap="none" spc="0" normalizeH="0" baseline="0" noProof="0" dirty="0">
+                <a:ln>
+                  <a:noFill/>
+                </a:ln>
+                <a:solidFill>
+                  <a:prstClr val="white">
+                    <a:lumMod val="95000"/>
+                  </a:prstClr>
+                </a:solidFill>
+                <a:effectLst/>
+                <a:uLnTx/>
+                <a:uFillTx/>
+                <a:latin typeface="黑体" panose="02010609060101010101" pitchFamily="49" charset="-122"/>
+                <a:ea typeface="黑体" panose="02010609060101010101" pitchFamily="49" charset="-122"/>
+                <a:cs typeface="+mn-cs"/>
+              </a:rPr>
+              <a:t>，分数计算规则为：</a:t>
+            </a:r>
+            <a:endParaRPr kumimoji="0" lang="en-US" altLang="zh-CN" sz="1800" b="0" i="0" u="none" strike="noStrike" kern="1200" cap="none" spc="0" normalizeH="0" baseline="0" noProof="0" dirty="0">
+              <a:ln>
+                <a:noFill/>
+              </a:ln>
+              <a:solidFill>
+                <a:prstClr val="white">
+                  <a:lumMod val="95000"/>
+                </a:prstClr>
+              </a:solidFill>
+              <a:effectLst/>
+              <a:uLnTx/>
+              <a:uFillTx/>
+              <a:latin typeface="黑体" panose="02010609060101010101" pitchFamily="49" charset="-122"/>
+              <a:ea typeface="黑体" panose="02010609060101010101" pitchFamily="49" charset="-122"/>
+              <a:cs typeface="+mn-cs"/>
+            </a:endParaRPr>
+          </a:p>
+          <a:p>
+            <a:pPr marL="0" marR="0" lvl="0" indent="0" algn="l" defTabSz="914400" rtl="0" eaLnBrk="1" fontAlgn="auto" latinLnBrk="0" hangingPunct="1">
+              <a:lnSpc>
+                <a:spcPct val="200000"/>
+              </a:lnSpc>
+              <a:spcBef>
+                <a:spcPts val="200"/>
+              </a:spcBef>
+              <a:spcAft>
+                <a:spcPts val="200"/>
+              </a:spcAft>
+              <a:buClrTx/>
+              <a:buSzTx/>
+              <a:buFontTx/>
+              <a:buNone/>
+              <a:tabLst/>
+              <a:defRPr/>
+            </a:pPr>
+            <a:r>
+              <a:rPr kumimoji="0" lang="en-US" altLang="zh-CN" sz="1800" b="0" i="0" u="none" strike="noStrike" kern="1200" cap="none" spc="0" normalizeH="0" baseline="0" noProof="0" dirty="0">
+                <a:ln>
+                  <a:noFill/>
+                </a:ln>
+                <a:solidFill>
+                  <a:prstClr val="white">
+                    <a:lumMod val="95000"/>
+                  </a:prstClr>
+                </a:solidFill>
+                <a:effectLst/>
+                <a:uLnTx/>
+                <a:uFillTx/>
+                <a:latin typeface="黑体" panose="02010609060101010101" pitchFamily="49" charset="-122"/>
+                <a:ea typeface="黑体" panose="02010609060101010101" pitchFamily="49" charset="-122"/>
+                <a:cs typeface="+mn-cs"/>
+              </a:rPr>
+              <a:t>		</a:t>
+            </a:r>
+            <a:r>
+              <a:rPr kumimoji="0" lang="zh-CN" altLang="en-US" sz="1800" b="0" i="0" u="sng" strike="noStrike" kern="1200" cap="none" spc="0" normalizeH="0" baseline="0" noProof="0" dirty="0">
+                <a:ln>
+                  <a:noFill/>
+                </a:ln>
+                <a:solidFill>
+                  <a:prstClr val="white">
+                    <a:lumMod val="95000"/>
+                  </a:prstClr>
+                </a:solidFill>
+                <a:effectLst/>
+                <a:uLnTx/>
+                <a:uFillTx/>
+                <a:latin typeface="黑体" panose="02010609060101010101" pitchFamily="49" charset="-122"/>
+                <a:ea typeface="黑体" panose="02010609060101010101" pitchFamily="49" charset="-122"/>
+                <a:cs typeface="+mn-cs"/>
+              </a:rPr>
+              <a:t>每抓到一次小偷，计一分。</a:t>
+            </a:r>
+            <a:endParaRPr kumimoji="0" lang="en-US" altLang="zh-CN" sz="1800" b="0" i="0" u="sng" strike="noStrike" kern="1200" cap="none" spc="0" normalizeH="0" baseline="0" noProof="0" dirty="0">
+              <a:ln>
+                <a:noFill/>
+              </a:ln>
+              <a:solidFill>
+                <a:prstClr val="white">
+                  <a:lumMod val="95000"/>
+                </a:prstClr>
+              </a:solidFill>
+              <a:effectLst/>
+              <a:uLnTx/>
+              <a:uFillTx/>
+              <a:latin typeface="黑体" panose="02010609060101010101" pitchFamily="49" charset="-122"/>
+              <a:ea typeface="黑体" panose="02010609060101010101" pitchFamily="49" charset="-122"/>
+              <a:cs typeface="+mn-cs"/>
+            </a:endParaRPr>
+          </a:p>
+          <a:p>
+            <a:pPr marL="285750" marR="0" lvl="0" indent="-285750" algn="l" defTabSz="914400" rtl="0" eaLnBrk="1" fontAlgn="auto" latinLnBrk="0" hangingPunct="1">
+              <a:lnSpc>
+                <a:spcPct val="200000"/>
+              </a:lnSpc>
+              <a:spcBef>
+                <a:spcPts val="200"/>
+              </a:spcBef>
+              <a:spcAft>
+                <a:spcPts val="200"/>
+              </a:spcAft>
+              <a:buClrTx/>
+              <a:buSzTx/>
+              <a:buFont typeface="Arial" panose="020B0604020202020204" pitchFamily="34" charset="0"/>
+              <a:buChar char="•"/>
+              <a:tabLst/>
+              <a:defRPr/>
+            </a:pPr>
+            <a:r>
+              <a:rPr kumimoji="0" lang="zh-CN" altLang="en-US" sz="1800" b="0" i="0" u="none" strike="noStrike" kern="1200" cap="none" spc="0" normalizeH="0" baseline="0" noProof="0" dirty="0">
+                <a:ln>
+                  <a:noFill/>
+                </a:ln>
+                <a:solidFill>
+                  <a:srgbClr val="92D050"/>
+                </a:solidFill>
+                <a:effectLst/>
+                <a:uLnTx/>
+                <a:uFillTx/>
+                <a:latin typeface="黑体" panose="02010609060101010101" pitchFamily="49" charset="-122"/>
+                <a:ea typeface="黑体" panose="02010609060101010101" pitchFamily="49" charset="-122"/>
+                <a:cs typeface="+mn-cs"/>
+              </a:rPr>
+              <a:t>游戏结束后总分越高，最终实验报酬越高。</a:t>
+            </a:r>
+            <a:endParaRPr kumimoji="0" lang="zh-CN" altLang="en-US" sz="1800" b="0" i="0" u="none" strike="noStrike" kern="1200" cap="none" spc="0" normalizeH="0" baseline="0" noProof="0" dirty="0">
+              <a:ln>
+                <a:noFill/>
+              </a:ln>
+              <a:solidFill>
+                <a:prstClr val="white">
+                  <a:lumMod val="95000"/>
+                </a:prstClr>
+              </a:solidFill>
+              <a:effectLst/>
+              <a:uLnTx/>
+              <a:uFillTx/>
+              <a:latin typeface="黑体" panose="02010609060101010101" pitchFamily="49" charset="-122"/>
+              <a:ea typeface="黑体" panose="02010609060101010101" pitchFamily="49" charset="-122"/>
+              <a:cs typeface="+mn-cs"/>
+            </a:endParaRPr>
+          </a:p>
+        </p:txBody>
+      </p:sp>
+      <p:grpSp>
+        <p:nvGrpSpPr>
+          <p:cNvPr id="52" name="组合 51">
+            <a:extLst>
+              <a:ext uri="{FF2B5EF4-FFF2-40B4-BE49-F238E27FC236}">
+                <a16:creationId xmlns:a16="http://schemas.microsoft.com/office/drawing/2014/main" id="{217A059A-3423-4FAC-B3AF-CA9047F40EF2}"/>
+              </a:ext>
+            </a:extLst>
+          </p:cNvPr>
+          <p:cNvGrpSpPr/>
+          <p:nvPr/>
+        </p:nvGrpSpPr>
+        <p:grpSpPr>
+          <a:xfrm>
+            <a:off x="294313" y="1070906"/>
+            <a:ext cx="4712977" cy="4716187"/>
+            <a:chOff x="3576000" y="203170"/>
+            <a:chExt cx="5040000" cy="5043433"/>
+          </a:xfrm>
+        </p:grpSpPr>
+        <p:sp>
+          <p:nvSpPr>
+            <p:cNvPr id="53" name="矩形 52">
+              <a:extLst>
+                <a:ext uri="{FF2B5EF4-FFF2-40B4-BE49-F238E27FC236}">
+                  <a16:creationId xmlns:a16="http://schemas.microsoft.com/office/drawing/2014/main" id="{AC06D308-6271-466C-92E5-F6199629F923}"/>
+                </a:ext>
+              </a:extLst>
+            </p:cNvPr>
+            <p:cNvSpPr/>
+            <p:nvPr/>
+          </p:nvSpPr>
+          <p:spPr>
+            <a:xfrm>
+              <a:off x="3576000" y="206603"/>
+              <a:ext cx="5040000" cy="5040000"/>
+            </a:xfrm>
+            <a:prstGeom prst="rect">
+              <a:avLst/>
+            </a:prstGeom>
+            <a:solidFill>
+              <a:schemeClr val="tx1"/>
+            </a:solidFill>
+            <a:ln>
+              <a:noFill/>
+            </a:ln>
+          </p:spPr>
+          <p:style>
+            <a:lnRef idx="2">
+              <a:schemeClr val="accent3">
+                <a:shade val="50000"/>
+              </a:schemeClr>
+            </a:lnRef>
+            <a:fillRef idx="1">
+              <a:schemeClr val="accent3"/>
+            </a:fillRef>
+            <a:effectRef idx="0">
+              <a:schemeClr val="accent3"/>
+            </a:effectRef>
+            <a:fontRef idx="minor">
+              <a:schemeClr val="lt1"/>
+            </a:fontRef>
+          </p:style>
+          <p:txBody>
+            <a:bodyPr rtlCol="0" anchor="ctr"/>
+            <a:lstStyle/>
+            <a:p>
+              <a:pPr marL="0" marR="0" lvl="0" indent="0" algn="ctr" defTabSz="914400" rtl="0" eaLnBrk="1" fontAlgn="auto" latinLnBrk="0" hangingPunct="1">
+                <a:lnSpc>
+                  <a:spcPct val="100000"/>
+                </a:lnSpc>
+                <a:spcBef>
+                  <a:spcPts val="0"/>
+                </a:spcBef>
+                <a:spcAft>
+                  <a:spcPts val="0"/>
+                </a:spcAft>
+                <a:buClrTx/>
+                <a:buSzTx/>
+                <a:buFontTx/>
+                <a:buNone/>
+                <a:tabLst/>
+                <a:defRPr/>
+              </a:pPr>
+              <a:endParaRPr kumimoji="0" lang="zh-CN" altLang="en-US" sz="1800" b="0" i="0" u="none" strike="noStrike" kern="1200" cap="none" spc="0" normalizeH="0" baseline="0" noProof="0" dirty="0">
+                <a:ln>
+                  <a:noFill/>
+                </a:ln>
+                <a:solidFill>
+                  <a:prstClr val="white"/>
+                </a:solidFill>
+                <a:effectLst/>
+                <a:uLnTx/>
+                <a:uFillTx/>
+                <a:latin typeface="等线" panose="020F0502020204030204"/>
+                <a:ea typeface="等线" panose="02010600030101010101" pitchFamily="2" charset="-122"/>
+                <a:cs typeface="+mn-cs"/>
+              </a:endParaRPr>
+            </a:p>
+          </p:txBody>
+        </p:sp>
+        <p:grpSp>
+          <p:nvGrpSpPr>
+            <p:cNvPr id="54" name="组合 53">
+              <a:extLst>
+                <a:ext uri="{FF2B5EF4-FFF2-40B4-BE49-F238E27FC236}">
+                  <a16:creationId xmlns:a16="http://schemas.microsoft.com/office/drawing/2014/main" id="{939802B7-C297-4A78-8871-C1120CA9E84F}"/>
+                </a:ext>
+              </a:extLst>
+            </p:cNvPr>
+            <p:cNvGrpSpPr/>
+            <p:nvPr/>
+          </p:nvGrpSpPr>
+          <p:grpSpPr>
+            <a:xfrm>
+              <a:off x="3979435" y="610038"/>
+              <a:ext cx="4233130" cy="4233131"/>
+              <a:chOff x="3533447" y="1779270"/>
+              <a:chExt cx="3291401" cy="3318711"/>
+            </a:xfrm>
+          </p:grpSpPr>
+          <p:sp>
+            <p:nvSpPr>
+              <p:cNvPr id="61" name="矩形 60">
+                <a:extLst>
+                  <a:ext uri="{FF2B5EF4-FFF2-40B4-BE49-F238E27FC236}">
+                    <a16:creationId xmlns:a16="http://schemas.microsoft.com/office/drawing/2014/main" id="{9C1DEBEE-EA46-4C40-818E-7BA990E69438}"/>
+                  </a:ext>
+                </a:extLst>
+              </p:cNvPr>
+              <p:cNvSpPr/>
+              <p:nvPr/>
+            </p:nvSpPr>
+            <p:spPr>
+              <a:xfrm>
+                <a:off x="3533447" y="1779270"/>
+                <a:ext cx="3291401" cy="3318711"/>
+              </a:xfrm>
+              <a:prstGeom prst="rect">
+                <a:avLst/>
+              </a:prstGeom>
+              <a:ln>
+                <a:noFill/>
+              </a:ln>
+            </p:spPr>
+            <p:style>
+              <a:lnRef idx="2">
+                <a:schemeClr val="accent3">
+                  <a:shade val="50000"/>
+                </a:schemeClr>
+              </a:lnRef>
+              <a:fillRef idx="1">
+                <a:schemeClr val="accent3"/>
+              </a:fillRef>
+              <a:effectRef idx="0">
+                <a:schemeClr val="accent3"/>
+              </a:effectRef>
+              <a:fontRef idx="minor">
+                <a:schemeClr val="lt1"/>
+              </a:fontRef>
+            </p:style>
+            <p:txBody>
+              <a:bodyPr rtlCol="0" anchor="ctr"/>
+              <a:lstStyle/>
+              <a:p>
+                <a:pPr marL="0" marR="0" lvl="0" indent="0" algn="ctr" defTabSz="914400" rtl="0" eaLnBrk="1" fontAlgn="auto" latinLnBrk="0" hangingPunct="1">
+                  <a:lnSpc>
+                    <a:spcPct val="100000"/>
+                  </a:lnSpc>
+                  <a:spcBef>
+                    <a:spcPts val="0"/>
+                  </a:spcBef>
+                  <a:spcAft>
+                    <a:spcPts val="0"/>
+                  </a:spcAft>
+                  <a:buClrTx/>
+                  <a:buSzTx/>
+                  <a:buFontTx/>
+                  <a:buNone/>
+                  <a:tabLst/>
+                  <a:defRPr/>
+                </a:pPr>
+                <a:endParaRPr kumimoji="0" lang="zh-CN" altLang="en-US" sz="1800" b="0" i="0" u="none" strike="noStrike" kern="1200" cap="none" spc="0" normalizeH="0" baseline="0" noProof="0" dirty="0">
+                  <a:ln>
+                    <a:noFill/>
+                  </a:ln>
+                  <a:solidFill>
+                    <a:prstClr val="white"/>
+                  </a:solidFill>
+                  <a:effectLst/>
+                  <a:uLnTx/>
+                  <a:uFillTx/>
+                  <a:latin typeface="等线" panose="020F0502020204030204"/>
+                  <a:ea typeface="等线" panose="02010600030101010101" pitchFamily="2" charset="-122"/>
+                  <a:cs typeface="+mn-cs"/>
+                </a:endParaRPr>
+              </a:p>
+            </p:txBody>
+          </p:sp>
+          <p:sp>
+            <p:nvSpPr>
+              <p:cNvPr id="62" name="椭圆 61">
+                <a:extLst>
+                  <a:ext uri="{FF2B5EF4-FFF2-40B4-BE49-F238E27FC236}">
+                    <a16:creationId xmlns:a16="http://schemas.microsoft.com/office/drawing/2014/main" id="{87BD0FCE-BE35-402E-8FA3-7E4C4DF4FDFF}"/>
+                  </a:ext>
+                </a:extLst>
+              </p:cNvPr>
+              <p:cNvSpPr/>
+              <p:nvPr/>
+            </p:nvSpPr>
+            <p:spPr>
+              <a:xfrm>
+                <a:off x="3898231" y="2569945"/>
+                <a:ext cx="173256" cy="173256"/>
+              </a:xfrm>
+              <a:prstGeom prst="ellipse">
+                <a:avLst/>
+              </a:prstGeom>
+              <a:solidFill>
+                <a:srgbClr val="FFA500"/>
+              </a:solidFill>
+              <a:ln>
+                <a:solidFill>
+                  <a:srgbClr val="FFA500"/>
+                </a:solidFill>
+              </a:ln>
+            </p:spPr>
+            <p:style>
+              <a:lnRef idx="2">
+                <a:schemeClr val="accent2">
+                  <a:shade val="50000"/>
+                </a:schemeClr>
+              </a:lnRef>
+              <a:fillRef idx="1">
+                <a:schemeClr val="accent2"/>
+              </a:fillRef>
+              <a:effectRef idx="0">
+                <a:schemeClr val="accent2"/>
+              </a:effectRef>
+              <a:fontRef idx="minor">
+                <a:schemeClr val="lt1"/>
+              </a:fontRef>
+            </p:style>
+            <p:txBody>
+              <a:bodyPr rtlCol="0" anchor="ctr"/>
+              <a:lstStyle/>
+              <a:p>
+                <a:pPr marL="0" marR="0" lvl="0" indent="0" algn="ctr" defTabSz="914400" rtl="0" eaLnBrk="1" fontAlgn="auto" latinLnBrk="0" hangingPunct="1">
+                  <a:lnSpc>
+                    <a:spcPct val="100000"/>
+                  </a:lnSpc>
+                  <a:spcBef>
+                    <a:spcPts val="0"/>
+                  </a:spcBef>
+                  <a:spcAft>
+                    <a:spcPts val="0"/>
+                  </a:spcAft>
+                  <a:buClrTx/>
+                  <a:buSzTx/>
+                  <a:buFontTx/>
+                  <a:buNone/>
+                  <a:tabLst/>
+                  <a:defRPr/>
+                </a:pPr>
+                <a:endParaRPr kumimoji="0" lang="zh-CN" altLang="en-US" sz="1800" b="0" i="0" u="none" strike="noStrike" kern="1200" cap="none" spc="0" normalizeH="0" baseline="0" noProof="0">
+                  <a:ln>
+                    <a:noFill/>
+                  </a:ln>
+                  <a:solidFill>
+                    <a:prstClr val="white"/>
+                  </a:solidFill>
+                  <a:effectLst/>
+                  <a:uLnTx/>
+                  <a:uFillTx/>
+                  <a:latin typeface="等线" panose="020F0502020204030204"/>
+                  <a:ea typeface="等线" panose="02010600030101010101" pitchFamily="2" charset="-122"/>
+                  <a:cs typeface="+mn-cs"/>
+                </a:endParaRPr>
+              </a:p>
+            </p:txBody>
+          </p:sp>
+          <p:sp>
+            <p:nvSpPr>
+              <p:cNvPr id="63" name="椭圆 62">
+                <a:extLst>
+                  <a:ext uri="{FF2B5EF4-FFF2-40B4-BE49-F238E27FC236}">
+                    <a16:creationId xmlns:a16="http://schemas.microsoft.com/office/drawing/2014/main" id="{B5A0211D-3881-40B1-9B9A-3175DBDA6542}"/>
+                  </a:ext>
+                </a:extLst>
+              </p:cNvPr>
+              <p:cNvSpPr/>
+              <p:nvPr/>
+            </p:nvSpPr>
+            <p:spPr>
+              <a:xfrm>
+                <a:off x="6081562" y="3049604"/>
+                <a:ext cx="173256" cy="173256"/>
+              </a:xfrm>
+              <a:prstGeom prst="ellipse">
+                <a:avLst/>
+              </a:prstGeom>
+              <a:solidFill>
+                <a:srgbClr val="FFA500"/>
+              </a:solidFill>
+              <a:ln>
+                <a:solidFill>
+                  <a:srgbClr val="FFA500"/>
+                </a:solidFill>
+              </a:ln>
+            </p:spPr>
+            <p:style>
+              <a:lnRef idx="2">
+                <a:schemeClr val="accent2">
+                  <a:shade val="50000"/>
+                </a:schemeClr>
+              </a:lnRef>
+              <a:fillRef idx="1">
+                <a:schemeClr val="accent2"/>
+              </a:fillRef>
+              <a:effectRef idx="0">
+                <a:schemeClr val="accent2"/>
+              </a:effectRef>
+              <a:fontRef idx="minor">
+                <a:schemeClr val="lt1"/>
+              </a:fontRef>
+            </p:style>
+            <p:txBody>
+              <a:bodyPr rtlCol="0" anchor="ctr"/>
+              <a:lstStyle/>
+              <a:p>
+                <a:pPr marL="0" marR="0" lvl="0" indent="0" algn="ctr" defTabSz="914400" rtl="0" eaLnBrk="1" fontAlgn="auto" latinLnBrk="0" hangingPunct="1">
+                  <a:lnSpc>
+                    <a:spcPct val="100000"/>
+                  </a:lnSpc>
+                  <a:spcBef>
+                    <a:spcPts val="0"/>
+                  </a:spcBef>
+                  <a:spcAft>
+                    <a:spcPts val="0"/>
+                  </a:spcAft>
+                  <a:buClrTx/>
+                  <a:buSzTx/>
+                  <a:buFontTx/>
+                  <a:buNone/>
+                  <a:tabLst/>
+                  <a:defRPr/>
+                </a:pPr>
+                <a:endParaRPr kumimoji="0" lang="zh-CN" altLang="en-US" sz="1800" b="0" i="0" u="none" strike="noStrike" kern="1200" cap="none" spc="0" normalizeH="0" baseline="0" noProof="0">
+                  <a:ln>
+                    <a:noFill/>
+                  </a:ln>
+                  <a:solidFill>
+                    <a:prstClr val="white"/>
+                  </a:solidFill>
+                  <a:effectLst/>
+                  <a:uLnTx/>
+                  <a:uFillTx/>
+                  <a:latin typeface="等线" panose="020F0502020204030204"/>
+                  <a:ea typeface="等线" panose="02010600030101010101" pitchFamily="2" charset="-122"/>
+                  <a:cs typeface="+mn-cs"/>
+                </a:endParaRPr>
+              </a:p>
+            </p:txBody>
+          </p:sp>
+          <p:sp>
+            <p:nvSpPr>
+              <p:cNvPr id="64" name="椭圆 63">
+                <a:extLst>
+                  <a:ext uri="{FF2B5EF4-FFF2-40B4-BE49-F238E27FC236}">
+                    <a16:creationId xmlns:a16="http://schemas.microsoft.com/office/drawing/2014/main" id="{5FCC5684-DAEC-4849-A0AB-9009954803D9}"/>
+                  </a:ext>
+                </a:extLst>
+              </p:cNvPr>
+              <p:cNvSpPr/>
+              <p:nvPr/>
+            </p:nvSpPr>
+            <p:spPr>
+              <a:xfrm>
+                <a:off x="4198125" y="3438626"/>
+                <a:ext cx="173256" cy="173256"/>
+              </a:xfrm>
+              <a:prstGeom prst="ellipse">
+                <a:avLst/>
+              </a:prstGeom>
+              <a:solidFill>
+                <a:srgbClr val="FFA500"/>
+              </a:solidFill>
+              <a:ln>
+                <a:solidFill>
+                  <a:srgbClr val="FFA500"/>
+                </a:solidFill>
+              </a:ln>
+            </p:spPr>
+            <p:style>
+              <a:lnRef idx="2">
+                <a:schemeClr val="accent2">
+                  <a:shade val="50000"/>
+                </a:schemeClr>
+              </a:lnRef>
+              <a:fillRef idx="1">
+                <a:schemeClr val="accent2"/>
+              </a:fillRef>
+              <a:effectRef idx="0">
+                <a:schemeClr val="accent2"/>
+              </a:effectRef>
+              <a:fontRef idx="minor">
+                <a:schemeClr val="lt1"/>
+              </a:fontRef>
+            </p:style>
+            <p:txBody>
+              <a:bodyPr rtlCol="0" anchor="ctr"/>
+              <a:lstStyle/>
+              <a:p>
+                <a:pPr marL="0" marR="0" lvl="0" indent="0" algn="ctr" defTabSz="914400" rtl="0" eaLnBrk="1" fontAlgn="auto" latinLnBrk="0" hangingPunct="1">
+                  <a:lnSpc>
+                    <a:spcPct val="100000"/>
+                  </a:lnSpc>
+                  <a:spcBef>
+                    <a:spcPts val="0"/>
+                  </a:spcBef>
+                  <a:spcAft>
+                    <a:spcPts val="0"/>
+                  </a:spcAft>
+                  <a:buClrTx/>
+                  <a:buSzTx/>
+                  <a:buFontTx/>
+                  <a:buNone/>
+                  <a:tabLst/>
+                  <a:defRPr/>
+                </a:pPr>
+                <a:endParaRPr kumimoji="0" lang="zh-CN" altLang="en-US" sz="1800" b="0" i="0" u="none" strike="noStrike" kern="1200" cap="none" spc="0" normalizeH="0" baseline="0" noProof="0">
+                  <a:ln>
+                    <a:noFill/>
+                  </a:ln>
+                  <a:solidFill>
+                    <a:prstClr val="white"/>
+                  </a:solidFill>
+                  <a:effectLst/>
+                  <a:uLnTx/>
+                  <a:uFillTx/>
+                  <a:latin typeface="等线" panose="020F0502020204030204"/>
+                  <a:ea typeface="等线" panose="02010600030101010101" pitchFamily="2" charset="-122"/>
+                  <a:cs typeface="+mn-cs"/>
+                </a:endParaRPr>
+              </a:p>
+            </p:txBody>
+          </p:sp>
+          <p:sp>
+            <p:nvSpPr>
+              <p:cNvPr id="65" name="椭圆 64">
+                <a:extLst>
+                  <a:ext uri="{FF2B5EF4-FFF2-40B4-BE49-F238E27FC236}">
+                    <a16:creationId xmlns:a16="http://schemas.microsoft.com/office/drawing/2014/main" id="{608A833E-CA70-4CBC-8F95-3DE15FD19948}"/>
+                  </a:ext>
+                </a:extLst>
+              </p:cNvPr>
+              <p:cNvSpPr/>
+              <p:nvPr/>
+            </p:nvSpPr>
+            <p:spPr>
+              <a:xfrm>
+                <a:off x="5005891" y="4676273"/>
+                <a:ext cx="173256" cy="173256"/>
+              </a:xfrm>
+              <a:prstGeom prst="ellipse">
+                <a:avLst/>
+              </a:prstGeom>
+              <a:solidFill>
+                <a:srgbClr val="FFA500"/>
+              </a:solidFill>
+              <a:ln>
+                <a:solidFill>
+                  <a:srgbClr val="FFA500"/>
+                </a:solidFill>
+              </a:ln>
+            </p:spPr>
+            <p:style>
+              <a:lnRef idx="2">
+                <a:schemeClr val="accent2">
+                  <a:shade val="50000"/>
+                </a:schemeClr>
+              </a:lnRef>
+              <a:fillRef idx="1">
+                <a:schemeClr val="accent2"/>
+              </a:fillRef>
+              <a:effectRef idx="0">
+                <a:schemeClr val="accent2"/>
+              </a:effectRef>
+              <a:fontRef idx="minor">
+                <a:schemeClr val="lt1"/>
+              </a:fontRef>
+            </p:style>
+            <p:txBody>
+              <a:bodyPr rtlCol="0" anchor="ctr"/>
+              <a:lstStyle/>
+              <a:p>
+                <a:pPr marL="0" marR="0" lvl="0" indent="0" algn="ctr" defTabSz="914400" rtl="0" eaLnBrk="1" fontAlgn="auto" latinLnBrk="0" hangingPunct="1">
+                  <a:lnSpc>
+                    <a:spcPct val="100000"/>
+                  </a:lnSpc>
+                  <a:spcBef>
+                    <a:spcPts val="0"/>
+                  </a:spcBef>
+                  <a:spcAft>
+                    <a:spcPts val="0"/>
+                  </a:spcAft>
+                  <a:buClrTx/>
+                  <a:buSzTx/>
+                  <a:buFontTx/>
+                  <a:buNone/>
+                  <a:tabLst/>
+                  <a:defRPr/>
+                </a:pPr>
+                <a:endParaRPr kumimoji="0" lang="zh-CN" altLang="en-US" sz="1800" b="0" i="0" u="none" strike="noStrike" kern="1200" cap="none" spc="0" normalizeH="0" baseline="0" noProof="0">
+                  <a:ln>
+                    <a:noFill/>
+                  </a:ln>
+                  <a:solidFill>
+                    <a:prstClr val="white"/>
+                  </a:solidFill>
+                  <a:effectLst/>
+                  <a:uLnTx/>
+                  <a:uFillTx/>
+                  <a:latin typeface="等线" panose="020F0502020204030204"/>
+                  <a:ea typeface="等线" panose="02010600030101010101" pitchFamily="2" charset="-122"/>
+                  <a:cs typeface="+mn-cs"/>
+                </a:endParaRPr>
+              </a:p>
+            </p:txBody>
+          </p:sp>
+          <p:sp>
+            <p:nvSpPr>
+              <p:cNvPr id="66" name="椭圆 65">
+                <a:extLst>
+                  <a:ext uri="{FF2B5EF4-FFF2-40B4-BE49-F238E27FC236}">
+                    <a16:creationId xmlns:a16="http://schemas.microsoft.com/office/drawing/2014/main" id="{A8BB97F1-FD42-4599-B72E-19FEDC19ACCF}"/>
+                  </a:ext>
+                </a:extLst>
+              </p:cNvPr>
+              <p:cNvSpPr/>
+              <p:nvPr/>
+            </p:nvSpPr>
+            <p:spPr>
+              <a:xfrm>
+                <a:off x="5134040" y="3525254"/>
+                <a:ext cx="173256" cy="173256"/>
+              </a:xfrm>
+              <a:prstGeom prst="ellipse">
+                <a:avLst/>
+              </a:prstGeom>
+              <a:solidFill>
+                <a:srgbClr val="C00000"/>
+              </a:solidFill>
+              <a:ln>
+                <a:solidFill>
+                  <a:srgbClr val="C00000"/>
+                </a:solidFill>
+              </a:ln>
+            </p:spPr>
+            <p:style>
+              <a:lnRef idx="2">
+                <a:schemeClr val="accent1">
+                  <a:shade val="50000"/>
+                </a:schemeClr>
+              </a:lnRef>
+              <a:fillRef idx="1">
+                <a:schemeClr val="accent1"/>
+              </a:fillRef>
+              <a:effectRef idx="0">
+                <a:schemeClr val="accent1"/>
+              </a:effectRef>
+              <a:fontRef idx="minor">
+                <a:schemeClr val="lt1"/>
+              </a:fontRef>
+            </p:style>
+            <p:txBody>
+              <a:bodyPr rtlCol="0" anchor="ctr"/>
+              <a:lstStyle/>
+              <a:p>
+                <a:pPr marL="0" marR="0" lvl="0" indent="0" algn="ctr" defTabSz="914400" rtl="0" eaLnBrk="1" fontAlgn="auto" latinLnBrk="0" hangingPunct="1">
+                  <a:lnSpc>
+                    <a:spcPct val="100000"/>
+                  </a:lnSpc>
+                  <a:spcBef>
+                    <a:spcPts val="0"/>
+                  </a:spcBef>
+                  <a:spcAft>
+                    <a:spcPts val="0"/>
+                  </a:spcAft>
+                  <a:buClrTx/>
+                  <a:buSzTx/>
+                  <a:buFontTx/>
+                  <a:buNone/>
+                  <a:tabLst/>
+                  <a:defRPr/>
+                </a:pPr>
+                <a:endParaRPr kumimoji="0" lang="zh-CN" altLang="en-US" sz="1800" b="0" i="0" u="none" strike="noStrike" kern="1200" cap="none" spc="0" normalizeH="0" baseline="0" noProof="0">
+                  <a:ln>
+                    <a:noFill/>
+                  </a:ln>
+                  <a:solidFill>
+                    <a:prstClr val="white"/>
+                  </a:solidFill>
+                  <a:effectLst/>
+                  <a:uLnTx/>
+                  <a:uFillTx/>
+                  <a:latin typeface="等线" panose="020F0502020204030204"/>
+                  <a:ea typeface="等线" panose="02010600030101010101" pitchFamily="2" charset="-122"/>
+                  <a:cs typeface="+mn-cs"/>
+                </a:endParaRPr>
+              </a:p>
+            </p:txBody>
+          </p:sp>
+          <p:sp>
+            <p:nvSpPr>
+              <p:cNvPr id="67" name="椭圆 66">
+                <a:extLst>
+                  <a:ext uri="{FF2B5EF4-FFF2-40B4-BE49-F238E27FC236}">
+                    <a16:creationId xmlns:a16="http://schemas.microsoft.com/office/drawing/2014/main" id="{82626319-AA26-4955-A94C-15CA1727E2EE}"/>
+                  </a:ext>
+                </a:extLst>
+              </p:cNvPr>
+              <p:cNvSpPr/>
+              <p:nvPr/>
+            </p:nvSpPr>
+            <p:spPr>
+              <a:xfrm>
+                <a:off x="6187441" y="3202272"/>
+                <a:ext cx="173256" cy="173256"/>
+              </a:xfrm>
+              <a:prstGeom prst="ellipse">
+                <a:avLst/>
+              </a:prstGeom>
+              <a:solidFill>
+                <a:srgbClr val="0000CD"/>
+              </a:solidFill>
+              <a:ln>
+                <a:solidFill>
+                  <a:srgbClr val="0000CD"/>
+                </a:solidFill>
+              </a:ln>
+            </p:spPr>
+            <p:style>
+              <a:lnRef idx="2">
+                <a:schemeClr val="accent4">
+                  <a:shade val="50000"/>
+                </a:schemeClr>
+              </a:lnRef>
+              <a:fillRef idx="1">
+                <a:schemeClr val="accent4"/>
+              </a:fillRef>
+              <a:effectRef idx="0">
+                <a:schemeClr val="accent4"/>
+              </a:effectRef>
+              <a:fontRef idx="minor">
+                <a:schemeClr val="lt1"/>
+              </a:fontRef>
+            </p:style>
+            <p:txBody>
+              <a:bodyPr rtlCol="0" anchor="ctr"/>
+              <a:lstStyle/>
+              <a:p>
+                <a:pPr marL="0" marR="0" lvl="0" indent="0" algn="ctr" defTabSz="914400" rtl="0" eaLnBrk="1" fontAlgn="auto" latinLnBrk="0" hangingPunct="1">
+                  <a:lnSpc>
+                    <a:spcPct val="100000"/>
+                  </a:lnSpc>
+                  <a:spcBef>
+                    <a:spcPts val="0"/>
+                  </a:spcBef>
+                  <a:spcAft>
+                    <a:spcPts val="0"/>
+                  </a:spcAft>
+                  <a:buClrTx/>
+                  <a:buSzTx/>
+                  <a:buFontTx/>
+                  <a:buNone/>
+                  <a:tabLst/>
+                  <a:defRPr/>
+                </a:pPr>
+                <a:endParaRPr kumimoji="0" lang="zh-CN" altLang="en-US" sz="1800" b="0" i="0" u="none" strike="noStrike" kern="1200" cap="none" spc="0" normalizeH="0" baseline="0" noProof="0">
+                  <a:ln>
+                    <a:noFill/>
+                  </a:ln>
+                  <a:solidFill>
+                    <a:prstClr val="white"/>
+                  </a:solidFill>
+                  <a:effectLst/>
+                  <a:uLnTx/>
+                  <a:uFillTx/>
+                  <a:latin typeface="等线" panose="020F0502020204030204"/>
+                  <a:ea typeface="等线" panose="02010600030101010101" pitchFamily="2" charset="-122"/>
+                  <a:cs typeface="+mn-cs"/>
+                </a:endParaRPr>
+              </a:p>
+            </p:txBody>
+          </p:sp>
+          <p:cxnSp>
+            <p:nvCxnSpPr>
+              <p:cNvPr id="68" name="连接符: 曲线 67">
+                <a:extLst>
+                  <a:ext uri="{FF2B5EF4-FFF2-40B4-BE49-F238E27FC236}">
+                    <a16:creationId xmlns:a16="http://schemas.microsoft.com/office/drawing/2014/main" id="{686405EB-6DDD-40E4-BD30-FF14938B0645}"/>
+                  </a:ext>
+                </a:extLst>
+              </p:cNvPr>
+              <p:cNvCxnSpPr>
+                <a:cxnSpLocks/>
+                <a:stCxn id="66" idx="0"/>
+              </p:cNvCxnSpPr>
+              <p:nvPr/>
+            </p:nvCxnSpPr>
+            <p:spPr>
+              <a:xfrm rot="5400000" flipH="1" flipV="1">
+                <a:off x="5446979" y="2909921"/>
+                <a:ext cx="389022" cy="841644"/>
+              </a:xfrm>
+              <a:prstGeom prst="curvedConnector2">
+                <a:avLst/>
+              </a:prstGeom>
+              <a:ln>
+                <a:solidFill>
+                  <a:srgbClr val="FF0000"/>
+                </a:solidFill>
+                <a:tailEnd type="triangle"/>
+              </a:ln>
+            </p:spPr>
+            <p:style>
+              <a:lnRef idx="1">
+                <a:schemeClr val="dk1"/>
+              </a:lnRef>
+              <a:fillRef idx="0">
+                <a:schemeClr val="dk1"/>
+              </a:fillRef>
+              <a:effectRef idx="0">
+                <a:schemeClr val="dk1"/>
+              </a:effectRef>
+              <a:fontRef idx="minor">
+                <a:schemeClr val="tx1"/>
+              </a:fontRef>
+            </p:style>
+          </p:cxnSp>
+        </p:grpSp>
+        <p:cxnSp>
+          <p:nvCxnSpPr>
+            <p:cNvPr id="55" name="连接符: 曲线 54">
+              <a:extLst>
+                <a:ext uri="{FF2B5EF4-FFF2-40B4-BE49-F238E27FC236}">
+                  <a16:creationId xmlns:a16="http://schemas.microsoft.com/office/drawing/2014/main" id="{FE2C92BF-C81F-425D-8743-A435357C0727}"/>
+                </a:ext>
+              </a:extLst>
+            </p:cNvPr>
+            <p:cNvCxnSpPr>
+              <a:cxnSpLocks/>
+              <a:stCxn id="63" idx="7"/>
+            </p:cNvCxnSpPr>
+            <p:nvPr/>
+          </p:nvCxnSpPr>
+          <p:spPr>
+            <a:xfrm rot="5400000" flipH="1" flipV="1">
+              <a:off x="7596699" y="1742188"/>
+              <a:ext cx="370679" cy="670460"/>
+            </a:xfrm>
+            <a:prstGeom prst="curvedConnector2">
+              <a:avLst/>
+            </a:prstGeom>
+            <a:ln>
+              <a:tailEnd type="triangle"/>
+            </a:ln>
+          </p:spPr>
+          <p:style>
+            <a:lnRef idx="1">
+              <a:schemeClr val="accent2"/>
+            </a:lnRef>
+            <a:fillRef idx="0">
+              <a:schemeClr val="accent2"/>
+            </a:fillRef>
+            <a:effectRef idx="0">
+              <a:schemeClr val="accent2"/>
+            </a:effectRef>
+            <a:fontRef idx="minor">
+              <a:schemeClr val="tx1"/>
+            </a:fontRef>
+          </p:style>
+        </p:cxnSp>
+        <p:cxnSp>
+          <p:nvCxnSpPr>
+            <p:cNvPr id="56" name="连接符: 曲线 55">
+              <a:extLst>
+                <a:ext uri="{FF2B5EF4-FFF2-40B4-BE49-F238E27FC236}">
+                  <a16:creationId xmlns:a16="http://schemas.microsoft.com/office/drawing/2014/main" id="{2C6C7483-52FF-41FE-9150-51D52888C97B}"/>
+                </a:ext>
+              </a:extLst>
+            </p:cNvPr>
+            <p:cNvCxnSpPr>
+              <a:cxnSpLocks/>
+              <a:stCxn id="62" idx="1"/>
+            </p:cNvCxnSpPr>
+            <p:nvPr/>
+          </p:nvCxnSpPr>
+          <p:spPr>
+            <a:xfrm rot="16200000" flipV="1">
+              <a:off x="4204064" y="1373777"/>
+              <a:ext cx="238695" cy="315622"/>
+            </a:xfrm>
+            <a:prstGeom prst="curvedConnector2">
+              <a:avLst/>
+            </a:prstGeom>
+            <a:ln>
+              <a:tailEnd type="triangle"/>
+            </a:ln>
+          </p:spPr>
+          <p:style>
+            <a:lnRef idx="1">
+              <a:schemeClr val="accent2"/>
+            </a:lnRef>
+            <a:fillRef idx="0">
+              <a:schemeClr val="accent2"/>
+            </a:fillRef>
+            <a:effectRef idx="0">
+              <a:schemeClr val="accent2"/>
+            </a:effectRef>
+            <a:fontRef idx="minor">
+              <a:schemeClr val="tx1"/>
+            </a:fontRef>
+          </p:style>
+        </p:cxnSp>
+        <p:cxnSp>
+          <p:nvCxnSpPr>
+            <p:cNvPr id="57" name="连接符: 曲线 56">
+              <a:extLst>
+                <a:ext uri="{FF2B5EF4-FFF2-40B4-BE49-F238E27FC236}">
+                  <a16:creationId xmlns:a16="http://schemas.microsoft.com/office/drawing/2014/main" id="{BF3FEA33-E2B9-4811-A645-F33F70CD2CBC}"/>
+                </a:ext>
+              </a:extLst>
+            </p:cNvPr>
+            <p:cNvCxnSpPr>
+              <a:cxnSpLocks/>
+              <a:stCxn id="64" idx="0"/>
+            </p:cNvCxnSpPr>
+            <p:nvPr/>
+          </p:nvCxnSpPr>
+          <p:spPr>
+            <a:xfrm rot="16200000" flipV="1">
+              <a:off x="4603033" y="2383933"/>
+              <a:ext cx="301478" cy="383863"/>
+            </a:xfrm>
+            <a:prstGeom prst="curvedConnector2">
+              <a:avLst/>
+            </a:prstGeom>
+            <a:ln>
+              <a:tailEnd type="triangle"/>
+            </a:ln>
+          </p:spPr>
+          <p:style>
+            <a:lnRef idx="1">
+              <a:schemeClr val="accent2"/>
+            </a:lnRef>
+            <a:fillRef idx="0">
+              <a:schemeClr val="accent2"/>
+            </a:fillRef>
+            <a:effectRef idx="0">
+              <a:schemeClr val="accent2"/>
+            </a:effectRef>
+            <a:fontRef idx="minor">
+              <a:schemeClr val="tx1"/>
+            </a:fontRef>
+          </p:style>
+        </p:cxnSp>
+        <p:cxnSp>
+          <p:nvCxnSpPr>
+            <p:cNvPr id="58" name="连接符: 曲线 57">
+              <a:extLst>
+                <a:ext uri="{FF2B5EF4-FFF2-40B4-BE49-F238E27FC236}">
+                  <a16:creationId xmlns:a16="http://schemas.microsoft.com/office/drawing/2014/main" id="{6213B31A-DF10-49BE-B754-CD01915F5418}"/>
+                </a:ext>
+              </a:extLst>
+            </p:cNvPr>
+            <p:cNvCxnSpPr>
+              <a:cxnSpLocks/>
+              <a:stCxn id="65" idx="1"/>
+            </p:cNvCxnSpPr>
+            <p:nvPr/>
+          </p:nvCxnSpPr>
+          <p:spPr>
+            <a:xfrm rot="16200000" flipV="1">
+              <a:off x="5508487" y="3940313"/>
+              <a:ext cx="354910" cy="439724"/>
+            </a:xfrm>
+            <a:prstGeom prst="curvedConnector2">
+              <a:avLst/>
+            </a:prstGeom>
+            <a:ln>
+              <a:tailEnd type="triangle"/>
+            </a:ln>
+          </p:spPr>
+          <p:style>
+            <a:lnRef idx="1">
+              <a:schemeClr val="accent2"/>
+            </a:lnRef>
+            <a:fillRef idx="0">
+              <a:schemeClr val="accent2"/>
+            </a:fillRef>
+            <a:effectRef idx="0">
+              <a:schemeClr val="accent2"/>
+            </a:effectRef>
+            <a:fontRef idx="minor">
+              <a:schemeClr val="tx1"/>
+            </a:fontRef>
+          </p:style>
+        </p:cxnSp>
+        <p:sp>
+          <p:nvSpPr>
+            <p:cNvPr id="59" name="文本框 58">
+              <a:extLst>
+                <a:ext uri="{FF2B5EF4-FFF2-40B4-BE49-F238E27FC236}">
+                  <a16:creationId xmlns:a16="http://schemas.microsoft.com/office/drawing/2014/main" id="{0469B7F3-B6F7-40EB-B968-11E43D9658FB}"/>
+                </a:ext>
+              </a:extLst>
+            </p:cNvPr>
+            <p:cNvSpPr txBox="1"/>
+            <p:nvPr/>
+          </p:nvSpPr>
+          <p:spPr>
+            <a:xfrm>
+              <a:off x="3900516" y="203170"/>
+              <a:ext cx="1318977" cy="417518"/>
+            </a:xfrm>
+            <a:prstGeom prst="rect">
+              <a:avLst/>
+            </a:prstGeom>
+            <a:noFill/>
+          </p:spPr>
+          <p:txBody>
+            <a:bodyPr wrap="square" rtlCol="0">
+              <a:spAutoFit/>
+            </a:bodyPr>
+            <a:lstStyle/>
+            <a:p>
+              <a:pPr marL="0" marR="0" lvl="0" indent="0" algn="l" defTabSz="914400" rtl="0" eaLnBrk="1" fontAlgn="auto" latinLnBrk="0" hangingPunct="1">
+                <a:lnSpc>
+                  <a:spcPct val="100000"/>
+                </a:lnSpc>
+                <a:spcBef>
+                  <a:spcPts val="0"/>
+                </a:spcBef>
+                <a:spcAft>
+                  <a:spcPts val="0"/>
+                </a:spcAft>
+                <a:buClrTx/>
+                <a:buSzTx/>
+                <a:buFontTx/>
+                <a:buNone/>
+                <a:tabLst/>
+                <a:defRPr/>
+              </a:pPr>
+              <a:r>
+                <a:rPr kumimoji="0" lang="en-US" altLang="zh-CN" sz="1800" b="1" i="0" u="none" strike="noStrike" kern="1200" cap="none" spc="0" normalizeH="0" baseline="0" noProof="0" dirty="0">
+                  <a:ln>
+                    <a:noFill/>
+                  </a:ln>
+                  <a:solidFill>
+                    <a:prstClr val="white"/>
+                  </a:solidFill>
+                  <a:effectLst/>
+                  <a:uLnTx/>
+                  <a:uFillTx/>
+                  <a:latin typeface="等线" panose="020F0502020204030204"/>
+                  <a:ea typeface="等线" panose="02010600030101010101" pitchFamily="2" charset="-122"/>
+                  <a:cs typeface="+mn-cs"/>
+                </a:rPr>
+                <a:t>Time: 7s</a:t>
+              </a:r>
+              <a:endParaRPr kumimoji="0" lang="zh-CN" altLang="en-US" sz="1800" b="1" i="0" u="none" strike="noStrike" kern="1200" cap="none" spc="0" normalizeH="0" baseline="0" noProof="0" dirty="0">
+                <a:ln>
+                  <a:noFill/>
+                </a:ln>
+                <a:solidFill>
+                  <a:prstClr val="white"/>
+                </a:solidFill>
+                <a:effectLst/>
+                <a:uLnTx/>
+                <a:uFillTx/>
+                <a:latin typeface="等线" panose="020F0502020204030204"/>
+                <a:ea typeface="等线" panose="02010600030101010101" pitchFamily="2" charset="-122"/>
+                <a:cs typeface="+mn-cs"/>
+              </a:endParaRPr>
+            </a:p>
+          </p:txBody>
+        </p:sp>
+        <p:sp>
+          <p:nvSpPr>
+            <p:cNvPr id="60" name="文本框 59">
+              <a:extLst>
+                <a:ext uri="{FF2B5EF4-FFF2-40B4-BE49-F238E27FC236}">
+                  <a16:creationId xmlns:a16="http://schemas.microsoft.com/office/drawing/2014/main" id="{26F9E336-869D-47E6-85A4-ADDFEEF016C0}"/>
+                </a:ext>
+              </a:extLst>
+            </p:cNvPr>
+            <p:cNvSpPr txBox="1"/>
+            <p:nvPr/>
+          </p:nvSpPr>
+          <p:spPr>
+            <a:xfrm>
+              <a:off x="6404750" y="208361"/>
+              <a:ext cx="2072528" cy="394959"/>
+            </a:xfrm>
+            <a:prstGeom prst="rect">
+              <a:avLst/>
+            </a:prstGeom>
+            <a:noFill/>
+          </p:spPr>
+          <p:txBody>
+            <a:bodyPr wrap="square" rtlCol="0">
+              <a:spAutoFit/>
+            </a:bodyPr>
+            <a:lstStyle/>
+            <a:p>
+              <a:pPr marL="0" marR="0" lvl="0" indent="0" algn="l" defTabSz="914400" rtl="0" eaLnBrk="1" fontAlgn="auto" latinLnBrk="0" hangingPunct="1">
+                <a:lnSpc>
+                  <a:spcPct val="100000"/>
+                </a:lnSpc>
+                <a:spcBef>
+                  <a:spcPts val="0"/>
+                </a:spcBef>
+                <a:spcAft>
+                  <a:spcPts val="0"/>
+                </a:spcAft>
+                <a:buClrTx/>
+                <a:buSzTx/>
+                <a:buFontTx/>
+                <a:buNone/>
+                <a:tabLst/>
+                <a:defRPr/>
+              </a:pPr>
+              <a:r>
+                <a:rPr kumimoji="0" lang="en-US" altLang="zh-CN" sz="1800" b="1" i="0" u="none" strike="noStrike" kern="1200" cap="none" spc="0" normalizeH="0" baseline="0" noProof="0" dirty="0">
+                  <a:ln>
+                    <a:noFill/>
+                  </a:ln>
+                  <a:solidFill>
+                    <a:srgbClr val="00FF00"/>
+                  </a:solidFill>
+                  <a:effectLst/>
+                  <a:uLnTx/>
+                  <a:uFillTx/>
+                  <a:latin typeface="等线" panose="020F0502020204030204"/>
+                  <a:ea typeface="等线" panose="02010600030101010101" pitchFamily="2" charset="-122"/>
+                  <a:cs typeface="+mn-cs"/>
+                </a:rPr>
+                <a:t>Total Score: 10</a:t>
+              </a:r>
+              <a:endParaRPr kumimoji="0" lang="zh-CN" altLang="en-US" sz="1800" b="1" i="0" u="none" strike="noStrike" kern="1200" cap="none" spc="0" normalizeH="0" baseline="0" noProof="0" dirty="0">
+                <a:ln>
+                  <a:noFill/>
+                </a:ln>
+                <a:solidFill>
+                  <a:srgbClr val="00FF00"/>
+                </a:solidFill>
+                <a:effectLst/>
+                <a:uLnTx/>
+                <a:uFillTx/>
+                <a:latin typeface="等线" panose="020F0502020204030204"/>
+                <a:ea typeface="等线" panose="02010600030101010101" pitchFamily="2" charset="-122"/>
+                <a:cs typeface="+mn-cs"/>
+              </a:endParaRPr>
+            </a:p>
+          </p:txBody>
+        </p:sp>
+      </p:grpSp>
+      <p:sp>
+        <p:nvSpPr>
+          <p:cNvPr id="20" name="椭圆 19">
+            <a:extLst>
+              <a:ext uri="{FF2B5EF4-FFF2-40B4-BE49-F238E27FC236}">
+                <a16:creationId xmlns:a16="http://schemas.microsoft.com/office/drawing/2014/main" id="{BD514CDC-356F-4474-B104-8E06EEAE033A}"/>
+              </a:ext>
+            </a:extLst>
+          </p:cNvPr>
+          <p:cNvSpPr/>
+          <p:nvPr/>
+        </p:nvSpPr>
+        <p:spPr>
+          <a:xfrm>
+            <a:off x="2926985" y="2646147"/>
+            <a:ext cx="210842" cy="209107"/>
+          </a:xfrm>
+          <a:prstGeom prst="ellipse">
+            <a:avLst/>
+          </a:prstGeom>
+          <a:solidFill>
+            <a:schemeClr val="accent6">
+              <a:lumMod val="75000"/>
+            </a:schemeClr>
+          </a:solidFill>
+          <a:ln>
+            <a:solidFill>
+              <a:schemeClr val="accent6">
+                <a:lumMod val="75000"/>
+              </a:schemeClr>
+            </a:solidFill>
+          </a:ln>
+        </p:spPr>
+        <p:style>
+          <a:lnRef idx="2">
+            <a:schemeClr val="accent1">
+              <a:shade val="50000"/>
+            </a:schemeClr>
+          </a:lnRef>
+          <a:fillRef idx="1">
+            <a:schemeClr val="accent1"/>
+          </a:fillRef>
+          <a:effectRef idx="0">
+            <a:schemeClr val="accent1"/>
+          </a:effectRef>
+          <a:fontRef idx="minor">
+            <a:schemeClr val="lt1"/>
+          </a:fontRef>
+        </p:style>
+        <p:txBody>
+          <a:bodyPr rtlCol="0" anchor="ctr"/>
+          <a:lstStyle/>
+          <a:p>
+            <a:pPr marL="0" marR="0" lvl="0" indent="0" algn="ctr" defTabSz="914400" rtl="0" eaLnBrk="1" fontAlgn="auto" latinLnBrk="0" hangingPunct="1">
+              <a:lnSpc>
+                <a:spcPct val="100000"/>
+              </a:lnSpc>
+              <a:spcBef>
+                <a:spcPts val="0"/>
+              </a:spcBef>
+              <a:spcAft>
+                <a:spcPts val="0"/>
+              </a:spcAft>
+              <a:buClrTx/>
+              <a:buSzTx/>
+              <a:buFontTx/>
+              <a:buNone/>
+              <a:tabLst/>
+              <a:defRPr/>
+            </a:pPr>
+            <a:endParaRPr kumimoji="0" lang="zh-CN" altLang="en-US" sz="1800" b="0" i="0" u="none" strike="noStrike" kern="1200" cap="none" spc="0" normalizeH="0" baseline="0" noProof="0" dirty="0">
+              <a:ln>
+                <a:noFill/>
+              </a:ln>
+              <a:solidFill>
+                <a:srgbClr val="C00000"/>
+              </a:solidFill>
+              <a:effectLst/>
+              <a:uLnTx/>
+              <a:uFillTx/>
+              <a:latin typeface="等线" panose="020F0502020204030204"/>
+              <a:ea typeface="等线" panose="02010600030101010101" pitchFamily="2" charset="-122"/>
+              <a:cs typeface="+mn-cs"/>
+            </a:endParaRPr>
+          </a:p>
+        </p:txBody>
+      </p:sp>
+      <p:cxnSp>
+        <p:nvCxnSpPr>
+          <p:cNvPr id="21" name="连接符: 曲线 20">
+            <a:extLst>
+              <a:ext uri="{FF2B5EF4-FFF2-40B4-BE49-F238E27FC236}">
+                <a16:creationId xmlns:a16="http://schemas.microsoft.com/office/drawing/2014/main" id="{86BC0D5F-E9FB-42EC-BFC4-D2BA929B58DA}"/>
+              </a:ext>
+            </a:extLst>
+          </p:cNvPr>
+          <p:cNvCxnSpPr>
+            <a:cxnSpLocks/>
+            <a:stCxn id="20" idx="6"/>
+            <a:endCxn id="63" idx="1"/>
+          </p:cNvCxnSpPr>
+          <p:nvPr/>
+        </p:nvCxnSpPr>
+        <p:spPr>
+          <a:xfrm>
+            <a:off x="3137827" y="2750701"/>
+            <a:ext cx="628794" cy="246154"/>
+          </a:xfrm>
+          <a:prstGeom prst="curvedConnector2">
+            <a:avLst/>
+          </a:prstGeom>
+          <a:ln>
+            <a:solidFill>
+              <a:schemeClr val="accent6">
+                <a:lumMod val="75000"/>
+              </a:schemeClr>
+            </a:solidFill>
+            <a:tailEnd type="triangle"/>
+          </a:ln>
+        </p:spPr>
+        <p:style>
+          <a:lnRef idx="1">
+            <a:schemeClr val="dk1"/>
+          </a:lnRef>
+          <a:fillRef idx="0">
+            <a:schemeClr val="dk1"/>
+          </a:fillRef>
+          <a:effectRef idx="0">
+            <a:schemeClr val="dk1"/>
+          </a:effectRef>
+          <a:fontRef idx="minor">
+            <a:schemeClr val="tx1"/>
+          </a:fontRef>
+        </p:style>
+      </p:cxnSp>
+    </p:spTree>
+    <p:extLst>
+      <p:ext uri="{BB962C8B-B14F-4D97-AF65-F5344CB8AC3E}">
+        <p14:creationId xmlns:p14="http://schemas.microsoft.com/office/powerpoint/2010/main" val="3007792076"/>
+      </p:ext>
+    </p:extLst>
+  </p:cSld>
+  <p:clrMapOvr>
+    <a:masterClrMapping/>
+  </p:clrMapOvr>
+</p:sld>
+</file>
+
+<file path=ppt/slides/slide6.xml><?xml version="1.0" encoding="utf-8"?>
+<p:sld xmlns:a="http://schemas.openxmlformats.org/drawingml/2006/main" xmlns:r="http://schemas.openxmlformats.org/officeDocument/2006/relationships" xmlns:p="http://schemas.openxmlformats.org/presentationml/2006/main">
+  <p:cSld>
+    <p:spTree>
+      <p:nvGrpSpPr>
+        <p:cNvPr id="1" name=""/>
+        <p:cNvGrpSpPr/>
+        <p:nvPr/>
+      </p:nvGrpSpPr>
+      <p:grpSpPr>
+        <a:xfrm>
+          <a:off x="0" y="0"/>
+          <a:ext cx="0" cy="0"/>
+          <a:chOff x="0" y="0"/>
+          <a:chExt cx="0" cy="0"/>
+        </a:xfrm>
+      </p:grpSpPr>
+      <p:sp>
+        <p:nvSpPr>
+          <p:cNvPr id="4" name="矩形 3"/>
+          <p:cNvSpPr/>
+          <p:nvPr/>
+        </p:nvSpPr>
+        <p:spPr>
+          <a:xfrm>
+            <a:off x="0" y="0"/>
+            <a:ext cx="12192000" cy="6858000"/>
+          </a:xfrm>
+          <a:prstGeom prst="rect">
+            <a:avLst/>
+          </a:prstGeom>
+          <a:solidFill>
+            <a:schemeClr val="bg2">
+              <a:lumMod val="25000"/>
+            </a:schemeClr>
+          </a:solidFill>
+          <a:ln>
+            <a:noFill/>
+          </a:ln>
+        </p:spPr>
+        <p:style>
+          <a:lnRef idx="3">
+            <a:schemeClr val="lt1"/>
+          </a:lnRef>
+          <a:fillRef idx="1">
+            <a:schemeClr val="accent3"/>
+          </a:fillRef>
+          <a:effectRef idx="1">
+            <a:schemeClr val="accent3"/>
+          </a:effectRef>
+          <a:fontRef idx="minor">
+            <a:schemeClr val="lt1"/>
+          </a:fontRef>
+        </p:style>
+        <p:txBody>
+          <a:bodyPr rtlCol="0" anchor="ctr"/>
+          <a:lstStyle/>
+          <a:p>
+            <a:pPr lvl="4">
+              <a:lnSpc>
+                <a:spcPct val="150000"/>
+              </a:lnSpc>
+            </a:pPr>
+            <a:r>
+              <a:rPr lang="zh-CN" altLang="en-US" sz="2800" dirty="0">
+                <a:latin typeface="黑体" panose="02010609060101010101" pitchFamily="49" charset="-122"/>
+                <a:ea typeface="黑体" panose="02010609060101010101" pitchFamily="49" charset="-122"/>
+              </a:rPr>
+              <a:t>游戏开始后，前面六轮将作为练习，</a:t>
+            </a:r>
+            <a:endParaRPr lang="en-US" altLang="zh-CN" sz="2800" dirty="0">
+              <a:latin typeface="黑体" panose="02010609060101010101" pitchFamily="49" charset="-122"/>
+              <a:ea typeface="黑体" panose="02010609060101010101" pitchFamily="49" charset="-122"/>
+            </a:endParaRPr>
+          </a:p>
+          <a:p>
+            <a:pPr lvl="4">
+              <a:lnSpc>
+                <a:spcPct val="150000"/>
+              </a:lnSpc>
+            </a:pPr>
+            <a:r>
+              <a:rPr lang="zh-CN" altLang="en-US" sz="2800" dirty="0">
+                <a:latin typeface="黑体" panose="02010609060101010101" pitchFamily="49" charset="-122"/>
+                <a:ea typeface="黑体" panose="02010609060101010101" pitchFamily="49" charset="-122"/>
+              </a:rPr>
+              <a:t>便于进一步理解规则以及熟悉操作，不计入成绩。</a:t>
+            </a:r>
+            <a:endParaRPr lang="en-US" altLang="zh-CN" sz="2800" dirty="0">
+              <a:latin typeface="黑体" panose="02010609060101010101" pitchFamily="49" charset="-122"/>
+              <a:ea typeface="黑体" panose="02010609060101010101" pitchFamily="49" charset="-122"/>
+            </a:endParaRPr>
+          </a:p>
+          <a:p>
+            <a:pPr lvl="4">
+              <a:lnSpc>
+                <a:spcPct val="150000"/>
+              </a:lnSpc>
+            </a:pPr>
+            <a:r>
+              <a:rPr lang="zh-CN" altLang="en-US" sz="2800" dirty="0">
+                <a:latin typeface="黑体" panose="02010609060101010101" pitchFamily="49" charset="-122"/>
+                <a:ea typeface="黑体" panose="02010609060101010101" pitchFamily="49" charset="-122"/>
+              </a:rPr>
+              <a:t>待双方玩家都明确游戏规则后，再进入正式游戏。</a:t>
+            </a:r>
+          </a:p>
+        </p:txBody>
+      </p:sp>
+    </p:spTree>
+    <p:extLst>
+      <p:ext uri="{BB962C8B-B14F-4D97-AF65-F5344CB8AC3E}">
+        <p14:creationId xmlns:p14="http://schemas.microsoft.com/office/powerpoint/2010/main" val="2838034172"/>
+      </p:ext>
+    </p:extLst>
+  </p:cSld>
+  <p:clrMapOvr>
+    <a:masterClrMapping/>
+  </p:clrMapOvr>
+</p:sld>
+</file>
+
+<file path=ppt/slides/slide7.xml><?xml version="1.0" encoding="utf-8"?>
 <p:sld xmlns:a="http://schemas.openxmlformats.org/drawingml/2006/main" xmlns:r="http://schemas.openxmlformats.org/officeDocument/2006/relationships" xmlns:p="http://schemas.openxmlformats.org/presentationml/2006/main">
   <p:cSld>
     <p:spTree>
@@ -6735,7 +10474,7 @@
                 <a:latin typeface="黑体" panose="02010609060101010101" pitchFamily="49" charset="-122"/>
                 <a:ea typeface="黑体" panose="02010609060101010101" pitchFamily="49" charset="-122"/>
               </a:rPr>
-              <a:t>游戏界面刷新，两名玩家的位置也会刷新</a:t>
+              <a:t>游戏界面刷新，玩家的位置也会刷新</a:t>
             </a:r>
             <a:endParaRPr lang="en-US" altLang="zh-CN" b="1" dirty="0">
               <a:solidFill>
@@ -6864,7 +10603,7 @@
                 <a:latin typeface="黑体" panose="02010609060101010101" pitchFamily="49" charset="-122"/>
                 <a:ea typeface="黑体" panose="02010609060101010101" pitchFamily="49" charset="-122"/>
               </a:rPr>
-              <a:t>等待双方确认后游戏开始。</a:t>
+              <a:t>等待各玩家确认后游戏开始。</a:t>
             </a:r>
           </a:p>
         </p:txBody>
@@ -7412,7 +11151,7 @@
 </p:sld>
 </file>
 
-<file path=ppt/slides/slide5.xml><?xml version="1.0" encoding="utf-8"?>
+<file path=ppt/slides/slide8.xml><?xml version="1.0" encoding="utf-8"?>
 <p:sld xmlns:a="http://schemas.openxmlformats.org/drawingml/2006/main" xmlns:r="http://schemas.openxmlformats.org/officeDocument/2006/relationships" xmlns:p="http://schemas.openxmlformats.org/presentationml/2006/main">
   <p:cSld>
     <p:spTree>
@@ -7544,7 +11283,26 @@
                 <a:latin typeface="黑体" panose="02010609060101010101" pitchFamily="49" charset="-122"/>
                 <a:ea typeface="黑体" panose="02010609060101010101" pitchFamily="49" charset="-122"/>
               </a:rPr>
-              <a:t>等待双方确认后游戏继续。</a:t>
+              <a:t>等待</a:t>
+            </a:r>
+            <a:r>
+              <a:rPr lang="zh-CN" altLang="en-US" sz="2800" b="1" dirty="0">
+                <a:solidFill>
+                  <a:schemeClr val="bg1">
+                    <a:lumMod val="95000"/>
+                  </a:schemeClr>
+                </a:solidFill>
+                <a:latin typeface="黑体" panose="02010609060101010101" pitchFamily="49" charset="-122"/>
+                <a:ea typeface="黑体" panose="02010609060101010101" pitchFamily="49" charset="-122"/>
+              </a:rPr>
+              <a:t>各玩家</a:t>
+            </a:r>
+            <a:r>
+              <a:rPr lang="zh-CN" altLang="en-US" sz="2800" b="1" dirty="0">
+                <a:latin typeface="黑体" panose="02010609060101010101" pitchFamily="49" charset="-122"/>
+                <a:ea typeface="黑体" panose="02010609060101010101" pitchFamily="49" charset="-122"/>
+              </a:rPr>
+              <a:t>确认后游戏继续。</a:t>
             </a:r>
             <a:endParaRPr lang="zh-CN" altLang="en-US" sz="3600" b="1" dirty="0">
               <a:latin typeface="黑体" panose="02010609060101010101" pitchFamily="49" charset="-122"/>
@@ -7837,111 +11595,7 @@
 </p:sld>
 </file>
 
-<file path=ppt/slides/slide6.xml><?xml version="1.0" encoding="utf-8"?>
-<p:sld xmlns:a="http://schemas.openxmlformats.org/drawingml/2006/main" xmlns:r="http://schemas.openxmlformats.org/officeDocument/2006/relationships" xmlns:p="http://schemas.openxmlformats.org/presentationml/2006/main">
-  <p:cSld>
-    <p:spTree>
-      <p:nvGrpSpPr>
-        <p:cNvPr id="1" name=""/>
-        <p:cNvGrpSpPr/>
-        <p:nvPr/>
-      </p:nvGrpSpPr>
-      <p:grpSpPr>
-        <a:xfrm>
-          <a:off x="0" y="0"/>
-          <a:ext cx="0" cy="0"/>
-          <a:chOff x="0" y="0"/>
-          <a:chExt cx="0" cy="0"/>
-        </a:xfrm>
-      </p:grpSpPr>
-      <p:sp>
-        <p:nvSpPr>
-          <p:cNvPr id="4" name="矩形 3"/>
-          <p:cNvSpPr/>
-          <p:nvPr/>
-        </p:nvSpPr>
-        <p:spPr>
-          <a:xfrm>
-            <a:off x="887506" y="416859"/>
-            <a:ext cx="10273830" cy="6131859"/>
-          </a:xfrm>
-          <a:prstGeom prst="rect">
-            <a:avLst/>
-          </a:prstGeom>
-          <a:solidFill>
-            <a:schemeClr val="bg2">
-              <a:lumMod val="25000"/>
-            </a:schemeClr>
-          </a:solidFill>
-          <a:ln>
-            <a:noFill/>
-          </a:ln>
-        </p:spPr>
-        <p:style>
-          <a:lnRef idx="3">
-            <a:schemeClr val="lt1"/>
-          </a:lnRef>
-          <a:fillRef idx="1">
-            <a:schemeClr val="accent3"/>
-          </a:fillRef>
-          <a:effectRef idx="1">
-            <a:schemeClr val="accent3"/>
-          </a:effectRef>
-          <a:fontRef idx="minor">
-            <a:schemeClr val="lt1"/>
-          </a:fontRef>
-        </p:style>
-        <p:txBody>
-          <a:bodyPr rtlCol="0" anchor="ctr"/>
-          <a:lstStyle/>
-          <a:p>
-            <a:pPr marL="0" lvl="4" algn="ctr">
-              <a:lnSpc>
-                <a:spcPct val="150000"/>
-              </a:lnSpc>
-            </a:pPr>
-            <a:r>
-              <a:rPr lang="zh-CN" altLang="en-US" sz="5400" b="1" dirty="0">
-                <a:latin typeface="黑体" panose="02010609060101010101" pitchFamily="49" charset="-122"/>
-                <a:ea typeface="黑体" panose="02010609060101010101" pitchFamily="49" charset="-122"/>
-              </a:rPr>
-              <a:t>等待双方休息完毕后</a:t>
-            </a:r>
-            <a:endParaRPr lang="en-US" altLang="zh-CN" sz="5400" b="1" dirty="0">
-              <a:latin typeface="黑体" panose="02010609060101010101" pitchFamily="49" charset="-122"/>
-              <a:ea typeface="黑体" panose="02010609060101010101" pitchFamily="49" charset="-122"/>
-            </a:endParaRPr>
-          </a:p>
-          <a:p>
-            <a:pPr marL="0" lvl="4" algn="ctr">
-              <a:lnSpc>
-                <a:spcPct val="150000"/>
-              </a:lnSpc>
-            </a:pPr>
-            <a:r>
-              <a:rPr lang="zh-CN" altLang="en-US" sz="5400" b="1" dirty="0">
-                <a:latin typeface="黑体" panose="02010609060101010101" pitchFamily="49" charset="-122"/>
-                <a:ea typeface="黑体" panose="02010609060101010101" pitchFamily="49" charset="-122"/>
-              </a:rPr>
-              <a:t>游戏继续。</a:t>
-            </a:r>
-          </a:p>
-        </p:txBody>
-      </p:sp>
-    </p:spTree>
-    <p:extLst>
-      <p:ext uri="{BB962C8B-B14F-4D97-AF65-F5344CB8AC3E}">
-        <p14:creationId xmlns:p14="http://schemas.microsoft.com/office/powerpoint/2010/main" val="679786441"/>
-      </p:ext>
-    </p:extLst>
-  </p:cSld>
-  <p:clrMapOvr>
-    <a:masterClrMapping/>
-  </p:clrMapOvr>
-</p:sld>
-</file>
-
-<file path=ppt/slides/slide7.xml><?xml version="1.0" encoding="utf-8"?>
+<file path=ppt/slides/slide9.xml><?xml version="1.0" encoding="utf-8"?>
 <p:sld xmlns:a="http://schemas.openxmlformats.org/drawingml/2006/main" xmlns:r="http://schemas.openxmlformats.org/officeDocument/2006/relationships" xmlns:p="http://schemas.openxmlformats.org/presentationml/2006/main">
   <p:cSld>
     <p:spTree>
@@ -8036,117 +11690,6 @@
     <p:extLst>
       <p:ext uri="{BB962C8B-B14F-4D97-AF65-F5344CB8AC3E}">
         <p14:creationId xmlns:p14="http://schemas.microsoft.com/office/powerpoint/2010/main" val="856994835"/>
-      </p:ext>
-    </p:extLst>
-  </p:cSld>
-  <p:clrMapOvr>
-    <a:masterClrMapping/>
-  </p:clrMapOvr>
-</p:sld>
-</file>
-
-<file path=ppt/slides/slide8.xml><?xml version="1.0" encoding="utf-8"?>
-<p:sld xmlns:a="http://schemas.openxmlformats.org/drawingml/2006/main" xmlns:r="http://schemas.openxmlformats.org/officeDocument/2006/relationships" xmlns:p="http://schemas.openxmlformats.org/presentationml/2006/main">
-  <p:cSld>
-    <p:spTree>
-      <p:nvGrpSpPr>
-        <p:cNvPr id="1" name=""/>
-        <p:cNvGrpSpPr/>
-        <p:nvPr/>
-      </p:nvGrpSpPr>
-      <p:grpSpPr>
-        <a:xfrm>
-          <a:off x="0" y="0"/>
-          <a:ext cx="0" cy="0"/>
-          <a:chOff x="0" y="0"/>
-          <a:chExt cx="0" cy="0"/>
-        </a:xfrm>
-      </p:grpSpPr>
-      <p:sp>
-        <p:nvSpPr>
-          <p:cNvPr id="4" name="矩形 3"/>
-          <p:cNvSpPr/>
-          <p:nvPr/>
-        </p:nvSpPr>
-        <p:spPr>
-          <a:xfrm>
-            <a:off x="887506" y="416859"/>
-            <a:ext cx="8767482" cy="6131859"/>
-          </a:xfrm>
-          <a:prstGeom prst="rect">
-            <a:avLst/>
-          </a:prstGeom>
-          <a:solidFill>
-            <a:schemeClr val="bg2">
-              <a:lumMod val="25000"/>
-            </a:schemeClr>
-          </a:solidFill>
-          <a:ln>
-            <a:noFill/>
-          </a:ln>
-        </p:spPr>
-        <p:style>
-          <a:lnRef idx="3">
-            <a:schemeClr val="lt1"/>
-          </a:lnRef>
-          <a:fillRef idx="1">
-            <a:schemeClr val="accent3"/>
-          </a:fillRef>
-          <a:effectRef idx="1">
-            <a:schemeClr val="accent3"/>
-          </a:effectRef>
-          <a:fontRef idx="minor">
-            <a:schemeClr val="lt1"/>
-          </a:fontRef>
-        </p:style>
-        <p:txBody>
-          <a:bodyPr rtlCol="0" anchor="ctr"/>
-          <a:lstStyle/>
-          <a:p>
-            <a:pPr lvl="4">
-              <a:lnSpc>
-                <a:spcPct val="150000"/>
-              </a:lnSpc>
-            </a:pPr>
-            <a:r>
-              <a:rPr lang="zh-CN" altLang="en-US" sz="5400" b="1" dirty="0">
-                <a:latin typeface="黑体" panose="02010609060101010101" pitchFamily="49" charset="-122"/>
-                <a:ea typeface="黑体" panose="02010609060101010101" pitchFamily="49" charset="-122"/>
-              </a:rPr>
-              <a:t>请休息片刻，</a:t>
-            </a:r>
-            <a:endParaRPr lang="en-US" altLang="zh-CN" sz="5400" b="1" dirty="0">
-              <a:latin typeface="黑体" panose="02010609060101010101" pitchFamily="49" charset="-122"/>
-              <a:ea typeface="黑体" panose="02010609060101010101" pitchFamily="49" charset="-122"/>
-            </a:endParaRPr>
-          </a:p>
-          <a:p>
-            <a:pPr lvl="4">
-              <a:lnSpc>
-                <a:spcPct val="150000"/>
-              </a:lnSpc>
-            </a:pPr>
-            <a:r>
-              <a:rPr lang="en-US" altLang="zh-CN" sz="5400" b="1" dirty="0">
-                <a:latin typeface="黑体" panose="02010609060101010101" pitchFamily="49" charset="-122"/>
-                <a:ea typeface="黑体" panose="02010609060101010101" pitchFamily="49" charset="-122"/>
-              </a:rPr>
-              <a:t>30s</a:t>
-            </a:r>
-            <a:r>
-              <a:rPr lang="zh-CN" altLang="en-US" sz="5400" b="1" dirty="0">
-                <a:latin typeface="黑体" panose="02010609060101010101" pitchFamily="49" charset="-122"/>
-                <a:ea typeface="黑体" panose="02010609060101010101" pitchFamily="49" charset="-122"/>
-              </a:rPr>
-              <a:t>后游戏继续。</a:t>
-            </a:r>
-          </a:p>
-        </p:txBody>
-      </p:sp>
-    </p:spTree>
-    <p:extLst>
-      <p:ext uri="{BB962C8B-B14F-4D97-AF65-F5344CB8AC3E}">
-        <p14:creationId xmlns:p14="http://schemas.microsoft.com/office/powerpoint/2010/main" val="3226466048"/>
       </p:ext>
     </p:extLst>
   </p:cSld>

--- a/pictures/introduction.pptx
+++ b/pictures/introduction.pptx
@@ -5,18 +5,17 @@
     <p:sldMasterId id="2147483648" r:id="rId1"/>
   </p:sldMasterIdLst>
   <p:notesMasterIdLst>
-    <p:notesMasterId r:id="rId11"/>
+    <p:notesMasterId r:id="rId10"/>
   </p:notesMasterIdLst>
   <p:sldIdLst>
     <p:sldId id="261" r:id="rId2"/>
     <p:sldId id="267" r:id="rId3"/>
-    <p:sldId id="275" r:id="rId4"/>
-    <p:sldId id="280" r:id="rId5"/>
-    <p:sldId id="281" r:id="rId6"/>
-    <p:sldId id="284" r:id="rId7"/>
-    <p:sldId id="278" r:id="rId8"/>
-    <p:sldId id="276" r:id="rId9"/>
-    <p:sldId id="259" r:id="rId10"/>
+    <p:sldId id="280" r:id="rId4"/>
+    <p:sldId id="281" r:id="rId5"/>
+    <p:sldId id="278" r:id="rId6"/>
+    <p:sldId id="276" r:id="rId7"/>
+    <p:sldId id="259" r:id="rId8"/>
+    <p:sldId id="282" r:id="rId9"/>
   </p:sldIdLst>
   <p:sldSz cx="12192000" cy="6858000"/>
   <p:notesSz cx="6858000" cy="9144000"/>
@@ -122,14 +121,12 @@
           <p14:sldIdLst>
             <p14:sldId id="261"/>
             <p14:sldId id="267"/>
-            <p14:sldId id="275"/>
           </p14:sldIdLst>
         </p14:section>
         <p14:section name="3 people" id="{EDAB0C94-83D3-419B-9162-21705C3C41E5}">
           <p14:sldIdLst>
             <p14:sldId id="280"/>
             <p14:sldId id="281"/>
-            <p14:sldId id="284"/>
           </p14:sldIdLst>
         </p14:section>
         <p14:section name="insert pictures" id="{0987D39C-2E96-485A-8C68-510B317FB800}">
@@ -137,6 +134,11 @@
             <p14:sldId id="278"/>
             <p14:sldId id="276"/>
             <p14:sldId id="259"/>
+          </p14:sldIdLst>
+        </p14:section>
+        <p14:section name="事后问卷" id="{0499FBAD-2A55-4D91-81F3-64A201EA6DB0}">
+          <p14:sldIdLst>
+            <p14:sldId id="282"/>
           </p14:sldIdLst>
         </p14:section>
       </p14:sectionLst>
@@ -242,7 +244,7 @@
           <a:p>
             <a:fld id="{C0546B5F-B17E-4A11-A9CD-A10C644EC78D}" type="datetimeFigureOut">
               <a:rPr lang="zh-CN" altLang="en-US" smtClean="0"/>
-              <a:t>2021/11/26</a:t>
+              <a:t>2021/12/7</a:t>
             </a:fld>
             <a:endParaRPr lang="zh-CN" altLang="en-US"/>
           </a:p>
@@ -849,7 +851,7 @@
                 <a:tabLst/>
                 <a:defRPr/>
               </a:pPr>
-              <a:t>4</a:t>
+              <a:t>3</a:t>
             </a:fld>
             <a:endParaRPr kumimoji="0" lang="zh-CN" altLang="en-US" sz="1200" b="0" i="0" u="none" strike="noStrike" kern="1200" cap="none" spc="0" normalizeH="0" baseline="0" noProof="0">
               <a:ln>
@@ -1013,7 +1015,7 @@
                 <a:tabLst/>
                 <a:defRPr/>
               </a:pPr>
-              <a:t>5</a:t>
+              <a:t>4</a:t>
             </a:fld>
             <a:endParaRPr kumimoji="0" lang="zh-CN" altLang="en-US" sz="1200" b="0" i="0" u="none" strike="noStrike" kern="1200" cap="none" spc="0" normalizeH="0" baseline="0" noProof="0">
               <a:ln>
@@ -1192,7 +1194,7 @@
           <a:p>
             <a:fld id="{22C6D5CB-9E91-4D8B-8A6F-E7E64CE5E759}" type="datetimeFigureOut">
               <a:rPr lang="zh-CN" altLang="en-US" smtClean="0"/>
-              <a:t>2021/11/26</a:t>
+              <a:t>2021/12/7</a:t>
             </a:fld>
             <a:endParaRPr lang="zh-CN" altLang="en-US"/>
           </a:p>
@@ -1390,7 +1392,7 @@
           <a:p>
             <a:fld id="{22C6D5CB-9E91-4D8B-8A6F-E7E64CE5E759}" type="datetimeFigureOut">
               <a:rPr lang="zh-CN" altLang="en-US" smtClean="0"/>
-              <a:t>2021/11/26</a:t>
+              <a:t>2021/12/7</a:t>
             </a:fld>
             <a:endParaRPr lang="zh-CN" altLang="en-US"/>
           </a:p>
@@ -1598,7 +1600,7 @@
           <a:p>
             <a:fld id="{22C6D5CB-9E91-4D8B-8A6F-E7E64CE5E759}" type="datetimeFigureOut">
               <a:rPr lang="zh-CN" altLang="en-US" smtClean="0"/>
-              <a:t>2021/11/26</a:t>
+              <a:t>2021/12/7</a:t>
             </a:fld>
             <a:endParaRPr lang="zh-CN" altLang="en-US"/>
           </a:p>
@@ -1796,7 +1798,7 @@
           <a:p>
             <a:fld id="{22C6D5CB-9E91-4D8B-8A6F-E7E64CE5E759}" type="datetimeFigureOut">
               <a:rPr lang="zh-CN" altLang="en-US" smtClean="0"/>
-              <a:t>2021/11/26</a:t>
+              <a:t>2021/12/7</a:t>
             </a:fld>
             <a:endParaRPr lang="zh-CN" altLang="en-US"/>
           </a:p>
@@ -2071,7 +2073,7 @@
           <a:p>
             <a:fld id="{22C6D5CB-9E91-4D8B-8A6F-E7E64CE5E759}" type="datetimeFigureOut">
               <a:rPr lang="zh-CN" altLang="en-US" smtClean="0"/>
-              <a:t>2021/11/26</a:t>
+              <a:t>2021/12/7</a:t>
             </a:fld>
             <a:endParaRPr lang="zh-CN" altLang="en-US"/>
           </a:p>
@@ -2336,7 +2338,7 @@
           <a:p>
             <a:fld id="{22C6D5CB-9E91-4D8B-8A6F-E7E64CE5E759}" type="datetimeFigureOut">
               <a:rPr lang="zh-CN" altLang="en-US" smtClean="0"/>
-              <a:t>2021/11/26</a:t>
+              <a:t>2021/12/7</a:t>
             </a:fld>
             <a:endParaRPr lang="zh-CN" altLang="en-US"/>
           </a:p>
@@ -2748,7 +2750,7 @@
           <a:p>
             <a:fld id="{22C6D5CB-9E91-4D8B-8A6F-E7E64CE5E759}" type="datetimeFigureOut">
               <a:rPr lang="zh-CN" altLang="en-US" smtClean="0"/>
-              <a:t>2021/11/26</a:t>
+              <a:t>2021/12/7</a:t>
             </a:fld>
             <a:endParaRPr lang="zh-CN" altLang="en-US"/>
           </a:p>
@@ -2889,7 +2891,7 @@
           <a:p>
             <a:fld id="{22C6D5CB-9E91-4D8B-8A6F-E7E64CE5E759}" type="datetimeFigureOut">
               <a:rPr lang="zh-CN" altLang="en-US" smtClean="0"/>
-              <a:t>2021/11/26</a:t>
+              <a:t>2021/12/7</a:t>
             </a:fld>
             <a:endParaRPr lang="zh-CN" altLang="en-US"/>
           </a:p>
@@ -3002,7 +3004,7 @@
           <a:p>
             <a:fld id="{22C6D5CB-9E91-4D8B-8A6F-E7E64CE5E759}" type="datetimeFigureOut">
               <a:rPr lang="zh-CN" altLang="en-US" smtClean="0"/>
-              <a:t>2021/11/26</a:t>
+              <a:t>2021/12/7</a:t>
             </a:fld>
             <a:endParaRPr lang="zh-CN" altLang="en-US"/>
           </a:p>
@@ -3313,7 +3315,7 @@
           <a:p>
             <a:fld id="{22C6D5CB-9E91-4D8B-8A6F-E7E64CE5E759}" type="datetimeFigureOut">
               <a:rPr lang="zh-CN" altLang="en-US" smtClean="0"/>
-              <a:t>2021/11/26</a:t>
+              <a:t>2021/12/7</a:t>
             </a:fld>
             <a:endParaRPr lang="zh-CN" altLang="en-US"/>
           </a:p>
@@ -3601,7 +3603,7 @@
           <a:p>
             <a:fld id="{22C6D5CB-9E91-4D8B-8A6F-E7E64CE5E759}" type="datetimeFigureOut">
               <a:rPr lang="zh-CN" altLang="en-US" smtClean="0"/>
-              <a:t>2021/11/26</a:t>
+              <a:t>2021/12/7</a:t>
             </a:fld>
             <a:endParaRPr lang="zh-CN" altLang="en-US"/>
           </a:p>
@@ -3842,7 +3844,7 @@
           <a:p>
             <a:fld id="{22C6D5CB-9E91-4D8B-8A6F-E7E64CE5E759}" type="datetimeFigureOut">
               <a:rPr lang="zh-CN" altLang="en-US" smtClean="0"/>
-              <a:t>2021/11/26</a:t>
+              <a:t>2021/12/7</a:t>
             </a:fld>
             <a:endParaRPr lang="zh-CN" altLang="en-US"/>
           </a:p>
@@ -5338,7 +5340,7 @@
                 <a:latin typeface="黑体" panose="02010609060101010101" pitchFamily="49" charset="-122"/>
                 <a:ea typeface="黑体" panose="02010609060101010101" pitchFamily="49" charset="-122"/>
               </a:rPr>
-              <a:t>15s</a:t>
+              <a:t>30s</a:t>
             </a:r>
             <a:r>
               <a:rPr lang="zh-CN" altLang="en-US" dirty="0">
@@ -6415,128 +6417,6 @@
 <file path=ppt/slides/slide3.xml><?xml version="1.0" encoding="utf-8"?>
 <p:sld xmlns:a="http://schemas.openxmlformats.org/drawingml/2006/main" xmlns:r="http://schemas.openxmlformats.org/officeDocument/2006/relationships" xmlns:p="http://schemas.openxmlformats.org/presentationml/2006/main">
   <p:cSld>
-    <p:spTree>
-      <p:nvGrpSpPr>
-        <p:cNvPr id="1" name=""/>
-        <p:cNvGrpSpPr/>
-        <p:nvPr/>
-      </p:nvGrpSpPr>
-      <p:grpSpPr>
-        <a:xfrm>
-          <a:off x="0" y="0"/>
-          <a:ext cx="0" cy="0"/>
-          <a:chOff x="0" y="0"/>
-          <a:chExt cx="0" cy="0"/>
-        </a:xfrm>
-      </p:grpSpPr>
-      <p:sp>
-        <p:nvSpPr>
-          <p:cNvPr id="4" name="矩形 3"/>
-          <p:cNvSpPr/>
-          <p:nvPr/>
-        </p:nvSpPr>
-        <p:spPr>
-          <a:xfrm>
-            <a:off x="0" y="0"/>
-            <a:ext cx="12192000" cy="6858000"/>
-          </a:xfrm>
-          <a:prstGeom prst="rect">
-            <a:avLst/>
-          </a:prstGeom>
-          <a:solidFill>
-            <a:schemeClr val="bg2">
-              <a:lumMod val="25000"/>
-            </a:schemeClr>
-          </a:solidFill>
-          <a:ln>
-            <a:noFill/>
-          </a:ln>
-        </p:spPr>
-        <p:style>
-          <a:lnRef idx="3">
-            <a:schemeClr val="lt1"/>
-          </a:lnRef>
-          <a:fillRef idx="1">
-            <a:schemeClr val="accent3"/>
-          </a:fillRef>
-          <a:effectRef idx="1">
-            <a:schemeClr val="accent3"/>
-          </a:effectRef>
-          <a:fontRef idx="minor">
-            <a:schemeClr val="lt1"/>
-          </a:fontRef>
-        </p:style>
-        <p:txBody>
-          <a:bodyPr rtlCol="0" anchor="ctr"/>
-          <a:lstStyle/>
-          <a:p>
-            <a:pPr lvl="4">
-              <a:lnSpc>
-                <a:spcPct val="150000"/>
-              </a:lnSpc>
-            </a:pPr>
-            <a:r>
-              <a:rPr lang="zh-CN" altLang="en-US" sz="2800" dirty="0">
-                <a:latin typeface="黑体" panose="02010609060101010101" pitchFamily="49" charset="-122"/>
-                <a:ea typeface="黑体" panose="02010609060101010101" pitchFamily="49" charset="-122"/>
-              </a:rPr>
-              <a:t>游戏开始后，前面六轮将作为练习，</a:t>
-            </a:r>
-            <a:endParaRPr lang="en-US" altLang="zh-CN" sz="2800" dirty="0">
-              <a:latin typeface="黑体" panose="02010609060101010101" pitchFamily="49" charset="-122"/>
-              <a:ea typeface="黑体" panose="02010609060101010101" pitchFamily="49" charset="-122"/>
-            </a:endParaRPr>
-          </a:p>
-          <a:p>
-            <a:pPr lvl="4">
-              <a:lnSpc>
-                <a:spcPct val="150000"/>
-              </a:lnSpc>
-            </a:pPr>
-            <a:r>
-              <a:rPr lang="zh-CN" altLang="en-US" sz="2800" dirty="0">
-                <a:latin typeface="黑体" panose="02010609060101010101" pitchFamily="49" charset="-122"/>
-                <a:ea typeface="黑体" panose="02010609060101010101" pitchFamily="49" charset="-122"/>
-              </a:rPr>
-              <a:t>便于进一步理解规则以及熟悉操作，不计入成绩。</a:t>
-            </a:r>
-            <a:endParaRPr lang="en-US" altLang="zh-CN" sz="2800" dirty="0">
-              <a:latin typeface="黑体" panose="02010609060101010101" pitchFamily="49" charset="-122"/>
-              <a:ea typeface="黑体" panose="02010609060101010101" pitchFamily="49" charset="-122"/>
-            </a:endParaRPr>
-          </a:p>
-          <a:p>
-            <a:pPr lvl="4">
-              <a:lnSpc>
-                <a:spcPct val="150000"/>
-              </a:lnSpc>
-            </a:pPr>
-            <a:r>
-              <a:rPr lang="zh-CN" altLang="en-US" sz="2800" dirty="0">
-                <a:latin typeface="黑体" panose="02010609060101010101" pitchFamily="49" charset="-122"/>
-                <a:ea typeface="黑体" panose="02010609060101010101" pitchFamily="49" charset="-122"/>
-              </a:rPr>
-              <a:t>待双方玩家都明确游戏规则后，再进入正式游戏。</a:t>
-            </a:r>
-          </a:p>
-        </p:txBody>
-      </p:sp>
-    </p:spTree>
-    <p:extLst>
-      <p:ext uri="{BB962C8B-B14F-4D97-AF65-F5344CB8AC3E}">
-        <p14:creationId xmlns:p14="http://schemas.microsoft.com/office/powerpoint/2010/main" val="2796366643"/>
-      </p:ext>
-    </p:extLst>
-  </p:cSld>
-  <p:clrMapOvr>
-    <a:masterClrMapping/>
-  </p:clrMapOvr>
-</p:sld>
-</file>
-
-<file path=ppt/slides/slide4.xml><?xml version="1.0" encoding="utf-8"?>
-<p:sld xmlns:a="http://schemas.openxmlformats.org/drawingml/2006/main" xmlns:r="http://schemas.openxmlformats.org/officeDocument/2006/relationships" xmlns:p="http://schemas.openxmlformats.org/presentationml/2006/main">
-  <p:cSld>
     <p:bg>
       <p:bgPr>
         <a:solidFill>
@@ -6955,7 +6835,17 @@
                 <a:ea typeface="黑体" panose="02010609060101010101" pitchFamily="49" charset="-122"/>
                 <a:cs typeface="+mn-cs"/>
               </a:rPr>
-              <a:t>抓住屏幕中逃跑的“小偷”（</a:t>
+              <a:t>抓住屏幕中逃跑的“小偷”（颜色深浅不一的</a:t>
+            </a:r>
+            <a:r>
+              <a:rPr lang="zh-CN" altLang="en-US" sz="2000" dirty="0">
+                <a:solidFill>
+                  <a:srgbClr val="FFA500"/>
+                </a:solidFill>
+                <a:latin typeface="黑体" panose="02010609060101010101" pitchFamily="49" charset="-122"/>
+                <a:ea typeface="黑体" panose="02010609060101010101" pitchFamily="49" charset="-122"/>
+              </a:rPr>
+              <a:t>橙黄</a:t>
             </a:r>
             <a:r>
               <a:rPr kumimoji="0" lang="zh-CN" altLang="en-US" sz="2000" b="0" i="0" u="none" strike="noStrike" kern="1200" cap="none" spc="0" normalizeH="0" baseline="0" noProof="0" dirty="0">
@@ -6972,7 +6862,7 @@
                 <a:ea typeface="黑体" panose="02010609060101010101" pitchFamily="49" charset="-122"/>
                 <a:cs typeface="+mn-cs"/>
               </a:rPr>
-              <a:t>黄色小球</a:t>
+              <a:t>色小球</a:t>
             </a:r>
             <a:r>
               <a:rPr kumimoji="0" lang="zh-CN" altLang="en-US" sz="2000" b="0" i="0" u="none" strike="noStrike" kern="1200" cap="none" spc="0" normalizeH="0" baseline="0" noProof="0" dirty="0">
@@ -7026,7 +6916,7 @@
         </p:nvGrpSpPr>
         <p:grpSpPr>
           <a:xfrm>
-            <a:off x="3546376" y="1819485"/>
+            <a:off x="5055136" y="1794768"/>
             <a:ext cx="4768912" cy="4772160"/>
             <a:chOff x="3750055" y="1650006"/>
             <a:chExt cx="5040000" cy="5043433"/>
@@ -7232,11 +7122,11 @@
                 <a:avLst/>
               </a:prstGeom>
               <a:solidFill>
-                <a:srgbClr val="FFA500"/>
+                <a:srgbClr val="FF7F24"/>
               </a:solidFill>
               <a:ln>
                 <a:solidFill>
-                  <a:srgbClr val="FFA500"/>
+                  <a:srgbClr val="FF7F24"/>
                 </a:solidFill>
               </a:ln>
             </p:spPr>
@@ -7315,11 +7205,11 @@
                 <a:avLst/>
               </a:prstGeom>
               <a:solidFill>
-                <a:srgbClr val="FFA500"/>
+                <a:srgbClr val="FFA54F"/>
               </a:solidFill>
               <a:ln>
                 <a:solidFill>
-                  <a:srgbClr val="FFA500"/>
+                  <a:srgbClr val="FFA54F"/>
                 </a:solidFill>
               </a:ln>
             </p:spPr>
@@ -7481,11 +7371,11 @@
                 <a:avLst/>
               </a:prstGeom>
               <a:solidFill>
-                <a:srgbClr val="FFA500"/>
+                <a:srgbClr val="FFC125"/>
               </a:solidFill>
               <a:ln>
                 <a:solidFill>
-                  <a:srgbClr val="FFA500"/>
+                  <a:srgbClr val="FFC125"/>
                 </a:solidFill>
               </a:ln>
             </p:spPr>
@@ -7734,6 +7624,9 @@
               <a:avLst/>
             </a:prstGeom>
             <a:ln>
+              <a:solidFill>
+                <a:srgbClr val="FFA54F"/>
+              </a:solidFill>
               <a:tailEnd type="triangle"/>
             </a:ln>
           </p:spPr>
@@ -7776,6 +7669,9 @@
               <a:avLst/>
             </a:prstGeom>
             <a:ln>
+              <a:solidFill>
+                <a:srgbClr val="FF7F24"/>
+              </a:solidFill>
               <a:tailEnd type="triangle"/>
             </a:ln>
           </p:spPr>
@@ -7818,6 +7714,9 @@
               <a:avLst/>
             </a:prstGeom>
             <a:ln>
+              <a:solidFill>
+                <a:srgbClr val="FFA500"/>
+              </a:solidFill>
               <a:tailEnd type="triangle"/>
             </a:ln>
           </p:spPr>
@@ -7860,6 +7759,9 @@
               <a:avLst/>
             </a:prstGeom>
             <a:ln>
+              <a:solidFill>
+                <a:srgbClr val="FFC125"/>
+              </a:solidFill>
               <a:tailEnd type="triangle"/>
             </a:ln>
           </p:spPr>
@@ -8137,7 +8039,7 @@
 </p:sld>
 </file>
 
-<file path=ppt/slides/slide5.xml><?xml version="1.0" encoding="utf-8"?>
+<file path=ppt/slides/slide4.xml><?xml version="1.0" encoding="utf-8"?>
 <p:sld xmlns:a="http://schemas.openxmlformats.org/drawingml/2006/main" xmlns:r="http://schemas.openxmlformats.org/officeDocument/2006/relationships" xmlns:p="http://schemas.openxmlformats.org/presentationml/2006/main">
   <p:cSld>
     <p:bg>
@@ -8173,8 +8075,8 @@
         </p:nvSpPr>
         <p:spPr>
           <a:xfrm>
-            <a:off x="5134627" y="994004"/>
-            <a:ext cx="6763060" cy="4681218"/>
+            <a:off x="5134627" y="455864"/>
+            <a:ext cx="6763060" cy="5798960"/>
           </a:xfrm>
           <a:prstGeom prst="rect">
             <a:avLst/>
@@ -8189,7 +8091,7 @@
           <a:p>
             <a:pPr marL="285750" marR="0" lvl="0" indent="-285750" algn="l" defTabSz="914400" rtl="0" eaLnBrk="1" fontAlgn="auto" latinLnBrk="0" hangingPunct="1">
               <a:lnSpc>
-                <a:spcPct val="200000"/>
+                <a:spcPct val="180000"/>
               </a:lnSpc>
               <a:spcBef>
                 <a:spcPts val="200"/>
@@ -8238,7 +8140,7 @@
                 <a:ea typeface="黑体" panose="02010609060101010101" pitchFamily="49" charset="-122"/>
                 <a:cs typeface="+mn-cs"/>
               </a:rPr>
-              <a:t>15s</a:t>
+              <a:t>30s</a:t>
             </a:r>
             <a:r>
               <a:rPr kumimoji="0" lang="zh-CN" altLang="en-US" sz="1800" b="0" i="0" u="none" strike="noStrike" kern="1200" cap="none" spc="0" normalizeH="0" baseline="0" noProof="0" dirty="0">
@@ -8263,7 +8165,7 @@
           <a:p>
             <a:pPr marL="285750" marR="0" lvl="0" indent="-285750" algn="l" defTabSz="914400" rtl="0" eaLnBrk="1" fontAlgn="auto" latinLnBrk="0" hangingPunct="1">
               <a:lnSpc>
-                <a:spcPct val="200000"/>
+                <a:spcPct val="180000"/>
               </a:lnSpc>
               <a:spcBef>
                 <a:spcPts val="200"/>
@@ -8312,7 +8214,7 @@
                 <a:ea typeface="黑体" panose="02010609060101010101" pitchFamily="49" charset="-122"/>
                 <a:cs typeface="+mn-cs"/>
               </a:rPr>
-              <a:t>若干个小偷</a:t>
+              <a:t>若干个颜色不一的小偷</a:t>
             </a:r>
             <a:r>
               <a:rPr kumimoji="0" lang="zh-CN" altLang="en-US" sz="1800" b="0" i="0" u="none" strike="noStrike" kern="1200" cap="none" spc="0" normalizeH="0" baseline="0" noProof="0" dirty="0">
@@ -8331,43 +8233,7 @@
                 <a:ea typeface="黑体" panose="02010609060101010101" pitchFamily="49" charset="-122"/>
                 <a:cs typeface="+mn-cs"/>
               </a:rPr>
-              <a:t>，当您</a:t>
-            </a:r>
-            <a:r>
-              <a:rPr kumimoji="0" lang="zh-CN" altLang="en-US" sz="1800" b="0" i="0" u="none" strike="noStrike" kern="1200" cap="none" spc="0" normalizeH="0" baseline="0" noProof="0" dirty="0">
-                <a:ln>
-                  <a:noFill/>
-                </a:ln>
-                <a:solidFill>
-                  <a:srgbClr val="92D050"/>
-                </a:solidFill>
-                <a:effectLst/>
-                <a:uLnTx/>
-                <a:uFillTx/>
-                <a:latin typeface="黑体" panose="02010609060101010101" pitchFamily="49" charset="-122"/>
-                <a:ea typeface="黑体" panose="02010609060101010101" pitchFamily="49" charset="-122"/>
-                <a:cs typeface="+mn-cs"/>
-              </a:rPr>
-              <a:t>或</a:t>
-            </a:r>
-            <a:r>
-              <a:rPr kumimoji="0" lang="zh-CN" altLang="en-US" sz="1800" b="0" i="0" u="none" strike="noStrike" kern="1200" cap="none" spc="0" normalizeH="0" baseline="0" noProof="0" dirty="0">
-                <a:ln>
-                  <a:noFill/>
-                </a:ln>
-                <a:solidFill>
-                  <a:prstClr val="white">
-                    <a:lumMod val="95000"/>
-                  </a:prstClr>
-                </a:solidFill>
-                <a:effectLst/>
-                <a:uLnTx/>
-                <a:uFillTx/>
-                <a:latin typeface="黑体" panose="02010609060101010101" pitchFamily="49" charset="-122"/>
-                <a:ea typeface="黑体" panose="02010609060101010101" pitchFamily="49" charset="-122"/>
-                <a:cs typeface="+mn-cs"/>
-              </a:rPr>
-              <a:t>另一玩家扮演的赏金猎人</a:t>
+              <a:t>，当任一玩家扮演的赏金猎人</a:t>
             </a:r>
             <a:r>
               <a:rPr kumimoji="0" lang="zh-CN" altLang="en-US" sz="1800" b="0" i="0" u="none" strike="noStrike" kern="1200" cap="none" spc="0" normalizeH="0" baseline="0" noProof="0" dirty="0">
@@ -8425,7 +8291,7 @@
           <a:p>
             <a:pPr marL="285750" marR="0" lvl="0" indent="-285750" algn="l" defTabSz="914400" rtl="0" eaLnBrk="1" fontAlgn="auto" latinLnBrk="0" hangingPunct="1">
               <a:lnSpc>
-                <a:spcPct val="200000"/>
+                <a:spcPct val="180000"/>
               </a:lnSpc>
               <a:spcBef>
                 <a:spcPts val="200"/>
@@ -8479,14 +8345,11 @@
           <a:p>
             <a:pPr marL="285750" marR="0" lvl="0" indent="-285750" algn="l" defTabSz="914400" rtl="0" eaLnBrk="1" fontAlgn="auto" latinLnBrk="0" hangingPunct="1">
               <a:lnSpc>
-                <a:spcPct val="200000"/>
+                <a:spcPct val="180000"/>
               </a:lnSpc>
               <a:spcBef>
                 <a:spcPts val="200"/>
               </a:spcBef>
-              <a:spcAft>
-                <a:spcPts val="200"/>
-              </a:spcAft>
               <a:buClrTx/>
               <a:buSzTx/>
               <a:buFont typeface="Arial" panose="020B0604020202020204" pitchFamily="34" charset="0"/>
@@ -8569,11 +8432,8 @@
           <a:p>
             <a:pPr marL="0" marR="0" lvl="0" indent="0" algn="l" defTabSz="914400" rtl="0" eaLnBrk="1" fontAlgn="auto" latinLnBrk="0" hangingPunct="1">
               <a:lnSpc>
-                <a:spcPct val="200000"/>
+                <a:spcPct val="180000"/>
               </a:lnSpc>
-              <a:spcBef>
-                <a:spcPts val="200"/>
-              </a:spcBef>
               <a:spcAft>
                 <a:spcPts val="200"/>
               </a:spcAft>
@@ -8601,10 +8461,10 @@
                 <a:ea typeface="黑体" panose="02010609060101010101" pitchFamily="49" charset="-122"/>
                 <a:cs typeface="+mn-cs"/>
               </a:rPr>
-              <a:t>		</a:t>
-            </a:r>
-            <a:r>
-              <a:rPr kumimoji="0" lang="zh-CN" altLang="en-US" sz="1800" b="0" i="0" u="sng" strike="noStrike" kern="1200" cap="none" spc="0" normalizeH="0" baseline="0" noProof="0" dirty="0">
+              <a:t>	</a:t>
+            </a:r>
+            <a:r>
+              <a:rPr kumimoji="0" lang="zh-CN" altLang="en-US" sz="1800" b="1" i="0" u="sng" strike="noStrike" kern="1200" cap="none" spc="0" normalizeH="0" baseline="0" noProof="0" dirty="0">
                 <a:ln>
                   <a:noFill/>
                 </a:ln>
@@ -8613,16 +8473,22 @@
                     <a:lumMod val="95000"/>
                   </a:prstClr>
                 </a:solidFill>
-                <a:effectLst/>
+                <a:effectLst>
+                  <a:outerShdw blurRad="38100" dist="38100" dir="2700000" algn="tl">
+                    <a:srgbClr val="000000">
+                      <a:alpha val="43137"/>
+                    </a:srgbClr>
+                  </a:outerShdw>
+                </a:effectLst>
                 <a:uLnTx/>
                 <a:uFillTx/>
                 <a:latin typeface="黑体" panose="02010609060101010101" pitchFamily="49" charset="-122"/>
                 <a:ea typeface="黑体" panose="02010609060101010101" pitchFamily="49" charset="-122"/>
                 <a:cs typeface="+mn-cs"/>
               </a:rPr>
-              <a:t>每抓到一次小偷，计一分。</a:t>
-            </a:r>
-            <a:endParaRPr kumimoji="0" lang="en-US" altLang="zh-CN" sz="1800" b="0" i="0" u="sng" strike="noStrike" kern="1200" cap="none" spc="0" normalizeH="0" baseline="0" noProof="0" dirty="0">
+              <a:t>每抓到一次小偷（不论其颜色），计一分。</a:t>
+            </a:r>
+            <a:endParaRPr kumimoji="0" lang="en-US" altLang="zh-CN" sz="1800" b="1" i="0" u="sng" strike="noStrike" kern="1200" cap="none" spc="0" normalizeH="0" baseline="0" noProof="0" dirty="0">
               <a:ln>
                 <a:noFill/>
               </a:ln>
@@ -8631,7 +8497,13 @@
                   <a:lumMod val="95000"/>
                 </a:prstClr>
               </a:solidFill>
-              <a:effectLst/>
+              <a:effectLst>
+                <a:outerShdw blurRad="38100" dist="38100" dir="2700000" algn="tl">
+                  <a:srgbClr val="000000">
+                    <a:alpha val="43137"/>
+                  </a:srgbClr>
+                </a:outerShdw>
+              </a:effectLst>
               <a:uLnTx/>
               <a:uFillTx/>
               <a:latin typeface="黑体" panose="02010609060101010101" pitchFamily="49" charset="-122"/>
@@ -8642,7 +8514,7 @@
           <a:p>
             <a:pPr marL="285750" marR="0" lvl="0" indent="-285750" algn="l" defTabSz="914400" rtl="0" eaLnBrk="1" fontAlgn="auto" latinLnBrk="0" hangingPunct="1">
               <a:lnSpc>
-                <a:spcPct val="200000"/>
+                <a:spcPct val="180000"/>
               </a:lnSpc>
               <a:spcBef>
                 <a:spcPts val="200"/>
@@ -8658,6 +8530,18 @@
               <a:defRPr/>
             </a:pPr>
             <a:r>
+              <a:rPr lang="zh-CN" altLang="en-US" dirty="0">
+                <a:solidFill>
+                  <a:prstClr val="white">
+                    <a:lumMod val="95000"/>
+                  </a:prstClr>
+                </a:solidFill>
+                <a:latin typeface="黑体" panose="02010609060101010101" pitchFamily="49" charset="-122"/>
+                <a:ea typeface="黑体" panose="02010609060101010101" pitchFamily="49" charset="-122"/>
+              </a:rPr>
+              <a:t>最终</a:t>
+            </a:r>
+            <a:r>
               <a:rPr kumimoji="0" lang="zh-CN" altLang="en-US" sz="1800" b="0" i="0" u="none" strike="noStrike" kern="1200" cap="none" spc="0" normalizeH="0" baseline="0" noProof="0" dirty="0">
                 <a:ln>
                   <a:noFill/>
@@ -8672,24 +8556,214 @@
                 <a:ea typeface="黑体" panose="02010609060101010101" pitchFamily="49" charset="-122"/>
                 <a:cs typeface="+mn-cs"/>
               </a:rPr>
-              <a:t>游戏结束后总分越高，最终实验报酬越高。</a:t>
-            </a:r>
-            <a:endParaRPr kumimoji="0" lang="zh-CN" altLang="en-US" sz="1800" b="0" i="0" u="none" strike="noStrike" kern="1200" cap="none" spc="0" normalizeH="0" baseline="0" noProof="0" dirty="0">
-              <a:ln>
-                <a:noFill/>
-              </a:ln>
+              <a:t>三人实验报酬一致，与总分挂钩</a:t>
+            </a:r>
+            <a:r>
+              <a:rPr lang="zh-CN" altLang="en-US" dirty="0">
+                <a:solidFill>
+                  <a:prstClr val="white">
+                    <a:lumMod val="95000"/>
+                  </a:prstClr>
+                </a:solidFill>
+                <a:latin typeface="黑体" panose="02010609060101010101" pitchFamily="49" charset="-122"/>
+                <a:ea typeface="黑体" panose="02010609060101010101" pitchFamily="49" charset="-122"/>
+              </a:rPr>
+              <a:t>。具体计算规则为：</a:t>
+            </a:r>
+            <a:endParaRPr lang="en-US" altLang="zh-CN" dirty="0">
               <a:solidFill>
                 <a:prstClr val="white">
                   <a:lumMod val="95000"/>
                 </a:prstClr>
               </a:solidFill>
-              <a:effectLst/>
-              <a:uLnTx/>
-              <a:uFillTx/>
               <a:latin typeface="黑体" panose="02010609060101010101" pitchFamily="49" charset="-122"/>
               <a:ea typeface="黑体" panose="02010609060101010101" pitchFamily="49" charset="-122"/>
-              <a:cs typeface="+mn-cs"/>
             </a:endParaRPr>
+          </a:p>
+          <a:p>
+            <a:pPr marL="800100" lvl="1" indent="-342900">
+              <a:lnSpc>
+                <a:spcPct val="180000"/>
+              </a:lnSpc>
+              <a:spcBef>
+                <a:spcPts val="200"/>
+              </a:spcBef>
+              <a:spcAft>
+                <a:spcPts val="200"/>
+              </a:spcAft>
+              <a:buFont typeface="+mj-lt"/>
+              <a:buAutoNum type="arabicPeriod"/>
+              <a:defRPr/>
+            </a:pPr>
+            <a:r>
+              <a:rPr lang="zh-CN" altLang="en-US" dirty="0">
+                <a:solidFill>
+                  <a:prstClr val="white">
+                    <a:lumMod val="95000"/>
+                  </a:prstClr>
+                </a:solidFill>
+                <a:latin typeface="黑体" panose="02010609060101010101" pitchFamily="49" charset="-122"/>
+                <a:ea typeface="黑体" panose="02010609060101010101" pitchFamily="49" charset="-122"/>
+              </a:rPr>
+              <a:t>每</a:t>
+            </a:r>
+            <a:r>
+              <a:rPr lang="en-US" altLang="zh-CN" dirty="0">
+                <a:solidFill>
+                  <a:prstClr val="white">
+                    <a:lumMod val="95000"/>
+                  </a:prstClr>
+                </a:solidFill>
+                <a:latin typeface="黑体" panose="02010609060101010101" pitchFamily="49" charset="-122"/>
+                <a:ea typeface="黑体" panose="02010609060101010101" pitchFamily="49" charset="-122"/>
+              </a:rPr>
+              <a:t>100</a:t>
+            </a:r>
+            <a:r>
+              <a:rPr lang="zh-CN" altLang="en-US" dirty="0">
+                <a:solidFill>
+                  <a:prstClr val="white">
+                    <a:lumMod val="95000"/>
+                  </a:prstClr>
+                </a:solidFill>
+                <a:latin typeface="黑体" panose="02010609060101010101" pitchFamily="49" charset="-122"/>
+                <a:ea typeface="黑体" panose="02010609060101010101" pitchFamily="49" charset="-122"/>
+              </a:rPr>
+              <a:t>分，得</a:t>
+            </a:r>
+            <a:r>
+              <a:rPr lang="en-US" altLang="zh-CN" dirty="0">
+                <a:solidFill>
+                  <a:prstClr val="white">
+                    <a:lumMod val="95000"/>
+                  </a:prstClr>
+                </a:solidFill>
+                <a:latin typeface="黑体" panose="02010609060101010101" pitchFamily="49" charset="-122"/>
+                <a:ea typeface="黑体" panose="02010609060101010101" pitchFamily="49" charset="-122"/>
+              </a:rPr>
+              <a:t>1</a:t>
+            </a:r>
+            <a:r>
+              <a:rPr lang="zh-CN" altLang="en-US" dirty="0">
+                <a:solidFill>
+                  <a:prstClr val="white">
+                    <a:lumMod val="95000"/>
+                  </a:prstClr>
+                </a:solidFill>
+                <a:latin typeface="黑体" panose="02010609060101010101" pitchFamily="49" charset="-122"/>
+                <a:ea typeface="黑体" panose="02010609060101010101" pitchFamily="49" charset="-122"/>
+              </a:rPr>
+              <a:t>元。</a:t>
+            </a:r>
+            <a:endParaRPr lang="en-US" altLang="zh-CN" dirty="0">
+              <a:solidFill>
+                <a:prstClr val="white">
+                  <a:lumMod val="95000"/>
+                </a:prstClr>
+              </a:solidFill>
+              <a:latin typeface="黑体" panose="02010609060101010101" pitchFamily="49" charset="-122"/>
+              <a:ea typeface="黑体" panose="02010609060101010101" pitchFamily="49" charset="-122"/>
+            </a:endParaRPr>
+          </a:p>
+          <a:p>
+            <a:pPr marL="800100" lvl="1" indent="-342900">
+              <a:lnSpc>
+                <a:spcPct val="180000"/>
+              </a:lnSpc>
+              <a:spcBef>
+                <a:spcPts val="200"/>
+              </a:spcBef>
+              <a:spcAft>
+                <a:spcPts val="200"/>
+              </a:spcAft>
+              <a:buFont typeface="+mj-lt"/>
+              <a:buAutoNum type="arabicPeriod"/>
+              <a:defRPr/>
+            </a:pPr>
+            <a:r>
+              <a:rPr lang="zh-CN" altLang="en-US" dirty="0">
+                <a:solidFill>
+                  <a:prstClr val="white">
+                    <a:lumMod val="95000"/>
+                  </a:prstClr>
+                </a:solidFill>
+                <a:latin typeface="黑体" panose="02010609060101010101" pitchFamily="49" charset="-122"/>
+                <a:ea typeface="黑体" panose="02010609060101010101" pitchFamily="49" charset="-122"/>
+              </a:rPr>
+              <a:t>若单轮游戏分值超过</a:t>
+            </a:r>
+            <a:r>
+              <a:rPr lang="en-US" altLang="zh-CN" dirty="0">
+                <a:solidFill>
+                  <a:prstClr val="white">
+                    <a:lumMod val="95000"/>
+                  </a:prstClr>
+                </a:solidFill>
+                <a:latin typeface="黑体" panose="02010609060101010101" pitchFamily="49" charset="-122"/>
+                <a:ea typeface="黑体" panose="02010609060101010101" pitchFamily="49" charset="-122"/>
+              </a:rPr>
+              <a:t>50</a:t>
+            </a:r>
+            <a:r>
+              <a:rPr lang="zh-CN" altLang="en-US" dirty="0">
+                <a:solidFill>
+                  <a:prstClr val="white">
+                    <a:lumMod val="95000"/>
+                  </a:prstClr>
+                </a:solidFill>
+                <a:latin typeface="黑体" panose="02010609060101010101" pitchFamily="49" charset="-122"/>
+                <a:ea typeface="黑体" panose="02010609060101010101" pitchFamily="49" charset="-122"/>
+              </a:rPr>
+              <a:t>分，按最高</a:t>
+            </a:r>
+            <a:r>
+              <a:rPr lang="en-US" altLang="zh-CN" dirty="0">
+                <a:solidFill>
+                  <a:prstClr val="white">
+                    <a:lumMod val="95000"/>
+                  </a:prstClr>
+                </a:solidFill>
+                <a:latin typeface="黑体" panose="02010609060101010101" pitchFamily="49" charset="-122"/>
+                <a:ea typeface="黑体" panose="02010609060101010101" pitchFamily="49" charset="-122"/>
+              </a:rPr>
+              <a:t>50</a:t>
+            </a:r>
+            <a:r>
+              <a:rPr lang="zh-CN" altLang="en-US" dirty="0">
+                <a:solidFill>
+                  <a:prstClr val="white">
+                    <a:lumMod val="95000"/>
+                  </a:prstClr>
+                </a:solidFill>
+                <a:latin typeface="黑体" panose="02010609060101010101" pitchFamily="49" charset="-122"/>
+                <a:ea typeface="黑体" panose="02010609060101010101" pitchFamily="49" charset="-122"/>
+              </a:rPr>
+              <a:t>分计算。即一轮游戏最多可得</a:t>
+            </a:r>
+            <a:r>
+              <a:rPr lang="en-US" altLang="zh-CN" dirty="0">
+                <a:solidFill>
+                  <a:prstClr val="white">
+                    <a:lumMod val="95000"/>
+                  </a:prstClr>
+                </a:solidFill>
+                <a:latin typeface="黑体" panose="02010609060101010101" pitchFamily="49" charset="-122"/>
+                <a:ea typeface="黑体" panose="02010609060101010101" pitchFamily="49" charset="-122"/>
+              </a:rPr>
+              <a:t>0.5</a:t>
+            </a:r>
+            <a:r>
+              <a:rPr lang="zh-CN" altLang="en-US" dirty="0">
+                <a:solidFill>
+                  <a:prstClr val="white">
+                    <a:lumMod val="95000"/>
+                  </a:prstClr>
+                </a:solidFill>
+                <a:latin typeface="黑体" panose="02010609060101010101" pitchFamily="49" charset="-122"/>
+                <a:ea typeface="黑体" panose="02010609060101010101" pitchFamily="49" charset="-122"/>
+              </a:rPr>
+              <a:t>元。</a:t>
+            </a:r>
           </a:p>
         </p:txBody>
       </p:sp>
@@ -8913,11 +8987,11 @@
                 <a:avLst/>
               </a:prstGeom>
               <a:solidFill>
-                <a:srgbClr val="FFA500"/>
+                <a:srgbClr val="FF7F24"/>
               </a:solidFill>
               <a:ln>
                 <a:solidFill>
-                  <a:srgbClr val="FFA500"/>
+                  <a:srgbClr val="FF7F24"/>
                 </a:solidFill>
               </a:ln>
             </p:spPr>
@@ -8958,7 +9032,7 @@
                   <a:tabLst/>
                   <a:defRPr/>
                 </a:pPr>
-                <a:endParaRPr kumimoji="0" lang="zh-CN" altLang="en-US" sz="1800" b="0" i="0" u="none" strike="noStrike" kern="1200" cap="none" spc="0" normalizeH="0" baseline="0" noProof="0">
+                <a:endParaRPr kumimoji="0" lang="zh-CN" altLang="en-US" sz="1800" b="0" i="0" u="none" strike="noStrike" kern="1200" cap="none" spc="0" normalizeH="0" baseline="0" noProof="0" dirty="0">
                   <a:ln>
                     <a:noFill/>
                   </a:ln>
@@ -8996,11 +9070,11 @@
                 <a:avLst/>
               </a:prstGeom>
               <a:solidFill>
-                <a:srgbClr val="FFA500"/>
+                <a:srgbClr val="FFA54F"/>
               </a:solidFill>
               <a:ln>
                 <a:solidFill>
-                  <a:srgbClr val="FFA500"/>
+                  <a:srgbClr val="FFA54F"/>
                 </a:solidFill>
               </a:ln>
             </p:spPr>
@@ -9162,11 +9236,11 @@
                 <a:avLst/>
               </a:prstGeom>
               <a:solidFill>
-                <a:srgbClr val="FFA500"/>
+                <a:srgbClr val="FFC125"/>
               </a:solidFill>
               <a:ln>
                 <a:solidFill>
-                  <a:srgbClr val="FFA500"/>
+                  <a:srgbClr val="FFC125"/>
                 </a:solidFill>
               </a:ln>
             </p:spPr>
@@ -9460,6 +9534,9 @@
               <a:avLst/>
             </a:prstGeom>
             <a:ln>
+              <a:solidFill>
+                <a:srgbClr val="FFA54F"/>
+              </a:solidFill>
               <a:tailEnd type="triangle"/>
             </a:ln>
           </p:spPr>
@@ -9502,6 +9579,9 @@
               <a:avLst/>
             </a:prstGeom>
             <a:ln>
+              <a:solidFill>
+                <a:srgbClr val="FF7F24"/>
+              </a:solidFill>
               <a:tailEnd type="triangle"/>
             </a:ln>
           </p:spPr>
@@ -9544,6 +9624,9 @@
               <a:avLst/>
             </a:prstGeom>
             <a:ln>
+              <a:solidFill>
+                <a:srgbClr val="FFA500"/>
+              </a:solidFill>
               <a:tailEnd type="triangle"/>
             </a:ln>
           </p:spPr>
@@ -9586,6 +9669,9 @@
               <a:avLst/>
             </a:prstGeom>
             <a:ln>
+              <a:solidFill>
+                <a:srgbClr val="FFC125"/>
+              </a:solidFill>
               <a:tailEnd type="triangle"/>
             </a:ln>
           </p:spPr>
@@ -9911,129 +9997,7 @@
 </p:sld>
 </file>
 
-<file path=ppt/slides/slide6.xml><?xml version="1.0" encoding="utf-8"?>
-<p:sld xmlns:a="http://schemas.openxmlformats.org/drawingml/2006/main" xmlns:r="http://schemas.openxmlformats.org/officeDocument/2006/relationships" xmlns:p="http://schemas.openxmlformats.org/presentationml/2006/main">
-  <p:cSld>
-    <p:spTree>
-      <p:nvGrpSpPr>
-        <p:cNvPr id="1" name=""/>
-        <p:cNvGrpSpPr/>
-        <p:nvPr/>
-      </p:nvGrpSpPr>
-      <p:grpSpPr>
-        <a:xfrm>
-          <a:off x="0" y="0"/>
-          <a:ext cx="0" cy="0"/>
-          <a:chOff x="0" y="0"/>
-          <a:chExt cx="0" cy="0"/>
-        </a:xfrm>
-      </p:grpSpPr>
-      <p:sp>
-        <p:nvSpPr>
-          <p:cNvPr id="4" name="矩形 3"/>
-          <p:cNvSpPr/>
-          <p:nvPr/>
-        </p:nvSpPr>
-        <p:spPr>
-          <a:xfrm>
-            <a:off x="0" y="0"/>
-            <a:ext cx="12192000" cy="6858000"/>
-          </a:xfrm>
-          <a:prstGeom prst="rect">
-            <a:avLst/>
-          </a:prstGeom>
-          <a:solidFill>
-            <a:schemeClr val="bg2">
-              <a:lumMod val="25000"/>
-            </a:schemeClr>
-          </a:solidFill>
-          <a:ln>
-            <a:noFill/>
-          </a:ln>
-        </p:spPr>
-        <p:style>
-          <a:lnRef idx="3">
-            <a:schemeClr val="lt1"/>
-          </a:lnRef>
-          <a:fillRef idx="1">
-            <a:schemeClr val="accent3"/>
-          </a:fillRef>
-          <a:effectRef idx="1">
-            <a:schemeClr val="accent3"/>
-          </a:effectRef>
-          <a:fontRef idx="minor">
-            <a:schemeClr val="lt1"/>
-          </a:fontRef>
-        </p:style>
-        <p:txBody>
-          <a:bodyPr rtlCol="0" anchor="ctr"/>
-          <a:lstStyle/>
-          <a:p>
-            <a:pPr lvl="4">
-              <a:lnSpc>
-                <a:spcPct val="150000"/>
-              </a:lnSpc>
-            </a:pPr>
-            <a:r>
-              <a:rPr lang="zh-CN" altLang="en-US" sz="2800" dirty="0">
-                <a:latin typeface="黑体" panose="02010609060101010101" pitchFamily="49" charset="-122"/>
-                <a:ea typeface="黑体" panose="02010609060101010101" pitchFamily="49" charset="-122"/>
-              </a:rPr>
-              <a:t>游戏开始后，前面六轮将作为练习，</a:t>
-            </a:r>
-            <a:endParaRPr lang="en-US" altLang="zh-CN" sz="2800" dirty="0">
-              <a:latin typeface="黑体" panose="02010609060101010101" pitchFamily="49" charset="-122"/>
-              <a:ea typeface="黑体" panose="02010609060101010101" pitchFamily="49" charset="-122"/>
-            </a:endParaRPr>
-          </a:p>
-          <a:p>
-            <a:pPr lvl="4">
-              <a:lnSpc>
-                <a:spcPct val="150000"/>
-              </a:lnSpc>
-            </a:pPr>
-            <a:r>
-              <a:rPr lang="zh-CN" altLang="en-US" sz="2800" dirty="0">
-                <a:latin typeface="黑体" panose="02010609060101010101" pitchFamily="49" charset="-122"/>
-                <a:ea typeface="黑体" panose="02010609060101010101" pitchFamily="49" charset="-122"/>
-              </a:rPr>
-              <a:t>便于进一步理解规则以及熟悉操作，不计入成绩。</a:t>
-            </a:r>
-            <a:endParaRPr lang="en-US" altLang="zh-CN" sz="2800" dirty="0">
-              <a:latin typeface="黑体" panose="02010609060101010101" pitchFamily="49" charset="-122"/>
-              <a:ea typeface="黑体" panose="02010609060101010101" pitchFamily="49" charset="-122"/>
-            </a:endParaRPr>
-          </a:p>
-          <a:p>
-            <a:pPr lvl="4">
-              <a:lnSpc>
-                <a:spcPct val="150000"/>
-              </a:lnSpc>
-            </a:pPr>
-            <a:r>
-              <a:rPr lang="zh-CN" altLang="en-US" sz="2800" dirty="0">
-                <a:latin typeface="黑体" panose="02010609060101010101" pitchFamily="49" charset="-122"/>
-                <a:ea typeface="黑体" panose="02010609060101010101" pitchFamily="49" charset="-122"/>
-              </a:rPr>
-              <a:t>待双方玩家都明确游戏规则后，再进入正式游戏。</a:t>
-            </a:r>
-          </a:p>
-        </p:txBody>
-      </p:sp>
-    </p:spTree>
-    <p:extLst>
-      <p:ext uri="{BB962C8B-B14F-4D97-AF65-F5344CB8AC3E}">
-        <p14:creationId xmlns:p14="http://schemas.microsoft.com/office/powerpoint/2010/main" val="2838034172"/>
-      </p:ext>
-    </p:extLst>
-  </p:cSld>
-  <p:clrMapOvr>
-    <a:masterClrMapping/>
-  </p:clrMapOvr>
-</p:sld>
-</file>
-
-<file path=ppt/slides/slide7.xml><?xml version="1.0" encoding="utf-8"?>
+<file path=ppt/slides/slide5.xml><?xml version="1.0" encoding="utf-8"?>
 <p:sld xmlns:a="http://schemas.openxmlformats.org/drawingml/2006/main" xmlns:r="http://schemas.openxmlformats.org/officeDocument/2006/relationships" xmlns:p="http://schemas.openxmlformats.org/presentationml/2006/main">
   <p:cSld>
     <p:spTree>
@@ -11151,7 +11115,7 @@
 </p:sld>
 </file>
 
-<file path=ppt/slides/slide8.xml><?xml version="1.0" encoding="utf-8"?>
+<file path=ppt/slides/slide6.xml><?xml version="1.0" encoding="utf-8"?>
 <p:sld xmlns:a="http://schemas.openxmlformats.org/drawingml/2006/main" xmlns:r="http://schemas.openxmlformats.org/officeDocument/2006/relationships" xmlns:p="http://schemas.openxmlformats.org/presentationml/2006/main">
   <p:cSld>
     <p:spTree>
@@ -11595,7 +11559,7 @@
 </p:sld>
 </file>
 
-<file path=ppt/slides/slide9.xml><?xml version="1.0" encoding="utf-8"?>
+<file path=ppt/slides/slide7.xml><?xml version="1.0" encoding="utf-8"?>
 <p:sld xmlns:a="http://schemas.openxmlformats.org/drawingml/2006/main" xmlns:r="http://schemas.openxmlformats.org/officeDocument/2006/relationships" xmlns:p="http://schemas.openxmlformats.org/presentationml/2006/main">
   <p:cSld>
     <p:spTree>
@@ -11690,6 +11654,36 @@
     <p:extLst>
       <p:ext uri="{BB962C8B-B14F-4D97-AF65-F5344CB8AC3E}">
         <p14:creationId xmlns:p14="http://schemas.microsoft.com/office/powerpoint/2010/main" val="856994835"/>
+      </p:ext>
+    </p:extLst>
+  </p:cSld>
+  <p:clrMapOvr>
+    <a:masterClrMapping/>
+  </p:clrMapOvr>
+</p:sld>
+</file>
+
+<file path=ppt/slides/slide8.xml><?xml version="1.0" encoding="utf-8"?>
+<p:sld xmlns:a="http://schemas.openxmlformats.org/drawingml/2006/main" xmlns:r="http://schemas.openxmlformats.org/officeDocument/2006/relationships" xmlns:p="http://schemas.openxmlformats.org/presentationml/2006/main">
+  <p:cSld>
+    <p:spTree>
+      <p:nvGrpSpPr>
+        <p:cNvPr id="1" name=""/>
+        <p:cNvGrpSpPr/>
+        <p:nvPr/>
+      </p:nvGrpSpPr>
+      <p:grpSpPr>
+        <a:xfrm>
+          <a:off x="0" y="0"/>
+          <a:ext cx="0" cy="0"/>
+          <a:chOff x="0" y="0"/>
+          <a:chExt cx="0" cy="0"/>
+        </a:xfrm>
+      </p:grpSpPr>
+    </p:spTree>
+    <p:extLst>
+      <p:ext uri="{BB962C8B-B14F-4D97-AF65-F5344CB8AC3E}">
+        <p14:creationId xmlns:p14="http://schemas.microsoft.com/office/powerpoint/2010/main" val="628235009"/>
       </p:ext>
     </p:extLst>
   </p:cSld>

--- a/pictures/introduction.pptx
+++ b/pictures/introduction.pptx
@@ -11680,6 +11680,42 @@
           <a:chExt cx="0" cy="0"/>
         </a:xfrm>
       </p:grpSpPr>
+      <p:pic>
+        <p:nvPicPr>
+          <p:cNvPr id="3" name="图片 2">
+            <a:extLst>
+              <a:ext uri="{FF2B5EF4-FFF2-40B4-BE49-F238E27FC236}">
+                <a16:creationId xmlns:a16="http://schemas.microsoft.com/office/drawing/2014/main" id="{1B235894-8FE8-4A21-86FB-9A1F272A02F3}"/>
+              </a:ext>
+            </a:extLst>
+          </p:cNvPr>
+          <p:cNvPicPr>
+            <a:picLocks noChangeAspect="1"/>
+          </p:cNvPicPr>
+          <p:nvPr/>
+        </p:nvPicPr>
+        <p:blipFill>
+          <a:blip r:embed="rId2">
+            <a:extLst>
+              <a:ext uri="{28A0092B-C50C-407E-A947-70E740481C1C}">
+                <a14:useLocalDpi xmlns:a14="http://schemas.microsoft.com/office/drawing/2010/main" val="0"/>
+              </a:ext>
+            </a:extLst>
+          </a:blip>
+          <a:stretch>
+            <a:fillRect/>
+          </a:stretch>
+        </p:blipFill>
+        <p:spPr>
+          <a:xfrm>
+            <a:off x="3752021" y="1085021"/>
+            <a:ext cx="4687957" cy="4687957"/>
+          </a:xfrm>
+          <a:prstGeom prst="rect">
+            <a:avLst/>
+          </a:prstGeom>
+        </p:spPr>
+      </p:pic>
     </p:spTree>
     <p:extLst>
       <p:ext uri="{BB962C8B-B14F-4D97-AF65-F5344CB8AC3E}">

--- a/pictures/introduction.pptx
+++ b/pictures/introduction.pptx
@@ -244,7 +244,7 @@
           <a:p>
             <a:fld id="{C0546B5F-B17E-4A11-A9CD-A10C644EC78D}" type="datetimeFigureOut">
               <a:rPr lang="zh-CN" altLang="en-US" smtClean="0"/>
-              <a:t>2021/12/7</a:t>
+              <a:t>2021/12/8</a:t>
             </a:fld>
             <a:endParaRPr lang="zh-CN" altLang="en-US"/>
           </a:p>
@@ -1047,6 +1047,90 @@
 </p:notes>
 </file>
 
+<file path=ppt/notesSlides/notesSlide5.xml><?xml version="1.0" encoding="utf-8"?>
+<p:notes xmlns:a="http://schemas.openxmlformats.org/drawingml/2006/main" xmlns:r="http://schemas.openxmlformats.org/officeDocument/2006/relationships" xmlns:p="http://schemas.openxmlformats.org/presentationml/2006/main">
+  <p:cSld>
+    <p:spTree>
+      <p:nvGrpSpPr>
+        <p:cNvPr id="1" name=""/>
+        <p:cNvGrpSpPr/>
+        <p:nvPr/>
+      </p:nvGrpSpPr>
+      <p:grpSpPr>
+        <a:xfrm>
+          <a:off x="0" y="0"/>
+          <a:ext cx="0" cy="0"/>
+          <a:chOff x="0" y="0"/>
+          <a:chExt cx="0" cy="0"/>
+        </a:xfrm>
+      </p:grpSpPr>
+      <p:sp>
+        <p:nvSpPr>
+          <p:cNvPr id="2" name="幻灯片图像占位符 1"/>
+          <p:cNvSpPr>
+            <a:spLocks noGrp="1" noRot="1" noChangeAspect="1"/>
+          </p:cNvSpPr>
+          <p:nvPr>
+            <p:ph type="sldImg"/>
+          </p:nvPr>
+        </p:nvSpPr>
+        <p:spPr/>
+      </p:sp>
+      <p:sp>
+        <p:nvSpPr>
+          <p:cNvPr id="3" name="备注占位符 2"/>
+          <p:cNvSpPr>
+            <a:spLocks noGrp="1"/>
+          </p:cNvSpPr>
+          <p:nvPr>
+            <p:ph type="body" idx="1"/>
+          </p:nvPr>
+        </p:nvSpPr>
+        <p:spPr/>
+        <p:txBody>
+          <a:bodyPr/>
+          <a:lstStyle/>
+          <a:p>
+            <a:endParaRPr lang="zh-CN" altLang="en-US" dirty="0"/>
+          </a:p>
+        </p:txBody>
+      </p:sp>
+      <p:sp>
+        <p:nvSpPr>
+          <p:cNvPr id="4" name="灯片编号占位符 3"/>
+          <p:cNvSpPr>
+            <a:spLocks noGrp="1"/>
+          </p:cNvSpPr>
+          <p:nvPr>
+            <p:ph type="sldNum" sz="quarter" idx="5"/>
+          </p:nvPr>
+        </p:nvSpPr>
+        <p:spPr/>
+        <p:txBody>
+          <a:bodyPr/>
+          <a:lstStyle/>
+          <a:p>
+            <a:fld id="{19214DBA-04C0-4AE0-9391-D985D3AC6701}" type="slidenum">
+              <a:rPr lang="zh-CN" altLang="en-US" smtClean="0"/>
+              <a:t>5</a:t>
+            </a:fld>
+            <a:endParaRPr lang="zh-CN" altLang="en-US"/>
+          </a:p>
+        </p:txBody>
+      </p:sp>
+    </p:spTree>
+    <p:extLst>
+      <p:ext uri="{BB962C8B-B14F-4D97-AF65-F5344CB8AC3E}">
+        <p14:creationId xmlns:p14="http://schemas.microsoft.com/office/powerpoint/2010/main" val="1787099430"/>
+      </p:ext>
+    </p:extLst>
+  </p:cSld>
+  <p:clrMapOvr>
+    <a:masterClrMapping/>
+  </p:clrMapOvr>
+</p:notes>
+</file>
+
 <file path=ppt/slideLayouts/slideLayout1.xml><?xml version="1.0" encoding="utf-8"?>
 <p:sldLayout xmlns:a="http://schemas.openxmlformats.org/drawingml/2006/main" xmlns:r="http://schemas.openxmlformats.org/officeDocument/2006/relationships" xmlns:p="http://schemas.openxmlformats.org/presentationml/2006/main" type="title" preserve="1">
   <p:cSld name="标题幻灯片">
@@ -1194,7 +1278,7 @@
           <a:p>
             <a:fld id="{22C6D5CB-9E91-4D8B-8A6F-E7E64CE5E759}" type="datetimeFigureOut">
               <a:rPr lang="zh-CN" altLang="en-US" smtClean="0"/>
-              <a:t>2021/12/7</a:t>
+              <a:t>2021/12/8</a:t>
             </a:fld>
             <a:endParaRPr lang="zh-CN" altLang="en-US"/>
           </a:p>
@@ -1392,7 +1476,7 @@
           <a:p>
             <a:fld id="{22C6D5CB-9E91-4D8B-8A6F-E7E64CE5E759}" type="datetimeFigureOut">
               <a:rPr lang="zh-CN" altLang="en-US" smtClean="0"/>
-              <a:t>2021/12/7</a:t>
+              <a:t>2021/12/8</a:t>
             </a:fld>
             <a:endParaRPr lang="zh-CN" altLang="en-US"/>
           </a:p>
@@ -1600,7 +1684,7 @@
           <a:p>
             <a:fld id="{22C6D5CB-9E91-4D8B-8A6F-E7E64CE5E759}" type="datetimeFigureOut">
               <a:rPr lang="zh-CN" altLang="en-US" smtClean="0"/>
-              <a:t>2021/12/7</a:t>
+              <a:t>2021/12/8</a:t>
             </a:fld>
             <a:endParaRPr lang="zh-CN" altLang="en-US"/>
           </a:p>
@@ -1798,7 +1882,7 @@
           <a:p>
             <a:fld id="{22C6D5CB-9E91-4D8B-8A6F-E7E64CE5E759}" type="datetimeFigureOut">
               <a:rPr lang="zh-CN" altLang="en-US" smtClean="0"/>
-              <a:t>2021/12/7</a:t>
+              <a:t>2021/12/8</a:t>
             </a:fld>
             <a:endParaRPr lang="zh-CN" altLang="en-US"/>
           </a:p>
@@ -2073,7 +2157,7 @@
           <a:p>
             <a:fld id="{22C6D5CB-9E91-4D8B-8A6F-E7E64CE5E759}" type="datetimeFigureOut">
               <a:rPr lang="zh-CN" altLang="en-US" smtClean="0"/>
-              <a:t>2021/12/7</a:t>
+              <a:t>2021/12/8</a:t>
             </a:fld>
             <a:endParaRPr lang="zh-CN" altLang="en-US"/>
           </a:p>
@@ -2338,7 +2422,7 @@
           <a:p>
             <a:fld id="{22C6D5CB-9E91-4D8B-8A6F-E7E64CE5E759}" type="datetimeFigureOut">
               <a:rPr lang="zh-CN" altLang="en-US" smtClean="0"/>
-              <a:t>2021/12/7</a:t>
+              <a:t>2021/12/8</a:t>
             </a:fld>
             <a:endParaRPr lang="zh-CN" altLang="en-US"/>
           </a:p>
@@ -2750,7 +2834,7 @@
           <a:p>
             <a:fld id="{22C6D5CB-9E91-4D8B-8A6F-E7E64CE5E759}" type="datetimeFigureOut">
               <a:rPr lang="zh-CN" altLang="en-US" smtClean="0"/>
-              <a:t>2021/12/7</a:t>
+              <a:t>2021/12/8</a:t>
             </a:fld>
             <a:endParaRPr lang="zh-CN" altLang="en-US"/>
           </a:p>
@@ -2891,7 +2975,7 @@
           <a:p>
             <a:fld id="{22C6D5CB-9E91-4D8B-8A6F-E7E64CE5E759}" type="datetimeFigureOut">
               <a:rPr lang="zh-CN" altLang="en-US" smtClean="0"/>
-              <a:t>2021/12/7</a:t>
+              <a:t>2021/12/8</a:t>
             </a:fld>
             <a:endParaRPr lang="zh-CN" altLang="en-US"/>
           </a:p>
@@ -3004,7 +3088,7 @@
           <a:p>
             <a:fld id="{22C6D5CB-9E91-4D8B-8A6F-E7E64CE5E759}" type="datetimeFigureOut">
               <a:rPr lang="zh-CN" altLang="en-US" smtClean="0"/>
-              <a:t>2021/12/7</a:t>
+              <a:t>2021/12/8</a:t>
             </a:fld>
             <a:endParaRPr lang="zh-CN" altLang="en-US"/>
           </a:p>
@@ -3315,7 +3399,7 @@
           <a:p>
             <a:fld id="{22C6D5CB-9E91-4D8B-8A6F-E7E64CE5E759}" type="datetimeFigureOut">
               <a:rPr lang="zh-CN" altLang="en-US" smtClean="0"/>
-              <a:t>2021/12/7</a:t>
+              <a:t>2021/12/8</a:t>
             </a:fld>
             <a:endParaRPr lang="zh-CN" altLang="en-US"/>
           </a:p>
@@ -3603,7 +3687,7 @@
           <a:p>
             <a:fld id="{22C6D5CB-9E91-4D8B-8A6F-E7E64CE5E759}" type="datetimeFigureOut">
               <a:rPr lang="zh-CN" altLang="en-US" smtClean="0"/>
-              <a:t>2021/12/7</a:t>
+              <a:t>2021/12/8</a:t>
             </a:fld>
             <a:endParaRPr lang="zh-CN" altLang="en-US"/>
           </a:p>
@@ -3844,7 +3928,7 @@
           <a:p>
             <a:fld id="{22C6D5CB-9E91-4D8B-8A6F-E7E64CE5E759}" type="datetimeFigureOut">
               <a:rPr lang="zh-CN" altLang="en-US" smtClean="0"/>
-              <a:t>2021/12/7</a:t>
+              <a:t>2021/12/8</a:t>
             </a:fld>
             <a:endParaRPr lang="zh-CN" altLang="en-US"/>
           </a:p>
@@ -10316,7 +10400,7 @@
                 <a:latin typeface="黑体" panose="02010609060101010101" pitchFamily="49" charset="-122"/>
                 <a:ea typeface="黑体" panose="02010609060101010101" pitchFamily="49" charset="-122"/>
               </a:rPr>
-              <a:t>15s</a:t>
+              <a:t>30s</a:t>
             </a:r>
             <a:r>
               <a:rPr lang="zh-CN" altLang="en-US" b="1" dirty="0">
@@ -10416,7 +10500,7 @@
                 <a:latin typeface="黑体" panose="02010609060101010101" pitchFamily="49" charset="-122"/>
                 <a:ea typeface="黑体" panose="02010609060101010101" pitchFamily="49" charset="-122"/>
               </a:rPr>
-              <a:t>15s</a:t>
+              <a:t>30s</a:t>
             </a:r>
             <a:r>
               <a:rPr lang="zh-CN" altLang="en-US" b="1" dirty="0">
@@ -10601,7 +10685,7 @@
             <p:nvPr/>
           </p:nvPicPr>
           <p:blipFill>
-            <a:blip r:embed="rId2" cstate="print">
+            <a:blip r:embed="rId3" cstate="print">
               <a:extLst>
                 <a:ext uri="{28A0092B-C50C-407E-A947-70E740481C1C}">
                   <a14:useLocalDpi xmlns:a14="http://schemas.microsoft.com/office/drawing/2010/main" val="0"/>
@@ -10866,7 +10950,7 @@
             <p:nvPr/>
           </p:nvPicPr>
           <p:blipFill>
-            <a:blip r:embed="rId2" cstate="print">
+            <a:blip r:embed="rId3" cstate="print">
               <a:extLst>
                 <a:ext uri="{28A0092B-C50C-407E-A947-70E740481C1C}">
                   <a14:useLocalDpi xmlns:a14="http://schemas.microsoft.com/office/drawing/2010/main" val="0"/>

--- a/pictures/introduction.pptx
+++ b/pictures/introduction.pptx
@@ -12,10 +12,10 @@
     <p:sldId id="267" r:id="rId3"/>
     <p:sldId id="280" r:id="rId4"/>
     <p:sldId id="281" r:id="rId5"/>
-    <p:sldId id="278" r:id="rId6"/>
-    <p:sldId id="276" r:id="rId7"/>
-    <p:sldId id="259" r:id="rId8"/>
-    <p:sldId id="282" r:id="rId9"/>
+    <p:sldId id="282" r:id="rId6"/>
+    <p:sldId id="278" r:id="rId7"/>
+    <p:sldId id="276" r:id="rId8"/>
+    <p:sldId id="259" r:id="rId9"/>
   </p:sldIdLst>
   <p:sldSz cx="12192000" cy="6858000"/>
   <p:notesSz cx="6858000" cy="9144000"/>
@@ -129,16 +129,16 @@
             <p14:sldId id="281"/>
           </p14:sldIdLst>
         </p14:section>
+        <p14:section name="事后问卷" id="{0499FBAD-2A55-4D91-81F3-64A201EA6DB0}">
+          <p14:sldIdLst>
+            <p14:sldId id="282"/>
+          </p14:sldIdLst>
+        </p14:section>
         <p14:section name="insert pictures" id="{0987D39C-2E96-485A-8C68-510B317FB800}">
           <p14:sldIdLst>
             <p14:sldId id="278"/>
             <p14:sldId id="276"/>
             <p14:sldId id="259"/>
-          </p14:sldIdLst>
-        </p14:section>
-        <p14:section name="事后问卷" id="{0499FBAD-2A55-4D91-81F3-64A201EA6DB0}">
-          <p14:sldIdLst>
-            <p14:sldId id="282"/>
           </p14:sldIdLst>
         </p14:section>
       </p14:sectionLst>
@@ -1112,7 +1112,7 @@
           <a:p>
             <a:fld id="{19214DBA-04C0-4AE0-9391-D985D3AC6701}" type="slidenum">
               <a:rPr lang="zh-CN" altLang="en-US" smtClean="0"/>
-              <a:t>5</a:t>
+              <a:t>6</a:t>
             </a:fld>
             <a:endParaRPr lang="zh-CN" altLang="en-US"/>
           </a:p>
@@ -10098,6 +10098,72 @@
           <a:chExt cx="0" cy="0"/>
         </a:xfrm>
       </p:grpSpPr>
+      <p:pic>
+        <p:nvPicPr>
+          <p:cNvPr id="3" name="图片 2">
+            <a:extLst>
+              <a:ext uri="{FF2B5EF4-FFF2-40B4-BE49-F238E27FC236}">
+                <a16:creationId xmlns:a16="http://schemas.microsoft.com/office/drawing/2014/main" id="{1B235894-8FE8-4A21-86FB-9A1F272A02F3}"/>
+              </a:ext>
+            </a:extLst>
+          </p:cNvPr>
+          <p:cNvPicPr>
+            <a:picLocks noChangeAspect="1"/>
+          </p:cNvPicPr>
+          <p:nvPr/>
+        </p:nvPicPr>
+        <p:blipFill>
+          <a:blip r:embed="rId2">
+            <a:extLst>
+              <a:ext uri="{28A0092B-C50C-407E-A947-70E740481C1C}">
+                <a14:useLocalDpi xmlns:a14="http://schemas.microsoft.com/office/drawing/2010/main" val="0"/>
+              </a:ext>
+            </a:extLst>
+          </a:blip>
+          <a:stretch>
+            <a:fillRect/>
+          </a:stretch>
+        </p:blipFill>
+        <p:spPr>
+          <a:xfrm>
+            <a:off x="3752021" y="1085021"/>
+            <a:ext cx="4687957" cy="4687957"/>
+          </a:xfrm>
+          <a:prstGeom prst="rect">
+            <a:avLst/>
+          </a:prstGeom>
+        </p:spPr>
+      </p:pic>
+    </p:spTree>
+    <p:extLst>
+      <p:ext uri="{BB962C8B-B14F-4D97-AF65-F5344CB8AC3E}">
+        <p14:creationId xmlns:p14="http://schemas.microsoft.com/office/powerpoint/2010/main" val="628235009"/>
+      </p:ext>
+    </p:extLst>
+  </p:cSld>
+  <p:clrMapOvr>
+    <a:masterClrMapping/>
+  </p:clrMapOvr>
+</p:sld>
+</file>
+
+<file path=ppt/slides/slide6.xml><?xml version="1.0" encoding="utf-8"?>
+<p:sld xmlns:a="http://schemas.openxmlformats.org/drawingml/2006/main" xmlns:r="http://schemas.openxmlformats.org/officeDocument/2006/relationships" xmlns:p="http://schemas.openxmlformats.org/presentationml/2006/main">
+  <p:cSld>
+    <p:spTree>
+      <p:nvGrpSpPr>
+        <p:cNvPr id="1" name=""/>
+        <p:cNvGrpSpPr/>
+        <p:nvPr/>
+      </p:nvGrpSpPr>
+      <p:grpSpPr>
+        <a:xfrm>
+          <a:off x="0" y="0"/>
+          <a:ext cx="0" cy="0"/>
+          <a:chOff x="0" y="0"/>
+          <a:chExt cx="0" cy="0"/>
+        </a:xfrm>
+      </p:grpSpPr>
       <p:sp>
         <p:nvSpPr>
           <p:cNvPr id="4" name="矩形 3"/>
@@ -11199,7 +11265,7 @@
 </p:sld>
 </file>
 
-<file path=ppt/slides/slide6.xml><?xml version="1.0" encoding="utf-8"?>
+<file path=ppt/slides/slide7.xml><?xml version="1.0" encoding="utf-8"?>
 <p:sld xmlns:a="http://schemas.openxmlformats.org/drawingml/2006/main" xmlns:r="http://schemas.openxmlformats.org/officeDocument/2006/relationships" xmlns:p="http://schemas.openxmlformats.org/presentationml/2006/main">
   <p:cSld>
     <p:spTree>
@@ -11313,12 +11379,16 @@
               <a:t>A</a:t>
             </a:r>
             <a:r>
-              <a:rPr lang="zh-CN" altLang="en-US" sz="2800" b="1" dirty="0">
+              <a:rPr lang="zh-CN" altLang="en-US" sz="2800" b="1">
                 <a:latin typeface="黑体" panose="02010609060101010101" pitchFamily="49" charset="-122"/>
                 <a:ea typeface="黑体" panose="02010609060101010101" pitchFamily="49" charset="-122"/>
               </a:rPr>
-              <a:t>键</a:t>
-            </a:r>
+              <a:t>键，</a:t>
+            </a:r>
+            <a:endParaRPr lang="zh-CN" altLang="en-US" sz="2800" b="1" dirty="0">
+              <a:latin typeface="黑体" panose="02010609060101010101" pitchFamily="49" charset="-122"/>
+              <a:ea typeface="黑体" panose="02010609060101010101" pitchFamily="49" charset="-122"/>
+            </a:endParaRPr>
           </a:p>
           <a:p>
             <a:pPr marL="0" lvl="4" algn="ctr">
@@ -11643,7 +11713,7 @@
 </p:sld>
 </file>
 
-<file path=ppt/slides/slide7.xml><?xml version="1.0" encoding="utf-8"?>
+<file path=ppt/slides/slide8.xml><?xml version="1.0" encoding="utf-8"?>
 <p:sld xmlns:a="http://schemas.openxmlformats.org/drawingml/2006/main" xmlns:r="http://schemas.openxmlformats.org/officeDocument/2006/relationships" xmlns:p="http://schemas.openxmlformats.org/presentationml/2006/main">
   <p:cSld>
     <p:spTree>
@@ -11738,72 +11808,6 @@
     <p:extLst>
       <p:ext uri="{BB962C8B-B14F-4D97-AF65-F5344CB8AC3E}">
         <p14:creationId xmlns:p14="http://schemas.microsoft.com/office/powerpoint/2010/main" val="856994835"/>
-      </p:ext>
-    </p:extLst>
-  </p:cSld>
-  <p:clrMapOvr>
-    <a:masterClrMapping/>
-  </p:clrMapOvr>
-</p:sld>
-</file>
-
-<file path=ppt/slides/slide8.xml><?xml version="1.0" encoding="utf-8"?>
-<p:sld xmlns:a="http://schemas.openxmlformats.org/drawingml/2006/main" xmlns:r="http://schemas.openxmlformats.org/officeDocument/2006/relationships" xmlns:p="http://schemas.openxmlformats.org/presentationml/2006/main">
-  <p:cSld>
-    <p:spTree>
-      <p:nvGrpSpPr>
-        <p:cNvPr id="1" name=""/>
-        <p:cNvGrpSpPr/>
-        <p:nvPr/>
-      </p:nvGrpSpPr>
-      <p:grpSpPr>
-        <a:xfrm>
-          <a:off x="0" y="0"/>
-          <a:ext cx="0" cy="0"/>
-          <a:chOff x="0" y="0"/>
-          <a:chExt cx="0" cy="0"/>
-        </a:xfrm>
-      </p:grpSpPr>
-      <p:pic>
-        <p:nvPicPr>
-          <p:cNvPr id="3" name="图片 2">
-            <a:extLst>
-              <a:ext uri="{FF2B5EF4-FFF2-40B4-BE49-F238E27FC236}">
-                <a16:creationId xmlns:a16="http://schemas.microsoft.com/office/drawing/2014/main" id="{1B235894-8FE8-4A21-86FB-9A1F272A02F3}"/>
-              </a:ext>
-            </a:extLst>
-          </p:cNvPr>
-          <p:cNvPicPr>
-            <a:picLocks noChangeAspect="1"/>
-          </p:cNvPicPr>
-          <p:nvPr/>
-        </p:nvPicPr>
-        <p:blipFill>
-          <a:blip r:embed="rId2">
-            <a:extLst>
-              <a:ext uri="{28A0092B-C50C-407E-A947-70E740481C1C}">
-                <a14:useLocalDpi xmlns:a14="http://schemas.microsoft.com/office/drawing/2010/main" val="0"/>
-              </a:ext>
-            </a:extLst>
-          </a:blip>
-          <a:stretch>
-            <a:fillRect/>
-          </a:stretch>
-        </p:blipFill>
-        <p:spPr>
-          <a:xfrm>
-            <a:off x="3752021" y="1085021"/>
-            <a:ext cx="4687957" cy="4687957"/>
-          </a:xfrm>
-          <a:prstGeom prst="rect">
-            <a:avLst/>
-          </a:prstGeom>
-        </p:spPr>
-      </p:pic>
-    </p:spTree>
-    <p:extLst>
-      <p:ext uri="{BB962C8B-B14F-4D97-AF65-F5344CB8AC3E}">
-        <p14:creationId xmlns:p14="http://schemas.microsoft.com/office/powerpoint/2010/main" val="628235009"/>
       </p:ext>
     </p:extLst>
   </p:cSld>
